--- a/Иванова.pptx
+++ b/Иванова.pptx
@@ -17,8 +17,8 @@
     <p:sldId id="273" r:id="rId8"/>
     <p:sldId id="275" r:id="rId9"/>
     <p:sldId id="279" r:id="rId10"/>
-    <p:sldId id="290" r:id="rId11"/>
-    <p:sldId id="291" r:id="rId12"/>
+    <p:sldId id="291" r:id="rId11"/>
+    <p:sldId id="290" r:id="rId12"/>
     <p:sldId id="280" r:id="rId13"/>
     <p:sldId id="276" r:id="rId14"/>
     <p:sldId id="278" r:id="rId15"/>
@@ -5567,8 +5567,8 @@
         </p:nvSpPr>
         <p:spPr>
           <a:xfrm>
-            <a:off x="3713793" y="329273"/>
-            <a:ext cx="5401129" cy="461665"/>
+            <a:off x="2740258" y="187105"/>
+            <a:ext cx="5401129" cy="707886"/>
           </a:xfrm>
           <a:prstGeom prst="rect">
             <a:avLst/>
@@ -5583,7 +5583,7 @@
           <a:p>
             <a:pPr algn="ctr"/>
             <a:r>
-              <a:rPr lang="ru-RU" sz="2400" dirty="0" smtClean="0">
+              <a:rPr lang="ru-RU" sz="2000" dirty="0" smtClean="0">
                 <a:solidFill>
                   <a:srgbClr val="002B82"/>
                 </a:solidFill>
@@ -5592,16 +5592,16 @@
               <a:t>Метод </a:t>
             </a:r>
             <a:r>
-              <a:rPr lang="ru-RU" sz="2400" dirty="0" smtClean="0">
+              <a:rPr lang="ru-RU" sz="2000" dirty="0" smtClean="0">
                 <a:solidFill>
                   <a:srgbClr val="002B82"/>
                 </a:solidFill>
                 <a:latin typeface="Bahnschrift" pitchFamily="34" charset="0"/>
               </a:rPr>
-              <a:t>завершения оплаты </a:t>
-            </a:r>
-            <a:r>
-              <a:rPr lang="ru-RU" sz="2400" dirty="0" smtClean="0">
+              <a:t>отображения страницы оплаты </a:t>
+            </a:r>
+            <a:r>
+              <a:rPr lang="ru-RU" sz="2000" dirty="0" smtClean="0">
                 <a:solidFill>
                   <a:srgbClr val="002B82"/>
                 </a:solidFill>
@@ -5609,7 +5609,7 @@
               </a:rPr>
               <a:t>заказа</a:t>
             </a:r>
-            <a:endParaRPr lang="ru-RU" sz="2400" dirty="0">
+            <a:endParaRPr lang="ru-RU" sz="2000" dirty="0">
               <a:solidFill>
                 <a:srgbClr val="002B82"/>
               </a:solidFill>
@@ -5641,7 +5641,7 @@
         </p:blipFill>
         <p:spPr bwMode="auto">
           <a:xfrm>
-            <a:off x="3118804" y="492121"/>
+            <a:off x="2424278" y="329273"/>
             <a:ext cx="594989" cy="421957"/>
           </a:xfrm>
           <a:prstGeom prst="rect">
@@ -5746,38 +5746,1933 @@
           </a:extLst>
         </p:spPr>
       </p:pic>
+      <p:sp>
+        <p:nvSpPr>
+          <p:cNvPr id="3" name="Прямоугольник 2"/>
+          <p:cNvSpPr/>
+          <p:nvPr/>
+        </p:nvSpPr>
+        <p:spPr>
+          <a:xfrm>
+            <a:off x="582386" y="1255256"/>
+            <a:ext cx="4278774" cy="738664"/>
+          </a:xfrm>
+          <a:prstGeom prst="rect">
+            <a:avLst/>
+          </a:prstGeom>
+        </p:spPr>
+        <p:txBody>
+          <a:bodyPr wrap="square">
+            <a:spAutoFit/>
+          </a:bodyPr>
+          <a:lstStyle/>
+          <a:p>
+            <a:r>
+              <a:rPr lang="en-US" sz="1400" dirty="0" smtClean="0">
+                <a:latin typeface="Courier New" pitchFamily="49" charset="0"/>
+                <a:cs typeface="Courier New" pitchFamily="49" charset="0"/>
+              </a:rPr>
+              <a:t>https://test.ru/Payment/Pay</a:t>
+            </a:r>
+            <a:r>
+              <a:rPr lang="en-US" sz="1400" dirty="0">
+                <a:latin typeface="Courier New" pitchFamily="49" charset="0"/>
+                <a:cs typeface="Courier New" pitchFamily="49" charset="0"/>
+              </a:rPr>
+              <a:t>/{transactionId}&amp;{orderId}&amp;{merchant}&amp;{approve}&amp;{cancel}&amp;{fail}</a:t>
+            </a:r>
+            <a:endParaRPr lang="ru-RU" sz="1400" dirty="0">
+              <a:latin typeface="Courier New" pitchFamily="49" charset="0"/>
+              <a:cs typeface="Courier New" pitchFamily="49" charset="0"/>
+            </a:endParaRPr>
+          </a:p>
+        </p:txBody>
+      </p:sp>
+      <p:sp>
+        <p:nvSpPr>
+          <p:cNvPr id="12" name="Скругленный прямоугольник 11"/>
+          <p:cNvSpPr/>
+          <p:nvPr/>
+        </p:nvSpPr>
+        <p:spPr>
+          <a:xfrm>
+            <a:off x="6263335" y="553392"/>
+            <a:ext cx="4999301" cy="5862955"/>
+          </a:xfrm>
+          <a:prstGeom prst="roundRect">
+            <a:avLst/>
+          </a:prstGeom>
+          <a:solidFill>
+            <a:srgbClr val="002B82"/>
+          </a:solidFill>
+          <a:ln>
+            <a:noFill/>
+          </a:ln>
+        </p:spPr>
+        <p:style>
+          <a:lnRef idx="2">
+            <a:schemeClr val="accent1">
+              <a:shade val="50000"/>
+            </a:schemeClr>
+          </a:lnRef>
+          <a:fillRef idx="1">
+            <a:schemeClr val="accent1"/>
+          </a:fillRef>
+          <a:effectRef idx="0">
+            <a:schemeClr val="accent1"/>
+          </a:effectRef>
+          <a:fontRef idx="minor">
+            <a:schemeClr val="lt1"/>
+          </a:fontRef>
+        </p:style>
+        <p:txBody>
+          <a:bodyPr rtlCol="0" anchor="t"/>
+          <a:lstStyle/>
+          <a:p>
+            <a:endParaRPr lang="ru-RU" dirty="0"/>
+          </a:p>
+        </p:txBody>
+      </p:sp>
+      <p:sp>
+        <p:nvSpPr>
+          <p:cNvPr id="14" name="Стрелка вправо 13"/>
+          <p:cNvSpPr/>
+          <p:nvPr/>
+        </p:nvSpPr>
+        <p:spPr>
+          <a:xfrm>
+            <a:off x="5446907" y="1542210"/>
+            <a:ext cx="1045028" cy="216265"/>
+          </a:xfrm>
+          <a:prstGeom prst="rightArrow">
+            <a:avLst/>
+          </a:prstGeom>
+          <a:solidFill>
+            <a:srgbClr val="F86512"/>
+          </a:solidFill>
+          <a:ln>
+            <a:noFill/>
+          </a:ln>
+        </p:spPr>
+        <p:style>
+          <a:lnRef idx="2">
+            <a:schemeClr val="accent1">
+              <a:shade val="50000"/>
+            </a:schemeClr>
+          </a:lnRef>
+          <a:fillRef idx="1">
+            <a:schemeClr val="accent1"/>
+          </a:fillRef>
+          <a:effectRef idx="0">
+            <a:schemeClr val="accent1"/>
+          </a:effectRef>
+          <a:fontRef idx="minor">
+            <a:schemeClr val="lt1"/>
+          </a:fontRef>
+        </p:style>
+        <p:txBody>
+          <a:bodyPr rtlCol="0" anchor="ctr"/>
+          <a:lstStyle/>
+          <a:p>
+            <a:pPr algn="ctr"/>
+            <a:endParaRPr lang="ru-RU"/>
+          </a:p>
+        </p:txBody>
+      </p:sp>
+      <p:sp>
+        <p:nvSpPr>
+          <p:cNvPr id="15" name="Стрелка вправо 14"/>
+          <p:cNvSpPr/>
+          <p:nvPr/>
+        </p:nvSpPr>
+        <p:spPr>
+          <a:xfrm flipH="1">
+            <a:off x="5389757" y="5741435"/>
+            <a:ext cx="993321" cy="216265"/>
+          </a:xfrm>
+          <a:prstGeom prst="rightArrow">
+            <a:avLst/>
+          </a:prstGeom>
+          <a:solidFill>
+            <a:srgbClr val="47A9FF"/>
+          </a:solidFill>
+          <a:ln>
+            <a:noFill/>
+          </a:ln>
+        </p:spPr>
+        <p:style>
+          <a:lnRef idx="2">
+            <a:schemeClr val="accent1">
+              <a:shade val="50000"/>
+            </a:schemeClr>
+          </a:lnRef>
+          <a:fillRef idx="1">
+            <a:schemeClr val="accent1"/>
+          </a:fillRef>
+          <a:effectRef idx="0">
+            <a:schemeClr val="accent1"/>
+          </a:effectRef>
+          <a:fontRef idx="minor">
+            <a:schemeClr val="lt1"/>
+          </a:fontRef>
+        </p:style>
+        <p:txBody>
+          <a:bodyPr rtlCol="0" anchor="ctr"/>
+          <a:lstStyle/>
+          <a:p>
+            <a:pPr algn="ctr"/>
+            <a:endParaRPr lang="ru-RU"/>
+          </a:p>
+        </p:txBody>
+      </p:sp>
+      <p:sp>
+        <p:nvSpPr>
+          <p:cNvPr id="16" name="Овал 15"/>
+          <p:cNvSpPr/>
+          <p:nvPr/>
+        </p:nvSpPr>
+        <p:spPr>
+          <a:xfrm>
+            <a:off x="8955470" y="594784"/>
+            <a:ext cx="336114" cy="310243"/>
+          </a:xfrm>
+          <a:prstGeom prst="ellipse">
+            <a:avLst/>
+          </a:prstGeom>
+          <a:solidFill>
+            <a:srgbClr val="002B82"/>
+          </a:solidFill>
+          <a:ln w="38100">
+            <a:solidFill>
+              <a:srgbClr val="47A9FF"/>
+            </a:solidFill>
+          </a:ln>
+        </p:spPr>
+        <p:style>
+          <a:lnRef idx="2">
+            <a:schemeClr val="accent1">
+              <a:shade val="50000"/>
+            </a:schemeClr>
+          </a:lnRef>
+          <a:fillRef idx="1">
+            <a:schemeClr val="accent1"/>
+          </a:fillRef>
+          <a:effectRef idx="0">
+            <a:schemeClr val="accent1"/>
+          </a:effectRef>
+          <a:fontRef idx="minor">
+            <a:schemeClr val="lt1"/>
+          </a:fontRef>
+        </p:style>
+        <p:txBody>
+          <a:bodyPr rtlCol="0" anchor="ctr"/>
+          <a:lstStyle/>
+          <a:p>
+            <a:pPr algn="ctr"/>
+            <a:endParaRPr lang="ru-RU"/>
+          </a:p>
+        </p:txBody>
+      </p:sp>
+      <p:sp>
+        <p:nvSpPr>
+          <p:cNvPr id="17" name="Стрелка вправо 16"/>
+          <p:cNvSpPr/>
+          <p:nvPr/>
+        </p:nvSpPr>
+        <p:spPr>
+          <a:xfrm rot="5400000">
+            <a:off x="8973486" y="1001002"/>
+            <a:ext cx="300082" cy="108132"/>
+          </a:xfrm>
+          <a:prstGeom prst="rightArrow">
+            <a:avLst/>
+          </a:prstGeom>
+          <a:solidFill>
+            <a:srgbClr val="47A9FF"/>
+          </a:solidFill>
+          <a:ln>
+            <a:noFill/>
+          </a:ln>
+        </p:spPr>
+        <p:style>
+          <a:lnRef idx="2">
+            <a:schemeClr val="accent1">
+              <a:shade val="50000"/>
+            </a:schemeClr>
+          </a:lnRef>
+          <a:fillRef idx="1">
+            <a:schemeClr val="accent1"/>
+          </a:fillRef>
+          <a:effectRef idx="0">
+            <a:schemeClr val="accent1"/>
+          </a:effectRef>
+          <a:fontRef idx="minor">
+            <a:schemeClr val="lt1"/>
+          </a:fontRef>
+        </p:style>
+        <p:txBody>
+          <a:bodyPr rtlCol="0" anchor="ctr"/>
+          <a:lstStyle/>
+          <a:p>
+            <a:pPr algn="ctr"/>
+            <a:endParaRPr lang="ru-RU"/>
+          </a:p>
+        </p:txBody>
+      </p:sp>
+      <p:sp>
+        <p:nvSpPr>
+          <p:cNvPr id="18" name="Стрелка вправо 17"/>
+          <p:cNvSpPr/>
+          <p:nvPr/>
+        </p:nvSpPr>
+        <p:spPr>
+          <a:xfrm rot="5400000">
+            <a:off x="8987355" y="2028473"/>
+            <a:ext cx="256718" cy="92506"/>
+          </a:xfrm>
+          <a:prstGeom prst="rightArrow">
+            <a:avLst/>
+          </a:prstGeom>
+          <a:solidFill>
+            <a:srgbClr val="47A9FF"/>
+          </a:solidFill>
+          <a:ln>
+            <a:noFill/>
+          </a:ln>
+        </p:spPr>
+        <p:style>
+          <a:lnRef idx="2">
+            <a:schemeClr val="accent1">
+              <a:shade val="50000"/>
+            </a:schemeClr>
+          </a:lnRef>
+          <a:fillRef idx="1">
+            <a:schemeClr val="accent1"/>
+          </a:fillRef>
+          <a:effectRef idx="0">
+            <a:schemeClr val="accent1"/>
+          </a:effectRef>
+          <a:fontRef idx="minor">
+            <a:schemeClr val="lt1"/>
+          </a:fontRef>
+        </p:style>
+        <p:txBody>
+          <a:bodyPr rtlCol="0" anchor="ctr"/>
+          <a:lstStyle/>
+          <a:p>
+            <a:pPr algn="ctr"/>
+            <a:endParaRPr lang="ru-RU"/>
+          </a:p>
+        </p:txBody>
+      </p:sp>
+      <p:sp>
+        <p:nvSpPr>
+          <p:cNvPr id="19" name="Стрелка вправо 18"/>
+          <p:cNvSpPr/>
+          <p:nvPr/>
+        </p:nvSpPr>
+        <p:spPr>
+          <a:xfrm rot="5400000">
+            <a:off x="8931447" y="2792517"/>
+            <a:ext cx="374274" cy="122461"/>
+          </a:xfrm>
+          <a:prstGeom prst="rightArrow">
+            <a:avLst/>
+          </a:prstGeom>
+          <a:solidFill>
+            <a:srgbClr val="47A9FF"/>
+          </a:solidFill>
+          <a:ln>
+            <a:noFill/>
+          </a:ln>
+        </p:spPr>
+        <p:style>
+          <a:lnRef idx="2">
+            <a:schemeClr val="accent1">
+              <a:shade val="50000"/>
+            </a:schemeClr>
+          </a:lnRef>
+          <a:fillRef idx="1">
+            <a:schemeClr val="accent1"/>
+          </a:fillRef>
+          <a:effectRef idx="0">
+            <a:schemeClr val="accent1"/>
+          </a:effectRef>
+          <a:fontRef idx="minor">
+            <a:schemeClr val="lt1"/>
+          </a:fontRef>
+        </p:style>
+        <p:txBody>
+          <a:bodyPr rtlCol="0" anchor="ctr"/>
+          <a:lstStyle/>
+          <a:p>
+            <a:pPr algn="ctr"/>
+            <a:endParaRPr lang="ru-RU"/>
+          </a:p>
+        </p:txBody>
+      </p:sp>
+      <p:sp>
+        <p:nvSpPr>
+          <p:cNvPr id="20" name="Стрелка вправо 19"/>
+          <p:cNvSpPr/>
+          <p:nvPr/>
+        </p:nvSpPr>
+        <p:spPr>
+          <a:xfrm rot="5400000">
+            <a:off x="9032101" y="3472277"/>
+            <a:ext cx="187138" cy="122461"/>
+          </a:xfrm>
+          <a:prstGeom prst="rightArrow">
+            <a:avLst/>
+          </a:prstGeom>
+          <a:solidFill>
+            <a:srgbClr val="47A9FF"/>
+          </a:solidFill>
+          <a:ln>
+            <a:noFill/>
+          </a:ln>
+        </p:spPr>
+        <p:style>
+          <a:lnRef idx="2">
+            <a:schemeClr val="accent1">
+              <a:shade val="50000"/>
+            </a:schemeClr>
+          </a:lnRef>
+          <a:fillRef idx="1">
+            <a:schemeClr val="accent1"/>
+          </a:fillRef>
+          <a:effectRef idx="0">
+            <a:schemeClr val="accent1"/>
+          </a:effectRef>
+          <a:fontRef idx="minor">
+            <a:schemeClr val="lt1"/>
+          </a:fontRef>
+        </p:style>
+        <p:txBody>
+          <a:bodyPr rtlCol="0" anchor="ctr"/>
+          <a:lstStyle/>
+          <a:p>
+            <a:pPr algn="ctr"/>
+            <a:endParaRPr lang="ru-RU"/>
+          </a:p>
+        </p:txBody>
+      </p:sp>
+      <p:sp>
+        <p:nvSpPr>
+          <p:cNvPr id="21" name="TextBox 20"/>
+          <p:cNvSpPr txBox="1"/>
+          <p:nvPr/>
+        </p:nvSpPr>
+        <p:spPr>
+          <a:xfrm>
+            <a:off x="9206556" y="1926086"/>
+            <a:ext cx="344966" cy="276999"/>
+          </a:xfrm>
+          <a:prstGeom prst="rect">
+            <a:avLst/>
+          </a:prstGeom>
+          <a:noFill/>
+        </p:spPr>
+        <p:txBody>
+          <a:bodyPr wrap="none" rtlCol="0">
+            <a:spAutoFit/>
+          </a:bodyPr>
+          <a:lstStyle/>
+          <a:p>
+            <a:r>
+              <a:rPr lang="ru-RU" sz="1200" dirty="0" smtClean="0">
+                <a:solidFill>
+                  <a:schemeClr val="bg1"/>
+                </a:solidFill>
+              </a:rPr>
+              <a:t>да</a:t>
+            </a:r>
+            <a:endParaRPr lang="ru-RU" sz="1200" dirty="0">
+              <a:solidFill>
+                <a:schemeClr val="bg1"/>
+              </a:solidFill>
+            </a:endParaRPr>
+          </a:p>
+        </p:txBody>
+      </p:sp>
+      <p:sp>
+        <p:nvSpPr>
+          <p:cNvPr id="22" name="TextBox 21"/>
+          <p:cNvSpPr txBox="1"/>
+          <p:nvPr/>
+        </p:nvSpPr>
+        <p:spPr>
+          <a:xfrm>
+            <a:off x="10438364" y="3460951"/>
+            <a:ext cx="344966" cy="276999"/>
+          </a:xfrm>
+          <a:prstGeom prst="rect">
+            <a:avLst/>
+          </a:prstGeom>
+          <a:noFill/>
+        </p:spPr>
+        <p:txBody>
+          <a:bodyPr wrap="none" rtlCol="0">
+            <a:spAutoFit/>
+          </a:bodyPr>
+          <a:lstStyle/>
+          <a:p>
+            <a:r>
+              <a:rPr lang="ru-RU" sz="1200" dirty="0" smtClean="0">
+                <a:solidFill>
+                  <a:schemeClr val="bg1"/>
+                </a:solidFill>
+              </a:rPr>
+              <a:t>да</a:t>
+            </a:r>
+            <a:endParaRPr lang="ru-RU" sz="1200" dirty="0">
+              <a:solidFill>
+                <a:schemeClr val="bg1"/>
+              </a:solidFill>
+            </a:endParaRPr>
+          </a:p>
+        </p:txBody>
+      </p:sp>
+      <p:sp>
+        <p:nvSpPr>
+          <p:cNvPr id="23" name="TextBox 22"/>
+          <p:cNvSpPr txBox="1"/>
+          <p:nvPr/>
+        </p:nvSpPr>
+        <p:spPr>
+          <a:xfrm>
+            <a:off x="9251525" y="5849568"/>
+            <a:ext cx="344966" cy="276999"/>
+          </a:xfrm>
+          <a:prstGeom prst="rect">
+            <a:avLst/>
+          </a:prstGeom>
+          <a:noFill/>
+        </p:spPr>
+        <p:txBody>
+          <a:bodyPr wrap="none" rtlCol="0">
+            <a:spAutoFit/>
+          </a:bodyPr>
+          <a:lstStyle/>
+          <a:p>
+            <a:r>
+              <a:rPr lang="ru-RU" sz="1200" dirty="0" smtClean="0">
+                <a:solidFill>
+                  <a:schemeClr val="bg1"/>
+                </a:solidFill>
+              </a:rPr>
+              <a:t>да</a:t>
+            </a:r>
+            <a:endParaRPr lang="ru-RU" sz="1200" dirty="0">
+              <a:solidFill>
+                <a:schemeClr val="bg1"/>
+              </a:solidFill>
+            </a:endParaRPr>
+          </a:p>
+        </p:txBody>
+      </p:sp>
+      <p:sp>
+        <p:nvSpPr>
+          <p:cNvPr id="24" name="Стрелка углом 23"/>
+          <p:cNvSpPr/>
+          <p:nvPr/>
+        </p:nvSpPr>
+        <p:spPr>
+          <a:xfrm rot="10800000">
+            <a:off x="7255735" y="5824730"/>
+            <a:ext cx="1941394" cy="472882"/>
+          </a:xfrm>
+          <a:prstGeom prst="bentArrow">
+            <a:avLst/>
+          </a:prstGeom>
+          <a:solidFill>
+            <a:srgbClr val="47A9FF"/>
+          </a:solidFill>
+          <a:ln>
+            <a:noFill/>
+          </a:ln>
+        </p:spPr>
+        <p:style>
+          <a:lnRef idx="2">
+            <a:schemeClr val="accent1">
+              <a:shade val="50000"/>
+            </a:schemeClr>
+          </a:lnRef>
+          <a:fillRef idx="1">
+            <a:schemeClr val="accent1"/>
+          </a:fillRef>
+          <a:effectRef idx="0">
+            <a:schemeClr val="accent1"/>
+          </a:effectRef>
+          <a:fontRef idx="minor">
+            <a:schemeClr val="lt1"/>
+          </a:fontRef>
+        </p:style>
+        <p:txBody>
+          <a:bodyPr rtlCol="0" anchor="ctr"/>
+          <a:lstStyle/>
+          <a:p>
+            <a:pPr algn="ctr"/>
+            <a:endParaRPr lang="ru-RU">
+              <a:solidFill>
+                <a:schemeClr val="tx1"/>
+              </a:solidFill>
+            </a:endParaRPr>
+          </a:p>
+        </p:txBody>
+      </p:sp>
+      <p:sp>
+        <p:nvSpPr>
+          <p:cNvPr id="25" name="TextBox 24"/>
+          <p:cNvSpPr txBox="1"/>
+          <p:nvPr/>
+        </p:nvSpPr>
+        <p:spPr>
+          <a:xfrm>
+            <a:off x="6870902" y="5833448"/>
+            <a:ext cx="1848455" cy="276999"/>
+          </a:xfrm>
+          <a:prstGeom prst="rect">
+            <a:avLst/>
+          </a:prstGeom>
+          <a:noFill/>
+        </p:spPr>
+        <p:txBody>
+          <a:bodyPr wrap="none" rtlCol="0">
+            <a:spAutoFit/>
+          </a:bodyPr>
+          <a:lstStyle/>
+          <a:p>
+            <a:r>
+              <a:rPr lang="ru-RU" sz="1200" dirty="0" smtClean="0">
+                <a:solidFill>
+                  <a:schemeClr val="bg1"/>
+                </a:solidFill>
+              </a:rPr>
+              <a:t>Вернуть страницу оплаты</a:t>
+            </a:r>
+            <a:endParaRPr lang="ru-RU" sz="1200" dirty="0">
+              <a:solidFill>
+                <a:schemeClr val="bg1"/>
+              </a:solidFill>
+            </a:endParaRPr>
+          </a:p>
+        </p:txBody>
+      </p:sp>
+      <p:sp>
+        <p:nvSpPr>
+          <p:cNvPr id="28" name="Стрелка углом 27"/>
+          <p:cNvSpPr/>
+          <p:nvPr/>
+        </p:nvSpPr>
+        <p:spPr>
+          <a:xfrm rot="16200000" flipH="1">
+            <a:off x="5353107" y="2467214"/>
+            <a:ext cx="3592108" cy="1738995"/>
+          </a:xfrm>
+          <a:prstGeom prst="bentArrow">
+            <a:avLst>
+              <a:gd name="adj1" fmla="val 5921"/>
+              <a:gd name="adj2" fmla="val 9327"/>
+              <a:gd name="adj3" fmla="val 12685"/>
+              <a:gd name="adj4" fmla="val 43750"/>
+            </a:avLst>
+          </a:prstGeom>
+          <a:solidFill>
+            <a:srgbClr val="47A9FF"/>
+          </a:solidFill>
+          <a:ln>
+            <a:noFill/>
+          </a:ln>
+        </p:spPr>
+        <p:style>
+          <a:lnRef idx="2">
+            <a:schemeClr val="accent1">
+              <a:shade val="50000"/>
+            </a:schemeClr>
+          </a:lnRef>
+          <a:fillRef idx="1">
+            <a:schemeClr val="accent1"/>
+          </a:fillRef>
+          <a:effectRef idx="0">
+            <a:schemeClr val="accent1"/>
+          </a:effectRef>
+          <a:fontRef idx="minor">
+            <a:schemeClr val="lt1"/>
+          </a:fontRef>
+        </p:style>
+        <p:txBody>
+          <a:bodyPr rtlCol="0" anchor="ctr"/>
+          <a:lstStyle/>
+          <a:p>
+            <a:pPr algn="ctr"/>
+            <a:endParaRPr lang="ru-RU">
+              <a:solidFill>
+                <a:schemeClr val="tx1"/>
+              </a:solidFill>
+            </a:endParaRPr>
+          </a:p>
+        </p:txBody>
+      </p:sp>
+      <p:sp>
+        <p:nvSpPr>
+          <p:cNvPr id="30" name="Блок-схема: решение 29"/>
+          <p:cNvSpPr/>
+          <p:nvPr/>
+        </p:nvSpPr>
+        <p:spPr>
+          <a:xfrm>
+            <a:off x="7929478" y="1218783"/>
+            <a:ext cx="2388099" cy="763997"/>
+          </a:xfrm>
+          <a:prstGeom prst="flowChartDecision">
+            <a:avLst/>
+          </a:prstGeom>
+          <a:solidFill>
+            <a:srgbClr val="002B82"/>
+          </a:solidFill>
+          <a:ln w="28575">
+            <a:solidFill>
+              <a:srgbClr val="47A9FF"/>
+            </a:solidFill>
+          </a:ln>
+        </p:spPr>
+        <p:style>
+          <a:lnRef idx="2">
+            <a:schemeClr val="accent1">
+              <a:shade val="50000"/>
+            </a:schemeClr>
+          </a:lnRef>
+          <a:fillRef idx="1">
+            <a:schemeClr val="accent1"/>
+          </a:fillRef>
+          <a:effectRef idx="0">
+            <a:schemeClr val="accent1"/>
+          </a:effectRef>
+          <a:fontRef idx="minor">
+            <a:schemeClr val="lt1"/>
+          </a:fontRef>
+        </p:style>
+        <p:txBody>
+          <a:bodyPr rtlCol="0" anchor="ctr"/>
+          <a:lstStyle/>
+          <a:p>
+            <a:pPr algn="ctr"/>
+            <a:r>
+              <a:rPr lang="ru-RU" sz="1000" dirty="0" smtClean="0"/>
+              <a:t>Заданы мерчант, номер транзакции и номер заказ?</a:t>
+            </a:r>
+            <a:endParaRPr lang="ru-RU" sz="1000" dirty="0"/>
+          </a:p>
+        </p:txBody>
+      </p:sp>
+      <p:sp>
+        <p:nvSpPr>
+          <p:cNvPr id="31" name="TextBox 30"/>
+          <p:cNvSpPr txBox="1"/>
+          <p:nvPr/>
+        </p:nvSpPr>
+        <p:spPr>
+          <a:xfrm>
+            <a:off x="6744663" y="1136522"/>
+            <a:ext cx="1872949" cy="276999"/>
+          </a:xfrm>
+          <a:prstGeom prst="rect">
+            <a:avLst/>
+          </a:prstGeom>
+          <a:noFill/>
+        </p:spPr>
+        <p:txBody>
+          <a:bodyPr wrap="none" rtlCol="0">
+            <a:spAutoFit/>
+          </a:bodyPr>
+          <a:lstStyle/>
+          <a:p>
+            <a:r>
+              <a:rPr lang="ru-RU" sz="1200" dirty="0">
+                <a:solidFill>
+                  <a:schemeClr val="bg1"/>
+                </a:solidFill>
+              </a:rPr>
+              <a:t>Вернуть страницу </a:t>
+            </a:r>
+            <a:r>
+              <a:rPr lang="ru-RU" sz="1200" dirty="0" smtClean="0">
+                <a:solidFill>
+                  <a:schemeClr val="bg1"/>
+                </a:solidFill>
+              </a:rPr>
+              <a:t>ошибку</a:t>
+            </a:r>
+            <a:endParaRPr lang="ru-RU" sz="1200" dirty="0">
+              <a:solidFill>
+                <a:schemeClr val="bg1"/>
+              </a:solidFill>
+            </a:endParaRPr>
+          </a:p>
+        </p:txBody>
+      </p:sp>
+      <p:sp>
+        <p:nvSpPr>
+          <p:cNvPr id="32" name="Стрелка вправо 31"/>
+          <p:cNvSpPr/>
+          <p:nvPr/>
+        </p:nvSpPr>
+        <p:spPr>
+          <a:xfrm flipH="1">
+            <a:off x="6910866" y="5428011"/>
+            <a:ext cx="1257301" cy="216265"/>
+          </a:xfrm>
+          <a:prstGeom prst="rightArrow">
+            <a:avLst/>
+          </a:prstGeom>
+          <a:solidFill>
+            <a:srgbClr val="47A9FF"/>
+          </a:solidFill>
+          <a:ln>
+            <a:noFill/>
+          </a:ln>
+        </p:spPr>
+        <p:style>
+          <a:lnRef idx="2">
+            <a:schemeClr val="accent1">
+              <a:shade val="50000"/>
+            </a:schemeClr>
+          </a:lnRef>
+          <a:fillRef idx="1">
+            <a:schemeClr val="accent1"/>
+          </a:fillRef>
+          <a:effectRef idx="0">
+            <a:schemeClr val="accent1"/>
+          </a:effectRef>
+          <a:fontRef idx="minor">
+            <a:schemeClr val="lt1"/>
+          </a:fontRef>
+        </p:style>
+        <p:txBody>
+          <a:bodyPr rtlCol="0" anchor="ctr"/>
+          <a:lstStyle/>
+          <a:p>
+            <a:pPr algn="ctr"/>
+            <a:endParaRPr lang="ru-RU"/>
+          </a:p>
+        </p:txBody>
+      </p:sp>
+      <p:sp>
+        <p:nvSpPr>
+          <p:cNvPr id="33" name="Блок-схема: решение 32"/>
+          <p:cNvSpPr/>
+          <p:nvPr/>
+        </p:nvSpPr>
+        <p:spPr>
+          <a:xfrm>
+            <a:off x="7996834" y="5255942"/>
+            <a:ext cx="2330265" cy="582115"/>
+          </a:xfrm>
+          <a:prstGeom prst="flowChartDecision">
+            <a:avLst/>
+          </a:prstGeom>
+          <a:solidFill>
+            <a:srgbClr val="002B82"/>
+          </a:solidFill>
+          <a:ln w="28575">
+            <a:solidFill>
+              <a:srgbClr val="47A9FF"/>
+            </a:solidFill>
+          </a:ln>
+        </p:spPr>
+        <p:style>
+          <a:lnRef idx="2">
+            <a:schemeClr val="accent1">
+              <a:shade val="50000"/>
+            </a:schemeClr>
+          </a:lnRef>
+          <a:fillRef idx="1">
+            <a:schemeClr val="accent1"/>
+          </a:fillRef>
+          <a:effectRef idx="0">
+            <a:schemeClr val="accent1"/>
+          </a:effectRef>
+          <a:fontRef idx="minor">
+            <a:schemeClr val="lt1"/>
+          </a:fontRef>
+        </p:style>
+        <p:txBody>
+          <a:bodyPr rtlCol="0" anchor="ctr"/>
+          <a:lstStyle/>
+          <a:p>
+            <a:pPr algn="ctr"/>
+            <a:r>
+              <a:rPr lang="ru-RU" sz="1000" dirty="0" smtClean="0"/>
+              <a:t>У пользователя есть бонусы?</a:t>
+            </a:r>
+            <a:endParaRPr lang="ru-RU" sz="1000" dirty="0"/>
+          </a:p>
+        </p:txBody>
+      </p:sp>
+      <p:sp>
+        <p:nvSpPr>
+          <p:cNvPr id="34" name="TextBox 33"/>
+          <p:cNvSpPr txBox="1"/>
+          <p:nvPr/>
+        </p:nvSpPr>
+        <p:spPr>
+          <a:xfrm>
+            <a:off x="6845552" y="5167211"/>
+            <a:ext cx="1872949" cy="276999"/>
+          </a:xfrm>
+          <a:prstGeom prst="rect">
+            <a:avLst/>
+          </a:prstGeom>
+          <a:noFill/>
+        </p:spPr>
+        <p:txBody>
+          <a:bodyPr wrap="none" rtlCol="0">
+            <a:spAutoFit/>
+          </a:bodyPr>
+          <a:lstStyle/>
+          <a:p>
+            <a:r>
+              <a:rPr lang="ru-RU" sz="1200" dirty="0">
+                <a:solidFill>
+                  <a:schemeClr val="bg1"/>
+                </a:solidFill>
+              </a:rPr>
+              <a:t>Вернуть страницу </a:t>
+            </a:r>
+            <a:r>
+              <a:rPr lang="ru-RU" sz="1200" dirty="0" smtClean="0">
+                <a:solidFill>
+                  <a:schemeClr val="bg1"/>
+                </a:solidFill>
+              </a:rPr>
+              <a:t>ошибку</a:t>
+            </a:r>
+            <a:endParaRPr lang="ru-RU" sz="1200" dirty="0">
+              <a:solidFill>
+                <a:schemeClr val="bg1"/>
+              </a:solidFill>
+            </a:endParaRPr>
+          </a:p>
+        </p:txBody>
+      </p:sp>
+      <p:sp>
+        <p:nvSpPr>
+          <p:cNvPr id="35" name="Стрелка вправо 34"/>
+          <p:cNvSpPr/>
+          <p:nvPr/>
+        </p:nvSpPr>
+        <p:spPr>
+          <a:xfrm rot="5400000">
+            <a:off x="9042329" y="4192188"/>
+            <a:ext cx="187138" cy="122461"/>
+          </a:xfrm>
+          <a:prstGeom prst="rightArrow">
+            <a:avLst/>
+          </a:prstGeom>
+          <a:solidFill>
+            <a:srgbClr val="47A9FF"/>
+          </a:solidFill>
+          <a:ln>
+            <a:noFill/>
+          </a:ln>
+        </p:spPr>
+        <p:style>
+          <a:lnRef idx="2">
+            <a:schemeClr val="accent1">
+              <a:shade val="50000"/>
+            </a:schemeClr>
+          </a:lnRef>
+          <a:fillRef idx="1">
+            <a:schemeClr val="accent1"/>
+          </a:fillRef>
+          <a:effectRef idx="0">
+            <a:schemeClr val="accent1"/>
+          </a:effectRef>
+          <a:fontRef idx="minor">
+            <a:schemeClr val="lt1"/>
+          </a:fontRef>
+        </p:style>
+        <p:txBody>
+          <a:bodyPr rtlCol="0" anchor="ctr"/>
+          <a:lstStyle/>
+          <a:p>
+            <a:pPr algn="ctr"/>
+            <a:endParaRPr lang="ru-RU"/>
+          </a:p>
+        </p:txBody>
+      </p:sp>
+      <p:sp>
+        <p:nvSpPr>
+          <p:cNvPr id="36" name="Стрелка вправо 35"/>
+          <p:cNvSpPr/>
+          <p:nvPr/>
+        </p:nvSpPr>
+        <p:spPr>
+          <a:xfrm rot="5400000">
+            <a:off x="8935215" y="4984603"/>
+            <a:ext cx="405586" cy="137095"/>
+          </a:xfrm>
+          <a:prstGeom prst="rightArrow">
+            <a:avLst/>
+          </a:prstGeom>
+          <a:solidFill>
+            <a:srgbClr val="47A9FF"/>
+          </a:solidFill>
+          <a:ln>
+            <a:noFill/>
+          </a:ln>
+        </p:spPr>
+        <p:style>
+          <a:lnRef idx="2">
+            <a:schemeClr val="accent1">
+              <a:shade val="50000"/>
+            </a:schemeClr>
+          </a:lnRef>
+          <a:fillRef idx="1">
+            <a:schemeClr val="accent1"/>
+          </a:fillRef>
+          <a:effectRef idx="0">
+            <a:schemeClr val="accent1"/>
+          </a:effectRef>
+          <a:fontRef idx="minor">
+            <a:schemeClr val="lt1"/>
+          </a:fontRef>
+        </p:style>
+        <p:txBody>
+          <a:bodyPr rtlCol="0" anchor="ctr"/>
+          <a:lstStyle/>
+          <a:p>
+            <a:pPr algn="ctr"/>
+            <a:endParaRPr lang="ru-RU"/>
+          </a:p>
+        </p:txBody>
+      </p:sp>
+      <p:sp>
+        <p:nvSpPr>
+          <p:cNvPr id="37" name="Скругленный прямоугольник 36"/>
+          <p:cNvSpPr/>
+          <p:nvPr/>
+        </p:nvSpPr>
+        <p:spPr>
+          <a:xfrm>
+            <a:off x="8336753" y="4360500"/>
+            <a:ext cx="1577834" cy="489857"/>
+          </a:xfrm>
+          <a:prstGeom prst="roundRect">
+            <a:avLst/>
+          </a:prstGeom>
+          <a:solidFill>
+            <a:srgbClr val="002B82"/>
+          </a:solidFill>
+          <a:ln w="19050">
+            <a:solidFill>
+              <a:srgbClr val="47A9FF"/>
+            </a:solidFill>
+          </a:ln>
+        </p:spPr>
+        <p:style>
+          <a:lnRef idx="2">
+            <a:schemeClr val="accent1">
+              <a:shade val="50000"/>
+            </a:schemeClr>
+          </a:lnRef>
+          <a:fillRef idx="1">
+            <a:schemeClr val="accent1"/>
+          </a:fillRef>
+          <a:effectRef idx="0">
+            <a:schemeClr val="accent1"/>
+          </a:effectRef>
+          <a:fontRef idx="minor">
+            <a:schemeClr val="lt1"/>
+          </a:fontRef>
+        </p:style>
+        <p:txBody>
+          <a:bodyPr rtlCol="0" anchor="ctr"/>
+          <a:lstStyle/>
+          <a:p>
+            <a:pPr algn="ctr"/>
+            <a:r>
+              <a:rPr lang="en-US" sz="1100" dirty="0" smtClean="0"/>
+              <a:t>Internal/</a:t>
+            </a:r>
+            <a:r>
+              <a:rPr lang="en-US" sz="1100" dirty="0" err="1" smtClean="0"/>
+              <a:t>GetBalance</a:t>
+            </a:r>
+            <a:r>
+              <a:rPr lang="ru-RU" sz="1100" dirty="0" smtClean="0"/>
+              <a:t/>
+            </a:r>
+            <a:br>
+              <a:rPr lang="ru-RU" sz="1100" dirty="0" smtClean="0"/>
+            </a:br>
+            <a:r>
+              <a:rPr lang="ru-RU" sz="1100" dirty="0" smtClean="0"/>
+              <a:t>Получение баланса пользователя</a:t>
+            </a:r>
+            <a:endParaRPr lang="ru-RU" sz="1100" dirty="0">
+              <a:solidFill>
+                <a:schemeClr val="bg1"/>
+              </a:solidFill>
+            </a:endParaRPr>
+          </a:p>
+        </p:txBody>
+      </p:sp>
+      <p:sp>
+        <p:nvSpPr>
+          <p:cNvPr id="38" name="Стрелка вправо 37"/>
+          <p:cNvSpPr/>
+          <p:nvPr/>
+        </p:nvSpPr>
+        <p:spPr>
+          <a:xfrm>
+            <a:off x="9914587" y="4389163"/>
+            <a:ext cx="1939956" cy="216265"/>
+          </a:xfrm>
+          <a:prstGeom prst="rightArrow">
+            <a:avLst/>
+          </a:prstGeom>
+          <a:solidFill>
+            <a:srgbClr val="F86512"/>
+          </a:solidFill>
+          <a:ln>
+            <a:noFill/>
+          </a:ln>
+        </p:spPr>
+        <p:style>
+          <a:lnRef idx="2">
+            <a:schemeClr val="accent1">
+              <a:shade val="50000"/>
+            </a:schemeClr>
+          </a:lnRef>
+          <a:fillRef idx="1">
+            <a:schemeClr val="accent1"/>
+          </a:fillRef>
+          <a:effectRef idx="0">
+            <a:schemeClr val="accent1"/>
+          </a:effectRef>
+          <a:fontRef idx="minor">
+            <a:schemeClr val="lt1"/>
+          </a:fontRef>
+        </p:style>
+        <p:txBody>
+          <a:bodyPr rtlCol="0" anchor="ctr"/>
+          <a:lstStyle/>
+          <a:p>
+            <a:pPr algn="ctr"/>
+            <a:endParaRPr lang="ru-RU"/>
+          </a:p>
+        </p:txBody>
+      </p:sp>
+      <p:sp>
+        <p:nvSpPr>
+          <p:cNvPr id="39" name="Стрелка вправо 38"/>
+          <p:cNvSpPr/>
+          <p:nvPr/>
+        </p:nvSpPr>
+        <p:spPr>
+          <a:xfrm flipH="1">
+            <a:off x="9914587" y="4605428"/>
+            <a:ext cx="1809327" cy="216265"/>
+          </a:xfrm>
+          <a:prstGeom prst="rightArrow">
+            <a:avLst/>
+          </a:prstGeom>
+          <a:solidFill>
+            <a:srgbClr val="47A9FF"/>
+          </a:solidFill>
+          <a:ln>
+            <a:noFill/>
+          </a:ln>
+        </p:spPr>
+        <p:style>
+          <a:lnRef idx="2">
+            <a:schemeClr val="accent1">
+              <a:shade val="50000"/>
+            </a:schemeClr>
+          </a:lnRef>
+          <a:fillRef idx="1">
+            <a:schemeClr val="accent1"/>
+          </a:fillRef>
+          <a:effectRef idx="0">
+            <a:schemeClr val="accent1"/>
+          </a:effectRef>
+          <a:fontRef idx="minor">
+            <a:schemeClr val="lt1"/>
+          </a:fontRef>
+        </p:style>
+        <p:txBody>
+          <a:bodyPr rtlCol="0" anchor="ctr"/>
+          <a:lstStyle/>
+          <a:p>
+            <a:pPr algn="ctr"/>
+            <a:endParaRPr lang="ru-RU"/>
+          </a:p>
+        </p:txBody>
+      </p:sp>
+      <p:sp>
+        <p:nvSpPr>
+          <p:cNvPr id="40" name="TextBox 39"/>
+          <p:cNvSpPr txBox="1"/>
+          <p:nvPr/>
+        </p:nvSpPr>
+        <p:spPr>
+          <a:xfrm>
+            <a:off x="9251525" y="3395007"/>
+            <a:ext cx="344966" cy="276999"/>
+          </a:xfrm>
+          <a:prstGeom prst="rect">
+            <a:avLst/>
+          </a:prstGeom>
+          <a:noFill/>
+        </p:spPr>
+        <p:txBody>
+          <a:bodyPr wrap="none" rtlCol="0">
+            <a:spAutoFit/>
+          </a:bodyPr>
+          <a:lstStyle/>
+          <a:p>
+            <a:r>
+              <a:rPr lang="ru-RU" sz="1200" dirty="0" smtClean="0">
+                <a:solidFill>
+                  <a:schemeClr val="bg1"/>
+                </a:solidFill>
+              </a:rPr>
+              <a:t>да</a:t>
+            </a:r>
+            <a:endParaRPr lang="ru-RU" sz="1200" dirty="0">
+              <a:solidFill>
+                <a:schemeClr val="bg1"/>
+              </a:solidFill>
+            </a:endParaRPr>
+          </a:p>
+        </p:txBody>
+      </p:sp>
+      <p:sp>
+        <p:nvSpPr>
+          <p:cNvPr id="41" name="TextBox 40"/>
+          <p:cNvSpPr txBox="1"/>
+          <p:nvPr/>
+        </p:nvSpPr>
+        <p:spPr>
+          <a:xfrm>
+            <a:off x="9279472" y="4114918"/>
+            <a:ext cx="344966" cy="276999"/>
+          </a:xfrm>
+          <a:prstGeom prst="rect">
+            <a:avLst/>
+          </a:prstGeom>
+          <a:noFill/>
+        </p:spPr>
+        <p:txBody>
+          <a:bodyPr wrap="none" rtlCol="0">
+            <a:spAutoFit/>
+          </a:bodyPr>
+          <a:lstStyle/>
+          <a:p>
+            <a:r>
+              <a:rPr lang="ru-RU" sz="1200" dirty="0" smtClean="0">
+                <a:solidFill>
+                  <a:schemeClr val="bg1"/>
+                </a:solidFill>
+              </a:rPr>
+              <a:t>да</a:t>
+            </a:r>
+            <a:endParaRPr lang="ru-RU" sz="1200" dirty="0">
+              <a:solidFill>
+                <a:schemeClr val="bg1"/>
+              </a:solidFill>
+            </a:endParaRPr>
+          </a:p>
+        </p:txBody>
+      </p:sp>
+      <p:sp>
+        <p:nvSpPr>
+          <p:cNvPr id="42" name="Стрелка углом 41"/>
+          <p:cNvSpPr/>
+          <p:nvPr/>
+        </p:nvSpPr>
+        <p:spPr>
+          <a:xfrm rot="16200000" flipH="1">
+            <a:off x="6624159" y="3482989"/>
+            <a:ext cx="2043852" cy="1540859"/>
+          </a:xfrm>
+          <a:prstGeom prst="bentArrow">
+            <a:avLst>
+              <a:gd name="adj1" fmla="val 6042"/>
+              <a:gd name="adj2" fmla="val 9327"/>
+              <a:gd name="adj3" fmla="val 12685"/>
+              <a:gd name="adj4" fmla="val 43750"/>
+            </a:avLst>
+          </a:prstGeom>
+          <a:solidFill>
+            <a:srgbClr val="47A9FF"/>
+          </a:solidFill>
+          <a:ln>
+            <a:noFill/>
+          </a:ln>
+        </p:spPr>
+        <p:style>
+          <a:lnRef idx="2">
+            <a:schemeClr val="accent1">
+              <a:shade val="50000"/>
+            </a:schemeClr>
+          </a:lnRef>
+          <a:fillRef idx="1">
+            <a:schemeClr val="accent1"/>
+          </a:fillRef>
+          <a:effectRef idx="0">
+            <a:schemeClr val="accent1"/>
+          </a:effectRef>
+          <a:fontRef idx="minor">
+            <a:schemeClr val="lt1"/>
+          </a:fontRef>
+        </p:style>
+        <p:txBody>
+          <a:bodyPr rtlCol="0" anchor="ctr"/>
+          <a:lstStyle/>
+          <a:p>
+            <a:pPr algn="ctr"/>
+            <a:endParaRPr lang="ru-RU">
+              <a:solidFill>
+                <a:schemeClr val="tx1"/>
+              </a:solidFill>
+            </a:endParaRPr>
+          </a:p>
+        </p:txBody>
+      </p:sp>
+      <p:sp>
+        <p:nvSpPr>
+          <p:cNvPr id="43" name="Блок-схема: решение 42"/>
+          <p:cNvSpPr/>
+          <p:nvPr/>
+        </p:nvSpPr>
+        <p:spPr>
+          <a:xfrm>
+            <a:off x="8116840" y="3036449"/>
+            <a:ext cx="2012958" cy="424502"/>
+          </a:xfrm>
+          <a:prstGeom prst="flowChartDecision">
+            <a:avLst/>
+          </a:prstGeom>
+          <a:solidFill>
+            <a:srgbClr val="002B82"/>
+          </a:solidFill>
+          <a:ln w="28575">
+            <a:solidFill>
+              <a:srgbClr val="47A9FF"/>
+            </a:solidFill>
+          </a:ln>
+        </p:spPr>
+        <p:style>
+          <a:lnRef idx="2">
+            <a:schemeClr val="accent1">
+              <a:shade val="50000"/>
+            </a:schemeClr>
+          </a:lnRef>
+          <a:fillRef idx="1">
+            <a:schemeClr val="accent1"/>
+          </a:fillRef>
+          <a:effectRef idx="0">
+            <a:schemeClr val="accent1"/>
+          </a:effectRef>
+          <a:fontRef idx="minor">
+            <a:schemeClr val="lt1"/>
+          </a:fontRef>
+        </p:style>
+        <p:txBody>
+          <a:bodyPr rtlCol="0" anchor="ctr"/>
+          <a:lstStyle/>
+          <a:p>
+            <a:pPr algn="ctr"/>
+            <a:r>
+              <a:rPr lang="ru-RU" sz="1000" dirty="0" smtClean="0"/>
+              <a:t>Заказ существует?</a:t>
+            </a:r>
+            <a:endParaRPr lang="ru-RU" sz="1000" dirty="0"/>
+          </a:p>
+        </p:txBody>
+      </p:sp>
+      <p:sp>
+        <p:nvSpPr>
+          <p:cNvPr id="44" name="Стрелка углом 43"/>
+          <p:cNvSpPr/>
+          <p:nvPr/>
+        </p:nvSpPr>
+        <p:spPr>
+          <a:xfrm rot="16200000" flipH="1">
+            <a:off x="7224131" y="3812058"/>
+            <a:ext cx="942599" cy="999757"/>
+          </a:xfrm>
+          <a:prstGeom prst="bentArrow">
+            <a:avLst>
+              <a:gd name="adj1" fmla="val 6042"/>
+              <a:gd name="adj2" fmla="val 9327"/>
+              <a:gd name="adj3" fmla="val 12685"/>
+              <a:gd name="adj4" fmla="val 43750"/>
+            </a:avLst>
+          </a:prstGeom>
+          <a:solidFill>
+            <a:srgbClr val="47A9FF"/>
+          </a:solidFill>
+          <a:ln>
+            <a:noFill/>
+          </a:ln>
+        </p:spPr>
+        <p:style>
+          <a:lnRef idx="2">
+            <a:schemeClr val="accent1">
+              <a:shade val="50000"/>
+            </a:schemeClr>
+          </a:lnRef>
+          <a:fillRef idx="1">
+            <a:schemeClr val="accent1"/>
+          </a:fillRef>
+          <a:effectRef idx="0">
+            <a:schemeClr val="accent1"/>
+          </a:effectRef>
+          <a:fontRef idx="minor">
+            <a:schemeClr val="lt1"/>
+          </a:fontRef>
+        </p:style>
+        <p:txBody>
+          <a:bodyPr rtlCol="0" anchor="ctr"/>
+          <a:lstStyle/>
+          <a:p>
+            <a:pPr algn="ctr"/>
+            <a:endParaRPr lang="ru-RU">
+              <a:solidFill>
+                <a:schemeClr val="tx1"/>
+              </a:solidFill>
+            </a:endParaRPr>
+          </a:p>
+        </p:txBody>
+      </p:sp>
+      <p:sp>
+        <p:nvSpPr>
+          <p:cNvPr id="45" name="Блок-схема: решение 44"/>
+          <p:cNvSpPr/>
+          <p:nvPr/>
+        </p:nvSpPr>
+        <p:spPr>
+          <a:xfrm>
+            <a:off x="7846352" y="3593987"/>
+            <a:ext cx="2592011" cy="547150"/>
+          </a:xfrm>
+          <a:prstGeom prst="flowChartDecision">
+            <a:avLst/>
+          </a:prstGeom>
+          <a:solidFill>
+            <a:srgbClr val="002B82"/>
+          </a:solidFill>
+          <a:ln w="28575">
+            <a:solidFill>
+              <a:srgbClr val="47A9FF"/>
+            </a:solidFill>
+          </a:ln>
+        </p:spPr>
+        <p:style>
+          <a:lnRef idx="2">
+            <a:schemeClr val="accent1">
+              <a:shade val="50000"/>
+            </a:schemeClr>
+          </a:lnRef>
+          <a:fillRef idx="1">
+            <a:schemeClr val="accent1"/>
+          </a:fillRef>
+          <a:effectRef idx="0">
+            <a:schemeClr val="accent1"/>
+          </a:effectRef>
+          <a:fontRef idx="minor">
+            <a:schemeClr val="lt1"/>
+          </a:fontRef>
+        </p:style>
+        <p:txBody>
+          <a:bodyPr rtlCol="0" anchor="ctr"/>
+          <a:lstStyle/>
+          <a:p>
+            <a:pPr algn="ctr"/>
+            <a:r>
+              <a:rPr lang="ru-RU" sz="1000" dirty="0" smtClean="0"/>
+              <a:t>Заказ в статусе ожидания оплаты?</a:t>
+            </a:r>
+            <a:endParaRPr lang="ru-RU" sz="1000" dirty="0"/>
+          </a:p>
+        </p:txBody>
+      </p:sp>
+      <p:sp>
+        <p:nvSpPr>
+          <p:cNvPr id="46" name="TextBox 45"/>
+          <p:cNvSpPr txBox="1"/>
+          <p:nvPr/>
+        </p:nvSpPr>
+        <p:spPr>
+          <a:xfrm>
+            <a:off x="7149161" y="3460951"/>
+            <a:ext cx="1872949" cy="276999"/>
+          </a:xfrm>
+          <a:prstGeom prst="rect">
+            <a:avLst/>
+          </a:prstGeom>
+          <a:noFill/>
+        </p:spPr>
+        <p:txBody>
+          <a:bodyPr wrap="none" rtlCol="0">
+            <a:spAutoFit/>
+          </a:bodyPr>
+          <a:lstStyle/>
+          <a:p>
+            <a:r>
+              <a:rPr lang="ru-RU" sz="1200" dirty="0">
+                <a:solidFill>
+                  <a:schemeClr val="bg1"/>
+                </a:solidFill>
+              </a:rPr>
+              <a:t>Вернуть страницу </a:t>
+            </a:r>
+            <a:r>
+              <a:rPr lang="ru-RU" sz="1200" dirty="0" smtClean="0">
+                <a:solidFill>
+                  <a:schemeClr val="bg1"/>
+                </a:solidFill>
+              </a:rPr>
+              <a:t>ошибку</a:t>
+            </a:r>
+            <a:endParaRPr lang="ru-RU" sz="1200" dirty="0">
+              <a:solidFill>
+                <a:schemeClr val="bg1"/>
+              </a:solidFill>
+            </a:endParaRPr>
+          </a:p>
+        </p:txBody>
+      </p:sp>
+      <p:sp>
+        <p:nvSpPr>
+          <p:cNvPr id="47" name="TextBox 46"/>
+          <p:cNvSpPr txBox="1"/>
+          <p:nvPr/>
+        </p:nvSpPr>
+        <p:spPr>
+          <a:xfrm>
+            <a:off x="7074107" y="2940118"/>
+            <a:ext cx="1872949" cy="276999"/>
+          </a:xfrm>
+          <a:prstGeom prst="rect">
+            <a:avLst/>
+          </a:prstGeom>
+          <a:noFill/>
+        </p:spPr>
+        <p:txBody>
+          <a:bodyPr wrap="none" rtlCol="0">
+            <a:spAutoFit/>
+          </a:bodyPr>
+          <a:lstStyle/>
+          <a:p>
+            <a:r>
+              <a:rPr lang="ru-RU" sz="1200" dirty="0">
+                <a:solidFill>
+                  <a:schemeClr val="bg1"/>
+                </a:solidFill>
+              </a:rPr>
+              <a:t>Вернуть страницу </a:t>
+            </a:r>
+            <a:r>
+              <a:rPr lang="ru-RU" sz="1200" dirty="0" smtClean="0">
+                <a:solidFill>
+                  <a:schemeClr val="bg1"/>
+                </a:solidFill>
+              </a:rPr>
+              <a:t>ошибку</a:t>
+            </a:r>
+            <a:endParaRPr lang="ru-RU" sz="1200" dirty="0">
+              <a:solidFill>
+                <a:schemeClr val="bg1"/>
+              </a:solidFill>
+            </a:endParaRPr>
+          </a:p>
+        </p:txBody>
+      </p:sp>
+      <p:sp>
+        <p:nvSpPr>
+          <p:cNvPr id="48" name="Скругленный прямоугольник 47"/>
+          <p:cNvSpPr/>
+          <p:nvPr/>
+        </p:nvSpPr>
+        <p:spPr>
+          <a:xfrm>
+            <a:off x="8316755" y="2173589"/>
+            <a:ext cx="1577834" cy="489857"/>
+          </a:xfrm>
+          <a:prstGeom prst="roundRect">
+            <a:avLst/>
+          </a:prstGeom>
+          <a:solidFill>
+            <a:srgbClr val="002B82"/>
+          </a:solidFill>
+          <a:ln w="19050">
+            <a:solidFill>
+              <a:srgbClr val="47A9FF"/>
+            </a:solidFill>
+          </a:ln>
+        </p:spPr>
+        <p:style>
+          <a:lnRef idx="2">
+            <a:schemeClr val="accent1">
+              <a:shade val="50000"/>
+            </a:schemeClr>
+          </a:lnRef>
+          <a:fillRef idx="1">
+            <a:schemeClr val="accent1"/>
+          </a:fillRef>
+          <a:effectRef idx="0">
+            <a:schemeClr val="accent1"/>
+          </a:effectRef>
+          <a:fontRef idx="minor">
+            <a:schemeClr val="lt1"/>
+          </a:fontRef>
+        </p:style>
+        <p:txBody>
+          <a:bodyPr rtlCol="0" anchor="ctr"/>
+          <a:lstStyle/>
+          <a:p>
+            <a:pPr algn="ctr"/>
+            <a:r>
+              <a:rPr lang="ru-RU" sz="1100" dirty="0" smtClean="0">
+                <a:solidFill>
+                  <a:schemeClr val="bg1"/>
+                </a:solidFill>
+              </a:rPr>
+              <a:t>Запрос на существование заказа</a:t>
+            </a:r>
+            <a:endParaRPr lang="ru-RU" sz="1100" dirty="0">
+              <a:solidFill>
+                <a:schemeClr val="bg1"/>
+              </a:solidFill>
+            </a:endParaRPr>
+          </a:p>
+        </p:txBody>
+      </p:sp>
+      <p:sp>
+        <p:nvSpPr>
+          <p:cNvPr id="49" name="Стрелка вправо 48"/>
+          <p:cNvSpPr/>
+          <p:nvPr/>
+        </p:nvSpPr>
+        <p:spPr>
+          <a:xfrm>
+            <a:off x="9894589" y="2173589"/>
+            <a:ext cx="1959954" cy="216265"/>
+          </a:xfrm>
+          <a:prstGeom prst="rightArrow">
+            <a:avLst/>
+          </a:prstGeom>
+          <a:solidFill>
+            <a:srgbClr val="F86512"/>
+          </a:solidFill>
+          <a:ln>
+            <a:noFill/>
+          </a:ln>
+        </p:spPr>
+        <p:style>
+          <a:lnRef idx="2">
+            <a:schemeClr val="accent1">
+              <a:shade val="50000"/>
+            </a:schemeClr>
+          </a:lnRef>
+          <a:fillRef idx="1">
+            <a:schemeClr val="accent1"/>
+          </a:fillRef>
+          <a:effectRef idx="0">
+            <a:schemeClr val="accent1"/>
+          </a:effectRef>
+          <a:fontRef idx="minor">
+            <a:schemeClr val="lt1"/>
+          </a:fontRef>
+        </p:style>
+        <p:txBody>
+          <a:bodyPr rtlCol="0" anchor="ctr"/>
+          <a:lstStyle/>
+          <a:p>
+            <a:pPr algn="ctr"/>
+            <a:endParaRPr lang="ru-RU"/>
+          </a:p>
+        </p:txBody>
+      </p:sp>
+      <p:sp>
+        <p:nvSpPr>
+          <p:cNvPr id="50" name="Стрелка вправо 49"/>
+          <p:cNvSpPr/>
+          <p:nvPr/>
+        </p:nvSpPr>
+        <p:spPr>
+          <a:xfrm flipH="1">
+            <a:off x="9894588" y="2389854"/>
+            <a:ext cx="1959954" cy="216265"/>
+          </a:xfrm>
+          <a:prstGeom prst="rightArrow">
+            <a:avLst/>
+          </a:prstGeom>
+          <a:solidFill>
+            <a:srgbClr val="47A9FF"/>
+          </a:solidFill>
+          <a:ln>
+            <a:noFill/>
+          </a:ln>
+        </p:spPr>
+        <p:style>
+          <a:lnRef idx="2">
+            <a:schemeClr val="accent1">
+              <a:shade val="50000"/>
+            </a:schemeClr>
+          </a:lnRef>
+          <a:fillRef idx="1">
+            <a:schemeClr val="accent1"/>
+          </a:fillRef>
+          <a:effectRef idx="0">
+            <a:schemeClr val="accent1"/>
+          </a:effectRef>
+          <a:fontRef idx="minor">
+            <a:schemeClr val="lt1"/>
+          </a:fontRef>
+        </p:style>
+        <p:txBody>
+          <a:bodyPr rtlCol="0" anchor="ctr"/>
+          <a:lstStyle/>
+          <a:p>
+            <a:pPr algn="ctr"/>
+            <a:endParaRPr lang="ru-RU"/>
+          </a:p>
+        </p:txBody>
+      </p:sp>
       <p:pic>
         <p:nvPicPr>
-          <p:cNvPr id="13" name="Рисунок 12"/>
+          <p:cNvPr id="9218" name="Picture 2"/>
+          <p:cNvPicPr>
+            <a:picLocks noChangeAspect="1" noChangeArrowheads="1"/>
+          </p:cNvPicPr>
+          <p:nvPr/>
+        </p:nvPicPr>
+        <p:blipFill>
+          <a:blip r:embed="rId7" cstate="print">
+            <a:extLst>
+              <a:ext uri="{28A0092B-C50C-407E-A947-70E740481C1C}">
+                <a14:useLocalDpi xmlns:a14="http://schemas.microsoft.com/office/drawing/2010/main" val="0"/>
+              </a:ext>
+            </a:extLst>
+          </a:blip>
+          <a:srcRect/>
+          <a:stretch>
+            <a:fillRect/>
+          </a:stretch>
+        </p:blipFill>
+        <p:spPr bwMode="auto">
+          <a:xfrm>
+            <a:off x="860428" y="2104667"/>
+            <a:ext cx="3466845" cy="1659391"/>
+          </a:xfrm>
+          <a:prstGeom prst="rect">
+            <a:avLst/>
+          </a:prstGeom>
+          <a:noFill/>
+          <a:ln>
+            <a:noFill/>
+          </a:ln>
+          <a:effectLst/>
+          <a:extLst>
+            <a:ext uri="{909E8E84-426E-40DD-AFC4-6F175D3DCCD1}">
+              <a14:hiddenFill xmlns:a14="http://schemas.microsoft.com/office/drawing/2010/main">
+                <a:solidFill>
+                  <a:schemeClr val="accent1"/>
+                </a:solidFill>
+              </a14:hiddenFill>
+            </a:ext>
+            <a:ext uri="{91240B29-F687-4F45-9708-019B960494DF}">
+              <a14:hiddenLine xmlns:a14="http://schemas.microsoft.com/office/drawing/2010/main" w="9525">
+                <a:solidFill>
+                  <a:schemeClr val="tx1"/>
+                </a:solidFill>
+                <a:miter lim="800000"/>
+                <a:headEnd/>
+                <a:tailEnd/>
+              </a14:hiddenLine>
+            </a:ext>
+            <a:ext uri="{AF507438-7753-43E0-B8FC-AC1667EBCBE1}">
+              <a14:hiddenEffects xmlns:a14="http://schemas.microsoft.com/office/drawing/2010/main">
+                <a:effectLst>
+                  <a:outerShdw dist="35921" dir="2700000" algn="ctr" rotWithShape="0">
+                    <a:schemeClr val="bg2"/>
+                  </a:outerShdw>
+                </a:effectLst>
+              </a14:hiddenEffects>
+            </a:ext>
+          </a:extLst>
+        </p:spPr>
+      </p:pic>
+      <p:pic>
+        <p:nvPicPr>
+          <p:cNvPr id="53" name="Рисунок 52"/>
           <p:cNvPicPr/>
           <p:nvPr/>
         </p:nvPicPr>
-        <p:blipFill rotWithShape="1">
-          <a:blip r:embed="rId7"/>
-          <a:srcRect l="37033" t="3991" r="36871" b="21827"/>
-          <a:stretch/>
+        <p:blipFill>
+          <a:blip r:embed="rId8"/>
+          <a:stretch>
+            <a:fillRect/>
+          </a:stretch>
         </p:blipFill>
         <p:spPr>
           <a:xfrm>
-            <a:off x="873364" y="1314449"/>
-            <a:ext cx="1592250" cy="2167516"/>
+            <a:off x="930867" y="4155832"/>
+            <a:ext cx="3396406" cy="1626517"/>
           </a:xfrm>
           <a:prstGeom prst="rect">
             <a:avLst/>
           </a:prstGeom>
-          <a:effectLst>
-            <a:outerShdw blurRad="76200" dir="13500000" sy="23000" kx="1200000" algn="br" rotWithShape="0">
-              <a:prstClr val="black">
-                <a:alpha val="20000"/>
-              </a:prstClr>
-            </a:outerShdw>
-          </a:effectLst>
         </p:spPr>
       </p:pic>
+      <p:sp>
+        <p:nvSpPr>
+          <p:cNvPr id="54" name="TextBox 53"/>
+          <p:cNvSpPr txBox="1"/>
+          <p:nvPr/>
+        </p:nvSpPr>
+        <p:spPr>
+          <a:xfrm>
+            <a:off x="4054892" y="6440027"/>
+            <a:ext cx="5151664" cy="461665"/>
+          </a:xfrm>
+          <a:prstGeom prst="rect">
+            <a:avLst/>
+          </a:prstGeom>
+          <a:noFill/>
+        </p:spPr>
+        <p:txBody>
+          <a:bodyPr wrap="square" rtlCol="0">
+            <a:spAutoFit/>
+          </a:bodyPr>
+          <a:lstStyle/>
+          <a:p>
+            <a:r>
+              <a:rPr lang="ru-RU" sz="1200" dirty="0" smtClean="0">
+                <a:solidFill>
+                  <a:srgbClr val="002B82"/>
+                </a:solidFill>
+                <a:latin typeface="Bahnschrift" pitchFamily="34" charset="0"/>
+              </a:rPr>
+              <a:t>Схема 5 – Схема работы метода </a:t>
+            </a:r>
+            <a:r>
+              <a:rPr lang="ru-RU" sz="1200" dirty="0">
+                <a:solidFill>
+                  <a:srgbClr val="002B82"/>
+                </a:solidFill>
+                <a:latin typeface="Bahnschrift" pitchFamily="34" charset="0"/>
+              </a:rPr>
+              <a:t>создания заказа </a:t>
+            </a:r>
+            <a:r>
+              <a:rPr lang="ru-RU" sz="1200" dirty="0" smtClean="0">
+                <a:solidFill>
+                  <a:srgbClr val="002B82"/>
+                </a:solidFill>
+                <a:latin typeface="Bahnschrift" pitchFamily="34" charset="0"/>
+              </a:rPr>
+              <a:t>проекта системы лояльности ООО «АИС Город»</a:t>
+            </a:r>
+            <a:endParaRPr lang="ru-RU" sz="1200" dirty="0">
+              <a:solidFill>
+                <a:srgbClr val="002B82"/>
+              </a:solidFill>
+              <a:latin typeface="Bahnschrift" pitchFamily="34" charset="0"/>
+            </a:endParaRPr>
+          </a:p>
+        </p:txBody>
+      </p:sp>
+      <p:sp>
+        <p:nvSpPr>
+          <p:cNvPr id="55" name="TextBox 54"/>
+          <p:cNvSpPr txBox="1"/>
+          <p:nvPr/>
+        </p:nvSpPr>
+        <p:spPr>
+          <a:xfrm>
+            <a:off x="702816" y="3704367"/>
+            <a:ext cx="4655003" cy="400110"/>
+          </a:xfrm>
+          <a:prstGeom prst="rect">
+            <a:avLst/>
+          </a:prstGeom>
+          <a:noFill/>
+        </p:spPr>
+        <p:txBody>
+          <a:bodyPr wrap="square" rtlCol="0">
+            <a:spAutoFit/>
+          </a:bodyPr>
+          <a:lstStyle/>
+          <a:p>
+            <a:r>
+              <a:rPr lang="ru-RU" sz="1000" dirty="0" smtClean="0">
+                <a:solidFill>
+                  <a:srgbClr val="002B82"/>
+                </a:solidFill>
+                <a:latin typeface="Bahnschrift" pitchFamily="34" charset="0"/>
+              </a:rPr>
+              <a:t>Рисунок 3 – Страница ошибки проекта системы лояльности ООО «АИС Город»</a:t>
+            </a:r>
+            <a:endParaRPr lang="ru-RU" sz="1000" dirty="0">
+              <a:solidFill>
+                <a:srgbClr val="002B82"/>
+              </a:solidFill>
+              <a:latin typeface="Bahnschrift" pitchFamily="34" charset="0"/>
+            </a:endParaRPr>
+          </a:p>
+        </p:txBody>
+      </p:sp>
+      <p:sp>
+        <p:nvSpPr>
+          <p:cNvPr id="56" name="TextBox 55"/>
+          <p:cNvSpPr txBox="1"/>
+          <p:nvPr/>
+        </p:nvSpPr>
+        <p:spPr>
+          <a:xfrm>
+            <a:off x="711150" y="5875968"/>
+            <a:ext cx="4207159" cy="400110"/>
+          </a:xfrm>
+          <a:prstGeom prst="rect">
+            <a:avLst/>
+          </a:prstGeom>
+          <a:noFill/>
+        </p:spPr>
+        <p:txBody>
+          <a:bodyPr wrap="square" rtlCol="0">
+            <a:spAutoFit/>
+          </a:bodyPr>
+          <a:lstStyle/>
+          <a:p>
+            <a:r>
+              <a:rPr lang="ru-RU" sz="1000" dirty="0" smtClean="0">
+                <a:solidFill>
+                  <a:srgbClr val="002B82"/>
+                </a:solidFill>
+                <a:latin typeface="Bahnschrift" pitchFamily="34" charset="0"/>
+              </a:rPr>
+              <a:t>Рисунок 4 – Страница подтверждения оплаты проекта системы лояльности ООО «АИС Город»</a:t>
+            </a:r>
+            <a:endParaRPr lang="ru-RU" sz="1000" dirty="0">
+              <a:solidFill>
+                <a:srgbClr val="002B82"/>
+              </a:solidFill>
+              <a:latin typeface="Bahnschrift" pitchFamily="34" charset="0"/>
+            </a:endParaRPr>
+          </a:p>
+        </p:txBody>
+      </p:sp>
     </p:spTree>
     <p:extLst>
       <p:ext uri="{BB962C8B-B14F-4D97-AF65-F5344CB8AC3E}">
-        <p14:creationId xmlns:p14="http://schemas.microsoft.com/office/powerpoint/2010/main" val="3963576568"/>
+        <p14:creationId xmlns:p14="http://schemas.microsoft.com/office/powerpoint/2010/main" val="1979717998"/>
       </p:ext>
     </p:extLst>
   </p:cSld>
@@ -5869,6 +7764,51 @@
           </a:extLst>
         </p:spPr>
       </p:pic>
+      <p:sp>
+        <p:nvSpPr>
+          <p:cNvPr id="46" name="Скругленный прямоугольник 45"/>
+          <p:cNvSpPr/>
+          <p:nvPr/>
+        </p:nvSpPr>
+        <p:spPr>
+          <a:xfrm>
+            <a:off x="6263335" y="553392"/>
+            <a:ext cx="4999301" cy="5862955"/>
+          </a:xfrm>
+          <a:prstGeom prst="roundRect">
+            <a:avLst/>
+          </a:prstGeom>
+          <a:solidFill>
+            <a:srgbClr val="002B82"/>
+          </a:solidFill>
+          <a:ln>
+            <a:noFill/>
+          </a:ln>
+        </p:spPr>
+        <p:style>
+          <a:lnRef idx="2">
+            <a:schemeClr val="accent1">
+              <a:shade val="50000"/>
+            </a:schemeClr>
+          </a:lnRef>
+          <a:fillRef idx="1">
+            <a:schemeClr val="accent1"/>
+          </a:fillRef>
+          <a:effectRef idx="0">
+            <a:schemeClr val="accent1"/>
+          </a:effectRef>
+          <a:fontRef idx="minor">
+            <a:schemeClr val="lt1"/>
+          </a:fontRef>
+        </p:style>
+        <p:txBody>
+          <a:bodyPr rtlCol="0" anchor="t"/>
+          <a:lstStyle/>
+          <a:p>
+            <a:endParaRPr lang="ru-RU" dirty="0"/>
+          </a:p>
+        </p:txBody>
+      </p:sp>
       <p:pic>
         <p:nvPicPr>
           <p:cNvPr id="8" name="Picture 12"/>
@@ -6025,8 +7965,8 @@
         </p:nvSpPr>
         <p:spPr>
           <a:xfrm>
-            <a:off x="3713793" y="329273"/>
-            <a:ext cx="5401129" cy="830997"/>
+            <a:off x="3704543" y="98440"/>
+            <a:ext cx="5401129" cy="461665"/>
           </a:xfrm>
           <a:prstGeom prst="rect">
             <a:avLst/>
@@ -6056,7 +7996,7 @@
                 </a:solidFill>
                 <a:latin typeface="Bahnschrift" pitchFamily="34" charset="0"/>
               </a:rPr>
-              <a:t>отображения страницы оплаты </a:t>
+              <a:t>завершения оплаты </a:t>
             </a:r>
             <a:r>
               <a:rPr lang="ru-RU" sz="2400" dirty="0" smtClean="0">
@@ -6099,7 +8039,7 @@
         </p:blipFill>
         <p:spPr bwMode="auto">
           <a:xfrm>
-            <a:off x="3118804" y="492121"/>
+            <a:off x="3197609" y="160011"/>
             <a:ext cx="594989" cy="421957"/>
           </a:xfrm>
           <a:prstGeom prst="rect">
@@ -6204,44 +8144,2076 @@
           </a:extLst>
         </p:spPr>
       </p:pic>
-      <p:sp>
-        <p:nvSpPr>
-          <p:cNvPr id="3" name="Прямоугольник 2"/>
+      <p:pic>
+        <p:nvPicPr>
+          <p:cNvPr id="13" name="Рисунок 12"/>
+          <p:cNvPicPr/>
+          <p:nvPr/>
+        </p:nvPicPr>
+        <p:blipFill rotWithShape="1">
+          <a:blip r:embed="rId7"/>
+          <a:srcRect l="37033" t="3991" r="36871" b="21827"/>
+          <a:stretch/>
+        </p:blipFill>
+        <p:spPr>
+          <a:xfrm>
+            <a:off x="4534564" y="680015"/>
+            <a:ext cx="1329371" cy="1809661"/>
+          </a:xfrm>
+          <a:prstGeom prst="rect">
+            <a:avLst/>
+          </a:prstGeom>
+          <a:effectLst>
+            <a:outerShdw blurRad="76200" dir="13500000" sy="23000" kx="1200000" algn="br" rotWithShape="0">
+              <a:prstClr val="black">
+                <a:alpha val="20000"/>
+              </a:prstClr>
+            </a:outerShdw>
+          </a:effectLst>
+        </p:spPr>
+      </p:pic>
+      <p:sp>
+        <p:nvSpPr>
+          <p:cNvPr id="14" name="Стрелка вправо 13"/>
           <p:cNvSpPr/>
           <p:nvPr/>
         </p:nvSpPr>
         <p:spPr>
           <a:xfrm>
-            <a:off x="582385" y="1461905"/>
-            <a:ext cx="10023021" cy="307777"/>
+            <a:off x="5661194" y="1226260"/>
+            <a:ext cx="743913" cy="234542"/>
+          </a:xfrm>
+          <a:prstGeom prst="rightArrow">
+            <a:avLst/>
+          </a:prstGeom>
+          <a:solidFill>
+            <a:srgbClr val="F86512"/>
+          </a:solidFill>
+          <a:ln>
+            <a:noFill/>
+          </a:ln>
+        </p:spPr>
+        <p:style>
+          <a:lnRef idx="2">
+            <a:schemeClr val="accent1">
+              <a:shade val="50000"/>
+            </a:schemeClr>
+          </a:lnRef>
+          <a:fillRef idx="1">
+            <a:schemeClr val="accent1"/>
+          </a:fillRef>
+          <a:effectRef idx="0">
+            <a:schemeClr val="accent1"/>
+          </a:effectRef>
+          <a:fontRef idx="minor">
+            <a:schemeClr val="lt1"/>
+          </a:fontRef>
+        </p:style>
+        <p:txBody>
+          <a:bodyPr rtlCol="0" anchor="ctr"/>
+          <a:lstStyle/>
+          <a:p>
+            <a:pPr algn="ctr"/>
+            <a:endParaRPr lang="ru-RU"/>
+          </a:p>
+        </p:txBody>
+      </p:sp>
+      <p:sp>
+        <p:nvSpPr>
+          <p:cNvPr id="15" name="Стрелка вправо 14"/>
+          <p:cNvSpPr/>
+          <p:nvPr/>
+        </p:nvSpPr>
+        <p:spPr>
+          <a:xfrm flipH="1">
+            <a:off x="2686050" y="5666663"/>
+            <a:ext cx="3697028" cy="291037"/>
+          </a:xfrm>
+          <a:prstGeom prst="rightArrow">
+            <a:avLst/>
+          </a:prstGeom>
+          <a:solidFill>
+            <a:srgbClr val="47A9FF"/>
+          </a:solidFill>
+          <a:ln>
+            <a:noFill/>
+          </a:ln>
+        </p:spPr>
+        <p:style>
+          <a:lnRef idx="2">
+            <a:schemeClr val="accent1">
+              <a:shade val="50000"/>
+            </a:schemeClr>
+          </a:lnRef>
+          <a:fillRef idx="1">
+            <a:schemeClr val="accent1"/>
+          </a:fillRef>
+          <a:effectRef idx="0">
+            <a:schemeClr val="accent1"/>
+          </a:effectRef>
+          <a:fontRef idx="minor">
+            <a:schemeClr val="lt1"/>
+          </a:fontRef>
+        </p:style>
+        <p:txBody>
+          <a:bodyPr rtlCol="0" anchor="ctr"/>
+          <a:lstStyle/>
+          <a:p>
+            <a:pPr algn="ctr"/>
+            <a:endParaRPr lang="ru-RU"/>
+          </a:p>
+        </p:txBody>
+      </p:sp>
+      <p:sp>
+        <p:nvSpPr>
+          <p:cNvPr id="16" name="Стрелка вправо 15"/>
+          <p:cNvSpPr/>
+          <p:nvPr/>
+        </p:nvSpPr>
+        <p:spPr>
+          <a:xfrm rot="5400000">
+            <a:off x="8987355" y="1870708"/>
+            <a:ext cx="256718" cy="92506"/>
+          </a:xfrm>
+          <a:prstGeom prst="rightArrow">
+            <a:avLst/>
+          </a:prstGeom>
+          <a:solidFill>
+            <a:srgbClr val="47A9FF"/>
+          </a:solidFill>
+          <a:ln>
+            <a:noFill/>
+          </a:ln>
+        </p:spPr>
+        <p:style>
+          <a:lnRef idx="2">
+            <a:schemeClr val="accent1">
+              <a:shade val="50000"/>
+            </a:schemeClr>
+          </a:lnRef>
+          <a:fillRef idx="1">
+            <a:schemeClr val="accent1"/>
+          </a:fillRef>
+          <a:effectRef idx="0">
+            <a:schemeClr val="accent1"/>
+          </a:effectRef>
+          <a:fontRef idx="minor">
+            <a:schemeClr val="lt1"/>
+          </a:fontRef>
+        </p:style>
+        <p:txBody>
+          <a:bodyPr rtlCol="0" anchor="ctr"/>
+          <a:lstStyle/>
+          <a:p>
+            <a:pPr algn="ctr"/>
+            <a:endParaRPr lang="ru-RU"/>
+          </a:p>
+        </p:txBody>
+      </p:sp>
+      <p:sp>
+        <p:nvSpPr>
+          <p:cNvPr id="17" name="Стрелка вправо 16"/>
+          <p:cNvSpPr/>
+          <p:nvPr/>
+        </p:nvSpPr>
+        <p:spPr>
+          <a:xfrm rot="5400000">
+            <a:off x="9025015" y="2541184"/>
+            <a:ext cx="187138" cy="122461"/>
+          </a:xfrm>
+          <a:prstGeom prst="rightArrow">
+            <a:avLst/>
+          </a:prstGeom>
+          <a:solidFill>
+            <a:srgbClr val="47A9FF"/>
+          </a:solidFill>
+          <a:ln>
+            <a:noFill/>
+          </a:ln>
+        </p:spPr>
+        <p:style>
+          <a:lnRef idx="2">
+            <a:schemeClr val="accent1">
+              <a:shade val="50000"/>
+            </a:schemeClr>
+          </a:lnRef>
+          <a:fillRef idx="1">
+            <a:schemeClr val="accent1"/>
+          </a:fillRef>
+          <a:effectRef idx="0">
+            <a:schemeClr val="accent1"/>
+          </a:effectRef>
+          <a:fontRef idx="minor">
+            <a:schemeClr val="lt1"/>
+          </a:fontRef>
+        </p:style>
+        <p:txBody>
+          <a:bodyPr rtlCol="0" anchor="ctr"/>
+          <a:lstStyle/>
+          <a:p>
+            <a:pPr algn="ctr"/>
+            <a:endParaRPr lang="ru-RU"/>
+          </a:p>
+        </p:txBody>
+      </p:sp>
+      <p:sp>
+        <p:nvSpPr>
+          <p:cNvPr id="18" name="Стрелка вправо 17"/>
+          <p:cNvSpPr/>
+          <p:nvPr/>
+        </p:nvSpPr>
+        <p:spPr>
+          <a:xfrm rot="5400000">
+            <a:off x="9032101" y="3117620"/>
+            <a:ext cx="187138" cy="122461"/>
+          </a:xfrm>
+          <a:prstGeom prst="rightArrow">
+            <a:avLst/>
+          </a:prstGeom>
+          <a:solidFill>
+            <a:srgbClr val="47A9FF"/>
+          </a:solidFill>
+          <a:ln>
+            <a:noFill/>
+          </a:ln>
+        </p:spPr>
+        <p:style>
+          <a:lnRef idx="2">
+            <a:schemeClr val="accent1">
+              <a:shade val="50000"/>
+            </a:schemeClr>
+          </a:lnRef>
+          <a:fillRef idx="1">
+            <a:schemeClr val="accent1"/>
+          </a:fillRef>
+          <a:effectRef idx="0">
+            <a:schemeClr val="accent1"/>
+          </a:effectRef>
+          <a:fontRef idx="minor">
+            <a:schemeClr val="lt1"/>
+          </a:fontRef>
+        </p:style>
+        <p:txBody>
+          <a:bodyPr rtlCol="0" anchor="ctr"/>
+          <a:lstStyle/>
+          <a:p>
+            <a:pPr algn="ctr"/>
+            <a:endParaRPr lang="ru-RU"/>
+          </a:p>
+        </p:txBody>
+      </p:sp>
+      <p:sp>
+        <p:nvSpPr>
+          <p:cNvPr id="19" name="TextBox 18"/>
+          <p:cNvSpPr txBox="1"/>
+          <p:nvPr/>
+        </p:nvSpPr>
+        <p:spPr>
+          <a:xfrm>
+            <a:off x="9206556" y="1719559"/>
+            <a:ext cx="344966" cy="276999"/>
           </a:xfrm>
           <a:prstGeom prst="rect">
             <a:avLst/>
           </a:prstGeom>
-        </p:spPr>
-        <p:txBody>
-          <a:bodyPr wrap="square">
+          <a:noFill/>
+        </p:spPr>
+        <p:txBody>
+          <a:bodyPr wrap="none" rtlCol="0">
             <a:spAutoFit/>
           </a:bodyPr>
           <a:lstStyle/>
           <a:p>
             <a:r>
-              <a:rPr lang="en-US" sz="1400" dirty="0" smtClean="0">
-                <a:latin typeface="Courier New" pitchFamily="49" charset="0"/>
-                <a:cs typeface="Courier New" pitchFamily="49" charset="0"/>
-              </a:rPr>
-              <a:t>https://test.ru/Payment/Pay</a:t>
-            </a:r>
-            <a:r>
-              <a:rPr lang="en-US" sz="1400" dirty="0">
-                <a:latin typeface="Courier New" pitchFamily="49" charset="0"/>
-                <a:cs typeface="Courier New" pitchFamily="49" charset="0"/>
-              </a:rPr>
-              <a:t>/{transactionId}&amp;{orderId}&amp;{merchant}&amp;{approve}&amp;{cancel}&amp;{fail}</a:t>
-            </a:r>
-            <a:endParaRPr lang="ru-RU" sz="1400" dirty="0">
-              <a:latin typeface="Courier New" pitchFamily="49" charset="0"/>
-              <a:cs typeface="Courier New" pitchFamily="49" charset="0"/>
+              <a:rPr lang="ru-RU" sz="1200" dirty="0" smtClean="0">
+                <a:solidFill>
+                  <a:schemeClr val="bg1"/>
+                </a:solidFill>
+              </a:rPr>
+              <a:t>да</a:t>
+            </a:r>
+            <a:endParaRPr lang="ru-RU" sz="1200" dirty="0">
+              <a:solidFill>
+                <a:schemeClr val="bg1"/>
+              </a:solidFill>
+            </a:endParaRPr>
+          </a:p>
+        </p:txBody>
+      </p:sp>
+      <p:sp>
+        <p:nvSpPr>
+          <p:cNvPr id="21" name="TextBox 20"/>
+          <p:cNvSpPr txBox="1"/>
+          <p:nvPr/>
+        </p:nvSpPr>
+        <p:spPr>
+          <a:xfrm>
+            <a:off x="9286356" y="5258876"/>
+            <a:ext cx="344966" cy="276999"/>
+          </a:xfrm>
+          <a:prstGeom prst="rect">
+            <a:avLst/>
+          </a:prstGeom>
+          <a:noFill/>
+        </p:spPr>
+        <p:txBody>
+          <a:bodyPr wrap="none" rtlCol="0">
+            <a:spAutoFit/>
+          </a:bodyPr>
+          <a:lstStyle/>
+          <a:p>
+            <a:r>
+              <a:rPr lang="ru-RU" sz="1200" dirty="0" smtClean="0">
+                <a:solidFill>
+                  <a:schemeClr val="bg1"/>
+                </a:solidFill>
+              </a:rPr>
+              <a:t>да</a:t>
+            </a:r>
+            <a:endParaRPr lang="ru-RU" sz="1200" dirty="0">
+              <a:solidFill>
+                <a:schemeClr val="bg1"/>
+              </a:solidFill>
+            </a:endParaRPr>
+          </a:p>
+        </p:txBody>
+      </p:sp>
+      <p:sp>
+        <p:nvSpPr>
+          <p:cNvPr id="22" name="Стрелка углом 21"/>
+          <p:cNvSpPr/>
+          <p:nvPr/>
+        </p:nvSpPr>
+        <p:spPr>
+          <a:xfrm rot="10800000">
+            <a:off x="7255735" y="5824730"/>
+            <a:ext cx="1941394" cy="472882"/>
+          </a:xfrm>
+          <a:prstGeom prst="bentArrow">
+            <a:avLst/>
+          </a:prstGeom>
+          <a:solidFill>
+            <a:srgbClr val="47A9FF"/>
+          </a:solidFill>
+          <a:ln>
+            <a:noFill/>
+          </a:ln>
+        </p:spPr>
+        <p:style>
+          <a:lnRef idx="2">
+            <a:schemeClr val="accent1">
+              <a:shade val="50000"/>
+            </a:schemeClr>
+          </a:lnRef>
+          <a:fillRef idx="1">
+            <a:schemeClr val="accent1"/>
+          </a:fillRef>
+          <a:effectRef idx="0">
+            <a:schemeClr val="accent1"/>
+          </a:effectRef>
+          <a:fontRef idx="minor">
+            <a:schemeClr val="lt1"/>
+          </a:fontRef>
+        </p:style>
+        <p:txBody>
+          <a:bodyPr rtlCol="0" anchor="ctr"/>
+          <a:lstStyle/>
+          <a:p>
+            <a:pPr algn="ctr"/>
+            <a:endParaRPr lang="ru-RU">
+              <a:solidFill>
+                <a:schemeClr val="tx1"/>
+              </a:solidFill>
+            </a:endParaRPr>
+          </a:p>
+        </p:txBody>
+      </p:sp>
+      <p:sp>
+        <p:nvSpPr>
+          <p:cNvPr id="23" name="TextBox 22"/>
+          <p:cNvSpPr txBox="1"/>
+          <p:nvPr/>
+        </p:nvSpPr>
+        <p:spPr>
+          <a:xfrm>
+            <a:off x="6321073" y="5908771"/>
+            <a:ext cx="2436886" cy="253916"/>
+          </a:xfrm>
+          <a:prstGeom prst="rect">
+            <a:avLst/>
+          </a:prstGeom>
+          <a:noFill/>
+        </p:spPr>
+        <p:txBody>
+          <a:bodyPr wrap="none" rtlCol="0">
+            <a:spAutoFit/>
+          </a:bodyPr>
+          <a:lstStyle/>
+          <a:p>
+            <a:r>
+              <a:rPr lang="ru-RU" sz="1050" dirty="0" smtClean="0">
+                <a:solidFill>
+                  <a:schemeClr val="bg1"/>
+                </a:solidFill>
+              </a:rPr>
+              <a:t>Вернуть страницу завершения платежа</a:t>
+            </a:r>
+            <a:endParaRPr lang="ru-RU" sz="1050" dirty="0">
+              <a:solidFill>
+                <a:schemeClr val="bg1"/>
+              </a:solidFill>
+            </a:endParaRPr>
+          </a:p>
+        </p:txBody>
+      </p:sp>
+      <p:sp>
+        <p:nvSpPr>
+          <p:cNvPr id="24" name="Стрелка углом 23"/>
+          <p:cNvSpPr/>
+          <p:nvPr/>
+        </p:nvSpPr>
+        <p:spPr>
+          <a:xfrm rot="16200000" flipH="1">
+            <a:off x="5353107" y="2279953"/>
+            <a:ext cx="3592108" cy="1738995"/>
+          </a:xfrm>
+          <a:prstGeom prst="bentArrow">
+            <a:avLst>
+              <a:gd name="adj1" fmla="val 5921"/>
+              <a:gd name="adj2" fmla="val 9327"/>
+              <a:gd name="adj3" fmla="val 12685"/>
+              <a:gd name="adj4" fmla="val 43750"/>
+            </a:avLst>
+          </a:prstGeom>
+          <a:solidFill>
+            <a:srgbClr val="47A9FF"/>
+          </a:solidFill>
+          <a:ln>
+            <a:noFill/>
+          </a:ln>
+        </p:spPr>
+        <p:style>
+          <a:lnRef idx="2">
+            <a:schemeClr val="accent1">
+              <a:shade val="50000"/>
+            </a:schemeClr>
+          </a:lnRef>
+          <a:fillRef idx="1">
+            <a:schemeClr val="accent1"/>
+          </a:fillRef>
+          <a:effectRef idx="0">
+            <a:schemeClr val="accent1"/>
+          </a:effectRef>
+          <a:fontRef idx="minor">
+            <a:schemeClr val="lt1"/>
+          </a:fontRef>
+        </p:style>
+        <p:txBody>
+          <a:bodyPr rtlCol="0" anchor="ctr"/>
+          <a:lstStyle/>
+          <a:p>
+            <a:pPr algn="ctr"/>
+            <a:endParaRPr lang="ru-RU">
+              <a:solidFill>
+                <a:schemeClr val="tx1"/>
+              </a:solidFill>
+            </a:endParaRPr>
+          </a:p>
+        </p:txBody>
+      </p:sp>
+      <p:sp>
+        <p:nvSpPr>
+          <p:cNvPr id="25" name="Блок-схема: решение 24"/>
+          <p:cNvSpPr/>
+          <p:nvPr/>
+        </p:nvSpPr>
+        <p:spPr>
+          <a:xfrm>
+            <a:off x="7929478" y="1031522"/>
+            <a:ext cx="2388099" cy="763997"/>
+          </a:xfrm>
+          <a:prstGeom prst="flowChartDecision">
+            <a:avLst/>
+          </a:prstGeom>
+          <a:solidFill>
+            <a:srgbClr val="002B82"/>
+          </a:solidFill>
+          <a:ln w="28575">
+            <a:solidFill>
+              <a:srgbClr val="47A9FF"/>
+            </a:solidFill>
+          </a:ln>
+        </p:spPr>
+        <p:style>
+          <a:lnRef idx="2">
+            <a:schemeClr val="accent1">
+              <a:shade val="50000"/>
+            </a:schemeClr>
+          </a:lnRef>
+          <a:fillRef idx="1">
+            <a:schemeClr val="accent1"/>
+          </a:fillRef>
+          <a:effectRef idx="0">
+            <a:schemeClr val="accent1"/>
+          </a:effectRef>
+          <a:fontRef idx="minor">
+            <a:schemeClr val="lt1"/>
+          </a:fontRef>
+        </p:style>
+        <p:txBody>
+          <a:bodyPr rtlCol="0" anchor="ctr"/>
+          <a:lstStyle/>
+          <a:p>
+            <a:pPr algn="ctr"/>
+            <a:r>
+              <a:rPr lang="ru-RU" sz="1000" dirty="0" smtClean="0"/>
+              <a:t>Заданы мерчант, номер транзакции и номер заказ?</a:t>
+            </a:r>
+            <a:endParaRPr lang="ru-RU" sz="1000" dirty="0"/>
+          </a:p>
+        </p:txBody>
+      </p:sp>
+      <p:sp>
+        <p:nvSpPr>
+          <p:cNvPr id="26" name="TextBox 25"/>
+          <p:cNvSpPr txBox="1"/>
+          <p:nvPr/>
+        </p:nvSpPr>
+        <p:spPr>
+          <a:xfrm>
+            <a:off x="6744663" y="949261"/>
+            <a:ext cx="1872949" cy="276999"/>
+          </a:xfrm>
+          <a:prstGeom prst="rect">
+            <a:avLst/>
+          </a:prstGeom>
+          <a:noFill/>
+        </p:spPr>
+        <p:txBody>
+          <a:bodyPr wrap="none" rtlCol="0">
+            <a:spAutoFit/>
+          </a:bodyPr>
+          <a:lstStyle/>
+          <a:p>
+            <a:r>
+              <a:rPr lang="ru-RU" sz="1200" dirty="0">
+                <a:solidFill>
+                  <a:schemeClr val="bg1"/>
+                </a:solidFill>
+              </a:rPr>
+              <a:t>Вернуть страницу </a:t>
+            </a:r>
+            <a:r>
+              <a:rPr lang="ru-RU" sz="1200" dirty="0" smtClean="0">
+                <a:solidFill>
+                  <a:schemeClr val="bg1"/>
+                </a:solidFill>
+              </a:rPr>
+              <a:t>ошибку</a:t>
+            </a:r>
+            <a:endParaRPr lang="ru-RU" sz="1200" dirty="0">
+              <a:solidFill>
+                <a:schemeClr val="bg1"/>
+              </a:solidFill>
+            </a:endParaRPr>
+          </a:p>
+        </p:txBody>
+      </p:sp>
+      <p:sp>
+        <p:nvSpPr>
+          <p:cNvPr id="27" name="Стрелка вправо 26"/>
+          <p:cNvSpPr/>
+          <p:nvPr/>
+        </p:nvSpPr>
+        <p:spPr>
+          <a:xfrm flipH="1">
+            <a:off x="6910866" y="4884257"/>
+            <a:ext cx="1257301" cy="216265"/>
+          </a:xfrm>
+          <a:prstGeom prst="rightArrow">
+            <a:avLst/>
+          </a:prstGeom>
+          <a:solidFill>
+            <a:srgbClr val="47A9FF"/>
+          </a:solidFill>
+          <a:ln>
+            <a:noFill/>
+          </a:ln>
+        </p:spPr>
+        <p:style>
+          <a:lnRef idx="2">
+            <a:schemeClr val="accent1">
+              <a:shade val="50000"/>
+            </a:schemeClr>
+          </a:lnRef>
+          <a:fillRef idx="1">
+            <a:schemeClr val="accent1"/>
+          </a:fillRef>
+          <a:effectRef idx="0">
+            <a:schemeClr val="accent1"/>
+          </a:effectRef>
+          <a:fontRef idx="minor">
+            <a:schemeClr val="lt1"/>
+          </a:fontRef>
+        </p:style>
+        <p:txBody>
+          <a:bodyPr rtlCol="0" anchor="ctr"/>
+          <a:lstStyle/>
+          <a:p>
+            <a:pPr algn="ctr"/>
+            <a:endParaRPr lang="ru-RU"/>
+          </a:p>
+        </p:txBody>
+      </p:sp>
+      <p:sp>
+        <p:nvSpPr>
+          <p:cNvPr id="28" name="Блок-схема: решение 27"/>
+          <p:cNvSpPr/>
+          <p:nvPr/>
+        </p:nvSpPr>
+        <p:spPr>
+          <a:xfrm>
+            <a:off x="7970765" y="4701333"/>
+            <a:ext cx="2330265" cy="582115"/>
+          </a:xfrm>
+          <a:prstGeom prst="flowChartDecision">
+            <a:avLst/>
+          </a:prstGeom>
+          <a:solidFill>
+            <a:srgbClr val="002B82"/>
+          </a:solidFill>
+          <a:ln w="28575">
+            <a:solidFill>
+              <a:srgbClr val="47A9FF"/>
+            </a:solidFill>
+          </a:ln>
+        </p:spPr>
+        <p:style>
+          <a:lnRef idx="2">
+            <a:schemeClr val="accent1">
+              <a:shade val="50000"/>
+            </a:schemeClr>
+          </a:lnRef>
+          <a:fillRef idx="1">
+            <a:schemeClr val="accent1"/>
+          </a:fillRef>
+          <a:effectRef idx="0">
+            <a:schemeClr val="accent1"/>
+          </a:effectRef>
+          <a:fontRef idx="minor">
+            <a:schemeClr val="lt1"/>
+          </a:fontRef>
+        </p:style>
+        <p:txBody>
+          <a:bodyPr rtlCol="0" anchor="ctr"/>
+          <a:lstStyle/>
+          <a:p>
+            <a:pPr algn="ctr"/>
+            <a:r>
+              <a:rPr lang="ru-RU" sz="1000" dirty="0" smtClean="0"/>
+              <a:t>Запрос прошел успешно?</a:t>
+            </a:r>
+            <a:endParaRPr lang="ru-RU" sz="1000" dirty="0"/>
+          </a:p>
+        </p:txBody>
+      </p:sp>
+      <p:sp>
+        <p:nvSpPr>
+          <p:cNvPr id="29" name="TextBox 28"/>
+          <p:cNvSpPr txBox="1"/>
+          <p:nvPr/>
+        </p:nvSpPr>
+        <p:spPr>
+          <a:xfrm>
+            <a:off x="7266629" y="4469170"/>
+            <a:ext cx="1872949" cy="276999"/>
+          </a:xfrm>
+          <a:prstGeom prst="rect">
+            <a:avLst/>
+          </a:prstGeom>
+          <a:noFill/>
+        </p:spPr>
+        <p:txBody>
+          <a:bodyPr wrap="none" rtlCol="0">
+            <a:spAutoFit/>
+          </a:bodyPr>
+          <a:lstStyle/>
+          <a:p>
+            <a:r>
+              <a:rPr lang="ru-RU" sz="1200" dirty="0">
+                <a:solidFill>
+                  <a:schemeClr val="bg1"/>
+                </a:solidFill>
+              </a:rPr>
+              <a:t>Вернуть страницу </a:t>
+            </a:r>
+            <a:r>
+              <a:rPr lang="ru-RU" sz="1200" dirty="0" smtClean="0">
+                <a:solidFill>
+                  <a:schemeClr val="bg1"/>
+                </a:solidFill>
+              </a:rPr>
+              <a:t>ошибку</a:t>
+            </a:r>
+            <a:endParaRPr lang="ru-RU" sz="1200" dirty="0">
+              <a:solidFill>
+                <a:schemeClr val="bg1"/>
+              </a:solidFill>
+            </a:endParaRPr>
+          </a:p>
+        </p:txBody>
+      </p:sp>
+      <p:sp>
+        <p:nvSpPr>
+          <p:cNvPr id="30" name="Стрелка вправо 29"/>
+          <p:cNvSpPr/>
+          <p:nvPr/>
+        </p:nvSpPr>
+        <p:spPr>
+          <a:xfrm rot="5400000">
+            <a:off x="9042329" y="3814331"/>
+            <a:ext cx="187138" cy="122461"/>
+          </a:xfrm>
+          <a:prstGeom prst="rightArrow">
+            <a:avLst/>
+          </a:prstGeom>
+          <a:solidFill>
+            <a:srgbClr val="47A9FF"/>
+          </a:solidFill>
+          <a:ln>
+            <a:noFill/>
+          </a:ln>
+        </p:spPr>
+        <p:style>
+          <a:lnRef idx="2">
+            <a:schemeClr val="accent1">
+              <a:shade val="50000"/>
+            </a:schemeClr>
+          </a:lnRef>
+          <a:fillRef idx="1">
+            <a:schemeClr val="accent1"/>
+          </a:fillRef>
+          <a:effectRef idx="0">
+            <a:schemeClr val="accent1"/>
+          </a:effectRef>
+          <a:fontRef idx="minor">
+            <a:schemeClr val="lt1"/>
+          </a:fontRef>
+        </p:style>
+        <p:txBody>
+          <a:bodyPr rtlCol="0" anchor="ctr"/>
+          <a:lstStyle/>
+          <a:p>
+            <a:pPr algn="ctr"/>
+            <a:endParaRPr lang="ru-RU"/>
+          </a:p>
+        </p:txBody>
+      </p:sp>
+      <p:sp>
+        <p:nvSpPr>
+          <p:cNvPr id="31" name="Стрелка вправо 30"/>
+          <p:cNvSpPr/>
+          <p:nvPr/>
+        </p:nvSpPr>
+        <p:spPr>
+          <a:xfrm rot="5400000">
+            <a:off x="9016835" y="4511613"/>
+            <a:ext cx="242345" cy="137095"/>
+          </a:xfrm>
+          <a:prstGeom prst="rightArrow">
+            <a:avLst/>
+          </a:prstGeom>
+          <a:solidFill>
+            <a:srgbClr val="47A9FF"/>
+          </a:solidFill>
+          <a:ln>
+            <a:noFill/>
+          </a:ln>
+        </p:spPr>
+        <p:style>
+          <a:lnRef idx="2">
+            <a:schemeClr val="accent1">
+              <a:shade val="50000"/>
+            </a:schemeClr>
+          </a:lnRef>
+          <a:fillRef idx="1">
+            <a:schemeClr val="accent1"/>
+          </a:fillRef>
+          <a:effectRef idx="0">
+            <a:schemeClr val="accent1"/>
+          </a:effectRef>
+          <a:fontRef idx="minor">
+            <a:schemeClr val="lt1"/>
+          </a:fontRef>
+        </p:style>
+        <p:txBody>
+          <a:bodyPr rtlCol="0" anchor="ctr"/>
+          <a:lstStyle/>
+          <a:p>
+            <a:pPr algn="ctr"/>
+            <a:endParaRPr lang="ru-RU"/>
+          </a:p>
+        </p:txBody>
+      </p:sp>
+      <p:sp>
+        <p:nvSpPr>
+          <p:cNvPr id="32" name="Скругленный прямоугольник 31"/>
+          <p:cNvSpPr/>
+          <p:nvPr/>
+        </p:nvSpPr>
+        <p:spPr>
+          <a:xfrm>
+            <a:off x="8336753" y="3969131"/>
+            <a:ext cx="1577834" cy="489857"/>
+          </a:xfrm>
+          <a:prstGeom prst="roundRect">
+            <a:avLst/>
+          </a:prstGeom>
+          <a:solidFill>
+            <a:srgbClr val="002B82"/>
+          </a:solidFill>
+          <a:ln w="19050">
+            <a:solidFill>
+              <a:srgbClr val="47A9FF"/>
+            </a:solidFill>
+          </a:ln>
+        </p:spPr>
+        <p:style>
+          <a:lnRef idx="2">
+            <a:schemeClr val="accent1">
+              <a:shade val="50000"/>
+            </a:schemeClr>
+          </a:lnRef>
+          <a:fillRef idx="1">
+            <a:schemeClr val="accent1"/>
+          </a:fillRef>
+          <a:effectRef idx="0">
+            <a:schemeClr val="accent1"/>
+          </a:effectRef>
+          <a:fontRef idx="minor">
+            <a:schemeClr val="lt1"/>
+          </a:fontRef>
+        </p:style>
+        <p:txBody>
+          <a:bodyPr rtlCol="0" anchor="ctr"/>
+          <a:lstStyle/>
+          <a:p>
+            <a:pPr algn="ctr"/>
+            <a:r>
+              <a:rPr lang="ru-RU" sz="1100" dirty="0" smtClean="0"/>
+              <a:t>Запрос на завершение процесса оплаты</a:t>
+            </a:r>
+            <a:endParaRPr lang="ru-RU" sz="1100" dirty="0">
+              <a:solidFill>
+                <a:schemeClr val="bg1"/>
+              </a:solidFill>
+            </a:endParaRPr>
+          </a:p>
+        </p:txBody>
+      </p:sp>
+      <p:sp>
+        <p:nvSpPr>
+          <p:cNvPr id="33" name="Стрелка вправо 32"/>
+          <p:cNvSpPr/>
+          <p:nvPr/>
+        </p:nvSpPr>
+        <p:spPr>
+          <a:xfrm>
+            <a:off x="9914587" y="3973801"/>
+            <a:ext cx="1939956" cy="216265"/>
+          </a:xfrm>
+          <a:prstGeom prst="rightArrow">
+            <a:avLst/>
+          </a:prstGeom>
+          <a:solidFill>
+            <a:srgbClr val="F86512"/>
+          </a:solidFill>
+          <a:ln>
+            <a:noFill/>
+          </a:ln>
+        </p:spPr>
+        <p:style>
+          <a:lnRef idx="2">
+            <a:schemeClr val="accent1">
+              <a:shade val="50000"/>
+            </a:schemeClr>
+          </a:lnRef>
+          <a:fillRef idx="1">
+            <a:schemeClr val="accent1"/>
+          </a:fillRef>
+          <a:effectRef idx="0">
+            <a:schemeClr val="accent1"/>
+          </a:effectRef>
+          <a:fontRef idx="minor">
+            <a:schemeClr val="lt1"/>
+          </a:fontRef>
+        </p:style>
+        <p:txBody>
+          <a:bodyPr rtlCol="0" anchor="ctr"/>
+          <a:lstStyle/>
+          <a:p>
+            <a:pPr algn="ctr"/>
+            <a:endParaRPr lang="ru-RU"/>
+          </a:p>
+        </p:txBody>
+      </p:sp>
+      <p:sp>
+        <p:nvSpPr>
+          <p:cNvPr id="34" name="Стрелка вправо 33"/>
+          <p:cNvSpPr/>
+          <p:nvPr/>
+        </p:nvSpPr>
+        <p:spPr>
+          <a:xfrm flipH="1">
+            <a:off x="9914587" y="4190066"/>
+            <a:ext cx="1809327" cy="216265"/>
+          </a:xfrm>
+          <a:prstGeom prst="rightArrow">
+            <a:avLst/>
+          </a:prstGeom>
+          <a:solidFill>
+            <a:srgbClr val="47A9FF"/>
+          </a:solidFill>
+          <a:ln>
+            <a:noFill/>
+          </a:ln>
+        </p:spPr>
+        <p:style>
+          <a:lnRef idx="2">
+            <a:schemeClr val="accent1">
+              <a:shade val="50000"/>
+            </a:schemeClr>
+          </a:lnRef>
+          <a:fillRef idx="1">
+            <a:schemeClr val="accent1"/>
+          </a:fillRef>
+          <a:effectRef idx="0">
+            <a:schemeClr val="accent1"/>
+          </a:effectRef>
+          <a:fontRef idx="minor">
+            <a:schemeClr val="lt1"/>
+          </a:fontRef>
+        </p:style>
+        <p:txBody>
+          <a:bodyPr rtlCol="0" anchor="ctr"/>
+          <a:lstStyle/>
+          <a:p>
+            <a:pPr algn="ctr"/>
+            <a:endParaRPr lang="ru-RU"/>
+          </a:p>
+        </p:txBody>
+      </p:sp>
+      <p:sp>
+        <p:nvSpPr>
+          <p:cNvPr id="35" name="TextBox 34"/>
+          <p:cNvSpPr txBox="1"/>
+          <p:nvPr/>
+        </p:nvSpPr>
+        <p:spPr>
+          <a:xfrm>
+            <a:off x="9279472" y="2971774"/>
+            <a:ext cx="344966" cy="276999"/>
+          </a:xfrm>
+          <a:prstGeom prst="rect">
+            <a:avLst/>
+          </a:prstGeom>
+          <a:noFill/>
+        </p:spPr>
+        <p:txBody>
+          <a:bodyPr wrap="none" rtlCol="0">
+            <a:spAutoFit/>
+          </a:bodyPr>
+          <a:lstStyle/>
+          <a:p>
+            <a:r>
+              <a:rPr lang="ru-RU" sz="1200" dirty="0" smtClean="0">
+                <a:solidFill>
+                  <a:schemeClr val="bg1"/>
+                </a:solidFill>
+              </a:rPr>
+              <a:t>да</a:t>
+            </a:r>
+            <a:endParaRPr lang="ru-RU" sz="1200" dirty="0">
+              <a:solidFill>
+                <a:schemeClr val="bg1"/>
+              </a:solidFill>
+            </a:endParaRPr>
+          </a:p>
+        </p:txBody>
+      </p:sp>
+      <p:sp>
+        <p:nvSpPr>
+          <p:cNvPr id="36" name="TextBox 35"/>
+          <p:cNvSpPr txBox="1"/>
+          <p:nvPr/>
+        </p:nvSpPr>
+        <p:spPr>
+          <a:xfrm>
+            <a:off x="9279472" y="3692132"/>
+            <a:ext cx="344966" cy="276999"/>
+          </a:xfrm>
+          <a:prstGeom prst="rect">
+            <a:avLst/>
+          </a:prstGeom>
+          <a:noFill/>
+        </p:spPr>
+        <p:txBody>
+          <a:bodyPr wrap="none" rtlCol="0">
+            <a:spAutoFit/>
+          </a:bodyPr>
+          <a:lstStyle/>
+          <a:p>
+            <a:r>
+              <a:rPr lang="ru-RU" sz="1200" dirty="0" smtClean="0">
+                <a:solidFill>
+                  <a:schemeClr val="bg1"/>
+                </a:solidFill>
+              </a:rPr>
+              <a:t>да</a:t>
+            </a:r>
+            <a:endParaRPr lang="ru-RU" sz="1200" dirty="0">
+              <a:solidFill>
+                <a:schemeClr val="bg1"/>
+              </a:solidFill>
+            </a:endParaRPr>
+          </a:p>
+        </p:txBody>
+      </p:sp>
+      <p:sp>
+        <p:nvSpPr>
+          <p:cNvPr id="37" name="Стрелка углом 36"/>
+          <p:cNvSpPr/>
+          <p:nvPr/>
+        </p:nvSpPr>
+        <p:spPr>
+          <a:xfrm rot="16200000" flipH="1">
+            <a:off x="6624159" y="3100655"/>
+            <a:ext cx="2043852" cy="1540859"/>
+          </a:xfrm>
+          <a:prstGeom prst="bentArrow">
+            <a:avLst>
+              <a:gd name="adj1" fmla="val 6042"/>
+              <a:gd name="adj2" fmla="val 9327"/>
+              <a:gd name="adj3" fmla="val 12685"/>
+              <a:gd name="adj4" fmla="val 43750"/>
+            </a:avLst>
+          </a:prstGeom>
+          <a:solidFill>
+            <a:srgbClr val="47A9FF"/>
+          </a:solidFill>
+          <a:ln>
+            <a:noFill/>
+          </a:ln>
+        </p:spPr>
+        <p:style>
+          <a:lnRef idx="2">
+            <a:schemeClr val="accent1">
+              <a:shade val="50000"/>
+            </a:schemeClr>
+          </a:lnRef>
+          <a:fillRef idx="1">
+            <a:schemeClr val="accent1"/>
+          </a:fillRef>
+          <a:effectRef idx="0">
+            <a:schemeClr val="accent1"/>
+          </a:effectRef>
+          <a:fontRef idx="minor">
+            <a:schemeClr val="lt1"/>
+          </a:fontRef>
+        </p:style>
+        <p:txBody>
+          <a:bodyPr rtlCol="0" anchor="ctr"/>
+          <a:lstStyle/>
+          <a:p>
+            <a:pPr algn="ctr"/>
+            <a:endParaRPr lang="ru-RU">
+              <a:solidFill>
+                <a:schemeClr val="tx1"/>
+              </a:solidFill>
+            </a:endParaRPr>
+          </a:p>
+        </p:txBody>
+      </p:sp>
+      <p:sp>
+        <p:nvSpPr>
+          <p:cNvPr id="38" name="Блок-схема: решение 37"/>
+          <p:cNvSpPr/>
+          <p:nvPr/>
+        </p:nvSpPr>
+        <p:spPr>
+          <a:xfrm>
+            <a:off x="8116840" y="2654115"/>
+            <a:ext cx="2012958" cy="424502"/>
+          </a:xfrm>
+          <a:prstGeom prst="flowChartDecision">
+            <a:avLst/>
+          </a:prstGeom>
+          <a:solidFill>
+            <a:srgbClr val="002B82"/>
+          </a:solidFill>
+          <a:ln w="28575">
+            <a:solidFill>
+              <a:srgbClr val="47A9FF"/>
+            </a:solidFill>
+          </a:ln>
+        </p:spPr>
+        <p:style>
+          <a:lnRef idx="2">
+            <a:schemeClr val="accent1">
+              <a:shade val="50000"/>
+            </a:schemeClr>
+          </a:lnRef>
+          <a:fillRef idx="1">
+            <a:schemeClr val="accent1"/>
+          </a:fillRef>
+          <a:effectRef idx="0">
+            <a:schemeClr val="accent1"/>
+          </a:effectRef>
+          <a:fontRef idx="minor">
+            <a:schemeClr val="lt1"/>
+          </a:fontRef>
+        </p:style>
+        <p:txBody>
+          <a:bodyPr rtlCol="0" anchor="ctr"/>
+          <a:lstStyle/>
+          <a:p>
+            <a:pPr algn="ctr"/>
+            <a:r>
+              <a:rPr lang="ru-RU" sz="1000" dirty="0" smtClean="0"/>
+              <a:t>Заказ существует?</a:t>
+            </a:r>
+            <a:endParaRPr lang="ru-RU" sz="1000" dirty="0"/>
+          </a:p>
+        </p:txBody>
+      </p:sp>
+      <p:sp>
+        <p:nvSpPr>
+          <p:cNvPr id="39" name="Стрелка углом 38"/>
+          <p:cNvSpPr/>
+          <p:nvPr/>
+        </p:nvSpPr>
+        <p:spPr>
+          <a:xfrm rot="16200000" flipH="1">
+            <a:off x="6988680" y="3653402"/>
+            <a:ext cx="1336824" cy="999757"/>
+          </a:xfrm>
+          <a:prstGeom prst="bentArrow">
+            <a:avLst>
+              <a:gd name="adj1" fmla="val 6042"/>
+              <a:gd name="adj2" fmla="val 9327"/>
+              <a:gd name="adj3" fmla="val 12685"/>
+              <a:gd name="adj4" fmla="val 43750"/>
+            </a:avLst>
+          </a:prstGeom>
+          <a:solidFill>
+            <a:srgbClr val="47A9FF"/>
+          </a:solidFill>
+          <a:ln>
+            <a:noFill/>
+          </a:ln>
+        </p:spPr>
+        <p:style>
+          <a:lnRef idx="2">
+            <a:schemeClr val="accent1">
+              <a:shade val="50000"/>
+            </a:schemeClr>
+          </a:lnRef>
+          <a:fillRef idx="1">
+            <a:schemeClr val="accent1"/>
+          </a:fillRef>
+          <a:effectRef idx="0">
+            <a:schemeClr val="accent1"/>
+          </a:effectRef>
+          <a:fontRef idx="minor">
+            <a:schemeClr val="lt1"/>
+          </a:fontRef>
+        </p:style>
+        <p:txBody>
+          <a:bodyPr rtlCol="0" anchor="ctr"/>
+          <a:lstStyle/>
+          <a:p>
+            <a:pPr algn="ctr"/>
+            <a:endParaRPr lang="ru-RU">
+              <a:solidFill>
+                <a:schemeClr val="tx1"/>
+              </a:solidFill>
+            </a:endParaRPr>
+          </a:p>
+        </p:txBody>
+      </p:sp>
+      <p:sp>
+        <p:nvSpPr>
+          <p:cNvPr id="40" name="Блок-схема: решение 39"/>
+          <p:cNvSpPr/>
+          <p:nvPr/>
+        </p:nvSpPr>
+        <p:spPr>
+          <a:xfrm>
+            <a:off x="7846352" y="3234842"/>
+            <a:ext cx="2592011" cy="547150"/>
+          </a:xfrm>
+          <a:prstGeom prst="flowChartDecision">
+            <a:avLst/>
+          </a:prstGeom>
+          <a:solidFill>
+            <a:srgbClr val="002B82"/>
+          </a:solidFill>
+          <a:ln w="28575">
+            <a:solidFill>
+              <a:srgbClr val="47A9FF"/>
+            </a:solidFill>
+          </a:ln>
+        </p:spPr>
+        <p:style>
+          <a:lnRef idx="2">
+            <a:schemeClr val="accent1">
+              <a:shade val="50000"/>
+            </a:schemeClr>
+          </a:lnRef>
+          <a:fillRef idx="1">
+            <a:schemeClr val="accent1"/>
+          </a:fillRef>
+          <a:effectRef idx="0">
+            <a:schemeClr val="accent1"/>
+          </a:effectRef>
+          <a:fontRef idx="minor">
+            <a:schemeClr val="lt1"/>
+          </a:fontRef>
+        </p:style>
+        <p:txBody>
+          <a:bodyPr rtlCol="0" anchor="ctr"/>
+          <a:lstStyle/>
+          <a:p>
+            <a:pPr algn="ctr"/>
+            <a:r>
+              <a:rPr lang="ru-RU" sz="1000" dirty="0" smtClean="0"/>
+              <a:t>Заказ в статусе ожидания оплаты?</a:t>
+            </a:r>
+            <a:endParaRPr lang="ru-RU" sz="1000" dirty="0"/>
+          </a:p>
+        </p:txBody>
+      </p:sp>
+      <p:sp>
+        <p:nvSpPr>
+          <p:cNvPr id="41" name="TextBox 40"/>
+          <p:cNvSpPr txBox="1"/>
+          <p:nvPr/>
+        </p:nvSpPr>
+        <p:spPr>
+          <a:xfrm>
+            <a:off x="7184404" y="3096343"/>
+            <a:ext cx="1872949" cy="276999"/>
+          </a:xfrm>
+          <a:prstGeom prst="rect">
+            <a:avLst/>
+          </a:prstGeom>
+          <a:noFill/>
+        </p:spPr>
+        <p:txBody>
+          <a:bodyPr wrap="none" rtlCol="0">
+            <a:spAutoFit/>
+          </a:bodyPr>
+          <a:lstStyle/>
+          <a:p>
+            <a:r>
+              <a:rPr lang="ru-RU" sz="1200" dirty="0">
+                <a:solidFill>
+                  <a:schemeClr val="bg1"/>
+                </a:solidFill>
+              </a:rPr>
+              <a:t>Вернуть страницу </a:t>
+            </a:r>
+            <a:r>
+              <a:rPr lang="ru-RU" sz="1200" dirty="0" smtClean="0">
+                <a:solidFill>
+                  <a:schemeClr val="bg1"/>
+                </a:solidFill>
+              </a:rPr>
+              <a:t>ошибку</a:t>
+            </a:r>
+            <a:endParaRPr lang="ru-RU" sz="1200" dirty="0">
+              <a:solidFill>
+                <a:schemeClr val="bg1"/>
+              </a:solidFill>
+            </a:endParaRPr>
+          </a:p>
+        </p:txBody>
+      </p:sp>
+      <p:sp>
+        <p:nvSpPr>
+          <p:cNvPr id="42" name="TextBox 41"/>
+          <p:cNvSpPr txBox="1"/>
+          <p:nvPr/>
+        </p:nvSpPr>
+        <p:spPr>
+          <a:xfrm>
+            <a:off x="7074107" y="2557784"/>
+            <a:ext cx="1872949" cy="276999"/>
+          </a:xfrm>
+          <a:prstGeom prst="rect">
+            <a:avLst/>
+          </a:prstGeom>
+          <a:noFill/>
+        </p:spPr>
+        <p:txBody>
+          <a:bodyPr wrap="none" rtlCol="0">
+            <a:spAutoFit/>
+          </a:bodyPr>
+          <a:lstStyle/>
+          <a:p>
+            <a:r>
+              <a:rPr lang="ru-RU" sz="1200" dirty="0">
+                <a:solidFill>
+                  <a:schemeClr val="bg1"/>
+                </a:solidFill>
+              </a:rPr>
+              <a:t>Вернуть страницу </a:t>
+            </a:r>
+            <a:r>
+              <a:rPr lang="ru-RU" sz="1200" dirty="0" smtClean="0">
+                <a:solidFill>
+                  <a:schemeClr val="bg1"/>
+                </a:solidFill>
+              </a:rPr>
+              <a:t>ошибку</a:t>
+            </a:r>
+            <a:endParaRPr lang="ru-RU" sz="1200" dirty="0">
+              <a:solidFill>
+                <a:schemeClr val="bg1"/>
+              </a:solidFill>
+            </a:endParaRPr>
+          </a:p>
+        </p:txBody>
+      </p:sp>
+      <p:sp>
+        <p:nvSpPr>
+          <p:cNvPr id="43" name="Скругленный прямоугольник 42"/>
+          <p:cNvSpPr/>
+          <p:nvPr/>
+        </p:nvSpPr>
+        <p:spPr>
+          <a:xfrm>
+            <a:off x="8316755" y="2015824"/>
+            <a:ext cx="1577834" cy="489857"/>
+          </a:xfrm>
+          <a:prstGeom prst="roundRect">
+            <a:avLst/>
+          </a:prstGeom>
+          <a:solidFill>
+            <a:srgbClr val="002B82"/>
+          </a:solidFill>
+          <a:ln w="19050">
+            <a:solidFill>
+              <a:srgbClr val="47A9FF"/>
+            </a:solidFill>
+          </a:ln>
+        </p:spPr>
+        <p:style>
+          <a:lnRef idx="2">
+            <a:schemeClr val="accent1">
+              <a:shade val="50000"/>
+            </a:schemeClr>
+          </a:lnRef>
+          <a:fillRef idx="1">
+            <a:schemeClr val="accent1"/>
+          </a:fillRef>
+          <a:effectRef idx="0">
+            <a:schemeClr val="accent1"/>
+          </a:effectRef>
+          <a:fontRef idx="minor">
+            <a:schemeClr val="lt1"/>
+          </a:fontRef>
+        </p:style>
+        <p:txBody>
+          <a:bodyPr rtlCol="0" anchor="ctr"/>
+          <a:lstStyle/>
+          <a:p>
+            <a:pPr algn="ctr"/>
+            <a:r>
+              <a:rPr lang="ru-RU" sz="1100" dirty="0" smtClean="0">
+                <a:solidFill>
+                  <a:schemeClr val="bg1"/>
+                </a:solidFill>
+              </a:rPr>
+              <a:t>Запрос на существование заказа</a:t>
+            </a:r>
+            <a:endParaRPr lang="ru-RU" sz="1100" dirty="0">
+              <a:solidFill>
+                <a:schemeClr val="bg1"/>
+              </a:solidFill>
+            </a:endParaRPr>
+          </a:p>
+        </p:txBody>
+      </p:sp>
+      <p:sp>
+        <p:nvSpPr>
+          <p:cNvPr id="44" name="Стрелка вправо 43"/>
+          <p:cNvSpPr/>
+          <p:nvPr/>
+        </p:nvSpPr>
+        <p:spPr>
+          <a:xfrm>
+            <a:off x="9894589" y="2015824"/>
+            <a:ext cx="1959954" cy="216265"/>
+          </a:xfrm>
+          <a:prstGeom prst="rightArrow">
+            <a:avLst/>
+          </a:prstGeom>
+          <a:solidFill>
+            <a:srgbClr val="F86512"/>
+          </a:solidFill>
+          <a:ln>
+            <a:noFill/>
+          </a:ln>
+        </p:spPr>
+        <p:style>
+          <a:lnRef idx="2">
+            <a:schemeClr val="accent1">
+              <a:shade val="50000"/>
+            </a:schemeClr>
+          </a:lnRef>
+          <a:fillRef idx="1">
+            <a:schemeClr val="accent1"/>
+          </a:fillRef>
+          <a:effectRef idx="0">
+            <a:schemeClr val="accent1"/>
+          </a:effectRef>
+          <a:fontRef idx="minor">
+            <a:schemeClr val="lt1"/>
+          </a:fontRef>
+        </p:style>
+        <p:txBody>
+          <a:bodyPr rtlCol="0" anchor="ctr"/>
+          <a:lstStyle/>
+          <a:p>
+            <a:pPr algn="ctr"/>
+            <a:endParaRPr lang="ru-RU"/>
+          </a:p>
+        </p:txBody>
+      </p:sp>
+      <p:sp>
+        <p:nvSpPr>
+          <p:cNvPr id="45" name="Стрелка вправо 44"/>
+          <p:cNvSpPr/>
+          <p:nvPr/>
+        </p:nvSpPr>
+        <p:spPr>
+          <a:xfrm flipH="1">
+            <a:off x="9894588" y="2232089"/>
+            <a:ext cx="1959954" cy="216265"/>
+          </a:xfrm>
+          <a:prstGeom prst="rightArrow">
+            <a:avLst/>
+          </a:prstGeom>
+          <a:solidFill>
+            <a:srgbClr val="47A9FF"/>
+          </a:solidFill>
+          <a:ln>
+            <a:noFill/>
+          </a:ln>
+        </p:spPr>
+        <p:style>
+          <a:lnRef idx="2">
+            <a:schemeClr val="accent1">
+              <a:shade val="50000"/>
+            </a:schemeClr>
+          </a:lnRef>
+          <a:fillRef idx="1">
+            <a:schemeClr val="accent1"/>
+          </a:fillRef>
+          <a:effectRef idx="0">
+            <a:schemeClr val="accent1"/>
+          </a:effectRef>
+          <a:fontRef idx="minor">
+            <a:schemeClr val="lt1"/>
+          </a:fontRef>
+        </p:style>
+        <p:txBody>
+          <a:bodyPr rtlCol="0" anchor="ctr"/>
+          <a:lstStyle/>
+          <a:p>
+            <a:pPr algn="ctr"/>
+            <a:endParaRPr lang="ru-RU"/>
+          </a:p>
+        </p:txBody>
+      </p:sp>
+      <p:sp>
+        <p:nvSpPr>
+          <p:cNvPr id="47" name="Овал 46"/>
+          <p:cNvSpPr/>
+          <p:nvPr/>
+        </p:nvSpPr>
+        <p:spPr>
+          <a:xfrm>
+            <a:off x="8955470" y="594784"/>
+            <a:ext cx="336114" cy="310243"/>
+          </a:xfrm>
+          <a:prstGeom prst="ellipse">
+            <a:avLst/>
+          </a:prstGeom>
+          <a:solidFill>
+            <a:srgbClr val="002B82"/>
+          </a:solidFill>
+          <a:ln w="38100">
+            <a:solidFill>
+              <a:srgbClr val="47A9FF"/>
+            </a:solidFill>
+          </a:ln>
+        </p:spPr>
+        <p:style>
+          <a:lnRef idx="2">
+            <a:schemeClr val="accent1">
+              <a:shade val="50000"/>
+            </a:schemeClr>
+          </a:lnRef>
+          <a:fillRef idx="1">
+            <a:schemeClr val="accent1"/>
+          </a:fillRef>
+          <a:effectRef idx="0">
+            <a:schemeClr val="accent1"/>
+          </a:effectRef>
+          <a:fontRef idx="minor">
+            <a:schemeClr val="lt1"/>
+          </a:fontRef>
+        </p:style>
+        <p:txBody>
+          <a:bodyPr rtlCol="0" anchor="ctr"/>
+          <a:lstStyle/>
+          <a:p>
+            <a:pPr algn="ctr"/>
+            <a:endParaRPr lang="ru-RU"/>
+          </a:p>
+        </p:txBody>
+      </p:sp>
+      <p:sp>
+        <p:nvSpPr>
+          <p:cNvPr id="48" name="Стрелка вправо 47"/>
+          <p:cNvSpPr/>
+          <p:nvPr/>
+        </p:nvSpPr>
+        <p:spPr>
+          <a:xfrm rot="5400000">
+            <a:off x="9046058" y="928430"/>
+            <a:ext cx="174473" cy="127668"/>
+          </a:xfrm>
+          <a:prstGeom prst="rightArrow">
+            <a:avLst/>
+          </a:prstGeom>
+          <a:solidFill>
+            <a:srgbClr val="47A9FF"/>
+          </a:solidFill>
+          <a:ln>
+            <a:noFill/>
+          </a:ln>
+        </p:spPr>
+        <p:style>
+          <a:lnRef idx="2">
+            <a:schemeClr val="accent1">
+              <a:shade val="50000"/>
+            </a:schemeClr>
+          </a:lnRef>
+          <a:fillRef idx="1">
+            <a:schemeClr val="accent1"/>
+          </a:fillRef>
+          <a:effectRef idx="0">
+            <a:schemeClr val="accent1"/>
+          </a:effectRef>
+          <a:fontRef idx="minor">
+            <a:schemeClr val="lt1"/>
+          </a:fontRef>
+        </p:style>
+        <p:txBody>
+          <a:bodyPr rtlCol="0" anchor="ctr"/>
+          <a:lstStyle/>
+          <a:p>
+            <a:pPr algn="ctr"/>
+            <a:endParaRPr lang="ru-RU"/>
+          </a:p>
+        </p:txBody>
+      </p:sp>
+      <p:sp>
+        <p:nvSpPr>
+          <p:cNvPr id="49" name="Стрелка вправо 48"/>
+          <p:cNvSpPr/>
+          <p:nvPr/>
+        </p:nvSpPr>
+        <p:spPr>
+          <a:xfrm rot="5400000">
+            <a:off x="9016835" y="5311501"/>
+            <a:ext cx="242345" cy="137095"/>
+          </a:xfrm>
+          <a:prstGeom prst="rightArrow">
+            <a:avLst/>
+          </a:prstGeom>
+          <a:solidFill>
+            <a:srgbClr val="47A9FF"/>
+          </a:solidFill>
+          <a:ln>
+            <a:noFill/>
+          </a:ln>
+        </p:spPr>
+        <p:style>
+          <a:lnRef idx="2">
+            <a:schemeClr val="accent1">
+              <a:shade val="50000"/>
+            </a:schemeClr>
+          </a:lnRef>
+          <a:fillRef idx="1">
+            <a:schemeClr val="accent1"/>
+          </a:fillRef>
+          <a:effectRef idx="0">
+            <a:schemeClr val="accent1"/>
+          </a:effectRef>
+          <a:fontRef idx="minor">
+            <a:schemeClr val="lt1"/>
+          </a:fontRef>
+        </p:style>
+        <p:txBody>
+          <a:bodyPr rtlCol="0" anchor="ctr"/>
+          <a:lstStyle/>
+          <a:p>
+            <a:pPr algn="ctr"/>
+            <a:endParaRPr lang="ru-RU"/>
+          </a:p>
+        </p:txBody>
+      </p:sp>
+      <p:sp>
+        <p:nvSpPr>
+          <p:cNvPr id="50" name="Блок-схема: решение 49"/>
+          <p:cNvSpPr/>
+          <p:nvPr/>
+        </p:nvSpPr>
+        <p:spPr>
+          <a:xfrm>
+            <a:off x="7827313" y="5501221"/>
+            <a:ext cx="2592011" cy="547150"/>
+          </a:xfrm>
+          <a:prstGeom prst="flowChartDecision">
+            <a:avLst/>
+          </a:prstGeom>
+          <a:solidFill>
+            <a:srgbClr val="002B82"/>
+          </a:solidFill>
+          <a:ln w="28575">
+            <a:solidFill>
+              <a:srgbClr val="47A9FF"/>
+            </a:solidFill>
+          </a:ln>
+        </p:spPr>
+        <p:style>
+          <a:lnRef idx="2">
+            <a:schemeClr val="accent1">
+              <a:shade val="50000"/>
+            </a:schemeClr>
+          </a:lnRef>
+          <a:fillRef idx="1">
+            <a:schemeClr val="accent1"/>
+          </a:fillRef>
+          <a:effectRef idx="0">
+            <a:schemeClr val="accent1"/>
+          </a:effectRef>
+          <a:fontRef idx="minor">
+            <a:schemeClr val="lt1"/>
+          </a:fontRef>
+        </p:style>
+        <p:txBody>
+          <a:bodyPr rtlCol="0" anchor="ctr"/>
+          <a:lstStyle/>
+          <a:p>
+            <a:pPr algn="ctr"/>
+            <a:r>
+              <a:rPr lang="ru-RU" sz="800" dirty="0" smtClean="0"/>
+              <a:t>Статус </a:t>
+            </a:r>
+            <a:r>
+              <a:rPr lang="ru-RU" sz="800" dirty="0"/>
+              <a:t>заказа </a:t>
+            </a:r>
+            <a:r>
+              <a:rPr lang="ru-RU" sz="800" dirty="0" smtClean="0"/>
+              <a:t>Операция оплаты в банке прошла успешно</a:t>
+            </a:r>
+            <a:r>
+              <a:rPr lang="ru-RU" sz="800" dirty="0"/>
+              <a:t>?</a:t>
+            </a:r>
+          </a:p>
+        </p:txBody>
+      </p:sp>
+      <p:sp>
+        <p:nvSpPr>
+          <p:cNvPr id="52" name="TextBox 51"/>
+          <p:cNvSpPr txBox="1"/>
+          <p:nvPr/>
+        </p:nvSpPr>
+        <p:spPr>
+          <a:xfrm>
+            <a:off x="9291584" y="6048371"/>
+            <a:ext cx="344966" cy="276999"/>
+          </a:xfrm>
+          <a:prstGeom prst="rect">
+            <a:avLst/>
+          </a:prstGeom>
+          <a:noFill/>
+        </p:spPr>
+        <p:txBody>
+          <a:bodyPr wrap="none" rtlCol="0">
+            <a:spAutoFit/>
+          </a:bodyPr>
+          <a:lstStyle/>
+          <a:p>
+            <a:r>
+              <a:rPr lang="ru-RU" sz="1200" dirty="0" smtClean="0">
+                <a:solidFill>
+                  <a:schemeClr val="bg1"/>
+                </a:solidFill>
+              </a:rPr>
+              <a:t>да</a:t>
+            </a:r>
+            <a:endParaRPr lang="ru-RU" sz="1200" dirty="0">
+              <a:solidFill>
+                <a:schemeClr val="bg1"/>
+              </a:solidFill>
+            </a:endParaRPr>
+          </a:p>
+        </p:txBody>
+      </p:sp>
+      <p:sp>
+        <p:nvSpPr>
+          <p:cNvPr id="53" name="Стрелка вправо 52"/>
+          <p:cNvSpPr/>
+          <p:nvPr/>
+        </p:nvSpPr>
+        <p:spPr>
+          <a:xfrm flipH="1">
+            <a:off x="6744663" y="5666663"/>
+            <a:ext cx="1257301" cy="216265"/>
+          </a:xfrm>
+          <a:prstGeom prst="rightArrow">
+            <a:avLst/>
+          </a:prstGeom>
+          <a:solidFill>
+            <a:srgbClr val="47A9FF"/>
+          </a:solidFill>
+          <a:ln>
+            <a:noFill/>
+          </a:ln>
+        </p:spPr>
+        <p:style>
+          <a:lnRef idx="2">
+            <a:schemeClr val="accent1">
+              <a:shade val="50000"/>
+            </a:schemeClr>
+          </a:lnRef>
+          <a:fillRef idx="1">
+            <a:schemeClr val="accent1"/>
+          </a:fillRef>
+          <a:effectRef idx="0">
+            <a:schemeClr val="accent1"/>
+          </a:effectRef>
+          <a:fontRef idx="minor">
+            <a:schemeClr val="lt1"/>
+          </a:fontRef>
+        </p:style>
+        <p:txBody>
+          <a:bodyPr rtlCol="0" anchor="ctr"/>
+          <a:lstStyle/>
+          <a:p>
+            <a:pPr algn="ctr"/>
+            <a:endParaRPr lang="ru-RU"/>
+          </a:p>
+        </p:txBody>
+      </p:sp>
+      <p:sp>
+        <p:nvSpPr>
+          <p:cNvPr id="54" name="TextBox 53"/>
+          <p:cNvSpPr txBox="1"/>
+          <p:nvPr/>
+        </p:nvSpPr>
+        <p:spPr>
+          <a:xfrm>
+            <a:off x="6603041" y="5400887"/>
+            <a:ext cx="1872949" cy="276999"/>
+          </a:xfrm>
+          <a:prstGeom prst="rect">
+            <a:avLst/>
+          </a:prstGeom>
+          <a:noFill/>
+        </p:spPr>
+        <p:txBody>
+          <a:bodyPr wrap="none" rtlCol="0">
+            <a:spAutoFit/>
+          </a:bodyPr>
+          <a:lstStyle/>
+          <a:p>
+            <a:r>
+              <a:rPr lang="ru-RU" sz="1200" dirty="0">
+                <a:solidFill>
+                  <a:schemeClr val="bg1"/>
+                </a:solidFill>
+              </a:rPr>
+              <a:t>Вернуть страницу </a:t>
+            </a:r>
+            <a:r>
+              <a:rPr lang="ru-RU" sz="1200" dirty="0" smtClean="0">
+                <a:solidFill>
+                  <a:schemeClr val="bg1"/>
+                </a:solidFill>
+              </a:rPr>
+              <a:t>ошибку</a:t>
+            </a:r>
+            <a:endParaRPr lang="ru-RU" sz="1200" dirty="0">
+              <a:solidFill>
+                <a:schemeClr val="bg1"/>
+              </a:solidFill>
+            </a:endParaRPr>
+          </a:p>
+        </p:txBody>
+      </p:sp>
+      <p:pic>
+        <p:nvPicPr>
+          <p:cNvPr id="55" name="Picture 2"/>
+          <p:cNvPicPr>
+            <a:picLocks noChangeAspect="1" noChangeArrowheads="1"/>
+          </p:cNvPicPr>
+          <p:nvPr/>
+        </p:nvPicPr>
+        <p:blipFill>
+          <a:blip r:embed="rId8" cstate="print">
+            <a:extLst>
+              <a:ext uri="{28A0092B-C50C-407E-A947-70E740481C1C}">
+                <a14:useLocalDpi xmlns:a14="http://schemas.microsoft.com/office/drawing/2010/main" val="0"/>
+              </a:ext>
+            </a:extLst>
+          </a:blip>
+          <a:srcRect/>
+          <a:stretch>
+            <a:fillRect/>
+          </a:stretch>
+        </p:blipFill>
+        <p:spPr bwMode="auto">
+          <a:xfrm>
+            <a:off x="246948" y="2319754"/>
+            <a:ext cx="3466845" cy="1659391"/>
+          </a:xfrm>
+          <a:prstGeom prst="rect">
+            <a:avLst/>
+          </a:prstGeom>
+          <a:noFill/>
+          <a:ln>
+            <a:noFill/>
+          </a:ln>
+          <a:effectLst/>
+          <a:extLst>
+            <a:ext uri="{909E8E84-426E-40DD-AFC4-6F175D3DCCD1}">
+              <a14:hiddenFill xmlns:a14="http://schemas.microsoft.com/office/drawing/2010/main">
+                <a:solidFill>
+                  <a:schemeClr val="accent1"/>
+                </a:solidFill>
+              </a14:hiddenFill>
+            </a:ext>
+            <a:ext uri="{91240B29-F687-4F45-9708-019B960494DF}">
+              <a14:hiddenLine xmlns:a14="http://schemas.microsoft.com/office/drawing/2010/main" w="9525">
+                <a:solidFill>
+                  <a:schemeClr val="tx1"/>
+                </a:solidFill>
+                <a:miter lim="800000"/>
+                <a:headEnd/>
+                <a:tailEnd/>
+              </a14:hiddenLine>
+            </a:ext>
+            <a:ext uri="{AF507438-7753-43E0-B8FC-AC1667EBCBE1}">
+              <a14:hiddenEffects xmlns:a14="http://schemas.microsoft.com/office/drawing/2010/main">
+                <a:effectLst>
+                  <a:outerShdw dist="35921" dir="2700000" algn="ctr" rotWithShape="0">
+                    <a:schemeClr val="bg2"/>
+                  </a:outerShdw>
+                </a:effectLst>
+              </a14:hiddenEffects>
+            </a:ext>
+          </a:extLst>
+        </p:spPr>
+      </p:pic>
+      <p:sp>
+        <p:nvSpPr>
+          <p:cNvPr id="56" name="TextBox 55"/>
+          <p:cNvSpPr txBox="1"/>
+          <p:nvPr/>
+        </p:nvSpPr>
+        <p:spPr>
+          <a:xfrm>
+            <a:off x="168141" y="4098143"/>
+            <a:ext cx="3624457" cy="400110"/>
+          </a:xfrm>
+          <a:prstGeom prst="rect">
+            <a:avLst/>
+          </a:prstGeom>
+          <a:noFill/>
+        </p:spPr>
+        <p:txBody>
+          <a:bodyPr wrap="square" rtlCol="0">
+            <a:spAutoFit/>
+          </a:bodyPr>
+          <a:lstStyle/>
+          <a:p>
+            <a:r>
+              <a:rPr lang="ru-RU" sz="1000" dirty="0" smtClean="0">
+                <a:solidFill>
+                  <a:srgbClr val="002B82"/>
+                </a:solidFill>
+                <a:latin typeface="Bahnschrift" pitchFamily="34" charset="0"/>
+              </a:rPr>
+              <a:t>Рисунок 5 – Страница ошибки проекта системы лояльности ООО «АИС Город»</a:t>
+            </a:r>
+            <a:endParaRPr lang="ru-RU" sz="1000" dirty="0">
+              <a:solidFill>
+                <a:srgbClr val="002B82"/>
+              </a:solidFill>
+              <a:latin typeface="Bahnschrift" pitchFamily="34" charset="0"/>
+            </a:endParaRPr>
+          </a:p>
+        </p:txBody>
+      </p:sp>
+      <p:pic>
+        <p:nvPicPr>
+          <p:cNvPr id="57" name="Picture 2"/>
+          <p:cNvPicPr>
+            <a:picLocks noChangeAspect="1" noChangeArrowheads="1"/>
+          </p:cNvPicPr>
+          <p:nvPr/>
+        </p:nvPicPr>
+        <p:blipFill>
+          <a:blip r:embed="rId9" cstate="print">
+            <a:extLst>
+              <a:ext uri="{28A0092B-C50C-407E-A947-70E740481C1C}">
+                <a14:useLocalDpi xmlns:a14="http://schemas.microsoft.com/office/drawing/2010/main" val="0"/>
+              </a:ext>
+            </a:extLst>
+          </a:blip>
+          <a:srcRect/>
+          <a:stretch>
+            <a:fillRect/>
+          </a:stretch>
+        </p:blipFill>
+        <p:spPr bwMode="auto">
+          <a:xfrm>
+            <a:off x="246948" y="4545819"/>
+            <a:ext cx="2262307" cy="1910804"/>
+          </a:xfrm>
+          <a:prstGeom prst="rect">
+            <a:avLst/>
+          </a:prstGeom>
+          <a:noFill/>
+          <a:ln>
+            <a:noFill/>
+          </a:ln>
+          <a:effectLst/>
+          <a:extLst>
+            <a:ext uri="{909E8E84-426E-40DD-AFC4-6F175D3DCCD1}">
+              <a14:hiddenFill xmlns:a14="http://schemas.microsoft.com/office/drawing/2010/main">
+                <a:solidFill>
+                  <a:schemeClr val="accent1"/>
+                </a:solidFill>
+              </a14:hiddenFill>
+            </a:ext>
+            <a:ext uri="{91240B29-F687-4F45-9708-019B960494DF}">
+              <a14:hiddenLine xmlns:a14="http://schemas.microsoft.com/office/drawing/2010/main" w="9525">
+                <a:solidFill>
+                  <a:schemeClr val="tx1"/>
+                </a:solidFill>
+                <a:miter lim="800000"/>
+                <a:headEnd/>
+                <a:tailEnd/>
+              </a14:hiddenLine>
+            </a:ext>
+            <a:ext uri="{AF507438-7753-43E0-B8FC-AC1667EBCBE1}">
+              <a14:hiddenEffects xmlns:a14="http://schemas.microsoft.com/office/drawing/2010/main">
+                <a:effectLst>
+                  <a:outerShdw dist="35921" dir="2700000" algn="ctr" rotWithShape="0">
+                    <a:schemeClr val="bg2"/>
+                  </a:outerShdw>
+                </a:effectLst>
+              </a14:hiddenEffects>
+            </a:ext>
+          </a:extLst>
+        </p:spPr>
+      </p:pic>
+      <p:sp>
+        <p:nvSpPr>
+          <p:cNvPr id="58" name="TextBox 57"/>
+          <p:cNvSpPr txBox="1"/>
+          <p:nvPr/>
+        </p:nvSpPr>
+        <p:spPr>
+          <a:xfrm>
+            <a:off x="246948" y="6416347"/>
+            <a:ext cx="3624457" cy="400110"/>
+          </a:xfrm>
+          <a:prstGeom prst="rect">
+            <a:avLst/>
+          </a:prstGeom>
+          <a:noFill/>
+        </p:spPr>
+        <p:txBody>
+          <a:bodyPr wrap="square" rtlCol="0">
+            <a:spAutoFit/>
+          </a:bodyPr>
+          <a:lstStyle/>
+          <a:p>
+            <a:r>
+              <a:rPr lang="ru-RU" sz="1000" dirty="0" smtClean="0">
+                <a:solidFill>
+                  <a:srgbClr val="002B82"/>
+                </a:solidFill>
+                <a:latin typeface="Bahnschrift" pitchFamily="34" charset="0"/>
+              </a:rPr>
+              <a:t>Рисунок 6 – Страница завершения платежа личного кабинета</a:t>
+            </a:r>
+            <a:endParaRPr lang="ru-RU" sz="1000" dirty="0">
+              <a:solidFill>
+                <a:srgbClr val="002B82"/>
+              </a:solidFill>
+              <a:latin typeface="Bahnschrift" pitchFamily="34" charset="0"/>
+            </a:endParaRPr>
+          </a:p>
+        </p:txBody>
+      </p:sp>
+      <p:sp>
+        <p:nvSpPr>
+          <p:cNvPr id="59" name="TextBox 58"/>
+          <p:cNvSpPr txBox="1"/>
+          <p:nvPr/>
+        </p:nvSpPr>
+        <p:spPr>
+          <a:xfrm>
+            <a:off x="4045465" y="6396335"/>
+            <a:ext cx="5151664" cy="461665"/>
+          </a:xfrm>
+          <a:prstGeom prst="rect">
+            <a:avLst/>
+          </a:prstGeom>
+          <a:noFill/>
+        </p:spPr>
+        <p:txBody>
+          <a:bodyPr wrap="square" rtlCol="0">
+            <a:spAutoFit/>
+          </a:bodyPr>
+          <a:lstStyle/>
+          <a:p>
+            <a:r>
+              <a:rPr lang="ru-RU" sz="1200" dirty="0" smtClean="0">
+                <a:solidFill>
+                  <a:srgbClr val="002B82"/>
+                </a:solidFill>
+                <a:latin typeface="Bahnschrift" pitchFamily="34" charset="0"/>
+              </a:rPr>
+              <a:t>Схема 6 – Схема работы метода завершения оплаты проекта системы лояльности ООО «АИС Город»</a:t>
+            </a:r>
+            <a:endParaRPr lang="ru-RU" sz="1200" dirty="0">
+              <a:solidFill>
+                <a:srgbClr val="002B82"/>
+              </a:solidFill>
+              <a:latin typeface="Bahnschrift" pitchFamily="34" charset="0"/>
             </a:endParaRPr>
           </a:p>
         </p:txBody>
@@ -6249,7 +10221,7 @@
     </p:spTree>
     <p:extLst>
       <p:ext uri="{BB962C8B-B14F-4D97-AF65-F5344CB8AC3E}">
-        <p14:creationId xmlns:p14="http://schemas.microsoft.com/office/powerpoint/2010/main" val="1979717998"/>
+        <p14:creationId xmlns:p14="http://schemas.microsoft.com/office/powerpoint/2010/main" val="3963576568"/>
       </p:ext>
     </p:extLst>
   </p:cSld>
@@ -6497,7 +10469,7 @@
         </p:nvSpPr>
         <p:spPr>
           <a:xfrm>
-            <a:off x="3713793" y="329273"/>
+            <a:off x="3715101" y="160011"/>
             <a:ext cx="5401129" cy="461665"/>
           </a:xfrm>
           <a:prstGeom prst="rect">
@@ -6553,7 +10525,7 @@
         </p:blipFill>
         <p:spPr bwMode="auto">
           <a:xfrm>
-            <a:off x="3118804" y="492121"/>
+            <a:off x="3188944" y="236068"/>
             <a:ext cx="594989" cy="421957"/>
           </a:xfrm>
           <a:prstGeom prst="rect">
@@ -6870,8 +10842,8 @@
         </p:nvSpPr>
         <p:spPr>
           <a:xfrm>
-            <a:off x="5070021" y="790938"/>
-            <a:ext cx="4999301" cy="5977255"/>
+            <a:off x="5097967" y="703099"/>
+            <a:ext cx="4999301" cy="5686062"/>
           </a:xfrm>
           <a:prstGeom prst="roundRect">
             <a:avLst/>
@@ -6922,7 +10894,7 @@
             <a:avLst/>
           </a:prstGeom>
           <a:solidFill>
-            <a:srgbClr val="47A9FF"/>
+            <a:srgbClr val="F86512"/>
           </a:solidFill>
           <a:ln>
             <a:noFill/>
@@ -7101,7 +11073,7 @@
         </p:nvSpPr>
         <p:spPr>
           <a:xfrm>
-            <a:off x="6825343" y="4698741"/>
+            <a:off x="6825343" y="4257276"/>
             <a:ext cx="1577834" cy="489857"/>
           </a:xfrm>
           <a:prstGeom prst="roundRect">
@@ -7161,14 +11133,14 @@
         </p:nvSpPr>
         <p:spPr>
           <a:xfrm>
-            <a:off x="8403177" y="4698741"/>
+            <a:off x="8403177" y="4257276"/>
             <a:ext cx="2373680" cy="216265"/>
           </a:xfrm>
           <a:prstGeom prst="rightArrow">
             <a:avLst/>
           </a:prstGeom>
           <a:solidFill>
-            <a:srgbClr val="47A9FF"/>
+            <a:srgbClr val="F86512"/>
           </a:solidFill>
           <a:ln>
             <a:noFill/>
@@ -7207,7 +11179,7 @@
         </p:nvSpPr>
         <p:spPr>
           <a:xfrm flipH="1">
-            <a:off x="8403176" y="4943727"/>
+            <a:off x="8403176" y="4502262"/>
             <a:ext cx="2373680" cy="216265"/>
           </a:xfrm>
           <a:prstGeom prst="rightArrow">
@@ -7299,7 +11271,7 @@
         </p:nvSpPr>
         <p:spPr>
           <a:xfrm rot="5400000">
-            <a:off x="7410481" y="4450373"/>
+            <a:off x="7410481" y="4008908"/>
             <a:ext cx="374274" cy="122461"/>
           </a:xfrm>
           <a:prstGeom prst="rightArrow">
@@ -7345,7 +11317,7 @@
         </p:nvSpPr>
         <p:spPr>
           <a:xfrm rot="5400000">
-            <a:off x="7410481" y="5314505"/>
+            <a:off x="7410481" y="4873040"/>
             <a:ext cx="374274" cy="122461"/>
           </a:xfrm>
           <a:prstGeom prst="rightArrow">
@@ -7429,7 +11401,7 @@
         </p:nvSpPr>
         <p:spPr>
           <a:xfrm>
-            <a:off x="7691557" y="4314033"/>
+            <a:off x="7691557" y="3872568"/>
             <a:ext cx="344966" cy="276999"/>
           </a:xfrm>
           <a:prstGeom prst="rect">
@@ -7467,7 +11439,7 @@
         </p:nvSpPr>
         <p:spPr>
           <a:xfrm>
-            <a:off x="7831332" y="6323492"/>
+            <a:off x="7831332" y="5882027"/>
             <a:ext cx="344966" cy="276999"/>
           </a:xfrm>
           <a:prstGeom prst="rect">
@@ -7505,7 +11477,7 @@
         </p:nvSpPr>
         <p:spPr>
           <a:xfrm rot="10800000">
-            <a:off x="5682342" y="6248059"/>
+            <a:off x="5682342" y="5806594"/>
             <a:ext cx="1941394" cy="472882"/>
           </a:xfrm>
           <a:prstGeom prst="bentArrow">
@@ -7555,7 +11527,7 @@
         </p:nvSpPr>
         <p:spPr>
           <a:xfrm>
-            <a:off x="5682342" y="6248059"/>
+            <a:off x="5682342" y="5806594"/>
             <a:ext cx="1694118" cy="276999"/>
           </a:xfrm>
           <a:prstGeom prst="rect">
@@ -7593,7 +11565,7 @@
         </p:nvSpPr>
         <p:spPr>
           <a:xfrm>
-            <a:off x="5502361" y="3462523"/>
+            <a:off x="5502361" y="3021058"/>
             <a:ext cx="1242648" cy="276999"/>
           </a:xfrm>
           <a:prstGeom prst="rect">
@@ -7631,7 +11603,7 @@
         </p:nvSpPr>
         <p:spPr>
           <a:xfrm rot="16200000" flipH="1">
-            <a:off x="5139349" y="4146882"/>
+            <a:off x="5139349" y="3705417"/>
             <a:ext cx="1931917" cy="1419692"/>
           </a:xfrm>
           <a:prstGeom prst="bentArrow">
@@ -7741,7 +11713,7 @@
         </p:nvSpPr>
         <p:spPr>
           <a:xfrm>
-            <a:off x="6657853" y="3558331"/>
+            <a:off x="6657853" y="3116866"/>
             <a:ext cx="1823636" cy="763997"/>
           </a:xfrm>
           <a:prstGeom prst="flowChartDecision">
@@ -7882,7 +11854,7 @@
         </p:nvSpPr>
         <p:spPr>
           <a:xfrm flipH="1">
-            <a:off x="5682341" y="5833360"/>
+            <a:off x="5682341" y="5391895"/>
             <a:ext cx="1257301" cy="216265"/>
           </a:xfrm>
           <a:prstGeom prst="rightArrow">
@@ -7928,7 +11900,7 @@
         </p:nvSpPr>
         <p:spPr>
           <a:xfrm>
-            <a:off x="6764111" y="5559495"/>
+            <a:off x="6764111" y="5118030"/>
             <a:ext cx="1667013" cy="763997"/>
           </a:xfrm>
           <a:prstGeom prst="flowChartDecision">
@@ -8085,7 +12057,7 @@
             <a:avLst/>
           </a:prstGeom>
           <a:solidFill>
-            <a:srgbClr val="47A9FF"/>
+            <a:srgbClr val="F86512"/>
           </a:solidFill>
           <a:ln>
             <a:noFill/>
@@ -8170,8 +12142,8 @@
         </p:nvSpPr>
         <p:spPr>
           <a:xfrm rot="5400000">
-            <a:off x="7263883" y="3163365"/>
-            <a:ext cx="642342" cy="147589"/>
+            <a:off x="7502708" y="2924540"/>
+            <a:ext cx="243569" cy="226469"/>
           </a:xfrm>
           <a:prstGeom prst="rightArrow">
             <a:avLst/>
@@ -8205,6 +12177,46 @@
           <a:p>
             <a:pPr algn="ctr"/>
             <a:endParaRPr lang="ru-RU"/>
+          </a:p>
+        </p:txBody>
+      </p:sp>
+      <p:sp>
+        <p:nvSpPr>
+          <p:cNvPr id="41" name="TextBox 40"/>
+          <p:cNvSpPr txBox="1"/>
+          <p:nvPr/>
+        </p:nvSpPr>
+        <p:spPr>
+          <a:xfrm>
+            <a:off x="4045465" y="6396335"/>
+            <a:ext cx="5151664" cy="461665"/>
+          </a:xfrm>
+          <a:prstGeom prst="rect">
+            <a:avLst/>
+          </a:prstGeom>
+          <a:noFill/>
+        </p:spPr>
+        <p:txBody>
+          <a:bodyPr wrap="square" rtlCol="0">
+            <a:spAutoFit/>
+          </a:bodyPr>
+          <a:lstStyle/>
+          <a:p>
+            <a:r>
+              <a:rPr lang="ru-RU" sz="1200" dirty="0" smtClean="0">
+                <a:solidFill>
+                  <a:srgbClr val="002B82"/>
+                </a:solidFill>
+                <a:latin typeface="Bahnschrift" pitchFamily="34" charset="0"/>
+              </a:rPr>
+              <a:t>Схема 7 – Схема работы метода получения статуса заказа проекта системы лояльности ООО «АИС Город»</a:t>
+            </a:r>
+            <a:endParaRPr lang="ru-RU" sz="1200" dirty="0">
+              <a:solidFill>
+                <a:srgbClr val="002B82"/>
+              </a:solidFill>
+              <a:latin typeface="Bahnschrift" pitchFamily="34" charset="0"/>
+            </a:endParaRPr>
           </a:p>
         </p:txBody>
       </p:sp>
@@ -9134,6 +13146,46 @@
           </a:p>
         </p:txBody>
       </p:sp>
+      <p:sp>
+        <p:nvSpPr>
+          <p:cNvPr id="20" name="TextBox 19"/>
+          <p:cNvSpPr txBox="1"/>
+          <p:nvPr/>
+        </p:nvSpPr>
+        <p:spPr>
+          <a:xfrm>
+            <a:off x="3575586" y="6275792"/>
+            <a:ext cx="5151664" cy="461665"/>
+          </a:xfrm>
+          <a:prstGeom prst="rect">
+            <a:avLst/>
+          </a:prstGeom>
+          <a:noFill/>
+        </p:spPr>
+        <p:txBody>
+          <a:bodyPr wrap="square" rtlCol="0">
+            <a:spAutoFit/>
+          </a:bodyPr>
+          <a:lstStyle/>
+          <a:p>
+            <a:r>
+              <a:rPr lang="ru-RU" sz="1200" dirty="0" smtClean="0">
+                <a:solidFill>
+                  <a:srgbClr val="002B82"/>
+                </a:solidFill>
+                <a:latin typeface="Bahnschrift" pitchFamily="34" charset="0"/>
+              </a:rPr>
+              <a:t>Схема 8 – Схема работы получения бонусов проекта системы лояльности ООО «АИС Город»</a:t>
+            </a:r>
+            <a:endParaRPr lang="ru-RU" sz="1200" dirty="0">
+              <a:solidFill>
+                <a:srgbClr val="002B82"/>
+              </a:solidFill>
+              <a:latin typeface="Bahnschrift" pitchFamily="34" charset="0"/>
+            </a:endParaRPr>
+          </a:p>
+        </p:txBody>
+      </p:sp>
     </p:spTree>
     <p:extLst>
       <p:ext uri="{BB962C8B-B14F-4D97-AF65-F5344CB8AC3E}">
@@ -9147,6 +13199,13 @@
   <p:transition spd="slow">
     <p:fade/>
   </p:transition>
+  <p:timing>
+    <p:tnLst>
+      <p:par>
+        <p:cTn id="1" dur="indefinite" restart="never" nodeType="tmRoot"/>
+      </p:par>
+    </p:tnLst>
+  </p:timing>
 </p:sld>
 </file>
 
@@ -9854,6 +13913,46 @@
           </a:p>
         </p:txBody>
       </p:sp>
+      <p:sp>
+        <p:nvSpPr>
+          <p:cNvPr id="19" name="TextBox 18"/>
+          <p:cNvSpPr txBox="1"/>
+          <p:nvPr/>
+        </p:nvSpPr>
+        <p:spPr>
+          <a:xfrm>
+            <a:off x="6233061" y="5812944"/>
+            <a:ext cx="5151664" cy="461665"/>
+          </a:xfrm>
+          <a:prstGeom prst="rect">
+            <a:avLst/>
+          </a:prstGeom>
+          <a:noFill/>
+        </p:spPr>
+        <p:txBody>
+          <a:bodyPr wrap="square" rtlCol="0">
+            <a:spAutoFit/>
+          </a:bodyPr>
+          <a:lstStyle/>
+          <a:p>
+            <a:r>
+              <a:rPr lang="ru-RU" sz="1200" dirty="0" smtClean="0">
+                <a:solidFill>
+                  <a:srgbClr val="002B82"/>
+                </a:solidFill>
+                <a:latin typeface="Bahnschrift" pitchFamily="34" charset="0"/>
+              </a:rPr>
+              <a:t>Схема 9 – Схема работы оплаты бонусами проекта системы лояльности ООО «АИС Город»</a:t>
+            </a:r>
+            <a:endParaRPr lang="ru-RU" sz="1200" dirty="0">
+              <a:solidFill>
+                <a:srgbClr val="002B82"/>
+              </a:solidFill>
+              <a:latin typeface="Bahnschrift" pitchFamily="34" charset="0"/>
+            </a:endParaRPr>
+          </a:p>
+        </p:txBody>
+      </p:sp>
     </p:spTree>
     <p:extLst>
       <p:ext uri="{BB962C8B-B14F-4D97-AF65-F5344CB8AC3E}">
@@ -9867,6 +13966,13 @@
   <p:transition spd="slow">
     <p:fade/>
   </p:transition>
+  <p:timing>
+    <p:tnLst>
+      <p:par>
+        <p:cTn id="1" dur="indefinite" restart="never" nodeType="tmRoot"/>
+      </p:par>
+    </p:tnLst>
+  </p:timing>
 </p:sld>
 </file>
 
@@ -10266,6 +14372,2343 @@
           </a:extLst>
         </p:spPr>
       </p:pic>
+      <p:graphicFrame>
+        <p:nvGraphicFramePr>
+          <p:cNvPr id="4" name="Таблица 3"/>
+          <p:cNvGraphicFramePr>
+            <a:graphicFrameLocks noGrp="1"/>
+          </p:cNvGraphicFramePr>
+          <p:nvPr>
+            <p:extLst>
+              <p:ext uri="{D42A27DB-BD31-4B8C-83A1-F6EECF244321}">
+                <p14:modId xmlns:p14="http://schemas.microsoft.com/office/powerpoint/2010/main" val="3589335884"/>
+              </p:ext>
+            </p:extLst>
+          </p:nvPr>
+        </p:nvGraphicFramePr>
+        <p:xfrm>
+          <a:off x="320155" y="1046036"/>
+          <a:ext cx="11538469" cy="5034589"/>
+        </p:xfrm>
+        <a:graphic>
+          <a:graphicData uri="http://schemas.openxmlformats.org/drawingml/2006/table">
+            <a:tbl>
+              <a:tblPr bandRow="1">
+                <a:tableStyleId>{35758FB7-9AC5-4552-8A53-C91805E547FA}</a:tableStyleId>
+              </a:tblPr>
+              <a:tblGrid>
+                <a:gridCol w="905688"/>
+                <a:gridCol w="3034057"/>
+                <a:gridCol w="2852918"/>
+                <a:gridCol w="2427244"/>
+                <a:gridCol w="2318562"/>
+              </a:tblGrid>
+              <a:tr h="167063">
+                <a:tc>
+                  <a:txBody>
+                    <a:bodyPr/>
+                    <a:lstStyle/>
+                    <a:p>
+                      <a:pPr algn="l" fontAlgn="t"/>
+                      <a:r>
+                        <a:rPr lang="en-US" sz="1200" u="none" strike="noStrike" dirty="0">
+                          <a:solidFill>
+                            <a:schemeClr val="tx1"/>
+                          </a:solidFill>
+                          <a:effectLst/>
+                          <a:latin typeface="Bahnschrift" pitchFamily="34" charset="0"/>
+                        </a:rPr>
+                        <a:t>Test-Case Id</a:t>
+                      </a:r>
+                      <a:endParaRPr lang="en-US" sz="1200" b="1" i="0" u="none" strike="noStrike" dirty="0">
+                        <a:solidFill>
+                          <a:schemeClr val="tx1"/>
+                        </a:solidFill>
+                        <a:effectLst/>
+                        <a:latin typeface="Bahnschrift" pitchFamily="34" charset="0"/>
+                      </a:endParaRPr>
+                    </a:p>
+                  </a:txBody>
+                  <a:tcPr marL="6907" marR="6907" marT="6907" marB="0"/>
+                </a:tc>
+                <a:tc>
+                  <a:txBody>
+                    <a:bodyPr/>
+                    <a:lstStyle/>
+                    <a:p>
+                      <a:pPr algn="l" fontAlgn="t"/>
+                      <a:r>
+                        <a:rPr lang="ru-RU" sz="1200" u="none" strike="noStrike" dirty="0">
+                          <a:solidFill>
+                            <a:schemeClr val="tx1"/>
+                          </a:solidFill>
+                          <a:effectLst/>
+                          <a:latin typeface="Bahnschrift" pitchFamily="34" charset="0"/>
+                        </a:rPr>
+                        <a:t>Наименование</a:t>
+                      </a:r>
+                      <a:endParaRPr lang="ru-RU" sz="1200" b="1" i="0" u="none" strike="noStrike" dirty="0">
+                        <a:solidFill>
+                          <a:schemeClr val="tx1"/>
+                        </a:solidFill>
+                        <a:effectLst/>
+                        <a:latin typeface="Bahnschrift" pitchFamily="34" charset="0"/>
+                      </a:endParaRPr>
+                    </a:p>
+                  </a:txBody>
+                  <a:tcPr marL="6907" marR="6907" marT="6907" marB="0"/>
+                </a:tc>
+                <a:tc>
+                  <a:txBody>
+                    <a:bodyPr/>
+                    <a:lstStyle/>
+                    <a:p>
+                      <a:pPr algn="l" fontAlgn="t"/>
+                      <a:r>
+                        <a:rPr lang="ru-RU" sz="1200" u="none" strike="noStrike" dirty="0">
+                          <a:solidFill>
+                            <a:schemeClr val="tx1"/>
+                          </a:solidFill>
+                          <a:effectLst/>
+                          <a:latin typeface="Bahnschrift" pitchFamily="34" charset="0"/>
+                        </a:rPr>
+                        <a:t>Описание</a:t>
+                      </a:r>
+                      <a:endParaRPr lang="ru-RU" sz="1200" b="1" i="0" u="none" strike="noStrike" dirty="0">
+                        <a:solidFill>
+                          <a:schemeClr val="tx1"/>
+                        </a:solidFill>
+                        <a:effectLst/>
+                        <a:latin typeface="Bahnschrift" pitchFamily="34" charset="0"/>
+                      </a:endParaRPr>
+                    </a:p>
+                  </a:txBody>
+                  <a:tcPr marL="6907" marR="6907" marT="6907" marB="0"/>
+                </a:tc>
+                <a:tc>
+                  <a:txBody>
+                    <a:bodyPr/>
+                    <a:lstStyle/>
+                    <a:p>
+                      <a:pPr algn="l" fontAlgn="t"/>
+                      <a:r>
+                        <a:rPr lang="ru-RU" sz="1200" u="none" strike="noStrike" dirty="0">
+                          <a:solidFill>
+                            <a:schemeClr val="tx1"/>
+                          </a:solidFill>
+                          <a:effectLst/>
+                          <a:latin typeface="Bahnschrift" pitchFamily="34" charset="0"/>
+                        </a:rPr>
+                        <a:t>Вводимые данные</a:t>
+                      </a:r>
+                      <a:endParaRPr lang="ru-RU" sz="1200" b="1" i="0" u="none" strike="noStrike" dirty="0">
+                        <a:solidFill>
+                          <a:schemeClr val="tx1"/>
+                        </a:solidFill>
+                        <a:effectLst/>
+                        <a:latin typeface="Bahnschrift" pitchFamily="34" charset="0"/>
+                      </a:endParaRPr>
+                    </a:p>
+                  </a:txBody>
+                  <a:tcPr marL="6907" marR="6907" marT="6907" marB="0"/>
+                </a:tc>
+                <a:tc>
+                  <a:txBody>
+                    <a:bodyPr/>
+                    <a:lstStyle/>
+                    <a:p>
+                      <a:pPr algn="l" fontAlgn="t"/>
+                      <a:r>
+                        <a:rPr lang="ru-RU" sz="1200" u="none" strike="noStrike" dirty="0">
+                          <a:solidFill>
+                            <a:schemeClr val="tx1"/>
+                          </a:solidFill>
+                          <a:effectLst/>
+                          <a:latin typeface="Bahnschrift" pitchFamily="34" charset="0"/>
+                        </a:rPr>
+                        <a:t>Ожидаемый результат</a:t>
+                      </a:r>
+                      <a:endParaRPr lang="ru-RU" sz="1200" b="1" i="0" u="none" strike="noStrike" dirty="0">
+                        <a:solidFill>
+                          <a:schemeClr val="tx1"/>
+                        </a:solidFill>
+                        <a:effectLst/>
+                        <a:latin typeface="Bahnschrift" pitchFamily="34" charset="0"/>
+                      </a:endParaRPr>
+                    </a:p>
+                  </a:txBody>
+                  <a:tcPr marL="6907" marR="6907" marT="6907" marB="0"/>
+                </a:tc>
+              </a:tr>
+              <a:tr h="835310">
+                <a:tc>
+                  <a:txBody>
+                    <a:bodyPr/>
+                    <a:lstStyle/>
+                    <a:p>
+                      <a:pPr algn="l" fontAlgn="t"/>
+                      <a:r>
+                        <a:rPr lang="en-US" sz="900" u="none" strike="noStrike" dirty="0">
+                          <a:solidFill>
+                            <a:schemeClr val="tx1"/>
+                          </a:solidFill>
+                          <a:effectLst/>
+                          <a:latin typeface="Bahnschrift" pitchFamily="34" charset="0"/>
+                        </a:rPr>
+                        <a:t>GUB-1</a:t>
+                      </a:r>
+                      <a:endParaRPr lang="en-US" sz="900" b="0" i="0" u="none" strike="noStrike" dirty="0">
+                        <a:solidFill>
+                          <a:schemeClr val="tx1"/>
+                        </a:solidFill>
+                        <a:effectLst/>
+                        <a:latin typeface="Bahnschrift" pitchFamily="34" charset="0"/>
+                      </a:endParaRPr>
+                    </a:p>
+                  </a:txBody>
+                  <a:tcPr marL="6907" marR="6907" marT="6907" marB="0">
+                    <a:solidFill>
+                      <a:srgbClr val="47A9FF"/>
+                    </a:solidFill>
+                  </a:tcPr>
+                </a:tc>
+                <a:tc>
+                  <a:txBody>
+                    <a:bodyPr/>
+                    <a:lstStyle/>
+                    <a:p>
+                      <a:pPr algn="l" fontAlgn="t"/>
+                      <a:r>
+                        <a:rPr lang="ru-RU" sz="900" u="none" strike="noStrike" dirty="0">
+                          <a:solidFill>
+                            <a:schemeClr val="tx1"/>
+                          </a:solidFill>
+                          <a:effectLst/>
+                          <a:latin typeface="Bahnschrift" pitchFamily="34" charset="0"/>
+                        </a:rPr>
+                        <a:t>Получение бонусов у существующего пользователя</a:t>
+                      </a:r>
+                      <a:endParaRPr lang="ru-RU" sz="900" b="0" i="0" u="none" strike="noStrike" dirty="0">
+                        <a:solidFill>
+                          <a:schemeClr val="tx1"/>
+                        </a:solidFill>
+                        <a:effectLst/>
+                        <a:latin typeface="Bahnschrift" pitchFamily="34" charset="0"/>
+                      </a:endParaRPr>
+                    </a:p>
+                  </a:txBody>
+                  <a:tcPr marL="6907" marR="6907" marT="6907" marB="0">
+                    <a:solidFill>
+                      <a:srgbClr val="47A9FF"/>
+                    </a:solidFill>
+                  </a:tcPr>
+                </a:tc>
+                <a:tc>
+                  <a:txBody>
+                    <a:bodyPr/>
+                    <a:lstStyle/>
+                    <a:p>
+                      <a:pPr algn="l" fontAlgn="t"/>
+                      <a:r>
+                        <a:rPr lang="ru-RU" sz="900" u="none" strike="noStrike" dirty="0">
+                          <a:solidFill>
+                            <a:schemeClr val="tx1"/>
+                          </a:solidFill>
+                          <a:effectLst/>
+                          <a:latin typeface="Bahnschrift" pitchFamily="34" charset="0"/>
+                        </a:rPr>
+                        <a:t>Проверка корректности получения бонусов у существующего в системе пользователя</a:t>
+                      </a:r>
+                      <a:endParaRPr lang="ru-RU" sz="900" b="0" i="0" u="none" strike="noStrike" dirty="0">
+                        <a:solidFill>
+                          <a:schemeClr val="tx1"/>
+                        </a:solidFill>
+                        <a:effectLst/>
+                        <a:latin typeface="Bahnschrift" pitchFamily="34" charset="0"/>
+                      </a:endParaRPr>
+                    </a:p>
+                  </a:txBody>
+                  <a:tcPr marL="6907" marR="6907" marT="6907" marB="0">
+                    <a:solidFill>
+                      <a:srgbClr val="47A9FF"/>
+                    </a:solidFill>
+                  </a:tcPr>
+                </a:tc>
+                <a:tc>
+                  <a:txBody>
+                    <a:bodyPr/>
+                    <a:lstStyle/>
+                    <a:p>
+                      <a:pPr algn="l" fontAlgn="t"/>
+                      <a:r>
+                        <a:rPr lang="en-US" sz="900" u="none" strike="noStrike" dirty="0">
+                          <a:solidFill>
+                            <a:schemeClr val="tx1"/>
+                          </a:solidFill>
+                          <a:effectLst/>
+                          <a:latin typeface="Bahnschrift" pitchFamily="34" charset="0"/>
+                        </a:rPr>
+                        <a:t>{</a:t>
+                      </a:r>
+                      <a:br>
+                        <a:rPr lang="en-US" sz="900" u="none" strike="noStrike" dirty="0">
+                          <a:solidFill>
+                            <a:schemeClr val="tx1"/>
+                          </a:solidFill>
+                          <a:effectLst/>
+                          <a:latin typeface="Bahnschrift" pitchFamily="34" charset="0"/>
+                        </a:rPr>
+                      </a:br>
+                      <a:r>
+                        <a:rPr lang="en-US" sz="900" u="none" strike="noStrike" dirty="0">
+                          <a:solidFill>
+                            <a:schemeClr val="tx1"/>
+                          </a:solidFill>
+                          <a:effectLst/>
+                          <a:latin typeface="Bahnschrift" pitchFamily="34" charset="0"/>
+                        </a:rPr>
+                        <a:t>  "merchant": "</a:t>
+                      </a:r>
+                      <a:r>
+                        <a:rPr lang="en-US" sz="900" u="none" strike="noStrike" dirty="0" err="1">
+                          <a:solidFill>
+                            <a:schemeClr val="tx1"/>
+                          </a:solidFill>
+                          <a:effectLst/>
+                          <a:latin typeface="Bahnschrift" pitchFamily="34" charset="0"/>
+                        </a:rPr>
+                        <a:t>ric</a:t>
+                      </a:r>
+                      <a:r>
+                        <a:rPr lang="en-US" sz="900" u="none" strike="noStrike" dirty="0">
+                          <a:solidFill>
+                            <a:schemeClr val="tx1"/>
+                          </a:solidFill>
+                          <a:effectLst/>
+                          <a:latin typeface="Bahnschrift" pitchFamily="34" charset="0"/>
+                        </a:rPr>
+                        <a:t>-merchant",</a:t>
+                      </a:r>
+                      <a:br>
+                        <a:rPr lang="en-US" sz="900" u="none" strike="noStrike" dirty="0">
+                          <a:solidFill>
+                            <a:schemeClr val="tx1"/>
+                          </a:solidFill>
+                          <a:effectLst/>
+                          <a:latin typeface="Bahnschrift" pitchFamily="34" charset="0"/>
+                        </a:rPr>
+                      </a:br>
+                      <a:r>
+                        <a:rPr lang="en-US" sz="900" u="none" strike="noStrike" dirty="0">
+                          <a:solidFill>
+                            <a:schemeClr val="tx1"/>
+                          </a:solidFill>
+                          <a:effectLst/>
+                          <a:latin typeface="Bahnschrift" pitchFamily="34" charset="0"/>
+                        </a:rPr>
+                        <a:t>  "password": "</a:t>
+                      </a:r>
+                      <a:r>
+                        <a:rPr lang="en-US" sz="900" u="none" strike="noStrike" dirty="0" err="1">
+                          <a:solidFill>
+                            <a:schemeClr val="tx1"/>
+                          </a:solidFill>
+                          <a:effectLst/>
+                          <a:latin typeface="Bahnschrift" pitchFamily="34" charset="0"/>
+                        </a:rPr>
+                        <a:t>ric</a:t>
+                      </a:r>
+                      <a:r>
+                        <a:rPr lang="en-US" sz="900" u="none" strike="noStrike" dirty="0">
+                          <a:solidFill>
+                            <a:schemeClr val="tx1"/>
+                          </a:solidFill>
+                          <a:effectLst/>
+                          <a:latin typeface="Bahnschrift" pitchFamily="34" charset="0"/>
+                        </a:rPr>
+                        <a:t>-password",</a:t>
+                      </a:r>
+                      <a:br>
+                        <a:rPr lang="en-US" sz="900" u="none" strike="noStrike" dirty="0">
+                          <a:solidFill>
+                            <a:schemeClr val="tx1"/>
+                          </a:solidFill>
+                          <a:effectLst/>
+                          <a:latin typeface="Bahnschrift" pitchFamily="34" charset="0"/>
+                        </a:rPr>
+                      </a:br>
+                      <a:r>
+                        <a:rPr lang="en-US" sz="900" u="none" strike="noStrike" dirty="0">
+                          <a:solidFill>
+                            <a:schemeClr val="tx1"/>
+                          </a:solidFill>
+                          <a:effectLst/>
+                          <a:latin typeface="Bahnschrift" pitchFamily="34" charset="0"/>
+                        </a:rPr>
+                        <a:t>  "</a:t>
+                      </a:r>
+                      <a:r>
+                        <a:rPr lang="en-US" sz="900" u="none" strike="noStrike" dirty="0" err="1">
+                          <a:solidFill>
+                            <a:schemeClr val="tx1"/>
+                          </a:solidFill>
+                          <a:effectLst/>
+                          <a:latin typeface="Bahnschrift" pitchFamily="34" charset="0"/>
+                        </a:rPr>
+                        <a:t>merchantUserId</a:t>
+                      </a:r>
+                      <a:r>
+                        <a:rPr lang="en-US" sz="900" u="none" strike="noStrike" dirty="0">
+                          <a:solidFill>
+                            <a:schemeClr val="tx1"/>
+                          </a:solidFill>
+                          <a:effectLst/>
+                          <a:latin typeface="Bahnschrift" pitchFamily="34" charset="0"/>
+                        </a:rPr>
+                        <a:t>": "sso269391"</a:t>
+                      </a:r>
+                      <a:br>
+                        <a:rPr lang="en-US" sz="900" u="none" strike="noStrike" dirty="0">
+                          <a:solidFill>
+                            <a:schemeClr val="tx1"/>
+                          </a:solidFill>
+                          <a:effectLst/>
+                          <a:latin typeface="Bahnschrift" pitchFamily="34" charset="0"/>
+                        </a:rPr>
+                      </a:br>
+                      <a:r>
+                        <a:rPr lang="en-US" sz="900" u="none" strike="noStrike" dirty="0">
+                          <a:solidFill>
+                            <a:schemeClr val="tx1"/>
+                          </a:solidFill>
+                          <a:effectLst/>
+                          <a:latin typeface="Bahnschrift" pitchFamily="34" charset="0"/>
+                        </a:rPr>
+                        <a:t>}</a:t>
+                      </a:r>
+                      <a:endParaRPr lang="en-US" sz="900" b="0" i="0" u="none" strike="noStrike" dirty="0">
+                        <a:solidFill>
+                          <a:schemeClr val="tx1"/>
+                        </a:solidFill>
+                        <a:effectLst/>
+                        <a:latin typeface="Bahnschrift" pitchFamily="34" charset="0"/>
+                      </a:endParaRPr>
+                    </a:p>
+                  </a:txBody>
+                  <a:tcPr marL="6907" marR="6907" marT="6907" marB="0">
+                    <a:solidFill>
+                      <a:srgbClr val="47A9FF"/>
+                    </a:solidFill>
+                  </a:tcPr>
+                </a:tc>
+                <a:tc>
+                  <a:txBody>
+                    <a:bodyPr/>
+                    <a:lstStyle/>
+                    <a:p>
+                      <a:pPr algn="l" fontAlgn="t"/>
+                      <a:r>
+                        <a:rPr lang="en-US" sz="900" u="none" strike="noStrike" dirty="0">
+                          <a:solidFill>
+                            <a:schemeClr val="tx1"/>
+                          </a:solidFill>
+                          <a:effectLst/>
+                          <a:latin typeface="Bahnschrift" pitchFamily="34" charset="0"/>
+                        </a:rPr>
+                        <a:t>{</a:t>
+                      </a:r>
+                      <a:br>
+                        <a:rPr lang="en-US" sz="900" u="none" strike="noStrike" dirty="0">
+                          <a:solidFill>
+                            <a:schemeClr val="tx1"/>
+                          </a:solidFill>
+                          <a:effectLst/>
+                          <a:latin typeface="Bahnschrift" pitchFamily="34" charset="0"/>
+                        </a:rPr>
+                      </a:br>
+                      <a:r>
+                        <a:rPr lang="en-US" sz="900" u="none" strike="noStrike" dirty="0">
+                          <a:solidFill>
+                            <a:schemeClr val="tx1"/>
+                          </a:solidFill>
+                          <a:effectLst/>
+                          <a:latin typeface="Bahnschrift" pitchFamily="34" charset="0"/>
+                        </a:rPr>
+                        <a:t>  "result": 0,</a:t>
+                      </a:r>
+                      <a:br>
+                        <a:rPr lang="en-US" sz="900" u="none" strike="noStrike" dirty="0">
+                          <a:solidFill>
+                            <a:schemeClr val="tx1"/>
+                          </a:solidFill>
+                          <a:effectLst/>
+                          <a:latin typeface="Bahnschrift" pitchFamily="34" charset="0"/>
+                        </a:rPr>
+                      </a:br>
+                      <a:r>
+                        <a:rPr lang="en-US" sz="900" u="none" strike="noStrike" dirty="0">
+                          <a:solidFill>
+                            <a:schemeClr val="tx1"/>
+                          </a:solidFill>
+                          <a:effectLst/>
+                          <a:latin typeface="Bahnschrift" pitchFamily="34" charset="0"/>
+                        </a:rPr>
+                        <a:t>  "message": null,</a:t>
+                      </a:r>
+                      <a:br>
+                        <a:rPr lang="en-US" sz="900" u="none" strike="noStrike" dirty="0">
+                          <a:solidFill>
+                            <a:schemeClr val="tx1"/>
+                          </a:solidFill>
+                          <a:effectLst/>
+                          <a:latin typeface="Bahnschrift" pitchFamily="34" charset="0"/>
+                        </a:rPr>
+                      </a:br>
+                      <a:r>
+                        <a:rPr lang="en-US" sz="900" u="none" strike="noStrike" dirty="0">
+                          <a:solidFill>
+                            <a:schemeClr val="tx1"/>
+                          </a:solidFill>
+                          <a:effectLst/>
+                          <a:latin typeface="Bahnschrift" pitchFamily="34" charset="0"/>
+                        </a:rPr>
+                        <a:t>  "balance": 1000</a:t>
+                      </a:r>
+                      <a:br>
+                        <a:rPr lang="en-US" sz="900" u="none" strike="noStrike" dirty="0">
+                          <a:solidFill>
+                            <a:schemeClr val="tx1"/>
+                          </a:solidFill>
+                          <a:effectLst/>
+                          <a:latin typeface="Bahnschrift" pitchFamily="34" charset="0"/>
+                        </a:rPr>
+                      </a:br>
+                      <a:r>
+                        <a:rPr lang="en-US" sz="900" u="none" strike="noStrike" dirty="0">
+                          <a:solidFill>
+                            <a:schemeClr val="tx1"/>
+                          </a:solidFill>
+                          <a:effectLst/>
+                          <a:latin typeface="Bahnschrift" pitchFamily="34" charset="0"/>
+                        </a:rPr>
+                        <a:t>}</a:t>
+                      </a:r>
+                      <a:endParaRPr lang="en-US" sz="900" b="0" i="0" u="none" strike="noStrike" dirty="0">
+                        <a:solidFill>
+                          <a:schemeClr val="tx1"/>
+                        </a:solidFill>
+                        <a:effectLst/>
+                        <a:latin typeface="Bahnschrift" pitchFamily="34" charset="0"/>
+                      </a:endParaRPr>
+                    </a:p>
+                  </a:txBody>
+                  <a:tcPr marL="6907" marR="6907" marT="6907" marB="0">
+                    <a:solidFill>
+                      <a:srgbClr val="47A9FF"/>
+                    </a:solidFill>
+                  </a:tcPr>
+                </a:tc>
+              </a:tr>
+              <a:tr h="1002373">
+                <a:tc>
+                  <a:txBody>
+                    <a:bodyPr/>
+                    <a:lstStyle/>
+                    <a:p>
+                      <a:pPr algn="l" fontAlgn="t"/>
+                      <a:r>
+                        <a:rPr lang="en-US" sz="900" u="none" strike="noStrike" dirty="0">
+                          <a:solidFill>
+                            <a:schemeClr val="tx1"/>
+                          </a:solidFill>
+                          <a:effectLst/>
+                          <a:latin typeface="Bahnschrift" pitchFamily="34" charset="0"/>
+                        </a:rPr>
+                        <a:t>GUB-2</a:t>
+                      </a:r>
+                      <a:endParaRPr lang="en-US" sz="900" b="0" i="0" u="none" strike="noStrike" dirty="0">
+                        <a:solidFill>
+                          <a:schemeClr val="tx1"/>
+                        </a:solidFill>
+                        <a:effectLst/>
+                        <a:latin typeface="Bahnschrift" pitchFamily="34" charset="0"/>
+                      </a:endParaRPr>
+                    </a:p>
+                  </a:txBody>
+                  <a:tcPr marL="6907" marR="6907" marT="6907" marB="0">
+                    <a:solidFill>
+                      <a:schemeClr val="bg1">
+                        <a:alpha val="40000"/>
+                      </a:schemeClr>
+                    </a:solidFill>
+                  </a:tcPr>
+                </a:tc>
+                <a:tc>
+                  <a:txBody>
+                    <a:bodyPr/>
+                    <a:lstStyle/>
+                    <a:p>
+                      <a:pPr algn="l" fontAlgn="t"/>
+                      <a:r>
+                        <a:rPr lang="ru-RU" sz="900" u="none" strike="noStrike" dirty="0">
+                          <a:solidFill>
+                            <a:schemeClr val="tx1"/>
+                          </a:solidFill>
+                          <a:effectLst/>
+                          <a:latin typeface="Bahnschrift" pitchFamily="34" charset="0"/>
+                        </a:rPr>
+                        <a:t>Получение бонусов у несуществующего пользователя</a:t>
+                      </a:r>
+                      <a:endParaRPr lang="ru-RU" sz="900" b="0" i="0" u="none" strike="noStrike" dirty="0">
+                        <a:solidFill>
+                          <a:schemeClr val="tx1"/>
+                        </a:solidFill>
+                        <a:effectLst/>
+                        <a:latin typeface="Bahnschrift" pitchFamily="34" charset="0"/>
+                      </a:endParaRPr>
+                    </a:p>
+                  </a:txBody>
+                  <a:tcPr marL="6907" marR="6907" marT="6907" marB="0">
+                    <a:solidFill>
+                      <a:schemeClr val="bg1">
+                        <a:alpha val="40000"/>
+                      </a:schemeClr>
+                    </a:solidFill>
+                  </a:tcPr>
+                </a:tc>
+                <a:tc>
+                  <a:txBody>
+                    <a:bodyPr/>
+                    <a:lstStyle/>
+                    <a:p>
+                      <a:pPr algn="l" fontAlgn="t"/>
+                      <a:r>
+                        <a:rPr lang="ru-RU" sz="900" u="none" strike="noStrike" dirty="0">
+                          <a:solidFill>
+                            <a:schemeClr val="tx1"/>
+                          </a:solidFill>
+                          <a:effectLst/>
+                          <a:latin typeface="Bahnschrift" pitchFamily="34" charset="0"/>
+                        </a:rPr>
+                        <a:t>Проверка корректности получения бонусов у несуществующего в системе пользователя</a:t>
+                      </a:r>
+                      <a:endParaRPr lang="ru-RU" sz="900" b="0" i="0" u="none" strike="noStrike" dirty="0">
+                        <a:solidFill>
+                          <a:schemeClr val="tx1"/>
+                        </a:solidFill>
+                        <a:effectLst/>
+                        <a:latin typeface="Bahnschrift" pitchFamily="34" charset="0"/>
+                      </a:endParaRPr>
+                    </a:p>
+                  </a:txBody>
+                  <a:tcPr marL="6907" marR="6907" marT="6907" marB="0">
+                    <a:solidFill>
+                      <a:schemeClr val="bg1">
+                        <a:alpha val="40000"/>
+                      </a:schemeClr>
+                    </a:solidFill>
+                  </a:tcPr>
+                </a:tc>
+                <a:tc>
+                  <a:txBody>
+                    <a:bodyPr/>
+                    <a:lstStyle/>
+                    <a:p>
+                      <a:pPr algn="l" fontAlgn="t"/>
+                      <a:r>
+                        <a:rPr lang="en-US" sz="900" u="none" strike="noStrike" dirty="0">
+                          <a:solidFill>
+                            <a:schemeClr val="tx1"/>
+                          </a:solidFill>
+                          <a:effectLst/>
+                          <a:latin typeface="Bahnschrift" pitchFamily="34" charset="0"/>
+                        </a:rPr>
+                        <a:t>{</a:t>
+                      </a:r>
+                      <a:br>
+                        <a:rPr lang="en-US" sz="900" u="none" strike="noStrike" dirty="0">
+                          <a:solidFill>
+                            <a:schemeClr val="tx1"/>
+                          </a:solidFill>
+                          <a:effectLst/>
+                          <a:latin typeface="Bahnschrift" pitchFamily="34" charset="0"/>
+                        </a:rPr>
+                      </a:br>
+                      <a:r>
+                        <a:rPr lang="en-US" sz="900" u="none" strike="noStrike" dirty="0">
+                          <a:solidFill>
+                            <a:schemeClr val="tx1"/>
+                          </a:solidFill>
+                          <a:effectLst/>
+                          <a:latin typeface="Bahnschrift" pitchFamily="34" charset="0"/>
+                        </a:rPr>
+                        <a:t>  "merchant": "</a:t>
+                      </a:r>
+                      <a:r>
+                        <a:rPr lang="en-US" sz="900" u="none" strike="noStrike" dirty="0" err="1">
+                          <a:solidFill>
+                            <a:schemeClr val="tx1"/>
+                          </a:solidFill>
+                          <a:effectLst/>
+                          <a:latin typeface="Bahnschrift" pitchFamily="34" charset="0"/>
+                        </a:rPr>
+                        <a:t>ric</a:t>
+                      </a:r>
+                      <a:r>
+                        <a:rPr lang="en-US" sz="900" u="none" strike="noStrike" dirty="0">
+                          <a:solidFill>
+                            <a:schemeClr val="tx1"/>
+                          </a:solidFill>
+                          <a:effectLst/>
+                          <a:latin typeface="Bahnschrift" pitchFamily="34" charset="0"/>
+                        </a:rPr>
+                        <a:t>-merchant",</a:t>
+                      </a:r>
+                      <a:br>
+                        <a:rPr lang="en-US" sz="900" u="none" strike="noStrike" dirty="0">
+                          <a:solidFill>
+                            <a:schemeClr val="tx1"/>
+                          </a:solidFill>
+                          <a:effectLst/>
+                          <a:latin typeface="Bahnschrift" pitchFamily="34" charset="0"/>
+                        </a:rPr>
+                      </a:br>
+                      <a:r>
+                        <a:rPr lang="en-US" sz="900" u="none" strike="noStrike" dirty="0">
+                          <a:solidFill>
+                            <a:schemeClr val="tx1"/>
+                          </a:solidFill>
+                          <a:effectLst/>
+                          <a:latin typeface="Bahnschrift" pitchFamily="34" charset="0"/>
+                        </a:rPr>
+                        <a:t>  "password": "</a:t>
+                      </a:r>
+                      <a:r>
+                        <a:rPr lang="en-US" sz="900" u="none" strike="noStrike" dirty="0" err="1">
+                          <a:solidFill>
+                            <a:schemeClr val="tx1"/>
+                          </a:solidFill>
+                          <a:effectLst/>
+                          <a:latin typeface="Bahnschrift" pitchFamily="34" charset="0"/>
+                        </a:rPr>
+                        <a:t>ric</a:t>
+                      </a:r>
+                      <a:r>
+                        <a:rPr lang="en-US" sz="900" u="none" strike="noStrike" dirty="0">
+                          <a:solidFill>
+                            <a:schemeClr val="tx1"/>
+                          </a:solidFill>
+                          <a:effectLst/>
+                          <a:latin typeface="Bahnschrift" pitchFamily="34" charset="0"/>
+                        </a:rPr>
+                        <a:t>-password",</a:t>
+                      </a:r>
+                      <a:br>
+                        <a:rPr lang="en-US" sz="900" u="none" strike="noStrike" dirty="0">
+                          <a:solidFill>
+                            <a:schemeClr val="tx1"/>
+                          </a:solidFill>
+                          <a:effectLst/>
+                          <a:latin typeface="Bahnschrift" pitchFamily="34" charset="0"/>
+                        </a:rPr>
+                      </a:br>
+                      <a:r>
+                        <a:rPr lang="en-US" sz="900" u="none" strike="noStrike" dirty="0">
+                          <a:solidFill>
+                            <a:schemeClr val="tx1"/>
+                          </a:solidFill>
+                          <a:effectLst/>
+                          <a:latin typeface="Bahnschrift" pitchFamily="34" charset="0"/>
+                        </a:rPr>
+                        <a:t>  "</a:t>
+                      </a:r>
+                      <a:r>
+                        <a:rPr lang="en-US" sz="900" u="none" strike="noStrike" dirty="0" err="1">
+                          <a:solidFill>
+                            <a:schemeClr val="tx1"/>
+                          </a:solidFill>
+                          <a:effectLst/>
+                          <a:latin typeface="Bahnschrift" pitchFamily="34" charset="0"/>
+                        </a:rPr>
+                        <a:t>merchantUserId</a:t>
+                      </a:r>
+                      <a:r>
+                        <a:rPr lang="en-US" sz="900" u="none" strike="noStrike" dirty="0">
+                          <a:solidFill>
+                            <a:schemeClr val="tx1"/>
+                          </a:solidFill>
+                          <a:effectLst/>
+                          <a:latin typeface="Bahnschrift" pitchFamily="34" charset="0"/>
+                        </a:rPr>
+                        <a:t>": "sso221470"</a:t>
+                      </a:r>
+                      <a:br>
+                        <a:rPr lang="en-US" sz="900" u="none" strike="noStrike" dirty="0">
+                          <a:solidFill>
+                            <a:schemeClr val="tx1"/>
+                          </a:solidFill>
+                          <a:effectLst/>
+                          <a:latin typeface="Bahnschrift" pitchFamily="34" charset="0"/>
+                        </a:rPr>
+                      </a:br>
+                      <a:r>
+                        <a:rPr lang="en-US" sz="900" u="none" strike="noStrike" dirty="0">
+                          <a:solidFill>
+                            <a:schemeClr val="tx1"/>
+                          </a:solidFill>
+                          <a:effectLst/>
+                          <a:latin typeface="Bahnschrift" pitchFamily="34" charset="0"/>
+                        </a:rPr>
+                        <a:t>}</a:t>
+                      </a:r>
+                      <a:endParaRPr lang="en-US" sz="900" b="0" i="0" u="none" strike="noStrike" dirty="0">
+                        <a:solidFill>
+                          <a:schemeClr val="tx1"/>
+                        </a:solidFill>
+                        <a:effectLst/>
+                        <a:latin typeface="Bahnschrift" pitchFamily="34" charset="0"/>
+                      </a:endParaRPr>
+                    </a:p>
+                  </a:txBody>
+                  <a:tcPr marL="6907" marR="6907" marT="6907" marB="0">
+                    <a:solidFill>
+                      <a:schemeClr val="bg1">
+                        <a:alpha val="40000"/>
+                      </a:schemeClr>
+                    </a:solidFill>
+                  </a:tcPr>
+                </a:tc>
+                <a:tc>
+                  <a:txBody>
+                    <a:bodyPr/>
+                    <a:lstStyle/>
+                    <a:p>
+                      <a:pPr algn="l" fontAlgn="t"/>
+                      <a:r>
+                        <a:rPr lang="ru-RU" sz="900" u="none" strike="noStrike" dirty="0">
+                          <a:solidFill>
+                            <a:schemeClr val="tx1"/>
+                          </a:solidFill>
+                          <a:effectLst/>
+                          <a:latin typeface="Bahnschrift" pitchFamily="34" charset="0"/>
+                        </a:rPr>
+                        <a:t>{</a:t>
+                      </a:r>
+                      <a:br>
+                        <a:rPr lang="ru-RU" sz="900" u="none" strike="noStrike" dirty="0">
+                          <a:solidFill>
+                            <a:schemeClr val="tx1"/>
+                          </a:solidFill>
+                          <a:effectLst/>
+                          <a:latin typeface="Bahnschrift" pitchFamily="34" charset="0"/>
+                        </a:rPr>
+                      </a:br>
+                      <a:r>
+                        <a:rPr lang="ru-RU" sz="900" u="none" strike="noStrike" dirty="0">
+                          <a:solidFill>
+                            <a:schemeClr val="tx1"/>
+                          </a:solidFill>
+                          <a:effectLst/>
+                          <a:latin typeface="Bahnschrift" pitchFamily="34" charset="0"/>
+                        </a:rPr>
+                        <a:t>  "</a:t>
+                      </a:r>
+                      <a:r>
+                        <a:rPr lang="ru-RU" sz="900" u="none" strike="noStrike" dirty="0" err="1">
+                          <a:solidFill>
+                            <a:schemeClr val="tx1"/>
+                          </a:solidFill>
+                          <a:effectLst/>
+                          <a:latin typeface="Bahnschrift" pitchFamily="34" charset="0"/>
+                        </a:rPr>
+                        <a:t>result</a:t>
+                      </a:r>
+                      <a:r>
+                        <a:rPr lang="ru-RU" sz="900" u="none" strike="noStrike" dirty="0">
+                          <a:solidFill>
+                            <a:schemeClr val="tx1"/>
+                          </a:solidFill>
+                          <a:effectLst/>
+                          <a:latin typeface="Bahnschrift" pitchFamily="34" charset="0"/>
+                        </a:rPr>
+                        <a:t>": -1,</a:t>
+                      </a:r>
+                      <a:br>
+                        <a:rPr lang="ru-RU" sz="900" u="none" strike="noStrike" dirty="0">
+                          <a:solidFill>
+                            <a:schemeClr val="tx1"/>
+                          </a:solidFill>
+                          <a:effectLst/>
+                          <a:latin typeface="Bahnschrift" pitchFamily="34" charset="0"/>
+                        </a:rPr>
+                      </a:br>
+                      <a:r>
+                        <a:rPr lang="ru-RU" sz="900" u="none" strike="noStrike" dirty="0">
+                          <a:solidFill>
+                            <a:schemeClr val="tx1"/>
+                          </a:solidFill>
+                          <a:effectLst/>
+                          <a:latin typeface="Bahnschrift" pitchFamily="34" charset="0"/>
+                        </a:rPr>
+                        <a:t>  "</a:t>
+                      </a:r>
+                      <a:r>
+                        <a:rPr lang="ru-RU" sz="900" u="none" strike="noStrike" dirty="0" err="1">
+                          <a:solidFill>
+                            <a:schemeClr val="tx1"/>
+                          </a:solidFill>
+                          <a:effectLst/>
+                          <a:latin typeface="Bahnschrift" pitchFamily="34" charset="0"/>
+                        </a:rPr>
+                        <a:t>message</a:t>
+                      </a:r>
+                      <a:r>
+                        <a:rPr lang="ru-RU" sz="900" u="none" strike="noStrike" dirty="0">
+                          <a:solidFill>
+                            <a:schemeClr val="tx1"/>
+                          </a:solidFill>
+                          <a:effectLst/>
+                          <a:latin typeface="Bahnschrift" pitchFamily="34" charset="0"/>
+                        </a:rPr>
+                        <a:t>": "Не удалось найти указанного пользователя!",</a:t>
+                      </a:r>
+                      <a:br>
+                        <a:rPr lang="ru-RU" sz="900" u="none" strike="noStrike" dirty="0">
+                          <a:solidFill>
+                            <a:schemeClr val="tx1"/>
+                          </a:solidFill>
+                          <a:effectLst/>
+                          <a:latin typeface="Bahnschrift" pitchFamily="34" charset="0"/>
+                        </a:rPr>
+                      </a:br>
+                      <a:r>
+                        <a:rPr lang="ru-RU" sz="900" u="none" strike="noStrike" dirty="0">
+                          <a:solidFill>
+                            <a:schemeClr val="tx1"/>
+                          </a:solidFill>
+                          <a:effectLst/>
+                          <a:latin typeface="Bahnschrift" pitchFamily="34" charset="0"/>
+                        </a:rPr>
+                        <a:t>  "</a:t>
+                      </a:r>
+                      <a:r>
+                        <a:rPr lang="ru-RU" sz="900" u="none" strike="noStrike" dirty="0" err="1">
+                          <a:solidFill>
+                            <a:schemeClr val="tx1"/>
+                          </a:solidFill>
+                          <a:effectLst/>
+                          <a:latin typeface="Bahnschrift" pitchFamily="34" charset="0"/>
+                        </a:rPr>
+                        <a:t>balance</a:t>
+                      </a:r>
+                      <a:r>
+                        <a:rPr lang="ru-RU" sz="900" u="none" strike="noStrike" dirty="0">
+                          <a:solidFill>
+                            <a:schemeClr val="tx1"/>
+                          </a:solidFill>
+                          <a:effectLst/>
+                          <a:latin typeface="Bahnschrift" pitchFamily="34" charset="0"/>
+                        </a:rPr>
+                        <a:t>": 0</a:t>
+                      </a:r>
+                      <a:br>
+                        <a:rPr lang="ru-RU" sz="900" u="none" strike="noStrike" dirty="0">
+                          <a:solidFill>
+                            <a:schemeClr val="tx1"/>
+                          </a:solidFill>
+                          <a:effectLst/>
+                          <a:latin typeface="Bahnschrift" pitchFamily="34" charset="0"/>
+                        </a:rPr>
+                      </a:br>
+                      <a:r>
+                        <a:rPr lang="ru-RU" sz="900" u="none" strike="noStrike" dirty="0">
+                          <a:solidFill>
+                            <a:schemeClr val="tx1"/>
+                          </a:solidFill>
+                          <a:effectLst/>
+                          <a:latin typeface="Bahnschrift" pitchFamily="34" charset="0"/>
+                        </a:rPr>
+                        <a:t>}</a:t>
+                      </a:r>
+                      <a:endParaRPr lang="ru-RU" sz="900" b="0" i="0" u="none" strike="noStrike" dirty="0">
+                        <a:solidFill>
+                          <a:schemeClr val="tx1"/>
+                        </a:solidFill>
+                        <a:effectLst/>
+                        <a:latin typeface="Bahnschrift" pitchFamily="34" charset="0"/>
+                      </a:endParaRPr>
+                    </a:p>
+                  </a:txBody>
+                  <a:tcPr marL="6907" marR="6907" marT="6907" marB="0">
+                    <a:solidFill>
+                      <a:schemeClr val="bg1">
+                        <a:alpha val="40000"/>
+                      </a:schemeClr>
+                    </a:solidFill>
+                  </a:tcPr>
+                </a:tc>
+              </a:tr>
+              <a:tr h="1002373">
+                <a:tc>
+                  <a:txBody>
+                    <a:bodyPr/>
+                    <a:lstStyle/>
+                    <a:p>
+                      <a:pPr algn="l" fontAlgn="t"/>
+                      <a:r>
+                        <a:rPr lang="en-US" sz="900" u="none" strike="noStrike" dirty="0">
+                          <a:solidFill>
+                            <a:schemeClr val="tx1"/>
+                          </a:solidFill>
+                          <a:effectLst/>
+                          <a:latin typeface="Bahnschrift" pitchFamily="34" charset="0"/>
+                        </a:rPr>
+                        <a:t>GUB-3</a:t>
+                      </a:r>
+                      <a:endParaRPr lang="en-US" sz="900" b="0" i="0" u="none" strike="noStrike" dirty="0">
+                        <a:solidFill>
+                          <a:schemeClr val="tx1"/>
+                        </a:solidFill>
+                        <a:effectLst/>
+                        <a:latin typeface="Bahnschrift" pitchFamily="34" charset="0"/>
+                      </a:endParaRPr>
+                    </a:p>
+                  </a:txBody>
+                  <a:tcPr marL="6907" marR="6907" marT="6907" marB="0">
+                    <a:solidFill>
+                      <a:srgbClr val="47A9FF"/>
+                    </a:solidFill>
+                  </a:tcPr>
+                </a:tc>
+                <a:tc>
+                  <a:txBody>
+                    <a:bodyPr/>
+                    <a:lstStyle/>
+                    <a:p>
+                      <a:pPr algn="l" fontAlgn="t"/>
+                      <a:r>
+                        <a:rPr lang="ru-RU" sz="900" u="none" strike="noStrike" dirty="0">
+                          <a:solidFill>
+                            <a:schemeClr val="tx1"/>
+                          </a:solidFill>
+                          <a:effectLst/>
+                          <a:latin typeface="Bahnschrift" pitchFamily="34" charset="0"/>
+                        </a:rPr>
+                        <a:t>Получение бонусов при незаданном пользователем</a:t>
+                      </a:r>
+                      <a:endParaRPr lang="ru-RU" sz="900" b="0" i="0" u="none" strike="noStrike" dirty="0">
+                        <a:solidFill>
+                          <a:schemeClr val="tx1"/>
+                        </a:solidFill>
+                        <a:effectLst/>
+                        <a:latin typeface="Bahnschrift" pitchFamily="34" charset="0"/>
+                      </a:endParaRPr>
+                    </a:p>
+                  </a:txBody>
+                  <a:tcPr marL="6907" marR="6907" marT="6907" marB="0">
+                    <a:solidFill>
+                      <a:srgbClr val="47A9FF"/>
+                    </a:solidFill>
+                  </a:tcPr>
+                </a:tc>
+                <a:tc>
+                  <a:txBody>
+                    <a:bodyPr/>
+                    <a:lstStyle/>
+                    <a:p>
+                      <a:pPr algn="l" fontAlgn="t"/>
+                      <a:r>
+                        <a:rPr lang="ru-RU" sz="900" u="none" strike="noStrike" dirty="0">
+                          <a:solidFill>
+                            <a:schemeClr val="tx1"/>
+                          </a:solidFill>
+                          <a:effectLst/>
+                          <a:latin typeface="Bahnschrift" pitchFamily="34" charset="0"/>
+                        </a:rPr>
+                        <a:t>Проверка корректности получения бонусов при </a:t>
+                      </a:r>
+                      <a:r>
+                        <a:rPr lang="ru-RU" sz="900" u="none" strike="noStrike" dirty="0" err="1">
+                          <a:solidFill>
+                            <a:schemeClr val="tx1"/>
+                          </a:solidFill>
+                          <a:effectLst/>
+                          <a:latin typeface="Bahnschrift" pitchFamily="34" charset="0"/>
+                        </a:rPr>
+                        <a:t>отсутвии</a:t>
+                      </a:r>
+                      <a:r>
+                        <a:rPr lang="ru-RU" sz="900" u="none" strike="noStrike" dirty="0">
+                          <a:solidFill>
+                            <a:schemeClr val="tx1"/>
+                          </a:solidFill>
+                          <a:effectLst/>
+                          <a:latin typeface="Bahnschrift" pitchFamily="34" charset="0"/>
+                        </a:rPr>
+                        <a:t> идентификатора пользователя в запросе.</a:t>
+                      </a:r>
+                      <a:endParaRPr lang="ru-RU" sz="900" b="0" i="0" u="none" strike="noStrike" dirty="0">
+                        <a:solidFill>
+                          <a:schemeClr val="tx1"/>
+                        </a:solidFill>
+                        <a:effectLst/>
+                        <a:latin typeface="Bahnschrift" pitchFamily="34" charset="0"/>
+                      </a:endParaRPr>
+                    </a:p>
+                  </a:txBody>
+                  <a:tcPr marL="6907" marR="6907" marT="6907" marB="0">
+                    <a:solidFill>
+                      <a:srgbClr val="47A9FF"/>
+                    </a:solidFill>
+                  </a:tcPr>
+                </a:tc>
+                <a:tc>
+                  <a:txBody>
+                    <a:bodyPr/>
+                    <a:lstStyle/>
+                    <a:p>
+                      <a:pPr algn="l" fontAlgn="t"/>
+                      <a:r>
+                        <a:rPr lang="en-US" sz="900" u="none" strike="noStrike" dirty="0">
+                          <a:solidFill>
+                            <a:schemeClr val="tx1"/>
+                          </a:solidFill>
+                          <a:effectLst/>
+                          <a:latin typeface="Bahnschrift" pitchFamily="34" charset="0"/>
+                        </a:rPr>
+                        <a:t>{</a:t>
+                      </a:r>
+                      <a:br>
+                        <a:rPr lang="en-US" sz="900" u="none" strike="noStrike" dirty="0">
+                          <a:solidFill>
+                            <a:schemeClr val="tx1"/>
+                          </a:solidFill>
+                          <a:effectLst/>
+                          <a:latin typeface="Bahnschrift" pitchFamily="34" charset="0"/>
+                        </a:rPr>
+                      </a:br>
+                      <a:r>
+                        <a:rPr lang="en-US" sz="900" u="none" strike="noStrike" dirty="0">
+                          <a:solidFill>
+                            <a:schemeClr val="tx1"/>
+                          </a:solidFill>
+                          <a:effectLst/>
+                          <a:latin typeface="Bahnschrift" pitchFamily="34" charset="0"/>
+                        </a:rPr>
+                        <a:t>  "merchant": "</a:t>
+                      </a:r>
+                      <a:r>
+                        <a:rPr lang="en-US" sz="900" u="none" strike="noStrike" dirty="0" err="1">
+                          <a:solidFill>
+                            <a:schemeClr val="tx1"/>
+                          </a:solidFill>
+                          <a:effectLst/>
+                          <a:latin typeface="Bahnschrift" pitchFamily="34" charset="0"/>
+                        </a:rPr>
+                        <a:t>ric</a:t>
+                      </a:r>
+                      <a:r>
+                        <a:rPr lang="en-US" sz="900" u="none" strike="noStrike" dirty="0">
+                          <a:solidFill>
+                            <a:schemeClr val="tx1"/>
+                          </a:solidFill>
+                          <a:effectLst/>
+                          <a:latin typeface="Bahnschrift" pitchFamily="34" charset="0"/>
+                        </a:rPr>
+                        <a:t>-merchant",</a:t>
+                      </a:r>
+                      <a:br>
+                        <a:rPr lang="en-US" sz="900" u="none" strike="noStrike" dirty="0">
+                          <a:solidFill>
+                            <a:schemeClr val="tx1"/>
+                          </a:solidFill>
+                          <a:effectLst/>
+                          <a:latin typeface="Bahnschrift" pitchFamily="34" charset="0"/>
+                        </a:rPr>
+                      </a:br>
+                      <a:r>
+                        <a:rPr lang="en-US" sz="900" u="none" strike="noStrike" dirty="0">
+                          <a:solidFill>
+                            <a:schemeClr val="tx1"/>
+                          </a:solidFill>
+                          <a:effectLst/>
+                          <a:latin typeface="Bahnschrift" pitchFamily="34" charset="0"/>
+                        </a:rPr>
+                        <a:t>  "password": "</a:t>
+                      </a:r>
+                      <a:r>
+                        <a:rPr lang="en-US" sz="900" u="none" strike="noStrike" dirty="0" err="1">
+                          <a:solidFill>
+                            <a:schemeClr val="tx1"/>
+                          </a:solidFill>
+                          <a:effectLst/>
+                          <a:latin typeface="Bahnschrift" pitchFamily="34" charset="0"/>
+                        </a:rPr>
+                        <a:t>ric</a:t>
+                      </a:r>
+                      <a:r>
+                        <a:rPr lang="en-US" sz="900" u="none" strike="noStrike" dirty="0">
+                          <a:solidFill>
+                            <a:schemeClr val="tx1"/>
+                          </a:solidFill>
+                          <a:effectLst/>
+                          <a:latin typeface="Bahnschrift" pitchFamily="34" charset="0"/>
+                        </a:rPr>
+                        <a:t>-password",</a:t>
+                      </a:r>
+                      <a:br>
+                        <a:rPr lang="en-US" sz="900" u="none" strike="noStrike" dirty="0">
+                          <a:solidFill>
+                            <a:schemeClr val="tx1"/>
+                          </a:solidFill>
+                          <a:effectLst/>
+                          <a:latin typeface="Bahnschrift" pitchFamily="34" charset="0"/>
+                        </a:rPr>
+                      </a:br>
+                      <a:r>
+                        <a:rPr lang="en-US" sz="900" u="none" strike="noStrike" dirty="0">
+                          <a:solidFill>
+                            <a:schemeClr val="tx1"/>
+                          </a:solidFill>
+                          <a:effectLst/>
+                          <a:latin typeface="Bahnschrift" pitchFamily="34" charset="0"/>
+                        </a:rPr>
+                        <a:t>  "</a:t>
+                      </a:r>
+                      <a:r>
+                        <a:rPr lang="en-US" sz="900" u="none" strike="noStrike" dirty="0" err="1">
+                          <a:solidFill>
+                            <a:schemeClr val="tx1"/>
+                          </a:solidFill>
+                          <a:effectLst/>
+                          <a:latin typeface="Bahnschrift" pitchFamily="34" charset="0"/>
+                        </a:rPr>
+                        <a:t>merchantUserId</a:t>
+                      </a:r>
+                      <a:r>
+                        <a:rPr lang="en-US" sz="900" u="none" strike="noStrike" dirty="0">
+                          <a:solidFill>
+                            <a:schemeClr val="tx1"/>
+                          </a:solidFill>
+                          <a:effectLst/>
+                          <a:latin typeface="Bahnschrift" pitchFamily="34" charset="0"/>
+                        </a:rPr>
+                        <a:t>": null</a:t>
+                      </a:r>
+                      <a:br>
+                        <a:rPr lang="en-US" sz="900" u="none" strike="noStrike" dirty="0">
+                          <a:solidFill>
+                            <a:schemeClr val="tx1"/>
+                          </a:solidFill>
+                          <a:effectLst/>
+                          <a:latin typeface="Bahnschrift" pitchFamily="34" charset="0"/>
+                        </a:rPr>
+                      </a:br>
+                      <a:r>
+                        <a:rPr lang="en-US" sz="900" u="none" strike="noStrike" dirty="0">
+                          <a:solidFill>
+                            <a:schemeClr val="tx1"/>
+                          </a:solidFill>
+                          <a:effectLst/>
+                          <a:latin typeface="Bahnschrift" pitchFamily="34" charset="0"/>
+                        </a:rPr>
+                        <a:t>}</a:t>
+                      </a:r>
+                      <a:endParaRPr lang="en-US" sz="900" b="0" i="0" u="none" strike="noStrike" dirty="0">
+                        <a:solidFill>
+                          <a:schemeClr val="tx1"/>
+                        </a:solidFill>
+                        <a:effectLst/>
+                        <a:latin typeface="Bahnschrift" pitchFamily="34" charset="0"/>
+                      </a:endParaRPr>
+                    </a:p>
+                  </a:txBody>
+                  <a:tcPr marL="6907" marR="6907" marT="6907" marB="0">
+                    <a:solidFill>
+                      <a:srgbClr val="47A9FF"/>
+                    </a:solidFill>
+                  </a:tcPr>
+                </a:tc>
+                <a:tc>
+                  <a:txBody>
+                    <a:bodyPr/>
+                    <a:lstStyle/>
+                    <a:p>
+                      <a:pPr algn="l" fontAlgn="t"/>
+                      <a:r>
+                        <a:rPr lang="ru-RU" sz="900" u="none" strike="noStrike" dirty="0">
+                          <a:solidFill>
+                            <a:schemeClr val="tx1"/>
+                          </a:solidFill>
+                          <a:effectLst/>
+                          <a:latin typeface="Bahnschrift" pitchFamily="34" charset="0"/>
+                        </a:rPr>
+                        <a:t>{</a:t>
+                      </a:r>
+                      <a:br>
+                        <a:rPr lang="ru-RU" sz="900" u="none" strike="noStrike" dirty="0">
+                          <a:solidFill>
+                            <a:schemeClr val="tx1"/>
+                          </a:solidFill>
+                          <a:effectLst/>
+                          <a:latin typeface="Bahnschrift" pitchFamily="34" charset="0"/>
+                        </a:rPr>
+                      </a:br>
+                      <a:r>
+                        <a:rPr lang="ru-RU" sz="900" u="none" strike="noStrike" dirty="0">
+                          <a:solidFill>
+                            <a:schemeClr val="tx1"/>
+                          </a:solidFill>
+                          <a:effectLst/>
+                          <a:latin typeface="Bahnschrift" pitchFamily="34" charset="0"/>
+                        </a:rPr>
+                        <a:t>  "</a:t>
+                      </a:r>
+                      <a:r>
+                        <a:rPr lang="ru-RU" sz="900" u="none" strike="noStrike" dirty="0" err="1">
+                          <a:solidFill>
+                            <a:schemeClr val="tx1"/>
+                          </a:solidFill>
+                          <a:effectLst/>
+                          <a:latin typeface="Bahnschrift" pitchFamily="34" charset="0"/>
+                        </a:rPr>
+                        <a:t>result</a:t>
+                      </a:r>
+                      <a:r>
+                        <a:rPr lang="ru-RU" sz="900" u="none" strike="noStrike" dirty="0">
+                          <a:solidFill>
+                            <a:schemeClr val="tx1"/>
+                          </a:solidFill>
+                          <a:effectLst/>
+                          <a:latin typeface="Bahnschrift" pitchFamily="34" charset="0"/>
+                        </a:rPr>
+                        <a:t>": -1,</a:t>
+                      </a:r>
+                      <a:br>
+                        <a:rPr lang="ru-RU" sz="900" u="none" strike="noStrike" dirty="0">
+                          <a:solidFill>
+                            <a:schemeClr val="tx1"/>
+                          </a:solidFill>
+                          <a:effectLst/>
+                          <a:latin typeface="Bahnschrift" pitchFamily="34" charset="0"/>
+                        </a:rPr>
+                      </a:br>
+                      <a:r>
+                        <a:rPr lang="ru-RU" sz="900" u="none" strike="noStrike" dirty="0">
+                          <a:solidFill>
+                            <a:schemeClr val="tx1"/>
+                          </a:solidFill>
+                          <a:effectLst/>
+                          <a:latin typeface="Bahnschrift" pitchFamily="34" charset="0"/>
+                        </a:rPr>
+                        <a:t>  "</a:t>
+                      </a:r>
+                      <a:r>
+                        <a:rPr lang="ru-RU" sz="900" u="none" strike="noStrike" dirty="0" err="1">
+                          <a:solidFill>
+                            <a:schemeClr val="tx1"/>
+                          </a:solidFill>
+                          <a:effectLst/>
+                          <a:latin typeface="Bahnschrift" pitchFamily="34" charset="0"/>
+                        </a:rPr>
+                        <a:t>message</a:t>
+                      </a:r>
+                      <a:r>
+                        <a:rPr lang="ru-RU" sz="900" u="none" strike="noStrike" dirty="0">
+                          <a:solidFill>
+                            <a:schemeClr val="tx1"/>
+                          </a:solidFill>
+                          <a:effectLst/>
+                          <a:latin typeface="Bahnschrift" pitchFamily="34" charset="0"/>
+                        </a:rPr>
+                        <a:t>": "Не удалось найти указанного пользователя!",</a:t>
+                      </a:r>
+                      <a:br>
+                        <a:rPr lang="ru-RU" sz="900" u="none" strike="noStrike" dirty="0">
+                          <a:solidFill>
+                            <a:schemeClr val="tx1"/>
+                          </a:solidFill>
+                          <a:effectLst/>
+                          <a:latin typeface="Bahnschrift" pitchFamily="34" charset="0"/>
+                        </a:rPr>
+                      </a:br>
+                      <a:r>
+                        <a:rPr lang="ru-RU" sz="900" u="none" strike="noStrike" dirty="0">
+                          <a:solidFill>
+                            <a:schemeClr val="tx1"/>
+                          </a:solidFill>
+                          <a:effectLst/>
+                          <a:latin typeface="Bahnschrift" pitchFamily="34" charset="0"/>
+                        </a:rPr>
+                        <a:t>  "</a:t>
+                      </a:r>
+                      <a:r>
+                        <a:rPr lang="ru-RU" sz="900" u="none" strike="noStrike" dirty="0" err="1">
+                          <a:solidFill>
+                            <a:schemeClr val="tx1"/>
+                          </a:solidFill>
+                          <a:effectLst/>
+                          <a:latin typeface="Bahnschrift" pitchFamily="34" charset="0"/>
+                        </a:rPr>
+                        <a:t>balance</a:t>
+                      </a:r>
+                      <a:r>
+                        <a:rPr lang="ru-RU" sz="900" u="none" strike="noStrike" dirty="0">
+                          <a:solidFill>
+                            <a:schemeClr val="tx1"/>
+                          </a:solidFill>
+                          <a:effectLst/>
+                          <a:latin typeface="Bahnschrift" pitchFamily="34" charset="0"/>
+                        </a:rPr>
+                        <a:t>": 0</a:t>
+                      </a:r>
+                      <a:br>
+                        <a:rPr lang="ru-RU" sz="900" u="none" strike="noStrike" dirty="0">
+                          <a:solidFill>
+                            <a:schemeClr val="tx1"/>
+                          </a:solidFill>
+                          <a:effectLst/>
+                          <a:latin typeface="Bahnschrift" pitchFamily="34" charset="0"/>
+                        </a:rPr>
+                      </a:br>
+                      <a:r>
+                        <a:rPr lang="ru-RU" sz="900" u="none" strike="noStrike" dirty="0">
+                          <a:solidFill>
+                            <a:schemeClr val="tx1"/>
+                          </a:solidFill>
+                          <a:effectLst/>
+                          <a:latin typeface="Bahnschrift" pitchFamily="34" charset="0"/>
+                        </a:rPr>
+                        <a:t>}</a:t>
+                      </a:r>
+                      <a:endParaRPr lang="ru-RU" sz="900" b="0" i="0" u="none" strike="noStrike" dirty="0">
+                        <a:solidFill>
+                          <a:schemeClr val="tx1"/>
+                        </a:solidFill>
+                        <a:effectLst/>
+                        <a:latin typeface="Bahnschrift" pitchFamily="34" charset="0"/>
+                      </a:endParaRPr>
+                    </a:p>
+                  </a:txBody>
+                  <a:tcPr marL="6907" marR="6907" marT="6907" marB="0">
+                    <a:solidFill>
+                      <a:srgbClr val="47A9FF"/>
+                    </a:solidFill>
+                  </a:tcPr>
+                </a:tc>
+              </a:tr>
+              <a:tr h="1002373">
+                <a:tc>
+                  <a:txBody>
+                    <a:bodyPr/>
+                    <a:lstStyle/>
+                    <a:p>
+                      <a:pPr algn="l" fontAlgn="t"/>
+                      <a:r>
+                        <a:rPr lang="en-US" sz="900" u="none" strike="noStrike" dirty="0">
+                          <a:solidFill>
+                            <a:schemeClr val="tx1"/>
+                          </a:solidFill>
+                          <a:effectLst/>
+                          <a:latin typeface="Bahnschrift" pitchFamily="34" charset="0"/>
+                        </a:rPr>
+                        <a:t>GUB-4</a:t>
+                      </a:r>
+                      <a:endParaRPr lang="en-US" sz="900" b="0" i="0" u="none" strike="noStrike" dirty="0">
+                        <a:solidFill>
+                          <a:schemeClr val="tx1"/>
+                        </a:solidFill>
+                        <a:effectLst/>
+                        <a:latin typeface="Bahnschrift" pitchFamily="34" charset="0"/>
+                      </a:endParaRPr>
+                    </a:p>
+                  </a:txBody>
+                  <a:tcPr marL="6907" marR="6907" marT="6907" marB="0">
+                    <a:solidFill>
+                      <a:schemeClr val="bg1">
+                        <a:alpha val="40000"/>
+                      </a:schemeClr>
+                    </a:solidFill>
+                  </a:tcPr>
+                </a:tc>
+                <a:tc>
+                  <a:txBody>
+                    <a:bodyPr/>
+                    <a:lstStyle/>
+                    <a:p>
+                      <a:pPr algn="l" fontAlgn="t"/>
+                      <a:r>
+                        <a:rPr lang="ru-RU" sz="900" u="none" strike="noStrike" dirty="0">
+                          <a:solidFill>
+                            <a:schemeClr val="tx1"/>
+                          </a:solidFill>
+                          <a:effectLst/>
+                          <a:latin typeface="Bahnschrift" pitchFamily="34" charset="0"/>
+                        </a:rPr>
+                        <a:t>Отсутствие данных о магазине</a:t>
+                      </a:r>
+                      <a:endParaRPr lang="ru-RU" sz="900" b="0" i="0" u="none" strike="noStrike" dirty="0">
+                        <a:solidFill>
+                          <a:schemeClr val="tx1"/>
+                        </a:solidFill>
+                        <a:effectLst/>
+                        <a:latin typeface="Bahnschrift" pitchFamily="34" charset="0"/>
+                      </a:endParaRPr>
+                    </a:p>
+                  </a:txBody>
+                  <a:tcPr marL="6907" marR="6907" marT="6907" marB="0">
+                    <a:solidFill>
+                      <a:schemeClr val="bg1">
+                        <a:alpha val="40000"/>
+                      </a:schemeClr>
+                    </a:solidFill>
+                  </a:tcPr>
+                </a:tc>
+                <a:tc>
+                  <a:txBody>
+                    <a:bodyPr/>
+                    <a:lstStyle/>
+                    <a:p>
+                      <a:pPr algn="l" fontAlgn="t"/>
+                      <a:r>
+                        <a:rPr lang="ru-RU" sz="900" u="none" strike="noStrike" dirty="0">
+                          <a:solidFill>
+                            <a:schemeClr val="tx1"/>
+                          </a:solidFill>
+                          <a:effectLst/>
+                          <a:latin typeface="Bahnschrift" pitchFamily="34" charset="0"/>
+                        </a:rPr>
+                        <a:t>Проверка корректности получения бонусов при </a:t>
+                      </a:r>
+                      <a:r>
+                        <a:rPr lang="ru-RU" sz="900" u="none" strike="noStrike" dirty="0" err="1">
+                          <a:solidFill>
+                            <a:schemeClr val="tx1"/>
+                          </a:solidFill>
+                          <a:effectLst/>
+                          <a:latin typeface="Bahnschrift" pitchFamily="34" charset="0"/>
+                        </a:rPr>
+                        <a:t>отсутвии</a:t>
+                      </a:r>
+                      <a:r>
+                        <a:rPr lang="ru-RU" sz="900" u="none" strike="noStrike" dirty="0">
+                          <a:solidFill>
+                            <a:schemeClr val="tx1"/>
+                          </a:solidFill>
+                          <a:effectLst/>
+                          <a:latin typeface="Bahnschrift" pitchFamily="34" charset="0"/>
+                        </a:rPr>
+                        <a:t> идентификатора магазина.</a:t>
+                      </a:r>
+                      <a:endParaRPr lang="ru-RU" sz="900" b="0" i="0" u="none" strike="noStrike" dirty="0">
+                        <a:solidFill>
+                          <a:schemeClr val="tx1"/>
+                        </a:solidFill>
+                        <a:effectLst/>
+                        <a:latin typeface="Bahnschrift" pitchFamily="34" charset="0"/>
+                      </a:endParaRPr>
+                    </a:p>
+                  </a:txBody>
+                  <a:tcPr marL="6907" marR="6907" marT="6907" marB="0">
+                    <a:solidFill>
+                      <a:schemeClr val="bg1">
+                        <a:alpha val="40000"/>
+                      </a:schemeClr>
+                    </a:solidFill>
+                  </a:tcPr>
+                </a:tc>
+                <a:tc>
+                  <a:txBody>
+                    <a:bodyPr/>
+                    <a:lstStyle/>
+                    <a:p>
+                      <a:pPr algn="l" fontAlgn="t"/>
+                      <a:r>
+                        <a:rPr lang="en-US" sz="900" u="none" strike="noStrike" dirty="0">
+                          <a:solidFill>
+                            <a:schemeClr val="tx1"/>
+                          </a:solidFill>
+                          <a:effectLst/>
+                          <a:latin typeface="Bahnschrift" pitchFamily="34" charset="0"/>
+                        </a:rPr>
+                        <a:t>{</a:t>
+                      </a:r>
+                      <a:br>
+                        <a:rPr lang="en-US" sz="900" u="none" strike="noStrike" dirty="0">
+                          <a:solidFill>
+                            <a:schemeClr val="tx1"/>
+                          </a:solidFill>
+                          <a:effectLst/>
+                          <a:latin typeface="Bahnschrift" pitchFamily="34" charset="0"/>
+                        </a:rPr>
+                      </a:br>
+                      <a:r>
+                        <a:rPr lang="en-US" sz="900" u="none" strike="noStrike" dirty="0">
+                          <a:solidFill>
+                            <a:schemeClr val="tx1"/>
+                          </a:solidFill>
+                          <a:effectLst/>
+                          <a:latin typeface="Bahnschrift" pitchFamily="34" charset="0"/>
+                        </a:rPr>
+                        <a:t>  "merchant": null,</a:t>
+                      </a:r>
+                      <a:br>
+                        <a:rPr lang="en-US" sz="900" u="none" strike="noStrike" dirty="0">
+                          <a:solidFill>
+                            <a:schemeClr val="tx1"/>
+                          </a:solidFill>
+                          <a:effectLst/>
+                          <a:latin typeface="Bahnschrift" pitchFamily="34" charset="0"/>
+                        </a:rPr>
+                      </a:br>
+                      <a:r>
+                        <a:rPr lang="en-US" sz="900" u="none" strike="noStrike" dirty="0">
+                          <a:solidFill>
+                            <a:schemeClr val="tx1"/>
+                          </a:solidFill>
+                          <a:effectLst/>
+                          <a:latin typeface="Bahnschrift" pitchFamily="34" charset="0"/>
+                        </a:rPr>
+                        <a:t>  "password": "</a:t>
+                      </a:r>
+                      <a:r>
+                        <a:rPr lang="en-US" sz="900" u="none" strike="noStrike" dirty="0" err="1">
+                          <a:solidFill>
+                            <a:schemeClr val="tx1"/>
+                          </a:solidFill>
+                          <a:effectLst/>
+                          <a:latin typeface="Bahnschrift" pitchFamily="34" charset="0"/>
+                        </a:rPr>
+                        <a:t>ric</a:t>
+                      </a:r>
+                      <a:r>
+                        <a:rPr lang="en-US" sz="900" u="none" strike="noStrike" dirty="0">
+                          <a:solidFill>
+                            <a:schemeClr val="tx1"/>
+                          </a:solidFill>
+                          <a:effectLst/>
+                          <a:latin typeface="Bahnschrift" pitchFamily="34" charset="0"/>
+                        </a:rPr>
+                        <a:t>-password",</a:t>
+                      </a:r>
+                      <a:br>
+                        <a:rPr lang="en-US" sz="900" u="none" strike="noStrike" dirty="0">
+                          <a:solidFill>
+                            <a:schemeClr val="tx1"/>
+                          </a:solidFill>
+                          <a:effectLst/>
+                          <a:latin typeface="Bahnschrift" pitchFamily="34" charset="0"/>
+                        </a:rPr>
+                      </a:br>
+                      <a:r>
+                        <a:rPr lang="en-US" sz="900" u="none" strike="noStrike" dirty="0">
+                          <a:solidFill>
+                            <a:schemeClr val="tx1"/>
+                          </a:solidFill>
+                          <a:effectLst/>
+                          <a:latin typeface="Bahnschrift" pitchFamily="34" charset="0"/>
+                        </a:rPr>
+                        <a:t>  "</a:t>
+                      </a:r>
+                      <a:r>
+                        <a:rPr lang="en-US" sz="900" u="none" strike="noStrike" dirty="0" err="1">
+                          <a:solidFill>
+                            <a:schemeClr val="tx1"/>
+                          </a:solidFill>
+                          <a:effectLst/>
+                          <a:latin typeface="Bahnschrift" pitchFamily="34" charset="0"/>
+                        </a:rPr>
+                        <a:t>merchantUserId</a:t>
+                      </a:r>
+                      <a:r>
+                        <a:rPr lang="en-US" sz="900" u="none" strike="noStrike" dirty="0">
+                          <a:solidFill>
+                            <a:schemeClr val="tx1"/>
+                          </a:solidFill>
+                          <a:effectLst/>
+                          <a:latin typeface="Bahnschrift" pitchFamily="34" charset="0"/>
+                        </a:rPr>
+                        <a:t>": "sso221470"</a:t>
+                      </a:r>
+                      <a:br>
+                        <a:rPr lang="en-US" sz="900" u="none" strike="noStrike" dirty="0">
+                          <a:solidFill>
+                            <a:schemeClr val="tx1"/>
+                          </a:solidFill>
+                          <a:effectLst/>
+                          <a:latin typeface="Bahnschrift" pitchFamily="34" charset="0"/>
+                        </a:rPr>
+                      </a:br>
+                      <a:r>
+                        <a:rPr lang="en-US" sz="900" u="none" strike="noStrike" dirty="0">
+                          <a:solidFill>
+                            <a:schemeClr val="tx1"/>
+                          </a:solidFill>
+                          <a:effectLst/>
+                          <a:latin typeface="Bahnschrift" pitchFamily="34" charset="0"/>
+                        </a:rPr>
+                        <a:t>}</a:t>
+                      </a:r>
+                      <a:endParaRPr lang="en-US" sz="900" b="0" i="0" u="none" strike="noStrike" dirty="0">
+                        <a:solidFill>
+                          <a:schemeClr val="tx1"/>
+                        </a:solidFill>
+                        <a:effectLst/>
+                        <a:latin typeface="Bahnschrift" pitchFamily="34" charset="0"/>
+                      </a:endParaRPr>
+                    </a:p>
+                  </a:txBody>
+                  <a:tcPr marL="6907" marR="6907" marT="6907" marB="0">
+                    <a:solidFill>
+                      <a:schemeClr val="bg1">
+                        <a:alpha val="40000"/>
+                      </a:schemeClr>
+                    </a:solidFill>
+                  </a:tcPr>
+                </a:tc>
+                <a:tc>
+                  <a:txBody>
+                    <a:bodyPr/>
+                    <a:lstStyle/>
+                    <a:p>
+                      <a:pPr algn="l" fontAlgn="t"/>
+                      <a:r>
+                        <a:rPr lang="ru-RU" sz="900" u="none" strike="noStrike" dirty="0">
+                          <a:solidFill>
+                            <a:schemeClr val="tx1"/>
+                          </a:solidFill>
+                          <a:effectLst/>
+                          <a:latin typeface="Bahnschrift" pitchFamily="34" charset="0"/>
+                        </a:rPr>
+                        <a:t>{</a:t>
+                      </a:r>
+                      <a:br>
+                        <a:rPr lang="ru-RU" sz="900" u="none" strike="noStrike" dirty="0">
+                          <a:solidFill>
+                            <a:schemeClr val="tx1"/>
+                          </a:solidFill>
+                          <a:effectLst/>
+                          <a:latin typeface="Bahnschrift" pitchFamily="34" charset="0"/>
+                        </a:rPr>
+                      </a:br>
+                      <a:r>
+                        <a:rPr lang="ru-RU" sz="900" u="none" strike="noStrike" dirty="0">
+                          <a:solidFill>
+                            <a:schemeClr val="tx1"/>
+                          </a:solidFill>
+                          <a:effectLst/>
+                          <a:latin typeface="Bahnschrift" pitchFamily="34" charset="0"/>
+                        </a:rPr>
+                        <a:t>  "</a:t>
+                      </a:r>
+                      <a:r>
+                        <a:rPr lang="ru-RU" sz="900" u="none" strike="noStrike" dirty="0" err="1">
+                          <a:solidFill>
+                            <a:schemeClr val="tx1"/>
+                          </a:solidFill>
+                          <a:effectLst/>
+                          <a:latin typeface="Bahnschrift" pitchFamily="34" charset="0"/>
+                        </a:rPr>
+                        <a:t>result</a:t>
+                      </a:r>
+                      <a:r>
+                        <a:rPr lang="ru-RU" sz="900" u="none" strike="noStrike" dirty="0">
+                          <a:solidFill>
+                            <a:schemeClr val="tx1"/>
+                          </a:solidFill>
+                          <a:effectLst/>
+                          <a:latin typeface="Bahnschrift" pitchFamily="34" charset="0"/>
+                        </a:rPr>
+                        <a:t>": -1,</a:t>
+                      </a:r>
+                      <a:br>
+                        <a:rPr lang="ru-RU" sz="900" u="none" strike="noStrike" dirty="0">
+                          <a:solidFill>
+                            <a:schemeClr val="tx1"/>
+                          </a:solidFill>
+                          <a:effectLst/>
+                          <a:latin typeface="Bahnschrift" pitchFamily="34" charset="0"/>
+                        </a:rPr>
+                      </a:br>
+                      <a:r>
+                        <a:rPr lang="ru-RU" sz="900" u="none" strike="noStrike" dirty="0">
+                          <a:solidFill>
+                            <a:schemeClr val="tx1"/>
+                          </a:solidFill>
+                          <a:effectLst/>
+                          <a:latin typeface="Bahnschrift" pitchFamily="34" charset="0"/>
+                        </a:rPr>
+                        <a:t>  "</a:t>
+                      </a:r>
+                      <a:r>
+                        <a:rPr lang="ru-RU" sz="900" u="none" strike="noStrike" dirty="0" err="1">
+                          <a:solidFill>
+                            <a:schemeClr val="tx1"/>
+                          </a:solidFill>
+                          <a:effectLst/>
+                          <a:latin typeface="Bahnschrift" pitchFamily="34" charset="0"/>
+                        </a:rPr>
+                        <a:t>message</a:t>
+                      </a:r>
+                      <a:r>
+                        <a:rPr lang="ru-RU" sz="900" u="none" strike="noStrike" dirty="0">
+                          <a:solidFill>
+                            <a:schemeClr val="tx1"/>
+                          </a:solidFill>
+                          <a:effectLst/>
+                          <a:latin typeface="Bahnschrift" pitchFamily="34" charset="0"/>
+                        </a:rPr>
+                        <a:t>": "Не удалось найти указанный мерчант!",</a:t>
+                      </a:r>
+                      <a:br>
+                        <a:rPr lang="ru-RU" sz="900" u="none" strike="noStrike" dirty="0">
+                          <a:solidFill>
+                            <a:schemeClr val="tx1"/>
+                          </a:solidFill>
+                          <a:effectLst/>
+                          <a:latin typeface="Bahnschrift" pitchFamily="34" charset="0"/>
+                        </a:rPr>
+                      </a:br>
+                      <a:r>
+                        <a:rPr lang="ru-RU" sz="900" u="none" strike="noStrike" dirty="0">
+                          <a:solidFill>
+                            <a:schemeClr val="tx1"/>
+                          </a:solidFill>
+                          <a:effectLst/>
+                          <a:latin typeface="Bahnschrift" pitchFamily="34" charset="0"/>
+                        </a:rPr>
+                        <a:t>  "</a:t>
+                      </a:r>
+                      <a:r>
+                        <a:rPr lang="ru-RU" sz="900" u="none" strike="noStrike" dirty="0" err="1">
+                          <a:solidFill>
+                            <a:schemeClr val="tx1"/>
+                          </a:solidFill>
+                          <a:effectLst/>
+                          <a:latin typeface="Bahnschrift" pitchFamily="34" charset="0"/>
+                        </a:rPr>
+                        <a:t>balance</a:t>
+                      </a:r>
+                      <a:r>
+                        <a:rPr lang="ru-RU" sz="900" u="none" strike="noStrike" dirty="0">
+                          <a:solidFill>
+                            <a:schemeClr val="tx1"/>
+                          </a:solidFill>
+                          <a:effectLst/>
+                          <a:latin typeface="Bahnschrift" pitchFamily="34" charset="0"/>
+                        </a:rPr>
+                        <a:t>": 0</a:t>
+                      </a:r>
+                      <a:br>
+                        <a:rPr lang="ru-RU" sz="900" u="none" strike="noStrike" dirty="0">
+                          <a:solidFill>
+                            <a:schemeClr val="tx1"/>
+                          </a:solidFill>
+                          <a:effectLst/>
+                          <a:latin typeface="Bahnschrift" pitchFamily="34" charset="0"/>
+                        </a:rPr>
+                      </a:br>
+                      <a:r>
+                        <a:rPr lang="ru-RU" sz="900" u="none" strike="noStrike" dirty="0">
+                          <a:solidFill>
+                            <a:schemeClr val="tx1"/>
+                          </a:solidFill>
+                          <a:effectLst/>
+                          <a:latin typeface="Bahnschrift" pitchFamily="34" charset="0"/>
+                        </a:rPr>
+                        <a:t>}</a:t>
+                      </a:r>
+                      <a:endParaRPr lang="ru-RU" sz="900" b="0" i="0" u="none" strike="noStrike" dirty="0">
+                        <a:solidFill>
+                          <a:schemeClr val="tx1"/>
+                        </a:solidFill>
+                        <a:effectLst/>
+                        <a:latin typeface="Bahnschrift" pitchFamily="34" charset="0"/>
+                      </a:endParaRPr>
+                    </a:p>
+                  </a:txBody>
+                  <a:tcPr marL="6907" marR="6907" marT="6907" marB="0">
+                    <a:solidFill>
+                      <a:schemeClr val="bg1">
+                        <a:alpha val="40000"/>
+                      </a:schemeClr>
+                    </a:solidFill>
+                  </a:tcPr>
+                </a:tc>
+              </a:tr>
+              <a:tr h="1002373">
+                <a:tc>
+                  <a:txBody>
+                    <a:bodyPr/>
+                    <a:lstStyle/>
+                    <a:p>
+                      <a:pPr algn="l" fontAlgn="t"/>
+                      <a:r>
+                        <a:rPr lang="en-US" sz="900" u="none" strike="noStrike" dirty="0">
+                          <a:solidFill>
+                            <a:schemeClr val="tx1"/>
+                          </a:solidFill>
+                          <a:effectLst/>
+                          <a:latin typeface="Bahnschrift" pitchFamily="34" charset="0"/>
+                        </a:rPr>
+                        <a:t>GUB-5</a:t>
+                      </a:r>
+                      <a:endParaRPr lang="en-US" sz="900" b="0" i="0" u="none" strike="noStrike" dirty="0">
+                        <a:solidFill>
+                          <a:schemeClr val="tx1"/>
+                        </a:solidFill>
+                        <a:effectLst/>
+                        <a:latin typeface="Bahnschrift" pitchFamily="34" charset="0"/>
+                      </a:endParaRPr>
+                    </a:p>
+                  </a:txBody>
+                  <a:tcPr marL="6907" marR="6907" marT="6907" marB="0">
+                    <a:solidFill>
+                      <a:srgbClr val="47A9FF"/>
+                    </a:solidFill>
+                  </a:tcPr>
+                </a:tc>
+                <a:tc>
+                  <a:txBody>
+                    <a:bodyPr/>
+                    <a:lstStyle/>
+                    <a:p>
+                      <a:pPr algn="l" fontAlgn="t"/>
+                      <a:r>
+                        <a:rPr lang="ru-RU" sz="900" u="none" strike="noStrike" dirty="0">
+                          <a:solidFill>
+                            <a:schemeClr val="tx1"/>
+                          </a:solidFill>
+                          <a:effectLst/>
+                          <a:latin typeface="Bahnschrift" pitchFamily="34" charset="0"/>
+                        </a:rPr>
+                        <a:t>Отсутствие данных о магазине</a:t>
+                      </a:r>
+                      <a:endParaRPr lang="ru-RU" sz="900" b="0" i="0" u="none" strike="noStrike" dirty="0">
+                        <a:solidFill>
+                          <a:schemeClr val="tx1"/>
+                        </a:solidFill>
+                        <a:effectLst/>
+                        <a:latin typeface="Bahnschrift" pitchFamily="34" charset="0"/>
+                      </a:endParaRPr>
+                    </a:p>
+                  </a:txBody>
+                  <a:tcPr marL="6907" marR="6907" marT="6907" marB="0">
+                    <a:solidFill>
+                      <a:srgbClr val="47A9FF"/>
+                    </a:solidFill>
+                  </a:tcPr>
+                </a:tc>
+                <a:tc>
+                  <a:txBody>
+                    <a:bodyPr/>
+                    <a:lstStyle/>
+                    <a:p>
+                      <a:pPr algn="l" fontAlgn="t"/>
+                      <a:r>
+                        <a:rPr lang="ru-RU" sz="900" u="none" strike="noStrike" dirty="0">
+                          <a:solidFill>
+                            <a:schemeClr val="tx1"/>
+                          </a:solidFill>
+                          <a:effectLst/>
+                          <a:latin typeface="Bahnschrift" pitchFamily="34" charset="0"/>
+                        </a:rPr>
+                        <a:t>Проверка корректности получения бонусов при </a:t>
+                      </a:r>
+                      <a:r>
+                        <a:rPr lang="ru-RU" sz="900" u="none" strike="noStrike" dirty="0" err="1">
+                          <a:solidFill>
+                            <a:schemeClr val="tx1"/>
+                          </a:solidFill>
+                          <a:effectLst/>
+                          <a:latin typeface="Bahnschrift" pitchFamily="34" charset="0"/>
+                        </a:rPr>
+                        <a:t>отсутвии</a:t>
+                      </a:r>
+                      <a:r>
+                        <a:rPr lang="ru-RU" sz="900" u="none" strike="noStrike" dirty="0">
+                          <a:solidFill>
+                            <a:schemeClr val="tx1"/>
+                          </a:solidFill>
+                          <a:effectLst/>
+                          <a:latin typeface="Bahnschrift" pitchFamily="34" charset="0"/>
+                        </a:rPr>
+                        <a:t> пароля магазина.</a:t>
+                      </a:r>
+                      <a:endParaRPr lang="ru-RU" sz="900" b="0" i="0" u="none" strike="noStrike" dirty="0">
+                        <a:solidFill>
+                          <a:schemeClr val="tx1"/>
+                        </a:solidFill>
+                        <a:effectLst/>
+                        <a:latin typeface="Bahnschrift" pitchFamily="34" charset="0"/>
+                      </a:endParaRPr>
+                    </a:p>
+                  </a:txBody>
+                  <a:tcPr marL="6907" marR="6907" marT="6907" marB="0">
+                    <a:solidFill>
+                      <a:srgbClr val="47A9FF"/>
+                    </a:solidFill>
+                  </a:tcPr>
+                </a:tc>
+                <a:tc>
+                  <a:txBody>
+                    <a:bodyPr/>
+                    <a:lstStyle/>
+                    <a:p>
+                      <a:pPr algn="l" fontAlgn="t"/>
+                      <a:r>
+                        <a:rPr lang="en-US" sz="900" u="none" strike="noStrike" dirty="0">
+                          <a:solidFill>
+                            <a:schemeClr val="tx1"/>
+                          </a:solidFill>
+                          <a:effectLst/>
+                          <a:latin typeface="Bahnschrift" pitchFamily="34" charset="0"/>
+                        </a:rPr>
+                        <a:t>{</a:t>
+                      </a:r>
+                      <a:br>
+                        <a:rPr lang="en-US" sz="900" u="none" strike="noStrike" dirty="0">
+                          <a:solidFill>
+                            <a:schemeClr val="tx1"/>
+                          </a:solidFill>
+                          <a:effectLst/>
+                          <a:latin typeface="Bahnschrift" pitchFamily="34" charset="0"/>
+                        </a:rPr>
+                      </a:br>
+                      <a:r>
+                        <a:rPr lang="en-US" sz="900" u="none" strike="noStrike" dirty="0">
+                          <a:solidFill>
+                            <a:schemeClr val="tx1"/>
+                          </a:solidFill>
+                          <a:effectLst/>
+                          <a:latin typeface="Bahnschrift" pitchFamily="34" charset="0"/>
+                        </a:rPr>
+                        <a:t>  "merchant": "</a:t>
+                      </a:r>
+                      <a:r>
+                        <a:rPr lang="en-US" sz="900" u="none" strike="noStrike" dirty="0" err="1">
+                          <a:solidFill>
+                            <a:schemeClr val="tx1"/>
+                          </a:solidFill>
+                          <a:effectLst/>
+                          <a:latin typeface="Bahnschrift" pitchFamily="34" charset="0"/>
+                        </a:rPr>
+                        <a:t>ric</a:t>
+                      </a:r>
+                      <a:r>
+                        <a:rPr lang="en-US" sz="900" u="none" strike="noStrike" dirty="0">
+                          <a:solidFill>
+                            <a:schemeClr val="tx1"/>
+                          </a:solidFill>
+                          <a:effectLst/>
+                          <a:latin typeface="Bahnschrift" pitchFamily="34" charset="0"/>
+                        </a:rPr>
+                        <a:t>-merchant",</a:t>
+                      </a:r>
+                      <a:br>
+                        <a:rPr lang="en-US" sz="900" u="none" strike="noStrike" dirty="0">
+                          <a:solidFill>
+                            <a:schemeClr val="tx1"/>
+                          </a:solidFill>
+                          <a:effectLst/>
+                          <a:latin typeface="Bahnschrift" pitchFamily="34" charset="0"/>
+                        </a:rPr>
+                      </a:br>
+                      <a:r>
+                        <a:rPr lang="en-US" sz="900" u="none" strike="noStrike" dirty="0">
+                          <a:solidFill>
+                            <a:schemeClr val="tx1"/>
+                          </a:solidFill>
+                          <a:effectLst/>
+                          <a:latin typeface="Bahnschrift" pitchFamily="34" charset="0"/>
+                        </a:rPr>
+                        <a:t>  "password": null,</a:t>
+                      </a:r>
+                      <a:br>
+                        <a:rPr lang="en-US" sz="900" u="none" strike="noStrike" dirty="0">
+                          <a:solidFill>
+                            <a:schemeClr val="tx1"/>
+                          </a:solidFill>
+                          <a:effectLst/>
+                          <a:latin typeface="Bahnschrift" pitchFamily="34" charset="0"/>
+                        </a:rPr>
+                      </a:br>
+                      <a:r>
+                        <a:rPr lang="en-US" sz="900" u="none" strike="noStrike" dirty="0">
+                          <a:solidFill>
+                            <a:schemeClr val="tx1"/>
+                          </a:solidFill>
+                          <a:effectLst/>
+                          <a:latin typeface="Bahnschrift" pitchFamily="34" charset="0"/>
+                        </a:rPr>
+                        <a:t>  "</a:t>
+                      </a:r>
+                      <a:r>
+                        <a:rPr lang="en-US" sz="900" u="none" strike="noStrike" dirty="0" err="1">
+                          <a:solidFill>
+                            <a:schemeClr val="tx1"/>
+                          </a:solidFill>
+                          <a:effectLst/>
+                          <a:latin typeface="Bahnschrift" pitchFamily="34" charset="0"/>
+                        </a:rPr>
+                        <a:t>merchantUserId</a:t>
+                      </a:r>
+                      <a:r>
+                        <a:rPr lang="en-US" sz="900" u="none" strike="noStrike" dirty="0">
+                          <a:solidFill>
+                            <a:schemeClr val="tx1"/>
+                          </a:solidFill>
+                          <a:effectLst/>
+                          <a:latin typeface="Bahnschrift" pitchFamily="34" charset="0"/>
+                        </a:rPr>
+                        <a:t>": "sso221470"</a:t>
+                      </a:r>
+                      <a:br>
+                        <a:rPr lang="en-US" sz="900" u="none" strike="noStrike" dirty="0">
+                          <a:solidFill>
+                            <a:schemeClr val="tx1"/>
+                          </a:solidFill>
+                          <a:effectLst/>
+                          <a:latin typeface="Bahnschrift" pitchFamily="34" charset="0"/>
+                        </a:rPr>
+                      </a:br>
+                      <a:r>
+                        <a:rPr lang="en-US" sz="900" u="none" strike="noStrike" dirty="0">
+                          <a:solidFill>
+                            <a:schemeClr val="tx1"/>
+                          </a:solidFill>
+                          <a:effectLst/>
+                          <a:latin typeface="Bahnschrift" pitchFamily="34" charset="0"/>
+                        </a:rPr>
+                        <a:t>}</a:t>
+                      </a:r>
+                      <a:endParaRPr lang="en-US" sz="900" b="0" i="0" u="none" strike="noStrike" dirty="0">
+                        <a:solidFill>
+                          <a:schemeClr val="tx1"/>
+                        </a:solidFill>
+                        <a:effectLst/>
+                        <a:latin typeface="Bahnschrift" pitchFamily="34" charset="0"/>
+                      </a:endParaRPr>
+                    </a:p>
+                  </a:txBody>
+                  <a:tcPr marL="6907" marR="6907" marT="6907" marB="0">
+                    <a:solidFill>
+                      <a:srgbClr val="47A9FF"/>
+                    </a:solidFill>
+                  </a:tcPr>
+                </a:tc>
+                <a:tc>
+                  <a:txBody>
+                    <a:bodyPr/>
+                    <a:lstStyle/>
+                    <a:p>
+                      <a:pPr algn="l" fontAlgn="t"/>
+                      <a:r>
+                        <a:rPr lang="ru-RU" sz="900" u="none" strike="noStrike" dirty="0">
+                          <a:solidFill>
+                            <a:schemeClr val="tx1"/>
+                          </a:solidFill>
+                          <a:effectLst/>
+                          <a:latin typeface="Bahnschrift" pitchFamily="34" charset="0"/>
+                        </a:rPr>
+                        <a:t>{</a:t>
+                      </a:r>
+                      <a:br>
+                        <a:rPr lang="ru-RU" sz="900" u="none" strike="noStrike" dirty="0">
+                          <a:solidFill>
+                            <a:schemeClr val="tx1"/>
+                          </a:solidFill>
+                          <a:effectLst/>
+                          <a:latin typeface="Bahnschrift" pitchFamily="34" charset="0"/>
+                        </a:rPr>
+                      </a:br>
+                      <a:r>
+                        <a:rPr lang="ru-RU" sz="900" u="none" strike="noStrike" dirty="0">
+                          <a:solidFill>
+                            <a:schemeClr val="tx1"/>
+                          </a:solidFill>
+                          <a:effectLst/>
+                          <a:latin typeface="Bahnschrift" pitchFamily="34" charset="0"/>
+                        </a:rPr>
+                        <a:t>  "</a:t>
+                      </a:r>
+                      <a:r>
+                        <a:rPr lang="ru-RU" sz="900" u="none" strike="noStrike" dirty="0" err="1">
+                          <a:solidFill>
+                            <a:schemeClr val="tx1"/>
+                          </a:solidFill>
+                          <a:effectLst/>
+                          <a:latin typeface="Bahnschrift" pitchFamily="34" charset="0"/>
+                        </a:rPr>
+                        <a:t>result</a:t>
+                      </a:r>
+                      <a:r>
+                        <a:rPr lang="ru-RU" sz="900" u="none" strike="noStrike" dirty="0">
+                          <a:solidFill>
+                            <a:schemeClr val="tx1"/>
+                          </a:solidFill>
+                          <a:effectLst/>
+                          <a:latin typeface="Bahnschrift" pitchFamily="34" charset="0"/>
+                        </a:rPr>
+                        <a:t>": -1,</a:t>
+                      </a:r>
+                      <a:br>
+                        <a:rPr lang="ru-RU" sz="900" u="none" strike="noStrike" dirty="0">
+                          <a:solidFill>
+                            <a:schemeClr val="tx1"/>
+                          </a:solidFill>
+                          <a:effectLst/>
+                          <a:latin typeface="Bahnschrift" pitchFamily="34" charset="0"/>
+                        </a:rPr>
+                      </a:br>
+                      <a:r>
+                        <a:rPr lang="ru-RU" sz="900" u="none" strike="noStrike" dirty="0">
+                          <a:solidFill>
+                            <a:schemeClr val="tx1"/>
+                          </a:solidFill>
+                          <a:effectLst/>
+                          <a:latin typeface="Bahnschrift" pitchFamily="34" charset="0"/>
+                        </a:rPr>
+                        <a:t>  "</a:t>
+                      </a:r>
+                      <a:r>
+                        <a:rPr lang="ru-RU" sz="900" u="none" strike="noStrike" dirty="0" err="1">
+                          <a:solidFill>
+                            <a:schemeClr val="tx1"/>
+                          </a:solidFill>
+                          <a:effectLst/>
+                          <a:latin typeface="Bahnschrift" pitchFamily="34" charset="0"/>
+                        </a:rPr>
+                        <a:t>message</a:t>
+                      </a:r>
+                      <a:r>
+                        <a:rPr lang="ru-RU" sz="900" u="none" strike="noStrike" dirty="0">
+                          <a:solidFill>
+                            <a:schemeClr val="tx1"/>
+                          </a:solidFill>
+                          <a:effectLst/>
+                          <a:latin typeface="Bahnschrift" pitchFamily="34" charset="0"/>
+                        </a:rPr>
+                        <a:t>": "Не удалось найти указанный мерчант!",</a:t>
+                      </a:r>
+                      <a:br>
+                        <a:rPr lang="ru-RU" sz="900" u="none" strike="noStrike" dirty="0">
+                          <a:solidFill>
+                            <a:schemeClr val="tx1"/>
+                          </a:solidFill>
+                          <a:effectLst/>
+                          <a:latin typeface="Bahnschrift" pitchFamily="34" charset="0"/>
+                        </a:rPr>
+                      </a:br>
+                      <a:r>
+                        <a:rPr lang="ru-RU" sz="900" u="none" strike="noStrike" dirty="0">
+                          <a:solidFill>
+                            <a:schemeClr val="tx1"/>
+                          </a:solidFill>
+                          <a:effectLst/>
+                          <a:latin typeface="Bahnschrift" pitchFamily="34" charset="0"/>
+                        </a:rPr>
+                        <a:t>  "</a:t>
+                      </a:r>
+                      <a:r>
+                        <a:rPr lang="ru-RU" sz="900" u="none" strike="noStrike" dirty="0" err="1">
+                          <a:solidFill>
+                            <a:schemeClr val="tx1"/>
+                          </a:solidFill>
+                          <a:effectLst/>
+                          <a:latin typeface="Bahnschrift" pitchFamily="34" charset="0"/>
+                        </a:rPr>
+                        <a:t>balance</a:t>
+                      </a:r>
+                      <a:r>
+                        <a:rPr lang="ru-RU" sz="900" u="none" strike="noStrike" dirty="0">
+                          <a:solidFill>
+                            <a:schemeClr val="tx1"/>
+                          </a:solidFill>
+                          <a:effectLst/>
+                          <a:latin typeface="Bahnschrift" pitchFamily="34" charset="0"/>
+                        </a:rPr>
+                        <a:t>": 0</a:t>
+                      </a:r>
+                      <a:br>
+                        <a:rPr lang="ru-RU" sz="900" u="none" strike="noStrike" dirty="0">
+                          <a:solidFill>
+                            <a:schemeClr val="tx1"/>
+                          </a:solidFill>
+                          <a:effectLst/>
+                          <a:latin typeface="Bahnschrift" pitchFamily="34" charset="0"/>
+                        </a:rPr>
+                      </a:br>
+                      <a:r>
+                        <a:rPr lang="ru-RU" sz="900" u="none" strike="noStrike" dirty="0">
+                          <a:solidFill>
+                            <a:schemeClr val="tx1"/>
+                          </a:solidFill>
+                          <a:effectLst/>
+                          <a:latin typeface="Bahnschrift" pitchFamily="34" charset="0"/>
+                        </a:rPr>
+                        <a:t>}</a:t>
+                      </a:r>
+                      <a:endParaRPr lang="ru-RU" sz="900" b="0" i="0" u="none" strike="noStrike" dirty="0">
+                        <a:solidFill>
+                          <a:schemeClr val="tx1"/>
+                        </a:solidFill>
+                        <a:effectLst/>
+                        <a:latin typeface="Bahnschrift" pitchFamily="34" charset="0"/>
+                      </a:endParaRPr>
+                    </a:p>
+                  </a:txBody>
+                  <a:tcPr marL="6907" marR="6907" marT="6907" marB="0">
+                    <a:solidFill>
+                      <a:srgbClr val="47A9FF"/>
+                    </a:solidFill>
+                  </a:tcPr>
+                </a:tc>
+              </a:tr>
+            </a:tbl>
+          </a:graphicData>
+        </a:graphic>
+      </p:graphicFrame>
+      <p:sp>
+        <p:nvSpPr>
+          <p:cNvPr id="12" name="TextBox 11"/>
+          <p:cNvSpPr txBox="1"/>
+          <p:nvPr/>
+        </p:nvSpPr>
+        <p:spPr>
+          <a:xfrm>
+            <a:off x="2684143" y="6307425"/>
+            <a:ext cx="7460425" cy="276999"/>
+          </a:xfrm>
+          <a:prstGeom prst="rect">
+            <a:avLst/>
+          </a:prstGeom>
+          <a:noFill/>
+        </p:spPr>
+        <p:txBody>
+          <a:bodyPr wrap="square" rtlCol="0">
+            <a:spAutoFit/>
+          </a:bodyPr>
+          <a:lstStyle/>
+          <a:p>
+            <a:r>
+              <a:rPr lang="ru-RU" sz="1200" dirty="0" smtClean="0">
+                <a:solidFill>
+                  <a:srgbClr val="002B82"/>
+                </a:solidFill>
+                <a:latin typeface="Bahnschrift" pitchFamily="34" charset="0"/>
+              </a:rPr>
+              <a:t>Таблица 1 – Тест-кейсы для тестирования метода получения баланса пользователя</a:t>
+            </a:r>
+            <a:endParaRPr lang="ru-RU" sz="1200" dirty="0">
+              <a:solidFill>
+                <a:srgbClr val="002B82"/>
+              </a:solidFill>
+              <a:latin typeface="Bahnschrift" pitchFamily="34" charset="0"/>
+            </a:endParaRPr>
+          </a:p>
+        </p:txBody>
+      </p:sp>
     </p:spTree>
     <p:extLst>
       <p:ext uri="{BB962C8B-B14F-4D97-AF65-F5344CB8AC3E}">
@@ -10279,6 +16722,13 @@
   <p:transition spd="slow">
     <p:fade/>
   </p:transition>
+  <p:timing>
+    <p:tnLst>
+      <p:par>
+        <p:cTn id="1" dur="indefinite" restart="never" nodeType="tmRoot"/>
+      </p:par>
+    </p:tnLst>
+  </p:timing>
 </p:sld>
 </file>
 
@@ -10768,6 +17218,599 @@
           <a:xfrm>
             <a:off x="41844" y="160011"/>
             <a:ext cx="1464252" cy="734980"/>
+          </a:xfrm>
+          <a:prstGeom prst="rect">
+            <a:avLst/>
+          </a:prstGeom>
+          <a:noFill/>
+          <a:ln>
+            <a:noFill/>
+          </a:ln>
+          <a:effectLst/>
+          <a:extLst>
+            <a:ext uri="{909E8E84-426E-40DD-AFC4-6F175D3DCCD1}">
+              <a14:hiddenFill xmlns:a14="http://schemas.microsoft.com/office/drawing/2010/main">
+                <a:solidFill>
+                  <a:schemeClr val="accent1"/>
+                </a:solidFill>
+              </a14:hiddenFill>
+            </a:ext>
+            <a:ext uri="{91240B29-F687-4F45-9708-019B960494DF}">
+              <a14:hiddenLine xmlns:a14="http://schemas.microsoft.com/office/drawing/2010/main" w="9525">
+                <a:solidFill>
+                  <a:schemeClr val="tx1"/>
+                </a:solidFill>
+                <a:miter lim="800000"/>
+                <a:headEnd/>
+                <a:tailEnd/>
+              </a14:hiddenLine>
+            </a:ext>
+            <a:ext uri="{AF507438-7753-43E0-B8FC-AC1667EBCBE1}">
+              <a14:hiddenEffects xmlns:a14="http://schemas.microsoft.com/office/drawing/2010/main">
+                <a:effectLst>
+                  <a:outerShdw dist="35921" dir="2700000" algn="ctr" rotWithShape="0">
+                    <a:schemeClr val="bg2"/>
+                  </a:outerShdw>
+                </a:effectLst>
+              </a14:hiddenEffects>
+            </a:ext>
+          </a:extLst>
+        </p:spPr>
+      </p:pic>
+      <p:sp>
+        <p:nvSpPr>
+          <p:cNvPr id="3" name="Прямоугольник 2"/>
+          <p:cNvSpPr/>
+          <p:nvPr/>
+        </p:nvSpPr>
+        <p:spPr>
+          <a:xfrm>
+            <a:off x="5487627" y="1285065"/>
+            <a:ext cx="4751747" cy="5447645"/>
+          </a:xfrm>
+          <a:prstGeom prst="rect">
+            <a:avLst/>
+          </a:prstGeom>
+        </p:spPr>
+        <p:txBody>
+          <a:bodyPr wrap="square">
+            <a:spAutoFit/>
+          </a:bodyPr>
+          <a:lstStyle/>
+          <a:p>
+            <a:r>
+              <a:rPr lang="x-none" sz="1600">
+                <a:solidFill>
+                  <a:srgbClr val="002B82"/>
+                </a:solidFill>
+                <a:latin typeface="Bahnschrift" pitchFamily="34" charset="0"/>
+              </a:rPr>
+              <a:t>По итогам выполнения </a:t>
+            </a:r>
+            <a:r>
+              <a:rPr lang="ru-RU" sz="1600" dirty="0">
+                <a:solidFill>
+                  <a:srgbClr val="002B82"/>
+                </a:solidFill>
+                <a:latin typeface="Bahnschrift" pitchFamily="34" charset="0"/>
+              </a:rPr>
+              <a:t>дипломного проекта </a:t>
+            </a:r>
+            <a:r>
+              <a:rPr lang="x-none" sz="1600">
+                <a:solidFill>
+                  <a:srgbClr val="002B82"/>
+                </a:solidFill>
+                <a:latin typeface="Bahnschrift" pitchFamily="34" charset="0"/>
+              </a:rPr>
+              <a:t>был</a:t>
+            </a:r>
+            <a:r>
+              <a:rPr lang="ru-RU" sz="1600" dirty="0">
+                <a:solidFill>
+                  <a:srgbClr val="002B82"/>
+                </a:solidFill>
+                <a:latin typeface="Bahnschrift" pitchFamily="34" charset="0"/>
+              </a:rPr>
+              <a:t>о</a:t>
+            </a:r>
+            <a:r>
+              <a:rPr lang="x-none" sz="1600">
+                <a:solidFill>
+                  <a:srgbClr val="002B82"/>
+                </a:solidFill>
+                <a:latin typeface="Bahnschrift" pitchFamily="34" charset="0"/>
+              </a:rPr>
+              <a:t> разработан</a:t>
+            </a:r>
+            <a:r>
+              <a:rPr lang="ru-RU" sz="1600" dirty="0">
+                <a:solidFill>
+                  <a:srgbClr val="002B82"/>
+                </a:solidFill>
+                <a:latin typeface="Bahnschrift" pitchFamily="34" charset="0"/>
+              </a:rPr>
+              <a:t>о </a:t>
+            </a:r>
+            <a:r>
+              <a:rPr lang="x-none" sz="1600">
+                <a:solidFill>
+                  <a:srgbClr val="002B82"/>
+                </a:solidFill>
+                <a:latin typeface="Bahnschrift" pitchFamily="34" charset="0"/>
+              </a:rPr>
+              <a:t>веб приложения системы лояльности для ООО «АИС Город». В процессе выполнения проекта, были установлены и решены следующие задачи:</a:t>
+            </a:r>
+            <a:endParaRPr lang="ru-RU" sz="1600" dirty="0">
+              <a:solidFill>
+                <a:srgbClr val="002B82"/>
+              </a:solidFill>
+              <a:latin typeface="Bahnschrift" pitchFamily="34" charset="0"/>
+            </a:endParaRPr>
+          </a:p>
+          <a:p>
+            <a:pPr marL="285750" lvl="0" indent="-285750">
+              <a:buFont typeface="Arial" pitchFamily="34" charset="0"/>
+              <a:buChar char="•"/>
+            </a:pPr>
+            <a:r>
+              <a:rPr lang="ru-RU" sz="1600" dirty="0">
+                <a:solidFill>
+                  <a:srgbClr val="002B82"/>
+                </a:solidFill>
+                <a:latin typeface="Bahnschrift" pitchFamily="34" charset="0"/>
+              </a:rPr>
+              <a:t>Были изучены основы программ системы лояльности;</a:t>
+            </a:r>
+          </a:p>
+          <a:p>
+            <a:pPr marL="285750" lvl="0" indent="-285750">
+              <a:buFont typeface="Arial" pitchFamily="34" charset="0"/>
+              <a:buChar char="•"/>
+            </a:pPr>
+            <a:r>
+              <a:rPr lang="ru-RU" sz="1600" dirty="0">
+                <a:solidFill>
+                  <a:srgbClr val="002B82"/>
+                </a:solidFill>
+                <a:latin typeface="Bahnschrift" pitchFamily="34" charset="0"/>
+              </a:rPr>
+              <a:t>Освоены навыки проектирования веб-приложений;</a:t>
+            </a:r>
+          </a:p>
+          <a:p>
+            <a:pPr marL="285750" lvl="0" indent="-285750">
+              <a:buFont typeface="Arial" pitchFamily="34" charset="0"/>
+              <a:buChar char="•"/>
+            </a:pPr>
+            <a:r>
+              <a:rPr lang="ru-RU" sz="1600" dirty="0">
+                <a:solidFill>
+                  <a:srgbClr val="002B82"/>
+                </a:solidFill>
+                <a:latin typeface="Bahnschrift" pitchFamily="34" charset="0"/>
+              </a:rPr>
+              <a:t>Изучены основы интернет-эквайринга и проекта АИС Город. Эквайринг;</a:t>
+            </a:r>
+          </a:p>
+          <a:p>
+            <a:pPr marL="285750" lvl="0" indent="-285750">
+              <a:buFont typeface="Arial" pitchFamily="34" charset="0"/>
+              <a:buChar char="•"/>
+            </a:pPr>
+            <a:r>
+              <a:rPr lang="ru-RU" sz="1600" dirty="0">
+                <a:solidFill>
+                  <a:srgbClr val="002B82"/>
+                </a:solidFill>
+                <a:latin typeface="Bahnschrift" pitchFamily="34" charset="0"/>
+              </a:rPr>
+              <a:t>Реализовано API проекта программы лояльности;</a:t>
+            </a:r>
+          </a:p>
+          <a:p>
+            <a:pPr marL="285750" lvl="0" indent="-285750">
+              <a:buFont typeface="Arial" pitchFamily="34" charset="0"/>
+              <a:buChar char="•"/>
+            </a:pPr>
+            <a:r>
+              <a:rPr lang="ru-RU" sz="1600" dirty="0">
+                <a:solidFill>
+                  <a:srgbClr val="002B82"/>
+                </a:solidFill>
+                <a:latin typeface="Bahnschrift" pitchFamily="34" charset="0"/>
+              </a:rPr>
+              <a:t>Реализован пользовательский интерфейс проекта программы лояльности;</a:t>
+            </a:r>
+          </a:p>
+          <a:p>
+            <a:pPr marL="285750" indent="-285750">
+              <a:buFont typeface="Arial" pitchFamily="34" charset="0"/>
+              <a:buChar char="•"/>
+            </a:pPr>
+            <a:r>
+              <a:rPr lang="ru-RU" sz="1600" dirty="0">
+                <a:solidFill>
+                  <a:srgbClr val="002B82"/>
+                </a:solidFill>
+                <a:latin typeface="Bahnschrift" pitchFamily="34" charset="0"/>
+              </a:rPr>
+              <a:t>Произведено тестирование программного продукта</a:t>
+            </a:r>
+            <a:r>
+              <a:rPr lang="ru-RU" sz="1600" dirty="0" smtClean="0">
+                <a:solidFill>
+                  <a:srgbClr val="002B82"/>
+                </a:solidFill>
+                <a:latin typeface="Bahnschrift" pitchFamily="34" charset="0"/>
+              </a:rPr>
+              <a:t>;</a:t>
+            </a:r>
+          </a:p>
+          <a:p>
+            <a:r>
+              <a:rPr lang="ru-RU" sz="1600" dirty="0" smtClean="0">
+                <a:solidFill>
+                  <a:srgbClr val="002B82"/>
+                </a:solidFill>
+                <a:latin typeface="Bahnschrift" pitchFamily="34" charset="0"/>
+              </a:rPr>
+              <a:t>Разработанный продукт был внедрен в экосистему ООО «АИС Город» и уже сейчас используется в личных кабинетах РИЦ и АЙТИ Город</a:t>
+            </a:r>
+            <a:endParaRPr lang="ru-RU" sz="1600" dirty="0">
+              <a:solidFill>
+                <a:srgbClr val="002B82"/>
+              </a:solidFill>
+              <a:latin typeface="Bahnschrift" pitchFamily="34" charset="0"/>
+            </a:endParaRPr>
+          </a:p>
+        </p:txBody>
+      </p:sp>
+      <p:pic>
+        <p:nvPicPr>
+          <p:cNvPr id="15" name="Picture 1"/>
+          <p:cNvPicPr>
+            <a:picLocks noChangeAspect="1" noChangeArrowheads="1"/>
+          </p:cNvPicPr>
+          <p:nvPr/>
+        </p:nvPicPr>
+        <p:blipFill>
+          <a:blip r:embed="rId7" cstate="print">
+            <a:extLst>
+              <a:ext uri="{28A0092B-C50C-407E-A947-70E740481C1C}">
+                <a14:useLocalDpi xmlns:a14="http://schemas.microsoft.com/office/drawing/2010/main" val="0"/>
+              </a:ext>
+            </a:extLst>
+          </a:blip>
+          <a:srcRect/>
+          <a:stretch>
+            <a:fillRect/>
+          </a:stretch>
+        </p:blipFill>
+        <p:spPr bwMode="auto">
+          <a:xfrm>
+            <a:off x="5400675" y="2527646"/>
+            <a:ext cx="423163" cy="300101"/>
+          </a:xfrm>
+          <a:prstGeom prst="rect">
+            <a:avLst/>
+          </a:prstGeom>
+          <a:noFill/>
+          <a:ln>
+            <a:noFill/>
+          </a:ln>
+          <a:effectLst/>
+          <a:extLst>
+            <a:ext uri="{909E8E84-426E-40DD-AFC4-6F175D3DCCD1}">
+              <a14:hiddenFill xmlns:a14="http://schemas.microsoft.com/office/drawing/2010/main">
+                <a:solidFill>
+                  <a:schemeClr val="accent1"/>
+                </a:solidFill>
+              </a14:hiddenFill>
+            </a:ext>
+            <a:ext uri="{91240B29-F687-4F45-9708-019B960494DF}">
+              <a14:hiddenLine xmlns:a14="http://schemas.microsoft.com/office/drawing/2010/main" w="9525">
+                <a:solidFill>
+                  <a:schemeClr val="tx1"/>
+                </a:solidFill>
+                <a:miter lim="800000"/>
+                <a:headEnd/>
+                <a:tailEnd/>
+              </a14:hiddenLine>
+            </a:ext>
+            <a:ext uri="{AF507438-7753-43E0-B8FC-AC1667EBCBE1}">
+              <a14:hiddenEffects xmlns:a14="http://schemas.microsoft.com/office/drawing/2010/main">
+                <a:effectLst>
+                  <a:outerShdw dist="35921" dir="2700000" algn="ctr" rotWithShape="0">
+                    <a:schemeClr val="bg2"/>
+                  </a:outerShdw>
+                </a:effectLst>
+              </a14:hiddenEffects>
+            </a:ext>
+          </a:extLst>
+        </p:spPr>
+      </p:pic>
+      <p:pic>
+        <p:nvPicPr>
+          <p:cNvPr id="21" name="Picture 1"/>
+          <p:cNvPicPr>
+            <a:picLocks noChangeAspect="1" noChangeArrowheads="1"/>
+          </p:cNvPicPr>
+          <p:nvPr/>
+        </p:nvPicPr>
+        <p:blipFill>
+          <a:blip r:embed="rId7" cstate="print">
+            <a:extLst>
+              <a:ext uri="{28A0092B-C50C-407E-A947-70E740481C1C}">
+                <a14:useLocalDpi xmlns:a14="http://schemas.microsoft.com/office/drawing/2010/main" val="0"/>
+              </a:ext>
+            </a:extLst>
+          </a:blip>
+          <a:srcRect/>
+          <a:stretch>
+            <a:fillRect/>
+          </a:stretch>
+        </p:blipFill>
+        <p:spPr bwMode="auto">
+          <a:xfrm>
+            <a:off x="5400675" y="2998019"/>
+            <a:ext cx="423163" cy="300101"/>
+          </a:xfrm>
+          <a:prstGeom prst="rect">
+            <a:avLst/>
+          </a:prstGeom>
+          <a:noFill/>
+          <a:ln>
+            <a:noFill/>
+          </a:ln>
+          <a:effectLst/>
+          <a:extLst>
+            <a:ext uri="{909E8E84-426E-40DD-AFC4-6F175D3DCCD1}">
+              <a14:hiddenFill xmlns:a14="http://schemas.microsoft.com/office/drawing/2010/main">
+                <a:solidFill>
+                  <a:schemeClr val="accent1"/>
+                </a:solidFill>
+              </a14:hiddenFill>
+            </a:ext>
+            <a:ext uri="{91240B29-F687-4F45-9708-019B960494DF}">
+              <a14:hiddenLine xmlns:a14="http://schemas.microsoft.com/office/drawing/2010/main" w="9525">
+                <a:solidFill>
+                  <a:schemeClr val="tx1"/>
+                </a:solidFill>
+                <a:miter lim="800000"/>
+                <a:headEnd/>
+                <a:tailEnd/>
+              </a14:hiddenLine>
+            </a:ext>
+            <a:ext uri="{AF507438-7753-43E0-B8FC-AC1667EBCBE1}">
+              <a14:hiddenEffects xmlns:a14="http://schemas.microsoft.com/office/drawing/2010/main">
+                <a:effectLst>
+                  <a:outerShdw dist="35921" dir="2700000" algn="ctr" rotWithShape="0">
+                    <a:schemeClr val="bg2"/>
+                  </a:outerShdw>
+                </a:effectLst>
+              </a14:hiddenEffects>
+            </a:ext>
+          </a:extLst>
+        </p:spPr>
+      </p:pic>
+      <p:pic>
+        <p:nvPicPr>
+          <p:cNvPr id="22" name="Picture 1"/>
+          <p:cNvPicPr>
+            <a:picLocks noChangeAspect="1" noChangeArrowheads="1"/>
+          </p:cNvPicPr>
+          <p:nvPr/>
+        </p:nvPicPr>
+        <p:blipFill>
+          <a:blip r:embed="rId7" cstate="print">
+            <a:extLst>
+              <a:ext uri="{28A0092B-C50C-407E-A947-70E740481C1C}">
+                <a14:useLocalDpi xmlns:a14="http://schemas.microsoft.com/office/drawing/2010/main" val="0"/>
+              </a:ext>
+            </a:extLst>
+          </a:blip>
+          <a:srcRect/>
+          <a:stretch>
+            <a:fillRect/>
+          </a:stretch>
+        </p:blipFill>
+        <p:spPr bwMode="auto">
+          <a:xfrm>
+            <a:off x="5400674" y="3540944"/>
+            <a:ext cx="423163" cy="300101"/>
+          </a:xfrm>
+          <a:prstGeom prst="rect">
+            <a:avLst/>
+          </a:prstGeom>
+          <a:noFill/>
+          <a:ln>
+            <a:noFill/>
+          </a:ln>
+          <a:effectLst/>
+          <a:extLst>
+            <a:ext uri="{909E8E84-426E-40DD-AFC4-6F175D3DCCD1}">
+              <a14:hiddenFill xmlns:a14="http://schemas.microsoft.com/office/drawing/2010/main">
+                <a:solidFill>
+                  <a:schemeClr val="accent1"/>
+                </a:solidFill>
+              </a14:hiddenFill>
+            </a:ext>
+            <a:ext uri="{91240B29-F687-4F45-9708-019B960494DF}">
+              <a14:hiddenLine xmlns:a14="http://schemas.microsoft.com/office/drawing/2010/main" w="9525">
+                <a:solidFill>
+                  <a:schemeClr val="tx1"/>
+                </a:solidFill>
+                <a:miter lim="800000"/>
+                <a:headEnd/>
+                <a:tailEnd/>
+              </a14:hiddenLine>
+            </a:ext>
+            <a:ext uri="{AF507438-7753-43E0-B8FC-AC1667EBCBE1}">
+              <a14:hiddenEffects xmlns:a14="http://schemas.microsoft.com/office/drawing/2010/main">
+                <a:effectLst>
+                  <a:outerShdw dist="35921" dir="2700000" algn="ctr" rotWithShape="0">
+                    <a:schemeClr val="bg2"/>
+                  </a:outerShdw>
+                </a:effectLst>
+              </a14:hiddenEffects>
+            </a:ext>
+          </a:extLst>
+        </p:spPr>
+      </p:pic>
+      <p:pic>
+        <p:nvPicPr>
+          <p:cNvPr id="23" name="Picture 1"/>
+          <p:cNvPicPr>
+            <a:picLocks noChangeAspect="1" noChangeArrowheads="1"/>
+          </p:cNvPicPr>
+          <p:nvPr/>
+        </p:nvPicPr>
+        <p:blipFill>
+          <a:blip r:embed="rId7" cstate="print">
+            <a:extLst>
+              <a:ext uri="{28A0092B-C50C-407E-A947-70E740481C1C}">
+                <a14:useLocalDpi xmlns:a14="http://schemas.microsoft.com/office/drawing/2010/main" val="0"/>
+              </a:ext>
+            </a:extLst>
+          </a:blip>
+          <a:srcRect/>
+          <a:stretch>
+            <a:fillRect/>
+          </a:stretch>
+        </p:blipFill>
+        <p:spPr bwMode="auto">
+          <a:xfrm>
+            <a:off x="5400673" y="4008887"/>
+            <a:ext cx="423163" cy="300101"/>
+          </a:xfrm>
+          <a:prstGeom prst="rect">
+            <a:avLst/>
+          </a:prstGeom>
+          <a:noFill/>
+          <a:ln>
+            <a:noFill/>
+          </a:ln>
+          <a:effectLst/>
+          <a:extLst>
+            <a:ext uri="{909E8E84-426E-40DD-AFC4-6F175D3DCCD1}">
+              <a14:hiddenFill xmlns:a14="http://schemas.microsoft.com/office/drawing/2010/main">
+                <a:solidFill>
+                  <a:schemeClr val="accent1"/>
+                </a:solidFill>
+              </a14:hiddenFill>
+            </a:ext>
+            <a:ext uri="{91240B29-F687-4F45-9708-019B960494DF}">
+              <a14:hiddenLine xmlns:a14="http://schemas.microsoft.com/office/drawing/2010/main" w="9525">
+                <a:solidFill>
+                  <a:schemeClr val="tx1"/>
+                </a:solidFill>
+                <a:miter lim="800000"/>
+                <a:headEnd/>
+                <a:tailEnd/>
+              </a14:hiddenLine>
+            </a:ext>
+            <a:ext uri="{AF507438-7753-43E0-B8FC-AC1667EBCBE1}">
+              <a14:hiddenEffects xmlns:a14="http://schemas.microsoft.com/office/drawing/2010/main">
+                <a:effectLst>
+                  <a:outerShdw dist="35921" dir="2700000" algn="ctr" rotWithShape="0">
+                    <a:schemeClr val="bg2"/>
+                  </a:outerShdw>
+                </a:effectLst>
+              </a14:hiddenEffects>
+            </a:ext>
+          </a:extLst>
+        </p:spPr>
+      </p:pic>
+      <p:pic>
+        <p:nvPicPr>
+          <p:cNvPr id="24" name="Picture 1"/>
+          <p:cNvPicPr>
+            <a:picLocks noChangeAspect="1" noChangeArrowheads="1"/>
+          </p:cNvPicPr>
+          <p:nvPr/>
+        </p:nvPicPr>
+        <p:blipFill>
+          <a:blip r:embed="rId7" cstate="print">
+            <a:extLst>
+              <a:ext uri="{28A0092B-C50C-407E-A947-70E740481C1C}">
+                <a14:useLocalDpi xmlns:a14="http://schemas.microsoft.com/office/drawing/2010/main" val="0"/>
+              </a:ext>
+            </a:extLst>
+          </a:blip>
+          <a:srcRect/>
+          <a:stretch>
+            <a:fillRect/>
+          </a:stretch>
+        </p:blipFill>
+        <p:spPr bwMode="auto">
+          <a:xfrm>
+            <a:off x="5400673" y="4461388"/>
+            <a:ext cx="423163" cy="300101"/>
+          </a:xfrm>
+          <a:prstGeom prst="rect">
+            <a:avLst/>
+          </a:prstGeom>
+          <a:noFill/>
+          <a:ln>
+            <a:noFill/>
+          </a:ln>
+          <a:effectLst/>
+          <a:extLst>
+            <a:ext uri="{909E8E84-426E-40DD-AFC4-6F175D3DCCD1}">
+              <a14:hiddenFill xmlns:a14="http://schemas.microsoft.com/office/drawing/2010/main">
+                <a:solidFill>
+                  <a:schemeClr val="accent1"/>
+                </a:solidFill>
+              </a14:hiddenFill>
+            </a:ext>
+            <a:ext uri="{91240B29-F687-4F45-9708-019B960494DF}">
+              <a14:hiddenLine xmlns:a14="http://schemas.microsoft.com/office/drawing/2010/main" w="9525">
+                <a:solidFill>
+                  <a:schemeClr val="tx1"/>
+                </a:solidFill>
+                <a:miter lim="800000"/>
+                <a:headEnd/>
+                <a:tailEnd/>
+              </a14:hiddenLine>
+            </a:ext>
+            <a:ext uri="{AF507438-7753-43E0-B8FC-AC1667EBCBE1}">
+              <a14:hiddenEffects xmlns:a14="http://schemas.microsoft.com/office/drawing/2010/main">
+                <a:effectLst>
+                  <a:outerShdw dist="35921" dir="2700000" algn="ctr" rotWithShape="0">
+                    <a:schemeClr val="bg2"/>
+                  </a:outerShdw>
+                </a:effectLst>
+              </a14:hiddenEffects>
+            </a:ext>
+          </a:extLst>
+        </p:spPr>
+      </p:pic>
+      <p:pic>
+        <p:nvPicPr>
+          <p:cNvPr id="25" name="Picture 1"/>
+          <p:cNvPicPr>
+            <a:picLocks noChangeAspect="1" noChangeArrowheads="1"/>
+          </p:cNvPicPr>
+          <p:nvPr/>
+        </p:nvPicPr>
+        <p:blipFill>
+          <a:blip r:embed="rId7" cstate="print">
+            <a:extLst>
+              <a:ext uri="{28A0092B-C50C-407E-A947-70E740481C1C}">
+                <a14:useLocalDpi xmlns:a14="http://schemas.microsoft.com/office/drawing/2010/main" val="0"/>
+              </a:ext>
+            </a:extLst>
+          </a:blip>
+          <a:srcRect/>
+          <a:stretch>
+            <a:fillRect/>
+          </a:stretch>
+        </p:blipFill>
+        <p:spPr bwMode="auto">
+          <a:xfrm>
+            <a:off x="5400675" y="4979553"/>
+            <a:ext cx="423163" cy="300101"/>
           </a:xfrm>
           <a:prstGeom prst="rect">
             <a:avLst/>
@@ -11178,6 +18221,13 @@
       </p:transition>
     </mc:Fallback>
   </mc:AlternateContent>
+  <p:timing>
+    <p:tnLst>
+      <p:par>
+        <p:cTn id="1" dur="indefinite" restart="never" nodeType="tmRoot"/>
+      </p:par>
+    </p:tnLst>
+  </p:timing>
 </p:sld>
 </file>
 
@@ -15524,6 +22574,239 @@
               <a:t>Схема 1 – Схема работы простейшей системы интернет эквайринга</a:t>
             </a:r>
             <a:endParaRPr lang="ru-RU" sz="1400" dirty="0">
+              <a:solidFill>
+                <a:srgbClr val="002B82"/>
+              </a:solidFill>
+              <a:latin typeface="Bahnschrift" pitchFamily="34" charset="0"/>
+            </a:endParaRPr>
+          </a:p>
+        </p:txBody>
+      </p:sp>
+      <p:cxnSp>
+        <p:nvCxnSpPr>
+          <p:cNvPr id="69" name="Прямая со стрелкой 68"/>
+          <p:cNvCxnSpPr/>
+          <p:nvPr/>
+        </p:nvCxnSpPr>
+        <p:spPr>
+          <a:xfrm flipH="1">
+            <a:off x="9223550" y="3821753"/>
+            <a:ext cx="886594" cy="0"/>
+          </a:xfrm>
+          <a:prstGeom prst="straightConnector1">
+            <a:avLst/>
+          </a:prstGeom>
+          <a:ln w="19050">
+            <a:solidFill>
+              <a:srgbClr val="002B82"/>
+            </a:solidFill>
+            <a:tailEnd type="arrow"/>
+          </a:ln>
+        </p:spPr>
+        <p:style>
+          <a:lnRef idx="1">
+            <a:schemeClr val="accent1"/>
+          </a:lnRef>
+          <a:fillRef idx="0">
+            <a:schemeClr val="accent1"/>
+          </a:fillRef>
+          <a:effectRef idx="0">
+            <a:schemeClr val="accent1"/>
+          </a:effectRef>
+          <a:fontRef idx="minor">
+            <a:schemeClr val="tx1"/>
+          </a:fontRef>
+        </p:style>
+      </p:cxnSp>
+      <p:cxnSp>
+        <p:nvCxnSpPr>
+          <p:cNvPr id="70" name="Прямая соединительная линия 69"/>
+          <p:cNvCxnSpPr/>
+          <p:nvPr/>
+        </p:nvCxnSpPr>
+        <p:spPr>
+          <a:xfrm>
+            <a:off x="9223550" y="3279321"/>
+            <a:ext cx="886594" cy="0"/>
+          </a:xfrm>
+          <a:prstGeom prst="line">
+            <a:avLst/>
+          </a:prstGeom>
+          <a:ln w="12700">
+            <a:solidFill>
+              <a:srgbClr val="002B82"/>
+            </a:solidFill>
+          </a:ln>
+        </p:spPr>
+        <p:style>
+          <a:lnRef idx="1">
+            <a:schemeClr val="accent1"/>
+          </a:lnRef>
+          <a:fillRef idx="0">
+            <a:schemeClr val="accent1"/>
+          </a:fillRef>
+          <a:effectRef idx="0">
+            <a:schemeClr val="accent1"/>
+          </a:effectRef>
+          <a:fontRef idx="minor">
+            <a:schemeClr val="tx1"/>
+          </a:fontRef>
+        </p:style>
+      </p:cxnSp>
+      <p:cxnSp>
+        <p:nvCxnSpPr>
+          <p:cNvPr id="71" name="Прямая соединительная линия 70"/>
+          <p:cNvCxnSpPr/>
+          <p:nvPr/>
+        </p:nvCxnSpPr>
+        <p:spPr>
+          <a:xfrm>
+            <a:off x="10110144" y="3279321"/>
+            <a:ext cx="0" cy="542432"/>
+          </a:xfrm>
+          <a:prstGeom prst="line">
+            <a:avLst/>
+          </a:prstGeom>
+          <a:ln w="12700">
+            <a:solidFill>
+              <a:srgbClr val="002B82"/>
+            </a:solidFill>
+          </a:ln>
+        </p:spPr>
+        <p:style>
+          <a:lnRef idx="1">
+            <a:schemeClr val="accent1"/>
+          </a:lnRef>
+          <a:fillRef idx="0">
+            <a:schemeClr val="accent1"/>
+          </a:fillRef>
+          <a:effectRef idx="0">
+            <a:schemeClr val="accent1"/>
+          </a:effectRef>
+          <a:fontRef idx="minor">
+            <a:schemeClr val="tx1"/>
+          </a:fontRef>
+        </p:style>
+      </p:cxnSp>
+      <p:sp>
+        <p:nvSpPr>
+          <p:cNvPr id="72" name="TextBox 71"/>
+          <p:cNvSpPr txBox="1"/>
+          <p:nvPr/>
+        </p:nvSpPr>
+        <p:spPr>
+          <a:xfrm>
+            <a:off x="9304363" y="3871624"/>
+            <a:ext cx="1423508" cy="430887"/>
+          </a:xfrm>
+          <a:prstGeom prst="rect">
+            <a:avLst/>
+          </a:prstGeom>
+          <a:noFill/>
+        </p:spPr>
+        <p:txBody>
+          <a:bodyPr wrap="square" rtlCol="0">
+            <a:spAutoFit/>
+          </a:bodyPr>
+          <a:lstStyle/>
+          <a:p>
+            <a:r>
+              <a:rPr lang="ru-RU" sz="1100" dirty="0" smtClean="0">
+                <a:solidFill>
+                  <a:srgbClr val="002B82"/>
+                </a:solidFill>
+                <a:latin typeface="Bahnschrift" pitchFamily="34" charset="0"/>
+              </a:rPr>
+              <a:t>Обработка запросов банком</a:t>
+            </a:r>
+            <a:endParaRPr lang="ru-RU" sz="1100" dirty="0">
+              <a:solidFill>
+                <a:srgbClr val="002B82"/>
+              </a:solidFill>
+              <a:latin typeface="Bahnschrift" pitchFamily="34" charset="0"/>
+            </a:endParaRPr>
+          </a:p>
+        </p:txBody>
+      </p:sp>
+      <p:sp>
+        <p:nvSpPr>
+          <p:cNvPr id="60" name="Прямоугольник 59"/>
+          <p:cNvSpPr/>
+          <p:nvPr/>
+        </p:nvSpPr>
+        <p:spPr>
+          <a:xfrm>
+            <a:off x="8131629" y="775607"/>
+            <a:ext cx="2449285" cy="5812972"/>
+          </a:xfrm>
+          <a:prstGeom prst="rect">
+            <a:avLst/>
+          </a:prstGeom>
+          <a:noFill/>
+          <a:ln w="28575">
+            <a:solidFill>
+              <a:srgbClr val="F86512"/>
+            </a:solidFill>
+            <a:prstDash val="dash"/>
+          </a:ln>
+        </p:spPr>
+        <p:style>
+          <a:lnRef idx="2">
+            <a:schemeClr val="accent1">
+              <a:shade val="50000"/>
+            </a:schemeClr>
+          </a:lnRef>
+          <a:fillRef idx="1">
+            <a:schemeClr val="accent1"/>
+          </a:fillRef>
+          <a:effectRef idx="0">
+            <a:schemeClr val="accent1"/>
+          </a:effectRef>
+          <a:fontRef idx="minor">
+            <a:schemeClr val="lt1"/>
+          </a:fontRef>
+        </p:style>
+        <p:txBody>
+          <a:bodyPr rtlCol="0" anchor="ctr"/>
+          <a:lstStyle/>
+          <a:p>
+            <a:pPr algn="ctr"/>
+            <a:endParaRPr lang="ru-RU"/>
+          </a:p>
+        </p:txBody>
+      </p:sp>
+      <p:sp>
+        <p:nvSpPr>
+          <p:cNvPr id="61" name="TextBox 60"/>
+          <p:cNvSpPr txBox="1"/>
+          <p:nvPr/>
+        </p:nvSpPr>
+        <p:spPr>
+          <a:xfrm>
+            <a:off x="8309547" y="6210856"/>
+            <a:ext cx="2190023" cy="369332"/>
+          </a:xfrm>
+          <a:prstGeom prst="rect">
+            <a:avLst/>
+          </a:prstGeom>
+          <a:noFill/>
+        </p:spPr>
+        <p:txBody>
+          <a:bodyPr wrap="none" rtlCol="0">
+            <a:spAutoFit/>
+          </a:bodyPr>
+          <a:lstStyle/>
+          <a:p>
+            <a:r>
+              <a:rPr lang="ru-RU" dirty="0" smtClean="0">
+                <a:solidFill>
+                  <a:srgbClr val="002B82"/>
+                </a:solidFill>
+                <a:latin typeface="Bahnschrift" pitchFamily="34" charset="0"/>
+              </a:rPr>
+              <a:t>Реализуемый слой</a:t>
+            </a:r>
+            <a:endParaRPr lang="ru-RU" dirty="0">
               <a:solidFill>
                 <a:srgbClr val="002B82"/>
               </a:solidFill>
@@ -18968,7 +26251,7 @@
                 </a:solidFill>
                 <a:latin typeface="Bahnschrift" pitchFamily="34" charset="0"/>
               </a:rPr>
-              <a:t>Схема 1 – Схема работы проекта системы лояльности ООО «АИС Город»</a:t>
+              <a:t>Схема 2 – Схема работы проекта системы лояльности ООО «АИС Город»</a:t>
             </a:r>
             <a:endParaRPr lang="ru-RU" sz="1400" dirty="0">
               <a:solidFill>
@@ -19230,7 +26513,7 @@
         </p:nvSpPr>
         <p:spPr>
           <a:xfrm>
-            <a:off x="3713793" y="329273"/>
+            <a:off x="3713793" y="76621"/>
             <a:ext cx="5401129" cy="830997"/>
           </a:xfrm>
           <a:prstGeom prst="rect">
@@ -19286,7 +26569,7 @@
         </p:blipFill>
         <p:spPr bwMode="auto">
           <a:xfrm>
-            <a:off x="3118804" y="492121"/>
+            <a:off x="3658604" y="281142"/>
             <a:ext cx="594989" cy="421957"/>
           </a:xfrm>
           <a:prstGeom prst="rect">
@@ -19636,7 +26919,7 @@
         </p:nvSpPr>
         <p:spPr>
           <a:xfrm>
-            <a:off x="5070021" y="1074275"/>
+            <a:off x="5070021" y="927227"/>
             <a:ext cx="4999301" cy="5184322"/>
           </a:xfrm>
           <a:prstGeom prst="roundRect">
@@ -19681,14 +26964,14 @@
         </p:nvSpPr>
         <p:spPr>
           <a:xfrm>
-            <a:off x="4253593" y="1775821"/>
+            <a:off x="4253593" y="1628773"/>
             <a:ext cx="1045028" cy="216265"/>
           </a:xfrm>
           <a:prstGeom prst="rightArrow">
             <a:avLst/>
           </a:prstGeom>
           <a:solidFill>
-            <a:srgbClr val="47A9FF"/>
+            <a:srgbClr val="F86512"/>
           </a:solidFill>
           <a:ln>
             <a:noFill/>
@@ -19727,7 +27010,7 @@
         </p:nvSpPr>
         <p:spPr>
           <a:xfrm flipH="1">
-            <a:off x="4196443" y="5400822"/>
+            <a:off x="4196443" y="5253774"/>
             <a:ext cx="993321" cy="216265"/>
           </a:xfrm>
           <a:prstGeom prst="rightArrow">
@@ -19773,7 +27056,7 @@
         </p:nvSpPr>
         <p:spPr>
           <a:xfrm>
-            <a:off x="7401614" y="1273628"/>
+            <a:off x="7401614" y="1126580"/>
             <a:ext cx="336114" cy="310243"/>
           </a:xfrm>
           <a:prstGeom prst="ellipse">
@@ -19821,7 +27104,7 @@
         </p:nvSpPr>
         <p:spPr>
           <a:xfrm rot="5400000">
-            <a:off x="7419630" y="1679846"/>
+            <a:off x="7419630" y="1532798"/>
             <a:ext cx="300082" cy="108132"/>
           </a:xfrm>
           <a:prstGeom prst="rightArrow">
@@ -19867,7 +27150,7 @@
         </p:nvSpPr>
         <p:spPr>
           <a:xfrm>
-            <a:off x="6825343" y="3992336"/>
+            <a:off x="6825343" y="3845288"/>
             <a:ext cx="1577834" cy="489857"/>
           </a:xfrm>
           <a:prstGeom prst="roundRect">
@@ -19927,7 +27210,7 @@
         </p:nvSpPr>
         <p:spPr>
           <a:xfrm rot="5400000">
-            <a:off x="7439648" y="2693643"/>
+            <a:off x="7439648" y="2546595"/>
             <a:ext cx="256718" cy="92506"/>
           </a:xfrm>
           <a:prstGeom prst="rightArrow">
@@ -19973,7 +27256,7 @@
         </p:nvSpPr>
         <p:spPr>
           <a:xfrm rot="5400000">
-            <a:off x="7410481" y="3743968"/>
+            <a:off x="7410481" y="3596920"/>
             <a:ext cx="374274" cy="122461"/>
           </a:xfrm>
           <a:prstGeom prst="rightArrow">
@@ -20019,7 +27302,7 @@
         </p:nvSpPr>
         <p:spPr>
           <a:xfrm rot="5400000">
-            <a:off x="7410481" y="4608100"/>
+            <a:off x="7410481" y="4461052"/>
             <a:ext cx="374274" cy="122461"/>
           </a:xfrm>
           <a:prstGeom prst="rightArrow">
@@ -20065,7 +27348,7 @@
         </p:nvSpPr>
         <p:spPr>
           <a:xfrm>
-            <a:off x="7658849" y="2591256"/>
+            <a:off x="7658849" y="2444208"/>
             <a:ext cx="344966" cy="276999"/>
           </a:xfrm>
           <a:prstGeom prst="rect">
@@ -20103,7 +27386,7 @@
         </p:nvSpPr>
         <p:spPr>
           <a:xfrm>
-            <a:off x="7691557" y="3607628"/>
+            <a:off x="7691557" y="3460580"/>
             <a:ext cx="344966" cy="276999"/>
           </a:xfrm>
           <a:prstGeom prst="rect">
@@ -20141,7 +27424,7 @@
         </p:nvSpPr>
         <p:spPr>
           <a:xfrm>
-            <a:off x="7831332" y="5617087"/>
+            <a:off x="7831332" y="5470039"/>
             <a:ext cx="344966" cy="276999"/>
           </a:xfrm>
           <a:prstGeom prst="rect">
@@ -20179,7 +27462,7 @@
         </p:nvSpPr>
         <p:spPr>
           <a:xfrm rot="10800000">
-            <a:off x="5682342" y="5541654"/>
+            <a:off x="5682342" y="5394606"/>
             <a:ext cx="1941394" cy="472882"/>
           </a:xfrm>
           <a:prstGeom prst="bentArrow">
@@ -20229,7 +27512,7 @@
         </p:nvSpPr>
         <p:spPr>
           <a:xfrm>
-            <a:off x="5682342" y="5541654"/>
+            <a:off x="5682342" y="5394606"/>
             <a:ext cx="1694118" cy="276999"/>
           </a:xfrm>
           <a:prstGeom prst="rect">
@@ -20267,7 +27550,7 @@
         </p:nvSpPr>
         <p:spPr>
           <a:xfrm>
-            <a:off x="5502361" y="2756118"/>
+            <a:off x="5502361" y="2609070"/>
             <a:ext cx="1242648" cy="276999"/>
           </a:xfrm>
           <a:prstGeom prst="rect">
@@ -20305,7 +27588,7 @@
         </p:nvSpPr>
         <p:spPr>
           <a:xfrm rot="16200000" flipH="1">
-            <a:off x="5139349" y="3440477"/>
+            <a:off x="5139349" y="3293429"/>
             <a:ext cx="1931917" cy="1419692"/>
           </a:xfrm>
           <a:prstGeom prst="bentArrow">
@@ -20360,7 +27643,7 @@
         </p:nvSpPr>
         <p:spPr>
           <a:xfrm rot="16200000" flipH="1">
-            <a:off x="4441217" y="2850960"/>
+            <a:off x="4441217" y="2703912"/>
             <a:ext cx="3029259" cy="1738995"/>
           </a:xfrm>
           <a:prstGeom prst="bentArrow">
@@ -20415,7 +27698,7 @@
         </p:nvSpPr>
         <p:spPr>
           <a:xfrm>
-            <a:off x="6657853" y="2851926"/>
+            <a:off x="6657853" y="2704878"/>
             <a:ext cx="1823636" cy="763997"/>
           </a:xfrm>
           <a:prstGeom prst="flowChartDecision">
@@ -20466,7 +27749,7 @@
         </p:nvSpPr>
         <p:spPr>
           <a:xfrm>
-            <a:off x="6736164" y="1883953"/>
+            <a:off x="6736164" y="1736905"/>
             <a:ext cx="1667013" cy="763997"/>
           </a:xfrm>
           <a:prstGeom prst="flowChartDecision">
@@ -20518,7 +27801,7 @@
         </p:nvSpPr>
         <p:spPr>
           <a:xfrm>
-            <a:off x="5551349" y="1801692"/>
+            <a:off x="5551349" y="1654644"/>
             <a:ext cx="1242648" cy="276999"/>
           </a:xfrm>
           <a:prstGeom prst="rect">
@@ -20556,7 +27839,7 @@
         </p:nvSpPr>
         <p:spPr>
           <a:xfrm flipH="1">
-            <a:off x="5682341" y="5126955"/>
+            <a:off x="5682341" y="4979907"/>
             <a:ext cx="1257301" cy="216265"/>
           </a:xfrm>
           <a:prstGeom prst="rightArrow">
@@ -20602,7 +27885,7 @@
         </p:nvSpPr>
         <p:spPr>
           <a:xfrm>
-            <a:off x="6764111" y="4853090"/>
+            <a:off x="6764111" y="4706042"/>
             <a:ext cx="1667013" cy="763997"/>
           </a:xfrm>
           <a:prstGeom prst="flowChartDecision">
@@ -20654,7 +27937,7 @@
         </p:nvSpPr>
         <p:spPr>
           <a:xfrm>
-            <a:off x="5794342" y="4804467"/>
+            <a:off x="5794342" y="4657419"/>
             <a:ext cx="1242648" cy="276999"/>
           </a:xfrm>
           <a:prstGeom prst="rect">
@@ -20692,14 +27975,14 @@
         </p:nvSpPr>
         <p:spPr>
           <a:xfrm>
-            <a:off x="8403177" y="3992336"/>
+            <a:off x="8403177" y="3845288"/>
             <a:ext cx="2373680" cy="216265"/>
           </a:xfrm>
           <a:prstGeom prst="rightArrow">
             <a:avLst/>
           </a:prstGeom>
           <a:solidFill>
-            <a:srgbClr val="47A9FF"/>
+            <a:srgbClr val="F86512"/>
           </a:solidFill>
           <a:ln>
             <a:noFill/>
@@ -20738,7 +28021,7 @@
         </p:nvSpPr>
         <p:spPr>
           <a:xfrm flipH="1">
-            <a:off x="8403176" y="4237322"/>
+            <a:off x="8403176" y="4090274"/>
             <a:ext cx="2373680" cy="216265"/>
           </a:xfrm>
           <a:prstGeom prst="rightArrow">
@@ -20773,6 +28056,64 @@
           <a:p>
             <a:pPr algn="ctr"/>
             <a:endParaRPr lang="ru-RU"/>
+          </a:p>
+        </p:txBody>
+      </p:sp>
+      <p:sp>
+        <p:nvSpPr>
+          <p:cNvPr id="39" name="TextBox 38"/>
+          <p:cNvSpPr txBox="1"/>
+          <p:nvPr/>
+        </p:nvSpPr>
+        <p:spPr>
+          <a:xfrm>
+            <a:off x="5004708" y="6177660"/>
+            <a:ext cx="5151664" cy="461665"/>
+          </a:xfrm>
+          <a:prstGeom prst="rect">
+            <a:avLst/>
+          </a:prstGeom>
+          <a:noFill/>
+        </p:spPr>
+        <p:txBody>
+          <a:bodyPr wrap="square" rtlCol="0">
+            <a:spAutoFit/>
+          </a:bodyPr>
+          <a:lstStyle/>
+          <a:p>
+            <a:r>
+              <a:rPr lang="ru-RU" sz="1200" dirty="0" smtClean="0">
+                <a:solidFill>
+                  <a:srgbClr val="002B82"/>
+                </a:solidFill>
+                <a:latin typeface="Bahnschrift" pitchFamily="34" charset="0"/>
+              </a:rPr>
+              <a:t>Схема 3 – Схема работы метода </a:t>
+            </a:r>
+            <a:r>
+              <a:rPr lang="ru-RU" sz="1200" dirty="0">
+                <a:solidFill>
+                  <a:srgbClr val="002B82"/>
+                </a:solidFill>
+                <a:latin typeface="Bahnschrift" pitchFamily="34" charset="0"/>
+              </a:rPr>
+              <a:t>получения баланса </a:t>
+            </a:r>
+            <a:r>
+              <a:rPr lang="ru-RU" sz="1200" dirty="0" smtClean="0">
+                <a:solidFill>
+                  <a:srgbClr val="002B82"/>
+                </a:solidFill>
+                <a:latin typeface="Bahnschrift" pitchFamily="34" charset="0"/>
+              </a:rPr>
+              <a:t>пользователей проекта системы лояльности ООО «АИС Город»</a:t>
+            </a:r>
+            <a:endParaRPr lang="ru-RU" sz="1200" dirty="0">
+              <a:solidFill>
+                <a:srgbClr val="002B82"/>
+              </a:solidFill>
+              <a:latin typeface="Bahnschrift" pitchFamily="34" charset="0"/>
+            </a:endParaRPr>
           </a:p>
         </p:txBody>
       </p:sp>
@@ -21027,7 +28368,7 @@
         </p:nvSpPr>
         <p:spPr>
           <a:xfrm>
-            <a:off x="3713793" y="329273"/>
+            <a:off x="2965410" y="219440"/>
             <a:ext cx="5401129" cy="461665"/>
           </a:xfrm>
           <a:prstGeom prst="rect">
@@ -21083,7 +28424,7 @@
         </p:blipFill>
         <p:spPr bwMode="auto">
           <a:xfrm>
-            <a:off x="3118804" y="492121"/>
+            <a:off x="3154021" y="286872"/>
             <a:ext cx="594989" cy="421957"/>
           </a:xfrm>
           <a:prstGeom prst="rect">
@@ -21919,7 +29260,7 @@
             <a:avLst/>
           </a:prstGeom>
           <a:solidFill>
-            <a:srgbClr val="47A9FF"/>
+            <a:srgbClr val="F86512"/>
           </a:solidFill>
           <a:ln>
             <a:noFill/>
@@ -23022,7 +30363,7 @@
             <a:avLst/>
           </a:prstGeom>
           <a:solidFill>
-            <a:srgbClr val="47A9FF"/>
+            <a:srgbClr val="F86512"/>
           </a:solidFill>
           <a:ln>
             <a:noFill/>
@@ -23461,6 +30802,64 @@
               <a:solidFill>
                 <a:schemeClr val="bg1"/>
               </a:solidFill>
+            </a:endParaRPr>
+          </a:p>
+        </p:txBody>
+      </p:sp>
+      <p:sp>
+        <p:nvSpPr>
+          <p:cNvPr id="49" name="TextBox 48"/>
+          <p:cNvSpPr txBox="1"/>
+          <p:nvPr/>
+        </p:nvSpPr>
+        <p:spPr>
+          <a:xfrm>
+            <a:off x="399685" y="6245368"/>
+            <a:ext cx="5151664" cy="461665"/>
+          </a:xfrm>
+          <a:prstGeom prst="rect">
+            <a:avLst/>
+          </a:prstGeom>
+          <a:noFill/>
+        </p:spPr>
+        <p:txBody>
+          <a:bodyPr wrap="square" rtlCol="0">
+            <a:spAutoFit/>
+          </a:bodyPr>
+          <a:lstStyle/>
+          <a:p>
+            <a:r>
+              <a:rPr lang="ru-RU" sz="1200" dirty="0" smtClean="0">
+                <a:solidFill>
+                  <a:srgbClr val="002B82"/>
+                </a:solidFill>
+                <a:latin typeface="Bahnschrift" pitchFamily="34" charset="0"/>
+              </a:rPr>
+              <a:t>Схема 4 – Схема работы метода </a:t>
+            </a:r>
+            <a:r>
+              <a:rPr lang="ru-RU" sz="1200" dirty="0">
+                <a:solidFill>
+                  <a:srgbClr val="002B82"/>
+                </a:solidFill>
+                <a:latin typeface="Bahnschrift" pitchFamily="34" charset="0"/>
+              </a:rPr>
+              <a:t>создания заказа </a:t>
+            </a:r>
+            <a:r>
+              <a:rPr lang="ru-RU" sz="1200" dirty="0" smtClean="0">
+                <a:solidFill>
+                  <a:srgbClr val="002B82"/>
+                </a:solidFill>
+                <a:latin typeface="Bahnschrift" pitchFamily="34" charset="0"/>
+              </a:rPr>
+              <a:t>проекта системы лояльности ООО «АИС Город»</a:t>
+            </a:r>
+            <a:endParaRPr lang="ru-RU" sz="1200" dirty="0">
+              <a:solidFill>
+                <a:srgbClr val="002B82"/>
+              </a:solidFill>
+              <a:latin typeface="Bahnschrift" pitchFamily="34" charset="0"/>
             </a:endParaRPr>
           </a:p>
         </p:txBody>

--- a/Иванова.pptx
+++ b/Иванова.pptx
@@ -763,6 +763,18 @@
   <p:clrMapOvr>
     <a:masterClrMapping/>
   </p:clrMapOvr>
+  <mc:AlternateContent xmlns:mc="http://schemas.openxmlformats.org/markup-compatibility/2006">
+    <mc:Choice xmlns:p14="http://schemas.microsoft.com/office/powerpoint/2010/main" Requires="p14">
+      <p:transition spd="med" p14:dur="700">
+        <p:fade/>
+      </p:transition>
+    </mc:Choice>
+    <mc:Fallback>
+      <p:transition spd="med">
+        <p:fade/>
+      </p:transition>
+    </mc:Fallback>
+  </mc:AlternateContent>
 </p:sldLayout>
 </file>
 
@@ -1074,6 +1086,18 @@
   <p:clrMapOvr>
     <a:masterClrMapping/>
   </p:clrMapOvr>
+  <mc:AlternateContent xmlns:mc="http://schemas.openxmlformats.org/markup-compatibility/2006">
+    <mc:Choice xmlns:p14="http://schemas.microsoft.com/office/powerpoint/2010/main" Requires="p14">
+      <p:transition spd="med" p14:dur="700">
+        <p:fade/>
+      </p:transition>
+    </mc:Choice>
+    <mc:Fallback>
+      <p:transition spd="med">
+        <p:fade/>
+      </p:transition>
+    </mc:Fallback>
+  </mc:AlternateContent>
 </p:sldLayout>
 </file>
 
@@ -1362,6 +1386,18 @@
   <p:clrMapOvr>
     <a:masterClrMapping/>
   </p:clrMapOvr>
+  <mc:AlternateContent xmlns:mc="http://schemas.openxmlformats.org/markup-compatibility/2006">
+    <mc:Choice xmlns:p14="http://schemas.microsoft.com/office/powerpoint/2010/main" Requires="p14">
+      <p:transition spd="med" p14:dur="700">
+        <p:fade/>
+      </p:transition>
+    </mc:Choice>
+    <mc:Fallback>
+      <p:transition spd="med">
+        <p:fade/>
+      </p:transition>
+    </mc:Fallback>
+  </mc:AlternateContent>
 </p:sldLayout>
 </file>
 
@@ -1560,6 +1596,18 @@
   <p:clrMapOvr>
     <a:masterClrMapping/>
   </p:clrMapOvr>
+  <mc:AlternateContent xmlns:mc="http://schemas.openxmlformats.org/markup-compatibility/2006">
+    <mc:Choice xmlns:p14="http://schemas.microsoft.com/office/powerpoint/2010/main" Requires="p14">
+      <p:transition spd="med" p14:dur="700">
+        <p:fade/>
+      </p:transition>
+    </mc:Choice>
+    <mc:Fallback>
+      <p:transition spd="med">
+        <p:fade/>
+      </p:transition>
+    </mc:Fallback>
+  </mc:AlternateContent>
 </p:sldLayout>
 </file>
 
@@ -1768,6 +1816,18 @@
   <p:clrMapOvr>
     <a:masterClrMapping/>
   </p:clrMapOvr>
+  <mc:AlternateContent xmlns:mc="http://schemas.openxmlformats.org/markup-compatibility/2006">
+    <mc:Choice xmlns:p14="http://schemas.microsoft.com/office/powerpoint/2010/main" Requires="p14">
+      <p:transition spd="med" p14:dur="700">
+        <p:fade/>
+      </p:transition>
+    </mc:Choice>
+    <mc:Fallback>
+      <p:transition spd="med">
+        <p:fade/>
+      </p:transition>
+    </mc:Fallback>
+  </mc:AlternateContent>
 </p:sldLayout>
 </file>
 
@@ -1893,7 +1953,19 @@
   <p:clrMapOvr>
     <a:masterClrMapping/>
   </p:clrMapOvr>
-  <p:extLst>
+  <mc:AlternateContent xmlns:mc="http://schemas.openxmlformats.org/markup-compatibility/2006">
+    <mc:Choice xmlns:p14="http://schemas.microsoft.com/office/powerpoint/2010/main" Requires="p14">
+      <p:transition spd="med" p14:dur="700">
+        <p:fade/>
+      </p:transition>
+    </mc:Choice>
+    <mc:Fallback>
+      <p:transition spd="med">
+        <p:fade/>
+      </p:transition>
+    </mc:Fallback>
+  </mc:AlternateContent>
+  <p:extLst mod="1">
     <p:ext uri="{DCECCB84-F9BA-43D5-87BE-67443E8EF086}">
       <p15:sldGuideLst xmlns:p15="http://schemas.microsoft.com/office/powerpoint/2012/main" xmlns="">
         <p15:guide id="1" orient="horz" pos="2160" userDrawn="1">
@@ -2399,6 +2471,18 @@
   <p:clrMapOvr>
     <a:masterClrMapping/>
   </p:clrMapOvr>
+  <mc:AlternateContent xmlns:mc="http://schemas.openxmlformats.org/markup-compatibility/2006">
+    <mc:Choice xmlns:p14="http://schemas.microsoft.com/office/powerpoint/2010/main" Requires="p14">
+      <p:transition spd="med" p14:dur="700">
+        <p:fade/>
+      </p:transition>
+    </mc:Choice>
+    <mc:Fallback>
+      <p:transition spd="med">
+        <p:fade/>
+      </p:transition>
+    </mc:Fallback>
+  </mc:AlternateContent>
 </p:sldLayout>
 </file>
 
@@ -2597,6 +2681,18 @@
   <p:clrMapOvr>
     <a:masterClrMapping/>
   </p:clrMapOvr>
+  <mc:AlternateContent xmlns:mc="http://schemas.openxmlformats.org/markup-compatibility/2006">
+    <mc:Choice xmlns:p14="http://schemas.microsoft.com/office/powerpoint/2010/main" Requires="p14">
+      <p:transition spd="med" p14:dur="700">
+        <p:fade/>
+      </p:transition>
+    </mc:Choice>
+    <mc:Fallback>
+      <p:transition spd="med">
+        <p:fade/>
+      </p:transition>
+    </mc:Fallback>
+  </mc:AlternateContent>
 </p:sldLayout>
 </file>
 
@@ -2872,6 +2968,18 @@
   <p:clrMapOvr>
     <a:masterClrMapping/>
   </p:clrMapOvr>
+  <mc:AlternateContent xmlns:mc="http://schemas.openxmlformats.org/markup-compatibility/2006">
+    <mc:Choice xmlns:p14="http://schemas.microsoft.com/office/powerpoint/2010/main" Requires="p14">
+      <p:transition spd="med" p14:dur="700">
+        <p:fade/>
+      </p:transition>
+    </mc:Choice>
+    <mc:Fallback>
+      <p:transition spd="med">
+        <p:fade/>
+      </p:transition>
+    </mc:Fallback>
+  </mc:AlternateContent>
 </p:sldLayout>
 </file>
 
@@ -3137,6 +3245,18 @@
   <p:clrMapOvr>
     <a:masterClrMapping/>
   </p:clrMapOvr>
+  <mc:AlternateContent xmlns:mc="http://schemas.openxmlformats.org/markup-compatibility/2006">
+    <mc:Choice xmlns:p14="http://schemas.microsoft.com/office/powerpoint/2010/main" Requires="p14">
+      <p:transition spd="med" p14:dur="700">
+        <p:fade/>
+      </p:transition>
+    </mc:Choice>
+    <mc:Fallback>
+      <p:transition spd="med">
+        <p:fade/>
+      </p:transition>
+    </mc:Fallback>
+  </mc:AlternateContent>
 </p:sldLayout>
 </file>
 
@@ -3549,6 +3669,18 @@
   <p:clrMapOvr>
     <a:masterClrMapping/>
   </p:clrMapOvr>
+  <mc:AlternateContent xmlns:mc="http://schemas.openxmlformats.org/markup-compatibility/2006">
+    <mc:Choice xmlns:p14="http://schemas.microsoft.com/office/powerpoint/2010/main" Requires="p14">
+      <p:transition spd="med" p14:dur="700">
+        <p:fade/>
+      </p:transition>
+    </mc:Choice>
+    <mc:Fallback>
+      <p:transition spd="med">
+        <p:fade/>
+      </p:transition>
+    </mc:Fallback>
+  </mc:AlternateContent>
 </p:sldLayout>
 </file>
 
@@ -3690,6 +3822,18 @@
   <p:clrMapOvr>
     <a:masterClrMapping/>
   </p:clrMapOvr>
+  <mc:AlternateContent xmlns:mc="http://schemas.openxmlformats.org/markup-compatibility/2006">
+    <mc:Choice xmlns:p14="http://schemas.microsoft.com/office/powerpoint/2010/main" Requires="p14">
+      <p:transition spd="med" p14:dur="700">
+        <p:fade/>
+      </p:transition>
+    </mc:Choice>
+    <mc:Fallback>
+      <p:transition spd="med">
+        <p:fade/>
+      </p:transition>
+    </mc:Fallback>
+  </mc:AlternateContent>
 </p:sldLayout>
 </file>
 
@@ -3803,6 +3947,18 @@
   <p:clrMapOvr>
     <a:masterClrMapping/>
   </p:clrMapOvr>
+  <mc:AlternateContent xmlns:mc="http://schemas.openxmlformats.org/markup-compatibility/2006">
+    <mc:Choice xmlns:p14="http://schemas.microsoft.com/office/powerpoint/2010/main" Requires="p14">
+      <p:transition spd="med" p14:dur="700">
+        <p:fade/>
+      </p:transition>
+    </mc:Choice>
+    <mc:Fallback>
+      <p:transition spd="med">
+        <p:fade/>
+      </p:transition>
+    </mc:Fallback>
+  </mc:AlternateContent>
 </p:sldLayout>
 </file>
 
@@ -4093,6 +4249,18 @@
     <p:sldLayoutId id="2147483658" r:id="rId12"/>
     <p:sldLayoutId id="2147483659" r:id="rId13"/>
   </p:sldLayoutIdLst>
+  <mc:AlternateContent xmlns:mc="http://schemas.openxmlformats.org/markup-compatibility/2006">
+    <mc:Choice xmlns:p14="http://schemas.microsoft.com/office/powerpoint/2010/main" Requires="p14">
+      <p:transition spd="med" p14:dur="700">
+        <p:fade/>
+      </p:transition>
+    </mc:Choice>
+    <mc:Fallback>
+      <p:transition spd="med">
+        <p:fade/>
+      </p:transition>
+    </mc:Fallback>
+  </mc:AlternateContent>
   <p:hf hdr="0" ftr="0" dt="0"/>
   <p:txStyles>
     <p:titleStyle>
@@ -5317,18 +5485,25 @@
   <p:clrMapOvr>
     <a:masterClrMapping/>
   </p:clrMapOvr>
-  <mc:AlternateContent xmlns:mc="http://schemas.openxmlformats.org/markup-compatibility/2006" xmlns:p14="http://schemas.microsoft.com/office/powerpoint/2010/main">
-    <mc:Choice Requires="p14">
-      <p:transition spd="slow" p14:dur="4000">
-        <p14:vortex dir="r"/>
+  <mc:AlternateContent xmlns:mc="http://schemas.openxmlformats.org/markup-compatibility/2006">
+    <mc:Choice xmlns:p14="http://schemas.microsoft.com/office/powerpoint/2010/main" Requires="p14">
+      <p:transition spd="med" p14:dur="700">
+        <p:fade/>
       </p:transition>
     </mc:Choice>
-    <mc:Fallback xmlns="">
-      <p:transition spd="slow">
+    <mc:Fallback>
+      <p:transition spd="med">
         <p:fade/>
       </p:transition>
     </mc:Fallback>
   </mc:AlternateContent>
+  <p:timing>
+    <p:tnLst>
+      <p:par>
+        <p:cTn id="1" dur="indefinite" restart="never" nodeType="tmRoot"/>
+      </p:par>
+    </p:tnLst>
+  </p:timing>
 </p:sld>
 </file>
 
@@ -7679,9 +7854,25 @@
   <p:clrMapOvr>
     <a:masterClrMapping/>
   </p:clrMapOvr>
-  <p:transition spd="slow">
-    <p:fade/>
-  </p:transition>
+  <mc:AlternateContent xmlns:mc="http://schemas.openxmlformats.org/markup-compatibility/2006">
+    <mc:Choice xmlns:p14="http://schemas.microsoft.com/office/powerpoint/2010/main" Requires="p14">
+      <p:transition spd="med" p14:dur="700">
+        <p:fade/>
+      </p:transition>
+    </mc:Choice>
+    <mc:Fallback>
+      <p:transition spd="med">
+        <p:fade/>
+      </p:transition>
+    </mc:Fallback>
+  </mc:AlternateContent>
+  <p:timing>
+    <p:tnLst>
+      <p:par>
+        <p:cTn id="1" dur="indefinite" restart="never" nodeType="tmRoot"/>
+      </p:par>
+    </p:tnLst>
+  </p:timing>
 </p:sld>
 </file>
 
@@ -10228,9 +10419,25 @@
   <p:clrMapOvr>
     <a:masterClrMapping/>
   </p:clrMapOvr>
-  <p:transition spd="slow">
-    <p:fade/>
-  </p:transition>
+  <mc:AlternateContent xmlns:mc="http://schemas.openxmlformats.org/markup-compatibility/2006">
+    <mc:Choice xmlns:p14="http://schemas.microsoft.com/office/powerpoint/2010/main" Requires="p14">
+      <p:transition spd="med" p14:dur="700">
+        <p:fade/>
+      </p:transition>
+    </mc:Choice>
+    <mc:Fallback>
+      <p:transition spd="med">
+        <p:fade/>
+      </p:transition>
+    </mc:Fallback>
+  </mc:AlternateContent>
+  <p:timing>
+    <p:tnLst>
+      <p:par>
+        <p:cTn id="1" dur="indefinite" restart="never" nodeType="tmRoot"/>
+      </p:par>
+    </p:tnLst>
+  </p:timing>
 </p:sld>
 </file>
 
@@ -12230,9 +12437,25 @@
   <p:clrMapOvr>
     <a:masterClrMapping/>
   </p:clrMapOvr>
-  <p:transition spd="slow">
-    <p:fade/>
-  </p:transition>
+  <mc:AlternateContent xmlns:mc="http://schemas.openxmlformats.org/markup-compatibility/2006">
+    <mc:Choice xmlns:p14="http://schemas.microsoft.com/office/powerpoint/2010/main" Requires="p14">
+      <p:transition spd="med" p14:dur="700">
+        <p:fade/>
+      </p:transition>
+    </mc:Choice>
+    <mc:Fallback>
+      <p:transition spd="med">
+        <p:fade/>
+      </p:transition>
+    </mc:Fallback>
+  </mc:AlternateContent>
+  <p:timing>
+    <p:tnLst>
+      <p:par>
+        <p:cTn id="1" dur="indefinite" restart="never" nodeType="tmRoot"/>
+      </p:par>
+    </p:tnLst>
+  </p:timing>
 </p:sld>
 </file>
 
@@ -13196,9 +13419,18 @@
   <p:clrMapOvr>
     <a:masterClrMapping/>
   </p:clrMapOvr>
-  <p:transition spd="slow">
-    <p:fade/>
-  </p:transition>
+  <mc:AlternateContent xmlns:mc="http://schemas.openxmlformats.org/markup-compatibility/2006">
+    <mc:Choice xmlns:p14="http://schemas.microsoft.com/office/powerpoint/2010/main" Requires="p14">
+      <p:transition spd="med" p14:dur="700">
+        <p:fade/>
+      </p:transition>
+    </mc:Choice>
+    <mc:Fallback>
+      <p:transition spd="med">
+        <p:fade/>
+      </p:transition>
+    </mc:Fallback>
+  </mc:AlternateContent>
   <p:timing>
     <p:tnLst>
       <p:par>
@@ -13963,9 +14195,18 @@
   <p:clrMapOvr>
     <a:masterClrMapping/>
   </p:clrMapOvr>
-  <p:transition spd="slow">
-    <p:fade/>
-  </p:transition>
+  <mc:AlternateContent xmlns:mc="http://schemas.openxmlformats.org/markup-compatibility/2006">
+    <mc:Choice xmlns:p14="http://schemas.microsoft.com/office/powerpoint/2010/main" Requires="p14">
+      <p:transition spd="med" p14:dur="700">
+        <p:fade/>
+      </p:transition>
+    </mc:Choice>
+    <mc:Fallback>
+      <p:transition spd="med">
+        <p:fade/>
+      </p:transition>
+    </mc:Fallback>
+  </mc:AlternateContent>
   <p:timing>
     <p:tnLst>
       <p:par>
@@ -16719,9 +16960,18 @@
   <p:clrMapOvr>
     <a:masterClrMapping/>
   </p:clrMapOvr>
-  <p:transition spd="slow">
-    <p:fade/>
-  </p:transition>
+  <mc:AlternateContent xmlns:mc="http://schemas.openxmlformats.org/markup-compatibility/2006">
+    <mc:Choice xmlns:p14="http://schemas.microsoft.com/office/powerpoint/2010/main" Requires="p14">
+      <p:transition spd="med" p14:dur="700">
+        <p:fade/>
+      </p:transition>
+    </mc:Choice>
+    <mc:Fallback>
+      <p:transition spd="med">
+        <p:fade/>
+      </p:transition>
+    </mc:Fallback>
+  </mc:AlternateContent>
   <p:timing>
     <p:tnLst>
       <p:par>
@@ -17860,9 +18110,18 @@
   <p:clrMapOvr>
     <a:masterClrMapping/>
   </p:clrMapOvr>
-  <p:transition spd="slow">
-    <p:fade/>
-  </p:transition>
+  <mc:AlternateContent xmlns:mc="http://schemas.openxmlformats.org/markup-compatibility/2006">
+    <mc:Choice xmlns:p14="http://schemas.microsoft.com/office/powerpoint/2010/main" Requires="p14">
+      <p:transition spd="med" p14:dur="700">
+        <p:fade/>
+      </p:transition>
+    </mc:Choice>
+    <mc:Fallback>
+      <p:transition spd="med">
+        <p:fade/>
+      </p:transition>
+    </mc:Fallback>
+  </mc:AlternateContent>
   <p:timing>
     <p:tnLst>
       <p:par>
@@ -18209,14 +18468,14 @@
   <p:clrMapOvr>
     <a:masterClrMapping/>
   </p:clrMapOvr>
-  <mc:AlternateContent xmlns:mc="http://schemas.openxmlformats.org/markup-compatibility/2006" xmlns:p14="http://schemas.microsoft.com/office/powerpoint/2010/main">
-    <mc:Choice Requires="p14">
-      <p:transition spd="slow" p14:dur="1600">
-        <p14:prism dir="d" isInverted="1"/>
+  <mc:AlternateContent xmlns:mc="http://schemas.openxmlformats.org/markup-compatibility/2006">
+    <mc:Choice xmlns:p14="http://schemas.microsoft.com/office/powerpoint/2010/main" Requires="p14">
+      <p:transition spd="med" p14:dur="700">
+        <p:fade/>
       </p:transition>
     </mc:Choice>
-    <mc:Fallback xmlns="">
-      <p:transition spd="slow">
+    <mc:Fallback>
+      <p:transition spd="med">
         <p:fade/>
       </p:transition>
     </mc:Fallback>
@@ -19731,9 +19990,25 @@
   <p:clrMapOvr>
     <a:masterClrMapping/>
   </p:clrMapOvr>
-  <p:transition spd="slow">
-    <p:fade/>
-  </p:transition>
+  <mc:AlternateContent xmlns:mc="http://schemas.openxmlformats.org/markup-compatibility/2006">
+    <mc:Choice xmlns:p14="http://schemas.microsoft.com/office/powerpoint/2010/main" Requires="p14">
+      <p:transition spd="med" p14:dur="700">
+        <p:fade/>
+      </p:transition>
+    </mc:Choice>
+    <mc:Fallback>
+      <p:transition spd="med">
+        <p:fade/>
+      </p:transition>
+    </mc:Fallback>
+  </mc:AlternateContent>
+  <p:timing>
+    <p:tnLst>
+      <p:par>
+        <p:cTn id="1" dur="indefinite" restart="never" nodeType="tmRoot"/>
+      </p:par>
+    </p:tnLst>
+  </p:timing>
 </p:sld>
 </file>
 
@@ -21103,9 +21378,18 @@
   <p:clrMapOvr>
     <a:masterClrMapping/>
   </p:clrMapOvr>
-  <p:transition spd="slow">
-    <p:fade/>
-  </p:transition>
+  <mc:AlternateContent xmlns:mc="http://schemas.openxmlformats.org/markup-compatibility/2006">
+    <mc:Choice xmlns:p14="http://schemas.microsoft.com/office/powerpoint/2010/main" Requires="p14">
+      <p:transition spd="med" p14:dur="700">
+        <p:fade/>
+      </p:transition>
+    </mc:Choice>
+    <mc:Fallback>
+      <p:transition spd="med">
+        <p:fade/>
+      </p:transition>
+    </mc:Fallback>
+  </mc:AlternateContent>
   <p:timing>
     <p:tnLst>
       <p:par>
@@ -22825,9 +23109,18 @@
   <p:clrMapOvr>
     <a:masterClrMapping/>
   </p:clrMapOvr>
-  <p:transition spd="slow">
-    <p:fade/>
-  </p:transition>
+  <mc:AlternateContent xmlns:mc="http://schemas.openxmlformats.org/markup-compatibility/2006">
+    <mc:Choice xmlns:p14="http://schemas.microsoft.com/office/powerpoint/2010/main" Requires="p14">
+      <p:transition spd="med" p14:dur="700">
+        <p:fade/>
+      </p:transition>
+    </mc:Choice>
+    <mc:Fallback>
+      <p:transition spd="med">
+        <p:fade/>
+      </p:transition>
+    </mc:Fallback>
+  </mc:AlternateContent>
   <p:timing>
     <p:tnLst>
       <p:par>
@@ -23555,9 +23848,18 @@
   <p:clrMapOvr>
     <a:masterClrMapping/>
   </p:clrMapOvr>
-  <p:transition spd="slow">
-    <p:fade/>
-  </p:transition>
+  <mc:AlternateContent xmlns:mc="http://schemas.openxmlformats.org/markup-compatibility/2006">
+    <mc:Choice xmlns:p14="http://schemas.microsoft.com/office/powerpoint/2010/main" Requires="p14">
+      <p:transition spd="med" p14:dur="700">
+        <p:fade/>
+      </p:transition>
+    </mc:Choice>
+    <mc:Fallback>
+      <p:transition spd="med">
+        <p:fade/>
+      </p:transition>
+    </mc:Fallback>
+  </mc:AlternateContent>
   <p:timing>
     <p:tnLst>
       <p:par>
@@ -25319,476 +25621,24 @@
   <p:clrMapOvr>
     <a:masterClrMapping/>
   </p:clrMapOvr>
-  <p:transition spd="slow">
-    <p:fade/>
-  </p:transition>
+  <mc:AlternateContent xmlns:mc="http://schemas.openxmlformats.org/markup-compatibility/2006">
+    <mc:Choice xmlns:p14="http://schemas.microsoft.com/office/powerpoint/2010/main" Requires="p14">
+      <p:transition spd="med" p14:dur="700">
+        <p:fade/>
+      </p:transition>
+    </mc:Choice>
+    <mc:Fallback>
+      <p:transition spd="med">
+        <p:fade/>
+      </p:transition>
+    </mc:Fallback>
+  </mc:AlternateContent>
   <p:timing>
     <p:tnLst>
       <p:par>
-        <p:cTn id="1" dur="indefinite" restart="never" nodeType="tmRoot">
-          <p:childTnLst>
-            <p:seq concurrent="1" nextAc="seek">
-              <p:cTn id="2" dur="indefinite" nodeType="mainSeq">
-                <p:childTnLst>
-                  <p:par>
-                    <p:cTn id="3" fill="hold">
-                      <p:stCondLst>
-                        <p:cond delay="indefinite"/>
-                        <p:cond evt="onBegin" delay="0">
-                          <p:tn val="2"/>
-                        </p:cond>
-                      </p:stCondLst>
-                      <p:childTnLst>
-                        <p:par>
-                          <p:cTn id="4" fill="hold">
-                            <p:stCondLst>
-                              <p:cond delay="0"/>
-                            </p:stCondLst>
-                            <p:childTnLst>
-                              <p:par>
-                                <p:cTn id="5" presetID="21" presetClass="entr" presetSubtype="1" fill="hold" nodeType="afterEffect">
-                                  <p:stCondLst>
-                                    <p:cond delay="0"/>
-                                  </p:stCondLst>
-                                  <p:childTnLst>
-                                    <p:set>
-                                      <p:cBhvr>
-                                        <p:cTn id="6" dur="1" fill="hold">
-                                          <p:stCondLst>
-                                            <p:cond delay="0"/>
-                                          </p:stCondLst>
-                                        </p:cTn>
-                                        <p:tgtEl>
-                                          <p:spTgt spid="14"/>
-                                        </p:tgtEl>
-                                        <p:attrNameLst>
-                                          <p:attrName>style.visibility</p:attrName>
-                                        </p:attrNameLst>
-                                      </p:cBhvr>
-                                      <p:to>
-                                        <p:strVal val="visible"/>
-                                      </p:to>
-                                    </p:set>
-                                    <p:animEffect transition="in" filter="wheel(1)">
-                                      <p:cBhvr>
-                                        <p:cTn id="7" dur="1400"/>
-                                        <p:tgtEl>
-                                          <p:spTgt spid="14"/>
-                                        </p:tgtEl>
-                                      </p:cBhvr>
-                                    </p:animEffect>
-                                  </p:childTnLst>
-                                </p:cTn>
-                              </p:par>
-                              <p:par>
-                                <p:cTn id="8" presetID="16" presetClass="entr" presetSubtype="37" fill="hold" grpId="0" nodeType="withEffect">
-                                  <p:stCondLst>
-                                    <p:cond delay="0"/>
-                                  </p:stCondLst>
-                                  <p:childTnLst>
-                                    <p:set>
-                                      <p:cBhvr>
-                                        <p:cTn id="9" dur="1" fill="hold">
-                                          <p:stCondLst>
-                                            <p:cond delay="0"/>
-                                          </p:stCondLst>
-                                        </p:cTn>
-                                        <p:tgtEl>
-                                          <p:spTgt spid="19"/>
-                                        </p:tgtEl>
-                                        <p:attrNameLst>
-                                          <p:attrName>style.visibility</p:attrName>
-                                        </p:attrNameLst>
-                                      </p:cBhvr>
-                                      <p:to>
-                                        <p:strVal val="visible"/>
-                                      </p:to>
-                                    </p:set>
-                                    <p:animEffect transition="in" filter="barn(outVertical)">
-                                      <p:cBhvr>
-                                        <p:cTn id="10" dur="500"/>
-                                        <p:tgtEl>
-                                          <p:spTgt spid="19"/>
-                                        </p:tgtEl>
-                                      </p:cBhvr>
-                                    </p:animEffect>
-                                  </p:childTnLst>
-                                </p:cTn>
-                              </p:par>
-                            </p:childTnLst>
-                          </p:cTn>
-                        </p:par>
-                        <p:par>
-                          <p:cTn id="11" fill="hold">
-                            <p:stCondLst>
-                              <p:cond delay="1400"/>
-                            </p:stCondLst>
-                            <p:childTnLst>
-                              <p:par>
-                                <p:cTn id="12" presetID="2" presetClass="entr" presetSubtype="2" decel="28000" fill="hold" nodeType="afterEffect">
-                                  <p:stCondLst>
-                                    <p:cond delay="0"/>
-                                  </p:stCondLst>
-                                  <p:childTnLst>
-                                    <p:set>
-                                      <p:cBhvr>
-                                        <p:cTn id="13" dur="1" fill="hold">
-                                          <p:stCondLst>
-                                            <p:cond delay="0"/>
-                                          </p:stCondLst>
-                                        </p:cTn>
-                                        <p:tgtEl>
-                                          <p:spTgt spid="17"/>
-                                        </p:tgtEl>
-                                        <p:attrNameLst>
-                                          <p:attrName>style.visibility</p:attrName>
-                                        </p:attrNameLst>
-                                      </p:cBhvr>
-                                      <p:to>
-                                        <p:strVal val="visible"/>
-                                      </p:to>
-                                    </p:set>
-                                    <p:anim calcmode="lin" valueType="num">
-                                      <p:cBhvr additive="base">
-                                        <p:cTn id="14" dur="500" fill="hold"/>
-                                        <p:tgtEl>
-                                          <p:spTgt spid="17"/>
-                                        </p:tgtEl>
-                                        <p:attrNameLst>
-                                          <p:attrName>ppt_x</p:attrName>
-                                        </p:attrNameLst>
-                                      </p:cBhvr>
-                                      <p:tavLst>
-                                        <p:tav tm="0">
-                                          <p:val>
-                                            <p:strVal val="1+#ppt_w/2"/>
-                                          </p:val>
-                                        </p:tav>
-                                        <p:tav tm="100000">
-                                          <p:val>
-                                            <p:strVal val="#ppt_x"/>
-                                          </p:val>
-                                        </p:tav>
-                                      </p:tavLst>
-                                    </p:anim>
-                                    <p:anim calcmode="lin" valueType="num">
-                                      <p:cBhvr additive="base">
-                                        <p:cTn id="15" dur="500" fill="hold"/>
-                                        <p:tgtEl>
-                                          <p:spTgt spid="17"/>
-                                        </p:tgtEl>
-                                        <p:attrNameLst>
-                                          <p:attrName>ppt_y</p:attrName>
-                                        </p:attrNameLst>
-                                      </p:cBhvr>
-                                      <p:tavLst>
-                                        <p:tav tm="0">
-                                          <p:val>
-                                            <p:strVal val="#ppt_y"/>
-                                          </p:val>
-                                        </p:tav>
-                                        <p:tav tm="100000">
-                                          <p:val>
-                                            <p:strVal val="#ppt_y"/>
-                                          </p:val>
-                                        </p:tav>
-                                      </p:tavLst>
-                                    </p:anim>
-                                  </p:childTnLst>
-                                </p:cTn>
-                              </p:par>
-                              <p:par>
-                                <p:cTn id="16" presetID="16" presetClass="entr" presetSubtype="37" fill="hold" grpId="0" nodeType="withEffect">
-                                  <p:stCondLst>
-                                    <p:cond delay="0"/>
-                                  </p:stCondLst>
-                                  <p:childTnLst>
-                                    <p:set>
-                                      <p:cBhvr>
-                                        <p:cTn id="17" dur="1" fill="hold">
-                                          <p:stCondLst>
-                                            <p:cond delay="0"/>
-                                          </p:stCondLst>
-                                        </p:cTn>
-                                        <p:tgtEl>
-                                          <p:spTgt spid="21"/>
-                                        </p:tgtEl>
-                                        <p:attrNameLst>
-                                          <p:attrName>style.visibility</p:attrName>
-                                        </p:attrNameLst>
-                                      </p:cBhvr>
-                                      <p:to>
-                                        <p:strVal val="visible"/>
-                                      </p:to>
-                                    </p:set>
-                                    <p:animEffect transition="in" filter="barn(outVertical)">
-                                      <p:cBhvr>
-                                        <p:cTn id="18" dur="500"/>
-                                        <p:tgtEl>
-                                          <p:spTgt spid="21"/>
-                                        </p:tgtEl>
-                                      </p:cBhvr>
-                                    </p:animEffect>
-                                  </p:childTnLst>
-                                </p:cTn>
-                              </p:par>
-                              <p:par>
-                                <p:cTn id="19" presetID="16" presetClass="entr" presetSubtype="37" fill="hold" grpId="0" nodeType="withEffect">
-                                  <p:stCondLst>
-                                    <p:cond delay="0"/>
-                                  </p:stCondLst>
-                                  <p:childTnLst>
-                                    <p:set>
-                                      <p:cBhvr>
-                                        <p:cTn id="20" dur="1" fill="hold">
-                                          <p:stCondLst>
-                                            <p:cond delay="0"/>
-                                          </p:stCondLst>
-                                        </p:cTn>
-                                        <p:tgtEl>
-                                          <p:spTgt spid="23"/>
-                                        </p:tgtEl>
-                                        <p:attrNameLst>
-                                          <p:attrName>style.visibility</p:attrName>
-                                        </p:attrNameLst>
-                                      </p:cBhvr>
-                                      <p:to>
-                                        <p:strVal val="visible"/>
-                                      </p:to>
-                                    </p:set>
-                                    <p:animEffect transition="in" filter="barn(outVertical)">
-                                      <p:cBhvr>
-                                        <p:cTn id="21" dur="500"/>
-                                        <p:tgtEl>
-                                          <p:spTgt spid="23"/>
-                                        </p:tgtEl>
-                                      </p:cBhvr>
-                                    </p:animEffect>
-                                  </p:childTnLst>
-                                </p:cTn>
-                              </p:par>
-                              <p:par>
-                                <p:cTn id="22" presetID="16" presetClass="entr" presetSubtype="37" fill="hold" grpId="0" nodeType="withEffect">
-                                  <p:stCondLst>
-                                    <p:cond delay="0"/>
-                                  </p:stCondLst>
-                                  <p:childTnLst>
-                                    <p:set>
-                                      <p:cBhvr>
-                                        <p:cTn id="23" dur="1" fill="hold">
-                                          <p:stCondLst>
-                                            <p:cond delay="0"/>
-                                          </p:stCondLst>
-                                        </p:cTn>
-                                        <p:tgtEl>
-                                          <p:spTgt spid="25"/>
-                                        </p:tgtEl>
-                                        <p:attrNameLst>
-                                          <p:attrName>style.visibility</p:attrName>
-                                        </p:attrNameLst>
-                                      </p:cBhvr>
-                                      <p:to>
-                                        <p:strVal val="visible"/>
-                                      </p:to>
-                                    </p:set>
-                                    <p:animEffect transition="in" filter="barn(outVertical)">
-                                      <p:cBhvr>
-                                        <p:cTn id="24" dur="500"/>
-                                        <p:tgtEl>
-                                          <p:spTgt spid="25"/>
-                                        </p:tgtEl>
-                                      </p:cBhvr>
-                                    </p:animEffect>
-                                  </p:childTnLst>
-                                </p:cTn>
-                              </p:par>
-                            </p:childTnLst>
-                          </p:cTn>
-                        </p:par>
-                        <p:par>
-                          <p:cTn id="25" fill="hold">
-                            <p:stCondLst>
-                              <p:cond delay="1900"/>
-                            </p:stCondLst>
-                            <p:childTnLst>
-                              <p:par>
-                                <p:cTn id="26" presetID="2" presetClass="entr" presetSubtype="8" decel="28000" fill="hold" nodeType="afterEffect">
-                                  <p:stCondLst>
-                                    <p:cond delay="0"/>
-                                  </p:stCondLst>
-                                  <p:childTnLst>
-                                    <p:set>
-                                      <p:cBhvr>
-                                        <p:cTn id="27" dur="1" fill="hold">
-                                          <p:stCondLst>
-                                            <p:cond delay="0"/>
-                                          </p:stCondLst>
-                                        </p:cTn>
-                                        <p:tgtEl>
-                                          <p:spTgt spid="31"/>
-                                        </p:tgtEl>
-                                        <p:attrNameLst>
-                                          <p:attrName>style.visibility</p:attrName>
-                                        </p:attrNameLst>
-                                      </p:cBhvr>
-                                      <p:to>
-                                        <p:strVal val="visible"/>
-                                      </p:to>
-                                    </p:set>
-                                    <p:anim calcmode="lin" valueType="num">
-                                      <p:cBhvr additive="base">
-                                        <p:cTn id="28" dur="500" fill="hold"/>
-                                        <p:tgtEl>
-                                          <p:spTgt spid="31"/>
-                                        </p:tgtEl>
-                                        <p:attrNameLst>
-                                          <p:attrName>ppt_x</p:attrName>
-                                        </p:attrNameLst>
-                                      </p:cBhvr>
-                                      <p:tavLst>
-                                        <p:tav tm="0">
-                                          <p:val>
-                                            <p:strVal val="0-#ppt_w/2"/>
-                                          </p:val>
-                                        </p:tav>
-                                        <p:tav tm="100000">
-                                          <p:val>
-                                            <p:strVal val="#ppt_x"/>
-                                          </p:val>
-                                        </p:tav>
-                                      </p:tavLst>
-                                    </p:anim>
-                                    <p:anim calcmode="lin" valueType="num">
-                                      <p:cBhvr additive="base">
-                                        <p:cTn id="29" dur="500" fill="hold"/>
-                                        <p:tgtEl>
-                                          <p:spTgt spid="31"/>
-                                        </p:tgtEl>
-                                        <p:attrNameLst>
-                                          <p:attrName>ppt_y</p:attrName>
-                                        </p:attrNameLst>
-                                      </p:cBhvr>
-                                      <p:tavLst>
-                                        <p:tav tm="0">
-                                          <p:val>
-                                            <p:strVal val="#ppt_y"/>
-                                          </p:val>
-                                        </p:tav>
-                                        <p:tav tm="100000">
-                                          <p:val>
-                                            <p:strVal val="#ppt_y"/>
-                                          </p:val>
-                                        </p:tav>
-                                      </p:tavLst>
-                                    </p:anim>
-                                  </p:childTnLst>
-                                </p:cTn>
-                              </p:par>
-                              <p:par>
-                                <p:cTn id="30" presetID="16" presetClass="entr" presetSubtype="37" fill="hold" grpId="0" nodeType="withEffect">
-                                  <p:stCondLst>
-                                    <p:cond delay="0"/>
-                                  </p:stCondLst>
-                                  <p:childTnLst>
-                                    <p:set>
-                                      <p:cBhvr>
-                                        <p:cTn id="31" dur="1" fill="hold">
-                                          <p:stCondLst>
-                                            <p:cond delay="0"/>
-                                          </p:stCondLst>
-                                        </p:cTn>
-                                        <p:tgtEl>
-                                          <p:spTgt spid="10"/>
-                                        </p:tgtEl>
-                                        <p:attrNameLst>
-                                          <p:attrName>style.visibility</p:attrName>
-                                        </p:attrNameLst>
-                                      </p:cBhvr>
-                                      <p:to>
-                                        <p:strVal val="visible"/>
-                                      </p:to>
-                                    </p:set>
-                                    <p:animEffect transition="in" filter="barn(outVertical)">
-                                      <p:cBhvr>
-                                        <p:cTn id="32" dur="500"/>
-                                        <p:tgtEl>
-                                          <p:spTgt spid="10"/>
-                                        </p:tgtEl>
-                                      </p:cBhvr>
-                                    </p:animEffect>
-                                  </p:childTnLst>
-                                </p:cTn>
-                              </p:par>
-                              <p:par>
-                                <p:cTn id="33" presetID="16" presetClass="entr" presetSubtype="37" fill="hold" grpId="0" nodeType="withEffect">
-                                  <p:stCondLst>
-                                    <p:cond delay="0"/>
-                                  </p:stCondLst>
-                                  <p:childTnLst>
-                                    <p:set>
-                                      <p:cBhvr>
-                                        <p:cTn id="34" dur="1" fill="hold">
-                                          <p:stCondLst>
-                                            <p:cond delay="0"/>
-                                          </p:stCondLst>
-                                        </p:cTn>
-                                        <p:tgtEl>
-                                          <p:spTgt spid="59"/>
-                                        </p:tgtEl>
-                                        <p:attrNameLst>
-                                          <p:attrName>style.visibility</p:attrName>
-                                        </p:attrNameLst>
-                                      </p:cBhvr>
-                                      <p:to>
-                                        <p:strVal val="visible"/>
-                                      </p:to>
-                                    </p:set>
-                                    <p:animEffect transition="in" filter="barn(outVertical)">
-                                      <p:cBhvr>
-                                        <p:cTn id="35" dur="500"/>
-                                        <p:tgtEl>
-                                          <p:spTgt spid="59"/>
-                                        </p:tgtEl>
-                                      </p:cBhvr>
-                                    </p:animEffect>
-                                  </p:childTnLst>
-                                </p:cTn>
-                              </p:par>
-                            </p:childTnLst>
-                          </p:cTn>
-                        </p:par>
-                      </p:childTnLst>
-                    </p:cTn>
-                  </p:par>
-                </p:childTnLst>
-              </p:cTn>
-              <p:prevCondLst>
-                <p:cond evt="onPrev" delay="0">
-                  <p:tgtEl>
-                    <p:sldTgt/>
-                  </p:tgtEl>
-                </p:cond>
-              </p:prevCondLst>
-              <p:nextCondLst>
-                <p:cond evt="onNext" delay="0">
-                  <p:tgtEl>
-                    <p:sldTgt/>
-                  </p:tgtEl>
-                </p:cond>
-              </p:nextCondLst>
-            </p:seq>
-          </p:childTnLst>
-        </p:cTn>
+        <p:cTn id="1" dur="indefinite" restart="never" nodeType="tmRoot"/>
       </p:par>
     </p:tnLst>
-    <p:bldLst>
-      <p:bldP spid="25" grpId="0" animBg="1"/>
-      <p:bldP spid="10" grpId="0" animBg="1"/>
-      <p:bldP spid="19" grpId="0" animBg="1"/>
-      <p:bldP spid="21" grpId="0" animBg="1"/>
-      <p:bldP spid="23" grpId="0" animBg="1"/>
-      <p:bldP spid="59" grpId="0" animBg="1"/>
-    </p:bldLst>
   </p:timing>
 </p:sld>
 </file>
@@ -26272,9 +26122,25 @@
   <p:clrMapOvr>
     <a:masterClrMapping/>
   </p:clrMapOvr>
-  <p:transition spd="slow">
-    <p:fade/>
-  </p:transition>
+  <mc:AlternateContent xmlns:mc="http://schemas.openxmlformats.org/markup-compatibility/2006">
+    <mc:Choice xmlns:p14="http://schemas.microsoft.com/office/powerpoint/2010/main" Requires="p14">
+      <p:transition spd="med" p14:dur="700">
+        <p:fade/>
+      </p:transition>
+    </mc:Choice>
+    <mc:Fallback>
+      <p:transition spd="med">
+        <p:fade/>
+      </p:transition>
+    </mc:Fallback>
+  </mc:AlternateContent>
+  <p:timing>
+    <p:tnLst>
+      <p:par>
+        <p:cTn id="1" dur="indefinite" restart="never" nodeType="tmRoot"/>
+      </p:par>
+    </p:tnLst>
+  </p:timing>
 </p:sld>
 </file>
 
@@ -28127,9 +27993,25 @@
   <p:clrMapOvr>
     <a:masterClrMapping/>
   </p:clrMapOvr>
-  <p:transition spd="slow">
-    <p:fade/>
-  </p:transition>
+  <mc:AlternateContent xmlns:mc="http://schemas.openxmlformats.org/markup-compatibility/2006">
+    <mc:Choice xmlns:p14="http://schemas.microsoft.com/office/powerpoint/2010/main" Requires="p14">
+      <p:transition spd="med" p14:dur="700">
+        <p:fade/>
+      </p:transition>
+    </mc:Choice>
+    <mc:Fallback>
+      <p:transition spd="med">
+        <p:fade/>
+      </p:transition>
+    </mc:Fallback>
+  </mc:AlternateContent>
+  <p:timing>
+    <p:tnLst>
+      <p:par>
+        <p:cTn id="1" dur="indefinite" restart="never" nodeType="tmRoot"/>
+      </p:par>
+    </p:tnLst>
+  </p:timing>
 </p:sld>
 </file>
 
@@ -30874,9 +30756,25 @@
   <p:clrMapOvr>
     <a:masterClrMapping/>
   </p:clrMapOvr>
-  <p:transition spd="slow">
-    <p:fade/>
-  </p:transition>
+  <mc:AlternateContent xmlns:mc="http://schemas.openxmlformats.org/markup-compatibility/2006">
+    <mc:Choice xmlns:p14="http://schemas.microsoft.com/office/powerpoint/2010/main" Requires="p14">
+      <p:transition spd="med" p14:dur="700">
+        <p:fade/>
+      </p:transition>
+    </mc:Choice>
+    <mc:Fallback>
+      <p:transition spd="med">
+        <p:fade/>
+      </p:transition>
+    </mc:Fallback>
+  </mc:AlternateContent>
+  <p:timing>
+    <p:tnLst>
+      <p:par>
+        <p:cTn id="1" dur="indefinite" restart="never" nodeType="tmRoot"/>
+      </p:par>
+    </p:tnLst>
+  </p:timing>
 </p:sld>
 </file>
 

--- a/Иванова.pptx
+++ b/Иванова.pptx
@@ -125,7 +125,7 @@
   </p:defaultTextStyle>
   <p:extLst>
     <p:ext uri="{EFAFB233-063F-42B5-8137-9DF3F51BA10A}">
-      <p15:sldGuideLst xmlns:p15="http://schemas.microsoft.com/office/powerpoint/2012/main" xmlns="">
+      <p15:sldGuideLst xmlns="" xmlns:p15="http://schemas.microsoft.com/office/powerpoint/2012/main">
         <p15:guide id="1" orient="horz" pos="2160" userDrawn="1">
           <p15:clr>
             <a:srgbClr val="A4A3A4"/>
@@ -179,7 +179,7 @@
       </p15:sldGuideLst>
     </p:ext>
     <p:ext uri="{2D200454-40CA-4A62-9FC3-DE9A4176ACB9}">
-      <p15:notesGuideLst xmlns:p15="http://schemas.microsoft.com/office/powerpoint/2012/main" xmlns=""/>
+      <p15:notesGuideLst xmlns="" xmlns:p15="http://schemas.microsoft.com/office/powerpoint/2012/main"/>
     </p:ext>
   </p:extLst>
 </p:presentation>
@@ -190,7 +190,7 @@
   <p:cmAuthor id="1" name="Евгения" initials="Е" lastIdx="1" clrIdx="0">
     <p:extLst>
       <p:ext uri="{19B8F6BF-5375-455C-9EA6-DF929625EA0E}">
-        <p15:presenceInfo xmlns:p15="http://schemas.microsoft.com/office/powerpoint/2012/main" xmlns="" userId="Евгения" providerId="None"/>
+        <p15:presenceInfo xmlns="" xmlns:p15="http://schemas.microsoft.com/office/powerpoint/2012/main" userId="Евгения" providerId="None"/>
       </p:ext>
     </p:extLst>
   </p:cmAuthor>
@@ -279,7 +279,7 @@
           <a:p>
             <a:fld id="{FDA3F8A2-3B62-42DF-9095-2AFA187D873C}" type="datetimeFigureOut">
               <a:rPr lang="ru-RU" smtClean="0"/>
-              <a:t>30.05.2024</a:t>
+              <a:t>31.05.2024</a:t>
             </a:fld>
             <a:endParaRPr lang="ru-RU"/>
           </a:p>
@@ -568,7 +568,7 @@
           <p:cNvPr id="2" name="Заголовок 1">
             <a:extLst>
               <a:ext uri="{FF2B5EF4-FFF2-40B4-BE49-F238E27FC236}">
-                <a16:creationId xmlns:a16="http://schemas.microsoft.com/office/drawing/2014/main" xmlns="" id="{C8080226-4DB0-4517-8F32-05A5680E1D60}"/>
+                <a16:creationId xmlns="" xmlns:a16="http://schemas.microsoft.com/office/drawing/2014/main" id="{C8080226-4DB0-4517-8F32-05A5680E1D60}"/>
               </a:ext>
             </a:extLst>
           </p:cNvPr>
@@ -605,7 +605,7 @@
           <p:cNvPr id="3" name="Подзаголовок 2">
             <a:extLst>
               <a:ext uri="{FF2B5EF4-FFF2-40B4-BE49-F238E27FC236}">
-                <a16:creationId xmlns:a16="http://schemas.microsoft.com/office/drawing/2014/main" xmlns="" id="{4E6669A5-69B9-463F-8CDA-CAD3838CF7DB}"/>
+                <a16:creationId xmlns="" xmlns:a16="http://schemas.microsoft.com/office/drawing/2014/main" id="{4E6669A5-69B9-463F-8CDA-CAD3838CF7DB}"/>
               </a:ext>
             </a:extLst>
           </p:cNvPr>
@@ -675,7 +675,7 @@
           <p:cNvPr id="4" name="Дата 3">
             <a:extLst>
               <a:ext uri="{FF2B5EF4-FFF2-40B4-BE49-F238E27FC236}">
-                <a16:creationId xmlns:a16="http://schemas.microsoft.com/office/drawing/2014/main" xmlns="" id="{4BA8D57B-DAD4-4CDE-96D4-B23A72D6FE94}"/>
+                <a16:creationId xmlns="" xmlns:a16="http://schemas.microsoft.com/office/drawing/2014/main" id="{4BA8D57B-DAD4-4CDE-96D4-B23A72D6FE94}"/>
               </a:ext>
             </a:extLst>
           </p:cNvPr>
@@ -693,7 +693,7 @@
           <a:p>
             <a:fld id="{188F4571-5246-4336-844C-3639210E862E}" type="datetime1">
               <a:rPr lang="ru-RU" smtClean="0"/>
-              <a:t>30.05.2024</a:t>
+              <a:t>31.05.2024</a:t>
             </a:fld>
             <a:endParaRPr lang="ru-RU"/>
           </a:p>
@@ -704,7 +704,7 @@
           <p:cNvPr id="5" name="Нижний колонтитул 4">
             <a:extLst>
               <a:ext uri="{FF2B5EF4-FFF2-40B4-BE49-F238E27FC236}">
-                <a16:creationId xmlns:a16="http://schemas.microsoft.com/office/drawing/2014/main" xmlns="" id="{A037300C-B7BE-4E45-B99C-1BAB80474207}"/>
+                <a16:creationId xmlns="" xmlns:a16="http://schemas.microsoft.com/office/drawing/2014/main" id="{A037300C-B7BE-4E45-B99C-1BAB80474207}"/>
               </a:ext>
             </a:extLst>
           </p:cNvPr>
@@ -729,7 +729,7 @@
           <p:cNvPr id="6" name="Номер слайда 5">
             <a:extLst>
               <a:ext uri="{FF2B5EF4-FFF2-40B4-BE49-F238E27FC236}">
-                <a16:creationId xmlns:a16="http://schemas.microsoft.com/office/drawing/2014/main" xmlns="" id="{4FA92332-AC56-4F2F-AE02-013B016660A2}"/>
+                <a16:creationId xmlns="" xmlns:a16="http://schemas.microsoft.com/office/drawing/2014/main" id="{4FA92332-AC56-4F2F-AE02-013B016660A2}"/>
               </a:ext>
             </a:extLst>
           </p:cNvPr>
@@ -763,13 +763,13 @@
   <p:clrMapOvr>
     <a:masterClrMapping/>
   </p:clrMapOvr>
-  <mc:AlternateContent xmlns:mc="http://schemas.openxmlformats.org/markup-compatibility/2006">
-    <mc:Choice xmlns:p14="http://schemas.microsoft.com/office/powerpoint/2010/main" Requires="p14">
+  <mc:AlternateContent xmlns:mc="http://schemas.openxmlformats.org/markup-compatibility/2006" xmlns:p14="http://schemas.microsoft.com/office/powerpoint/2010/main">
+    <mc:Choice Requires="p14">
       <p:transition spd="med" p14:dur="700">
         <p:fade/>
       </p:transition>
     </mc:Choice>
-    <mc:Fallback>
+    <mc:Fallback xmlns="">
       <p:transition spd="med">
         <p:fade/>
       </p:transition>
@@ -800,7 +800,7 @@
           <p:cNvPr id="2" name="Заголовок 1">
             <a:extLst>
               <a:ext uri="{FF2B5EF4-FFF2-40B4-BE49-F238E27FC236}">
-                <a16:creationId xmlns:a16="http://schemas.microsoft.com/office/drawing/2014/main" xmlns="" id="{35DB2AC3-50F8-4877-9761-4690C6FA86CD}"/>
+                <a16:creationId xmlns="" xmlns:a16="http://schemas.microsoft.com/office/drawing/2014/main" id="{35DB2AC3-50F8-4877-9761-4690C6FA86CD}"/>
               </a:ext>
             </a:extLst>
           </p:cNvPr>
@@ -837,7 +837,7 @@
           <p:cNvPr id="3" name="Объект 2">
             <a:extLst>
               <a:ext uri="{FF2B5EF4-FFF2-40B4-BE49-F238E27FC236}">
-                <a16:creationId xmlns:a16="http://schemas.microsoft.com/office/drawing/2014/main" xmlns="" id="{4642AD1C-2B48-4EE0-81D2-680BAEB957EA}"/>
+                <a16:creationId xmlns="" xmlns:a16="http://schemas.microsoft.com/office/drawing/2014/main" id="{4642AD1C-2B48-4EE0-81D2-680BAEB957EA}"/>
               </a:ext>
             </a:extLst>
           </p:cNvPr>
@@ -927,7 +927,7 @@
           <p:cNvPr id="4" name="Текст 3">
             <a:extLst>
               <a:ext uri="{FF2B5EF4-FFF2-40B4-BE49-F238E27FC236}">
-                <a16:creationId xmlns:a16="http://schemas.microsoft.com/office/drawing/2014/main" xmlns="" id="{512D5BBB-55A6-4530-A97C-8E2EA0D2E830}"/>
+                <a16:creationId xmlns="" xmlns:a16="http://schemas.microsoft.com/office/drawing/2014/main" id="{512D5BBB-55A6-4530-A97C-8E2EA0D2E830}"/>
               </a:ext>
             </a:extLst>
           </p:cNvPr>
@@ -998,7 +998,7 @@
           <p:cNvPr id="5" name="Дата 4">
             <a:extLst>
               <a:ext uri="{FF2B5EF4-FFF2-40B4-BE49-F238E27FC236}">
-                <a16:creationId xmlns:a16="http://schemas.microsoft.com/office/drawing/2014/main" xmlns="" id="{4EC52DAF-7ADD-449A-8659-9F5388F7ACBC}"/>
+                <a16:creationId xmlns="" xmlns:a16="http://schemas.microsoft.com/office/drawing/2014/main" id="{4EC52DAF-7ADD-449A-8659-9F5388F7ACBC}"/>
               </a:ext>
             </a:extLst>
           </p:cNvPr>
@@ -1016,7 +1016,7 @@
           <a:p>
             <a:fld id="{E2A0276B-0792-4E1E-9214-0C369079026E}" type="datetime1">
               <a:rPr lang="ru-RU" smtClean="0"/>
-              <a:t>30.05.2024</a:t>
+              <a:t>31.05.2024</a:t>
             </a:fld>
             <a:endParaRPr lang="ru-RU"/>
           </a:p>
@@ -1027,7 +1027,7 @@
           <p:cNvPr id="6" name="Нижний колонтитул 5">
             <a:extLst>
               <a:ext uri="{FF2B5EF4-FFF2-40B4-BE49-F238E27FC236}">
-                <a16:creationId xmlns:a16="http://schemas.microsoft.com/office/drawing/2014/main" xmlns="" id="{F58AD255-2DFD-4776-AEF0-D8BBAEE0DB3D}"/>
+                <a16:creationId xmlns="" xmlns:a16="http://schemas.microsoft.com/office/drawing/2014/main" id="{F58AD255-2DFD-4776-AEF0-D8BBAEE0DB3D}"/>
               </a:ext>
             </a:extLst>
           </p:cNvPr>
@@ -1052,7 +1052,7 @@
           <p:cNvPr id="7" name="Номер слайда 6">
             <a:extLst>
               <a:ext uri="{FF2B5EF4-FFF2-40B4-BE49-F238E27FC236}">
-                <a16:creationId xmlns:a16="http://schemas.microsoft.com/office/drawing/2014/main" xmlns="" id="{5019A434-61AD-42E0-85C2-AA4168B834E8}"/>
+                <a16:creationId xmlns="" xmlns:a16="http://schemas.microsoft.com/office/drawing/2014/main" id="{5019A434-61AD-42E0-85C2-AA4168B834E8}"/>
               </a:ext>
             </a:extLst>
           </p:cNvPr>
@@ -1086,13 +1086,13 @@
   <p:clrMapOvr>
     <a:masterClrMapping/>
   </p:clrMapOvr>
-  <mc:AlternateContent xmlns:mc="http://schemas.openxmlformats.org/markup-compatibility/2006">
-    <mc:Choice xmlns:p14="http://schemas.microsoft.com/office/powerpoint/2010/main" Requires="p14">
+  <mc:AlternateContent xmlns:mc="http://schemas.openxmlformats.org/markup-compatibility/2006" xmlns:p14="http://schemas.microsoft.com/office/powerpoint/2010/main">
+    <mc:Choice Requires="p14">
       <p:transition spd="med" p14:dur="700">
         <p:fade/>
       </p:transition>
     </mc:Choice>
-    <mc:Fallback>
+    <mc:Fallback xmlns="">
       <p:transition spd="med">
         <p:fade/>
       </p:transition>
@@ -1123,7 +1123,7 @@
           <p:cNvPr id="2" name="Заголовок 1">
             <a:extLst>
               <a:ext uri="{FF2B5EF4-FFF2-40B4-BE49-F238E27FC236}">
-                <a16:creationId xmlns:a16="http://schemas.microsoft.com/office/drawing/2014/main" xmlns="" id="{AB814B22-A3FA-4BC5-9CCF-7A3F1FEE4081}"/>
+                <a16:creationId xmlns="" xmlns:a16="http://schemas.microsoft.com/office/drawing/2014/main" id="{AB814B22-A3FA-4BC5-9CCF-7A3F1FEE4081}"/>
               </a:ext>
             </a:extLst>
           </p:cNvPr>
@@ -1160,7 +1160,7 @@
           <p:cNvPr id="3" name="Рисунок 2">
             <a:extLst>
               <a:ext uri="{FF2B5EF4-FFF2-40B4-BE49-F238E27FC236}">
-                <a16:creationId xmlns:a16="http://schemas.microsoft.com/office/drawing/2014/main" xmlns="" id="{E6C24574-E644-4481-9BF6-16DEAEAD637E}"/>
+                <a16:creationId xmlns="" xmlns:a16="http://schemas.microsoft.com/office/drawing/2014/main" id="{E6C24574-E644-4481-9BF6-16DEAEAD637E}"/>
               </a:ext>
             </a:extLst>
           </p:cNvPr>
@@ -1227,7 +1227,7 @@
           <p:cNvPr id="4" name="Текст 3">
             <a:extLst>
               <a:ext uri="{FF2B5EF4-FFF2-40B4-BE49-F238E27FC236}">
-                <a16:creationId xmlns:a16="http://schemas.microsoft.com/office/drawing/2014/main" xmlns="" id="{15CDB79F-4B12-4133-9809-5752BEC36E84}"/>
+                <a16:creationId xmlns="" xmlns:a16="http://schemas.microsoft.com/office/drawing/2014/main" id="{15CDB79F-4B12-4133-9809-5752BEC36E84}"/>
               </a:ext>
             </a:extLst>
           </p:cNvPr>
@@ -1298,7 +1298,7 @@
           <p:cNvPr id="5" name="Дата 4">
             <a:extLst>
               <a:ext uri="{FF2B5EF4-FFF2-40B4-BE49-F238E27FC236}">
-                <a16:creationId xmlns:a16="http://schemas.microsoft.com/office/drawing/2014/main" xmlns="" id="{56E66232-513C-4645-A840-C07466412BE9}"/>
+                <a16:creationId xmlns="" xmlns:a16="http://schemas.microsoft.com/office/drawing/2014/main" id="{56E66232-513C-4645-A840-C07466412BE9}"/>
               </a:ext>
             </a:extLst>
           </p:cNvPr>
@@ -1316,7 +1316,7 @@
           <a:p>
             <a:fld id="{AFB62380-640A-4E41-A65C-E223B8624FC8}" type="datetime1">
               <a:rPr lang="ru-RU" smtClean="0"/>
-              <a:t>30.05.2024</a:t>
+              <a:t>31.05.2024</a:t>
             </a:fld>
             <a:endParaRPr lang="ru-RU"/>
           </a:p>
@@ -1327,7 +1327,7 @@
           <p:cNvPr id="6" name="Нижний колонтитул 5">
             <a:extLst>
               <a:ext uri="{FF2B5EF4-FFF2-40B4-BE49-F238E27FC236}">
-                <a16:creationId xmlns:a16="http://schemas.microsoft.com/office/drawing/2014/main" xmlns="" id="{1673FFE2-6C35-4425-A51B-DCEB93B96FAD}"/>
+                <a16:creationId xmlns="" xmlns:a16="http://schemas.microsoft.com/office/drawing/2014/main" id="{1673FFE2-6C35-4425-A51B-DCEB93B96FAD}"/>
               </a:ext>
             </a:extLst>
           </p:cNvPr>
@@ -1352,7 +1352,7 @@
           <p:cNvPr id="7" name="Номер слайда 6">
             <a:extLst>
               <a:ext uri="{FF2B5EF4-FFF2-40B4-BE49-F238E27FC236}">
-                <a16:creationId xmlns:a16="http://schemas.microsoft.com/office/drawing/2014/main" xmlns="" id="{B18C6F80-5C8D-48EB-88A2-B49132E00C78}"/>
+                <a16:creationId xmlns="" xmlns:a16="http://schemas.microsoft.com/office/drawing/2014/main" id="{B18C6F80-5C8D-48EB-88A2-B49132E00C78}"/>
               </a:ext>
             </a:extLst>
           </p:cNvPr>
@@ -1386,13 +1386,13 @@
   <p:clrMapOvr>
     <a:masterClrMapping/>
   </p:clrMapOvr>
-  <mc:AlternateContent xmlns:mc="http://schemas.openxmlformats.org/markup-compatibility/2006">
-    <mc:Choice xmlns:p14="http://schemas.microsoft.com/office/powerpoint/2010/main" Requires="p14">
+  <mc:AlternateContent xmlns:mc="http://schemas.openxmlformats.org/markup-compatibility/2006" xmlns:p14="http://schemas.microsoft.com/office/powerpoint/2010/main">
+    <mc:Choice Requires="p14">
       <p:transition spd="med" p14:dur="700">
         <p:fade/>
       </p:transition>
     </mc:Choice>
-    <mc:Fallback>
+    <mc:Fallback xmlns="">
       <p:transition spd="med">
         <p:fade/>
       </p:transition>
@@ -1423,7 +1423,7 @@
           <p:cNvPr id="2" name="Заголовок 1">
             <a:extLst>
               <a:ext uri="{FF2B5EF4-FFF2-40B4-BE49-F238E27FC236}">
-                <a16:creationId xmlns:a16="http://schemas.microsoft.com/office/drawing/2014/main" xmlns="" id="{DB8B75DB-AAD4-4024-9938-3848AC62257C}"/>
+                <a16:creationId xmlns="" xmlns:a16="http://schemas.microsoft.com/office/drawing/2014/main" id="{DB8B75DB-AAD4-4024-9938-3848AC62257C}"/>
               </a:ext>
             </a:extLst>
           </p:cNvPr>
@@ -1451,7 +1451,7 @@
           <p:cNvPr id="3" name="Вертикальный текст 2">
             <a:extLst>
               <a:ext uri="{FF2B5EF4-FFF2-40B4-BE49-F238E27FC236}">
-                <a16:creationId xmlns:a16="http://schemas.microsoft.com/office/drawing/2014/main" xmlns="" id="{E44512D5-7101-4345-A5F1-5ED5F87F019C}"/>
+                <a16:creationId xmlns="" xmlns:a16="http://schemas.microsoft.com/office/drawing/2014/main" id="{E44512D5-7101-4345-A5F1-5ED5F87F019C}"/>
               </a:ext>
             </a:extLst>
           </p:cNvPr>
@@ -1508,7 +1508,7 @@
           <p:cNvPr id="4" name="Дата 3">
             <a:extLst>
               <a:ext uri="{FF2B5EF4-FFF2-40B4-BE49-F238E27FC236}">
-                <a16:creationId xmlns:a16="http://schemas.microsoft.com/office/drawing/2014/main" xmlns="" id="{8A1EDD17-4B56-41D9-9CFF-7783E75604F4}"/>
+                <a16:creationId xmlns="" xmlns:a16="http://schemas.microsoft.com/office/drawing/2014/main" id="{8A1EDD17-4B56-41D9-9CFF-7783E75604F4}"/>
               </a:ext>
             </a:extLst>
           </p:cNvPr>
@@ -1526,7 +1526,7 @@
           <a:p>
             <a:fld id="{00751EA9-C183-4BFA-B474-642EDAA0370D}" type="datetime1">
               <a:rPr lang="ru-RU" smtClean="0"/>
-              <a:t>30.05.2024</a:t>
+              <a:t>31.05.2024</a:t>
             </a:fld>
             <a:endParaRPr lang="ru-RU"/>
           </a:p>
@@ -1537,7 +1537,7 @@
           <p:cNvPr id="5" name="Нижний колонтитул 4">
             <a:extLst>
               <a:ext uri="{FF2B5EF4-FFF2-40B4-BE49-F238E27FC236}">
-                <a16:creationId xmlns:a16="http://schemas.microsoft.com/office/drawing/2014/main" xmlns="" id="{D049CD1D-02D4-4A05-A798-D9A9634C0924}"/>
+                <a16:creationId xmlns="" xmlns:a16="http://schemas.microsoft.com/office/drawing/2014/main" id="{D049CD1D-02D4-4A05-A798-D9A9634C0924}"/>
               </a:ext>
             </a:extLst>
           </p:cNvPr>
@@ -1562,7 +1562,7 @@
           <p:cNvPr id="6" name="Номер слайда 5">
             <a:extLst>
               <a:ext uri="{FF2B5EF4-FFF2-40B4-BE49-F238E27FC236}">
-                <a16:creationId xmlns:a16="http://schemas.microsoft.com/office/drawing/2014/main" xmlns="" id="{203F0B95-9A63-47FC-8D7B-007D815439FD}"/>
+                <a16:creationId xmlns="" xmlns:a16="http://schemas.microsoft.com/office/drawing/2014/main" id="{203F0B95-9A63-47FC-8D7B-007D815439FD}"/>
               </a:ext>
             </a:extLst>
           </p:cNvPr>
@@ -1596,13 +1596,13 @@
   <p:clrMapOvr>
     <a:masterClrMapping/>
   </p:clrMapOvr>
-  <mc:AlternateContent xmlns:mc="http://schemas.openxmlformats.org/markup-compatibility/2006">
-    <mc:Choice xmlns:p14="http://schemas.microsoft.com/office/powerpoint/2010/main" Requires="p14">
+  <mc:AlternateContent xmlns:mc="http://schemas.openxmlformats.org/markup-compatibility/2006" xmlns:p14="http://schemas.microsoft.com/office/powerpoint/2010/main">
+    <mc:Choice Requires="p14">
       <p:transition spd="med" p14:dur="700">
         <p:fade/>
       </p:transition>
     </mc:Choice>
-    <mc:Fallback>
+    <mc:Fallback xmlns="">
       <p:transition spd="med">
         <p:fade/>
       </p:transition>
@@ -1633,7 +1633,7 @@
           <p:cNvPr id="2" name="Вертикальный заголовок 1">
             <a:extLst>
               <a:ext uri="{FF2B5EF4-FFF2-40B4-BE49-F238E27FC236}">
-                <a16:creationId xmlns:a16="http://schemas.microsoft.com/office/drawing/2014/main" xmlns="" id="{D859F4FA-AF46-4528-8389-8CD4794B8C66}"/>
+                <a16:creationId xmlns="" xmlns:a16="http://schemas.microsoft.com/office/drawing/2014/main" id="{D859F4FA-AF46-4528-8389-8CD4794B8C66}"/>
               </a:ext>
             </a:extLst>
           </p:cNvPr>
@@ -1666,7 +1666,7 @@
           <p:cNvPr id="3" name="Вертикальный текст 2">
             <a:extLst>
               <a:ext uri="{FF2B5EF4-FFF2-40B4-BE49-F238E27FC236}">
-                <a16:creationId xmlns:a16="http://schemas.microsoft.com/office/drawing/2014/main" xmlns="" id="{59825218-8ABD-4D91-9A1E-C2AFE0F85B46}"/>
+                <a16:creationId xmlns="" xmlns:a16="http://schemas.microsoft.com/office/drawing/2014/main" id="{59825218-8ABD-4D91-9A1E-C2AFE0F85B46}"/>
               </a:ext>
             </a:extLst>
           </p:cNvPr>
@@ -1728,7 +1728,7 @@
           <p:cNvPr id="4" name="Дата 3">
             <a:extLst>
               <a:ext uri="{FF2B5EF4-FFF2-40B4-BE49-F238E27FC236}">
-                <a16:creationId xmlns:a16="http://schemas.microsoft.com/office/drawing/2014/main" xmlns="" id="{E8023D65-C371-4EC1-80E4-837717A56ECB}"/>
+                <a16:creationId xmlns="" xmlns:a16="http://schemas.microsoft.com/office/drawing/2014/main" id="{E8023D65-C371-4EC1-80E4-837717A56ECB}"/>
               </a:ext>
             </a:extLst>
           </p:cNvPr>
@@ -1746,7 +1746,7 @@
           <a:p>
             <a:fld id="{A4714F73-2A95-4B07-81E8-74E04B18BEBD}" type="datetime1">
               <a:rPr lang="ru-RU" smtClean="0"/>
-              <a:t>30.05.2024</a:t>
+              <a:t>31.05.2024</a:t>
             </a:fld>
             <a:endParaRPr lang="ru-RU"/>
           </a:p>
@@ -1757,7 +1757,7 @@
           <p:cNvPr id="5" name="Нижний колонтитул 4">
             <a:extLst>
               <a:ext uri="{FF2B5EF4-FFF2-40B4-BE49-F238E27FC236}">
-                <a16:creationId xmlns:a16="http://schemas.microsoft.com/office/drawing/2014/main" xmlns="" id="{8EAA5872-BEF2-4C4F-9378-86297D5478EE}"/>
+                <a16:creationId xmlns="" xmlns:a16="http://schemas.microsoft.com/office/drawing/2014/main" id="{8EAA5872-BEF2-4C4F-9378-86297D5478EE}"/>
               </a:ext>
             </a:extLst>
           </p:cNvPr>
@@ -1782,7 +1782,7 @@
           <p:cNvPr id="6" name="Номер слайда 5">
             <a:extLst>
               <a:ext uri="{FF2B5EF4-FFF2-40B4-BE49-F238E27FC236}">
-                <a16:creationId xmlns:a16="http://schemas.microsoft.com/office/drawing/2014/main" xmlns="" id="{DC215631-8925-41F0-8D38-63A3B85E8CF0}"/>
+                <a16:creationId xmlns="" xmlns:a16="http://schemas.microsoft.com/office/drawing/2014/main" id="{DC215631-8925-41F0-8D38-63A3B85E8CF0}"/>
               </a:ext>
             </a:extLst>
           </p:cNvPr>
@@ -1816,13 +1816,13 @@
   <p:clrMapOvr>
     <a:masterClrMapping/>
   </p:clrMapOvr>
-  <mc:AlternateContent xmlns:mc="http://schemas.openxmlformats.org/markup-compatibility/2006">
-    <mc:Choice xmlns:p14="http://schemas.microsoft.com/office/powerpoint/2010/main" Requires="p14">
+  <mc:AlternateContent xmlns:mc="http://schemas.openxmlformats.org/markup-compatibility/2006" xmlns:p14="http://schemas.microsoft.com/office/powerpoint/2010/main">
+    <mc:Choice Requires="p14">
       <p:transition spd="med" p14:dur="700">
         <p:fade/>
       </p:transition>
     </mc:Choice>
-    <mc:Fallback>
+    <mc:Fallback xmlns="">
       <p:transition spd="med">
         <p:fade/>
       </p:transition>
@@ -1853,7 +1853,7 @@
           <p:cNvPr id="5" name="Номер слайда 4">
             <a:extLst>
               <a:ext uri="{FF2B5EF4-FFF2-40B4-BE49-F238E27FC236}">
-                <a16:creationId xmlns:a16="http://schemas.microsoft.com/office/drawing/2014/main" xmlns="" id="{614EB6CA-57A2-4B17-8FCE-8330B4EA9829}"/>
+                <a16:creationId xmlns="" xmlns:a16="http://schemas.microsoft.com/office/drawing/2014/main" id="{614EB6CA-57A2-4B17-8FCE-8330B4EA9829}"/>
               </a:ext>
             </a:extLst>
           </p:cNvPr>
@@ -1882,7 +1882,7 @@
           <p:cNvPr id="11" name="Рисунок 10">
             <a:extLst>
               <a:ext uri="{FF2B5EF4-FFF2-40B4-BE49-F238E27FC236}">
-                <a16:creationId xmlns:a16="http://schemas.microsoft.com/office/drawing/2014/main" xmlns="" id="{7B3D99E0-53A4-47C7-B62E-870D1595CC71}"/>
+                <a16:creationId xmlns="" xmlns:a16="http://schemas.microsoft.com/office/drawing/2014/main" id="{7B3D99E0-53A4-47C7-B62E-870D1595CC71}"/>
               </a:ext>
             </a:extLst>
           </p:cNvPr>
@@ -1918,7 +1918,7 @@
           <p:cNvPr id="13" name="Рисунок 12">
             <a:extLst>
               <a:ext uri="{FF2B5EF4-FFF2-40B4-BE49-F238E27FC236}">
-                <a16:creationId xmlns:a16="http://schemas.microsoft.com/office/drawing/2014/main" xmlns="" id="{8C26C231-FA23-4282-9DF5-24517065350B}"/>
+                <a16:creationId xmlns="" xmlns:a16="http://schemas.microsoft.com/office/drawing/2014/main" id="{8C26C231-FA23-4282-9DF5-24517065350B}"/>
               </a:ext>
             </a:extLst>
           </p:cNvPr>
@@ -1953,13 +1953,13 @@
   <p:clrMapOvr>
     <a:masterClrMapping/>
   </p:clrMapOvr>
-  <mc:AlternateContent xmlns:mc="http://schemas.openxmlformats.org/markup-compatibility/2006">
-    <mc:Choice xmlns:p14="http://schemas.microsoft.com/office/powerpoint/2010/main" Requires="p14">
+  <mc:AlternateContent xmlns:mc="http://schemas.openxmlformats.org/markup-compatibility/2006" xmlns:p14="http://schemas.microsoft.com/office/powerpoint/2010/main">
+    <mc:Choice Requires="p14">
       <p:transition spd="med" p14:dur="700">
         <p:fade/>
       </p:transition>
     </mc:Choice>
-    <mc:Fallback>
+    <mc:Fallback xmlns="">
       <p:transition spd="med">
         <p:fade/>
       </p:transition>
@@ -1967,7 +1967,7 @@
   </mc:AlternateContent>
   <p:extLst mod="1">
     <p:ext uri="{DCECCB84-F9BA-43D5-87BE-67443E8EF086}">
-      <p15:sldGuideLst xmlns:p15="http://schemas.microsoft.com/office/powerpoint/2012/main" xmlns="">
+      <p15:sldGuideLst xmlns="" xmlns:p15="http://schemas.microsoft.com/office/powerpoint/2012/main">
         <p15:guide id="1" orient="horz" pos="2160" userDrawn="1">
           <p15:clr>
             <a:srgbClr val="FBAE40"/>
@@ -2016,7 +2016,7 @@
           <p:cNvPr id="7" name="Рисунок 6">
             <a:extLst>
               <a:ext uri="{FF2B5EF4-FFF2-40B4-BE49-F238E27FC236}">
-                <a16:creationId xmlns:a16="http://schemas.microsoft.com/office/drawing/2014/main" xmlns="" id="{3A9800C3-D834-4903-B707-AD4150FCDBA8}"/>
+                <a16:creationId xmlns="" xmlns:a16="http://schemas.microsoft.com/office/drawing/2014/main" id="{3A9800C3-D834-4903-B707-AD4150FCDBA8}"/>
               </a:ext>
             </a:extLst>
           </p:cNvPr>
@@ -2066,7 +2066,7 @@
           <p:cNvPr id="8" name="Рисунок 6">
             <a:extLst>
               <a:ext uri="{FF2B5EF4-FFF2-40B4-BE49-F238E27FC236}">
-                <a16:creationId xmlns:a16="http://schemas.microsoft.com/office/drawing/2014/main" xmlns="" id="{AF555082-799C-4823-AE79-FBBEA03A4DE8}"/>
+                <a16:creationId xmlns="" xmlns:a16="http://schemas.microsoft.com/office/drawing/2014/main" id="{AF555082-799C-4823-AE79-FBBEA03A4DE8}"/>
               </a:ext>
             </a:extLst>
           </p:cNvPr>
@@ -2116,7 +2116,7 @@
           <p:cNvPr id="9" name="Рисунок 6">
             <a:extLst>
               <a:ext uri="{FF2B5EF4-FFF2-40B4-BE49-F238E27FC236}">
-                <a16:creationId xmlns:a16="http://schemas.microsoft.com/office/drawing/2014/main" xmlns="" id="{A193D461-88D6-4E8D-A91D-AC79EEB2A3CE}"/>
+                <a16:creationId xmlns="" xmlns:a16="http://schemas.microsoft.com/office/drawing/2014/main" id="{A193D461-88D6-4E8D-A91D-AC79EEB2A3CE}"/>
               </a:ext>
             </a:extLst>
           </p:cNvPr>
@@ -2166,7 +2166,7 @@
           <p:cNvPr id="10" name="Рисунок 6">
             <a:extLst>
               <a:ext uri="{FF2B5EF4-FFF2-40B4-BE49-F238E27FC236}">
-                <a16:creationId xmlns:a16="http://schemas.microsoft.com/office/drawing/2014/main" xmlns="" id="{61DD5022-27B9-481C-9E9B-B35014E073FA}"/>
+                <a16:creationId xmlns="" xmlns:a16="http://schemas.microsoft.com/office/drawing/2014/main" id="{61DD5022-27B9-481C-9E9B-B35014E073FA}"/>
               </a:ext>
             </a:extLst>
           </p:cNvPr>
@@ -2216,7 +2216,7 @@
           <p:cNvPr id="11" name="Рисунок 6">
             <a:extLst>
               <a:ext uri="{FF2B5EF4-FFF2-40B4-BE49-F238E27FC236}">
-                <a16:creationId xmlns:a16="http://schemas.microsoft.com/office/drawing/2014/main" xmlns="" id="{C05C0981-1E88-49DB-A936-85974EDBD93C}"/>
+                <a16:creationId xmlns="" xmlns:a16="http://schemas.microsoft.com/office/drawing/2014/main" id="{C05C0981-1E88-49DB-A936-85974EDBD93C}"/>
               </a:ext>
             </a:extLst>
           </p:cNvPr>
@@ -2266,7 +2266,7 @@
           <p:cNvPr id="12" name="Рисунок 6">
             <a:extLst>
               <a:ext uri="{FF2B5EF4-FFF2-40B4-BE49-F238E27FC236}">
-                <a16:creationId xmlns:a16="http://schemas.microsoft.com/office/drawing/2014/main" xmlns="" id="{B5B5B3CE-FBDA-4C11-96AA-76F6B8D0B661}"/>
+                <a16:creationId xmlns="" xmlns:a16="http://schemas.microsoft.com/office/drawing/2014/main" id="{B5B5B3CE-FBDA-4C11-96AA-76F6B8D0B661}"/>
               </a:ext>
             </a:extLst>
           </p:cNvPr>
@@ -2316,7 +2316,7 @@
           <p:cNvPr id="13" name="Рисунок 6">
             <a:extLst>
               <a:ext uri="{FF2B5EF4-FFF2-40B4-BE49-F238E27FC236}">
-                <a16:creationId xmlns:a16="http://schemas.microsoft.com/office/drawing/2014/main" xmlns="" id="{F0CF6B2B-48A8-43AD-944E-1F969C6F9473}"/>
+                <a16:creationId xmlns="" xmlns:a16="http://schemas.microsoft.com/office/drawing/2014/main" id="{F0CF6B2B-48A8-43AD-944E-1F969C6F9473}"/>
               </a:ext>
             </a:extLst>
           </p:cNvPr>
@@ -2366,7 +2366,7 @@
           <p:cNvPr id="14" name="Рисунок 6">
             <a:extLst>
               <a:ext uri="{FF2B5EF4-FFF2-40B4-BE49-F238E27FC236}">
-                <a16:creationId xmlns:a16="http://schemas.microsoft.com/office/drawing/2014/main" xmlns="" id="{ADE8E75D-202B-4C70-BFA4-988B02B5CE99}"/>
+                <a16:creationId xmlns="" xmlns:a16="http://schemas.microsoft.com/office/drawing/2014/main" id="{ADE8E75D-202B-4C70-BFA4-988B02B5CE99}"/>
               </a:ext>
             </a:extLst>
           </p:cNvPr>
@@ -2416,7 +2416,7 @@
           <p:cNvPr id="15" name="Рисунок 6">
             <a:extLst>
               <a:ext uri="{FF2B5EF4-FFF2-40B4-BE49-F238E27FC236}">
-                <a16:creationId xmlns:a16="http://schemas.microsoft.com/office/drawing/2014/main" xmlns="" id="{231D67C5-E9C4-4369-A360-8980AA1C247A}"/>
+                <a16:creationId xmlns="" xmlns:a16="http://schemas.microsoft.com/office/drawing/2014/main" id="{231D67C5-E9C4-4369-A360-8980AA1C247A}"/>
               </a:ext>
             </a:extLst>
           </p:cNvPr>
@@ -2471,13 +2471,13 @@
   <p:clrMapOvr>
     <a:masterClrMapping/>
   </p:clrMapOvr>
-  <mc:AlternateContent xmlns:mc="http://schemas.openxmlformats.org/markup-compatibility/2006">
-    <mc:Choice xmlns:p14="http://schemas.microsoft.com/office/powerpoint/2010/main" Requires="p14">
+  <mc:AlternateContent xmlns:mc="http://schemas.openxmlformats.org/markup-compatibility/2006" xmlns:p14="http://schemas.microsoft.com/office/powerpoint/2010/main">
+    <mc:Choice Requires="p14">
       <p:transition spd="med" p14:dur="700">
         <p:fade/>
       </p:transition>
     </mc:Choice>
-    <mc:Fallback>
+    <mc:Fallback xmlns="">
       <p:transition spd="med">
         <p:fade/>
       </p:transition>
@@ -2508,7 +2508,7 @@
           <p:cNvPr id="2" name="Заголовок 1">
             <a:extLst>
               <a:ext uri="{FF2B5EF4-FFF2-40B4-BE49-F238E27FC236}">
-                <a16:creationId xmlns:a16="http://schemas.microsoft.com/office/drawing/2014/main" xmlns="" id="{A1AEA92F-839C-496F-8FC1-5E287D8A21DE}"/>
+                <a16:creationId xmlns="" xmlns:a16="http://schemas.microsoft.com/office/drawing/2014/main" id="{A1AEA92F-839C-496F-8FC1-5E287D8A21DE}"/>
               </a:ext>
             </a:extLst>
           </p:cNvPr>
@@ -2536,7 +2536,7 @@
           <p:cNvPr id="3" name="Объект 2">
             <a:extLst>
               <a:ext uri="{FF2B5EF4-FFF2-40B4-BE49-F238E27FC236}">
-                <a16:creationId xmlns:a16="http://schemas.microsoft.com/office/drawing/2014/main" xmlns="" id="{05811FB0-3900-4228-9879-BD973634C289}"/>
+                <a16:creationId xmlns="" xmlns:a16="http://schemas.microsoft.com/office/drawing/2014/main" id="{05811FB0-3900-4228-9879-BD973634C289}"/>
               </a:ext>
             </a:extLst>
           </p:cNvPr>
@@ -2593,7 +2593,7 @@
           <p:cNvPr id="4" name="Дата 3">
             <a:extLst>
               <a:ext uri="{FF2B5EF4-FFF2-40B4-BE49-F238E27FC236}">
-                <a16:creationId xmlns:a16="http://schemas.microsoft.com/office/drawing/2014/main" xmlns="" id="{DF40E661-06C7-4BAB-A816-E7D6FFF8590E}"/>
+                <a16:creationId xmlns="" xmlns:a16="http://schemas.microsoft.com/office/drawing/2014/main" id="{DF40E661-06C7-4BAB-A816-E7D6FFF8590E}"/>
               </a:ext>
             </a:extLst>
           </p:cNvPr>
@@ -2611,7 +2611,7 @@
           <a:p>
             <a:fld id="{5CB26059-F1B0-4161-9738-143CBC6AE5C3}" type="datetime1">
               <a:rPr lang="ru-RU" smtClean="0"/>
-              <a:t>30.05.2024</a:t>
+              <a:t>31.05.2024</a:t>
             </a:fld>
             <a:endParaRPr lang="ru-RU"/>
           </a:p>
@@ -2622,7 +2622,7 @@
           <p:cNvPr id="5" name="Нижний колонтитул 4">
             <a:extLst>
               <a:ext uri="{FF2B5EF4-FFF2-40B4-BE49-F238E27FC236}">
-                <a16:creationId xmlns:a16="http://schemas.microsoft.com/office/drawing/2014/main" xmlns="" id="{E9784D37-EE4E-4890-A77C-7B0DE6B5908B}"/>
+                <a16:creationId xmlns="" xmlns:a16="http://schemas.microsoft.com/office/drawing/2014/main" id="{E9784D37-EE4E-4890-A77C-7B0DE6B5908B}"/>
               </a:ext>
             </a:extLst>
           </p:cNvPr>
@@ -2647,7 +2647,7 @@
           <p:cNvPr id="6" name="Номер слайда 5">
             <a:extLst>
               <a:ext uri="{FF2B5EF4-FFF2-40B4-BE49-F238E27FC236}">
-                <a16:creationId xmlns:a16="http://schemas.microsoft.com/office/drawing/2014/main" xmlns="" id="{46946C92-E612-4D72-B219-2DE77697CFDF}"/>
+                <a16:creationId xmlns="" xmlns:a16="http://schemas.microsoft.com/office/drawing/2014/main" id="{46946C92-E612-4D72-B219-2DE77697CFDF}"/>
               </a:ext>
             </a:extLst>
           </p:cNvPr>
@@ -2681,13 +2681,13 @@
   <p:clrMapOvr>
     <a:masterClrMapping/>
   </p:clrMapOvr>
-  <mc:AlternateContent xmlns:mc="http://schemas.openxmlformats.org/markup-compatibility/2006">
-    <mc:Choice xmlns:p14="http://schemas.microsoft.com/office/powerpoint/2010/main" Requires="p14">
+  <mc:AlternateContent xmlns:mc="http://schemas.openxmlformats.org/markup-compatibility/2006" xmlns:p14="http://schemas.microsoft.com/office/powerpoint/2010/main">
+    <mc:Choice Requires="p14">
       <p:transition spd="med" p14:dur="700">
         <p:fade/>
       </p:transition>
     </mc:Choice>
-    <mc:Fallback>
+    <mc:Fallback xmlns="">
       <p:transition spd="med">
         <p:fade/>
       </p:transition>
@@ -2718,7 +2718,7 @@
           <p:cNvPr id="2" name="Заголовок 1">
             <a:extLst>
               <a:ext uri="{FF2B5EF4-FFF2-40B4-BE49-F238E27FC236}">
-                <a16:creationId xmlns:a16="http://schemas.microsoft.com/office/drawing/2014/main" xmlns="" id="{90FECFF7-8A53-4108-BC41-B61D77B490B1}"/>
+                <a16:creationId xmlns="" xmlns:a16="http://schemas.microsoft.com/office/drawing/2014/main" id="{90FECFF7-8A53-4108-BC41-B61D77B490B1}"/>
               </a:ext>
             </a:extLst>
           </p:cNvPr>
@@ -2755,7 +2755,7 @@
           <p:cNvPr id="3" name="Текст 2">
             <a:extLst>
               <a:ext uri="{FF2B5EF4-FFF2-40B4-BE49-F238E27FC236}">
-                <a16:creationId xmlns:a16="http://schemas.microsoft.com/office/drawing/2014/main" xmlns="" id="{B8B0AFBF-6D63-4079-93AA-8C079001F15E}"/>
+                <a16:creationId xmlns="" xmlns:a16="http://schemas.microsoft.com/office/drawing/2014/main" id="{B8B0AFBF-6D63-4079-93AA-8C079001F15E}"/>
               </a:ext>
             </a:extLst>
           </p:cNvPr>
@@ -2880,7 +2880,7 @@
           <p:cNvPr id="4" name="Дата 3">
             <a:extLst>
               <a:ext uri="{FF2B5EF4-FFF2-40B4-BE49-F238E27FC236}">
-                <a16:creationId xmlns:a16="http://schemas.microsoft.com/office/drawing/2014/main" xmlns="" id="{82A39957-ED82-451F-8D8B-2DD52B7DE42A}"/>
+                <a16:creationId xmlns="" xmlns:a16="http://schemas.microsoft.com/office/drawing/2014/main" id="{82A39957-ED82-451F-8D8B-2DD52B7DE42A}"/>
               </a:ext>
             </a:extLst>
           </p:cNvPr>
@@ -2898,7 +2898,7 @@
           <a:p>
             <a:fld id="{2B302D4D-3A9F-414A-A2FD-C66D78AE433D}" type="datetime1">
               <a:rPr lang="ru-RU" smtClean="0"/>
-              <a:t>30.05.2024</a:t>
+              <a:t>31.05.2024</a:t>
             </a:fld>
             <a:endParaRPr lang="ru-RU"/>
           </a:p>
@@ -2909,7 +2909,7 @@
           <p:cNvPr id="5" name="Нижний колонтитул 4">
             <a:extLst>
               <a:ext uri="{FF2B5EF4-FFF2-40B4-BE49-F238E27FC236}">
-                <a16:creationId xmlns:a16="http://schemas.microsoft.com/office/drawing/2014/main" xmlns="" id="{04EB4C03-7D3D-4F61-A805-06681A200578}"/>
+                <a16:creationId xmlns="" xmlns:a16="http://schemas.microsoft.com/office/drawing/2014/main" id="{04EB4C03-7D3D-4F61-A805-06681A200578}"/>
               </a:ext>
             </a:extLst>
           </p:cNvPr>
@@ -2934,7 +2934,7 @@
           <p:cNvPr id="6" name="Номер слайда 5">
             <a:extLst>
               <a:ext uri="{FF2B5EF4-FFF2-40B4-BE49-F238E27FC236}">
-                <a16:creationId xmlns:a16="http://schemas.microsoft.com/office/drawing/2014/main" xmlns="" id="{C768170C-7A01-4DE8-BF99-58C767EDFA26}"/>
+                <a16:creationId xmlns="" xmlns:a16="http://schemas.microsoft.com/office/drawing/2014/main" id="{C768170C-7A01-4DE8-BF99-58C767EDFA26}"/>
               </a:ext>
             </a:extLst>
           </p:cNvPr>
@@ -2968,13 +2968,13 @@
   <p:clrMapOvr>
     <a:masterClrMapping/>
   </p:clrMapOvr>
-  <mc:AlternateContent xmlns:mc="http://schemas.openxmlformats.org/markup-compatibility/2006">
-    <mc:Choice xmlns:p14="http://schemas.microsoft.com/office/powerpoint/2010/main" Requires="p14">
+  <mc:AlternateContent xmlns:mc="http://schemas.openxmlformats.org/markup-compatibility/2006" xmlns:p14="http://schemas.microsoft.com/office/powerpoint/2010/main">
+    <mc:Choice Requires="p14">
       <p:transition spd="med" p14:dur="700">
         <p:fade/>
       </p:transition>
     </mc:Choice>
-    <mc:Fallback>
+    <mc:Fallback xmlns="">
       <p:transition spd="med">
         <p:fade/>
       </p:transition>
@@ -3005,7 +3005,7 @@
           <p:cNvPr id="2" name="Заголовок 1">
             <a:extLst>
               <a:ext uri="{FF2B5EF4-FFF2-40B4-BE49-F238E27FC236}">
-                <a16:creationId xmlns:a16="http://schemas.microsoft.com/office/drawing/2014/main" xmlns="" id="{074B9D22-1441-4B0B-8FC6-97FCF22E2AB4}"/>
+                <a16:creationId xmlns="" xmlns:a16="http://schemas.microsoft.com/office/drawing/2014/main" id="{074B9D22-1441-4B0B-8FC6-97FCF22E2AB4}"/>
               </a:ext>
             </a:extLst>
           </p:cNvPr>
@@ -3033,7 +3033,7 @@
           <p:cNvPr id="3" name="Объект 2">
             <a:extLst>
               <a:ext uri="{FF2B5EF4-FFF2-40B4-BE49-F238E27FC236}">
-                <a16:creationId xmlns:a16="http://schemas.microsoft.com/office/drawing/2014/main" xmlns="" id="{C5B8BC88-B05D-428A-A7C3-7C7151D64CE5}"/>
+                <a16:creationId xmlns="" xmlns:a16="http://schemas.microsoft.com/office/drawing/2014/main" id="{C5B8BC88-B05D-428A-A7C3-7C7151D64CE5}"/>
               </a:ext>
             </a:extLst>
           </p:cNvPr>
@@ -3095,7 +3095,7 @@
           <p:cNvPr id="4" name="Объект 3">
             <a:extLst>
               <a:ext uri="{FF2B5EF4-FFF2-40B4-BE49-F238E27FC236}">
-                <a16:creationId xmlns:a16="http://schemas.microsoft.com/office/drawing/2014/main" xmlns="" id="{782459F2-2961-4F40-8DA0-9589D2AE72AF}"/>
+                <a16:creationId xmlns="" xmlns:a16="http://schemas.microsoft.com/office/drawing/2014/main" id="{782459F2-2961-4F40-8DA0-9589D2AE72AF}"/>
               </a:ext>
             </a:extLst>
           </p:cNvPr>
@@ -3157,7 +3157,7 @@
           <p:cNvPr id="5" name="Дата 4">
             <a:extLst>
               <a:ext uri="{FF2B5EF4-FFF2-40B4-BE49-F238E27FC236}">
-                <a16:creationId xmlns:a16="http://schemas.microsoft.com/office/drawing/2014/main" xmlns="" id="{8FCC808B-7B2F-4978-BC84-226706F70389}"/>
+                <a16:creationId xmlns="" xmlns:a16="http://schemas.microsoft.com/office/drawing/2014/main" id="{8FCC808B-7B2F-4978-BC84-226706F70389}"/>
               </a:ext>
             </a:extLst>
           </p:cNvPr>
@@ -3175,7 +3175,7 @@
           <a:p>
             <a:fld id="{0BF963D5-4EFB-41C3-A9B5-D8A5E4364F7C}" type="datetime1">
               <a:rPr lang="ru-RU" smtClean="0"/>
-              <a:t>30.05.2024</a:t>
+              <a:t>31.05.2024</a:t>
             </a:fld>
             <a:endParaRPr lang="ru-RU"/>
           </a:p>
@@ -3186,7 +3186,7 @@
           <p:cNvPr id="6" name="Нижний колонтитул 5">
             <a:extLst>
               <a:ext uri="{FF2B5EF4-FFF2-40B4-BE49-F238E27FC236}">
-                <a16:creationId xmlns:a16="http://schemas.microsoft.com/office/drawing/2014/main" xmlns="" id="{AAEC5CE7-5DB9-4CFF-A82C-C1DF1A060C22}"/>
+                <a16:creationId xmlns="" xmlns:a16="http://schemas.microsoft.com/office/drawing/2014/main" id="{AAEC5CE7-5DB9-4CFF-A82C-C1DF1A060C22}"/>
               </a:ext>
             </a:extLst>
           </p:cNvPr>
@@ -3211,7 +3211,7 @@
           <p:cNvPr id="7" name="Номер слайда 6">
             <a:extLst>
               <a:ext uri="{FF2B5EF4-FFF2-40B4-BE49-F238E27FC236}">
-                <a16:creationId xmlns:a16="http://schemas.microsoft.com/office/drawing/2014/main" xmlns="" id="{85FC99DE-5F9E-4A93-AAD9-AB394579E691}"/>
+                <a16:creationId xmlns="" xmlns:a16="http://schemas.microsoft.com/office/drawing/2014/main" id="{85FC99DE-5F9E-4A93-AAD9-AB394579E691}"/>
               </a:ext>
             </a:extLst>
           </p:cNvPr>
@@ -3245,13 +3245,13 @@
   <p:clrMapOvr>
     <a:masterClrMapping/>
   </p:clrMapOvr>
-  <mc:AlternateContent xmlns:mc="http://schemas.openxmlformats.org/markup-compatibility/2006">
-    <mc:Choice xmlns:p14="http://schemas.microsoft.com/office/powerpoint/2010/main" Requires="p14">
+  <mc:AlternateContent xmlns:mc="http://schemas.openxmlformats.org/markup-compatibility/2006" xmlns:p14="http://schemas.microsoft.com/office/powerpoint/2010/main">
+    <mc:Choice Requires="p14">
       <p:transition spd="med" p14:dur="700">
         <p:fade/>
       </p:transition>
     </mc:Choice>
-    <mc:Fallback>
+    <mc:Fallback xmlns="">
       <p:transition spd="med">
         <p:fade/>
       </p:transition>
@@ -3282,7 +3282,7 @@
           <p:cNvPr id="2" name="Заголовок 1">
             <a:extLst>
               <a:ext uri="{FF2B5EF4-FFF2-40B4-BE49-F238E27FC236}">
-                <a16:creationId xmlns:a16="http://schemas.microsoft.com/office/drawing/2014/main" xmlns="" id="{C8BCEA6B-3E00-43CF-823D-9C46ECC10AD5}"/>
+                <a16:creationId xmlns="" xmlns:a16="http://schemas.microsoft.com/office/drawing/2014/main" id="{C8BCEA6B-3E00-43CF-823D-9C46ECC10AD5}"/>
               </a:ext>
             </a:extLst>
           </p:cNvPr>
@@ -3315,7 +3315,7 @@
           <p:cNvPr id="3" name="Текст 2">
             <a:extLst>
               <a:ext uri="{FF2B5EF4-FFF2-40B4-BE49-F238E27FC236}">
-                <a16:creationId xmlns:a16="http://schemas.microsoft.com/office/drawing/2014/main" xmlns="" id="{0FF08317-0D3B-465F-BD39-46A42D6DCAF5}"/>
+                <a16:creationId xmlns="" xmlns:a16="http://schemas.microsoft.com/office/drawing/2014/main" id="{0FF08317-0D3B-465F-BD39-46A42D6DCAF5}"/>
               </a:ext>
             </a:extLst>
           </p:cNvPr>
@@ -3386,7 +3386,7 @@
           <p:cNvPr id="4" name="Объект 3">
             <a:extLst>
               <a:ext uri="{FF2B5EF4-FFF2-40B4-BE49-F238E27FC236}">
-                <a16:creationId xmlns:a16="http://schemas.microsoft.com/office/drawing/2014/main" xmlns="" id="{A372B717-6D01-47E3-901B-CBA12010E9C1}"/>
+                <a16:creationId xmlns="" xmlns:a16="http://schemas.microsoft.com/office/drawing/2014/main" id="{A372B717-6D01-47E3-901B-CBA12010E9C1}"/>
               </a:ext>
             </a:extLst>
           </p:cNvPr>
@@ -3448,7 +3448,7 @@
           <p:cNvPr id="5" name="Текст 4">
             <a:extLst>
               <a:ext uri="{FF2B5EF4-FFF2-40B4-BE49-F238E27FC236}">
-                <a16:creationId xmlns:a16="http://schemas.microsoft.com/office/drawing/2014/main" xmlns="" id="{22E3E500-8648-41DB-A3F6-EB0F2D033AD4}"/>
+                <a16:creationId xmlns="" xmlns:a16="http://schemas.microsoft.com/office/drawing/2014/main" id="{22E3E500-8648-41DB-A3F6-EB0F2D033AD4}"/>
               </a:ext>
             </a:extLst>
           </p:cNvPr>
@@ -3519,7 +3519,7 @@
           <p:cNvPr id="6" name="Объект 5">
             <a:extLst>
               <a:ext uri="{FF2B5EF4-FFF2-40B4-BE49-F238E27FC236}">
-                <a16:creationId xmlns:a16="http://schemas.microsoft.com/office/drawing/2014/main" xmlns="" id="{8E48B21D-BC4A-404D-A95E-923599C400BF}"/>
+                <a16:creationId xmlns="" xmlns:a16="http://schemas.microsoft.com/office/drawing/2014/main" id="{8E48B21D-BC4A-404D-A95E-923599C400BF}"/>
               </a:ext>
             </a:extLst>
           </p:cNvPr>
@@ -3581,7 +3581,7 @@
           <p:cNvPr id="7" name="Дата 6">
             <a:extLst>
               <a:ext uri="{FF2B5EF4-FFF2-40B4-BE49-F238E27FC236}">
-                <a16:creationId xmlns:a16="http://schemas.microsoft.com/office/drawing/2014/main" xmlns="" id="{799F8618-3149-4088-835F-BE6C7C887D51}"/>
+                <a16:creationId xmlns="" xmlns:a16="http://schemas.microsoft.com/office/drawing/2014/main" id="{799F8618-3149-4088-835F-BE6C7C887D51}"/>
               </a:ext>
             </a:extLst>
           </p:cNvPr>
@@ -3599,7 +3599,7 @@
           <a:p>
             <a:fld id="{13F95FED-03D5-4D69-906C-7015930249F9}" type="datetime1">
               <a:rPr lang="ru-RU" smtClean="0"/>
-              <a:t>30.05.2024</a:t>
+              <a:t>31.05.2024</a:t>
             </a:fld>
             <a:endParaRPr lang="ru-RU"/>
           </a:p>
@@ -3610,7 +3610,7 @@
           <p:cNvPr id="8" name="Нижний колонтитул 7">
             <a:extLst>
               <a:ext uri="{FF2B5EF4-FFF2-40B4-BE49-F238E27FC236}">
-                <a16:creationId xmlns:a16="http://schemas.microsoft.com/office/drawing/2014/main" xmlns="" id="{73CEF1EA-1AB5-4F33-9E0F-2016BBA86450}"/>
+                <a16:creationId xmlns="" xmlns:a16="http://schemas.microsoft.com/office/drawing/2014/main" id="{73CEF1EA-1AB5-4F33-9E0F-2016BBA86450}"/>
               </a:ext>
             </a:extLst>
           </p:cNvPr>
@@ -3635,7 +3635,7 @@
           <p:cNvPr id="9" name="Номер слайда 8">
             <a:extLst>
               <a:ext uri="{FF2B5EF4-FFF2-40B4-BE49-F238E27FC236}">
-                <a16:creationId xmlns:a16="http://schemas.microsoft.com/office/drawing/2014/main" xmlns="" id="{13F9A4EA-933B-44D9-B245-33F44EE679AB}"/>
+                <a16:creationId xmlns="" xmlns:a16="http://schemas.microsoft.com/office/drawing/2014/main" id="{13F9A4EA-933B-44D9-B245-33F44EE679AB}"/>
               </a:ext>
             </a:extLst>
           </p:cNvPr>
@@ -3669,13 +3669,13 @@
   <p:clrMapOvr>
     <a:masterClrMapping/>
   </p:clrMapOvr>
-  <mc:AlternateContent xmlns:mc="http://schemas.openxmlformats.org/markup-compatibility/2006">
-    <mc:Choice xmlns:p14="http://schemas.microsoft.com/office/powerpoint/2010/main" Requires="p14">
+  <mc:AlternateContent xmlns:mc="http://schemas.openxmlformats.org/markup-compatibility/2006" xmlns:p14="http://schemas.microsoft.com/office/powerpoint/2010/main">
+    <mc:Choice Requires="p14">
       <p:transition spd="med" p14:dur="700">
         <p:fade/>
       </p:transition>
     </mc:Choice>
-    <mc:Fallback>
+    <mc:Fallback xmlns="">
       <p:transition spd="med">
         <p:fade/>
       </p:transition>
@@ -3706,7 +3706,7 @@
           <p:cNvPr id="2" name="Заголовок 1">
             <a:extLst>
               <a:ext uri="{FF2B5EF4-FFF2-40B4-BE49-F238E27FC236}">
-                <a16:creationId xmlns:a16="http://schemas.microsoft.com/office/drawing/2014/main" xmlns="" id="{7CDE5BAD-1AE7-4034-9BD5-58A47AF2137B}"/>
+                <a16:creationId xmlns="" xmlns:a16="http://schemas.microsoft.com/office/drawing/2014/main" id="{7CDE5BAD-1AE7-4034-9BD5-58A47AF2137B}"/>
               </a:ext>
             </a:extLst>
           </p:cNvPr>
@@ -3734,7 +3734,7 @@
           <p:cNvPr id="3" name="Дата 2">
             <a:extLst>
               <a:ext uri="{FF2B5EF4-FFF2-40B4-BE49-F238E27FC236}">
-                <a16:creationId xmlns:a16="http://schemas.microsoft.com/office/drawing/2014/main" xmlns="" id="{4CA6228C-2A37-4548-A1BA-245F38336485}"/>
+                <a16:creationId xmlns="" xmlns:a16="http://schemas.microsoft.com/office/drawing/2014/main" id="{4CA6228C-2A37-4548-A1BA-245F38336485}"/>
               </a:ext>
             </a:extLst>
           </p:cNvPr>
@@ -3752,7 +3752,7 @@
           <a:p>
             <a:fld id="{EA36DD34-03CB-4526-A513-2E3B5FBF108C}" type="datetime1">
               <a:rPr lang="ru-RU" smtClean="0"/>
-              <a:t>30.05.2024</a:t>
+              <a:t>31.05.2024</a:t>
             </a:fld>
             <a:endParaRPr lang="ru-RU"/>
           </a:p>
@@ -3763,7 +3763,7 @@
           <p:cNvPr id="4" name="Нижний колонтитул 3">
             <a:extLst>
               <a:ext uri="{FF2B5EF4-FFF2-40B4-BE49-F238E27FC236}">
-                <a16:creationId xmlns:a16="http://schemas.microsoft.com/office/drawing/2014/main" xmlns="" id="{D1E9F5F6-BEDC-4D50-A9A6-665DBC2010A1}"/>
+                <a16:creationId xmlns="" xmlns:a16="http://schemas.microsoft.com/office/drawing/2014/main" id="{D1E9F5F6-BEDC-4D50-A9A6-665DBC2010A1}"/>
               </a:ext>
             </a:extLst>
           </p:cNvPr>
@@ -3788,7 +3788,7 @@
           <p:cNvPr id="5" name="Номер слайда 4">
             <a:extLst>
               <a:ext uri="{FF2B5EF4-FFF2-40B4-BE49-F238E27FC236}">
-                <a16:creationId xmlns:a16="http://schemas.microsoft.com/office/drawing/2014/main" xmlns="" id="{3AF3A39F-9E86-406B-B0E8-75F9DDC2403B}"/>
+                <a16:creationId xmlns="" xmlns:a16="http://schemas.microsoft.com/office/drawing/2014/main" id="{3AF3A39F-9E86-406B-B0E8-75F9DDC2403B}"/>
               </a:ext>
             </a:extLst>
           </p:cNvPr>
@@ -3822,13 +3822,13 @@
   <p:clrMapOvr>
     <a:masterClrMapping/>
   </p:clrMapOvr>
-  <mc:AlternateContent xmlns:mc="http://schemas.openxmlformats.org/markup-compatibility/2006">
-    <mc:Choice xmlns:p14="http://schemas.microsoft.com/office/powerpoint/2010/main" Requires="p14">
+  <mc:AlternateContent xmlns:mc="http://schemas.openxmlformats.org/markup-compatibility/2006" xmlns:p14="http://schemas.microsoft.com/office/powerpoint/2010/main">
+    <mc:Choice Requires="p14">
       <p:transition spd="med" p14:dur="700">
         <p:fade/>
       </p:transition>
     </mc:Choice>
-    <mc:Fallback>
+    <mc:Fallback xmlns="">
       <p:transition spd="med">
         <p:fade/>
       </p:transition>
@@ -3859,7 +3859,7 @@
           <p:cNvPr id="2" name="Дата 1">
             <a:extLst>
               <a:ext uri="{FF2B5EF4-FFF2-40B4-BE49-F238E27FC236}">
-                <a16:creationId xmlns:a16="http://schemas.microsoft.com/office/drawing/2014/main" xmlns="" id="{8A0C7D40-FA68-4548-A171-05FEC4F18218}"/>
+                <a16:creationId xmlns="" xmlns:a16="http://schemas.microsoft.com/office/drawing/2014/main" id="{8A0C7D40-FA68-4548-A171-05FEC4F18218}"/>
               </a:ext>
             </a:extLst>
           </p:cNvPr>
@@ -3877,7 +3877,7 @@
           <a:p>
             <a:fld id="{14B2BFDA-FD28-4157-ACB5-B2A297CD0D2F}" type="datetime1">
               <a:rPr lang="ru-RU" smtClean="0"/>
-              <a:t>30.05.2024</a:t>
+              <a:t>31.05.2024</a:t>
             </a:fld>
             <a:endParaRPr lang="ru-RU"/>
           </a:p>
@@ -3888,7 +3888,7 @@
           <p:cNvPr id="3" name="Нижний колонтитул 2">
             <a:extLst>
               <a:ext uri="{FF2B5EF4-FFF2-40B4-BE49-F238E27FC236}">
-                <a16:creationId xmlns:a16="http://schemas.microsoft.com/office/drawing/2014/main" xmlns="" id="{CDD5CC54-5F33-4F77-AC77-6E974CEF4AA8}"/>
+                <a16:creationId xmlns="" xmlns:a16="http://schemas.microsoft.com/office/drawing/2014/main" id="{CDD5CC54-5F33-4F77-AC77-6E974CEF4AA8}"/>
               </a:ext>
             </a:extLst>
           </p:cNvPr>
@@ -3913,7 +3913,7 @@
           <p:cNvPr id="4" name="Номер слайда 3">
             <a:extLst>
               <a:ext uri="{FF2B5EF4-FFF2-40B4-BE49-F238E27FC236}">
-                <a16:creationId xmlns:a16="http://schemas.microsoft.com/office/drawing/2014/main" xmlns="" id="{6286BC59-3C49-4DFB-85B0-B07F42D8AB88}"/>
+                <a16:creationId xmlns="" xmlns:a16="http://schemas.microsoft.com/office/drawing/2014/main" id="{6286BC59-3C49-4DFB-85B0-B07F42D8AB88}"/>
               </a:ext>
             </a:extLst>
           </p:cNvPr>
@@ -3947,13 +3947,13 @@
   <p:clrMapOvr>
     <a:masterClrMapping/>
   </p:clrMapOvr>
-  <mc:AlternateContent xmlns:mc="http://schemas.openxmlformats.org/markup-compatibility/2006">
-    <mc:Choice xmlns:p14="http://schemas.microsoft.com/office/powerpoint/2010/main" Requires="p14">
+  <mc:AlternateContent xmlns:mc="http://schemas.openxmlformats.org/markup-compatibility/2006" xmlns:p14="http://schemas.microsoft.com/office/powerpoint/2010/main">
+    <mc:Choice Requires="p14">
       <p:transition spd="med" p14:dur="700">
         <p:fade/>
       </p:transition>
     </mc:Choice>
-    <mc:Fallback>
+    <mc:Fallback xmlns="">
       <p:transition spd="med">
         <p:fade/>
       </p:transition>
@@ -3989,7 +3989,7 @@
           <p:cNvPr id="2" name="Заголовок 1">
             <a:extLst>
               <a:ext uri="{FF2B5EF4-FFF2-40B4-BE49-F238E27FC236}">
-                <a16:creationId xmlns:a16="http://schemas.microsoft.com/office/drawing/2014/main" xmlns="" id="{E4B4F1CD-B0D3-4C85-845E-DD399CDEDBA0}"/>
+                <a16:creationId xmlns="" xmlns:a16="http://schemas.microsoft.com/office/drawing/2014/main" id="{E4B4F1CD-B0D3-4C85-845E-DD399CDEDBA0}"/>
               </a:ext>
             </a:extLst>
           </p:cNvPr>
@@ -4027,7 +4027,7 @@
           <p:cNvPr id="3" name="Текст 2">
             <a:extLst>
               <a:ext uri="{FF2B5EF4-FFF2-40B4-BE49-F238E27FC236}">
-                <a16:creationId xmlns:a16="http://schemas.microsoft.com/office/drawing/2014/main" xmlns="" id="{75A59F4B-F998-439C-9679-10B0C8568B36}"/>
+                <a16:creationId xmlns="" xmlns:a16="http://schemas.microsoft.com/office/drawing/2014/main" id="{75A59F4B-F998-439C-9679-10B0C8568B36}"/>
               </a:ext>
             </a:extLst>
           </p:cNvPr>
@@ -4094,7 +4094,7 @@
           <p:cNvPr id="4" name="Дата 3">
             <a:extLst>
               <a:ext uri="{FF2B5EF4-FFF2-40B4-BE49-F238E27FC236}">
-                <a16:creationId xmlns:a16="http://schemas.microsoft.com/office/drawing/2014/main" xmlns="" id="{1B91162D-4D8E-486C-ACBB-074803DE2DC0}"/>
+                <a16:creationId xmlns="" xmlns:a16="http://schemas.microsoft.com/office/drawing/2014/main" id="{1B91162D-4D8E-486C-ACBB-074803DE2DC0}"/>
               </a:ext>
             </a:extLst>
           </p:cNvPr>
@@ -4130,7 +4130,7 @@
           <a:p>
             <a:fld id="{3648B707-111D-4BBB-B1A8-8E4D9FDE9760}" type="datetime1">
               <a:rPr lang="ru-RU" smtClean="0"/>
-              <a:t>30.05.2024</a:t>
+              <a:t>31.05.2024</a:t>
             </a:fld>
             <a:endParaRPr lang="ru-RU"/>
           </a:p>
@@ -4141,7 +4141,7 @@
           <p:cNvPr id="5" name="Нижний колонтитул 4">
             <a:extLst>
               <a:ext uri="{FF2B5EF4-FFF2-40B4-BE49-F238E27FC236}">
-                <a16:creationId xmlns:a16="http://schemas.microsoft.com/office/drawing/2014/main" xmlns="" id="{86CA6D4D-69F5-438A-BDBB-6B45E8E3EDC0}"/>
+                <a16:creationId xmlns="" xmlns:a16="http://schemas.microsoft.com/office/drawing/2014/main" id="{86CA6D4D-69F5-438A-BDBB-6B45E8E3EDC0}"/>
               </a:ext>
             </a:extLst>
           </p:cNvPr>
@@ -4184,7 +4184,7 @@
           <p:cNvPr id="6" name="Номер слайда 5">
             <a:extLst>
               <a:ext uri="{FF2B5EF4-FFF2-40B4-BE49-F238E27FC236}">
-                <a16:creationId xmlns:a16="http://schemas.microsoft.com/office/drawing/2014/main" xmlns="" id="{7609B196-0738-47AC-AA48-F4ED38980508}"/>
+                <a16:creationId xmlns="" xmlns:a16="http://schemas.microsoft.com/office/drawing/2014/main" id="{7609B196-0738-47AC-AA48-F4ED38980508}"/>
               </a:ext>
             </a:extLst>
           </p:cNvPr>
@@ -4249,13 +4249,13 @@
     <p:sldLayoutId id="2147483658" r:id="rId12"/>
     <p:sldLayoutId id="2147483659" r:id="rId13"/>
   </p:sldLayoutIdLst>
-  <mc:AlternateContent xmlns:mc="http://schemas.openxmlformats.org/markup-compatibility/2006">
-    <mc:Choice xmlns:p14="http://schemas.microsoft.com/office/powerpoint/2010/main" Requires="p14">
+  <mc:AlternateContent xmlns:mc="http://schemas.openxmlformats.org/markup-compatibility/2006" xmlns:p14="http://schemas.microsoft.com/office/powerpoint/2010/main">
+    <mc:Choice Requires="p14">
       <p:transition spd="med" p14:dur="700">
         <p:fade/>
       </p:transition>
     </mc:Choice>
-    <mc:Fallback>
+    <mc:Fallback xmlns="">
       <p:transition spd="med">
         <p:fade/>
       </p:transition>
@@ -4693,7 +4693,7 @@
           <p:cNvPr id="16" name="Таблица 15">
             <a:extLst>
               <a:ext uri="{FF2B5EF4-FFF2-40B4-BE49-F238E27FC236}">
-                <a16:creationId xmlns:a16="http://schemas.microsoft.com/office/drawing/2014/main" xmlns="" id="{75840FCE-3F67-4955-86E3-5BE4ADA96ED9}"/>
+                <a16:creationId xmlns="" xmlns:a16="http://schemas.microsoft.com/office/drawing/2014/main" id="{75840FCE-3F67-4955-86E3-5BE4ADA96ED9}"/>
               </a:ext>
             </a:extLst>
           </p:cNvPr>
@@ -4720,7 +4720,7 @@
                 <a:gridCol w="10515600">
                   <a:extLst>
                     <a:ext uri="{9D8B030D-6E8A-4147-A177-3AD203B41FA5}">
-                      <a16:colId xmlns:a16="http://schemas.microsoft.com/office/drawing/2014/main" xmlns="" val="2069287197"/>
+                      <a16:colId xmlns="" xmlns:a16="http://schemas.microsoft.com/office/drawing/2014/main" val="2069287197"/>
                     </a:ext>
                   </a:extLst>
                 </a:gridCol>
@@ -4959,7 +4959,7 @@
                 </a:tc>
                 <a:extLst>
                   <a:ext uri="{0D108BD9-81ED-4DB2-BD59-A6C34878D82A}">
-                    <a16:rowId xmlns:a16="http://schemas.microsoft.com/office/drawing/2014/main" xmlns="" val="2658798668"/>
+                    <a16:rowId xmlns="" xmlns:a16="http://schemas.microsoft.com/office/drawing/2014/main" val="2658798668"/>
                   </a:ext>
                 </a:extLst>
               </a:tr>
@@ -4972,7 +4972,7 @@
           <p:cNvPr id="19" name="TextBox 18">
             <a:extLst>
               <a:ext uri="{FF2B5EF4-FFF2-40B4-BE49-F238E27FC236}">
-                <a16:creationId xmlns:a16="http://schemas.microsoft.com/office/drawing/2014/main" xmlns="" id="{55C91E03-7067-4FF9-A4BB-99DF51A1EE02}"/>
+                <a16:creationId xmlns="" xmlns:a16="http://schemas.microsoft.com/office/drawing/2014/main" id="{55C91E03-7067-4FF9-A4BB-99DF51A1EE02}"/>
               </a:ext>
             </a:extLst>
           </p:cNvPr>
@@ -5021,7 +5021,7 @@
           <p:cNvPr id="21" name="TextBox 20">
             <a:extLst>
               <a:ext uri="{FF2B5EF4-FFF2-40B4-BE49-F238E27FC236}">
-                <a16:creationId xmlns:a16="http://schemas.microsoft.com/office/drawing/2014/main" xmlns="" id="{2BEE8C79-89EF-4FF4-9CEB-A37664969795}"/>
+                <a16:creationId xmlns="" xmlns:a16="http://schemas.microsoft.com/office/drawing/2014/main" id="{2BEE8C79-89EF-4FF4-9CEB-A37664969795}"/>
               </a:ext>
             </a:extLst>
           </p:cNvPr>
@@ -5068,7 +5068,7 @@
           <p:cNvPr id="23" name="TextBox 22">
             <a:extLst>
               <a:ext uri="{FF2B5EF4-FFF2-40B4-BE49-F238E27FC236}">
-                <a16:creationId xmlns:a16="http://schemas.microsoft.com/office/drawing/2014/main" xmlns="" id="{DF261D7B-B54D-43D4-A2D1-986E47A0A1E3}"/>
+                <a16:creationId xmlns="" xmlns:a16="http://schemas.microsoft.com/office/drawing/2014/main" id="{DF261D7B-B54D-43D4-A2D1-986E47A0A1E3}"/>
               </a:ext>
             </a:extLst>
           </p:cNvPr>
@@ -5126,7 +5126,7 @@
           <p:cNvPr id="24" name="TextBox 23">
             <a:extLst>
               <a:ext uri="{FF2B5EF4-FFF2-40B4-BE49-F238E27FC236}">
-                <a16:creationId xmlns:a16="http://schemas.microsoft.com/office/drawing/2014/main" xmlns="" id="{E1D67235-C985-4829-B3BA-E0B1A8C61F1C}"/>
+                <a16:creationId xmlns="" xmlns:a16="http://schemas.microsoft.com/office/drawing/2014/main" id="{E1D67235-C985-4829-B3BA-E0B1A8C61F1C}"/>
               </a:ext>
             </a:extLst>
           </p:cNvPr>
@@ -5485,13 +5485,13 @@
   <p:clrMapOvr>
     <a:masterClrMapping/>
   </p:clrMapOvr>
-  <mc:AlternateContent xmlns:mc="http://schemas.openxmlformats.org/markup-compatibility/2006">
-    <mc:Choice xmlns:p14="http://schemas.microsoft.com/office/powerpoint/2010/main" Requires="p14">
+  <mc:AlternateContent xmlns:mc="http://schemas.openxmlformats.org/markup-compatibility/2006" xmlns:p14="http://schemas.microsoft.com/office/powerpoint/2010/main">
+    <mc:Choice Requires="p14">
       <p:transition spd="med" p14:dur="700">
         <p:fade/>
       </p:transition>
     </mc:Choice>
-    <mc:Fallback>
+    <mc:Fallback xmlns="">
       <p:transition spd="med">
         <p:fade/>
       </p:transition>
@@ -5655,7 +5655,7 @@
           <p:cNvPr id="2" name="Номер слайда 1">
             <a:extLst>
               <a:ext uri="{FF2B5EF4-FFF2-40B4-BE49-F238E27FC236}">
-                <a16:creationId xmlns:a16="http://schemas.microsoft.com/office/drawing/2014/main" xmlns="" id="{D6B69D13-6D53-45B5-A583-3CF84ACCD4BE}"/>
+                <a16:creationId xmlns="" xmlns:a16="http://schemas.microsoft.com/office/drawing/2014/main" id="{D6B69D13-6D53-45B5-A583-3CF84ACCD4BE}"/>
               </a:ext>
             </a:extLst>
           </p:cNvPr>
@@ -5733,7 +5733,7 @@
           <p:cNvPr id="9" name="TextBox 8">
             <a:extLst>
               <a:ext uri="{FF2B5EF4-FFF2-40B4-BE49-F238E27FC236}">
-                <a16:creationId xmlns:a16="http://schemas.microsoft.com/office/drawing/2014/main" xmlns="" id="{0DAF1E99-18A8-45BE-8B3C-7CFA7E1CB1CD}"/>
+                <a16:creationId xmlns="" xmlns:a16="http://schemas.microsoft.com/office/drawing/2014/main" id="{0DAF1E99-18A8-45BE-8B3C-7CFA7E1CB1CD}"/>
               </a:ext>
             </a:extLst>
           </p:cNvPr>
@@ -5764,25 +5764,7 @@
                 </a:solidFill>
                 <a:latin typeface="Bahnschrift" pitchFamily="34" charset="0"/>
               </a:rPr>
-              <a:t>Метод </a:t>
-            </a:r>
-            <a:r>
-              <a:rPr lang="ru-RU" sz="2000" dirty="0" smtClean="0">
-                <a:solidFill>
-                  <a:srgbClr val="002B82"/>
-                </a:solidFill>
-                <a:latin typeface="Bahnschrift" pitchFamily="34" charset="0"/>
-              </a:rPr>
-              <a:t>отображения страницы оплаты </a:t>
-            </a:r>
-            <a:r>
-              <a:rPr lang="ru-RU" sz="2000" dirty="0" smtClean="0">
-                <a:solidFill>
-                  <a:srgbClr val="002B82"/>
-                </a:solidFill>
-                <a:latin typeface="Bahnschrift" pitchFamily="34" charset="0"/>
-              </a:rPr>
-              <a:t>заказа</a:t>
+              <a:t>Метод отображения страницы оплаты заказа</a:t>
             </a:r>
             <a:endParaRPr lang="ru-RU" sz="2000" dirty="0">
               <a:solidFill>
@@ -7854,13 +7836,13 @@
   <p:clrMapOvr>
     <a:masterClrMapping/>
   </p:clrMapOvr>
-  <mc:AlternateContent xmlns:mc="http://schemas.openxmlformats.org/markup-compatibility/2006">
-    <mc:Choice xmlns:p14="http://schemas.microsoft.com/office/powerpoint/2010/main" Requires="p14">
+  <mc:AlternateContent xmlns:mc="http://schemas.openxmlformats.org/markup-compatibility/2006" xmlns:p14="http://schemas.microsoft.com/office/powerpoint/2010/main">
+    <mc:Choice Requires="p14">
       <p:transition spd="med" p14:dur="700">
         <p:fade/>
       </p:transition>
     </mc:Choice>
-    <mc:Fallback>
+    <mc:Fallback xmlns="">
       <p:transition spd="med">
         <p:fade/>
       </p:transition>
@@ -8069,7 +8051,7 @@
           <p:cNvPr id="2" name="Номер слайда 1">
             <a:extLst>
               <a:ext uri="{FF2B5EF4-FFF2-40B4-BE49-F238E27FC236}">
-                <a16:creationId xmlns:a16="http://schemas.microsoft.com/office/drawing/2014/main" xmlns="" id="{D6B69D13-6D53-45B5-A583-3CF84ACCD4BE}"/>
+                <a16:creationId xmlns="" xmlns:a16="http://schemas.microsoft.com/office/drawing/2014/main" id="{D6B69D13-6D53-45B5-A583-3CF84ACCD4BE}"/>
               </a:ext>
             </a:extLst>
           </p:cNvPr>
@@ -8147,7 +8129,7 @@
           <p:cNvPr id="9" name="TextBox 8">
             <a:extLst>
               <a:ext uri="{FF2B5EF4-FFF2-40B4-BE49-F238E27FC236}">
-                <a16:creationId xmlns:a16="http://schemas.microsoft.com/office/drawing/2014/main" xmlns="" id="{0DAF1E99-18A8-45BE-8B3C-7CFA7E1CB1CD}"/>
+                <a16:creationId xmlns="" xmlns:a16="http://schemas.microsoft.com/office/drawing/2014/main" id="{0DAF1E99-18A8-45BE-8B3C-7CFA7E1CB1CD}"/>
               </a:ext>
             </a:extLst>
           </p:cNvPr>
@@ -8178,25 +8160,7 @@
                 </a:solidFill>
                 <a:latin typeface="Bahnschrift" pitchFamily="34" charset="0"/>
               </a:rPr>
-              <a:t>Метод </a:t>
-            </a:r>
-            <a:r>
-              <a:rPr lang="ru-RU" sz="2400" dirty="0" smtClean="0">
-                <a:solidFill>
-                  <a:srgbClr val="002B82"/>
-                </a:solidFill>
-                <a:latin typeface="Bahnschrift" pitchFamily="34" charset="0"/>
-              </a:rPr>
-              <a:t>завершения оплаты </a:t>
-            </a:r>
-            <a:r>
-              <a:rPr lang="ru-RU" sz="2400" dirty="0" smtClean="0">
-                <a:solidFill>
-                  <a:srgbClr val="002B82"/>
-                </a:solidFill>
-                <a:latin typeface="Bahnschrift" pitchFamily="34" charset="0"/>
-              </a:rPr>
-              <a:t>заказа</a:t>
+              <a:t>Метод завершения оплаты заказа</a:t>
             </a:r>
             <a:endParaRPr lang="ru-RU" sz="2400" dirty="0">
               <a:solidFill>
@@ -10419,13 +10383,13 @@
   <p:clrMapOvr>
     <a:masterClrMapping/>
   </p:clrMapOvr>
-  <mc:AlternateContent xmlns:mc="http://schemas.openxmlformats.org/markup-compatibility/2006">
-    <mc:Choice xmlns:p14="http://schemas.microsoft.com/office/powerpoint/2010/main" Requires="p14">
+  <mc:AlternateContent xmlns:mc="http://schemas.openxmlformats.org/markup-compatibility/2006" xmlns:p14="http://schemas.microsoft.com/office/powerpoint/2010/main">
+    <mc:Choice Requires="p14">
       <p:transition spd="med" p14:dur="700">
         <p:fade/>
       </p:transition>
     </mc:Choice>
-    <mc:Fallback>
+    <mc:Fallback xmlns="">
       <p:transition spd="med">
         <p:fade/>
       </p:transition>
@@ -10589,7 +10553,7 @@
           <p:cNvPr id="2" name="Номер слайда 1">
             <a:extLst>
               <a:ext uri="{FF2B5EF4-FFF2-40B4-BE49-F238E27FC236}">
-                <a16:creationId xmlns:a16="http://schemas.microsoft.com/office/drawing/2014/main" xmlns="" id="{09A8B9C5-71A4-40D9-99B8-E419D6DA7B8B}"/>
+                <a16:creationId xmlns="" xmlns:a16="http://schemas.microsoft.com/office/drawing/2014/main" id="{09A8B9C5-71A4-40D9-99B8-E419D6DA7B8B}"/>
               </a:ext>
             </a:extLst>
           </p:cNvPr>
@@ -10667,7 +10631,7 @@
           <p:cNvPr id="9" name="TextBox 8">
             <a:extLst>
               <a:ext uri="{FF2B5EF4-FFF2-40B4-BE49-F238E27FC236}">
-                <a16:creationId xmlns:a16="http://schemas.microsoft.com/office/drawing/2014/main" xmlns="" id="{0DAF1E99-18A8-45BE-8B3C-7CFA7E1CB1CD}"/>
+                <a16:creationId xmlns="" xmlns:a16="http://schemas.microsoft.com/office/drawing/2014/main" id="{0DAF1E99-18A8-45BE-8B3C-7CFA7E1CB1CD}"/>
               </a:ext>
             </a:extLst>
           </p:cNvPr>
@@ -12437,13 +12401,13 @@
   <p:clrMapOvr>
     <a:masterClrMapping/>
   </p:clrMapOvr>
-  <mc:AlternateContent xmlns:mc="http://schemas.openxmlformats.org/markup-compatibility/2006">
-    <mc:Choice xmlns:p14="http://schemas.microsoft.com/office/powerpoint/2010/main" Requires="p14">
+  <mc:AlternateContent xmlns:mc="http://schemas.openxmlformats.org/markup-compatibility/2006" xmlns:p14="http://schemas.microsoft.com/office/powerpoint/2010/main">
+    <mc:Choice Requires="p14">
       <p:transition spd="med" p14:dur="700">
         <p:fade/>
       </p:transition>
     </mc:Choice>
-    <mc:Fallback>
+    <mc:Fallback xmlns="">
       <p:transition spd="med">
         <p:fade/>
       </p:transition>
@@ -12607,7 +12571,7 @@
           <p:cNvPr id="2" name="Номер слайда 1">
             <a:extLst>
               <a:ext uri="{FF2B5EF4-FFF2-40B4-BE49-F238E27FC236}">
-                <a16:creationId xmlns:a16="http://schemas.microsoft.com/office/drawing/2014/main" xmlns="" id="{F752072B-5092-4F88-88FB-AF2D602AB40C}"/>
+                <a16:creationId xmlns="" xmlns:a16="http://schemas.microsoft.com/office/drawing/2014/main" id="{F752072B-5092-4F88-88FB-AF2D602AB40C}"/>
               </a:ext>
             </a:extLst>
           </p:cNvPr>
@@ -12685,7 +12649,7 @@
           <p:cNvPr id="8" name="TextBox 7">
             <a:extLst>
               <a:ext uri="{FF2B5EF4-FFF2-40B4-BE49-F238E27FC236}">
-                <a16:creationId xmlns:a16="http://schemas.microsoft.com/office/drawing/2014/main" xmlns="" id="{0DAF1E99-18A8-45BE-8B3C-7CFA7E1CB1CD}"/>
+                <a16:creationId xmlns="" xmlns:a16="http://schemas.microsoft.com/office/drawing/2014/main" id="{0DAF1E99-18A8-45BE-8B3C-7CFA7E1CB1CD}"/>
               </a:ext>
             </a:extLst>
           </p:cNvPr>
@@ -13419,13 +13383,13 @@
   <p:clrMapOvr>
     <a:masterClrMapping/>
   </p:clrMapOvr>
-  <mc:AlternateContent xmlns:mc="http://schemas.openxmlformats.org/markup-compatibility/2006">
-    <mc:Choice xmlns:p14="http://schemas.microsoft.com/office/powerpoint/2010/main" Requires="p14">
+  <mc:AlternateContent xmlns:mc="http://schemas.openxmlformats.org/markup-compatibility/2006" xmlns:p14="http://schemas.microsoft.com/office/powerpoint/2010/main">
+    <mc:Choice Requires="p14">
       <p:transition spd="med" p14:dur="700">
         <p:fade/>
       </p:transition>
     </mc:Choice>
-    <mc:Fallback>
+    <mc:Fallback xmlns="">
       <p:transition spd="med">
         <p:fade/>
       </p:transition>
@@ -13589,7 +13553,7 @@
           <p:cNvPr id="2" name="Номер слайда 1">
             <a:extLst>
               <a:ext uri="{FF2B5EF4-FFF2-40B4-BE49-F238E27FC236}">
-                <a16:creationId xmlns:a16="http://schemas.microsoft.com/office/drawing/2014/main" xmlns="" id="{F752072B-5092-4F88-88FB-AF2D602AB40C}"/>
+                <a16:creationId xmlns="" xmlns:a16="http://schemas.microsoft.com/office/drawing/2014/main" id="{F752072B-5092-4F88-88FB-AF2D602AB40C}"/>
               </a:ext>
             </a:extLst>
           </p:cNvPr>
@@ -13667,7 +13631,7 @@
           <p:cNvPr id="10" name="TextBox 9">
             <a:extLst>
               <a:ext uri="{FF2B5EF4-FFF2-40B4-BE49-F238E27FC236}">
-                <a16:creationId xmlns:a16="http://schemas.microsoft.com/office/drawing/2014/main" xmlns="" id="{0DAF1E99-18A8-45BE-8B3C-7CFA7E1CB1CD}"/>
+                <a16:creationId xmlns="" xmlns:a16="http://schemas.microsoft.com/office/drawing/2014/main" id="{0DAF1E99-18A8-45BE-8B3C-7CFA7E1CB1CD}"/>
               </a:ext>
             </a:extLst>
           </p:cNvPr>
@@ -14195,13 +14159,13 @@
   <p:clrMapOvr>
     <a:masterClrMapping/>
   </p:clrMapOvr>
-  <mc:AlternateContent xmlns:mc="http://schemas.openxmlformats.org/markup-compatibility/2006">
-    <mc:Choice xmlns:p14="http://schemas.microsoft.com/office/powerpoint/2010/main" Requires="p14">
+  <mc:AlternateContent xmlns:mc="http://schemas.openxmlformats.org/markup-compatibility/2006" xmlns:p14="http://schemas.microsoft.com/office/powerpoint/2010/main">
+    <mc:Choice Requires="p14">
       <p:transition spd="med" p14:dur="700">
         <p:fade/>
       </p:transition>
     </mc:Choice>
-    <mc:Fallback>
+    <mc:Fallback xmlns="">
       <p:transition spd="med">
         <p:fade/>
       </p:transition>
@@ -14365,7 +14329,7 @@
           <p:cNvPr id="2" name="Номер слайда 1">
             <a:extLst>
               <a:ext uri="{FF2B5EF4-FFF2-40B4-BE49-F238E27FC236}">
-                <a16:creationId xmlns:a16="http://schemas.microsoft.com/office/drawing/2014/main" xmlns="" id="{E66C123D-E682-42B1-B571-8DF0F1DB8F94}"/>
+                <a16:creationId xmlns="" xmlns:a16="http://schemas.microsoft.com/office/drawing/2014/main" id="{E66C123D-E682-42B1-B571-8DF0F1DB8F94}"/>
               </a:ext>
             </a:extLst>
           </p:cNvPr>
@@ -14443,7 +14407,7 @@
           <p:cNvPr id="9" name="TextBox 8">
             <a:extLst>
               <a:ext uri="{FF2B5EF4-FFF2-40B4-BE49-F238E27FC236}">
-                <a16:creationId xmlns:a16="http://schemas.microsoft.com/office/drawing/2014/main" xmlns="" id="{0DAF1E99-18A8-45BE-8B3C-7CFA7E1CB1CD}"/>
+                <a16:creationId xmlns="" xmlns:a16="http://schemas.microsoft.com/office/drawing/2014/main" id="{0DAF1E99-18A8-45BE-8B3C-7CFA7E1CB1CD}"/>
               </a:ext>
             </a:extLst>
           </p:cNvPr>
@@ -16960,13 +16924,13 @@
   <p:clrMapOvr>
     <a:masterClrMapping/>
   </p:clrMapOvr>
-  <mc:AlternateContent xmlns:mc="http://schemas.openxmlformats.org/markup-compatibility/2006">
-    <mc:Choice xmlns:p14="http://schemas.microsoft.com/office/powerpoint/2010/main" Requires="p14">
+  <mc:AlternateContent xmlns:mc="http://schemas.openxmlformats.org/markup-compatibility/2006" xmlns:p14="http://schemas.microsoft.com/office/powerpoint/2010/main">
+    <mc:Choice Requires="p14">
       <p:transition spd="med" p14:dur="700">
         <p:fade/>
       </p:transition>
     </mc:Choice>
-    <mc:Fallback>
+    <mc:Fallback xmlns="">
       <p:transition spd="med">
         <p:fade/>
       </p:transition>
@@ -17066,7 +17030,7 @@
           <p:cNvPr id="2" name="Номер слайда 1">
             <a:extLst>
               <a:ext uri="{FF2B5EF4-FFF2-40B4-BE49-F238E27FC236}">
-                <a16:creationId xmlns:a16="http://schemas.microsoft.com/office/drawing/2014/main" xmlns="" id="{67CA6F6E-D696-47FC-8813-983909D46FEE}"/>
+                <a16:creationId xmlns="" xmlns:a16="http://schemas.microsoft.com/office/drawing/2014/main" id="{67CA6F6E-D696-47FC-8813-983909D46FEE}"/>
               </a:ext>
             </a:extLst>
           </p:cNvPr>
@@ -17103,7 +17067,7 @@
           <p:cNvPr id="5" name="Прямая соединительная линия 4">
             <a:extLst>
               <a:ext uri="{FF2B5EF4-FFF2-40B4-BE49-F238E27FC236}">
-                <a16:creationId xmlns:a16="http://schemas.microsoft.com/office/drawing/2014/main" xmlns="" id="{46192FF6-0BCD-418A-85CE-B254539D9312}"/>
+                <a16:creationId xmlns="" xmlns:a16="http://schemas.microsoft.com/office/drawing/2014/main" id="{46192FF6-0BCD-418A-85CE-B254539D9312}"/>
               </a:ext>
             </a:extLst>
           </p:cNvPr>
@@ -17142,7 +17106,7 @@
           <p:cNvPr id="12" name="TextBox 10">
             <a:extLst>
               <a:ext uri="{FF2B5EF4-FFF2-40B4-BE49-F238E27FC236}">
-                <a16:creationId xmlns:a16="http://schemas.microsoft.com/office/drawing/2014/main" xmlns="" id="{E7A2D47B-A796-464A-8629-6DE4080689FE}"/>
+                <a16:creationId xmlns="" xmlns:a16="http://schemas.microsoft.com/office/drawing/2014/main" id="{E7A2D47B-A796-464A-8629-6DE4080689FE}"/>
               </a:ext>
             </a:extLst>
           </p:cNvPr>
@@ -17179,7 +17143,7 @@
           <p:cNvPr id="13" name="TextBox 12">
             <a:extLst>
               <a:ext uri="{FF2B5EF4-FFF2-40B4-BE49-F238E27FC236}">
-                <a16:creationId xmlns:a16="http://schemas.microsoft.com/office/drawing/2014/main" xmlns="" id="{4467FFB5-C13F-4251-8F82-3FFE19A5056A}"/>
+                <a16:creationId xmlns="" xmlns:a16="http://schemas.microsoft.com/office/drawing/2014/main" id="{4467FFB5-C13F-4251-8F82-3FFE19A5056A}"/>
               </a:ext>
             </a:extLst>
           </p:cNvPr>
@@ -17216,7 +17180,7 @@
           <p:cNvPr id="14" name="Прямая соединительная линия 13">
             <a:extLst>
               <a:ext uri="{FF2B5EF4-FFF2-40B4-BE49-F238E27FC236}">
-                <a16:creationId xmlns:a16="http://schemas.microsoft.com/office/drawing/2014/main" xmlns="" id="{D94D58F6-1359-44B1-843A-90CEED356218}"/>
+                <a16:creationId xmlns="" xmlns:a16="http://schemas.microsoft.com/office/drawing/2014/main" id="{D94D58F6-1359-44B1-843A-90CEED356218}"/>
               </a:ext>
             </a:extLst>
           </p:cNvPr>
@@ -17337,7 +17301,7 @@
           <p:cNvPr id="19" name="TextBox 18">
             <a:extLst>
               <a:ext uri="{FF2B5EF4-FFF2-40B4-BE49-F238E27FC236}">
-                <a16:creationId xmlns:a16="http://schemas.microsoft.com/office/drawing/2014/main" xmlns="" id="{0DAF1E99-18A8-45BE-8B3C-7CFA7E1CB1CD}"/>
+                <a16:creationId xmlns="" xmlns:a16="http://schemas.microsoft.com/office/drawing/2014/main" id="{0DAF1E99-18A8-45BE-8B3C-7CFA7E1CB1CD}"/>
               </a:ext>
             </a:extLst>
           </p:cNvPr>
@@ -18110,13 +18074,13 @@
   <p:clrMapOvr>
     <a:masterClrMapping/>
   </p:clrMapOvr>
-  <mc:AlternateContent xmlns:mc="http://schemas.openxmlformats.org/markup-compatibility/2006">
-    <mc:Choice xmlns:p14="http://schemas.microsoft.com/office/powerpoint/2010/main" Requires="p14">
+  <mc:AlternateContent xmlns:mc="http://schemas.openxmlformats.org/markup-compatibility/2006" xmlns:p14="http://schemas.microsoft.com/office/powerpoint/2010/main">
+    <mc:Choice Requires="p14">
       <p:transition spd="med" p14:dur="700">
         <p:fade/>
       </p:transition>
     </mc:Choice>
-    <mc:Fallback>
+    <mc:Fallback xmlns="">
       <p:transition spd="med">
         <p:fade/>
       </p:transition>
@@ -18280,7 +18244,7 @@
           <p:cNvPr id="2" name="Номер слайда 1">
             <a:extLst>
               <a:ext uri="{FF2B5EF4-FFF2-40B4-BE49-F238E27FC236}">
-                <a16:creationId xmlns:a16="http://schemas.microsoft.com/office/drawing/2014/main" xmlns="" id="{4FD39AF1-9BD7-4A5A-8342-EC3A52C2DEEB}"/>
+                <a16:creationId xmlns="" xmlns:a16="http://schemas.microsoft.com/office/drawing/2014/main" id="{4FD39AF1-9BD7-4A5A-8342-EC3A52C2DEEB}"/>
               </a:ext>
             </a:extLst>
           </p:cNvPr>
@@ -18317,7 +18281,7 @@
           <p:cNvPr id="3" name="TextBox 2">
             <a:extLst>
               <a:ext uri="{FF2B5EF4-FFF2-40B4-BE49-F238E27FC236}">
-                <a16:creationId xmlns:a16="http://schemas.microsoft.com/office/drawing/2014/main" xmlns="" id="{1E5E01C5-47DF-40C2-882E-5D0680B0124B}"/>
+                <a16:creationId xmlns="" xmlns:a16="http://schemas.microsoft.com/office/drawing/2014/main" id="{1E5E01C5-47DF-40C2-882E-5D0680B0124B}"/>
               </a:ext>
             </a:extLst>
           </p:cNvPr>
@@ -18468,13 +18432,13 @@
   <p:clrMapOvr>
     <a:masterClrMapping/>
   </p:clrMapOvr>
-  <mc:AlternateContent xmlns:mc="http://schemas.openxmlformats.org/markup-compatibility/2006">
-    <mc:Choice xmlns:p14="http://schemas.microsoft.com/office/powerpoint/2010/main" Requires="p14">
+  <mc:AlternateContent xmlns:mc="http://schemas.openxmlformats.org/markup-compatibility/2006" xmlns:p14="http://schemas.microsoft.com/office/powerpoint/2010/main">
+    <mc:Choice Requires="p14">
       <p:transition spd="med" p14:dur="700">
         <p:fade/>
       </p:transition>
     </mc:Choice>
-    <mc:Fallback>
+    <mc:Fallback xmlns="">
       <p:transition spd="med">
         <p:fade/>
       </p:transition>
@@ -18638,7 +18602,7 @@
           <p:cNvPr id="2" name="Номер слайда 1">
             <a:extLst>
               <a:ext uri="{FF2B5EF4-FFF2-40B4-BE49-F238E27FC236}">
-                <a16:creationId xmlns:a16="http://schemas.microsoft.com/office/drawing/2014/main" xmlns="" id="{8CA6D043-9D33-44B0-A57F-E42FDF70A68C}"/>
+                <a16:creationId xmlns="" xmlns:a16="http://schemas.microsoft.com/office/drawing/2014/main" id="{8CA6D043-9D33-44B0-A57F-E42FDF70A68C}"/>
               </a:ext>
             </a:extLst>
           </p:cNvPr>
@@ -18675,7 +18639,7 @@
           <p:cNvPr id="27" name="Прямая соединительная линия 26">
             <a:extLst>
               <a:ext uri="{FF2B5EF4-FFF2-40B4-BE49-F238E27FC236}">
-                <a16:creationId xmlns:a16="http://schemas.microsoft.com/office/drawing/2014/main" xmlns="" id="{166611FE-FE9F-4599-A7F5-6CF521D89860}"/>
+                <a16:creationId xmlns="" xmlns:a16="http://schemas.microsoft.com/office/drawing/2014/main" id="{166611FE-FE9F-4599-A7F5-6CF521D89860}"/>
               </a:ext>
             </a:extLst>
           </p:cNvPr>
@@ -18719,7 +18683,7 @@
           <p:cNvPr id="11" name="TextBox 10">
             <a:extLst>
               <a:ext uri="{FF2B5EF4-FFF2-40B4-BE49-F238E27FC236}">
-                <a16:creationId xmlns:a16="http://schemas.microsoft.com/office/drawing/2014/main" xmlns="" id="{19AB353A-7473-4626-91FF-909164C141AF}"/>
+                <a16:creationId xmlns="" xmlns:a16="http://schemas.microsoft.com/office/drawing/2014/main" id="{19AB353A-7473-4626-91FF-909164C141AF}"/>
               </a:ext>
             </a:extLst>
           </p:cNvPr>
@@ -18836,7 +18800,7 @@
           <p:cNvPr id="24" name="TextBox 23">
             <a:extLst>
               <a:ext uri="{FF2B5EF4-FFF2-40B4-BE49-F238E27FC236}">
-                <a16:creationId xmlns:a16="http://schemas.microsoft.com/office/drawing/2014/main" xmlns="" id="{036A13B3-DF4E-4E62-82F2-F0304AEE23FD}"/>
+                <a16:creationId xmlns="" xmlns:a16="http://schemas.microsoft.com/office/drawing/2014/main" id="{036A13B3-DF4E-4E62-82F2-F0304AEE23FD}"/>
               </a:ext>
             </a:extLst>
           </p:cNvPr>
@@ -18882,7 +18846,7 @@
           <p:cNvPr id="58" name="Группа 57">
             <a:extLst>
               <a:ext uri="{FF2B5EF4-FFF2-40B4-BE49-F238E27FC236}">
-                <a16:creationId xmlns:a16="http://schemas.microsoft.com/office/drawing/2014/main" xmlns="" id="{C0F12DF1-B6A2-45FB-9EBE-120E248E93B6}"/>
+                <a16:creationId xmlns="" xmlns:a16="http://schemas.microsoft.com/office/drawing/2014/main" id="{C0F12DF1-B6A2-45FB-9EBE-120E248E93B6}"/>
               </a:ext>
             </a:extLst>
           </p:cNvPr>
@@ -18902,7 +18866,7 @@
             <p:cNvPr id="59" name="TextBox 58">
               <a:extLst>
                 <a:ext uri="{FF2B5EF4-FFF2-40B4-BE49-F238E27FC236}">
-                  <a16:creationId xmlns:a16="http://schemas.microsoft.com/office/drawing/2014/main" xmlns="" id="{2036D72E-F51E-4E2B-AB6D-9DD8546C4B4B}"/>
+                  <a16:creationId xmlns="" xmlns:a16="http://schemas.microsoft.com/office/drawing/2014/main" id="{2036D72E-F51E-4E2B-AB6D-9DD8546C4B4B}"/>
                 </a:ext>
               </a:extLst>
             </p:cNvPr>
@@ -18992,7 +18956,7 @@
             <p:cNvPr id="61" name="TextBox 60">
               <a:extLst>
                 <a:ext uri="{FF2B5EF4-FFF2-40B4-BE49-F238E27FC236}">
-                  <a16:creationId xmlns:a16="http://schemas.microsoft.com/office/drawing/2014/main" xmlns="" id="{3B0D1C6A-ED1C-4177-9E58-C0B7185073BD}"/>
+                  <a16:creationId xmlns="" xmlns:a16="http://schemas.microsoft.com/office/drawing/2014/main" id="{3B0D1C6A-ED1C-4177-9E58-C0B7185073BD}"/>
                 </a:ext>
               </a:extLst>
             </p:cNvPr>
@@ -19112,7 +19076,7 @@
           <p:cNvPr id="62" name="Группа 61">
             <a:extLst>
               <a:ext uri="{FF2B5EF4-FFF2-40B4-BE49-F238E27FC236}">
-                <a16:creationId xmlns:a16="http://schemas.microsoft.com/office/drawing/2014/main" xmlns="" id="{C0F12DF1-B6A2-45FB-9EBE-120E248E93B6}"/>
+                <a16:creationId xmlns="" xmlns:a16="http://schemas.microsoft.com/office/drawing/2014/main" id="{C0F12DF1-B6A2-45FB-9EBE-120E248E93B6}"/>
               </a:ext>
             </a:extLst>
           </p:cNvPr>
@@ -19132,7 +19096,7 @@
             <p:cNvPr id="63" name="TextBox 62">
               <a:extLst>
                 <a:ext uri="{FF2B5EF4-FFF2-40B4-BE49-F238E27FC236}">
-                  <a16:creationId xmlns:a16="http://schemas.microsoft.com/office/drawing/2014/main" xmlns="" id="{2036D72E-F51E-4E2B-AB6D-9DD8546C4B4B}"/>
+                  <a16:creationId xmlns="" xmlns:a16="http://schemas.microsoft.com/office/drawing/2014/main" id="{2036D72E-F51E-4E2B-AB6D-9DD8546C4B4B}"/>
                 </a:ext>
               </a:extLst>
             </p:cNvPr>
@@ -19234,7 +19198,7 @@
             <p:cNvPr id="64" name="TextBox 63">
               <a:extLst>
                 <a:ext uri="{FF2B5EF4-FFF2-40B4-BE49-F238E27FC236}">
-                  <a16:creationId xmlns:a16="http://schemas.microsoft.com/office/drawing/2014/main" xmlns="" id="{3B0D1C6A-ED1C-4177-9E58-C0B7185073BD}"/>
+                  <a16:creationId xmlns="" xmlns:a16="http://schemas.microsoft.com/office/drawing/2014/main" id="{3B0D1C6A-ED1C-4177-9E58-C0B7185073BD}"/>
                 </a:ext>
               </a:extLst>
             </p:cNvPr>
@@ -19354,7 +19318,7 @@
           <p:cNvPr id="66" name="Группа 65">
             <a:extLst>
               <a:ext uri="{FF2B5EF4-FFF2-40B4-BE49-F238E27FC236}">
-                <a16:creationId xmlns:a16="http://schemas.microsoft.com/office/drawing/2014/main" xmlns="" id="{C0F12DF1-B6A2-45FB-9EBE-120E248E93B6}"/>
+                <a16:creationId xmlns="" xmlns:a16="http://schemas.microsoft.com/office/drawing/2014/main" id="{C0F12DF1-B6A2-45FB-9EBE-120E248E93B6}"/>
               </a:ext>
             </a:extLst>
           </p:cNvPr>
@@ -19374,7 +19338,7 @@
             <p:cNvPr id="67" name="TextBox 66">
               <a:extLst>
                 <a:ext uri="{FF2B5EF4-FFF2-40B4-BE49-F238E27FC236}">
-                  <a16:creationId xmlns:a16="http://schemas.microsoft.com/office/drawing/2014/main" xmlns="" id="{2036D72E-F51E-4E2B-AB6D-9DD8546C4B4B}"/>
+                  <a16:creationId xmlns="" xmlns:a16="http://schemas.microsoft.com/office/drawing/2014/main" id="{2036D72E-F51E-4E2B-AB6D-9DD8546C4B4B}"/>
                 </a:ext>
               </a:extLst>
             </p:cNvPr>
@@ -19432,7 +19396,7 @@
             <p:cNvPr id="68" name="TextBox 67">
               <a:extLst>
                 <a:ext uri="{FF2B5EF4-FFF2-40B4-BE49-F238E27FC236}">
-                  <a16:creationId xmlns:a16="http://schemas.microsoft.com/office/drawing/2014/main" xmlns="" id="{3B0D1C6A-ED1C-4177-9E58-C0B7185073BD}"/>
+                  <a16:creationId xmlns="" xmlns:a16="http://schemas.microsoft.com/office/drawing/2014/main" id="{3B0D1C6A-ED1C-4177-9E58-C0B7185073BD}"/>
                 </a:ext>
               </a:extLst>
             </p:cNvPr>
@@ -19543,7 +19507,7 @@
           <p:cNvPr id="70" name="Группа 69">
             <a:extLst>
               <a:ext uri="{FF2B5EF4-FFF2-40B4-BE49-F238E27FC236}">
-                <a16:creationId xmlns:a16="http://schemas.microsoft.com/office/drawing/2014/main" xmlns="" id="{C0F12DF1-B6A2-45FB-9EBE-120E248E93B6}"/>
+                <a16:creationId xmlns="" xmlns:a16="http://schemas.microsoft.com/office/drawing/2014/main" id="{C0F12DF1-B6A2-45FB-9EBE-120E248E93B6}"/>
               </a:ext>
             </a:extLst>
           </p:cNvPr>
@@ -19563,7 +19527,7 @@
             <p:cNvPr id="71" name="TextBox 70">
               <a:extLst>
                 <a:ext uri="{FF2B5EF4-FFF2-40B4-BE49-F238E27FC236}">
-                  <a16:creationId xmlns:a16="http://schemas.microsoft.com/office/drawing/2014/main" xmlns="" id="{2036D72E-F51E-4E2B-AB6D-9DD8546C4B4B}"/>
+                  <a16:creationId xmlns="" xmlns:a16="http://schemas.microsoft.com/office/drawing/2014/main" id="{2036D72E-F51E-4E2B-AB6D-9DD8546C4B4B}"/>
                 </a:ext>
               </a:extLst>
             </p:cNvPr>
@@ -19621,7 +19585,7 @@
             <p:cNvPr id="72" name="TextBox 71">
               <a:extLst>
                 <a:ext uri="{FF2B5EF4-FFF2-40B4-BE49-F238E27FC236}">
-                  <a16:creationId xmlns:a16="http://schemas.microsoft.com/office/drawing/2014/main" xmlns="" id="{3B0D1C6A-ED1C-4177-9E58-C0B7185073BD}"/>
+                  <a16:creationId xmlns="" xmlns:a16="http://schemas.microsoft.com/office/drawing/2014/main" id="{3B0D1C6A-ED1C-4177-9E58-C0B7185073BD}"/>
                 </a:ext>
               </a:extLst>
             </p:cNvPr>
@@ -19732,7 +19696,7 @@
           <p:cNvPr id="75" name="Группа 74">
             <a:extLst>
               <a:ext uri="{FF2B5EF4-FFF2-40B4-BE49-F238E27FC236}">
-                <a16:creationId xmlns:a16="http://schemas.microsoft.com/office/drawing/2014/main" xmlns="" id="{C0F12DF1-B6A2-45FB-9EBE-120E248E93B6}"/>
+                <a16:creationId xmlns="" xmlns:a16="http://schemas.microsoft.com/office/drawing/2014/main" id="{C0F12DF1-B6A2-45FB-9EBE-120E248E93B6}"/>
               </a:ext>
             </a:extLst>
           </p:cNvPr>
@@ -19752,7 +19716,7 @@
             <p:cNvPr id="76" name="TextBox 75">
               <a:extLst>
                 <a:ext uri="{FF2B5EF4-FFF2-40B4-BE49-F238E27FC236}">
-                  <a16:creationId xmlns:a16="http://schemas.microsoft.com/office/drawing/2014/main" xmlns="" id="{2036D72E-F51E-4E2B-AB6D-9DD8546C4B4B}"/>
+                  <a16:creationId xmlns="" xmlns:a16="http://schemas.microsoft.com/office/drawing/2014/main" id="{2036D72E-F51E-4E2B-AB6D-9DD8546C4B4B}"/>
                 </a:ext>
               </a:extLst>
             </p:cNvPr>
@@ -19810,7 +19774,7 @@
             <p:cNvPr id="77" name="TextBox 76">
               <a:extLst>
                 <a:ext uri="{FF2B5EF4-FFF2-40B4-BE49-F238E27FC236}">
-                  <a16:creationId xmlns:a16="http://schemas.microsoft.com/office/drawing/2014/main" xmlns="" id="{3B0D1C6A-ED1C-4177-9E58-C0B7185073BD}"/>
+                  <a16:creationId xmlns="" xmlns:a16="http://schemas.microsoft.com/office/drawing/2014/main" id="{3B0D1C6A-ED1C-4177-9E58-C0B7185073BD}"/>
                 </a:ext>
               </a:extLst>
             </p:cNvPr>
@@ -19990,13 +19954,13 @@
   <p:clrMapOvr>
     <a:masterClrMapping/>
   </p:clrMapOvr>
-  <mc:AlternateContent xmlns:mc="http://schemas.openxmlformats.org/markup-compatibility/2006">
-    <mc:Choice xmlns:p14="http://schemas.microsoft.com/office/powerpoint/2010/main" Requires="p14">
+  <mc:AlternateContent xmlns:mc="http://schemas.openxmlformats.org/markup-compatibility/2006" xmlns:p14="http://schemas.microsoft.com/office/powerpoint/2010/main">
+    <mc:Choice Requires="p14">
       <p:transition spd="med" p14:dur="700">
         <p:fade/>
       </p:transition>
     </mc:Choice>
-    <mc:Fallback>
+    <mc:Fallback xmlns="">
       <p:transition spd="med">
         <p:fade/>
       </p:transition>
@@ -20160,7 +20124,7 @@
           <p:cNvPr id="41" name="TextBox 40">
             <a:extLst>
               <a:ext uri="{FF2B5EF4-FFF2-40B4-BE49-F238E27FC236}">
-                <a16:creationId xmlns:a16="http://schemas.microsoft.com/office/drawing/2014/main" xmlns="" id="{0DAF1E99-18A8-45BE-8B3C-7CFA7E1CB1CD}"/>
+                <a16:creationId xmlns="" xmlns:a16="http://schemas.microsoft.com/office/drawing/2014/main" id="{0DAF1E99-18A8-45BE-8B3C-7CFA7E1CB1CD}"/>
               </a:ext>
             </a:extLst>
           </p:cNvPr>
@@ -20207,7 +20171,7 @@
           <p:cNvPr id="44" name="Номер слайда 43">
             <a:extLst>
               <a:ext uri="{FF2B5EF4-FFF2-40B4-BE49-F238E27FC236}">
-                <a16:creationId xmlns:a16="http://schemas.microsoft.com/office/drawing/2014/main" xmlns="" id="{420ECB19-C499-40CC-9648-2812AF3786DD}"/>
+                <a16:creationId xmlns="" xmlns:a16="http://schemas.microsoft.com/office/drawing/2014/main" id="{420ECB19-C499-40CC-9648-2812AF3786DD}"/>
               </a:ext>
             </a:extLst>
           </p:cNvPr>
@@ -20578,7 +20542,7 @@
           <p:cNvPr id="13" name="TextBox 12">
             <a:extLst>
               <a:ext uri="{FF2B5EF4-FFF2-40B4-BE49-F238E27FC236}">
-                <a16:creationId xmlns:a16="http://schemas.microsoft.com/office/drawing/2014/main" xmlns="" id="{3B0D1C6A-ED1C-4177-9E58-C0B7185073BD}"/>
+                <a16:creationId xmlns="" xmlns:a16="http://schemas.microsoft.com/office/drawing/2014/main" id="{3B0D1C6A-ED1C-4177-9E58-C0B7185073BD}"/>
               </a:ext>
             </a:extLst>
           </p:cNvPr>
@@ -20608,16 +20572,7 @@
                 </a:solidFill>
                 <a:latin typeface="Bahnschrift" pitchFamily="34" charset="0"/>
               </a:rPr>
-              <a:t>Партнеры ООО </a:t>
-            </a:r>
-            <a:r>
-              <a:rPr lang="ru-RU" sz="1600" dirty="0" smtClean="0">
-                <a:solidFill>
-                  <a:srgbClr val="47A9FF"/>
-                </a:solidFill>
-                <a:latin typeface="Bahnschrift" pitchFamily="34" charset="0"/>
-              </a:rPr>
-              <a:t>«АИС Город»</a:t>
+              <a:t>Партнеры ООО «АИС Город»</a:t>
             </a:r>
             <a:endParaRPr lang="ru-RU" sz="1600" dirty="0">
               <a:solidFill>
@@ -20715,7 +20670,7 @@
           <p:cNvPr id="18" name="TextBox 17">
             <a:extLst>
               <a:ext uri="{FF2B5EF4-FFF2-40B4-BE49-F238E27FC236}">
-                <a16:creationId xmlns:a16="http://schemas.microsoft.com/office/drawing/2014/main" xmlns="" id="{3B0D1C6A-ED1C-4177-9E58-C0B7185073BD}"/>
+                <a16:creationId xmlns="" xmlns:a16="http://schemas.microsoft.com/office/drawing/2014/main" id="{3B0D1C6A-ED1C-4177-9E58-C0B7185073BD}"/>
               </a:ext>
             </a:extLst>
           </p:cNvPr>
@@ -20745,16 +20700,7 @@
                 </a:solidFill>
                 <a:latin typeface="Bahnschrift" pitchFamily="34" charset="0"/>
               </a:rPr>
-              <a:t>Продукты ООО </a:t>
-            </a:r>
-            <a:r>
-              <a:rPr lang="ru-RU" sz="1600" dirty="0" smtClean="0">
-                <a:solidFill>
-                  <a:srgbClr val="47A9FF"/>
-                </a:solidFill>
-                <a:latin typeface="Bahnschrift" pitchFamily="34" charset="0"/>
-              </a:rPr>
-              <a:t>«АИС Город»</a:t>
+              <a:t>Продукты ООО «АИС Город»</a:t>
             </a:r>
             <a:endParaRPr lang="ru-RU" sz="1600" dirty="0">
               <a:solidFill>
@@ -21000,11 +20946,6 @@
               </a:rPr>
               <a:t>Паспортный Стол</a:t>
             </a:r>
-            <a:endParaRPr lang="ru-RU" sz="1400" dirty="0">
-              <a:solidFill>
-                <a:srgbClr val="002B82"/>
-              </a:solidFill>
-            </a:endParaRPr>
           </a:p>
         </p:txBody>
       </p:sp>
@@ -21378,13 +21319,13 @@
   <p:clrMapOvr>
     <a:masterClrMapping/>
   </p:clrMapOvr>
-  <mc:AlternateContent xmlns:mc="http://schemas.openxmlformats.org/markup-compatibility/2006">
-    <mc:Choice xmlns:p14="http://schemas.microsoft.com/office/powerpoint/2010/main" Requires="p14">
+  <mc:AlternateContent xmlns:mc="http://schemas.openxmlformats.org/markup-compatibility/2006" xmlns:p14="http://schemas.microsoft.com/office/powerpoint/2010/main">
+    <mc:Choice Requires="p14">
       <p:transition spd="med" p14:dur="700">
         <p:fade/>
       </p:transition>
     </mc:Choice>
-    <mc:Fallback>
+    <mc:Fallback xmlns="">
       <p:transition spd="med">
         <p:fade/>
       </p:transition>
@@ -21620,7 +21561,7 @@
           <p:cNvPr id="41" name="TextBox 40">
             <a:extLst>
               <a:ext uri="{FF2B5EF4-FFF2-40B4-BE49-F238E27FC236}">
-                <a16:creationId xmlns:a16="http://schemas.microsoft.com/office/drawing/2014/main" xmlns="" id="{0DAF1E99-18A8-45BE-8B3C-7CFA7E1CB1CD}"/>
+                <a16:creationId xmlns="" xmlns:a16="http://schemas.microsoft.com/office/drawing/2014/main" id="{0DAF1E99-18A8-45BE-8B3C-7CFA7E1CB1CD}"/>
               </a:ext>
             </a:extLst>
           </p:cNvPr>
@@ -21651,16 +21592,7 @@
                 </a:solidFill>
                 <a:latin typeface="Bahnschrift" pitchFamily="34" charset="0"/>
               </a:rPr>
-              <a:t>Алгоритм работы </a:t>
-            </a:r>
-            <a:r>
-              <a:rPr lang="ru-RU" sz="2400" dirty="0" smtClean="0">
-                <a:solidFill>
-                  <a:srgbClr val="002B82"/>
-                </a:solidFill>
-                <a:latin typeface="Bahnschrift" pitchFamily="34" charset="0"/>
-              </a:rPr>
-              <a:t>интернет-эквайринга</a:t>
+              <a:t>Алгоритм работы интернет-эквайринга</a:t>
             </a:r>
             <a:endParaRPr lang="ru-RU" sz="2400" dirty="0">
               <a:solidFill>
@@ -21676,7 +21608,7 @@
           <p:cNvPr id="44" name="Номер слайда 43">
             <a:extLst>
               <a:ext uri="{FF2B5EF4-FFF2-40B4-BE49-F238E27FC236}">
-                <a16:creationId xmlns:a16="http://schemas.microsoft.com/office/drawing/2014/main" xmlns="" id="{420ECB19-C499-40CC-9648-2812AF3786DD}"/>
+                <a16:creationId xmlns="" xmlns:a16="http://schemas.microsoft.com/office/drawing/2014/main" id="{420ECB19-C499-40CC-9648-2812AF3786DD}"/>
               </a:ext>
             </a:extLst>
           </p:cNvPr>
@@ -22777,12 +22709,6 @@
               </a:rPr>
               <a:t>данных в базу эквайринга</a:t>
             </a:r>
-            <a:endParaRPr lang="ru-RU" sz="1100" dirty="0">
-              <a:solidFill>
-                <a:srgbClr val="002B82"/>
-              </a:solidFill>
-              <a:latin typeface="Bahnschrift" pitchFamily="34" charset="0"/>
-            </a:endParaRPr>
           </a:p>
         </p:txBody>
       </p:sp>
@@ -23109,13 +23035,13 @@
   <p:clrMapOvr>
     <a:masterClrMapping/>
   </p:clrMapOvr>
-  <mc:AlternateContent xmlns:mc="http://schemas.openxmlformats.org/markup-compatibility/2006">
-    <mc:Choice xmlns:p14="http://schemas.microsoft.com/office/powerpoint/2010/main" Requires="p14">
+  <mc:AlternateContent xmlns:mc="http://schemas.openxmlformats.org/markup-compatibility/2006" xmlns:p14="http://schemas.microsoft.com/office/powerpoint/2010/main">
+    <mc:Choice Requires="p14">
       <p:transition spd="med" p14:dur="700">
         <p:fade/>
       </p:transition>
     </mc:Choice>
-    <mc:Fallback>
+    <mc:Fallback xmlns="">
       <p:transition spd="med">
         <p:fade/>
       </p:transition>
@@ -23279,7 +23205,7 @@
           <p:cNvPr id="2" name="Номер слайда 1">
             <a:extLst>
               <a:ext uri="{FF2B5EF4-FFF2-40B4-BE49-F238E27FC236}">
-                <a16:creationId xmlns:a16="http://schemas.microsoft.com/office/drawing/2014/main" xmlns="" id="{6BB4B28D-E979-4BA2-9337-B0503B57F130}"/>
+                <a16:creationId xmlns="" xmlns:a16="http://schemas.microsoft.com/office/drawing/2014/main" id="{6BB4B28D-E979-4BA2-9337-B0503B57F130}"/>
               </a:ext>
             </a:extLst>
           </p:cNvPr>
@@ -23317,7 +23243,7 @@
           <p:cNvPr id="5" name="линия">
             <a:extLst>
               <a:ext uri="{FF2B5EF4-FFF2-40B4-BE49-F238E27FC236}">
-                <a16:creationId xmlns:a16="http://schemas.microsoft.com/office/drawing/2014/main" xmlns="" id="{2847F6A1-2518-415F-A064-C506E806D561}"/>
+                <a16:creationId xmlns="" xmlns:a16="http://schemas.microsoft.com/office/drawing/2014/main" id="{2847F6A1-2518-415F-A064-C506E806D561}"/>
               </a:ext>
             </a:extLst>
           </p:cNvPr>
@@ -23401,7 +23327,7 @@
           <p:cNvPr id="20" name="TextBox 19">
             <a:extLst>
               <a:ext uri="{FF2B5EF4-FFF2-40B4-BE49-F238E27FC236}">
-                <a16:creationId xmlns:a16="http://schemas.microsoft.com/office/drawing/2014/main" xmlns="" id="{0DAF1E99-18A8-45BE-8B3C-7CFA7E1CB1CD}"/>
+                <a16:creationId xmlns="" xmlns:a16="http://schemas.microsoft.com/office/drawing/2014/main" id="{0DAF1E99-18A8-45BE-8B3C-7CFA7E1CB1CD}"/>
               </a:ext>
             </a:extLst>
           </p:cNvPr>
@@ -23432,16 +23358,7 @@
                 </a:solidFill>
                 <a:latin typeface="Bahnschrift" pitchFamily="34" charset="0"/>
               </a:rPr>
-              <a:t>Проекты </a:t>
-            </a:r>
-            <a:r>
-              <a:rPr lang="ru-RU" sz="2400" dirty="0" smtClean="0">
-                <a:solidFill>
-                  <a:srgbClr val="002B82"/>
-                </a:solidFill>
-                <a:latin typeface="Bahnschrift" pitchFamily="34" charset="0"/>
-              </a:rPr>
-              <a:t>личных кабинетов пользователей</a:t>
+              <a:t>Проекты личных кабинетов пользователей</a:t>
             </a:r>
             <a:endParaRPr lang="ru-RU" sz="2400" dirty="0">
               <a:solidFill>
@@ -23848,13 +23765,13 @@
   <p:clrMapOvr>
     <a:masterClrMapping/>
   </p:clrMapOvr>
-  <mc:AlternateContent xmlns:mc="http://schemas.openxmlformats.org/markup-compatibility/2006">
-    <mc:Choice xmlns:p14="http://schemas.microsoft.com/office/powerpoint/2010/main" Requires="p14">
+  <mc:AlternateContent xmlns:mc="http://schemas.openxmlformats.org/markup-compatibility/2006" xmlns:p14="http://schemas.microsoft.com/office/powerpoint/2010/main">
+    <mc:Choice Requires="p14">
       <p:transition spd="med" p14:dur="700">
         <p:fade/>
       </p:transition>
     </mc:Choice>
-    <mc:Fallback>
+    <mc:Fallback xmlns="">
       <p:transition spd="med">
         <p:fade/>
       </p:transition>
@@ -24018,7 +23935,7 @@
           <p:cNvPr id="2" name="Номер слайда 1">
             <a:extLst>
               <a:ext uri="{FF2B5EF4-FFF2-40B4-BE49-F238E27FC236}">
-                <a16:creationId xmlns:a16="http://schemas.microsoft.com/office/drawing/2014/main" xmlns="" id="{87D73AA6-E9BE-4868-8EC4-659BBC272900}"/>
+                <a16:creationId xmlns="" xmlns:a16="http://schemas.microsoft.com/office/drawing/2014/main" id="{87D73AA6-E9BE-4868-8EC4-659BBC272900}"/>
               </a:ext>
             </a:extLst>
           </p:cNvPr>
@@ -24055,7 +23972,7 @@
           <p:cNvPr id="5" name="линия">
             <a:extLst>
               <a:ext uri="{FF2B5EF4-FFF2-40B4-BE49-F238E27FC236}">
-                <a16:creationId xmlns:a16="http://schemas.microsoft.com/office/drawing/2014/main" xmlns="" id="{306D1CEF-11F8-4575-8F50-1C8E8EE9FC32}"/>
+                <a16:creationId xmlns="" xmlns:a16="http://schemas.microsoft.com/office/drawing/2014/main" id="{306D1CEF-11F8-4575-8F50-1C8E8EE9FC32}"/>
               </a:ext>
             </a:extLst>
           </p:cNvPr>
@@ -24098,7 +24015,7 @@
           <p:cNvPr id="14" name="Группа 13">
             <a:extLst>
               <a:ext uri="{FF2B5EF4-FFF2-40B4-BE49-F238E27FC236}">
-                <a16:creationId xmlns:a16="http://schemas.microsoft.com/office/drawing/2014/main" xmlns="" id="{7AC06196-0706-4235-BF40-F4AEC4F5BCD9}"/>
+                <a16:creationId xmlns="" xmlns:a16="http://schemas.microsoft.com/office/drawing/2014/main" id="{7AC06196-0706-4235-BF40-F4AEC4F5BCD9}"/>
               </a:ext>
             </a:extLst>
           </p:cNvPr>
@@ -24118,7 +24035,7 @@
             <p:cNvPr id="7" name="Овал 6">
               <a:extLst>
                 <a:ext uri="{FF2B5EF4-FFF2-40B4-BE49-F238E27FC236}">
-                  <a16:creationId xmlns:a16="http://schemas.microsoft.com/office/drawing/2014/main" xmlns="" id="{B2EE98E4-2CD1-4979-9C04-6E8CD12D2628}"/>
+                  <a16:creationId xmlns="" xmlns:a16="http://schemas.microsoft.com/office/drawing/2014/main" id="{B2EE98E4-2CD1-4979-9C04-6E8CD12D2628}"/>
                 </a:ext>
               </a:extLst>
             </p:cNvPr>
@@ -24170,7 +24087,7 @@
             <p:cNvPr id="8" name="Круг: прозрачная заливка 7">
               <a:extLst>
                 <a:ext uri="{FF2B5EF4-FFF2-40B4-BE49-F238E27FC236}">
-                  <a16:creationId xmlns:a16="http://schemas.microsoft.com/office/drawing/2014/main" xmlns="" id="{D1C1E8E1-429C-4827-B674-C646F3473717}"/>
+                  <a16:creationId xmlns="" xmlns:a16="http://schemas.microsoft.com/office/drawing/2014/main" id="{D1C1E8E1-429C-4827-B674-C646F3473717}"/>
                 </a:ext>
               </a:extLst>
             </p:cNvPr>
@@ -24234,7 +24151,7 @@
             <p:cNvPr id="46" name="Рисунок 45">
               <a:extLst>
                 <a:ext uri="{FF2B5EF4-FFF2-40B4-BE49-F238E27FC236}">
-                  <a16:creationId xmlns:a16="http://schemas.microsoft.com/office/drawing/2014/main" xmlns="" id="{DAD73B74-D7AB-4E10-8AD7-41BA4F1D0B12}"/>
+                  <a16:creationId xmlns="" xmlns:a16="http://schemas.microsoft.com/office/drawing/2014/main" id="{DAD73B74-D7AB-4E10-8AD7-41BA4F1D0B12}"/>
                 </a:ext>
               </a:extLst>
             </p:cNvPr>
@@ -24271,7 +24188,7 @@
           <p:cNvPr id="17" name="Группа 16">
             <a:extLst>
               <a:ext uri="{FF2B5EF4-FFF2-40B4-BE49-F238E27FC236}">
-                <a16:creationId xmlns:a16="http://schemas.microsoft.com/office/drawing/2014/main" xmlns="" id="{A1854EFD-7FE9-40E6-8A1D-E2E52F464510}"/>
+                <a16:creationId xmlns="" xmlns:a16="http://schemas.microsoft.com/office/drawing/2014/main" id="{A1854EFD-7FE9-40E6-8A1D-E2E52F464510}"/>
               </a:ext>
             </a:extLst>
           </p:cNvPr>
@@ -24291,7 +24208,7 @@
             <p:cNvPr id="2056" name="Picture 8">
               <a:extLst>
                 <a:ext uri="{FF2B5EF4-FFF2-40B4-BE49-F238E27FC236}">
-                  <a16:creationId xmlns:a16="http://schemas.microsoft.com/office/drawing/2014/main" xmlns="" id="{D8DD109A-5925-4EA3-8EE8-743BEE07CED3}"/>
+                  <a16:creationId xmlns="" xmlns:a16="http://schemas.microsoft.com/office/drawing/2014/main" id="{D8DD109A-5925-4EA3-8EE8-743BEE07CED3}"/>
                 </a:ext>
               </a:extLst>
             </p:cNvPr>
@@ -24336,7 +24253,7 @@
             <p:cNvPr id="65" name="TextBox 64">
               <a:extLst>
                 <a:ext uri="{FF2B5EF4-FFF2-40B4-BE49-F238E27FC236}">
-                  <a16:creationId xmlns:a16="http://schemas.microsoft.com/office/drawing/2014/main" xmlns="" id="{098B258C-6796-4291-83FF-1D0079449437}"/>
+                  <a16:creationId xmlns="" xmlns:a16="http://schemas.microsoft.com/office/drawing/2014/main" id="{098B258C-6796-4291-83FF-1D0079449437}"/>
                 </a:ext>
               </a:extLst>
             </p:cNvPr>
@@ -24394,7 +24311,7 @@
           <p:cNvPr id="31" name="Группа 30">
             <a:extLst>
               <a:ext uri="{FF2B5EF4-FFF2-40B4-BE49-F238E27FC236}">
-                <a16:creationId xmlns:a16="http://schemas.microsoft.com/office/drawing/2014/main" xmlns="" id="{279AE22F-3138-4383-8BEE-0ED96A624206}"/>
+                <a16:creationId xmlns="" xmlns:a16="http://schemas.microsoft.com/office/drawing/2014/main" id="{279AE22F-3138-4383-8BEE-0ED96A624206}"/>
               </a:ext>
             </a:extLst>
           </p:cNvPr>
@@ -24414,7 +24331,7 @@
             <p:cNvPr id="2052" name="Picture 4">
               <a:extLst>
                 <a:ext uri="{FF2B5EF4-FFF2-40B4-BE49-F238E27FC236}">
-                  <a16:creationId xmlns:a16="http://schemas.microsoft.com/office/drawing/2014/main" xmlns="" id="{A9BE73A8-FAF3-4D59-9A35-057DA1A75DD3}"/>
+                  <a16:creationId xmlns="" xmlns:a16="http://schemas.microsoft.com/office/drawing/2014/main" id="{A9BE73A8-FAF3-4D59-9A35-057DA1A75DD3}"/>
                 </a:ext>
               </a:extLst>
             </p:cNvPr>
@@ -24459,7 +24376,7 @@
             <p:cNvPr id="76" name="TextBox 75">
               <a:extLst>
                 <a:ext uri="{FF2B5EF4-FFF2-40B4-BE49-F238E27FC236}">
-                  <a16:creationId xmlns:a16="http://schemas.microsoft.com/office/drawing/2014/main" xmlns="" id="{F323D2BF-96D8-4D61-85EB-0D788EE96DE6}"/>
+                  <a16:creationId xmlns="" xmlns:a16="http://schemas.microsoft.com/office/drawing/2014/main" id="{F323D2BF-96D8-4D61-85EB-0D788EE96DE6}"/>
                 </a:ext>
               </a:extLst>
             </p:cNvPr>
@@ -24537,7 +24454,7 @@
           <p:cNvPr id="25" name="Овал 24">
             <a:extLst>
               <a:ext uri="{FF2B5EF4-FFF2-40B4-BE49-F238E27FC236}">
-                <a16:creationId xmlns:a16="http://schemas.microsoft.com/office/drawing/2014/main" xmlns="" id="{25D0F594-E637-4696-9EA5-C10BFA9DC0E6}"/>
+                <a16:creationId xmlns="" xmlns:a16="http://schemas.microsoft.com/office/drawing/2014/main" id="{25D0F594-E637-4696-9EA5-C10BFA9DC0E6}"/>
               </a:ext>
             </a:extLst>
           </p:cNvPr>
@@ -24598,7 +24515,7 @@
           <p:cNvPr id="10" name="Овал 9">
             <a:extLst>
               <a:ext uri="{FF2B5EF4-FFF2-40B4-BE49-F238E27FC236}">
-                <a16:creationId xmlns:a16="http://schemas.microsoft.com/office/drawing/2014/main" xmlns="" id="{C1966F51-3C35-4B8E-B7F7-07B01BC494C5}"/>
+                <a16:creationId xmlns="" xmlns:a16="http://schemas.microsoft.com/office/drawing/2014/main" id="{C1966F51-3C35-4B8E-B7F7-07B01BC494C5}"/>
               </a:ext>
             </a:extLst>
           </p:cNvPr>
@@ -24659,7 +24576,7 @@
           <p:cNvPr id="19" name="Овал 18">
             <a:extLst>
               <a:ext uri="{FF2B5EF4-FFF2-40B4-BE49-F238E27FC236}">
-                <a16:creationId xmlns:a16="http://schemas.microsoft.com/office/drawing/2014/main" xmlns="" id="{018D9849-2587-4129-BD35-9FA3FD5BC6BE}"/>
+                <a16:creationId xmlns="" xmlns:a16="http://schemas.microsoft.com/office/drawing/2014/main" id="{018D9849-2587-4129-BD35-9FA3FD5BC6BE}"/>
               </a:ext>
             </a:extLst>
           </p:cNvPr>
@@ -24720,7 +24637,7 @@
           <p:cNvPr id="21" name="Овал 20">
             <a:extLst>
               <a:ext uri="{FF2B5EF4-FFF2-40B4-BE49-F238E27FC236}">
-                <a16:creationId xmlns:a16="http://schemas.microsoft.com/office/drawing/2014/main" xmlns="" id="{6BA62742-2DF8-40D0-A1FD-236C096A3AA4}"/>
+                <a16:creationId xmlns="" xmlns:a16="http://schemas.microsoft.com/office/drawing/2014/main" id="{6BA62742-2DF8-40D0-A1FD-236C096A3AA4}"/>
               </a:ext>
             </a:extLst>
           </p:cNvPr>
@@ -24781,7 +24698,7 @@
           <p:cNvPr id="23" name="Овал 22">
             <a:extLst>
               <a:ext uri="{FF2B5EF4-FFF2-40B4-BE49-F238E27FC236}">
-                <a16:creationId xmlns:a16="http://schemas.microsoft.com/office/drawing/2014/main" xmlns="" id="{BDB6D750-915E-4CC2-AB97-B1AB52819E9B}"/>
+                <a16:creationId xmlns="" xmlns:a16="http://schemas.microsoft.com/office/drawing/2014/main" id="{BDB6D750-915E-4CC2-AB97-B1AB52819E9B}"/>
               </a:ext>
             </a:extLst>
           </p:cNvPr>
@@ -24883,7 +24800,7 @@
           <p:cNvPr id="53" name="TextBox 52">
             <a:extLst>
               <a:ext uri="{FF2B5EF4-FFF2-40B4-BE49-F238E27FC236}">
-                <a16:creationId xmlns:a16="http://schemas.microsoft.com/office/drawing/2014/main" xmlns="" id="{0DAF1E99-18A8-45BE-8B3C-7CFA7E1CB1CD}"/>
+                <a16:creationId xmlns="" xmlns:a16="http://schemas.microsoft.com/office/drawing/2014/main" id="{0DAF1E99-18A8-45BE-8B3C-7CFA7E1CB1CD}"/>
               </a:ext>
             </a:extLst>
           </p:cNvPr>
@@ -25171,7 +25088,7 @@
           <p:cNvPr id="57" name="TextBox 56">
             <a:extLst>
               <a:ext uri="{FF2B5EF4-FFF2-40B4-BE49-F238E27FC236}">
-                <a16:creationId xmlns:a16="http://schemas.microsoft.com/office/drawing/2014/main" xmlns="" id="{F323D2BF-96D8-4D61-85EB-0D788EE96DE6}"/>
+                <a16:creationId xmlns="" xmlns:a16="http://schemas.microsoft.com/office/drawing/2014/main" id="{F323D2BF-96D8-4D61-85EB-0D788EE96DE6}"/>
               </a:ext>
             </a:extLst>
           </p:cNvPr>
@@ -25228,7 +25145,7 @@
           <p:cNvPr id="58" name="TextBox 57">
             <a:extLst>
               <a:ext uri="{FF2B5EF4-FFF2-40B4-BE49-F238E27FC236}">
-                <a16:creationId xmlns:a16="http://schemas.microsoft.com/office/drawing/2014/main" xmlns="" id="{F323D2BF-96D8-4D61-85EB-0D788EE96DE6}"/>
+                <a16:creationId xmlns="" xmlns:a16="http://schemas.microsoft.com/office/drawing/2014/main" id="{F323D2BF-96D8-4D61-85EB-0D788EE96DE6}"/>
               </a:ext>
             </a:extLst>
           </p:cNvPr>
@@ -25305,7 +25222,7 @@
           <p:cNvPr id="59" name="Овал 58">
             <a:extLst>
               <a:ext uri="{FF2B5EF4-FFF2-40B4-BE49-F238E27FC236}">
-                <a16:creationId xmlns:a16="http://schemas.microsoft.com/office/drawing/2014/main" xmlns="" id="{6BA62742-2DF8-40D0-A1FD-236C096A3AA4}"/>
+                <a16:creationId xmlns="" xmlns:a16="http://schemas.microsoft.com/office/drawing/2014/main" id="{6BA62742-2DF8-40D0-A1FD-236C096A3AA4}"/>
               </a:ext>
             </a:extLst>
           </p:cNvPr>
@@ -25407,7 +25324,7 @@
           <p:cNvPr id="60" name="TextBox 59">
             <a:extLst>
               <a:ext uri="{FF2B5EF4-FFF2-40B4-BE49-F238E27FC236}">
-                <a16:creationId xmlns:a16="http://schemas.microsoft.com/office/drawing/2014/main" xmlns="" id="{F323D2BF-96D8-4D61-85EB-0D788EE96DE6}"/>
+                <a16:creationId xmlns="" xmlns:a16="http://schemas.microsoft.com/office/drawing/2014/main" id="{F323D2BF-96D8-4D61-85EB-0D788EE96DE6}"/>
               </a:ext>
             </a:extLst>
           </p:cNvPr>
@@ -25567,7 +25484,7 @@
           <p:cNvPr id="61" name="TextBox 60">
             <a:extLst>
               <a:ext uri="{FF2B5EF4-FFF2-40B4-BE49-F238E27FC236}">
-                <a16:creationId xmlns:a16="http://schemas.microsoft.com/office/drawing/2014/main" xmlns="" id="{F323D2BF-96D8-4D61-85EB-0D788EE96DE6}"/>
+                <a16:creationId xmlns="" xmlns:a16="http://schemas.microsoft.com/office/drawing/2014/main" id="{F323D2BF-96D8-4D61-85EB-0D788EE96DE6}"/>
               </a:ext>
             </a:extLst>
           </p:cNvPr>
@@ -25621,13 +25538,13 @@
   <p:clrMapOvr>
     <a:masterClrMapping/>
   </p:clrMapOvr>
-  <mc:AlternateContent xmlns:mc="http://schemas.openxmlformats.org/markup-compatibility/2006">
-    <mc:Choice xmlns:p14="http://schemas.microsoft.com/office/powerpoint/2010/main" Requires="p14">
+  <mc:AlternateContent xmlns:mc="http://schemas.openxmlformats.org/markup-compatibility/2006" xmlns:p14="http://schemas.microsoft.com/office/powerpoint/2010/main">
+    <mc:Choice Requires="p14">
       <p:transition spd="med" p14:dur="700">
         <p:fade/>
       </p:transition>
     </mc:Choice>
-    <mc:Fallback>
+    <mc:Fallback xmlns="">
       <p:transition spd="med">
         <p:fade/>
       </p:transition>
@@ -25791,7 +25708,7 @@
           <p:cNvPr id="2" name="Номер слайда 1">
             <a:extLst>
               <a:ext uri="{FF2B5EF4-FFF2-40B4-BE49-F238E27FC236}">
-                <a16:creationId xmlns:a16="http://schemas.microsoft.com/office/drawing/2014/main" xmlns="" id="{F752072B-5092-4F88-88FB-AF2D602AB40C}"/>
+                <a16:creationId xmlns="" xmlns:a16="http://schemas.microsoft.com/office/drawing/2014/main" id="{F752072B-5092-4F88-88FB-AF2D602AB40C}"/>
               </a:ext>
             </a:extLst>
           </p:cNvPr>
@@ -25869,7 +25786,7 @@
           <p:cNvPr id="68" name="TextBox 67">
             <a:extLst>
               <a:ext uri="{FF2B5EF4-FFF2-40B4-BE49-F238E27FC236}">
-                <a16:creationId xmlns:a16="http://schemas.microsoft.com/office/drawing/2014/main" xmlns="" id="{0DAF1E99-18A8-45BE-8B3C-7CFA7E1CB1CD}"/>
+                <a16:creationId xmlns="" xmlns:a16="http://schemas.microsoft.com/office/drawing/2014/main" id="{0DAF1E99-18A8-45BE-8B3C-7CFA7E1CB1CD}"/>
               </a:ext>
             </a:extLst>
           </p:cNvPr>
@@ -26122,13 +26039,13 @@
   <p:clrMapOvr>
     <a:masterClrMapping/>
   </p:clrMapOvr>
-  <mc:AlternateContent xmlns:mc="http://schemas.openxmlformats.org/markup-compatibility/2006">
-    <mc:Choice xmlns:p14="http://schemas.microsoft.com/office/powerpoint/2010/main" Requires="p14">
+  <mc:AlternateContent xmlns:mc="http://schemas.openxmlformats.org/markup-compatibility/2006" xmlns:p14="http://schemas.microsoft.com/office/powerpoint/2010/main">
+    <mc:Choice Requires="p14">
       <p:transition spd="med" p14:dur="700">
         <p:fade/>
       </p:transition>
     </mc:Choice>
-    <mc:Fallback>
+    <mc:Fallback xmlns="">
       <p:transition spd="med">
         <p:fade/>
       </p:transition>
@@ -26292,7 +26209,7 @@
           <p:cNvPr id="2" name="Номер слайда 1">
             <a:extLst>
               <a:ext uri="{FF2B5EF4-FFF2-40B4-BE49-F238E27FC236}">
-                <a16:creationId xmlns:a16="http://schemas.microsoft.com/office/drawing/2014/main" xmlns="" id="{F752072B-5092-4F88-88FB-AF2D602AB40C}"/>
+                <a16:creationId xmlns="" xmlns:a16="http://schemas.microsoft.com/office/drawing/2014/main" id="{F752072B-5092-4F88-88FB-AF2D602AB40C}"/>
               </a:ext>
             </a:extLst>
           </p:cNvPr>
@@ -26370,7 +26287,7 @@
           <p:cNvPr id="10" name="TextBox 9">
             <a:extLst>
               <a:ext uri="{FF2B5EF4-FFF2-40B4-BE49-F238E27FC236}">
-                <a16:creationId xmlns:a16="http://schemas.microsoft.com/office/drawing/2014/main" xmlns="" id="{0DAF1E99-18A8-45BE-8B3C-7CFA7E1CB1CD}"/>
+                <a16:creationId xmlns="" xmlns:a16="http://schemas.microsoft.com/office/drawing/2014/main" id="{0DAF1E99-18A8-45BE-8B3C-7CFA7E1CB1CD}"/>
               </a:ext>
             </a:extLst>
           </p:cNvPr>
@@ -26673,21 +26590,7 @@
                 <a:latin typeface="Courier New" pitchFamily="49" charset="0"/>
                 <a:cs typeface="Courier New" pitchFamily="49" charset="0"/>
               </a:rPr>
-              <a:t>result": </a:t>
-            </a:r>
-            <a:r>
-              <a:rPr lang="da-DK" sz="1200" dirty="0">
-                <a:latin typeface="Courier New" pitchFamily="49" charset="0"/>
-                <a:cs typeface="Courier New" pitchFamily="49" charset="0"/>
-              </a:rPr>
-              <a:t>0</a:t>
-            </a:r>
-            <a:r>
-              <a:rPr lang="da-DK" sz="1200" dirty="0">
-                <a:latin typeface="Courier New" pitchFamily="49" charset="0"/>
-                <a:cs typeface="Courier New" pitchFamily="49" charset="0"/>
-              </a:rPr>
-              <a:t>, </a:t>
+              <a:t>result": 0, </a:t>
             </a:r>
             <a:endParaRPr lang="da-DK" sz="1200" dirty="0" smtClean="0">
               <a:latin typeface="Courier New" pitchFamily="49" charset="0"/>
@@ -26707,21 +26610,7 @@
                 <a:latin typeface="Courier New" pitchFamily="49" charset="0"/>
                 <a:cs typeface="Courier New" pitchFamily="49" charset="0"/>
               </a:rPr>
-              <a:t>message": </a:t>
-            </a:r>
-            <a:r>
-              <a:rPr lang="da-DK" sz="1200" dirty="0">
-                <a:latin typeface="Courier New" pitchFamily="49" charset="0"/>
-                <a:cs typeface="Courier New" pitchFamily="49" charset="0"/>
-              </a:rPr>
-              <a:t>"string"</a:t>
-            </a:r>
-            <a:r>
-              <a:rPr lang="da-DK" sz="1200" dirty="0">
-                <a:latin typeface="Courier New" pitchFamily="49" charset="0"/>
-                <a:cs typeface="Courier New" pitchFamily="49" charset="0"/>
-              </a:rPr>
-              <a:t>, </a:t>
+              <a:t>message": "string", </a:t>
             </a:r>
             <a:endParaRPr lang="da-DK" sz="1200" dirty="0" smtClean="0">
               <a:latin typeface="Courier New" pitchFamily="49" charset="0"/>
@@ -26741,21 +26630,7 @@
                 <a:latin typeface="Courier New" pitchFamily="49" charset="0"/>
                 <a:cs typeface="Courier New" pitchFamily="49" charset="0"/>
               </a:rPr>
-              <a:t>balance": </a:t>
-            </a:r>
-            <a:r>
-              <a:rPr lang="da-DK" sz="1200" dirty="0">
-                <a:latin typeface="Courier New" pitchFamily="49" charset="0"/>
-                <a:cs typeface="Courier New" pitchFamily="49" charset="0"/>
-              </a:rPr>
-              <a:t>0</a:t>
-            </a:r>
-            <a:r>
-              <a:rPr lang="da-DK" sz="1200" dirty="0">
-                <a:latin typeface="Courier New" pitchFamily="49" charset="0"/>
-                <a:cs typeface="Courier New" pitchFamily="49" charset="0"/>
-              </a:rPr>
-              <a:t> </a:t>
+              <a:t>balance": 0 </a:t>
             </a:r>
             <a:endParaRPr lang="da-DK" sz="1200" dirty="0" smtClean="0">
               <a:latin typeface="Courier New" pitchFamily="49" charset="0"/>
@@ -27993,13 +27868,13 @@
   <p:clrMapOvr>
     <a:masterClrMapping/>
   </p:clrMapOvr>
-  <mc:AlternateContent xmlns:mc="http://schemas.openxmlformats.org/markup-compatibility/2006">
-    <mc:Choice xmlns:p14="http://schemas.microsoft.com/office/powerpoint/2010/main" Requires="p14">
+  <mc:AlternateContent xmlns:mc="http://schemas.openxmlformats.org/markup-compatibility/2006" xmlns:p14="http://schemas.microsoft.com/office/powerpoint/2010/main">
+    <mc:Choice Requires="p14">
       <p:transition spd="med" p14:dur="700">
         <p:fade/>
       </p:transition>
     </mc:Choice>
-    <mc:Fallback>
+    <mc:Fallback xmlns="">
       <p:transition spd="med">
         <p:fade/>
       </p:transition>
@@ -28163,7 +28038,7 @@
           <p:cNvPr id="2" name="Номер слайда 1">
             <a:extLst>
               <a:ext uri="{FF2B5EF4-FFF2-40B4-BE49-F238E27FC236}">
-                <a16:creationId xmlns:a16="http://schemas.microsoft.com/office/drawing/2014/main" xmlns="" id="{D6B69D13-6D53-45B5-A583-3CF84ACCD4BE}"/>
+                <a16:creationId xmlns="" xmlns:a16="http://schemas.microsoft.com/office/drawing/2014/main" id="{D6B69D13-6D53-45B5-A583-3CF84ACCD4BE}"/>
               </a:ext>
             </a:extLst>
           </p:cNvPr>
@@ -28241,7 +28116,7 @@
           <p:cNvPr id="9" name="TextBox 8">
             <a:extLst>
               <a:ext uri="{FF2B5EF4-FFF2-40B4-BE49-F238E27FC236}">
-                <a16:creationId xmlns:a16="http://schemas.microsoft.com/office/drawing/2014/main" xmlns="" id="{0DAF1E99-18A8-45BE-8B3C-7CFA7E1CB1CD}"/>
+                <a16:creationId xmlns="" xmlns:a16="http://schemas.microsoft.com/office/drawing/2014/main" id="{0DAF1E99-18A8-45BE-8B3C-7CFA7E1CB1CD}"/>
               </a:ext>
             </a:extLst>
           </p:cNvPr>
@@ -28458,21 +28333,7 @@
                 <a:latin typeface="Courier New" pitchFamily="49" charset="0"/>
                 <a:cs typeface="Courier New" pitchFamily="49" charset="0"/>
               </a:rPr>
-              <a:t>merchant": </a:t>
-            </a:r>
-            <a:r>
-              <a:rPr lang="en-US" sz="1200" dirty="0">
-                <a:latin typeface="Courier New" pitchFamily="49" charset="0"/>
-                <a:cs typeface="Courier New" pitchFamily="49" charset="0"/>
-              </a:rPr>
-              <a:t>"string"</a:t>
-            </a:r>
-            <a:r>
-              <a:rPr lang="en-US" sz="1200" dirty="0">
-                <a:latin typeface="Courier New" pitchFamily="49" charset="0"/>
-                <a:cs typeface="Courier New" pitchFamily="49" charset="0"/>
-              </a:rPr>
-              <a:t>, </a:t>
+              <a:t>merchant": "string", </a:t>
             </a:r>
             <a:endParaRPr lang="en-US" sz="1200" dirty="0" smtClean="0">
               <a:latin typeface="Courier New" pitchFamily="49" charset="0"/>
@@ -28492,21 +28353,7 @@
                 <a:latin typeface="Courier New" pitchFamily="49" charset="0"/>
                 <a:cs typeface="Courier New" pitchFamily="49" charset="0"/>
               </a:rPr>
-              <a:t>password": </a:t>
-            </a:r>
-            <a:r>
-              <a:rPr lang="en-US" sz="1200" dirty="0">
-                <a:latin typeface="Courier New" pitchFamily="49" charset="0"/>
-                <a:cs typeface="Courier New" pitchFamily="49" charset="0"/>
-              </a:rPr>
-              <a:t>"string"</a:t>
-            </a:r>
-            <a:r>
-              <a:rPr lang="en-US" sz="1200" dirty="0">
-                <a:latin typeface="Courier New" pitchFamily="49" charset="0"/>
-                <a:cs typeface="Courier New" pitchFamily="49" charset="0"/>
-              </a:rPr>
-              <a:t>, </a:t>
+              <a:t>password": "string", </a:t>
             </a:r>
             <a:endParaRPr lang="en-US" sz="1200" dirty="0" smtClean="0">
               <a:latin typeface="Courier New" pitchFamily="49" charset="0"/>
@@ -28533,21 +28380,7 @@
                 <a:latin typeface="Courier New" pitchFamily="49" charset="0"/>
                 <a:cs typeface="Courier New" pitchFamily="49" charset="0"/>
               </a:rPr>
-              <a:t>": </a:t>
-            </a:r>
-            <a:r>
-              <a:rPr lang="en-US" sz="1200" dirty="0">
-                <a:latin typeface="Courier New" pitchFamily="49" charset="0"/>
-                <a:cs typeface="Courier New" pitchFamily="49" charset="0"/>
-              </a:rPr>
-              <a:t>"string"</a:t>
-            </a:r>
-            <a:r>
-              <a:rPr lang="en-US" sz="1200" dirty="0">
-                <a:latin typeface="Courier New" pitchFamily="49" charset="0"/>
-                <a:cs typeface="Courier New" pitchFamily="49" charset="0"/>
-              </a:rPr>
-              <a:t>, </a:t>
+              <a:t>": "string", </a:t>
             </a:r>
             <a:endParaRPr lang="en-US" sz="1200" dirty="0" smtClean="0">
               <a:latin typeface="Courier New" pitchFamily="49" charset="0"/>
@@ -28574,21 +28407,7 @@
                 <a:latin typeface="Courier New" pitchFamily="49" charset="0"/>
                 <a:cs typeface="Courier New" pitchFamily="49" charset="0"/>
               </a:rPr>
-              <a:t>": </a:t>
-            </a:r>
-            <a:r>
-              <a:rPr lang="en-US" sz="1200" dirty="0">
-                <a:latin typeface="Courier New" pitchFamily="49" charset="0"/>
-                <a:cs typeface="Courier New" pitchFamily="49" charset="0"/>
-              </a:rPr>
-              <a:t>"string"</a:t>
-            </a:r>
-            <a:r>
-              <a:rPr lang="en-US" sz="1200" dirty="0">
-                <a:latin typeface="Courier New" pitchFamily="49" charset="0"/>
-                <a:cs typeface="Courier New" pitchFamily="49" charset="0"/>
-              </a:rPr>
-              <a:t>, </a:t>
+              <a:t>": "string", </a:t>
             </a:r>
             <a:endParaRPr lang="en-US" sz="1200" dirty="0" smtClean="0">
               <a:latin typeface="Courier New" pitchFamily="49" charset="0"/>
@@ -28608,21 +28427,7 @@
                 <a:latin typeface="Courier New" pitchFamily="49" charset="0"/>
                 <a:cs typeface="Courier New" pitchFamily="49" charset="0"/>
               </a:rPr>
-              <a:t>description": </a:t>
-            </a:r>
-            <a:r>
-              <a:rPr lang="en-US" sz="1200" dirty="0">
-                <a:latin typeface="Courier New" pitchFamily="49" charset="0"/>
-                <a:cs typeface="Courier New" pitchFamily="49" charset="0"/>
-              </a:rPr>
-              <a:t>"string"</a:t>
-            </a:r>
-            <a:r>
-              <a:rPr lang="en-US" sz="1200" dirty="0">
-                <a:latin typeface="Courier New" pitchFamily="49" charset="0"/>
-                <a:cs typeface="Courier New" pitchFamily="49" charset="0"/>
-              </a:rPr>
-              <a:t>, </a:t>
+              <a:t>description": "string", </a:t>
             </a:r>
             <a:endParaRPr lang="en-US" sz="1200" dirty="0" smtClean="0">
               <a:latin typeface="Courier New" pitchFamily="49" charset="0"/>
@@ -28642,21 +28447,7 @@
                 <a:latin typeface="Courier New" pitchFamily="49" charset="0"/>
                 <a:cs typeface="Courier New" pitchFamily="49" charset="0"/>
               </a:rPr>
-              <a:t>amount": </a:t>
-            </a:r>
-            <a:r>
-              <a:rPr lang="en-US" sz="1200" dirty="0">
-                <a:latin typeface="Courier New" pitchFamily="49" charset="0"/>
-                <a:cs typeface="Courier New" pitchFamily="49" charset="0"/>
-              </a:rPr>
-              <a:t>0</a:t>
-            </a:r>
-            <a:r>
-              <a:rPr lang="en-US" sz="1200" dirty="0">
-                <a:latin typeface="Courier New" pitchFamily="49" charset="0"/>
-                <a:cs typeface="Courier New" pitchFamily="49" charset="0"/>
-              </a:rPr>
-              <a:t>, </a:t>
+              <a:t>amount": 0, </a:t>
             </a:r>
             <a:endParaRPr lang="en-US" sz="1200" dirty="0" smtClean="0">
               <a:latin typeface="Courier New" pitchFamily="49" charset="0"/>
@@ -28683,21 +28474,7 @@
                 <a:latin typeface="Courier New" pitchFamily="49" charset="0"/>
                 <a:cs typeface="Courier New" pitchFamily="49" charset="0"/>
               </a:rPr>
-              <a:t>": </a:t>
-            </a:r>
-            <a:r>
-              <a:rPr lang="en-US" sz="1200" dirty="0">
-                <a:latin typeface="Courier New" pitchFamily="49" charset="0"/>
-                <a:cs typeface="Courier New" pitchFamily="49" charset="0"/>
-              </a:rPr>
-              <a:t>"string"</a:t>
-            </a:r>
-            <a:r>
-              <a:rPr lang="en-US" sz="1200" dirty="0">
-                <a:latin typeface="Courier New" pitchFamily="49" charset="0"/>
-                <a:cs typeface="Courier New" pitchFamily="49" charset="0"/>
-              </a:rPr>
-              <a:t>, </a:t>
+              <a:t>": "string", </a:t>
             </a:r>
             <a:endParaRPr lang="en-US" sz="1200" dirty="0" smtClean="0">
               <a:latin typeface="Courier New" pitchFamily="49" charset="0"/>
@@ -28724,21 +28501,7 @@
                 <a:latin typeface="Courier New" pitchFamily="49" charset="0"/>
                 <a:cs typeface="Courier New" pitchFamily="49" charset="0"/>
               </a:rPr>
-              <a:t>": </a:t>
-            </a:r>
-            <a:r>
-              <a:rPr lang="en-US" sz="1200" dirty="0">
-                <a:latin typeface="Courier New" pitchFamily="49" charset="0"/>
-                <a:cs typeface="Courier New" pitchFamily="49" charset="0"/>
-              </a:rPr>
-              <a:t>"string"</a:t>
-            </a:r>
-            <a:r>
-              <a:rPr lang="en-US" sz="1200" dirty="0">
-                <a:latin typeface="Courier New" pitchFamily="49" charset="0"/>
-                <a:cs typeface="Courier New" pitchFamily="49" charset="0"/>
-              </a:rPr>
-              <a:t>, </a:t>
+              <a:t>": "string", </a:t>
             </a:r>
             <a:endParaRPr lang="en-US" sz="1200" dirty="0" smtClean="0">
               <a:latin typeface="Courier New" pitchFamily="49" charset="0"/>
@@ -28765,21 +28528,7 @@
                 <a:latin typeface="Courier New" pitchFamily="49" charset="0"/>
                 <a:cs typeface="Courier New" pitchFamily="49" charset="0"/>
               </a:rPr>
-              <a:t>": </a:t>
-            </a:r>
-            <a:r>
-              <a:rPr lang="en-US" sz="1200" dirty="0">
-                <a:latin typeface="Courier New" pitchFamily="49" charset="0"/>
-                <a:cs typeface="Courier New" pitchFamily="49" charset="0"/>
-              </a:rPr>
-              <a:t>"string"</a:t>
-            </a:r>
-            <a:r>
-              <a:rPr lang="en-US" sz="1200" dirty="0">
-                <a:latin typeface="Courier New" pitchFamily="49" charset="0"/>
-                <a:cs typeface="Courier New" pitchFamily="49" charset="0"/>
-              </a:rPr>
-              <a:t>, </a:t>
+              <a:t>": "string", </a:t>
             </a:r>
             <a:endParaRPr lang="en-US" sz="1200" dirty="0" smtClean="0">
               <a:latin typeface="Courier New" pitchFamily="49" charset="0"/>
@@ -28806,21 +28555,7 @@
                 <a:latin typeface="Courier New" pitchFamily="49" charset="0"/>
                 <a:cs typeface="Courier New" pitchFamily="49" charset="0"/>
               </a:rPr>
-              <a:t>": </a:t>
-            </a:r>
-            <a:r>
-              <a:rPr lang="en-US" sz="1200" dirty="0">
-                <a:latin typeface="Courier New" pitchFamily="49" charset="0"/>
-                <a:cs typeface="Courier New" pitchFamily="49" charset="0"/>
-              </a:rPr>
-              <a:t>"string"</a:t>
-            </a:r>
-            <a:r>
-              <a:rPr lang="en-US" sz="1200" dirty="0">
-                <a:latin typeface="Courier New" pitchFamily="49" charset="0"/>
-                <a:cs typeface="Courier New" pitchFamily="49" charset="0"/>
-              </a:rPr>
-              <a:t> </a:t>
+              <a:t>": "string" </a:t>
             </a:r>
             <a:endParaRPr lang="en-US" sz="1200" dirty="0" smtClean="0">
               <a:latin typeface="Courier New" pitchFamily="49" charset="0"/>
@@ -28889,21 +28624,7 @@
                 <a:latin typeface="Courier New" pitchFamily="49" charset="0"/>
                 <a:cs typeface="Courier New" pitchFamily="49" charset="0"/>
               </a:rPr>
-              <a:t>result": </a:t>
-            </a:r>
-            <a:r>
-              <a:rPr lang="en-US" sz="1200" dirty="0">
-                <a:latin typeface="Courier New" pitchFamily="49" charset="0"/>
-                <a:cs typeface="Courier New" pitchFamily="49" charset="0"/>
-              </a:rPr>
-              <a:t>0</a:t>
-            </a:r>
-            <a:r>
-              <a:rPr lang="en-US" sz="1200" dirty="0">
-                <a:latin typeface="Courier New" pitchFamily="49" charset="0"/>
-                <a:cs typeface="Courier New" pitchFamily="49" charset="0"/>
-              </a:rPr>
-              <a:t>, </a:t>
+              <a:t>result": 0, </a:t>
             </a:r>
             <a:endParaRPr lang="en-US" sz="1200" dirty="0" smtClean="0">
               <a:latin typeface="Courier New" pitchFamily="49" charset="0"/>
@@ -28923,21 +28644,7 @@
                 <a:latin typeface="Courier New" pitchFamily="49" charset="0"/>
                 <a:cs typeface="Courier New" pitchFamily="49" charset="0"/>
               </a:rPr>
-              <a:t>message": </a:t>
-            </a:r>
-            <a:r>
-              <a:rPr lang="en-US" sz="1200" dirty="0">
-                <a:latin typeface="Courier New" pitchFamily="49" charset="0"/>
-                <a:cs typeface="Courier New" pitchFamily="49" charset="0"/>
-              </a:rPr>
-              <a:t>"string"</a:t>
-            </a:r>
-            <a:r>
-              <a:rPr lang="en-US" sz="1200" dirty="0">
-                <a:latin typeface="Courier New" pitchFamily="49" charset="0"/>
-                <a:cs typeface="Courier New" pitchFamily="49" charset="0"/>
-              </a:rPr>
-              <a:t>, </a:t>
+              <a:t>message": "string", </a:t>
             </a:r>
             <a:endParaRPr lang="en-US" sz="1200" dirty="0" smtClean="0">
               <a:latin typeface="Courier New" pitchFamily="49" charset="0"/>
@@ -28964,21 +28671,7 @@
                 <a:latin typeface="Courier New" pitchFamily="49" charset="0"/>
                 <a:cs typeface="Courier New" pitchFamily="49" charset="0"/>
               </a:rPr>
-              <a:t>": </a:t>
-            </a:r>
-            <a:r>
-              <a:rPr lang="en-US" sz="1200" dirty="0">
-                <a:latin typeface="Courier New" pitchFamily="49" charset="0"/>
-                <a:cs typeface="Courier New" pitchFamily="49" charset="0"/>
-              </a:rPr>
-              <a:t>"string"</a:t>
-            </a:r>
-            <a:r>
-              <a:rPr lang="en-US" sz="1200" dirty="0">
-                <a:latin typeface="Courier New" pitchFamily="49" charset="0"/>
-                <a:cs typeface="Courier New" pitchFamily="49" charset="0"/>
-              </a:rPr>
-              <a:t>, </a:t>
+              <a:t>": "string", </a:t>
             </a:r>
             <a:endParaRPr lang="en-US" sz="1200" dirty="0" smtClean="0">
               <a:latin typeface="Courier New" pitchFamily="49" charset="0"/>
@@ -29005,21 +28698,7 @@
                 <a:latin typeface="Courier New" pitchFamily="49" charset="0"/>
                 <a:cs typeface="Courier New" pitchFamily="49" charset="0"/>
               </a:rPr>
-              <a:t>": </a:t>
-            </a:r>
-            <a:r>
-              <a:rPr lang="en-US" sz="1200" dirty="0">
-                <a:latin typeface="Courier New" pitchFamily="49" charset="0"/>
-                <a:cs typeface="Courier New" pitchFamily="49" charset="0"/>
-              </a:rPr>
-              <a:t>"string"</a:t>
-            </a:r>
-            <a:r>
-              <a:rPr lang="en-US" sz="1200" dirty="0">
-                <a:latin typeface="Courier New" pitchFamily="49" charset="0"/>
-                <a:cs typeface="Courier New" pitchFamily="49" charset="0"/>
-              </a:rPr>
-              <a:t>, </a:t>
+              <a:t>": "string", </a:t>
             </a:r>
             <a:endParaRPr lang="en-US" sz="1200" dirty="0" smtClean="0">
               <a:latin typeface="Courier New" pitchFamily="49" charset="0"/>
@@ -29046,21 +28725,7 @@
                 <a:latin typeface="Courier New" pitchFamily="49" charset="0"/>
                 <a:cs typeface="Courier New" pitchFamily="49" charset="0"/>
               </a:rPr>
-              <a:t>": </a:t>
-            </a:r>
-            <a:r>
-              <a:rPr lang="en-US" sz="1200" dirty="0">
-                <a:latin typeface="Courier New" pitchFamily="49" charset="0"/>
-                <a:cs typeface="Courier New" pitchFamily="49" charset="0"/>
-              </a:rPr>
-              <a:t>"string"</a:t>
-            </a:r>
-            <a:r>
-              <a:rPr lang="en-US" sz="1200" dirty="0">
-                <a:latin typeface="Courier New" pitchFamily="49" charset="0"/>
-                <a:cs typeface="Courier New" pitchFamily="49" charset="0"/>
-              </a:rPr>
-              <a:t> </a:t>
+              <a:t>": "string" </a:t>
             </a:r>
             <a:endParaRPr lang="en-US" sz="1200" dirty="0" smtClean="0">
               <a:latin typeface="Courier New" pitchFamily="49" charset="0"/>
@@ -30756,13 +30421,13 @@
   <p:clrMapOvr>
     <a:masterClrMapping/>
   </p:clrMapOvr>
-  <mc:AlternateContent xmlns:mc="http://schemas.openxmlformats.org/markup-compatibility/2006">
-    <mc:Choice xmlns:p14="http://schemas.microsoft.com/office/powerpoint/2010/main" Requires="p14">
+  <mc:AlternateContent xmlns:mc="http://schemas.openxmlformats.org/markup-compatibility/2006" xmlns:p14="http://schemas.microsoft.com/office/powerpoint/2010/main">
+    <mc:Choice Requires="p14">
       <p:transition spd="med" p14:dur="700">
         <p:fade/>
       </p:transition>
     </mc:Choice>
-    <mc:Fallback>
+    <mc:Fallback xmlns="">
       <p:transition spd="med">
         <p:fade/>
       </p:transition>
@@ -31067,7 +30732,7 @@
   <a:extraClrSchemeLst/>
   <a:extLst>
     <a:ext uri="{05A4C25C-085E-4340-85A3-A5531E510DB2}">
-      <thm15:themeFamily xmlns:thm15="http://schemas.microsoft.com/office/thememl/2012/main" xmlns="" name="Office Theme" id="{62F939B6-93AF-4DB8-9C6B-D6C7DFDC589F}" vid="{4A3C46E8-61CC-4603-A589-7422A47A8E4A}"/>
+      <thm15:themeFamily xmlns="" xmlns:thm15="http://schemas.microsoft.com/office/thememl/2012/main" name="Office Theme" id="{62F939B6-93AF-4DB8-9C6B-D6C7DFDC589F}" vid="{4A3C46E8-61CC-4603-A589-7422A47A8E4A}"/>
     </a:ext>
   </a:extLst>
 </a:theme>
@@ -31362,7 +31027,7 @@
   <a:extraClrSchemeLst/>
   <a:extLst>
     <a:ext uri="{05A4C25C-085E-4340-85A3-A5531E510DB2}">
-      <thm15:themeFamily xmlns:thm15="http://schemas.microsoft.com/office/thememl/2012/main" xmlns="" name="Office Theme" id="{62F939B6-93AF-4DB8-9C6B-D6C7DFDC589F}" vid="{4A3C46E8-61CC-4603-A589-7422A47A8E4A}"/>
+      <thm15:themeFamily xmlns="" xmlns:thm15="http://schemas.microsoft.com/office/thememl/2012/main" name="Office Theme" id="{62F939B6-93AF-4DB8-9C6B-D6C7DFDC589F}" vid="{4A3C46E8-61CC-4603-A589-7422A47A8E4A}"/>
     </a:ext>
   </a:extLst>
 </a:theme>

--- a/Иванова.pptx
+++ b/Иванова.pptx
@@ -125,7 +125,7 @@
   </p:defaultTextStyle>
   <p:extLst>
     <p:ext uri="{EFAFB233-063F-42B5-8137-9DF3F51BA10A}">
-      <p15:sldGuideLst xmlns="" xmlns:p15="http://schemas.microsoft.com/office/powerpoint/2012/main">
+      <p15:sldGuideLst xmlns:p15="http://schemas.microsoft.com/office/powerpoint/2012/main">
         <p15:guide id="1" orient="horz" pos="2160" userDrawn="1">
           <p15:clr>
             <a:srgbClr val="A4A3A4"/>
@@ -179,7 +179,7 @@
       </p15:sldGuideLst>
     </p:ext>
     <p:ext uri="{2D200454-40CA-4A62-9FC3-DE9A4176ACB9}">
-      <p15:notesGuideLst xmlns="" xmlns:p15="http://schemas.microsoft.com/office/powerpoint/2012/main"/>
+      <p15:notesGuideLst xmlns:p15="http://schemas.microsoft.com/office/powerpoint/2012/main"/>
     </p:ext>
   </p:extLst>
 </p:presentation>
@@ -190,7 +190,7 @@
   <p:cmAuthor id="1" name="Евгения" initials="Е" lastIdx="1" clrIdx="0">
     <p:extLst>
       <p:ext uri="{19B8F6BF-5375-455C-9EA6-DF929625EA0E}">
-        <p15:presenceInfo xmlns="" xmlns:p15="http://schemas.microsoft.com/office/powerpoint/2012/main" userId="Евгения" providerId="None"/>
+        <p15:presenceInfo xmlns:p15="http://schemas.microsoft.com/office/powerpoint/2012/main" userId="Евгения" providerId="None"/>
       </p:ext>
     </p:extLst>
   </p:cmAuthor>
@@ -279,7 +279,7 @@
           <a:p>
             <a:fld id="{FDA3F8A2-3B62-42DF-9095-2AFA187D873C}" type="datetimeFigureOut">
               <a:rPr lang="ru-RU" smtClean="0"/>
-              <a:t>31.05.2024</a:t>
+              <a:t>02.06.2024</a:t>
             </a:fld>
             <a:endParaRPr lang="ru-RU"/>
           </a:p>
@@ -568,7 +568,7 @@
           <p:cNvPr id="2" name="Заголовок 1">
             <a:extLst>
               <a:ext uri="{FF2B5EF4-FFF2-40B4-BE49-F238E27FC236}">
-                <a16:creationId xmlns="" xmlns:a16="http://schemas.microsoft.com/office/drawing/2014/main" id="{C8080226-4DB0-4517-8F32-05A5680E1D60}"/>
+                <a16:creationId xmlns:a16="http://schemas.microsoft.com/office/drawing/2014/main" id="{C8080226-4DB0-4517-8F32-05A5680E1D60}"/>
               </a:ext>
             </a:extLst>
           </p:cNvPr>
@@ -605,7 +605,7 @@
           <p:cNvPr id="3" name="Подзаголовок 2">
             <a:extLst>
               <a:ext uri="{FF2B5EF4-FFF2-40B4-BE49-F238E27FC236}">
-                <a16:creationId xmlns="" xmlns:a16="http://schemas.microsoft.com/office/drawing/2014/main" id="{4E6669A5-69B9-463F-8CDA-CAD3838CF7DB}"/>
+                <a16:creationId xmlns:a16="http://schemas.microsoft.com/office/drawing/2014/main" id="{4E6669A5-69B9-463F-8CDA-CAD3838CF7DB}"/>
               </a:ext>
             </a:extLst>
           </p:cNvPr>
@@ -675,7 +675,7 @@
           <p:cNvPr id="4" name="Дата 3">
             <a:extLst>
               <a:ext uri="{FF2B5EF4-FFF2-40B4-BE49-F238E27FC236}">
-                <a16:creationId xmlns="" xmlns:a16="http://schemas.microsoft.com/office/drawing/2014/main" id="{4BA8D57B-DAD4-4CDE-96D4-B23A72D6FE94}"/>
+                <a16:creationId xmlns:a16="http://schemas.microsoft.com/office/drawing/2014/main" id="{4BA8D57B-DAD4-4CDE-96D4-B23A72D6FE94}"/>
               </a:ext>
             </a:extLst>
           </p:cNvPr>
@@ -693,7 +693,7 @@
           <a:p>
             <a:fld id="{188F4571-5246-4336-844C-3639210E862E}" type="datetime1">
               <a:rPr lang="ru-RU" smtClean="0"/>
-              <a:t>31.05.2024</a:t>
+              <a:t>02.06.2024</a:t>
             </a:fld>
             <a:endParaRPr lang="ru-RU"/>
           </a:p>
@@ -704,7 +704,7 @@
           <p:cNvPr id="5" name="Нижний колонтитул 4">
             <a:extLst>
               <a:ext uri="{FF2B5EF4-FFF2-40B4-BE49-F238E27FC236}">
-                <a16:creationId xmlns="" xmlns:a16="http://schemas.microsoft.com/office/drawing/2014/main" id="{A037300C-B7BE-4E45-B99C-1BAB80474207}"/>
+                <a16:creationId xmlns:a16="http://schemas.microsoft.com/office/drawing/2014/main" id="{A037300C-B7BE-4E45-B99C-1BAB80474207}"/>
               </a:ext>
             </a:extLst>
           </p:cNvPr>
@@ -729,7 +729,7 @@
           <p:cNvPr id="6" name="Номер слайда 5">
             <a:extLst>
               <a:ext uri="{FF2B5EF4-FFF2-40B4-BE49-F238E27FC236}">
-                <a16:creationId xmlns="" xmlns:a16="http://schemas.microsoft.com/office/drawing/2014/main" id="{4FA92332-AC56-4F2F-AE02-013B016660A2}"/>
+                <a16:creationId xmlns:a16="http://schemas.microsoft.com/office/drawing/2014/main" id="{4FA92332-AC56-4F2F-AE02-013B016660A2}"/>
               </a:ext>
             </a:extLst>
           </p:cNvPr>
@@ -800,7 +800,7 @@
           <p:cNvPr id="2" name="Заголовок 1">
             <a:extLst>
               <a:ext uri="{FF2B5EF4-FFF2-40B4-BE49-F238E27FC236}">
-                <a16:creationId xmlns="" xmlns:a16="http://schemas.microsoft.com/office/drawing/2014/main" id="{35DB2AC3-50F8-4877-9761-4690C6FA86CD}"/>
+                <a16:creationId xmlns:a16="http://schemas.microsoft.com/office/drawing/2014/main" id="{35DB2AC3-50F8-4877-9761-4690C6FA86CD}"/>
               </a:ext>
             </a:extLst>
           </p:cNvPr>
@@ -837,7 +837,7 @@
           <p:cNvPr id="3" name="Объект 2">
             <a:extLst>
               <a:ext uri="{FF2B5EF4-FFF2-40B4-BE49-F238E27FC236}">
-                <a16:creationId xmlns="" xmlns:a16="http://schemas.microsoft.com/office/drawing/2014/main" id="{4642AD1C-2B48-4EE0-81D2-680BAEB957EA}"/>
+                <a16:creationId xmlns:a16="http://schemas.microsoft.com/office/drawing/2014/main" id="{4642AD1C-2B48-4EE0-81D2-680BAEB957EA}"/>
               </a:ext>
             </a:extLst>
           </p:cNvPr>
@@ -927,7 +927,7 @@
           <p:cNvPr id="4" name="Текст 3">
             <a:extLst>
               <a:ext uri="{FF2B5EF4-FFF2-40B4-BE49-F238E27FC236}">
-                <a16:creationId xmlns="" xmlns:a16="http://schemas.microsoft.com/office/drawing/2014/main" id="{512D5BBB-55A6-4530-A97C-8E2EA0D2E830}"/>
+                <a16:creationId xmlns:a16="http://schemas.microsoft.com/office/drawing/2014/main" id="{512D5BBB-55A6-4530-A97C-8E2EA0D2E830}"/>
               </a:ext>
             </a:extLst>
           </p:cNvPr>
@@ -998,7 +998,7 @@
           <p:cNvPr id="5" name="Дата 4">
             <a:extLst>
               <a:ext uri="{FF2B5EF4-FFF2-40B4-BE49-F238E27FC236}">
-                <a16:creationId xmlns="" xmlns:a16="http://schemas.microsoft.com/office/drawing/2014/main" id="{4EC52DAF-7ADD-449A-8659-9F5388F7ACBC}"/>
+                <a16:creationId xmlns:a16="http://schemas.microsoft.com/office/drawing/2014/main" id="{4EC52DAF-7ADD-449A-8659-9F5388F7ACBC}"/>
               </a:ext>
             </a:extLst>
           </p:cNvPr>
@@ -1016,7 +1016,7 @@
           <a:p>
             <a:fld id="{E2A0276B-0792-4E1E-9214-0C369079026E}" type="datetime1">
               <a:rPr lang="ru-RU" smtClean="0"/>
-              <a:t>31.05.2024</a:t>
+              <a:t>02.06.2024</a:t>
             </a:fld>
             <a:endParaRPr lang="ru-RU"/>
           </a:p>
@@ -1027,7 +1027,7 @@
           <p:cNvPr id="6" name="Нижний колонтитул 5">
             <a:extLst>
               <a:ext uri="{FF2B5EF4-FFF2-40B4-BE49-F238E27FC236}">
-                <a16:creationId xmlns="" xmlns:a16="http://schemas.microsoft.com/office/drawing/2014/main" id="{F58AD255-2DFD-4776-AEF0-D8BBAEE0DB3D}"/>
+                <a16:creationId xmlns:a16="http://schemas.microsoft.com/office/drawing/2014/main" id="{F58AD255-2DFD-4776-AEF0-D8BBAEE0DB3D}"/>
               </a:ext>
             </a:extLst>
           </p:cNvPr>
@@ -1052,7 +1052,7 @@
           <p:cNvPr id="7" name="Номер слайда 6">
             <a:extLst>
               <a:ext uri="{FF2B5EF4-FFF2-40B4-BE49-F238E27FC236}">
-                <a16:creationId xmlns="" xmlns:a16="http://schemas.microsoft.com/office/drawing/2014/main" id="{5019A434-61AD-42E0-85C2-AA4168B834E8}"/>
+                <a16:creationId xmlns:a16="http://schemas.microsoft.com/office/drawing/2014/main" id="{5019A434-61AD-42E0-85C2-AA4168B834E8}"/>
               </a:ext>
             </a:extLst>
           </p:cNvPr>
@@ -1123,7 +1123,7 @@
           <p:cNvPr id="2" name="Заголовок 1">
             <a:extLst>
               <a:ext uri="{FF2B5EF4-FFF2-40B4-BE49-F238E27FC236}">
-                <a16:creationId xmlns="" xmlns:a16="http://schemas.microsoft.com/office/drawing/2014/main" id="{AB814B22-A3FA-4BC5-9CCF-7A3F1FEE4081}"/>
+                <a16:creationId xmlns:a16="http://schemas.microsoft.com/office/drawing/2014/main" id="{AB814B22-A3FA-4BC5-9CCF-7A3F1FEE4081}"/>
               </a:ext>
             </a:extLst>
           </p:cNvPr>
@@ -1160,7 +1160,7 @@
           <p:cNvPr id="3" name="Рисунок 2">
             <a:extLst>
               <a:ext uri="{FF2B5EF4-FFF2-40B4-BE49-F238E27FC236}">
-                <a16:creationId xmlns="" xmlns:a16="http://schemas.microsoft.com/office/drawing/2014/main" id="{E6C24574-E644-4481-9BF6-16DEAEAD637E}"/>
+                <a16:creationId xmlns:a16="http://schemas.microsoft.com/office/drawing/2014/main" id="{E6C24574-E644-4481-9BF6-16DEAEAD637E}"/>
               </a:ext>
             </a:extLst>
           </p:cNvPr>
@@ -1227,7 +1227,7 @@
           <p:cNvPr id="4" name="Текст 3">
             <a:extLst>
               <a:ext uri="{FF2B5EF4-FFF2-40B4-BE49-F238E27FC236}">
-                <a16:creationId xmlns="" xmlns:a16="http://schemas.microsoft.com/office/drawing/2014/main" id="{15CDB79F-4B12-4133-9809-5752BEC36E84}"/>
+                <a16:creationId xmlns:a16="http://schemas.microsoft.com/office/drawing/2014/main" id="{15CDB79F-4B12-4133-9809-5752BEC36E84}"/>
               </a:ext>
             </a:extLst>
           </p:cNvPr>
@@ -1298,7 +1298,7 @@
           <p:cNvPr id="5" name="Дата 4">
             <a:extLst>
               <a:ext uri="{FF2B5EF4-FFF2-40B4-BE49-F238E27FC236}">
-                <a16:creationId xmlns="" xmlns:a16="http://schemas.microsoft.com/office/drawing/2014/main" id="{56E66232-513C-4645-A840-C07466412BE9}"/>
+                <a16:creationId xmlns:a16="http://schemas.microsoft.com/office/drawing/2014/main" id="{56E66232-513C-4645-A840-C07466412BE9}"/>
               </a:ext>
             </a:extLst>
           </p:cNvPr>
@@ -1316,7 +1316,7 @@
           <a:p>
             <a:fld id="{AFB62380-640A-4E41-A65C-E223B8624FC8}" type="datetime1">
               <a:rPr lang="ru-RU" smtClean="0"/>
-              <a:t>31.05.2024</a:t>
+              <a:t>02.06.2024</a:t>
             </a:fld>
             <a:endParaRPr lang="ru-RU"/>
           </a:p>
@@ -1327,7 +1327,7 @@
           <p:cNvPr id="6" name="Нижний колонтитул 5">
             <a:extLst>
               <a:ext uri="{FF2B5EF4-FFF2-40B4-BE49-F238E27FC236}">
-                <a16:creationId xmlns="" xmlns:a16="http://schemas.microsoft.com/office/drawing/2014/main" id="{1673FFE2-6C35-4425-A51B-DCEB93B96FAD}"/>
+                <a16:creationId xmlns:a16="http://schemas.microsoft.com/office/drawing/2014/main" id="{1673FFE2-6C35-4425-A51B-DCEB93B96FAD}"/>
               </a:ext>
             </a:extLst>
           </p:cNvPr>
@@ -1352,7 +1352,7 @@
           <p:cNvPr id="7" name="Номер слайда 6">
             <a:extLst>
               <a:ext uri="{FF2B5EF4-FFF2-40B4-BE49-F238E27FC236}">
-                <a16:creationId xmlns="" xmlns:a16="http://schemas.microsoft.com/office/drawing/2014/main" id="{B18C6F80-5C8D-48EB-88A2-B49132E00C78}"/>
+                <a16:creationId xmlns:a16="http://schemas.microsoft.com/office/drawing/2014/main" id="{B18C6F80-5C8D-48EB-88A2-B49132E00C78}"/>
               </a:ext>
             </a:extLst>
           </p:cNvPr>
@@ -1423,7 +1423,7 @@
           <p:cNvPr id="2" name="Заголовок 1">
             <a:extLst>
               <a:ext uri="{FF2B5EF4-FFF2-40B4-BE49-F238E27FC236}">
-                <a16:creationId xmlns="" xmlns:a16="http://schemas.microsoft.com/office/drawing/2014/main" id="{DB8B75DB-AAD4-4024-9938-3848AC62257C}"/>
+                <a16:creationId xmlns:a16="http://schemas.microsoft.com/office/drawing/2014/main" id="{DB8B75DB-AAD4-4024-9938-3848AC62257C}"/>
               </a:ext>
             </a:extLst>
           </p:cNvPr>
@@ -1451,7 +1451,7 @@
           <p:cNvPr id="3" name="Вертикальный текст 2">
             <a:extLst>
               <a:ext uri="{FF2B5EF4-FFF2-40B4-BE49-F238E27FC236}">
-                <a16:creationId xmlns="" xmlns:a16="http://schemas.microsoft.com/office/drawing/2014/main" id="{E44512D5-7101-4345-A5F1-5ED5F87F019C}"/>
+                <a16:creationId xmlns:a16="http://schemas.microsoft.com/office/drawing/2014/main" id="{E44512D5-7101-4345-A5F1-5ED5F87F019C}"/>
               </a:ext>
             </a:extLst>
           </p:cNvPr>
@@ -1508,7 +1508,7 @@
           <p:cNvPr id="4" name="Дата 3">
             <a:extLst>
               <a:ext uri="{FF2B5EF4-FFF2-40B4-BE49-F238E27FC236}">
-                <a16:creationId xmlns="" xmlns:a16="http://schemas.microsoft.com/office/drawing/2014/main" id="{8A1EDD17-4B56-41D9-9CFF-7783E75604F4}"/>
+                <a16:creationId xmlns:a16="http://schemas.microsoft.com/office/drawing/2014/main" id="{8A1EDD17-4B56-41D9-9CFF-7783E75604F4}"/>
               </a:ext>
             </a:extLst>
           </p:cNvPr>
@@ -1526,7 +1526,7 @@
           <a:p>
             <a:fld id="{00751EA9-C183-4BFA-B474-642EDAA0370D}" type="datetime1">
               <a:rPr lang="ru-RU" smtClean="0"/>
-              <a:t>31.05.2024</a:t>
+              <a:t>02.06.2024</a:t>
             </a:fld>
             <a:endParaRPr lang="ru-RU"/>
           </a:p>
@@ -1537,7 +1537,7 @@
           <p:cNvPr id="5" name="Нижний колонтитул 4">
             <a:extLst>
               <a:ext uri="{FF2B5EF4-FFF2-40B4-BE49-F238E27FC236}">
-                <a16:creationId xmlns="" xmlns:a16="http://schemas.microsoft.com/office/drawing/2014/main" id="{D049CD1D-02D4-4A05-A798-D9A9634C0924}"/>
+                <a16:creationId xmlns:a16="http://schemas.microsoft.com/office/drawing/2014/main" id="{D049CD1D-02D4-4A05-A798-D9A9634C0924}"/>
               </a:ext>
             </a:extLst>
           </p:cNvPr>
@@ -1562,7 +1562,7 @@
           <p:cNvPr id="6" name="Номер слайда 5">
             <a:extLst>
               <a:ext uri="{FF2B5EF4-FFF2-40B4-BE49-F238E27FC236}">
-                <a16:creationId xmlns="" xmlns:a16="http://schemas.microsoft.com/office/drawing/2014/main" id="{203F0B95-9A63-47FC-8D7B-007D815439FD}"/>
+                <a16:creationId xmlns:a16="http://schemas.microsoft.com/office/drawing/2014/main" id="{203F0B95-9A63-47FC-8D7B-007D815439FD}"/>
               </a:ext>
             </a:extLst>
           </p:cNvPr>
@@ -1633,7 +1633,7 @@
           <p:cNvPr id="2" name="Вертикальный заголовок 1">
             <a:extLst>
               <a:ext uri="{FF2B5EF4-FFF2-40B4-BE49-F238E27FC236}">
-                <a16:creationId xmlns="" xmlns:a16="http://schemas.microsoft.com/office/drawing/2014/main" id="{D859F4FA-AF46-4528-8389-8CD4794B8C66}"/>
+                <a16:creationId xmlns:a16="http://schemas.microsoft.com/office/drawing/2014/main" id="{D859F4FA-AF46-4528-8389-8CD4794B8C66}"/>
               </a:ext>
             </a:extLst>
           </p:cNvPr>
@@ -1666,7 +1666,7 @@
           <p:cNvPr id="3" name="Вертикальный текст 2">
             <a:extLst>
               <a:ext uri="{FF2B5EF4-FFF2-40B4-BE49-F238E27FC236}">
-                <a16:creationId xmlns="" xmlns:a16="http://schemas.microsoft.com/office/drawing/2014/main" id="{59825218-8ABD-4D91-9A1E-C2AFE0F85B46}"/>
+                <a16:creationId xmlns:a16="http://schemas.microsoft.com/office/drawing/2014/main" id="{59825218-8ABD-4D91-9A1E-C2AFE0F85B46}"/>
               </a:ext>
             </a:extLst>
           </p:cNvPr>
@@ -1728,7 +1728,7 @@
           <p:cNvPr id="4" name="Дата 3">
             <a:extLst>
               <a:ext uri="{FF2B5EF4-FFF2-40B4-BE49-F238E27FC236}">
-                <a16:creationId xmlns="" xmlns:a16="http://schemas.microsoft.com/office/drawing/2014/main" id="{E8023D65-C371-4EC1-80E4-837717A56ECB}"/>
+                <a16:creationId xmlns:a16="http://schemas.microsoft.com/office/drawing/2014/main" id="{E8023D65-C371-4EC1-80E4-837717A56ECB}"/>
               </a:ext>
             </a:extLst>
           </p:cNvPr>
@@ -1746,7 +1746,7 @@
           <a:p>
             <a:fld id="{A4714F73-2A95-4B07-81E8-74E04B18BEBD}" type="datetime1">
               <a:rPr lang="ru-RU" smtClean="0"/>
-              <a:t>31.05.2024</a:t>
+              <a:t>02.06.2024</a:t>
             </a:fld>
             <a:endParaRPr lang="ru-RU"/>
           </a:p>
@@ -1757,7 +1757,7 @@
           <p:cNvPr id="5" name="Нижний колонтитул 4">
             <a:extLst>
               <a:ext uri="{FF2B5EF4-FFF2-40B4-BE49-F238E27FC236}">
-                <a16:creationId xmlns="" xmlns:a16="http://schemas.microsoft.com/office/drawing/2014/main" id="{8EAA5872-BEF2-4C4F-9378-86297D5478EE}"/>
+                <a16:creationId xmlns:a16="http://schemas.microsoft.com/office/drawing/2014/main" id="{8EAA5872-BEF2-4C4F-9378-86297D5478EE}"/>
               </a:ext>
             </a:extLst>
           </p:cNvPr>
@@ -1782,7 +1782,7 @@
           <p:cNvPr id="6" name="Номер слайда 5">
             <a:extLst>
               <a:ext uri="{FF2B5EF4-FFF2-40B4-BE49-F238E27FC236}">
-                <a16:creationId xmlns="" xmlns:a16="http://schemas.microsoft.com/office/drawing/2014/main" id="{DC215631-8925-41F0-8D38-63A3B85E8CF0}"/>
+                <a16:creationId xmlns:a16="http://schemas.microsoft.com/office/drawing/2014/main" id="{DC215631-8925-41F0-8D38-63A3B85E8CF0}"/>
               </a:ext>
             </a:extLst>
           </p:cNvPr>
@@ -1853,7 +1853,7 @@
           <p:cNvPr id="5" name="Номер слайда 4">
             <a:extLst>
               <a:ext uri="{FF2B5EF4-FFF2-40B4-BE49-F238E27FC236}">
-                <a16:creationId xmlns="" xmlns:a16="http://schemas.microsoft.com/office/drawing/2014/main" id="{614EB6CA-57A2-4B17-8FCE-8330B4EA9829}"/>
+                <a16:creationId xmlns:a16="http://schemas.microsoft.com/office/drawing/2014/main" id="{614EB6CA-57A2-4B17-8FCE-8330B4EA9829}"/>
               </a:ext>
             </a:extLst>
           </p:cNvPr>
@@ -1882,7 +1882,7 @@
           <p:cNvPr id="11" name="Рисунок 10">
             <a:extLst>
               <a:ext uri="{FF2B5EF4-FFF2-40B4-BE49-F238E27FC236}">
-                <a16:creationId xmlns="" xmlns:a16="http://schemas.microsoft.com/office/drawing/2014/main" id="{7B3D99E0-53A4-47C7-B62E-870D1595CC71}"/>
+                <a16:creationId xmlns:a16="http://schemas.microsoft.com/office/drawing/2014/main" id="{7B3D99E0-53A4-47C7-B62E-870D1595CC71}"/>
               </a:ext>
             </a:extLst>
           </p:cNvPr>
@@ -1918,7 +1918,7 @@
           <p:cNvPr id="13" name="Рисунок 12">
             <a:extLst>
               <a:ext uri="{FF2B5EF4-FFF2-40B4-BE49-F238E27FC236}">
-                <a16:creationId xmlns="" xmlns:a16="http://schemas.microsoft.com/office/drawing/2014/main" id="{8C26C231-FA23-4282-9DF5-24517065350B}"/>
+                <a16:creationId xmlns:a16="http://schemas.microsoft.com/office/drawing/2014/main" id="{8C26C231-FA23-4282-9DF5-24517065350B}"/>
               </a:ext>
             </a:extLst>
           </p:cNvPr>
@@ -1967,7 +1967,7 @@
   </mc:AlternateContent>
   <p:extLst mod="1">
     <p:ext uri="{DCECCB84-F9BA-43D5-87BE-67443E8EF086}">
-      <p15:sldGuideLst xmlns="" xmlns:p15="http://schemas.microsoft.com/office/powerpoint/2012/main">
+      <p15:sldGuideLst xmlns:p15="http://schemas.microsoft.com/office/powerpoint/2012/main">
         <p15:guide id="1" orient="horz" pos="2160" userDrawn="1">
           <p15:clr>
             <a:srgbClr val="FBAE40"/>
@@ -2016,7 +2016,7 @@
           <p:cNvPr id="7" name="Рисунок 6">
             <a:extLst>
               <a:ext uri="{FF2B5EF4-FFF2-40B4-BE49-F238E27FC236}">
-                <a16:creationId xmlns="" xmlns:a16="http://schemas.microsoft.com/office/drawing/2014/main" id="{3A9800C3-D834-4903-B707-AD4150FCDBA8}"/>
+                <a16:creationId xmlns:a16="http://schemas.microsoft.com/office/drawing/2014/main" id="{3A9800C3-D834-4903-B707-AD4150FCDBA8}"/>
               </a:ext>
             </a:extLst>
           </p:cNvPr>
@@ -2066,7 +2066,7 @@
           <p:cNvPr id="8" name="Рисунок 6">
             <a:extLst>
               <a:ext uri="{FF2B5EF4-FFF2-40B4-BE49-F238E27FC236}">
-                <a16:creationId xmlns="" xmlns:a16="http://schemas.microsoft.com/office/drawing/2014/main" id="{AF555082-799C-4823-AE79-FBBEA03A4DE8}"/>
+                <a16:creationId xmlns:a16="http://schemas.microsoft.com/office/drawing/2014/main" id="{AF555082-799C-4823-AE79-FBBEA03A4DE8}"/>
               </a:ext>
             </a:extLst>
           </p:cNvPr>
@@ -2116,7 +2116,7 @@
           <p:cNvPr id="9" name="Рисунок 6">
             <a:extLst>
               <a:ext uri="{FF2B5EF4-FFF2-40B4-BE49-F238E27FC236}">
-                <a16:creationId xmlns="" xmlns:a16="http://schemas.microsoft.com/office/drawing/2014/main" id="{A193D461-88D6-4E8D-A91D-AC79EEB2A3CE}"/>
+                <a16:creationId xmlns:a16="http://schemas.microsoft.com/office/drawing/2014/main" id="{A193D461-88D6-4E8D-A91D-AC79EEB2A3CE}"/>
               </a:ext>
             </a:extLst>
           </p:cNvPr>
@@ -2166,7 +2166,7 @@
           <p:cNvPr id="10" name="Рисунок 6">
             <a:extLst>
               <a:ext uri="{FF2B5EF4-FFF2-40B4-BE49-F238E27FC236}">
-                <a16:creationId xmlns="" xmlns:a16="http://schemas.microsoft.com/office/drawing/2014/main" id="{61DD5022-27B9-481C-9E9B-B35014E073FA}"/>
+                <a16:creationId xmlns:a16="http://schemas.microsoft.com/office/drawing/2014/main" id="{61DD5022-27B9-481C-9E9B-B35014E073FA}"/>
               </a:ext>
             </a:extLst>
           </p:cNvPr>
@@ -2216,7 +2216,7 @@
           <p:cNvPr id="11" name="Рисунок 6">
             <a:extLst>
               <a:ext uri="{FF2B5EF4-FFF2-40B4-BE49-F238E27FC236}">
-                <a16:creationId xmlns="" xmlns:a16="http://schemas.microsoft.com/office/drawing/2014/main" id="{C05C0981-1E88-49DB-A936-85974EDBD93C}"/>
+                <a16:creationId xmlns:a16="http://schemas.microsoft.com/office/drawing/2014/main" id="{C05C0981-1E88-49DB-A936-85974EDBD93C}"/>
               </a:ext>
             </a:extLst>
           </p:cNvPr>
@@ -2266,7 +2266,7 @@
           <p:cNvPr id="12" name="Рисунок 6">
             <a:extLst>
               <a:ext uri="{FF2B5EF4-FFF2-40B4-BE49-F238E27FC236}">
-                <a16:creationId xmlns="" xmlns:a16="http://schemas.microsoft.com/office/drawing/2014/main" id="{B5B5B3CE-FBDA-4C11-96AA-76F6B8D0B661}"/>
+                <a16:creationId xmlns:a16="http://schemas.microsoft.com/office/drawing/2014/main" id="{B5B5B3CE-FBDA-4C11-96AA-76F6B8D0B661}"/>
               </a:ext>
             </a:extLst>
           </p:cNvPr>
@@ -2316,7 +2316,7 @@
           <p:cNvPr id="13" name="Рисунок 6">
             <a:extLst>
               <a:ext uri="{FF2B5EF4-FFF2-40B4-BE49-F238E27FC236}">
-                <a16:creationId xmlns="" xmlns:a16="http://schemas.microsoft.com/office/drawing/2014/main" id="{F0CF6B2B-48A8-43AD-944E-1F969C6F9473}"/>
+                <a16:creationId xmlns:a16="http://schemas.microsoft.com/office/drawing/2014/main" id="{F0CF6B2B-48A8-43AD-944E-1F969C6F9473}"/>
               </a:ext>
             </a:extLst>
           </p:cNvPr>
@@ -2366,7 +2366,7 @@
           <p:cNvPr id="14" name="Рисунок 6">
             <a:extLst>
               <a:ext uri="{FF2B5EF4-FFF2-40B4-BE49-F238E27FC236}">
-                <a16:creationId xmlns="" xmlns:a16="http://schemas.microsoft.com/office/drawing/2014/main" id="{ADE8E75D-202B-4C70-BFA4-988B02B5CE99}"/>
+                <a16:creationId xmlns:a16="http://schemas.microsoft.com/office/drawing/2014/main" id="{ADE8E75D-202B-4C70-BFA4-988B02B5CE99}"/>
               </a:ext>
             </a:extLst>
           </p:cNvPr>
@@ -2416,7 +2416,7 @@
           <p:cNvPr id="15" name="Рисунок 6">
             <a:extLst>
               <a:ext uri="{FF2B5EF4-FFF2-40B4-BE49-F238E27FC236}">
-                <a16:creationId xmlns="" xmlns:a16="http://schemas.microsoft.com/office/drawing/2014/main" id="{231D67C5-E9C4-4369-A360-8980AA1C247A}"/>
+                <a16:creationId xmlns:a16="http://schemas.microsoft.com/office/drawing/2014/main" id="{231D67C5-E9C4-4369-A360-8980AA1C247A}"/>
               </a:ext>
             </a:extLst>
           </p:cNvPr>
@@ -2508,7 +2508,7 @@
           <p:cNvPr id="2" name="Заголовок 1">
             <a:extLst>
               <a:ext uri="{FF2B5EF4-FFF2-40B4-BE49-F238E27FC236}">
-                <a16:creationId xmlns="" xmlns:a16="http://schemas.microsoft.com/office/drawing/2014/main" id="{A1AEA92F-839C-496F-8FC1-5E287D8A21DE}"/>
+                <a16:creationId xmlns:a16="http://schemas.microsoft.com/office/drawing/2014/main" id="{A1AEA92F-839C-496F-8FC1-5E287D8A21DE}"/>
               </a:ext>
             </a:extLst>
           </p:cNvPr>
@@ -2536,7 +2536,7 @@
           <p:cNvPr id="3" name="Объект 2">
             <a:extLst>
               <a:ext uri="{FF2B5EF4-FFF2-40B4-BE49-F238E27FC236}">
-                <a16:creationId xmlns="" xmlns:a16="http://schemas.microsoft.com/office/drawing/2014/main" id="{05811FB0-3900-4228-9879-BD973634C289}"/>
+                <a16:creationId xmlns:a16="http://schemas.microsoft.com/office/drawing/2014/main" id="{05811FB0-3900-4228-9879-BD973634C289}"/>
               </a:ext>
             </a:extLst>
           </p:cNvPr>
@@ -2593,7 +2593,7 @@
           <p:cNvPr id="4" name="Дата 3">
             <a:extLst>
               <a:ext uri="{FF2B5EF4-FFF2-40B4-BE49-F238E27FC236}">
-                <a16:creationId xmlns="" xmlns:a16="http://schemas.microsoft.com/office/drawing/2014/main" id="{DF40E661-06C7-4BAB-A816-E7D6FFF8590E}"/>
+                <a16:creationId xmlns:a16="http://schemas.microsoft.com/office/drawing/2014/main" id="{DF40E661-06C7-4BAB-A816-E7D6FFF8590E}"/>
               </a:ext>
             </a:extLst>
           </p:cNvPr>
@@ -2611,7 +2611,7 @@
           <a:p>
             <a:fld id="{5CB26059-F1B0-4161-9738-143CBC6AE5C3}" type="datetime1">
               <a:rPr lang="ru-RU" smtClean="0"/>
-              <a:t>31.05.2024</a:t>
+              <a:t>02.06.2024</a:t>
             </a:fld>
             <a:endParaRPr lang="ru-RU"/>
           </a:p>
@@ -2622,7 +2622,7 @@
           <p:cNvPr id="5" name="Нижний колонтитул 4">
             <a:extLst>
               <a:ext uri="{FF2B5EF4-FFF2-40B4-BE49-F238E27FC236}">
-                <a16:creationId xmlns="" xmlns:a16="http://schemas.microsoft.com/office/drawing/2014/main" id="{E9784D37-EE4E-4890-A77C-7B0DE6B5908B}"/>
+                <a16:creationId xmlns:a16="http://schemas.microsoft.com/office/drawing/2014/main" id="{E9784D37-EE4E-4890-A77C-7B0DE6B5908B}"/>
               </a:ext>
             </a:extLst>
           </p:cNvPr>
@@ -2647,7 +2647,7 @@
           <p:cNvPr id="6" name="Номер слайда 5">
             <a:extLst>
               <a:ext uri="{FF2B5EF4-FFF2-40B4-BE49-F238E27FC236}">
-                <a16:creationId xmlns="" xmlns:a16="http://schemas.microsoft.com/office/drawing/2014/main" id="{46946C92-E612-4D72-B219-2DE77697CFDF}"/>
+                <a16:creationId xmlns:a16="http://schemas.microsoft.com/office/drawing/2014/main" id="{46946C92-E612-4D72-B219-2DE77697CFDF}"/>
               </a:ext>
             </a:extLst>
           </p:cNvPr>
@@ -2718,7 +2718,7 @@
           <p:cNvPr id="2" name="Заголовок 1">
             <a:extLst>
               <a:ext uri="{FF2B5EF4-FFF2-40B4-BE49-F238E27FC236}">
-                <a16:creationId xmlns="" xmlns:a16="http://schemas.microsoft.com/office/drawing/2014/main" id="{90FECFF7-8A53-4108-BC41-B61D77B490B1}"/>
+                <a16:creationId xmlns:a16="http://schemas.microsoft.com/office/drawing/2014/main" id="{90FECFF7-8A53-4108-BC41-B61D77B490B1}"/>
               </a:ext>
             </a:extLst>
           </p:cNvPr>
@@ -2755,7 +2755,7 @@
           <p:cNvPr id="3" name="Текст 2">
             <a:extLst>
               <a:ext uri="{FF2B5EF4-FFF2-40B4-BE49-F238E27FC236}">
-                <a16:creationId xmlns="" xmlns:a16="http://schemas.microsoft.com/office/drawing/2014/main" id="{B8B0AFBF-6D63-4079-93AA-8C079001F15E}"/>
+                <a16:creationId xmlns:a16="http://schemas.microsoft.com/office/drawing/2014/main" id="{B8B0AFBF-6D63-4079-93AA-8C079001F15E}"/>
               </a:ext>
             </a:extLst>
           </p:cNvPr>
@@ -2880,7 +2880,7 @@
           <p:cNvPr id="4" name="Дата 3">
             <a:extLst>
               <a:ext uri="{FF2B5EF4-FFF2-40B4-BE49-F238E27FC236}">
-                <a16:creationId xmlns="" xmlns:a16="http://schemas.microsoft.com/office/drawing/2014/main" id="{82A39957-ED82-451F-8D8B-2DD52B7DE42A}"/>
+                <a16:creationId xmlns:a16="http://schemas.microsoft.com/office/drawing/2014/main" id="{82A39957-ED82-451F-8D8B-2DD52B7DE42A}"/>
               </a:ext>
             </a:extLst>
           </p:cNvPr>
@@ -2898,7 +2898,7 @@
           <a:p>
             <a:fld id="{2B302D4D-3A9F-414A-A2FD-C66D78AE433D}" type="datetime1">
               <a:rPr lang="ru-RU" smtClean="0"/>
-              <a:t>31.05.2024</a:t>
+              <a:t>02.06.2024</a:t>
             </a:fld>
             <a:endParaRPr lang="ru-RU"/>
           </a:p>
@@ -2909,7 +2909,7 @@
           <p:cNvPr id="5" name="Нижний колонтитул 4">
             <a:extLst>
               <a:ext uri="{FF2B5EF4-FFF2-40B4-BE49-F238E27FC236}">
-                <a16:creationId xmlns="" xmlns:a16="http://schemas.microsoft.com/office/drawing/2014/main" id="{04EB4C03-7D3D-4F61-A805-06681A200578}"/>
+                <a16:creationId xmlns:a16="http://schemas.microsoft.com/office/drawing/2014/main" id="{04EB4C03-7D3D-4F61-A805-06681A200578}"/>
               </a:ext>
             </a:extLst>
           </p:cNvPr>
@@ -2934,7 +2934,7 @@
           <p:cNvPr id="6" name="Номер слайда 5">
             <a:extLst>
               <a:ext uri="{FF2B5EF4-FFF2-40B4-BE49-F238E27FC236}">
-                <a16:creationId xmlns="" xmlns:a16="http://schemas.microsoft.com/office/drawing/2014/main" id="{C768170C-7A01-4DE8-BF99-58C767EDFA26}"/>
+                <a16:creationId xmlns:a16="http://schemas.microsoft.com/office/drawing/2014/main" id="{C768170C-7A01-4DE8-BF99-58C767EDFA26}"/>
               </a:ext>
             </a:extLst>
           </p:cNvPr>
@@ -3005,7 +3005,7 @@
           <p:cNvPr id="2" name="Заголовок 1">
             <a:extLst>
               <a:ext uri="{FF2B5EF4-FFF2-40B4-BE49-F238E27FC236}">
-                <a16:creationId xmlns="" xmlns:a16="http://schemas.microsoft.com/office/drawing/2014/main" id="{074B9D22-1441-4B0B-8FC6-97FCF22E2AB4}"/>
+                <a16:creationId xmlns:a16="http://schemas.microsoft.com/office/drawing/2014/main" id="{074B9D22-1441-4B0B-8FC6-97FCF22E2AB4}"/>
               </a:ext>
             </a:extLst>
           </p:cNvPr>
@@ -3033,7 +3033,7 @@
           <p:cNvPr id="3" name="Объект 2">
             <a:extLst>
               <a:ext uri="{FF2B5EF4-FFF2-40B4-BE49-F238E27FC236}">
-                <a16:creationId xmlns="" xmlns:a16="http://schemas.microsoft.com/office/drawing/2014/main" id="{C5B8BC88-B05D-428A-A7C3-7C7151D64CE5}"/>
+                <a16:creationId xmlns:a16="http://schemas.microsoft.com/office/drawing/2014/main" id="{C5B8BC88-B05D-428A-A7C3-7C7151D64CE5}"/>
               </a:ext>
             </a:extLst>
           </p:cNvPr>
@@ -3095,7 +3095,7 @@
           <p:cNvPr id="4" name="Объект 3">
             <a:extLst>
               <a:ext uri="{FF2B5EF4-FFF2-40B4-BE49-F238E27FC236}">
-                <a16:creationId xmlns="" xmlns:a16="http://schemas.microsoft.com/office/drawing/2014/main" id="{782459F2-2961-4F40-8DA0-9589D2AE72AF}"/>
+                <a16:creationId xmlns:a16="http://schemas.microsoft.com/office/drawing/2014/main" id="{782459F2-2961-4F40-8DA0-9589D2AE72AF}"/>
               </a:ext>
             </a:extLst>
           </p:cNvPr>
@@ -3157,7 +3157,7 @@
           <p:cNvPr id="5" name="Дата 4">
             <a:extLst>
               <a:ext uri="{FF2B5EF4-FFF2-40B4-BE49-F238E27FC236}">
-                <a16:creationId xmlns="" xmlns:a16="http://schemas.microsoft.com/office/drawing/2014/main" id="{8FCC808B-7B2F-4978-BC84-226706F70389}"/>
+                <a16:creationId xmlns:a16="http://schemas.microsoft.com/office/drawing/2014/main" id="{8FCC808B-7B2F-4978-BC84-226706F70389}"/>
               </a:ext>
             </a:extLst>
           </p:cNvPr>
@@ -3175,7 +3175,7 @@
           <a:p>
             <a:fld id="{0BF963D5-4EFB-41C3-A9B5-D8A5E4364F7C}" type="datetime1">
               <a:rPr lang="ru-RU" smtClean="0"/>
-              <a:t>31.05.2024</a:t>
+              <a:t>02.06.2024</a:t>
             </a:fld>
             <a:endParaRPr lang="ru-RU"/>
           </a:p>
@@ -3186,7 +3186,7 @@
           <p:cNvPr id="6" name="Нижний колонтитул 5">
             <a:extLst>
               <a:ext uri="{FF2B5EF4-FFF2-40B4-BE49-F238E27FC236}">
-                <a16:creationId xmlns="" xmlns:a16="http://schemas.microsoft.com/office/drawing/2014/main" id="{AAEC5CE7-5DB9-4CFF-A82C-C1DF1A060C22}"/>
+                <a16:creationId xmlns:a16="http://schemas.microsoft.com/office/drawing/2014/main" id="{AAEC5CE7-5DB9-4CFF-A82C-C1DF1A060C22}"/>
               </a:ext>
             </a:extLst>
           </p:cNvPr>
@@ -3211,7 +3211,7 @@
           <p:cNvPr id="7" name="Номер слайда 6">
             <a:extLst>
               <a:ext uri="{FF2B5EF4-FFF2-40B4-BE49-F238E27FC236}">
-                <a16:creationId xmlns="" xmlns:a16="http://schemas.microsoft.com/office/drawing/2014/main" id="{85FC99DE-5F9E-4A93-AAD9-AB394579E691}"/>
+                <a16:creationId xmlns:a16="http://schemas.microsoft.com/office/drawing/2014/main" id="{85FC99DE-5F9E-4A93-AAD9-AB394579E691}"/>
               </a:ext>
             </a:extLst>
           </p:cNvPr>
@@ -3282,7 +3282,7 @@
           <p:cNvPr id="2" name="Заголовок 1">
             <a:extLst>
               <a:ext uri="{FF2B5EF4-FFF2-40B4-BE49-F238E27FC236}">
-                <a16:creationId xmlns="" xmlns:a16="http://schemas.microsoft.com/office/drawing/2014/main" id="{C8BCEA6B-3E00-43CF-823D-9C46ECC10AD5}"/>
+                <a16:creationId xmlns:a16="http://schemas.microsoft.com/office/drawing/2014/main" id="{C8BCEA6B-3E00-43CF-823D-9C46ECC10AD5}"/>
               </a:ext>
             </a:extLst>
           </p:cNvPr>
@@ -3315,7 +3315,7 @@
           <p:cNvPr id="3" name="Текст 2">
             <a:extLst>
               <a:ext uri="{FF2B5EF4-FFF2-40B4-BE49-F238E27FC236}">
-                <a16:creationId xmlns="" xmlns:a16="http://schemas.microsoft.com/office/drawing/2014/main" id="{0FF08317-0D3B-465F-BD39-46A42D6DCAF5}"/>
+                <a16:creationId xmlns:a16="http://schemas.microsoft.com/office/drawing/2014/main" id="{0FF08317-0D3B-465F-BD39-46A42D6DCAF5}"/>
               </a:ext>
             </a:extLst>
           </p:cNvPr>
@@ -3386,7 +3386,7 @@
           <p:cNvPr id="4" name="Объект 3">
             <a:extLst>
               <a:ext uri="{FF2B5EF4-FFF2-40B4-BE49-F238E27FC236}">
-                <a16:creationId xmlns="" xmlns:a16="http://schemas.microsoft.com/office/drawing/2014/main" id="{A372B717-6D01-47E3-901B-CBA12010E9C1}"/>
+                <a16:creationId xmlns:a16="http://schemas.microsoft.com/office/drawing/2014/main" id="{A372B717-6D01-47E3-901B-CBA12010E9C1}"/>
               </a:ext>
             </a:extLst>
           </p:cNvPr>
@@ -3448,7 +3448,7 @@
           <p:cNvPr id="5" name="Текст 4">
             <a:extLst>
               <a:ext uri="{FF2B5EF4-FFF2-40B4-BE49-F238E27FC236}">
-                <a16:creationId xmlns="" xmlns:a16="http://schemas.microsoft.com/office/drawing/2014/main" id="{22E3E500-8648-41DB-A3F6-EB0F2D033AD4}"/>
+                <a16:creationId xmlns:a16="http://schemas.microsoft.com/office/drawing/2014/main" id="{22E3E500-8648-41DB-A3F6-EB0F2D033AD4}"/>
               </a:ext>
             </a:extLst>
           </p:cNvPr>
@@ -3519,7 +3519,7 @@
           <p:cNvPr id="6" name="Объект 5">
             <a:extLst>
               <a:ext uri="{FF2B5EF4-FFF2-40B4-BE49-F238E27FC236}">
-                <a16:creationId xmlns="" xmlns:a16="http://schemas.microsoft.com/office/drawing/2014/main" id="{8E48B21D-BC4A-404D-A95E-923599C400BF}"/>
+                <a16:creationId xmlns:a16="http://schemas.microsoft.com/office/drawing/2014/main" id="{8E48B21D-BC4A-404D-A95E-923599C400BF}"/>
               </a:ext>
             </a:extLst>
           </p:cNvPr>
@@ -3581,7 +3581,7 @@
           <p:cNvPr id="7" name="Дата 6">
             <a:extLst>
               <a:ext uri="{FF2B5EF4-FFF2-40B4-BE49-F238E27FC236}">
-                <a16:creationId xmlns="" xmlns:a16="http://schemas.microsoft.com/office/drawing/2014/main" id="{799F8618-3149-4088-835F-BE6C7C887D51}"/>
+                <a16:creationId xmlns:a16="http://schemas.microsoft.com/office/drawing/2014/main" id="{799F8618-3149-4088-835F-BE6C7C887D51}"/>
               </a:ext>
             </a:extLst>
           </p:cNvPr>
@@ -3599,7 +3599,7 @@
           <a:p>
             <a:fld id="{13F95FED-03D5-4D69-906C-7015930249F9}" type="datetime1">
               <a:rPr lang="ru-RU" smtClean="0"/>
-              <a:t>31.05.2024</a:t>
+              <a:t>02.06.2024</a:t>
             </a:fld>
             <a:endParaRPr lang="ru-RU"/>
           </a:p>
@@ -3610,7 +3610,7 @@
           <p:cNvPr id="8" name="Нижний колонтитул 7">
             <a:extLst>
               <a:ext uri="{FF2B5EF4-FFF2-40B4-BE49-F238E27FC236}">
-                <a16:creationId xmlns="" xmlns:a16="http://schemas.microsoft.com/office/drawing/2014/main" id="{73CEF1EA-1AB5-4F33-9E0F-2016BBA86450}"/>
+                <a16:creationId xmlns:a16="http://schemas.microsoft.com/office/drawing/2014/main" id="{73CEF1EA-1AB5-4F33-9E0F-2016BBA86450}"/>
               </a:ext>
             </a:extLst>
           </p:cNvPr>
@@ -3635,7 +3635,7 @@
           <p:cNvPr id="9" name="Номер слайда 8">
             <a:extLst>
               <a:ext uri="{FF2B5EF4-FFF2-40B4-BE49-F238E27FC236}">
-                <a16:creationId xmlns="" xmlns:a16="http://schemas.microsoft.com/office/drawing/2014/main" id="{13F9A4EA-933B-44D9-B245-33F44EE679AB}"/>
+                <a16:creationId xmlns:a16="http://schemas.microsoft.com/office/drawing/2014/main" id="{13F9A4EA-933B-44D9-B245-33F44EE679AB}"/>
               </a:ext>
             </a:extLst>
           </p:cNvPr>
@@ -3706,7 +3706,7 @@
           <p:cNvPr id="2" name="Заголовок 1">
             <a:extLst>
               <a:ext uri="{FF2B5EF4-FFF2-40B4-BE49-F238E27FC236}">
-                <a16:creationId xmlns="" xmlns:a16="http://schemas.microsoft.com/office/drawing/2014/main" id="{7CDE5BAD-1AE7-4034-9BD5-58A47AF2137B}"/>
+                <a16:creationId xmlns:a16="http://schemas.microsoft.com/office/drawing/2014/main" id="{7CDE5BAD-1AE7-4034-9BD5-58A47AF2137B}"/>
               </a:ext>
             </a:extLst>
           </p:cNvPr>
@@ -3734,7 +3734,7 @@
           <p:cNvPr id="3" name="Дата 2">
             <a:extLst>
               <a:ext uri="{FF2B5EF4-FFF2-40B4-BE49-F238E27FC236}">
-                <a16:creationId xmlns="" xmlns:a16="http://schemas.microsoft.com/office/drawing/2014/main" id="{4CA6228C-2A37-4548-A1BA-245F38336485}"/>
+                <a16:creationId xmlns:a16="http://schemas.microsoft.com/office/drawing/2014/main" id="{4CA6228C-2A37-4548-A1BA-245F38336485}"/>
               </a:ext>
             </a:extLst>
           </p:cNvPr>
@@ -3752,7 +3752,7 @@
           <a:p>
             <a:fld id="{EA36DD34-03CB-4526-A513-2E3B5FBF108C}" type="datetime1">
               <a:rPr lang="ru-RU" smtClean="0"/>
-              <a:t>31.05.2024</a:t>
+              <a:t>02.06.2024</a:t>
             </a:fld>
             <a:endParaRPr lang="ru-RU"/>
           </a:p>
@@ -3763,7 +3763,7 @@
           <p:cNvPr id="4" name="Нижний колонтитул 3">
             <a:extLst>
               <a:ext uri="{FF2B5EF4-FFF2-40B4-BE49-F238E27FC236}">
-                <a16:creationId xmlns="" xmlns:a16="http://schemas.microsoft.com/office/drawing/2014/main" id="{D1E9F5F6-BEDC-4D50-A9A6-665DBC2010A1}"/>
+                <a16:creationId xmlns:a16="http://schemas.microsoft.com/office/drawing/2014/main" id="{D1E9F5F6-BEDC-4D50-A9A6-665DBC2010A1}"/>
               </a:ext>
             </a:extLst>
           </p:cNvPr>
@@ -3788,7 +3788,7 @@
           <p:cNvPr id="5" name="Номер слайда 4">
             <a:extLst>
               <a:ext uri="{FF2B5EF4-FFF2-40B4-BE49-F238E27FC236}">
-                <a16:creationId xmlns="" xmlns:a16="http://schemas.microsoft.com/office/drawing/2014/main" id="{3AF3A39F-9E86-406B-B0E8-75F9DDC2403B}"/>
+                <a16:creationId xmlns:a16="http://schemas.microsoft.com/office/drawing/2014/main" id="{3AF3A39F-9E86-406B-B0E8-75F9DDC2403B}"/>
               </a:ext>
             </a:extLst>
           </p:cNvPr>
@@ -3859,7 +3859,7 @@
           <p:cNvPr id="2" name="Дата 1">
             <a:extLst>
               <a:ext uri="{FF2B5EF4-FFF2-40B4-BE49-F238E27FC236}">
-                <a16:creationId xmlns="" xmlns:a16="http://schemas.microsoft.com/office/drawing/2014/main" id="{8A0C7D40-FA68-4548-A171-05FEC4F18218}"/>
+                <a16:creationId xmlns:a16="http://schemas.microsoft.com/office/drawing/2014/main" id="{8A0C7D40-FA68-4548-A171-05FEC4F18218}"/>
               </a:ext>
             </a:extLst>
           </p:cNvPr>
@@ -3877,7 +3877,7 @@
           <a:p>
             <a:fld id="{14B2BFDA-FD28-4157-ACB5-B2A297CD0D2F}" type="datetime1">
               <a:rPr lang="ru-RU" smtClean="0"/>
-              <a:t>31.05.2024</a:t>
+              <a:t>02.06.2024</a:t>
             </a:fld>
             <a:endParaRPr lang="ru-RU"/>
           </a:p>
@@ -3888,7 +3888,7 @@
           <p:cNvPr id="3" name="Нижний колонтитул 2">
             <a:extLst>
               <a:ext uri="{FF2B5EF4-FFF2-40B4-BE49-F238E27FC236}">
-                <a16:creationId xmlns="" xmlns:a16="http://schemas.microsoft.com/office/drawing/2014/main" id="{CDD5CC54-5F33-4F77-AC77-6E974CEF4AA8}"/>
+                <a16:creationId xmlns:a16="http://schemas.microsoft.com/office/drawing/2014/main" id="{CDD5CC54-5F33-4F77-AC77-6E974CEF4AA8}"/>
               </a:ext>
             </a:extLst>
           </p:cNvPr>
@@ -3913,7 +3913,7 @@
           <p:cNvPr id="4" name="Номер слайда 3">
             <a:extLst>
               <a:ext uri="{FF2B5EF4-FFF2-40B4-BE49-F238E27FC236}">
-                <a16:creationId xmlns="" xmlns:a16="http://schemas.microsoft.com/office/drawing/2014/main" id="{6286BC59-3C49-4DFB-85B0-B07F42D8AB88}"/>
+                <a16:creationId xmlns:a16="http://schemas.microsoft.com/office/drawing/2014/main" id="{6286BC59-3C49-4DFB-85B0-B07F42D8AB88}"/>
               </a:ext>
             </a:extLst>
           </p:cNvPr>
@@ -3989,7 +3989,7 @@
           <p:cNvPr id="2" name="Заголовок 1">
             <a:extLst>
               <a:ext uri="{FF2B5EF4-FFF2-40B4-BE49-F238E27FC236}">
-                <a16:creationId xmlns="" xmlns:a16="http://schemas.microsoft.com/office/drawing/2014/main" id="{E4B4F1CD-B0D3-4C85-845E-DD399CDEDBA0}"/>
+                <a16:creationId xmlns:a16="http://schemas.microsoft.com/office/drawing/2014/main" id="{E4B4F1CD-B0D3-4C85-845E-DD399CDEDBA0}"/>
               </a:ext>
             </a:extLst>
           </p:cNvPr>
@@ -4027,7 +4027,7 @@
           <p:cNvPr id="3" name="Текст 2">
             <a:extLst>
               <a:ext uri="{FF2B5EF4-FFF2-40B4-BE49-F238E27FC236}">
-                <a16:creationId xmlns="" xmlns:a16="http://schemas.microsoft.com/office/drawing/2014/main" id="{75A59F4B-F998-439C-9679-10B0C8568B36}"/>
+                <a16:creationId xmlns:a16="http://schemas.microsoft.com/office/drawing/2014/main" id="{75A59F4B-F998-439C-9679-10B0C8568B36}"/>
               </a:ext>
             </a:extLst>
           </p:cNvPr>
@@ -4094,7 +4094,7 @@
           <p:cNvPr id="4" name="Дата 3">
             <a:extLst>
               <a:ext uri="{FF2B5EF4-FFF2-40B4-BE49-F238E27FC236}">
-                <a16:creationId xmlns="" xmlns:a16="http://schemas.microsoft.com/office/drawing/2014/main" id="{1B91162D-4D8E-486C-ACBB-074803DE2DC0}"/>
+                <a16:creationId xmlns:a16="http://schemas.microsoft.com/office/drawing/2014/main" id="{1B91162D-4D8E-486C-ACBB-074803DE2DC0}"/>
               </a:ext>
             </a:extLst>
           </p:cNvPr>
@@ -4130,7 +4130,7 @@
           <a:p>
             <a:fld id="{3648B707-111D-4BBB-B1A8-8E4D9FDE9760}" type="datetime1">
               <a:rPr lang="ru-RU" smtClean="0"/>
-              <a:t>31.05.2024</a:t>
+              <a:t>02.06.2024</a:t>
             </a:fld>
             <a:endParaRPr lang="ru-RU"/>
           </a:p>
@@ -4141,7 +4141,7 @@
           <p:cNvPr id="5" name="Нижний колонтитул 4">
             <a:extLst>
               <a:ext uri="{FF2B5EF4-FFF2-40B4-BE49-F238E27FC236}">
-                <a16:creationId xmlns="" xmlns:a16="http://schemas.microsoft.com/office/drawing/2014/main" id="{86CA6D4D-69F5-438A-BDBB-6B45E8E3EDC0}"/>
+                <a16:creationId xmlns:a16="http://schemas.microsoft.com/office/drawing/2014/main" id="{86CA6D4D-69F5-438A-BDBB-6B45E8E3EDC0}"/>
               </a:ext>
             </a:extLst>
           </p:cNvPr>
@@ -4184,7 +4184,7 @@
           <p:cNvPr id="6" name="Номер слайда 5">
             <a:extLst>
               <a:ext uri="{FF2B5EF4-FFF2-40B4-BE49-F238E27FC236}">
-                <a16:creationId xmlns="" xmlns:a16="http://schemas.microsoft.com/office/drawing/2014/main" id="{7609B196-0738-47AC-AA48-F4ED38980508}"/>
+                <a16:creationId xmlns:a16="http://schemas.microsoft.com/office/drawing/2014/main" id="{7609B196-0738-47AC-AA48-F4ED38980508}"/>
               </a:ext>
             </a:extLst>
           </p:cNvPr>
@@ -4693,7 +4693,7 @@
           <p:cNvPr id="16" name="Таблица 15">
             <a:extLst>
               <a:ext uri="{FF2B5EF4-FFF2-40B4-BE49-F238E27FC236}">
-                <a16:creationId xmlns="" xmlns:a16="http://schemas.microsoft.com/office/drawing/2014/main" id="{75840FCE-3F67-4955-86E3-5BE4ADA96ED9}"/>
+                <a16:creationId xmlns:a16="http://schemas.microsoft.com/office/drawing/2014/main" id="{75840FCE-3F67-4955-86E3-5BE4ADA96ED9}"/>
               </a:ext>
             </a:extLst>
           </p:cNvPr>
@@ -4720,7 +4720,7 @@
                 <a:gridCol w="10515600">
                   <a:extLst>
                     <a:ext uri="{9D8B030D-6E8A-4147-A177-3AD203B41FA5}">
-                      <a16:colId xmlns="" xmlns:a16="http://schemas.microsoft.com/office/drawing/2014/main" val="2069287197"/>
+                      <a16:colId xmlns:a16="http://schemas.microsoft.com/office/drawing/2014/main" val="2069287197"/>
                     </a:ext>
                   </a:extLst>
                 </a:gridCol>
@@ -4864,31 +4864,7 @@
                           <a:ea typeface="Times New Roman" panose="02020603050405020304" pitchFamily="18" charset="0"/>
                           <a:cs typeface="Times New Roman" pitchFamily="18" charset="0"/>
                         </a:rPr>
-                        <a:t> </a:t>
-                      </a:r>
-                      <a:r>
-                        <a:rPr lang="ru-RU" sz="1400" dirty="0" smtClean="0">
-                          <a:solidFill>
-                            <a:srgbClr val="002B82"/>
-                          </a:solidFill>
-                          <a:effectLst/>
-                          <a:latin typeface="Times New Roman" panose="02020603050405020304" pitchFamily="18" charset="0"/>
-                          <a:ea typeface="Times New Roman" panose="02020603050405020304" pitchFamily="18" charset="0"/>
-                          <a:cs typeface="Times New Roman" pitchFamily="18" charset="0"/>
-                        </a:rPr>
-                        <a:t>инженерно-технологический </a:t>
-                      </a:r>
-                      <a:r>
-                        <a:rPr lang="ru-RU" sz="1400" dirty="0">
-                          <a:solidFill>
-                            <a:srgbClr val="002B82"/>
-                          </a:solidFill>
-                          <a:effectLst/>
-                          <a:latin typeface="Times New Roman" panose="02020603050405020304" pitchFamily="18" charset="0"/>
-                          <a:ea typeface="Times New Roman" panose="02020603050405020304" pitchFamily="18" charset="0"/>
-                          <a:cs typeface="Times New Roman" pitchFamily="18" charset="0"/>
-                        </a:rPr>
-                        <a:t>институт –</a:t>
+                        <a:t> инженерно-технологический институт –</a:t>
                       </a:r>
                     </a:p>
                     <a:p>
@@ -4959,7 +4935,7 @@
                 </a:tc>
                 <a:extLst>
                   <a:ext uri="{0D108BD9-81ED-4DB2-BD59-A6C34878D82A}">
-                    <a16:rowId xmlns="" xmlns:a16="http://schemas.microsoft.com/office/drawing/2014/main" val="2658798668"/>
+                    <a16:rowId xmlns:a16="http://schemas.microsoft.com/office/drawing/2014/main" val="2658798668"/>
                   </a:ext>
                 </a:extLst>
               </a:tr>
@@ -4972,7 +4948,7 @@
           <p:cNvPr id="19" name="TextBox 18">
             <a:extLst>
               <a:ext uri="{FF2B5EF4-FFF2-40B4-BE49-F238E27FC236}">
-                <a16:creationId xmlns="" xmlns:a16="http://schemas.microsoft.com/office/drawing/2014/main" id="{55C91E03-7067-4FF9-A4BB-99DF51A1EE02}"/>
+                <a16:creationId xmlns:a16="http://schemas.microsoft.com/office/drawing/2014/main" id="{55C91E03-7067-4FF9-A4BB-99DF51A1EE02}"/>
               </a:ext>
             </a:extLst>
           </p:cNvPr>
@@ -5021,7 +4997,7 @@
           <p:cNvPr id="21" name="TextBox 20">
             <a:extLst>
               <a:ext uri="{FF2B5EF4-FFF2-40B4-BE49-F238E27FC236}">
-                <a16:creationId xmlns="" xmlns:a16="http://schemas.microsoft.com/office/drawing/2014/main" id="{2BEE8C79-89EF-4FF4-9CEB-A37664969795}"/>
+                <a16:creationId xmlns:a16="http://schemas.microsoft.com/office/drawing/2014/main" id="{2BEE8C79-89EF-4FF4-9CEB-A37664969795}"/>
               </a:ext>
             </a:extLst>
           </p:cNvPr>
@@ -5030,8 +5006,8 @@
         </p:nvSpPr>
         <p:spPr>
           <a:xfrm>
-            <a:off x="2094451" y="3045050"/>
-            <a:ext cx="8003097" cy="707886"/>
+            <a:off x="2734811" y="3051858"/>
+            <a:ext cx="6722378" cy="707886"/>
           </a:xfrm>
           <a:prstGeom prst="rect">
             <a:avLst/>
@@ -5068,7 +5044,7 @@
           <p:cNvPr id="23" name="TextBox 22">
             <a:extLst>
               <a:ext uri="{FF2B5EF4-FFF2-40B4-BE49-F238E27FC236}">
-                <a16:creationId xmlns="" xmlns:a16="http://schemas.microsoft.com/office/drawing/2014/main" id="{DF261D7B-B54D-43D4-A2D1-986E47A0A1E3}"/>
+                <a16:creationId xmlns:a16="http://schemas.microsoft.com/office/drawing/2014/main" id="{DF261D7B-B54D-43D4-A2D1-986E47A0A1E3}"/>
               </a:ext>
             </a:extLst>
           </p:cNvPr>
@@ -5100,18 +5076,7 @@
                 <a:latin typeface="Times New Roman" panose="02020603050405020304" pitchFamily="18" charset="0"/>
                 <a:ea typeface="Times New Roman" panose="02020603050405020304" pitchFamily="18" charset="0"/>
               </a:rPr>
-              <a:t>Димитровград </a:t>
-            </a:r>
-            <a:r>
-              <a:rPr lang="ru-RU" sz="1600" spc="300" dirty="0" smtClean="0">
-                <a:solidFill>
-                  <a:srgbClr val="002B82"/>
-                </a:solidFill>
-                <a:effectLst/>
-                <a:latin typeface="Times New Roman" panose="02020603050405020304" pitchFamily="18" charset="0"/>
-                <a:ea typeface="Times New Roman" panose="02020603050405020304" pitchFamily="18" charset="0"/>
-              </a:rPr>
-              <a:t>2024</a:t>
+              <a:t>Димитровград 2024</a:t>
             </a:r>
             <a:endParaRPr lang="ru-RU" sz="1600" spc="300" dirty="0">
               <a:solidFill>
@@ -5126,7 +5091,7 @@
           <p:cNvPr id="24" name="TextBox 23">
             <a:extLst>
               <a:ext uri="{FF2B5EF4-FFF2-40B4-BE49-F238E27FC236}">
-                <a16:creationId xmlns="" xmlns:a16="http://schemas.microsoft.com/office/drawing/2014/main" id="{E1D67235-C985-4829-B3BA-E0B1A8C61F1C}"/>
+                <a16:creationId xmlns:a16="http://schemas.microsoft.com/office/drawing/2014/main" id="{E1D67235-C985-4829-B3BA-E0B1A8C61F1C}"/>
               </a:ext>
             </a:extLst>
           </p:cNvPr>
@@ -5155,7 +5120,7 @@
               </a:spcAft>
             </a:pPr>
             <a:r>
-              <a:rPr lang="ru-RU" sz="1400" dirty="0" smtClean="0">
+              <a:rPr lang="ru-RU" sz="1400" dirty="0">
                 <a:solidFill>
                   <a:srgbClr val="002B82"/>
                 </a:solidFill>
@@ -5178,7 +5143,7 @@
               <a:t>а</a:t>
             </a:r>
             <a:r>
-              <a:rPr lang="ru-RU" sz="1400" dirty="0" smtClean="0">
+              <a:rPr lang="ru-RU" sz="1400" dirty="0">
                 <a:solidFill>
                   <a:srgbClr val="002B82"/>
                 </a:solidFill>
@@ -5190,7 +5155,7 @@
               <a:t>: </a:t>
             </a:r>
             <a:r>
-              <a:rPr lang="en-US" sz="1400" dirty="0" smtClean="0">
+              <a:rPr lang="en-US" sz="1400" dirty="0">
                 <a:solidFill>
                   <a:srgbClr val="002B82"/>
                 </a:solidFill>
@@ -5202,7 +5167,7 @@
               <a:t>          </a:t>
             </a:r>
             <a:r>
-              <a:rPr lang="ru-RU" sz="1400" dirty="0" smtClean="0">
+              <a:rPr lang="ru-RU" sz="1400" dirty="0">
                 <a:solidFill>
                   <a:srgbClr val="002B82"/>
                 </a:solidFill>
@@ -5210,18 +5175,7 @@
                 <a:ea typeface="Roboto Slab ExtraLight" pitchFamily="2" charset="0"/>
                 <a:cs typeface="Courier New" panose="02070309020205020404" pitchFamily="49" charset="0"/>
               </a:rPr>
-              <a:t>студентка </a:t>
-            </a:r>
-            <a:r>
-              <a:rPr lang="ru-RU" sz="1400" dirty="0">
-                <a:solidFill>
-                  <a:srgbClr val="002B82"/>
-                </a:solidFill>
-                <a:latin typeface="Bahnschrift" pitchFamily="34" charset="0"/>
-                <a:ea typeface="Roboto Slab ExtraLight" pitchFamily="2" charset="0"/>
-                <a:cs typeface="Courier New" panose="02070309020205020404" pitchFamily="49" charset="0"/>
-              </a:rPr>
-              <a:t>группы АС-51</a:t>
+              <a:t>студентка группы АС-51</a:t>
             </a:r>
             <a:endParaRPr lang="en-US" sz="1400" dirty="0">
               <a:solidFill>
@@ -5250,7 +5204,7 @@
               <a:t>	            </a:t>
             </a:r>
             <a:r>
-              <a:rPr lang="ru-RU" sz="1400" dirty="0" smtClean="0">
+              <a:rPr lang="ru-RU" sz="1400" dirty="0">
                 <a:solidFill>
                   <a:srgbClr val="002B82"/>
                 </a:solidFill>
@@ -5260,14 +5214,6 @@
               </a:rPr>
               <a:t>Т.И. Иванова</a:t>
             </a:r>
-            <a:endParaRPr lang="ru-RU" sz="1400" dirty="0">
-              <a:solidFill>
-                <a:srgbClr val="002B82"/>
-              </a:solidFill>
-              <a:latin typeface="Bahnschrift" pitchFamily="34" charset="0"/>
-              <a:ea typeface="Roboto Slab ExtraLight" pitchFamily="2" charset="0"/>
-              <a:cs typeface="Courier New" panose="02070309020205020404" pitchFamily="49" charset="0"/>
-            </a:endParaRPr>
           </a:p>
           <a:p>
             <a:pPr>
@@ -5497,13 +5443,6 @@
       </p:transition>
     </mc:Fallback>
   </mc:AlternateContent>
-  <p:timing>
-    <p:tnLst>
-      <p:par>
-        <p:cTn id="1" dur="indefinite" restart="never" nodeType="tmRoot"/>
-      </p:par>
-    </p:tnLst>
-  </p:timing>
 </p:sld>
 </file>
 
@@ -5655,7 +5594,7 @@
           <p:cNvPr id="2" name="Номер слайда 1">
             <a:extLst>
               <a:ext uri="{FF2B5EF4-FFF2-40B4-BE49-F238E27FC236}">
-                <a16:creationId xmlns="" xmlns:a16="http://schemas.microsoft.com/office/drawing/2014/main" id="{D6B69D13-6D53-45B5-A583-3CF84ACCD4BE}"/>
+                <a16:creationId xmlns:a16="http://schemas.microsoft.com/office/drawing/2014/main" id="{D6B69D13-6D53-45B5-A583-3CF84ACCD4BE}"/>
               </a:ext>
             </a:extLst>
           </p:cNvPr>
@@ -5733,7 +5672,7 @@
           <p:cNvPr id="9" name="TextBox 8">
             <a:extLst>
               <a:ext uri="{FF2B5EF4-FFF2-40B4-BE49-F238E27FC236}">
-                <a16:creationId xmlns="" xmlns:a16="http://schemas.microsoft.com/office/drawing/2014/main" id="{0DAF1E99-18A8-45BE-8B3C-7CFA7E1CB1CD}"/>
+                <a16:creationId xmlns:a16="http://schemas.microsoft.com/office/drawing/2014/main" id="{0DAF1E99-18A8-45BE-8B3C-7CFA7E1CB1CD}"/>
               </a:ext>
             </a:extLst>
           </p:cNvPr>
@@ -5758,7 +5697,7 @@
           <a:p>
             <a:pPr algn="ctr"/>
             <a:r>
-              <a:rPr lang="ru-RU" sz="2000" dirty="0" smtClean="0">
+              <a:rPr lang="ru-RU" sz="2000" dirty="0">
                 <a:solidFill>
                   <a:srgbClr val="002B82"/>
                 </a:solidFill>
@@ -5766,12 +5705,6 @@
               </a:rPr>
               <a:t>Метод отображения страницы оплаты заказа</a:t>
             </a:r>
-            <a:endParaRPr lang="ru-RU" sz="2000" dirty="0">
-              <a:solidFill>
-                <a:srgbClr val="002B82"/>
-              </a:solidFill>
-              <a:latin typeface="Bahnschrift" pitchFamily="34" charset="0"/>
-            </a:endParaRPr>
           </a:p>
         </p:txBody>
       </p:sp>
@@ -5925,18 +5858,11 @@
           <a:lstStyle/>
           <a:p>
             <a:r>
-              <a:rPr lang="en-US" sz="1400" dirty="0" smtClean="0">
-                <a:latin typeface="Courier New" pitchFamily="49" charset="0"/>
-                <a:cs typeface="Courier New" pitchFamily="49" charset="0"/>
-              </a:rPr>
-              <a:t>https://test.ru/Payment/Pay</a:t>
-            </a:r>
-            <a:r>
               <a:rPr lang="en-US" sz="1400" dirty="0">
                 <a:latin typeface="Courier New" pitchFamily="49" charset="0"/>
                 <a:cs typeface="Courier New" pitchFamily="49" charset="0"/>
               </a:rPr>
-              <a:t>/{transactionId}&amp;{orderId}&amp;{merchant}&amp;{approve}&amp;{cancel}&amp;{fail}</a:t>
+              <a:t>https://test.ru/Payment/Pay/{transactionId}&amp;{orderId}&amp;{merchant}&amp;{approve}&amp;{cancel}&amp;{fail}</a:t>
             </a:r>
             <a:endParaRPr lang="ru-RU" sz="1400" dirty="0">
               <a:latin typeface="Courier New" pitchFamily="49" charset="0"/>
@@ -6337,18 +6263,13 @@
           <a:lstStyle/>
           <a:p>
             <a:r>
-              <a:rPr lang="ru-RU" sz="1200" dirty="0" smtClean="0">
+              <a:rPr lang="ru-RU" sz="1200" dirty="0">
                 <a:solidFill>
                   <a:schemeClr val="bg1"/>
                 </a:solidFill>
               </a:rPr>
               <a:t>да</a:t>
             </a:r>
-            <a:endParaRPr lang="ru-RU" sz="1200" dirty="0">
-              <a:solidFill>
-                <a:schemeClr val="bg1"/>
-              </a:solidFill>
-            </a:endParaRPr>
           </a:p>
         </p:txBody>
       </p:sp>
@@ -6375,18 +6296,13 @@
           <a:lstStyle/>
           <a:p>
             <a:r>
-              <a:rPr lang="ru-RU" sz="1200" dirty="0" smtClean="0">
+              <a:rPr lang="ru-RU" sz="1200" dirty="0">
                 <a:solidFill>
                   <a:schemeClr val="bg1"/>
                 </a:solidFill>
               </a:rPr>
               <a:t>да</a:t>
             </a:r>
-            <a:endParaRPr lang="ru-RU" sz="1200" dirty="0">
-              <a:solidFill>
-                <a:schemeClr val="bg1"/>
-              </a:solidFill>
-            </a:endParaRPr>
           </a:p>
         </p:txBody>
       </p:sp>
@@ -6413,18 +6329,13 @@
           <a:lstStyle/>
           <a:p>
             <a:r>
-              <a:rPr lang="ru-RU" sz="1200" dirty="0" smtClean="0">
+              <a:rPr lang="ru-RU" sz="1200" dirty="0">
                 <a:solidFill>
                   <a:schemeClr val="bg1"/>
                 </a:solidFill>
               </a:rPr>
               <a:t>да</a:t>
             </a:r>
-            <a:endParaRPr lang="ru-RU" sz="1200" dirty="0">
-              <a:solidFill>
-                <a:schemeClr val="bg1"/>
-              </a:solidFill>
-            </a:endParaRPr>
           </a:p>
         </p:txBody>
       </p:sp>
@@ -6501,18 +6412,13 @@
           <a:lstStyle/>
           <a:p>
             <a:r>
-              <a:rPr lang="ru-RU" sz="1200" dirty="0" smtClean="0">
+              <a:rPr lang="ru-RU" sz="1200" dirty="0">
                 <a:solidFill>
                   <a:schemeClr val="bg1"/>
                 </a:solidFill>
               </a:rPr>
               <a:t>Вернуть страницу оплаты</a:t>
             </a:r>
-            <a:endParaRPr lang="ru-RU" sz="1200" dirty="0">
-              <a:solidFill>
-                <a:schemeClr val="bg1"/>
-              </a:solidFill>
-            </a:endParaRPr>
           </a:p>
         </p:txBody>
       </p:sp>
@@ -6616,10 +6522,9 @@
           <a:p>
             <a:pPr algn="ctr"/>
             <a:r>
-              <a:rPr lang="ru-RU" sz="1000" dirty="0" smtClean="0"/>
+              <a:rPr lang="ru-RU" sz="1000" dirty="0"/>
               <a:t>Заданы мерчант, номер транзакции и номер заказ?</a:t>
             </a:r>
-            <a:endParaRPr lang="ru-RU" sz="1000" dirty="0"/>
           </a:p>
         </p:txBody>
       </p:sp>
@@ -6651,21 +6556,8 @@
                   <a:schemeClr val="bg1"/>
                 </a:solidFill>
               </a:rPr>
-              <a:t>Вернуть страницу </a:t>
-            </a:r>
-            <a:r>
-              <a:rPr lang="ru-RU" sz="1200" dirty="0" smtClean="0">
-                <a:solidFill>
-                  <a:schemeClr val="bg1"/>
-                </a:solidFill>
-              </a:rPr>
-              <a:t>ошибку</a:t>
-            </a:r>
-            <a:endParaRPr lang="ru-RU" sz="1200" dirty="0">
-              <a:solidFill>
-                <a:schemeClr val="bg1"/>
-              </a:solidFill>
-            </a:endParaRPr>
+              <a:t>Вернуть страницу ошибку</a:t>
+            </a:r>
           </a:p>
         </p:txBody>
       </p:sp>
@@ -6760,10 +6652,9 @@
           <a:p>
             <a:pPr algn="ctr"/>
             <a:r>
-              <a:rPr lang="ru-RU" sz="1000" dirty="0" smtClean="0"/>
+              <a:rPr lang="ru-RU" sz="1000" dirty="0"/>
               <a:t>У пользователя есть бонусы?</a:t>
             </a:r>
-            <a:endParaRPr lang="ru-RU" sz="1000" dirty="0"/>
           </a:p>
         </p:txBody>
       </p:sp>
@@ -6795,21 +6686,8 @@
                   <a:schemeClr val="bg1"/>
                 </a:solidFill>
               </a:rPr>
-              <a:t>Вернуть страницу </a:t>
-            </a:r>
-            <a:r>
-              <a:rPr lang="ru-RU" sz="1200" dirty="0" smtClean="0">
-                <a:solidFill>
-                  <a:schemeClr val="bg1"/>
-                </a:solidFill>
-              </a:rPr>
-              <a:t>ошибку</a:t>
-            </a:r>
-            <a:endParaRPr lang="ru-RU" sz="1200" dirty="0">
-              <a:solidFill>
-                <a:schemeClr val="bg1"/>
-              </a:solidFill>
-            </a:endParaRPr>
+              <a:t>Вернуть страницу ошибку</a:t>
+            </a:r>
           </a:p>
         </p:txBody>
       </p:sp>
@@ -6950,22 +6828,18 @@
           <a:p>
             <a:pPr algn="ctr"/>
             <a:r>
-              <a:rPr lang="en-US" sz="1100" dirty="0" smtClean="0"/>
+              <a:rPr lang="en-US" sz="1100" dirty="0"/>
               <a:t>Internal/</a:t>
             </a:r>
             <a:r>
-              <a:rPr lang="en-US" sz="1100" dirty="0" err="1" smtClean="0"/>
+              <a:rPr lang="en-US" sz="1100" dirty="0" err="1"/>
               <a:t>GetBalance</a:t>
             </a:r>
-            <a:r>
-              <a:rPr lang="ru-RU" sz="1100" dirty="0" smtClean="0"/>
-              <a:t/>
-            </a:r>
             <a:br>
-              <a:rPr lang="ru-RU" sz="1100" dirty="0" smtClean="0"/>
+              <a:rPr lang="ru-RU" sz="1100" dirty="0"/>
             </a:br>
             <a:r>
-              <a:rPr lang="ru-RU" sz="1100" dirty="0" smtClean="0"/>
+              <a:rPr lang="ru-RU" sz="1100" dirty="0"/>
               <a:t>Получение баланса пользователя</a:t>
             </a:r>
             <a:endParaRPr lang="ru-RU" sz="1100" dirty="0">
@@ -7091,18 +6965,13 @@
           <a:lstStyle/>
           <a:p>
             <a:r>
-              <a:rPr lang="ru-RU" sz="1200" dirty="0" smtClean="0">
+              <a:rPr lang="ru-RU" sz="1200" dirty="0">
                 <a:solidFill>
                   <a:schemeClr val="bg1"/>
                 </a:solidFill>
               </a:rPr>
               <a:t>да</a:t>
             </a:r>
-            <a:endParaRPr lang="ru-RU" sz="1200" dirty="0">
-              <a:solidFill>
-                <a:schemeClr val="bg1"/>
-              </a:solidFill>
-            </a:endParaRPr>
           </a:p>
         </p:txBody>
       </p:sp>
@@ -7129,18 +6998,13 @@
           <a:lstStyle/>
           <a:p>
             <a:r>
-              <a:rPr lang="ru-RU" sz="1200" dirty="0" smtClean="0">
+              <a:rPr lang="ru-RU" sz="1200" dirty="0">
                 <a:solidFill>
                   <a:schemeClr val="bg1"/>
                 </a:solidFill>
               </a:rPr>
               <a:t>да</a:t>
             </a:r>
-            <a:endParaRPr lang="ru-RU" sz="1200" dirty="0">
-              <a:solidFill>
-                <a:schemeClr val="bg1"/>
-              </a:solidFill>
-            </a:endParaRPr>
           </a:p>
         </p:txBody>
       </p:sp>
@@ -7244,10 +7108,9 @@
           <a:p>
             <a:pPr algn="ctr"/>
             <a:r>
-              <a:rPr lang="ru-RU" sz="1000" dirty="0" smtClean="0"/>
+              <a:rPr lang="ru-RU" sz="1000" dirty="0"/>
               <a:t>Заказ существует?</a:t>
             </a:r>
-            <a:endParaRPr lang="ru-RU" sz="1000" dirty="0"/>
           </a:p>
         </p:txBody>
       </p:sp>
@@ -7351,10 +7214,9 @@
           <a:p>
             <a:pPr algn="ctr"/>
             <a:r>
-              <a:rPr lang="ru-RU" sz="1000" dirty="0" smtClean="0"/>
+              <a:rPr lang="ru-RU" sz="1000" dirty="0"/>
               <a:t>Заказ в статусе ожидания оплаты?</a:t>
             </a:r>
-            <a:endParaRPr lang="ru-RU" sz="1000" dirty="0"/>
           </a:p>
         </p:txBody>
       </p:sp>
@@ -7386,21 +7248,8 @@
                   <a:schemeClr val="bg1"/>
                 </a:solidFill>
               </a:rPr>
-              <a:t>Вернуть страницу </a:t>
-            </a:r>
-            <a:r>
-              <a:rPr lang="ru-RU" sz="1200" dirty="0" smtClean="0">
-                <a:solidFill>
-                  <a:schemeClr val="bg1"/>
-                </a:solidFill>
-              </a:rPr>
-              <a:t>ошибку</a:t>
-            </a:r>
-            <a:endParaRPr lang="ru-RU" sz="1200" dirty="0">
-              <a:solidFill>
-                <a:schemeClr val="bg1"/>
-              </a:solidFill>
-            </a:endParaRPr>
+              <a:t>Вернуть страницу ошибку</a:t>
+            </a:r>
           </a:p>
         </p:txBody>
       </p:sp>
@@ -7432,21 +7281,8 @@
                   <a:schemeClr val="bg1"/>
                 </a:solidFill>
               </a:rPr>
-              <a:t>Вернуть страницу </a:t>
-            </a:r>
-            <a:r>
-              <a:rPr lang="ru-RU" sz="1200" dirty="0" smtClean="0">
-                <a:solidFill>
-                  <a:schemeClr val="bg1"/>
-                </a:solidFill>
-              </a:rPr>
-              <a:t>ошибку</a:t>
-            </a:r>
-            <a:endParaRPr lang="ru-RU" sz="1200" dirty="0">
-              <a:solidFill>
-                <a:schemeClr val="bg1"/>
-              </a:solidFill>
-            </a:endParaRPr>
+              <a:t>Вернуть страницу ошибку</a:t>
+            </a:r>
           </a:p>
         </p:txBody>
       </p:sp>
@@ -7495,18 +7331,13 @@
           <a:p>
             <a:pPr algn="ctr"/>
             <a:r>
-              <a:rPr lang="ru-RU" sz="1100" dirty="0" smtClean="0">
+              <a:rPr lang="ru-RU" sz="1100" dirty="0">
                 <a:solidFill>
                   <a:schemeClr val="bg1"/>
                 </a:solidFill>
               </a:rPr>
               <a:t>Запрос на существование заказа</a:t>
             </a:r>
-            <a:endParaRPr lang="ru-RU" sz="1100" dirty="0">
-              <a:solidFill>
-                <a:schemeClr val="bg1"/>
-              </a:solidFill>
-            </a:endParaRPr>
           </a:p>
         </p:txBody>
       </p:sp>
@@ -7711,38 +7542,14 @@
           <a:lstStyle/>
           <a:p>
             <a:r>
-              <a:rPr lang="ru-RU" sz="1200" dirty="0" smtClean="0">
+              <a:rPr lang="ru-RU" sz="1200" dirty="0">
                 <a:solidFill>
                   <a:srgbClr val="002B82"/>
                 </a:solidFill>
                 <a:latin typeface="Bahnschrift" pitchFamily="34" charset="0"/>
               </a:rPr>
-              <a:t>Схема 5 – Схема работы метода </a:t>
-            </a:r>
-            <a:r>
-              <a:rPr lang="ru-RU" sz="1200" dirty="0">
-                <a:solidFill>
-                  <a:srgbClr val="002B82"/>
-                </a:solidFill>
-                <a:latin typeface="Bahnschrift" pitchFamily="34" charset="0"/>
-              </a:rPr>
-              <a:t>создания заказа </a:t>
-            </a:r>
-            <a:r>
-              <a:rPr lang="ru-RU" sz="1200" dirty="0" smtClean="0">
-                <a:solidFill>
-                  <a:srgbClr val="002B82"/>
-                </a:solidFill>
-                <a:latin typeface="Bahnschrift" pitchFamily="34" charset="0"/>
-              </a:rPr>
-              <a:t>проекта системы лояльности ООО «АИС Город»</a:t>
-            </a:r>
-            <a:endParaRPr lang="ru-RU" sz="1200" dirty="0">
-              <a:solidFill>
-                <a:srgbClr val="002B82"/>
-              </a:solidFill>
-              <a:latin typeface="Bahnschrift" pitchFamily="34" charset="0"/>
-            </a:endParaRPr>
+              <a:t>Схема 5 – Схема работы метода создания заказа проекта системы лояльности ООО «АИС Город»</a:t>
+            </a:r>
           </a:p>
         </p:txBody>
       </p:sp>
@@ -7769,7 +7576,7 @@
           <a:lstStyle/>
           <a:p>
             <a:r>
-              <a:rPr lang="ru-RU" sz="1000" dirty="0" smtClean="0">
+              <a:rPr lang="ru-RU" sz="1000" dirty="0">
                 <a:solidFill>
                   <a:srgbClr val="002B82"/>
                 </a:solidFill>
@@ -7777,12 +7584,6 @@
               </a:rPr>
               <a:t>Рисунок 3 – Страница ошибки проекта системы лояльности ООО «АИС Город»</a:t>
             </a:r>
-            <a:endParaRPr lang="ru-RU" sz="1000" dirty="0">
-              <a:solidFill>
-                <a:srgbClr val="002B82"/>
-              </a:solidFill>
-              <a:latin typeface="Bahnschrift" pitchFamily="34" charset="0"/>
-            </a:endParaRPr>
           </a:p>
         </p:txBody>
       </p:sp>
@@ -7809,7 +7610,7 @@
           <a:lstStyle/>
           <a:p>
             <a:r>
-              <a:rPr lang="ru-RU" sz="1000" dirty="0" smtClean="0">
+              <a:rPr lang="ru-RU" sz="1000" dirty="0">
                 <a:solidFill>
                   <a:srgbClr val="002B82"/>
                 </a:solidFill>
@@ -7817,12 +7618,6 @@
               </a:rPr>
               <a:t>Рисунок 4 – Страница подтверждения оплаты проекта системы лояльности ООО «АИС Город»</a:t>
             </a:r>
-            <a:endParaRPr lang="ru-RU" sz="1000" dirty="0">
-              <a:solidFill>
-                <a:srgbClr val="002B82"/>
-              </a:solidFill>
-              <a:latin typeface="Bahnschrift" pitchFamily="34" charset="0"/>
-            </a:endParaRPr>
           </a:p>
         </p:txBody>
       </p:sp>
@@ -7848,13 +7643,6 @@
       </p:transition>
     </mc:Fallback>
   </mc:AlternateContent>
-  <p:timing>
-    <p:tnLst>
-      <p:par>
-        <p:cTn id="1" dur="indefinite" restart="never" nodeType="tmRoot"/>
-      </p:par>
-    </p:tnLst>
-  </p:timing>
 </p:sld>
 </file>
 
@@ -8051,7 +7839,7 @@
           <p:cNvPr id="2" name="Номер слайда 1">
             <a:extLst>
               <a:ext uri="{FF2B5EF4-FFF2-40B4-BE49-F238E27FC236}">
-                <a16:creationId xmlns="" xmlns:a16="http://schemas.microsoft.com/office/drawing/2014/main" id="{D6B69D13-6D53-45B5-A583-3CF84ACCD4BE}"/>
+                <a16:creationId xmlns:a16="http://schemas.microsoft.com/office/drawing/2014/main" id="{D6B69D13-6D53-45B5-A583-3CF84ACCD4BE}"/>
               </a:ext>
             </a:extLst>
           </p:cNvPr>
@@ -8129,7 +7917,7 @@
           <p:cNvPr id="9" name="TextBox 8">
             <a:extLst>
               <a:ext uri="{FF2B5EF4-FFF2-40B4-BE49-F238E27FC236}">
-                <a16:creationId xmlns="" xmlns:a16="http://schemas.microsoft.com/office/drawing/2014/main" id="{0DAF1E99-18A8-45BE-8B3C-7CFA7E1CB1CD}"/>
+                <a16:creationId xmlns:a16="http://schemas.microsoft.com/office/drawing/2014/main" id="{0DAF1E99-18A8-45BE-8B3C-7CFA7E1CB1CD}"/>
               </a:ext>
             </a:extLst>
           </p:cNvPr>
@@ -8154,7 +7942,7 @@
           <a:p>
             <a:pPr algn="ctr"/>
             <a:r>
-              <a:rPr lang="ru-RU" sz="2400" dirty="0" smtClean="0">
+              <a:rPr lang="ru-RU" sz="2400" dirty="0">
                 <a:solidFill>
                   <a:srgbClr val="002B82"/>
                 </a:solidFill>
@@ -8162,12 +7950,6 @@
               </a:rPr>
               <a:t>Метод завершения оплаты заказа</a:t>
             </a:r>
-            <a:endParaRPr lang="ru-RU" sz="2400" dirty="0">
-              <a:solidFill>
-                <a:srgbClr val="002B82"/>
-              </a:solidFill>
-              <a:latin typeface="Bahnschrift" pitchFamily="34" charset="0"/>
-            </a:endParaRPr>
           </a:p>
         </p:txBody>
       </p:sp>
@@ -8580,18 +8362,13 @@
           <a:lstStyle/>
           <a:p>
             <a:r>
-              <a:rPr lang="ru-RU" sz="1200" dirty="0" smtClean="0">
+              <a:rPr lang="ru-RU" sz="1200" dirty="0">
                 <a:solidFill>
                   <a:schemeClr val="bg1"/>
                 </a:solidFill>
               </a:rPr>
               <a:t>да</a:t>
             </a:r>
-            <a:endParaRPr lang="ru-RU" sz="1200" dirty="0">
-              <a:solidFill>
-                <a:schemeClr val="bg1"/>
-              </a:solidFill>
-            </a:endParaRPr>
           </a:p>
         </p:txBody>
       </p:sp>
@@ -8618,18 +8395,13 @@
           <a:lstStyle/>
           <a:p>
             <a:r>
-              <a:rPr lang="ru-RU" sz="1200" dirty="0" smtClean="0">
+              <a:rPr lang="ru-RU" sz="1200" dirty="0">
                 <a:solidFill>
                   <a:schemeClr val="bg1"/>
                 </a:solidFill>
               </a:rPr>
               <a:t>да</a:t>
             </a:r>
-            <a:endParaRPr lang="ru-RU" sz="1200" dirty="0">
-              <a:solidFill>
-                <a:schemeClr val="bg1"/>
-              </a:solidFill>
-            </a:endParaRPr>
           </a:p>
         </p:txBody>
       </p:sp>
@@ -8706,18 +8478,13 @@
           <a:lstStyle/>
           <a:p>
             <a:r>
-              <a:rPr lang="ru-RU" sz="1050" dirty="0" smtClean="0">
+              <a:rPr lang="ru-RU" sz="1050" dirty="0">
                 <a:solidFill>
                   <a:schemeClr val="bg1"/>
                 </a:solidFill>
               </a:rPr>
               <a:t>Вернуть страницу завершения платежа</a:t>
             </a:r>
-            <a:endParaRPr lang="ru-RU" sz="1050" dirty="0">
-              <a:solidFill>
-                <a:schemeClr val="bg1"/>
-              </a:solidFill>
-            </a:endParaRPr>
           </a:p>
         </p:txBody>
       </p:sp>
@@ -8821,10 +8588,9 @@
           <a:p>
             <a:pPr algn="ctr"/>
             <a:r>
-              <a:rPr lang="ru-RU" sz="1000" dirty="0" smtClean="0"/>
+              <a:rPr lang="ru-RU" sz="1000" dirty="0"/>
               <a:t>Заданы мерчант, номер транзакции и номер заказ?</a:t>
             </a:r>
-            <a:endParaRPr lang="ru-RU" sz="1000" dirty="0"/>
           </a:p>
         </p:txBody>
       </p:sp>
@@ -8856,21 +8622,8 @@
                   <a:schemeClr val="bg1"/>
                 </a:solidFill>
               </a:rPr>
-              <a:t>Вернуть страницу </a:t>
-            </a:r>
-            <a:r>
-              <a:rPr lang="ru-RU" sz="1200" dirty="0" smtClean="0">
-                <a:solidFill>
-                  <a:schemeClr val="bg1"/>
-                </a:solidFill>
-              </a:rPr>
-              <a:t>ошибку</a:t>
-            </a:r>
-            <a:endParaRPr lang="ru-RU" sz="1200" dirty="0">
-              <a:solidFill>
-                <a:schemeClr val="bg1"/>
-              </a:solidFill>
-            </a:endParaRPr>
+              <a:t>Вернуть страницу ошибку</a:t>
+            </a:r>
           </a:p>
         </p:txBody>
       </p:sp>
@@ -8965,10 +8718,9 @@
           <a:p>
             <a:pPr algn="ctr"/>
             <a:r>
-              <a:rPr lang="ru-RU" sz="1000" dirty="0" smtClean="0"/>
+              <a:rPr lang="ru-RU" sz="1000" dirty="0"/>
               <a:t>Запрос прошел успешно?</a:t>
             </a:r>
-            <a:endParaRPr lang="ru-RU" sz="1000" dirty="0"/>
           </a:p>
         </p:txBody>
       </p:sp>
@@ -9000,21 +8752,8 @@
                   <a:schemeClr val="bg1"/>
                 </a:solidFill>
               </a:rPr>
-              <a:t>Вернуть страницу </a:t>
-            </a:r>
-            <a:r>
-              <a:rPr lang="ru-RU" sz="1200" dirty="0" smtClean="0">
-                <a:solidFill>
-                  <a:schemeClr val="bg1"/>
-                </a:solidFill>
-              </a:rPr>
-              <a:t>ошибку</a:t>
-            </a:r>
-            <a:endParaRPr lang="ru-RU" sz="1200" dirty="0">
-              <a:solidFill>
-                <a:schemeClr val="bg1"/>
-              </a:solidFill>
-            </a:endParaRPr>
+              <a:t>Вернуть страницу ошибку</a:t>
+            </a:r>
           </a:p>
         </p:txBody>
       </p:sp>
@@ -9155,7 +8894,7 @@
           <a:p>
             <a:pPr algn="ctr"/>
             <a:r>
-              <a:rPr lang="ru-RU" sz="1100" dirty="0" smtClean="0"/>
+              <a:rPr lang="ru-RU" sz="1100" dirty="0"/>
               <a:t>Запрос на завершение процесса оплаты</a:t>
             </a:r>
             <a:endParaRPr lang="ru-RU" sz="1100" dirty="0">
@@ -9281,18 +9020,13 @@
           <a:lstStyle/>
           <a:p>
             <a:r>
-              <a:rPr lang="ru-RU" sz="1200" dirty="0" smtClean="0">
+              <a:rPr lang="ru-RU" sz="1200" dirty="0">
                 <a:solidFill>
                   <a:schemeClr val="bg1"/>
                 </a:solidFill>
               </a:rPr>
               <a:t>да</a:t>
             </a:r>
-            <a:endParaRPr lang="ru-RU" sz="1200" dirty="0">
-              <a:solidFill>
-                <a:schemeClr val="bg1"/>
-              </a:solidFill>
-            </a:endParaRPr>
           </a:p>
         </p:txBody>
       </p:sp>
@@ -9319,18 +9053,13 @@
           <a:lstStyle/>
           <a:p>
             <a:r>
-              <a:rPr lang="ru-RU" sz="1200" dirty="0" smtClean="0">
+              <a:rPr lang="ru-RU" sz="1200" dirty="0">
                 <a:solidFill>
                   <a:schemeClr val="bg1"/>
                 </a:solidFill>
               </a:rPr>
               <a:t>да</a:t>
             </a:r>
-            <a:endParaRPr lang="ru-RU" sz="1200" dirty="0">
-              <a:solidFill>
-                <a:schemeClr val="bg1"/>
-              </a:solidFill>
-            </a:endParaRPr>
           </a:p>
         </p:txBody>
       </p:sp>
@@ -9434,10 +9163,9 @@
           <a:p>
             <a:pPr algn="ctr"/>
             <a:r>
-              <a:rPr lang="ru-RU" sz="1000" dirty="0" smtClean="0"/>
+              <a:rPr lang="ru-RU" sz="1000" dirty="0"/>
               <a:t>Заказ существует?</a:t>
             </a:r>
-            <a:endParaRPr lang="ru-RU" sz="1000" dirty="0"/>
           </a:p>
         </p:txBody>
       </p:sp>
@@ -9541,10 +9269,9 @@
           <a:p>
             <a:pPr algn="ctr"/>
             <a:r>
-              <a:rPr lang="ru-RU" sz="1000" dirty="0" smtClean="0"/>
+              <a:rPr lang="ru-RU" sz="1000" dirty="0"/>
               <a:t>Заказ в статусе ожидания оплаты?</a:t>
             </a:r>
-            <a:endParaRPr lang="ru-RU" sz="1000" dirty="0"/>
           </a:p>
         </p:txBody>
       </p:sp>
@@ -9576,21 +9303,8 @@
                   <a:schemeClr val="bg1"/>
                 </a:solidFill>
               </a:rPr>
-              <a:t>Вернуть страницу </a:t>
-            </a:r>
-            <a:r>
-              <a:rPr lang="ru-RU" sz="1200" dirty="0" smtClean="0">
-                <a:solidFill>
-                  <a:schemeClr val="bg1"/>
-                </a:solidFill>
-              </a:rPr>
-              <a:t>ошибку</a:t>
-            </a:r>
-            <a:endParaRPr lang="ru-RU" sz="1200" dirty="0">
-              <a:solidFill>
-                <a:schemeClr val="bg1"/>
-              </a:solidFill>
-            </a:endParaRPr>
+              <a:t>Вернуть страницу ошибку</a:t>
+            </a:r>
           </a:p>
         </p:txBody>
       </p:sp>
@@ -9622,21 +9336,8 @@
                   <a:schemeClr val="bg1"/>
                 </a:solidFill>
               </a:rPr>
-              <a:t>Вернуть страницу </a:t>
-            </a:r>
-            <a:r>
-              <a:rPr lang="ru-RU" sz="1200" dirty="0" smtClean="0">
-                <a:solidFill>
-                  <a:schemeClr val="bg1"/>
-                </a:solidFill>
-              </a:rPr>
-              <a:t>ошибку</a:t>
-            </a:r>
-            <a:endParaRPr lang="ru-RU" sz="1200" dirty="0">
-              <a:solidFill>
-                <a:schemeClr val="bg1"/>
-              </a:solidFill>
-            </a:endParaRPr>
+              <a:t>Вернуть страницу ошибку</a:t>
+            </a:r>
           </a:p>
         </p:txBody>
       </p:sp>
@@ -9685,18 +9386,13 @@
           <a:p>
             <a:pPr algn="ctr"/>
             <a:r>
-              <a:rPr lang="ru-RU" sz="1100" dirty="0" smtClean="0">
+              <a:rPr lang="ru-RU" sz="1100" dirty="0">
                 <a:solidFill>
                   <a:schemeClr val="bg1"/>
                 </a:solidFill>
               </a:rPr>
               <a:t>Запрос на существование заказа</a:t>
             </a:r>
-            <a:endParaRPr lang="ru-RU" sz="1100" dirty="0">
-              <a:solidFill>
-                <a:schemeClr val="bg1"/>
-              </a:solidFill>
-            </a:endParaRPr>
           </a:p>
         </p:txBody>
       </p:sp>
@@ -9977,20 +9673,8 @@
           <a:p>
             <a:pPr algn="ctr"/>
             <a:r>
-              <a:rPr lang="ru-RU" sz="800" dirty="0" smtClean="0"/>
-              <a:t>Статус </a:t>
-            </a:r>
-            <a:r>
               <a:rPr lang="ru-RU" sz="800" dirty="0"/>
-              <a:t>заказа </a:t>
-            </a:r>
-            <a:r>
-              <a:rPr lang="ru-RU" sz="800" dirty="0" smtClean="0"/>
-              <a:t>Операция оплаты в банке прошла успешно</a:t>
-            </a:r>
-            <a:r>
-              <a:rPr lang="ru-RU" sz="800" dirty="0"/>
-              <a:t>?</a:t>
+              <a:t>Статус заказа Операция оплаты в банке прошла успешно?</a:t>
             </a:r>
           </a:p>
         </p:txBody>
@@ -10018,18 +9702,13 @@
           <a:lstStyle/>
           <a:p>
             <a:r>
-              <a:rPr lang="ru-RU" sz="1200" dirty="0" smtClean="0">
+              <a:rPr lang="ru-RU" sz="1200" dirty="0">
                 <a:solidFill>
                   <a:schemeClr val="bg1"/>
                 </a:solidFill>
               </a:rPr>
               <a:t>да</a:t>
             </a:r>
-            <a:endParaRPr lang="ru-RU" sz="1200" dirty="0">
-              <a:solidFill>
-                <a:schemeClr val="bg1"/>
-              </a:solidFill>
-            </a:endParaRPr>
           </a:p>
         </p:txBody>
       </p:sp>
@@ -10107,21 +9786,8 @@
                   <a:schemeClr val="bg1"/>
                 </a:solidFill>
               </a:rPr>
-              <a:t>Вернуть страницу </a:t>
-            </a:r>
-            <a:r>
-              <a:rPr lang="ru-RU" sz="1200" dirty="0" smtClean="0">
-                <a:solidFill>
-                  <a:schemeClr val="bg1"/>
-                </a:solidFill>
-              </a:rPr>
-              <a:t>ошибку</a:t>
-            </a:r>
-            <a:endParaRPr lang="ru-RU" sz="1200" dirty="0">
-              <a:solidFill>
-                <a:schemeClr val="bg1"/>
-              </a:solidFill>
-            </a:endParaRPr>
+              <a:t>Вернуть страницу ошибку</a:t>
+            </a:r>
           </a:p>
         </p:txBody>
       </p:sp>
@@ -10212,7 +9878,7 @@
           <a:lstStyle/>
           <a:p>
             <a:r>
-              <a:rPr lang="ru-RU" sz="1000" dirty="0" smtClean="0">
+              <a:rPr lang="ru-RU" sz="1000" dirty="0">
                 <a:solidFill>
                   <a:srgbClr val="002B82"/>
                 </a:solidFill>
@@ -10220,12 +9886,6 @@
               </a:rPr>
               <a:t>Рисунок 5 – Страница ошибки проекта системы лояльности ООО «АИС Город»</a:t>
             </a:r>
-            <a:endParaRPr lang="ru-RU" sz="1000" dirty="0">
-              <a:solidFill>
-                <a:srgbClr val="002B82"/>
-              </a:solidFill>
-              <a:latin typeface="Bahnschrift" pitchFamily="34" charset="0"/>
-            </a:endParaRPr>
           </a:p>
         </p:txBody>
       </p:sp>
@@ -10316,7 +9976,7 @@
           <a:lstStyle/>
           <a:p>
             <a:r>
-              <a:rPr lang="ru-RU" sz="1000" dirty="0" smtClean="0">
+              <a:rPr lang="ru-RU" sz="1000" dirty="0">
                 <a:solidFill>
                   <a:srgbClr val="002B82"/>
                 </a:solidFill>
@@ -10324,12 +9984,6 @@
               </a:rPr>
               <a:t>Рисунок 6 – Страница завершения платежа личного кабинета</a:t>
             </a:r>
-            <a:endParaRPr lang="ru-RU" sz="1000" dirty="0">
-              <a:solidFill>
-                <a:srgbClr val="002B82"/>
-              </a:solidFill>
-              <a:latin typeface="Bahnschrift" pitchFamily="34" charset="0"/>
-            </a:endParaRPr>
           </a:p>
         </p:txBody>
       </p:sp>
@@ -10356,7 +10010,7 @@
           <a:lstStyle/>
           <a:p>
             <a:r>
-              <a:rPr lang="ru-RU" sz="1200" dirty="0" smtClean="0">
+              <a:rPr lang="ru-RU" sz="1200" dirty="0">
                 <a:solidFill>
                   <a:srgbClr val="002B82"/>
                 </a:solidFill>
@@ -10364,12 +10018,6 @@
               </a:rPr>
               <a:t>Схема 6 – Схема работы метода завершения оплаты проекта системы лояльности ООО «АИС Город»</a:t>
             </a:r>
-            <a:endParaRPr lang="ru-RU" sz="1200" dirty="0">
-              <a:solidFill>
-                <a:srgbClr val="002B82"/>
-              </a:solidFill>
-              <a:latin typeface="Bahnschrift" pitchFamily="34" charset="0"/>
-            </a:endParaRPr>
           </a:p>
         </p:txBody>
       </p:sp>
@@ -10395,13 +10043,6 @@
       </p:transition>
     </mc:Fallback>
   </mc:AlternateContent>
-  <p:timing>
-    <p:tnLst>
-      <p:par>
-        <p:cTn id="1" dur="indefinite" restart="never" nodeType="tmRoot"/>
-      </p:par>
-    </p:tnLst>
-  </p:timing>
 </p:sld>
 </file>
 
@@ -10553,7 +10194,7 @@
           <p:cNvPr id="2" name="Номер слайда 1">
             <a:extLst>
               <a:ext uri="{FF2B5EF4-FFF2-40B4-BE49-F238E27FC236}">
-                <a16:creationId xmlns="" xmlns:a16="http://schemas.microsoft.com/office/drawing/2014/main" id="{09A8B9C5-71A4-40D9-99B8-E419D6DA7B8B}"/>
+                <a16:creationId xmlns:a16="http://schemas.microsoft.com/office/drawing/2014/main" id="{09A8B9C5-71A4-40D9-99B8-E419D6DA7B8B}"/>
               </a:ext>
             </a:extLst>
           </p:cNvPr>
@@ -10631,7 +10272,7 @@
           <p:cNvPr id="9" name="TextBox 8">
             <a:extLst>
               <a:ext uri="{FF2B5EF4-FFF2-40B4-BE49-F238E27FC236}">
-                <a16:creationId xmlns="" xmlns:a16="http://schemas.microsoft.com/office/drawing/2014/main" id="{0DAF1E99-18A8-45BE-8B3C-7CFA7E1CB1CD}"/>
+                <a16:creationId xmlns:a16="http://schemas.microsoft.com/office/drawing/2014/main" id="{0DAF1E99-18A8-45BE-8B3C-7CFA7E1CB1CD}"/>
               </a:ext>
             </a:extLst>
           </p:cNvPr>
@@ -10656,7 +10297,7 @@
           <a:p>
             <a:pPr algn="ctr"/>
             <a:r>
-              <a:rPr lang="ru-RU" sz="2400" dirty="0" smtClean="0">
+              <a:rPr lang="ru-RU" sz="2400" dirty="0">
                 <a:solidFill>
                   <a:srgbClr val="002B82"/>
                 </a:solidFill>
@@ -10664,12 +10305,6 @@
               </a:rPr>
               <a:t>Метод получения статуса заказа</a:t>
             </a:r>
-            <a:endParaRPr lang="ru-RU" sz="2400" dirty="0">
-              <a:solidFill>
-                <a:srgbClr val="002B82"/>
-              </a:solidFill>
-              <a:latin typeface="Bahnschrift" pitchFamily="34" charset="0"/>
-            </a:endParaRPr>
           </a:p>
         </p:txBody>
       </p:sp>
@@ -11281,18 +10916,13 @@
           <a:p>
             <a:pPr algn="ctr"/>
             <a:r>
-              <a:rPr lang="ru-RU" sz="1200" dirty="0" smtClean="0">
+              <a:rPr lang="ru-RU" sz="1200" dirty="0">
                 <a:solidFill>
                   <a:schemeClr val="bg1"/>
                 </a:solidFill>
               </a:rPr>
               <a:t>Получение статуса</a:t>
             </a:r>
-            <a:endParaRPr lang="ru-RU" sz="1200" dirty="0">
-              <a:solidFill>
-                <a:schemeClr val="bg1"/>
-              </a:solidFill>
-            </a:endParaRPr>
           </a:p>
         </p:txBody>
       </p:sp>
@@ -11549,18 +11179,13 @@
           <a:lstStyle/>
           <a:p>
             <a:r>
-              <a:rPr lang="ru-RU" sz="1200" dirty="0" smtClean="0">
+              <a:rPr lang="ru-RU" sz="1200" dirty="0">
                 <a:solidFill>
                   <a:schemeClr val="bg1"/>
                 </a:solidFill>
               </a:rPr>
               <a:t>да</a:t>
             </a:r>
-            <a:endParaRPr lang="ru-RU" sz="1200" dirty="0">
-              <a:solidFill>
-                <a:schemeClr val="bg1"/>
-              </a:solidFill>
-            </a:endParaRPr>
           </a:p>
         </p:txBody>
       </p:sp>
@@ -11587,18 +11212,13 @@
           <a:lstStyle/>
           <a:p>
             <a:r>
-              <a:rPr lang="ru-RU" sz="1200" dirty="0" smtClean="0">
+              <a:rPr lang="ru-RU" sz="1200" dirty="0">
                 <a:solidFill>
                   <a:schemeClr val="bg1"/>
                 </a:solidFill>
               </a:rPr>
               <a:t>да</a:t>
             </a:r>
-            <a:endParaRPr lang="ru-RU" sz="1200" dirty="0">
-              <a:solidFill>
-                <a:schemeClr val="bg1"/>
-              </a:solidFill>
-            </a:endParaRPr>
           </a:p>
         </p:txBody>
       </p:sp>
@@ -11625,18 +11245,13 @@
           <a:lstStyle/>
           <a:p>
             <a:r>
-              <a:rPr lang="ru-RU" sz="1200" dirty="0" smtClean="0">
+              <a:rPr lang="ru-RU" sz="1200" dirty="0">
                 <a:solidFill>
                   <a:schemeClr val="bg1"/>
                 </a:solidFill>
               </a:rPr>
               <a:t>да</a:t>
             </a:r>
-            <a:endParaRPr lang="ru-RU" sz="1200" dirty="0">
-              <a:solidFill>
-                <a:schemeClr val="bg1"/>
-              </a:solidFill>
-            </a:endParaRPr>
           </a:p>
         </p:txBody>
       </p:sp>
@@ -11713,18 +11328,13 @@
           <a:lstStyle/>
           <a:p>
             <a:r>
-              <a:rPr lang="ru-RU" sz="1200" dirty="0" smtClean="0">
+              <a:rPr lang="ru-RU" sz="1200" dirty="0">
                 <a:solidFill>
                   <a:schemeClr val="bg1"/>
                 </a:solidFill>
               </a:rPr>
               <a:t>Вернуть число бонусов</a:t>
             </a:r>
-            <a:endParaRPr lang="ru-RU" sz="1200" dirty="0">
-              <a:solidFill>
-                <a:schemeClr val="bg1"/>
-              </a:solidFill>
-            </a:endParaRPr>
           </a:p>
         </p:txBody>
       </p:sp>
@@ -11751,18 +11361,13 @@
           <a:lstStyle/>
           <a:p>
             <a:r>
-              <a:rPr lang="ru-RU" sz="1200" dirty="0" smtClean="0">
+              <a:rPr lang="ru-RU" sz="1200" dirty="0">
                 <a:solidFill>
                   <a:schemeClr val="bg1"/>
                 </a:solidFill>
               </a:rPr>
               <a:t>Вернуть ошибку</a:t>
             </a:r>
-            <a:endParaRPr lang="ru-RU" sz="1200" dirty="0">
-              <a:solidFill>
-                <a:schemeClr val="bg1"/>
-              </a:solidFill>
-            </a:endParaRPr>
           </a:p>
         </p:txBody>
       </p:sp>
@@ -11920,10 +11525,9 @@
           <a:lstStyle/>
           <a:p>
             <a:r>
-              <a:rPr lang="ru-RU" sz="900" dirty="0" smtClean="0"/>
+              <a:rPr lang="ru-RU" sz="900" dirty="0"/>
               <a:t>Заказ существует?</a:t>
             </a:r>
-            <a:endParaRPr lang="ru-RU" sz="900" dirty="0"/>
           </a:p>
         </p:txBody>
       </p:sp>
@@ -11972,10 +11576,9 @@
           <a:p>
             <a:pPr algn="ctr"/>
             <a:r>
-              <a:rPr lang="ru-RU" sz="1000" dirty="0" smtClean="0"/>
+              <a:rPr lang="ru-RU" sz="1000" dirty="0"/>
               <a:t>Данные магазина валидны?</a:t>
             </a:r>
-            <a:endParaRPr lang="ru-RU" sz="1000" dirty="0"/>
           </a:p>
         </p:txBody>
       </p:sp>
@@ -12002,18 +11605,13 @@
           <a:lstStyle/>
           <a:p>
             <a:r>
-              <a:rPr lang="ru-RU" sz="1200" dirty="0" smtClean="0">
+              <a:rPr lang="ru-RU" sz="1200" dirty="0">
                 <a:solidFill>
                   <a:schemeClr val="bg1"/>
                 </a:solidFill>
               </a:rPr>
               <a:t>Вернуть ошибку</a:t>
             </a:r>
-            <a:endParaRPr lang="ru-RU" sz="1200" dirty="0">
-              <a:solidFill>
-                <a:schemeClr val="bg1"/>
-              </a:solidFill>
-            </a:endParaRPr>
           </a:p>
         </p:txBody>
       </p:sp>
@@ -12108,10 +11706,9 @@
           <a:p>
             <a:pPr algn="ctr"/>
             <a:r>
-              <a:rPr lang="ru-RU" sz="1000" dirty="0" smtClean="0"/>
+              <a:rPr lang="ru-RU" sz="1000" dirty="0"/>
               <a:t>Получен ли статус?</a:t>
             </a:r>
-            <a:endParaRPr lang="ru-RU" sz="1000" dirty="0"/>
           </a:p>
         </p:txBody>
       </p:sp>
@@ -12138,18 +11735,13 @@
           <a:lstStyle/>
           <a:p>
             <a:r>
-              <a:rPr lang="ru-RU" sz="1200" dirty="0" smtClean="0">
+              <a:rPr lang="ru-RU" sz="1200" dirty="0">
                 <a:solidFill>
                   <a:schemeClr val="bg1"/>
                 </a:solidFill>
               </a:rPr>
               <a:t>Вернуть ошибку</a:t>
             </a:r>
-            <a:endParaRPr lang="ru-RU" sz="1200" dirty="0">
-              <a:solidFill>
-                <a:schemeClr val="bg1"/>
-              </a:solidFill>
-            </a:endParaRPr>
           </a:p>
         </p:txBody>
       </p:sp>
@@ -12198,18 +11790,13 @@
           <a:p>
             <a:pPr algn="ctr"/>
             <a:r>
-              <a:rPr lang="ru-RU" sz="1200" dirty="0" smtClean="0">
+              <a:rPr lang="ru-RU" sz="1200" dirty="0">
                 <a:solidFill>
                   <a:schemeClr val="bg1"/>
                 </a:solidFill>
               </a:rPr>
               <a:t>Получение заказа</a:t>
             </a:r>
-            <a:endParaRPr lang="ru-RU" sz="1200" dirty="0">
-              <a:solidFill>
-                <a:schemeClr val="bg1"/>
-              </a:solidFill>
-            </a:endParaRPr>
           </a:p>
         </p:txBody>
       </p:sp>
@@ -12374,7 +11961,7 @@
           <a:lstStyle/>
           <a:p>
             <a:r>
-              <a:rPr lang="ru-RU" sz="1200" dirty="0" smtClean="0">
+              <a:rPr lang="ru-RU" sz="1200" dirty="0">
                 <a:solidFill>
                   <a:srgbClr val="002B82"/>
                 </a:solidFill>
@@ -12382,12 +11969,6 @@
               </a:rPr>
               <a:t>Схема 7 – Схема работы метода получения статуса заказа проекта системы лояльности ООО «АИС Город»</a:t>
             </a:r>
-            <a:endParaRPr lang="ru-RU" sz="1200" dirty="0">
-              <a:solidFill>
-                <a:srgbClr val="002B82"/>
-              </a:solidFill>
-              <a:latin typeface="Bahnschrift" pitchFamily="34" charset="0"/>
-            </a:endParaRPr>
           </a:p>
         </p:txBody>
       </p:sp>
@@ -12413,13 +11994,6 @@
       </p:transition>
     </mc:Fallback>
   </mc:AlternateContent>
-  <p:timing>
-    <p:tnLst>
-      <p:par>
-        <p:cTn id="1" dur="indefinite" restart="never" nodeType="tmRoot"/>
-      </p:par>
-    </p:tnLst>
-  </p:timing>
 </p:sld>
 </file>
 
@@ -12571,7 +12145,7 @@
           <p:cNvPr id="2" name="Номер слайда 1">
             <a:extLst>
               <a:ext uri="{FF2B5EF4-FFF2-40B4-BE49-F238E27FC236}">
-                <a16:creationId xmlns="" xmlns:a16="http://schemas.microsoft.com/office/drawing/2014/main" id="{F752072B-5092-4F88-88FB-AF2D602AB40C}"/>
+                <a16:creationId xmlns:a16="http://schemas.microsoft.com/office/drawing/2014/main" id="{F752072B-5092-4F88-88FB-AF2D602AB40C}"/>
               </a:ext>
             </a:extLst>
           </p:cNvPr>
@@ -12649,7 +12223,7 @@
           <p:cNvPr id="8" name="TextBox 7">
             <a:extLst>
               <a:ext uri="{FF2B5EF4-FFF2-40B4-BE49-F238E27FC236}">
-                <a16:creationId xmlns="" xmlns:a16="http://schemas.microsoft.com/office/drawing/2014/main" id="{0DAF1E99-18A8-45BE-8B3C-7CFA7E1CB1CD}"/>
+                <a16:creationId xmlns:a16="http://schemas.microsoft.com/office/drawing/2014/main" id="{0DAF1E99-18A8-45BE-8B3C-7CFA7E1CB1CD}"/>
               </a:ext>
             </a:extLst>
           </p:cNvPr>
@@ -12674,7 +12248,7 @@
           <a:p>
             <a:pPr algn="ctr"/>
             <a:r>
-              <a:rPr lang="ru-RU" sz="2400" dirty="0" smtClean="0">
+              <a:rPr lang="ru-RU" sz="2400" dirty="0">
                 <a:solidFill>
                   <a:srgbClr val="002B82"/>
                 </a:solidFill>
@@ -12683,7 +12257,7 @@
               <a:t>Клиентский путь</a:t>
             </a:r>
             <a:br>
-              <a:rPr lang="ru-RU" sz="2400" dirty="0" smtClean="0">
+              <a:rPr lang="ru-RU" sz="2400" dirty="0">
                 <a:solidFill>
                   <a:srgbClr val="002B82"/>
                 </a:solidFill>
@@ -12691,7 +12265,7 @@
               </a:rPr>
             </a:br>
             <a:r>
-              <a:rPr lang="ru-RU" sz="2400" dirty="0" smtClean="0">
+              <a:rPr lang="ru-RU" sz="2400" dirty="0">
                 <a:solidFill>
                   <a:srgbClr val="002B82"/>
                 </a:solidFill>
@@ -12699,12 +12273,6 @@
               </a:rPr>
               <a:t>Получение бонусов</a:t>
             </a:r>
-            <a:endParaRPr lang="ru-RU" sz="2400" dirty="0">
-              <a:solidFill>
-                <a:srgbClr val="002B82"/>
-              </a:solidFill>
-              <a:latin typeface="Bahnschrift" pitchFamily="34" charset="0"/>
-            </a:endParaRPr>
           </a:p>
         </p:txBody>
       </p:sp>
@@ -13200,13 +12768,56 @@
           <a:lstStyle/>
           <a:p>
             <a:r>
-              <a:rPr lang="ru-RU" sz="1200" dirty="0" smtClean="0">
+              <a:rPr lang="ru-RU" sz="1200" dirty="0">
                 <a:solidFill>
                   <a:srgbClr val="002B82"/>
                 </a:solidFill>
                 <a:latin typeface="Bahnschrift" pitchFamily="34" charset="0"/>
               </a:rPr>
               <a:t>Оплачиваем ЖКХ на сайтах РИЦ и АЙТИ Город</a:t>
+            </a:r>
+          </a:p>
+        </p:txBody>
+      </p:sp>
+      <p:sp>
+        <p:nvSpPr>
+          <p:cNvPr id="18" name="TextBox 17"/>
+          <p:cNvSpPr txBox="1"/>
+          <p:nvPr/>
+        </p:nvSpPr>
+        <p:spPr>
+          <a:xfrm>
+            <a:off x="6334444" y="3396824"/>
+            <a:ext cx="1426552" cy="461665"/>
+          </a:xfrm>
+          <a:prstGeom prst="rect">
+            <a:avLst/>
+          </a:prstGeom>
+          <a:noFill/>
+        </p:spPr>
+        <p:txBody>
+          <a:bodyPr wrap="square" rtlCol="0">
+            <a:spAutoFit/>
+          </a:bodyPr>
+          <a:lstStyle/>
+          <a:p>
+            <a:r>
+              <a:rPr lang="ru-RU" sz="1200" dirty="0">
+                <a:solidFill>
+                  <a:srgbClr val="002B82"/>
+                </a:solidFill>
+                <a:latin typeface="Bahnschrift" pitchFamily="34" charset="0"/>
+              </a:rPr>
+              <a:t>Получаем </a:t>
+            </a:r>
+            <a:r>
+              <a:rPr lang="ru-RU" sz="1200" dirty="0" err="1">
+                <a:solidFill>
+                  <a:srgbClr val="002B82"/>
+                </a:solidFill>
+                <a:latin typeface="Bahnschrift" pitchFamily="34" charset="0"/>
+              </a:rPr>
+              <a:t>промокод</a:t>
             </a:r>
             <a:endParaRPr lang="ru-RU" sz="1200" dirty="0">
               <a:solidFill>
@@ -13219,14 +12830,14 @@
       </p:sp>
       <p:sp>
         <p:nvSpPr>
-          <p:cNvPr id="18" name="TextBox 17"/>
+          <p:cNvPr id="19" name="TextBox 18"/>
           <p:cNvSpPr txBox="1"/>
           <p:nvPr/>
         </p:nvSpPr>
         <p:spPr>
           <a:xfrm>
-            <a:off x="6334444" y="3396824"/>
-            <a:ext cx="1426552" cy="461665"/>
+            <a:off x="5818785" y="4453218"/>
+            <a:ext cx="1907750" cy="646331"/>
           </a:xfrm>
           <a:prstGeom prst="rect">
             <a:avLst/>
@@ -13240,22 +12851,40 @@
           <a:lstStyle/>
           <a:p>
             <a:r>
-              <a:rPr lang="ru-RU" sz="1200" dirty="0" smtClean="0">
+              <a:rPr lang="ru-RU" sz="1200" dirty="0">
                 <a:solidFill>
                   <a:srgbClr val="002B82"/>
                 </a:solidFill>
                 <a:latin typeface="Bahnschrift" pitchFamily="34" charset="0"/>
               </a:rPr>
-              <a:t>Получаем </a:t>
-            </a:r>
-            <a:r>
-              <a:rPr lang="ru-RU" sz="1200" dirty="0" err="1" smtClean="0">
+              <a:t>Используем </a:t>
+            </a:r>
+            <a:r>
+              <a:rPr lang="ru-RU" sz="1200" dirty="0" err="1">
                 <a:solidFill>
                   <a:srgbClr val="002B82"/>
                 </a:solidFill>
                 <a:latin typeface="Bahnschrift" pitchFamily="34" charset="0"/>
               </a:rPr>
               <a:t>промокод</a:t>
+            </a:r>
+            <a:r>
+              <a:rPr lang="ru-RU" sz="1200" dirty="0">
+                <a:solidFill>
+                  <a:srgbClr val="002B82"/>
+                </a:solidFill>
+                <a:latin typeface="Bahnschrift" pitchFamily="34" charset="0"/>
+              </a:rPr>
+              <a:t> для первой покупки в </a:t>
+            </a:r>
+            <a:r>
+              <a:rPr lang="ru-RU" sz="1200" dirty="0" err="1">
+                <a:solidFill>
+                  <a:srgbClr val="002B82"/>
+                </a:solidFill>
+                <a:latin typeface="Bahnschrift" pitchFamily="34" charset="0"/>
+              </a:rPr>
+              <a:t>СберМаркете</a:t>
             </a:r>
             <a:endParaRPr lang="ru-RU" sz="1200" dirty="0">
               <a:solidFill>
@@ -13268,14 +12897,14 @@
       </p:sp>
       <p:sp>
         <p:nvSpPr>
-          <p:cNvPr id="19" name="TextBox 18"/>
+          <p:cNvPr id="20" name="TextBox 19"/>
           <p:cNvSpPr txBox="1"/>
           <p:nvPr/>
         </p:nvSpPr>
         <p:spPr>
           <a:xfrm>
-            <a:off x="5818785" y="4453218"/>
-            <a:ext cx="1907750" cy="646331"/>
+            <a:off x="3575586" y="6275792"/>
+            <a:ext cx="5151664" cy="461665"/>
           </a:xfrm>
           <a:prstGeom prst="rect">
             <a:avLst/>
@@ -13289,74 +12918,7 @@
           <a:lstStyle/>
           <a:p>
             <a:r>
-              <a:rPr lang="ru-RU" sz="1200" dirty="0" smtClean="0">
-                <a:solidFill>
-                  <a:srgbClr val="002B82"/>
-                </a:solidFill>
-                <a:latin typeface="Bahnschrift" pitchFamily="34" charset="0"/>
-              </a:rPr>
-              <a:t>Используем </a:t>
-            </a:r>
-            <a:r>
-              <a:rPr lang="ru-RU" sz="1200" dirty="0" err="1" smtClean="0">
-                <a:solidFill>
-                  <a:srgbClr val="002B82"/>
-                </a:solidFill>
-                <a:latin typeface="Bahnschrift" pitchFamily="34" charset="0"/>
-              </a:rPr>
-              <a:t>промокод</a:t>
-            </a:r>
-            <a:r>
-              <a:rPr lang="ru-RU" sz="1200" dirty="0" smtClean="0">
-                <a:solidFill>
-                  <a:srgbClr val="002B82"/>
-                </a:solidFill>
-                <a:latin typeface="Bahnschrift" pitchFamily="34" charset="0"/>
-              </a:rPr>
-              <a:t> для первой покупки в </a:t>
-            </a:r>
-            <a:r>
-              <a:rPr lang="ru-RU" sz="1200" dirty="0" err="1" smtClean="0">
-                <a:solidFill>
-                  <a:srgbClr val="002B82"/>
-                </a:solidFill>
-                <a:latin typeface="Bahnschrift" pitchFamily="34" charset="0"/>
-              </a:rPr>
-              <a:t>СберМаркете</a:t>
-            </a:r>
-            <a:endParaRPr lang="ru-RU" sz="1200" dirty="0">
-              <a:solidFill>
-                <a:srgbClr val="002B82"/>
-              </a:solidFill>
-              <a:latin typeface="Bahnschrift" pitchFamily="34" charset="0"/>
-            </a:endParaRPr>
-          </a:p>
-        </p:txBody>
-      </p:sp>
-      <p:sp>
-        <p:nvSpPr>
-          <p:cNvPr id="20" name="TextBox 19"/>
-          <p:cNvSpPr txBox="1"/>
-          <p:nvPr/>
-        </p:nvSpPr>
-        <p:spPr>
-          <a:xfrm>
-            <a:off x="3575586" y="6275792"/>
-            <a:ext cx="5151664" cy="461665"/>
-          </a:xfrm>
-          <a:prstGeom prst="rect">
-            <a:avLst/>
-          </a:prstGeom>
-          <a:noFill/>
-        </p:spPr>
-        <p:txBody>
-          <a:bodyPr wrap="square" rtlCol="0">
-            <a:spAutoFit/>
-          </a:bodyPr>
-          <a:lstStyle/>
-          <a:p>
-            <a:r>
-              <a:rPr lang="ru-RU" sz="1200" dirty="0" smtClean="0">
+              <a:rPr lang="ru-RU" sz="1200" dirty="0">
                 <a:solidFill>
                   <a:srgbClr val="002B82"/>
                 </a:solidFill>
@@ -13364,12 +12926,6 @@
               </a:rPr>
               <a:t>Схема 8 – Схема работы получения бонусов проекта системы лояльности ООО «АИС Город»</a:t>
             </a:r>
-            <a:endParaRPr lang="ru-RU" sz="1200" dirty="0">
-              <a:solidFill>
-                <a:srgbClr val="002B82"/>
-              </a:solidFill>
-              <a:latin typeface="Bahnschrift" pitchFamily="34" charset="0"/>
-            </a:endParaRPr>
           </a:p>
         </p:txBody>
       </p:sp>
@@ -13395,13 +12951,6 @@
       </p:transition>
     </mc:Fallback>
   </mc:AlternateContent>
-  <p:timing>
-    <p:tnLst>
-      <p:par>
-        <p:cTn id="1" dur="indefinite" restart="never" nodeType="tmRoot"/>
-      </p:par>
-    </p:tnLst>
-  </p:timing>
 </p:sld>
 </file>
 
@@ -13553,7 +13102,7 @@
           <p:cNvPr id="2" name="Номер слайда 1">
             <a:extLst>
               <a:ext uri="{FF2B5EF4-FFF2-40B4-BE49-F238E27FC236}">
-                <a16:creationId xmlns="" xmlns:a16="http://schemas.microsoft.com/office/drawing/2014/main" id="{F752072B-5092-4F88-88FB-AF2D602AB40C}"/>
+                <a16:creationId xmlns:a16="http://schemas.microsoft.com/office/drawing/2014/main" id="{F752072B-5092-4F88-88FB-AF2D602AB40C}"/>
               </a:ext>
             </a:extLst>
           </p:cNvPr>
@@ -13631,7 +13180,7 @@
           <p:cNvPr id="10" name="TextBox 9">
             <a:extLst>
               <a:ext uri="{FF2B5EF4-FFF2-40B4-BE49-F238E27FC236}">
-                <a16:creationId xmlns="" xmlns:a16="http://schemas.microsoft.com/office/drawing/2014/main" id="{0DAF1E99-18A8-45BE-8B3C-7CFA7E1CB1CD}"/>
+                <a16:creationId xmlns:a16="http://schemas.microsoft.com/office/drawing/2014/main" id="{0DAF1E99-18A8-45BE-8B3C-7CFA7E1CB1CD}"/>
               </a:ext>
             </a:extLst>
           </p:cNvPr>
@@ -13656,7 +13205,7 @@
           <a:p>
             <a:pPr algn="ctr"/>
             <a:r>
-              <a:rPr lang="ru-RU" sz="2400" dirty="0" smtClean="0">
+              <a:rPr lang="ru-RU" sz="2400" dirty="0">
                 <a:solidFill>
                   <a:srgbClr val="002B82"/>
                 </a:solidFill>
@@ -13665,7 +13214,7 @@
               <a:t>Клиентский путь</a:t>
             </a:r>
             <a:br>
-              <a:rPr lang="ru-RU" sz="2400" dirty="0" smtClean="0">
+              <a:rPr lang="ru-RU" sz="2400" dirty="0">
                 <a:solidFill>
                   <a:srgbClr val="002B82"/>
                 </a:solidFill>
@@ -13673,7 +13222,7 @@
               </a:rPr>
             </a:br>
             <a:r>
-              <a:rPr lang="ru-RU" sz="2400" dirty="0" smtClean="0">
+              <a:rPr lang="ru-RU" sz="2400" dirty="0">
                 <a:solidFill>
                   <a:srgbClr val="002B82"/>
                 </a:solidFill>
@@ -13681,12 +13230,6 @@
               </a:rPr>
               <a:t>Оплата бонусами</a:t>
             </a:r>
-            <a:endParaRPr lang="ru-RU" sz="2400" dirty="0">
-              <a:solidFill>
-                <a:srgbClr val="002B82"/>
-              </a:solidFill>
-              <a:latin typeface="Bahnschrift" pitchFamily="34" charset="0"/>
-            </a:endParaRPr>
           </a:p>
         </p:txBody>
       </p:sp>
@@ -14052,7 +13595,7 @@
           <a:lstStyle/>
           <a:p>
             <a:r>
-              <a:rPr lang="ru-RU" sz="1200" dirty="0" smtClean="0">
+              <a:rPr lang="ru-RU" sz="1200" dirty="0">
                 <a:solidFill>
                   <a:srgbClr val="002B82"/>
                 </a:solidFill>
@@ -14060,12 +13603,6 @@
               </a:rPr>
               <a:t>Выбираем бонусы как способ оплаты, нажимаем оплатить</a:t>
             </a:r>
-            <a:endParaRPr lang="ru-RU" sz="1200" dirty="0">
-              <a:solidFill>
-                <a:srgbClr val="002B82"/>
-              </a:solidFill>
-              <a:latin typeface="Bahnschrift" pitchFamily="34" charset="0"/>
-            </a:endParaRPr>
           </a:p>
         </p:txBody>
       </p:sp>
@@ -14092,7 +13629,7 @@
           <a:lstStyle/>
           <a:p>
             <a:r>
-              <a:rPr lang="ru-RU" sz="1200" dirty="0" smtClean="0">
+              <a:rPr lang="ru-RU" sz="1200" dirty="0">
                 <a:solidFill>
                   <a:srgbClr val="002B82"/>
                 </a:solidFill>
@@ -14100,12 +13637,6 @@
               </a:rPr>
               <a:t>Подтверждаем совершение платежа</a:t>
             </a:r>
-            <a:endParaRPr lang="ru-RU" sz="1200" dirty="0">
-              <a:solidFill>
-                <a:srgbClr val="002B82"/>
-              </a:solidFill>
-              <a:latin typeface="Bahnschrift" pitchFamily="34" charset="0"/>
-            </a:endParaRPr>
           </a:p>
         </p:txBody>
       </p:sp>
@@ -14132,7 +13663,7 @@
           <a:lstStyle/>
           <a:p>
             <a:r>
-              <a:rPr lang="ru-RU" sz="1200" dirty="0" smtClean="0">
+              <a:rPr lang="ru-RU" sz="1200" dirty="0">
                 <a:solidFill>
                   <a:srgbClr val="002B82"/>
                 </a:solidFill>
@@ -14140,12 +13671,6 @@
               </a:rPr>
               <a:t>Схема 9 – Схема работы оплаты бонусами проекта системы лояльности ООО «АИС Город»</a:t>
             </a:r>
-            <a:endParaRPr lang="ru-RU" sz="1200" dirty="0">
-              <a:solidFill>
-                <a:srgbClr val="002B82"/>
-              </a:solidFill>
-              <a:latin typeface="Bahnschrift" pitchFamily="34" charset="0"/>
-            </a:endParaRPr>
           </a:p>
         </p:txBody>
       </p:sp>
@@ -14171,13 +13696,6 @@
       </p:transition>
     </mc:Fallback>
   </mc:AlternateContent>
-  <p:timing>
-    <p:tnLst>
-      <p:par>
-        <p:cTn id="1" dur="indefinite" restart="never" nodeType="tmRoot"/>
-      </p:par>
-    </p:tnLst>
-  </p:timing>
 </p:sld>
 </file>
 
@@ -14329,7 +13847,7 @@
           <p:cNvPr id="2" name="Номер слайда 1">
             <a:extLst>
               <a:ext uri="{FF2B5EF4-FFF2-40B4-BE49-F238E27FC236}">
-                <a16:creationId xmlns="" xmlns:a16="http://schemas.microsoft.com/office/drawing/2014/main" id="{E66C123D-E682-42B1-B571-8DF0F1DB8F94}"/>
+                <a16:creationId xmlns:a16="http://schemas.microsoft.com/office/drawing/2014/main" id="{E66C123D-E682-42B1-B571-8DF0F1DB8F94}"/>
               </a:ext>
             </a:extLst>
           </p:cNvPr>
@@ -14407,7 +13925,7 @@
           <p:cNvPr id="9" name="TextBox 8">
             <a:extLst>
               <a:ext uri="{FF2B5EF4-FFF2-40B4-BE49-F238E27FC236}">
-                <a16:creationId xmlns="" xmlns:a16="http://schemas.microsoft.com/office/drawing/2014/main" id="{0DAF1E99-18A8-45BE-8B3C-7CFA7E1CB1CD}"/>
+                <a16:creationId xmlns:a16="http://schemas.microsoft.com/office/drawing/2014/main" id="{0DAF1E99-18A8-45BE-8B3C-7CFA7E1CB1CD}"/>
               </a:ext>
             </a:extLst>
           </p:cNvPr>
@@ -14432,7 +13950,7 @@
           <a:p>
             <a:pPr algn="ctr"/>
             <a:r>
-              <a:rPr lang="ru-RU" sz="2400" dirty="0" smtClean="0">
+              <a:rPr lang="ru-RU" sz="2400" dirty="0">
                 <a:solidFill>
                   <a:srgbClr val="002B82"/>
                 </a:solidFill>
@@ -14440,12 +13958,6 @@
               </a:rPr>
               <a:t>Тестирование разработанного продукта</a:t>
             </a:r>
-            <a:endParaRPr lang="ru-RU" sz="2400" dirty="0">
-              <a:solidFill>
-                <a:srgbClr val="002B82"/>
-              </a:solidFill>
-              <a:latin typeface="Bahnschrift" pitchFamily="34" charset="0"/>
-            </a:endParaRPr>
           </a:p>
         </p:txBody>
       </p:sp>
@@ -14602,11 +14114,41 @@
                 <a:tableStyleId>{35758FB7-9AC5-4552-8A53-C91805E547FA}</a:tableStyleId>
               </a:tblPr>
               <a:tblGrid>
-                <a:gridCol w="905688"/>
-                <a:gridCol w="3034057"/>
-                <a:gridCol w="2852918"/>
-                <a:gridCol w="2427244"/>
-                <a:gridCol w="2318562"/>
+                <a:gridCol w="905688">
+                  <a:extLst>
+                    <a:ext uri="{9D8B030D-6E8A-4147-A177-3AD203B41FA5}">
+                      <a16:colId xmlns:a16="http://schemas.microsoft.com/office/drawing/2014/main" val="20000"/>
+                    </a:ext>
+                  </a:extLst>
+                </a:gridCol>
+                <a:gridCol w="3034057">
+                  <a:extLst>
+                    <a:ext uri="{9D8B030D-6E8A-4147-A177-3AD203B41FA5}">
+                      <a16:colId xmlns:a16="http://schemas.microsoft.com/office/drawing/2014/main" val="20001"/>
+                    </a:ext>
+                  </a:extLst>
+                </a:gridCol>
+                <a:gridCol w="2852918">
+                  <a:extLst>
+                    <a:ext uri="{9D8B030D-6E8A-4147-A177-3AD203B41FA5}">
+                      <a16:colId xmlns:a16="http://schemas.microsoft.com/office/drawing/2014/main" val="20002"/>
+                    </a:ext>
+                  </a:extLst>
+                </a:gridCol>
+                <a:gridCol w="2427244">
+                  <a:extLst>
+                    <a:ext uri="{9D8B030D-6E8A-4147-A177-3AD203B41FA5}">
+                      <a16:colId xmlns:a16="http://schemas.microsoft.com/office/drawing/2014/main" val="20003"/>
+                    </a:ext>
+                  </a:extLst>
+                </a:gridCol>
+                <a:gridCol w="2318562">
+                  <a:extLst>
+                    <a:ext uri="{9D8B030D-6E8A-4147-A177-3AD203B41FA5}">
+                      <a16:colId xmlns:a16="http://schemas.microsoft.com/office/drawing/2014/main" val="20004"/>
+                    </a:ext>
+                  </a:extLst>
+                </a:gridCol>
               </a:tblGrid>
               <a:tr h="167063">
                 <a:tc>
@@ -14744,6 +14286,11 @@
                   </a:txBody>
                   <a:tcPr marL="6907" marR="6907" marT="6907" marB="0"/>
                 </a:tc>
+                <a:extLst>
+                  <a:ext uri="{0D108BD9-81ED-4DB2-BD59-A6C34878D82A}">
+                    <a16:rowId xmlns:a16="http://schemas.microsoft.com/office/drawing/2014/main" val="10000"/>
+                  </a:ext>
+                </a:extLst>
               </a:tr>
               <a:tr h="835310">
                 <a:tc>
@@ -15113,6 +14660,11 @@
                     </a:solidFill>
                   </a:tcPr>
                 </a:tc>
+                <a:extLst>
+                  <a:ext uri="{0D108BD9-81ED-4DB2-BD59-A6C34878D82A}">
+                    <a16:rowId xmlns:a16="http://schemas.microsoft.com/office/drawing/2014/main" val="10001"/>
+                  </a:ext>
+                </a:extLst>
               </a:tr>
               <a:tr h="1002373">
                 <a:tc>
@@ -15552,6 +15104,11 @@
                     </a:solidFill>
                   </a:tcPr>
                 </a:tc>
+                <a:extLst>
+                  <a:ext uri="{0D108BD9-81ED-4DB2-BD59-A6C34878D82A}">
+                    <a16:rowId xmlns:a16="http://schemas.microsoft.com/office/drawing/2014/main" val="10002"/>
+                  </a:ext>
+                </a:extLst>
               </a:tr>
               <a:tr h="1002373">
                 <a:tc>
@@ -16001,6 +15558,11 @@
                     </a:solidFill>
                   </a:tcPr>
                 </a:tc>
+                <a:extLst>
+                  <a:ext uri="{0D108BD9-81ED-4DB2-BD59-A6C34878D82A}">
+                    <a16:rowId xmlns:a16="http://schemas.microsoft.com/office/drawing/2014/main" val="10003"/>
+                  </a:ext>
+                </a:extLst>
               </a:tr>
               <a:tr h="1002373">
                 <a:tc>
@@ -16440,6 +16002,11 @@
                     </a:solidFill>
                   </a:tcPr>
                 </a:tc>
+                <a:extLst>
+                  <a:ext uri="{0D108BD9-81ED-4DB2-BD59-A6C34878D82A}">
+                    <a16:rowId xmlns:a16="http://schemas.microsoft.com/office/drawing/2014/main" val="10004"/>
+                  </a:ext>
+                </a:extLst>
               </a:tr>
               <a:tr h="1002373">
                 <a:tc>
@@ -16869,6 +16436,11 @@
                     </a:solidFill>
                   </a:tcPr>
                 </a:tc>
+                <a:extLst>
+                  <a:ext uri="{0D108BD9-81ED-4DB2-BD59-A6C34878D82A}">
+                    <a16:rowId xmlns:a16="http://schemas.microsoft.com/office/drawing/2014/main" val="10005"/>
+                  </a:ext>
+                </a:extLst>
               </a:tr>
             </a:tbl>
           </a:graphicData>
@@ -16897,7 +16469,7 @@
           <a:lstStyle/>
           <a:p>
             <a:r>
-              <a:rPr lang="ru-RU" sz="1200" dirty="0" smtClean="0">
+              <a:rPr lang="ru-RU" sz="1200" dirty="0">
                 <a:solidFill>
                   <a:srgbClr val="002B82"/>
                 </a:solidFill>
@@ -16905,12 +16477,6 @@
               </a:rPr>
               <a:t>Таблица 1 – Тест-кейсы для тестирования метода получения баланса пользователя</a:t>
             </a:r>
-            <a:endParaRPr lang="ru-RU" sz="1200" dirty="0">
-              <a:solidFill>
-                <a:srgbClr val="002B82"/>
-              </a:solidFill>
-              <a:latin typeface="Bahnschrift" pitchFamily="34" charset="0"/>
-            </a:endParaRPr>
           </a:p>
         </p:txBody>
       </p:sp>
@@ -16936,13 +16502,6 @@
       </p:transition>
     </mc:Fallback>
   </mc:AlternateContent>
-  <p:timing>
-    <p:tnLst>
-      <p:par>
-        <p:cTn id="1" dur="indefinite" restart="never" nodeType="tmRoot"/>
-      </p:par>
-    </p:tnLst>
-  </p:timing>
 </p:sld>
 </file>
 
@@ -17030,7 +16589,7 @@
           <p:cNvPr id="2" name="Номер слайда 1">
             <a:extLst>
               <a:ext uri="{FF2B5EF4-FFF2-40B4-BE49-F238E27FC236}">
-                <a16:creationId xmlns="" xmlns:a16="http://schemas.microsoft.com/office/drawing/2014/main" id="{67CA6F6E-D696-47FC-8813-983909D46FEE}"/>
+                <a16:creationId xmlns:a16="http://schemas.microsoft.com/office/drawing/2014/main" id="{67CA6F6E-D696-47FC-8813-983909D46FEE}"/>
               </a:ext>
             </a:extLst>
           </p:cNvPr>
@@ -17067,7 +16626,7 @@
           <p:cNvPr id="5" name="Прямая соединительная линия 4">
             <a:extLst>
               <a:ext uri="{FF2B5EF4-FFF2-40B4-BE49-F238E27FC236}">
-                <a16:creationId xmlns="" xmlns:a16="http://schemas.microsoft.com/office/drawing/2014/main" id="{46192FF6-0BCD-418A-85CE-B254539D9312}"/>
+                <a16:creationId xmlns:a16="http://schemas.microsoft.com/office/drawing/2014/main" id="{46192FF6-0BCD-418A-85CE-B254539D9312}"/>
               </a:ext>
             </a:extLst>
           </p:cNvPr>
@@ -17106,7 +16665,7 @@
           <p:cNvPr id="12" name="TextBox 10">
             <a:extLst>
               <a:ext uri="{FF2B5EF4-FFF2-40B4-BE49-F238E27FC236}">
-                <a16:creationId xmlns="" xmlns:a16="http://schemas.microsoft.com/office/drawing/2014/main" id="{E7A2D47B-A796-464A-8629-6DE4080689FE}"/>
+                <a16:creationId xmlns:a16="http://schemas.microsoft.com/office/drawing/2014/main" id="{E7A2D47B-A796-464A-8629-6DE4080689FE}"/>
               </a:ext>
             </a:extLst>
           </p:cNvPr>
@@ -17143,7 +16702,7 @@
           <p:cNvPr id="13" name="TextBox 12">
             <a:extLst>
               <a:ext uri="{FF2B5EF4-FFF2-40B4-BE49-F238E27FC236}">
-                <a16:creationId xmlns="" xmlns:a16="http://schemas.microsoft.com/office/drawing/2014/main" id="{4467FFB5-C13F-4251-8F82-3FFE19A5056A}"/>
+                <a16:creationId xmlns:a16="http://schemas.microsoft.com/office/drawing/2014/main" id="{4467FFB5-C13F-4251-8F82-3FFE19A5056A}"/>
               </a:ext>
             </a:extLst>
           </p:cNvPr>
@@ -17180,7 +16739,7 @@
           <p:cNvPr id="14" name="Прямая соединительная линия 13">
             <a:extLst>
               <a:ext uri="{FF2B5EF4-FFF2-40B4-BE49-F238E27FC236}">
-                <a16:creationId xmlns="" xmlns:a16="http://schemas.microsoft.com/office/drawing/2014/main" id="{D94D58F6-1359-44B1-843A-90CEED356218}"/>
+                <a16:creationId xmlns:a16="http://schemas.microsoft.com/office/drawing/2014/main" id="{D94D58F6-1359-44B1-843A-90CEED356218}"/>
               </a:ext>
             </a:extLst>
           </p:cNvPr>
@@ -17301,7 +16860,7 @@
           <p:cNvPr id="19" name="TextBox 18">
             <a:extLst>
               <a:ext uri="{FF2B5EF4-FFF2-40B4-BE49-F238E27FC236}">
-                <a16:creationId xmlns="" xmlns:a16="http://schemas.microsoft.com/office/drawing/2014/main" id="{0DAF1E99-18A8-45BE-8B3C-7CFA7E1CB1CD}"/>
+                <a16:creationId xmlns:a16="http://schemas.microsoft.com/office/drawing/2014/main" id="{0DAF1E99-18A8-45BE-8B3C-7CFA7E1CB1CD}"/>
               </a:ext>
             </a:extLst>
           </p:cNvPr>
@@ -17326,7 +16885,7 @@
           <a:p>
             <a:pPr algn="ctr"/>
             <a:r>
-              <a:rPr lang="ru-RU" sz="2400" dirty="0" smtClean="0">
+              <a:rPr lang="ru-RU" sz="2400" dirty="0">
                 <a:solidFill>
                   <a:srgbClr val="002B82"/>
                 </a:solidFill>
@@ -17334,12 +16893,6 @@
               </a:rPr>
               <a:t>Заключение</a:t>
             </a:r>
-            <a:endParaRPr lang="ru-RU" sz="2400" dirty="0">
-              <a:solidFill>
-                <a:srgbClr val="002B82"/>
-              </a:solidFill>
-              <a:latin typeface="Bahnschrift" pitchFamily="34" charset="0"/>
-            </a:endParaRPr>
           </a:p>
         </p:txBody>
       </p:sp>
@@ -17649,21 +17202,12 @@
                 </a:solidFill>
                 <a:latin typeface="Bahnschrift" pitchFamily="34" charset="0"/>
               </a:rPr>
-              <a:t>Произведено тестирование программного продукта</a:t>
-            </a:r>
-            <a:r>
-              <a:rPr lang="ru-RU" sz="1600" dirty="0" smtClean="0">
-                <a:solidFill>
-                  <a:srgbClr val="002B82"/>
-                </a:solidFill>
-                <a:latin typeface="Bahnschrift" pitchFamily="34" charset="0"/>
-              </a:rPr>
-              <a:t>;</a:t>
-            </a:r>
-          </a:p>
-          <a:p>
-            <a:r>
-              <a:rPr lang="ru-RU" sz="1600" dirty="0" smtClean="0">
+              <a:t>Произведено тестирование программного продукта;</a:t>
+            </a:r>
+          </a:p>
+          <a:p>
+            <a:r>
+              <a:rPr lang="ru-RU" sz="1600" dirty="0">
                 <a:solidFill>
                   <a:srgbClr val="002B82"/>
                 </a:solidFill>
@@ -17671,12 +17215,6 @@
               </a:rPr>
               <a:t>Разработанный продукт был внедрен в экосистему ООО «АИС Город» и уже сейчас используется в личных кабинетах РИЦ и АЙТИ Город</a:t>
             </a:r>
-            <a:endParaRPr lang="ru-RU" sz="1600" dirty="0">
-              <a:solidFill>
-                <a:srgbClr val="002B82"/>
-              </a:solidFill>
-              <a:latin typeface="Bahnschrift" pitchFamily="34" charset="0"/>
-            </a:endParaRPr>
           </a:p>
         </p:txBody>
       </p:sp>
@@ -18086,13 +17624,6 @@
       </p:transition>
     </mc:Fallback>
   </mc:AlternateContent>
-  <p:timing>
-    <p:tnLst>
-      <p:par>
-        <p:cTn id="1" dur="indefinite" restart="never" nodeType="tmRoot"/>
-      </p:par>
-    </p:tnLst>
-  </p:timing>
 </p:sld>
 </file>
 
@@ -18244,7 +17775,7 @@
           <p:cNvPr id="2" name="Номер слайда 1">
             <a:extLst>
               <a:ext uri="{FF2B5EF4-FFF2-40B4-BE49-F238E27FC236}">
-                <a16:creationId xmlns="" xmlns:a16="http://schemas.microsoft.com/office/drawing/2014/main" id="{4FD39AF1-9BD7-4A5A-8342-EC3A52C2DEEB}"/>
+                <a16:creationId xmlns:a16="http://schemas.microsoft.com/office/drawing/2014/main" id="{4FD39AF1-9BD7-4A5A-8342-EC3A52C2DEEB}"/>
               </a:ext>
             </a:extLst>
           </p:cNvPr>
@@ -18281,7 +17812,7 @@
           <p:cNvPr id="3" name="TextBox 2">
             <a:extLst>
               <a:ext uri="{FF2B5EF4-FFF2-40B4-BE49-F238E27FC236}">
-                <a16:creationId xmlns="" xmlns:a16="http://schemas.microsoft.com/office/drawing/2014/main" id="{1E5E01C5-47DF-40C2-882E-5D0680B0124B}"/>
+                <a16:creationId xmlns:a16="http://schemas.microsoft.com/office/drawing/2014/main" id="{1E5E01C5-47DF-40C2-882E-5D0680B0124B}"/>
               </a:ext>
             </a:extLst>
           </p:cNvPr>
@@ -18444,13 +17975,6 @@
       </p:transition>
     </mc:Fallback>
   </mc:AlternateContent>
-  <p:timing>
-    <p:tnLst>
-      <p:par>
-        <p:cTn id="1" dur="indefinite" restart="never" nodeType="tmRoot"/>
-      </p:par>
-    </p:tnLst>
-  </p:timing>
 </p:sld>
 </file>
 
@@ -18602,7 +18126,7 @@
           <p:cNvPr id="2" name="Номер слайда 1">
             <a:extLst>
               <a:ext uri="{FF2B5EF4-FFF2-40B4-BE49-F238E27FC236}">
-                <a16:creationId xmlns="" xmlns:a16="http://schemas.microsoft.com/office/drawing/2014/main" id="{8CA6D043-9D33-44B0-A57F-E42FDF70A68C}"/>
+                <a16:creationId xmlns:a16="http://schemas.microsoft.com/office/drawing/2014/main" id="{8CA6D043-9D33-44B0-A57F-E42FDF70A68C}"/>
               </a:ext>
             </a:extLst>
           </p:cNvPr>
@@ -18639,7 +18163,7 @@
           <p:cNvPr id="27" name="Прямая соединительная линия 26">
             <a:extLst>
               <a:ext uri="{FF2B5EF4-FFF2-40B4-BE49-F238E27FC236}">
-                <a16:creationId xmlns="" xmlns:a16="http://schemas.microsoft.com/office/drawing/2014/main" id="{166611FE-FE9F-4599-A7F5-6CF521D89860}"/>
+                <a16:creationId xmlns:a16="http://schemas.microsoft.com/office/drawing/2014/main" id="{166611FE-FE9F-4599-A7F5-6CF521D89860}"/>
               </a:ext>
             </a:extLst>
           </p:cNvPr>
@@ -18683,7 +18207,7 @@
           <p:cNvPr id="11" name="TextBox 10">
             <a:extLst>
               <a:ext uri="{FF2B5EF4-FFF2-40B4-BE49-F238E27FC236}">
-                <a16:creationId xmlns="" xmlns:a16="http://schemas.microsoft.com/office/drawing/2014/main" id="{19AB353A-7473-4626-91FF-909164C141AF}"/>
+                <a16:creationId xmlns:a16="http://schemas.microsoft.com/office/drawing/2014/main" id="{19AB353A-7473-4626-91FF-909164C141AF}"/>
               </a:ext>
             </a:extLst>
           </p:cNvPr>
@@ -18712,7 +18236,7 @@
               </a:lnSpc>
             </a:pPr>
             <a:r>
-              <a:rPr lang="ru-RU" sz="2400" b="1" spc="300" dirty="0" smtClean="0">
+              <a:rPr lang="ru-RU" sz="2400" b="1" spc="300" dirty="0">
                 <a:solidFill>
                   <a:srgbClr val="F86512"/>
                 </a:solidFill>
@@ -18722,7 +18246,7 @@
               <a:t>Цель</a:t>
             </a:r>
             <a:r>
-              <a:rPr lang="ru-RU" spc="300" dirty="0" smtClean="0">
+              <a:rPr lang="ru-RU" spc="300" dirty="0">
                 <a:solidFill>
                   <a:srgbClr val="002B82"/>
                 </a:solidFill>
@@ -18732,24 +18256,14 @@
               <a:t> проектной работы </a:t>
             </a:r>
             <a:r>
-              <a:rPr lang="ru-RU" sz="1600" dirty="0" smtClean="0">
+              <a:rPr lang="ru-RU" sz="1600" dirty="0">
                 <a:solidFill>
                   <a:srgbClr val="002B82"/>
                 </a:solidFill>
                 <a:latin typeface="Bahnschrift" pitchFamily="34" charset="0"/>
                 <a:ea typeface="Roboto Slab ExtraLight" pitchFamily="2" charset="0"/>
               </a:rPr>
-              <a:t>- </a:t>
-            </a:r>
-            <a:r>
-              <a:rPr lang="ru-RU" sz="1600" dirty="0">
-                <a:solidFill>
-                  <a:srgbClr val="002B82"/>
-                </a:solidFill>
-                <a:latin typeface="Bahnschrift" pitchFamily="34" charset="0"/>
-                <a:ea typeface="Roboto Slab ExtraLight" pitchFamily="2" charset="0"/>
-              </a:rPr>
-              <a:t>разработка веб приложения системы лояльности для ООО «АИС Город»</a:t>
+              <a:t>- разработка веб приложения системы лояльности для ООО «АИС Город»</a:t>
             </a:r>
           </a:p>
         </p:txBody>
@@ -18800,7 +18314,7 @@
           <p:cNvPr id="24" name="TextBox 23">
             <a:extLst>
               <a:ext uri="{FF2B5EF4-FFF2-40B4-BE49-F238E27FC236}">
-                <a16:creationId xmlns="" xmlns:a16="http://schemas.microsoft.com/office/drawing/2014/main" id="{036A13B3-DF4E-4E62-82F2-F0304AEE23FD}"/>
+                <a16:creationId xmlns:a16="http://schemas.microsoft.com/office/drawing/2014/main" id="{036A13B3-DF4E-4E62-82F2-F0304AEE23FD}"/>
               </a:ext>
             </a:extLst>
           </p:cNvPr>
@@ -18824,7 +18338,7 @@
           <a:lstStyle/>
           <a:p>
             <a:r>
-              <a:rPr lang="ru-RU" sz="2200" b="1" spc="300" dirty="0" smtClean="0">
+              <a:rPr lang="ru-RU" sz="2200" b="1" spc="300" dirty="0">
                 <a:solidFill>
                   <a:srgbClr val="F86512"/>
                 </a:solidFill>
@@ -18832,12 +18346,6 @@
               </a:rPr>
               <a:t>Задачи</a:t>
             </a:r>
-            <a:endParaRPr lang="ru-RU" sz="2200" b="1" spc="300" dirty="0">
-              <a:solidFill>
-                <a:srgbClr val="F86512"/>
-              </a:solidFill>
-              <a:latin typeface="Bahnschrift" pitchFamily="34" charset="0"/>
-            </a:endParaRPr>
           </a:p>
         </p:txBody>
       </p:sp>
@@ -18846,7 +18354,7 @@
           <p:cNvPr id="58" name="Группа 57">
             <a:extLst>
               <a:ext uri="{FF2B5EF4-FFF2-40B4-BE49-F238E27FC236}">
-                <a16:creationId xmlns="" xmlns:a16="http://schemas.microsoft.com/office/drawing/2014/main" id="{C0F12DF1-B6A2-45FB-9EBE-120E248E93B6}"/>
+                <a16:creationId xmlns:a16="http://schemas.microsoft.com/office/drawing/2014/main" id="{C0F12DF1-B6A2-45FB-9EBE-120E248E93B6}"/>
               </a:ext>
             </a:extLst>
           </p:cNvPr>
@@ -18866,7 +18374,7 @@
             <p:cNvPr id="59" name="TextBox 58">
               <a:extLst>
                 <a:ext uri="{FF2B5EF4-FFF2-40B4-BE49-F238E27FC236}">
-                  <a16:creationId xmlns="" xmlns:a16="http://schemas.microsoft.com/office/drawing/2014/main" id="{2036D72E-F51E-4E2B-AB6D-9DD8546C4B4B}"/>
+                  <a16:creationId xmlns:a16="http://schemas.microsoft.com/office/drawing/2014/main" id="{2036D72E-F51E-4E2B-AB6D-9DD8546C4B4B}"/>
                 </a:ext>
               </a:extLst>
             </p:cNvPr>
@@ -18909,7 +18417,7 @@
                 <a:t>И</a:t>
               </a:r>
               <a:r>
-                <a:rPr lang="x-none" sz="1300" smtClean="0">
+                <a:rPr lang="x-none" sz="1300">
                   <a:solidFill>
                     <a:srgbClr val="002B82"/>
                   </a:solidFill>
@@ -18920,7 +18428,7 @@
                 <a:t>зучить</a:t>
               </a:r>
               <a:r>
-                <a:rPr lang="ru-RU" sz="1300" dirty="0" smtClean="0">
+                <a:rPr lang="ru-RU" sz="1300" dirty="0">
                   <a:solidFill>
                     <a:srgbClr val="002B82"/>
                   </a:solidFill>
@@ -18956,7 +18464,7 @@
             <p:cNvPr id="61" name="TextBox 60">
               <a:extLst>
                 <a:ext uri="{FF2B5EF4-FFF2-40B4-BE49-F238E27FC236}">
-                  <a16:creationId xmlns="" xmlns:a16="http://schemas.microsoft.com/office/drawing/2014/main" id="{3B0D1C6A-ED1C-4177-9E58-C0B7185073BD}"/>
+                  <a16:creationId xmlns:a16="http://schemas.microsoft.com/office/drawing/2014/main" id="{3B0D1C6A-ED1C-4177-9E58-C0B7185073BD}"/>
                 </a:ext>
               </a:extLst>
             </p:cNvPr>
@@ -18986,23 +18494,8 @@
                   </a:solidFill>
                   <a:latin typeface="Bahnschrift" pitchFamily="34" charset="0"/>
                 </a:rPr>
-                <a:t>Изучение </a:t>
+                <a:t>Изучение системы интернет-эквайринга</a:t>
               </a:r>
-              <a:r>
-                <a:rPr lang="ru-RU" sz="1600" dirty="0" smtClean="0">
-                  <a:solidFill>
-                    <a:srgbClr val="47A9FF"/>
-                  </a:solidFill>
-                  <a:latin typeface="Bahnschrift" pitchFamily="34" charset="0"/>
-                </a:rPr>
-                <a:t>системы интернет-эквайринга</a:t>
-              </a:r>
-              <a:endParaRPr lang="ru-RU" sz="1600" dirty="0">
-                <a:solidFill>
-                  <a:srgbClr val="47A9FF"/>
-                </a:solidFill>
-                <a:latin typeface="Bahnschrift" pitchFamily="34" charset="0"/>
-              </a:endParaRPr>
             </a:p>
           </p:txBody>
         </p:sp>
@@ -19076,7 +18569,7 @@
           <p:cNvPr id="62" name="Группа 61">
             <a:extLst>
               <a:ext uri="{FF2B5EF4-FFF2-40B4-BE49-F238E27FC236}">
-                <a16:creationId xmlns="" xmlns:a16="http://schemas.microsoft.com/office/drawing/2014/main" id="{C0F12DF1-B6A2-45FB-9EBE-120E248E93B6}"/>
+                <a16:creationId xmlns:a16="http://schemas.microsoft.com/office/drawing/2014/main" id="{C0F12DF1-B6A2-45FB-9EBE-120E248E93B6}"/>
               </a:ext>
             </a:extLst>
           </p:cNvPr>
@@ -19096,7 +18589,7 @@
             <p:cNvPr id="63" name="TextBox 62">
               <a:extLst>
                 <a:ext uri="{FF2B5EF4-FFF2-40B4-BE49-F238E27FC236}">
-                  <a16:creationId xmlns="" xmlns:a16="http://schemas.microsoft.com/office/drawing/2014/main" id="{2036D72E-F51E-4E2B-AB6D-9DD8546C4B4B}"/>
+                  <a16:creationId xmlns:a16="http://schemas.microsoft.com/office/drawing/2014/main" id="{2036D72E-F51E-4E2B-AB6D-9DD8546C4B4B}"/>
                 </a:ext>
               </a:extLst>
             </p:cNvPr>
@@ -19139,7 +18632,7 @@
                 <a:t>И</a:t>
               </a:r>
               <a:r>
-                <a:rPr lang="x-none" sz="1300" smtClean="0">
+                <a:rPr lang="x-none" sz="1300">
                   <a:solidFill>
                     <a:srgbClr val="002B82"/>
                   </a:solidFill>
@@ -19150,7 +18643,7 @@
                 <a:t>зучить</a:t>
               </a:r>
               <a:r>
-                <a:rPr lang="ru-RU" sz="1300" dirty="0" smtClean="0">
+                <a:rPr lang="ru-RU" sz="1300" dirty="0">
                   <a:solidFill>
                     <a:srgbClr val="002B82"/>
                   </a:solidFill>
@@ -19161,7 +18654,7 @@
                 <a:t> проекты личных кабинетов оплаты ЖКХ ООО «РИЦ» и ООО «</a:t>
               </a:r>
               <a:r>
-                <a:rPr lang="ru-RU" sz="1300" dirty="0" err="1" smtClean="0">
+                <a:rPr lang="ru-RU" sz="1300" dirty="0" err="1">
                   <a:solidFill>
                     <a:srgbClr val="002B82"/>
                   </a:solidFill>
@@ -19172,7 +18665,7 @@
                 <a:t>Айти</a:t>
               </a:r>
               <a:r>
-                <a:rPr lang="ru-RU" sz="1300" dirty="0" smtClean="0">
+                <a:rPr lang="ru-RU" sz="1300" dirty="0">
                   <a:solidFill>
                     <a:srgbClr val="002B82"/>
                   </a:solidFill>
@@ -19182,14 +18675,6 @@
                 </a:rPr>
                 <a:t> Город»</a:t>
               </a:r>
-              <a:endParaRPr lang="ru-RU" sz="1300" dirty="0">
-                <a:solidFill>
-                  <a:srgbClr val="002B82"/>
-                </a:solidFill>
-                <a:effectLst/>
-                <a:latin typeface="Bahnschrift" pitchFamily="34" charset="0"/>
-                <a:ea typeface="MS Mincho" panose="02020609040205080304" pitchFamily="49" charset="-128"/>
-              </a:endParaRPr>
             </a:p>
           </p:txBody>
         </p:sp>
@@ -19198,7 +18683,7 @@
             <p:cNvPr id="64" name="TextBox 63">
               <a:extLst>
                 <a:ext uri="{FF2B5EF4-FFF2-40B4-BE49-F238E27FC236}">
-                  <a16:creationId xmlns="" xmlns:a16="http://schemas.microsoft.com/office/drawing/2014/main" id="{3B0D1C6A-ED1C-4177-9E58-C0B7185073BD}"/>
+                  <a16:creationId xmlns:a16="http://schemas.microsoft.com/office/drawing/2014/main" id="{3B0D1C6A-ED1C-4177-9E58-C0B7185073BD}"/>
                 </a:ext>
               </a:extLst>
             </p:cNvPr>
@@ -19228,23 +18713,8 @@
                   </a:solidFill>
                   <a:latin typeface="Bahnschrift" pitchFamily="34" charset="0"/>
                 </a:rPr>
-                <a:t>Изучение </a:t>
+                <a:t>Изучение системы личных кабинетов пользователей</a:t>
               </a:r>
-              <a:r>
-                <a:rPr lang="ru-RU" sz="1600" dirty="0" smtClean="0">
-                  <a:solidFill>
-                    <a:srgbClr val="47A9FF"/>
-                  </a:solidFill>
-                  <a:latin typeface="Bahnschrift" pitchFamily="34" charset="0"/>
-                </a:rPr>
-                <a:t>системы личных кабинетов пользователей</a:t>
-              </a:r>
-              <a:endParaRPr lang="ru-RU" sz="1600" dirty="0">
-                <a:solidFill>
-                  <a:srgbClr val="47A9FF"/>
-                </a:solidFill>
-                <a:latin typeface="Bahnschrift" pitchFamily="34" charset="0"/>
-              </a:endParaRPr>
             </a:p>
           </p:txBody>
         </p:sp>
@@ -19318,7 +18788,7 @@
           <p:cNvPr id="66" name="Группа 65">
             <a:extLst>
               <a:ext uri="{FF2B5EF4-FFF2-40B4-BE49-F238E27FC236}">
-                <a16:creationId xmlns="" xmlns:a16="http://schemas.microsoft.com/office/drawing/2014/main" id="{C0F12DF1-B6A2-45FB-9EBE-120E248E93B6}"/>
+                <a16:creationId xmlns:a16="http://schemas.microsoft.com/office/drawing/2014/main" id="{C0F12DF1-B6A2-45FB-9EBE-120E248E93B6}"/>
               </a:ext>
             </a:extLst>
           </p:cNvPr>
@@ -19338,7 +18808,7 @@
             <p:cNvPr id="67" name="TextBox 66">
               <a:extLst>
                 <a:ext uri="{FF2B5EF4-FFF2-40B4-BE49-F238E27FC236}">
-                  <a16:creationId xmlns="" xmlns:a16="http://schemas.microsoft.com/office/drawing/2014/main" id="{2036D72E-F51E-4E2B-AB6D-9DD8546C4B4B}"/>
+                  <a16:creationId xmlns:a16="http://schemas.microsoft.com/office/drawing/2014/main" id="{2036D72E-F51E-4E2B-AB6D-9DD8546C4B4B}"/>
                 </a:ext>
               </a:extLst>
             </p:cNvPr>
@@ -19370,7 +18840,7 @@
                 </a:tabLst>
               </a:pPr>
               <a:r>
-                <a:rPr lang="ru-RU" sz="1300" dirty="0" smtClean="0">
+                <a:rPr lang="ru-RU" sz="1300" dirty="0">
                   <a:solidFill>
                     <a:srgbClr val="002B82"/>
                   </a:solidFill>
@@ -19380,14 +18850,6 @@
                 </a:rPr>
                 <a:t>Спроектировать основные методы взаимодействия и работы проекта системы лояльности</a:t>
               </a:r>
-              <a:endParaRPr lang="ru-RU" sz="1300" dirty="0">
-                <a:solidFill>
-                  <a:srgbClr val="002B82"/>
-                </a:solidFill>
-                <a:effectLst/>
-                <a:latin typeface="Bahnschrift" pitchFamily="34" charset="0"/>
-                <a:ea typeface="MS Mincho" panose="02020609040205080304" pitchFamily="49" charset="-128"/>
-              </a:endParaRPr>
             </a:p>
           </p:txBody>
         </p:sp>
@@ -19396,7 +18858,7 @@
             <p:cNvPr id="68" name="TextBox 67">
               <a:extLst>
                 <a:ext uri="{FF2B5EF4-FFF2-40B4-BE49-F238E27FC236}">
-                  <a16:creationId xmlns="" xmlns:a16="http://schemas.microsoft.com/office/drawing/2014/main" id="{3B0D1C6A-ED1C-4177-9E58-C0B7185073BD}"/>
+                  <a16:creationId xmlns:a16="http://schemas.microsoft.com/office/drawing/2014/main" id="{3B0D1C6A-ED1C-4177-9E58-C0B7185073BD}"/>
                 </a:ext>
               </a:extLst>
             </p:cNvPr>
@@ -19420,7 +18882,7 @@
             <a:lstStyle/>
             <a:p>
               <a:r>
-                <a:rPr lang="ru-RU" sz="1600" dirty="0" smtClean="0">
+                <a:rPr lang="ru-RU" sz="1600" dirty="0">
                   <a:solidFill>
                     <a:srgbClr val="47A9FF"/>
                   </a:solidFill>
@@ -19428,12 +18890,6 @@
                 </a:rPr>
                 <a:t>Спроектировать систему лояльности ООО «АИС Город»</a:t>
               </a:r>
-              <a:endParaRPr lang="ru-RU" sz="1600" dirty="0">
-                <a:solidFill>
-                  <a:srgbClr val="47A9FF"/>
-                </a:solidFill>
-                <a:latin typeface="Bahnschrift" pitchFamily="34" charset="0"/>
-              </a:endParaRPr>
             </a:p>
           </p:txBody>
         </p:sp>
@@ -19507,7 +18963,7 @@
           <p:cNvPr id="70" name="Группа 69">
             <a:extLst>
               <a:ext uri="{FF2B5EF4-FFF2-40B4-BE49-F238E27FC236}">
-                <a16:creationId xmlns="" xmlns:a16="http://schemas.microsoft.com/office/drawing/2014/main" id="{C0F12DF1-B6A2-45FB-9EBE-120E248E93B6}"/>
+                <a16:creationId xmlns:a16="http://schemas.microsoft.com/office/drawing/2014/main" id="{C0F12DF1-B6A2-45FB-9EBE-120E248E93B6}"/>
               </a:ext>
             </a:extLst>
           </p:cNvPr>
@@ -19527,7 +18983,7 @@
             <p:cNvPr id="71" name="TextBox 70">
               <a:extLst>
                 <a:ext uri="{FF2B5EF4-FFF2-40B4-BE49-F238E27FC236}">
-                  <a16:creationId xmlns="" xmlns:a16="http://schemas.microsoft.com/office/drawing/2014/main" id="{2036D72E-F51E-4E2B-AB6D-9DD8546C4B4B}"/>
+                  <a16:creationId xmlns:a16="http://schemas.microsoft.com/office/drawing/2014/main" id="{2036D72E-F51E-4E2B-AB6D-9DD8546C4B4B}"/>
                 </a:ext>
               </a:extLst>
             </p:cNvPr>
@@ -19559,7 +19015,7 @@
                 </a:tabLst>
               </a:pPr>
               <a:r>
-                <a:rPr lang="ru-RU" sz="1300" dirty="0" smtClean="0">
+                <a:rPr lang="ru-RU" sz="1300" dirty="0">
                   <a:solidFill>
                     <a:srgbClr val="002B82"/>
                   </a:solidFill>
@@ -19569,14 +19025,6 @@
                 </a:rPr>
                 <a:t>Реализовать проект системы лояльности с учетом дальнейшей интеграции в систему ООО «АИС Город»</a:t>
               </a:r>
-              <a:endParaRPr lang="ru-RU" sz="1300" dirty="0">
-                <a:solidFill>
-                  <a:srgbClr val="002B82"/>
-                </a:solidFill>
-                <a:effectLst/>
-                <a:latin typeface="Bahnschrift" pitchFamily="34" charset="0"/>
-                <a:ea typeface="MS Mincho" panose="02020609040205080304" pitchFamily="49" charset="-128"/>
-              </a:endParaRPr>
             </a:p>
           </p:txBody>
         </p:sp>
@@ -19585,7 +19033,7 @@
             <p:cNvPr id="72" name="TextBox 71">
               <a:extLst>
                 <a:ext uri="{FF2B5EF4-FFF2-40B4-BE49-F238E27FC236}">
-                  <a16:creationId xmlns="" xmlns:a16="http://schemas.microsoft.com/office/drawing/2014/main" id="{3B0D1C6A-ED1C-4177-9E58-C0B7185073BD}"/>
+                  <a16:creationId xmlns:a16="http://schemas.microsoft.com/office/drawing/2014/main" id="{3B0D1C6A-ED1C-4177-9E58-C0B7185073BD}"/>
                 </a:ext>
               </a:extLst>
             </p:cNvPr>
@@ -19609,7 +19057,7 @@
             <a:lstStyle/>
             <a:p>
               <a:r>
-                <a:rPr lang="ru-RU" sz="1600" dirty="0" smtClean="0">
+                <a:rPr lang="ru-RU" sz="1600" dirty="0">
                   <a:solidFill>
                     <a:srgbClr val="47A9FF"/>
                   </a:solidFill>
@@ -19617,12 +19065,6 @@
                 </a:rPr>
                 <a:t>Реализовать систему лояльности ООО «АИС Город»</a:t>
               </a:r>
-              <a:endParaRPr lang="ru-RU" sz="1600" dirty="0">
-                <a:solidFill>
-                  <a:srgbClr val="47A9FF"/>
-                </a:solidFill>
-                <a:latin typeface="Bahnschrift" pitchFamily="34" charset="0"/>
-              </a:endParaRPr>
             </a:p>
           </p:txBody>
         </p:sp>
@@ -19696,7 +19138,7 @@
           <p:cNvPr id="75" name="Группа 74">
             <a:extLst>
               <a:ext uri="{FF2B5EF4-FFF2-40B4-BE49-F238E27FC236}">
-                <a16:creationId xmlns="" xmlns:a16="http://schemas.microsoft.com/office/drawing/2014/main" id="{C0F12DF1-B6A2-45FB-9EBE-120E248E93B6}"/>
+                <a16:creationId xmlns:a16="http://schemas.microsoft.com/office/drawing/2014/main" id="{C0F12DF1-B6A2-45FB-9EBE-120E248E93B6}"/>
               </a:ext>
             </a:extLst>
           </p:cNvPr>
@@ -19716,7 +19158,7 @@
             <p:cNvPr id="76" name="TextBox 75">
               <a:extLst>
                 <a:ext uri="{FF2B5EF4-FFF2-40B4-BE49-F238E27FC236}">
-                  <a16:creationId xmlns="" xmlns:a16="http://schemas.microsoft.com/office/drawing/2014/main" id="{2036D72E-F51E-4E2B-AB6D-9DD8546C4B4B}"/>
+                  <a16:creationId xmlns:a16="http://schemas.microsoft.com/office/drawing/2014/main" id="{2036D72E-F51E-4E2B-AB6D-9DD8546C4B4B}"/>
                 </a:ext>
               </a:extLst>
             </p:cNvPr>
@@ -19748,7 +19190,7 @@
                 </a:tabLst>
               </a:pPr>
               <a:r>
-                <a:rPr lang="ru-RU" sz="1300" dirty="0" smtClean="0">
+                <a:rPr lang="ru-RU" sz="1300" dirty="0">
                   <a:solidFill>
                     <a:srgbClr val="002B82"/>
                   </a:solidFill>
@@ -19758,14 +19200,6 @@
                 </a:rPr>
                 <a:t>Произвести тестирование проекта системы лояльности, оценить готовность к использованию</a:t>
               </a:r>
-              <a:endParaRPr lang="ru-RU" sz="1300" dirty="0">
-                <a:solidFill>
-                  <a:srgbClr val="002B82"/>
-                </a:solidFill>
-                <a:effectLst/>
-                <a:latin typeface="Bahnschrift" pitchFamily="34" charset="0"/>
-                <a:ea typeface="MS Mincho" panose="02020609040205080304" pitchFamily="49" charset="-128"/>
-              </a:endParaRPr>
             </a:p>
           </p:txBody>
         </p:sp>
@@ -19774,7 +19208,7 @@
             <p:cNvPr id="77" name="TextBox 76">
               <a:extLst>
                 <a:ext uri="{FF2B5EF4-FFF2-40B4-BE49-F238E27FC236}">
-                  <a16:creationId xmlns="" xmlns:a16="http://schemas.microsoft.com/office/drawing/2014/main" id="{3B0D1C6A-ED1C-4177-9E58-C0B7185073BD}"/>
+                  <a16:creationId xmlns:a16="http://schemas.microsoft.com/office/drawing/2014/main" id="{3B0D1C6A-ED1C-4177-9E58-C0B7185073BD}"/>
                 </a:ext>
               </a:extLst>
             </p:cNvPr>
@@ -19798,7 +19232,7 @@
             <a:lstStyle/>
             <a:p>
               <a:r>
-                <a:rPr lang="ru-RU" sz="1600" dirty="0" smtClean="0">
+                <a:rPr lang="ru-RU" sz="1600" dirty="0">
                   <a:solidFill>
                     <a:srgbClr val="47A9FF"/>
                   </a:solidFill>
@@ -19806,12 +19240,6 @@
                 </a:rPr>
                 <a:t>Протестировать разработанный продукт</a:t>
               </a:r>
-              <a:endParaRPr lang="ru-RU" sz="1600" dirty="0">
-                <a:solidFill>
-                  <a:srgbClr val="47A9FF"/>
-                </a:solidFill>
-                <a:latin typeface="Bahnschrift" pitchFamily="34" charset="0"/>
-              </a:endParaRPr>
             </a:p>
           </p:txBody>
         </p:sp>
@@ -19966,13 +19394,6 @@
       </p:transition>
     </mc:Fallback>
   </mc:AlternateContent>
-  <p:timing>
-    <p:tnLst>
-      <p:par>
-        <p:cTn id="1" dur="indefinite" restart="never" nodeType="tmRoot"/>
-      </p:par>
-    </p:tnLst>
-  </p:timing>
 </p:sld>
 </file>
 
@@ -20124,7 +19545,7 @@
           <p:cNvPr id="41" name="TextBox 40">
             <a:extLst>
               <a:ext uri="{FF2B5EF4-FFF2-40B4-BE49-F238E27FC236}">
-                <a16:creationId xmlns="" xmlns:a16="http://schemas.microsoft.com/office/drawing/2014/main" id="{0DAF1E99-18A8-45BE-8B3C-7CFA7E1CB1CD}"/>
+                <a16:creationId xmlns:a16="http://schemas.microsoft.com/office/drawing/2014/main" id="{0DAF1E99-18A8-45BE-8B3C-7CFA7E1CB1CD}"/>
               </a:ext>
             </a:extLst>
           </p:cNvPr>
@@ -20149,7 +19570,7 @@
           <a:p>
             <a:pPr algn="ctr"/>
             <a:r>
-              <a:rPr lang="ru-RU" sz="2400" dirty="0" smtClean="0">
+              <a:rPr lang="ru-RU" sz="2400" dirty="0">
                 <a:solidFill>
                   <a:srgbClr val="002B82"/>
                 </a:solidFill>
@@ -20157,12 +19578,6 @@
               </a:rPr>
               <a:t>О компании ООО «АИС Город»</a:t>
             </a:r>
-            <a:endParaRPr lang="ru-RU" sz="2400" dirty="0">
-              <a:solidFill>
-                <a:srgbClr val="002B82"/>
-              </a:solidFill>
-              <a:latin typeface="Bahnschrift" pitchFamily="34" charset="0"/>
-            </a:endParaRPr>
           </a:p>
         </p:txBody>
       </p:sp>
@@ -20171,7 +19586,7 @@
           <p:cNvPr id="44" name="Номер слайда 43">
             <a:extLst>
               <a:ext uri="{FF2B5EF4-FFF2-40B4-BE49-F238E27FC236}">
-                <a16:creationId xmlns="" xmlns:a16="http://schemas.microsoft.com/office/drawing/2014/main" id="{420ECB19-C499-40CC-9648-2812AF3786DD}"/>
+                <a16:creationId xmlns:a16="http://schemas.microsoft.com/office/drawing/2014/main" id="{420ECB19-C499-40CC-9648-2812AF3786DD}"/>
               </a:ext>
             </a:extLst>
           </p:cNvPr>
@@ -20542,7 +19957,7 @@
           <p:cNvPr id="13" name="TextBox 12">
             <a:extLst>
               <a:ext uri="{FF2B5EF4-FFF2-40B4-BE49-F238E27FC236}">
-                <a16:creationId xmlns="" xmlns:a16="http://schemas.microsoft.com/office/drawing/2014/main" id="{3B0D1C6A-ED1C-4177-9E58-C0B7185073BD}"/>
+                <a16:creationId xmlns:a16="http://schemas.microsoft.com/office/drawing/2014/main" id="{3B0D1C6A-ED1C-4177-9E58-C0B7185073BD}"/>
               </a:ext>
             </a:extLst>
           </p:cNvPr>
@@ -20566,7 +19981,7 @@
           <a:lstStyle/>
           <a:p>
             <a:r>
-              <a:rPr lang="ru-RU" sz="1600" dirty="0" smtClean="0">
+              <a:rPr lang="ru-RU" sz="1600" dirty="0">
                 <a:solidFill>
                   <a:srgbClr val="47A9FF"/>
                 </a:solidFill>
@@ -20574,12 +19989,6 @@
               </a:rPr>
               <a:t>Партнеры ООО «АИС Город»</a:t>
             </a:r>
-            <a:endParaRPr lang="ru-RU" sz="1600" dirty="0">
-              <a:solidFill>
-                <a:srgbClr val="47A9FF"/>
-              </a:solidFill>
-              <a:latin typeface="Bahnschrift" pitchFamily="34" charset="0"/>
-            </a:endParaRPr>
           </a:p>
         </p:txBody>
       </p:sp>
@@ -20670,7 +20079,7 @@
           <p:cNvPr id="18" name="TextBox 17">
             <a:extLst>
               <a:ext uri="{FF2B5EF4-FFF2-40B4-BE49-F238E27FC236}">
-                <a16:creationId xmlns="" xmlns:a16="http://schemas.microsoft.com/office/drawing/2014/main" id="{3B0D1C6A-ED1C-4177-9E58-C0B7185073BD}"/>
+                <a16:creationId xmlns:a16="http://schemas.microsoft.com/office/drawing/2014/main" id="{3B0D1C6A-ED1C-4177-9E58-C0B7185073BD}"/>
               </a:ext>
             </a:extLst>
           </p:cNvPr>
@@ -20694,7 +20103,7 @@
           <a:lstStyle/>
           <a:p>
             <a:r>
-              <a:rPr lang="ru-RU" sz="1600" dirty="0" smtClean="0">
+              <a:rPr lang="ru-RU" sz="1600" dirty="0">
                 <a:solidFill>
                   <a:srgbClr val="47A9FF"/>
                 </a:solidFill>
@@ -20702,12 +20111,6 @@
               </a:rPr>
               <a:t>Продукты ООО «АИС Город»</a:t>
             </a:r>
-            <a:endParaRPr lang="ru-RU" sz="1600" dirty="0">
-              <a:solidFill>
-                <a:srgbClr val="47A9FF"/>
-              </a:solidFill>
-              <a:latin typeface="Bahnschrift" pitchFamily="34" charset="0"/>
-            </a:endParaRPr>
           </a:p>
         </p:txBody>
       </p:sp>
@@ -21331,13 +20734,6 @@
       </p:transition>
     </mc:Fallback>
   </mc:AlternateContent>
-  <p:timing>
-    <p:tnLst>
-      <p:par>
-        <p:cTn id="1" dur="indefinite" restart="never" nodeType="tmRoot"/>
-      </p:par>
-    </p:tnLst>
-  </p:timing>
 </p:sld>
 </file>
 
@@ -21561,7 +20957,7 @@
           <p:cNvPr id="41" name="TextBox 40">
             <a:extLst>
               <a:ext uri="{FF2B5EF4-FFF2-40B4-BE49-F238E27FC236}">
-                <a16:creationId xmlns="" xmlns:a16="http://schemas.microsoft.com/office/drawing/2014/main" id="{0DAF1E99-18A8-45BE-8B3C-7CFA7E1CB1CD}"/>
+                <a16:creationId xmlns:a16="http://schemas.microsoft.com/office/drawing/2014/main" id="{0DAF1E99-18A8-45BE-8B3C-7CFA7E1CB1CD}"/>
               </a:ext>
             </a:extLst>
           </p:cNvPr>
@@ -21586,7 +20982,7 @@
           <a:p>
             <a:pPr algn="ctr"/>
             <a:r>
-              <a:rPr lang="ru-RU" sz="2400" dirty="0" smtClean="0">
+              <a:rPr lang="ru-RU" sz="2400" dirty="0">
                 <a:solidFill>
                   <a:srgbClr val="002B82"/>
                 </a:solidFill>
@@ -21594,12 +20990,6 @@
               </a:rPr>
               <a:t>Алгоритм работы интернет-эквайринга</a:t>
             </a:r>
-            <a:endParaRPr lang="ru-RU" sz="2400" dirty="0">
-              <a:solidFill>
-                <a:srgbClr val="002B82"/>
-              </a:solidFill>
-              <a:latin typeface="Bahnschrift" pitchFamily="34" charset="0"/>
-            </a:endParaRPr>
           </a:p>
         </p:txBody>
       </p:sp>
@@ -21608,7 +20998,7 @@
           <p:cNvPr id="44" name="Номер слайда 43">
             <a:extLst>
               <a:ext uri="{FF2B5EF4-FFF2-40B4-BE49-F238E27FC236}">
-                <a16:creationId xmlns="" xmlns:a16="http://schemas.microsoft.com/office/drawing/2014/main" id="{420ECB19-C499-40CC-9648-2812AF3786DD}"/>
+                <a16:creationId xmlns:a16="http://schemas.microsoft.com/office/drawing/2014/main" id="{420ECB19-C499-40CC-9648-2812AF3786DD}"/>
               </a:ext>
             </a:extLst>
           </p:cNvPr>
@@ -22506,7 +21896,7 @@
           <a:lstStyle/>
           <a:p>
             <a:r>
-              <a:rPr lang="ru-RU" sz="1100" dirty="0" smtClean="0">
+              <a:rPr lang="ru-RU" sz="1100" dirty="0">
                 <a:solidFill>
                   <a:srgbClr val="002B82"/>
                 </a:solidFill>
@@ -22515,7 +21905,7 @@
               <a:t>Запрос на создание заказа/</a:t>
             </a:r>
             <a:br>
-              <a:rPr lang="ru-RU" sz="1100" dirty="0" smtClean="0">
+              <a:rPr lang="ru-RU" sz="1100" dirty="0">
                 <a:solidFill>
                   <a:srgbClr val="002B82"/>
                 </a:solidFill>
@@ -22523,7 +21913,7 @@
               </a:rPr>
             </a:br>
             <a:r>
-              <a:rPr lang="ru-RU" sz="1100" dirty="0" smtClean="0">
+              <a:rPr lang="ru-RU" sz="1100" dirty="0">
                 <a:solidFill>
                   <a:srgbClr val="002B82"/>
                 </a:solidFill>
@@ -22531,12 +21921,6 @@
               </a:rPr>
               <a:t>проверки статуса платежа </a:t>
             </a:r>
-            <a:endParaRPr lang="ru-RU" sz="1100" dirty="0">
-              <a:solidFill>
-                <a:srgbClr val="002B82"/>
-              </a:solidFill>
-              <a:latin typeface="Bahnschrift" pitchFamily="34" charset="0"/>
-            </a:endParaRPr>
           </a:p>
         </p:txBody>
       </p:sp>
@@ -22563,7 +21947,7 @@
           <a:lstStyle/>
           <a:p>
             <a:r>
-              <a:rPr lang="ru-RU" sz="1100" dirty="0" err="1" smtClean="0">
+              <a:rPr lang="ru-RU" sz="1100" dirty="0" err="1">
                 <a:solidFill>
                   <a:srgbClr val="002B82"/>
                 </a:solidFill>
@@ -22572,7 +21956,7 @@
               <a:t>Валидация</a:t>
             </a:r>
             <a:r>
-              <a:rPr lang="ru-RU" sz="1100" dirty="0" smtClean="0">
+              <a:rPr lang="ru-RU" sz="1100" dirty="0">
                 <a:solidFill>
                   <a:srgbClr val="002B82"/>
                 </a:solidFill>
@@ -22580,12 +21964,6 @@
               </a:rPr>
               <a:t>, внесение данных в базу эквайринга</a:t>
             </a:r>
-            <a:endParaRPr lang="ru-RU" sz="1100" dirty="0">
-              <a:solidFill>
-                <a:srgbClr val="002B82"/>
-              </a:solidFill>
-              <a:latin typeface="Bahnschrift" pitchFamily="34" charset="0"/>
-            </a:endParaRPr>
           </a:p>
         </p:txBody>
       </p:sp>
@@ -22612,7 +21990,7 @@
           <a:lstStyle/>
           <a:p>
             <a:r>
-              <a:rPr lang="ru-RU" sz="1100" dirty="0" smtClean="0">
+              <a:rPr lang="ru-RU" sz="1100" dirty="0">
                 <a:solidFill>
                   <a:srgbClr val="002B82"/>
                 </a:solidFill>
@@ -22620,12 +21998,6 @@
               </a:rPr>
               <a:t>Запрос в банк-эмитент для создание платежа/проверки статуса</a:t>
             </a:r>
-            <a:endParaRPr lang="ru-RU" sz="1100" dirty="0">
-              <a:solidFill>
-                <a:srgbClr val="002B82"/>
-              </a:solidFill>
-              <a:latin typeface="Bahnschrift" pitchFamily="34" charset="0"/>
-            </a:endParaRPr>
           </a:p>
         </p:txBody>
       </p:sp>
@@ -22652,7 +22024,7 @@
           <a:lstStyle/>
           <a:p>
             <a:r>
-              <a:rPr lang="ru-RU" sz="1100" dirty="0" smtClean="0">
+              <a:rPr lang="ru-RU" sz="1100" dirty="0">
                 <a:solidFill>
                   <a:srgbClr val="002B82"/>
                 </a:solidFill>
@@ -22660,12 +22032,6 @@
               </a:rPr>
               <a:t>Ответ от банка</a:t>
             </a:r>
-            <a:endParaRPr lang="ru-RU" sz="1100" dirty="0">
-              <a:solidFill>
-                <a:srgbClr val="002B82"/>
-              </a:solidFill>
-              <a:latin typeface="Bahnschrift" pitchFamily="34" charset="0"/>
-            </a:endParaRPr>
           </a:p>
         </p:txBody>
       </p:sp>
@@ -22692,22 +22058,13 @@
           <a:lstStyle/>
           <a:p>
             <a:r>
-              <a:rPr lang="ru-RU" sz="1100" dirty="0" smtClean="0">
+              <a:rPr lang="ru-RU" sz="1100" dirty="0">
                 <a:solidFill>
                   <a:srgbClr val="002B82"/>
                 </a:solidFill>
                 <a:latin typeface="Bahnschrift" pitchFamily="34" charset="0"/>
               </a:rPr>
-              <a:t>Внесение </a:t>
-            </a:r>
-            <a:r>
-              <a:rPr lang="ru-RU" sz="1100" dirty="0">
-                <a:solidFill>
-                  <a:srgbClr val="002B82"/>
-                </a:solidFill>
-                <a:latin typeface="Bahnschrift" pitchFamily="34" charset="0"/>
-              </a:rPr>
-              <a:t>данных в базу эквайринга</a:t>
+              <a:t>Внесение данных в базу эквайринга</a:t>
             </a:r>
           </a:p>
         </p:txBody>
@@ -22735,7 +22092,7 @@
           <a:lstStyle/>
           <a:p>
             <a:r>
-              <a:rPr lang="ru-RU" sz="1100" dirty="0" smtClean="0">
+              <a:rPr lang="ru-RU" sz="1100" dirty="0">
                 <a:solidFill>
                   <a:srgbClr val="002B82"/>
                 </a:solidFill>
@@ -22743,12 +22100,6 @@
               </a:rPr>
               <a:t>Ответ пользователю (ссылка для перехода на страницу оплаты/статус платежа)</a:t>
             </a:r>
-            <a:endParaRPr lang="ru-RU" sz="1100" dirty="0">
-              <a:solidFill>
-                <a:srgbClr val="002B82"/>
-              </a:solidFill>
-              <a:latin typeface="Bahnschrift" pitchFamily="34" charset="0"/>
-            </a:endParaRPr>
           </a:p>
         </p:txBody>
       </p:sp>
@@ -22774,8 +22125,9 @@
           </a:bodyPr>
           <a:lstStyle/>
           <a:p>
-            <a:r>
-              <a:rPr lang="ru-RU" sz="1400" dirty="0" smtClean="0">
+            <a:pPr algn="ctr"/>
+            <a:r>
+              <a:rPr lang="ru-RU" sz="1400" dirty="0">
                 <a:solidFill>
                   <a:srgbClr val="002B82"/>
                 </a:solidFill>
@@ -22783,12 +22135,6 @@
               </a:rPr>
               <a:t>Схема 1 – Схема работы простейшей системы интернет эквайринга</a:t>
             </a:r>
-            <a:endParaRPr lang="ru-RU" sz="1400" dirty="0">
-              <a:solidFill>
-                <a:srgbClr val="002B82"/>
-              </a:solidFill>
-              <a:latin typeface="Bahnschrift" pitchFamily="34" charset="0"/>
-            </a:endParaRPr>
           </a:p>
         </p:txBody>
       </p:sp>
@@ -22921,7 +22267,7 @@
           <a:lstStyle/>
           <a:p>
             <a:r>
-              <a:rPr lang="ru-RU" sz="1100" dirty="0" smtClean="0">
+              <a:rPr lang="ru-RU" sz="1100" dirty="0">
                 <a:solidFill>
                   <a:srgbClr val="002B82"/>
                 </a:solidFill>
@@ -22929,12 +22275,6 @@
               </a:rPr>
               <a:t>Обработка запросов банком</a:t>
             </a:r>
-            <a:endParaRPr lang="ru-RU" sz="1100" dirty="0">
-              <a:solidFill>
-                <a:srgbClr val="002B82"/>
-              </a:solidFill>
-              <a:latin typeface="Bahnschrift" pitchFamily="34" charset="0"/>
-            </a:endParaRPr>
           </a:p>
         </p:txBody>
       </p:sp>
@@ -23008,7 +22348,7 @@
           <a:lstStyle/>
           <a:p>
             <a:r>
-              <a:rPr lang="ru-RU" dirty="0" smtClean="0">
+              <a:rPr lang="ru-RU" dirty="0">
                 <a:solidFill>
                   <a:srgbClr val="002B82"/>
                 </a:solidFill>
@@ -23016,12 +22356,6 @@
               </a:rPr>
               <a:t>Реализуемый слой</a:t>
             </a:r>
-            <a:endParaRPr lang="ru-RU" dirty="0">
-              <a:solidFill>
-                <a:srgbClr val="002B82"/>
-              </a:solidFill>
-              <a:latin typeface="Bahnschrift" pitchFamily="34" charset="0"/>
-            </a:endParaRPr>
           </a:p>
         </p:txBody>
       </p:sp>
@@ -23047,13 +22381,6 @@
       </p:transition>
     </mc:Fallback>
   </mc:AlternateContent>
-  <p:timing>
-    <p:tnLst>
-      <p:par>
-        <p:cTn id="1" dur="indefinite" restart="never" nodeType="tmRoot"/>
-      </p:par>
-    </p:tnLst>
-  </p:timing>
 </p:sld>
 </file>
 
@@ -23205,7 +22532,7 @@
           <p:cNvPr id="2" name="Номер слайда 1">
             <a:extLst>
               <a:ext uri="{FF2B5EF4-FFF2-40B4-BE49-F238E27FC236}">
-                <a16:creationId xmlns="" xmlns:a16="http://schemas.microsoft.com/office/drawing/2014/main" id="{6BB4B28D-E979-4BA2-9337-B0503B57F130}"/>
+                <a16:creationId xmlns:a16="http://schemas.microsoft.com/office/drawing/2014/main" id="{6BB4B28D-E979-4BA2-9337-B0503B57F130}"/>
               </a:ext>
             </a:extLst>
           </p:cNvPr>
@@ -23243,7 +22570,7 @@
           <p:cNvPr id="5" name="линия">
             <a:extLst>
               <a:ext uri="{FF2B5EF4-FFF2-40B4-BE49-F238E27FC236}">
-                <a16:creationId xmlns="" xmlns:a16="http://schemas.microsoft.com/office/drawing/2014/main" id="{2847F6A1-2518-415F-A064-C506E806D561}"/>
+                <a16:creationId xmlns:a16="http://schemas.microsoft.com/office/drawing/2014/main" id="{2847F6A1-2518-415F-A064-C506E806D561}"/>
               </a:ext>
             </a:extLst>
           </p:cNvPr>
@@ -23327,7 +22654,7 @@
           <p:cNvPr id="20" name="TextBox 19">
             <a:extLst>
               <a:ext uri="{FF2B5EF4-FFF2-40B4-BE49-F238E27FC236}">
-                <a16:creationId xmlns="" xmlns:a16="http://schemas.microsoft.com/office/drawing/2014/main" id="{0DAF1E99-18A8-45BE-8B3C-7CFA7E1CB1CD}"/>
+                <a16:creationId xmlns:a16="http://schemas.microsoft.com/office/drawing/2014/main" id="{0DAF1E99-18A8-45BE-8B3C-7CFA7E1CB1CD}"/>
               </a:ext>
             </a:extLst>
           </p:cNvPr>
@@ -23352,7 +22679,7 @@
           <a:p>
             <a:pPr algn="ctr"/>
             <a:r>
-              <a:rPr lang="ru-RU" sz="2400" dirty="0" smtClean="0">
+              <a:rPr lang="ru-RU" sz="2400" dirty="0">
                 <a:solidFill>
                   <a:srgbClr val="002B82"/>
                 </a:solidFill>
@@ -23360,12 +22687,6 @@
               </a:rPr>
               <a:t>Проекты личных кабинетов пользователей</a:t>
             </a:r>
-            <a:endParaRPr lang="ru-RU" sz="2400" dirty="0">
-              <a:solidFill>
-                <a:srgbClr val="002B82"/>
-              </a:solidFill>
-              <a:latin typeface="Bahnschrift" pitchFamily="34" charset="0"/>
-            </a:endParaRPr>
           </a:p>
         </p:txBody>
       </p:sp>
@@ -23697,8 +23018,9 @@
           </a:bodyPr>
           <a:lstStyle/>
           <a:p>
-            <a:r>
-              <a:rPr lang="ru-RU" sz="1400" dirty="0" smtClean="0">
+            <a:pPr algn="ctr"/>
+            <a:r>
+              <a:rPr lang="ru-RU" sz="1400" dirty="0">
                 <a:solidFill>
                   <a:srgbClr val="002B82"/>
                 </a:solidFill>
@@ -23706,12 +23028,6 @@
               </a:rPr>
               <a:t>Рисунок 1 – Главная страница личного кабинета пользователя</a:t>
             </a:r>
-            <a:endParaRPr lang="ru-RU" sz="1400" dirty="0">
-              <a:solidFill>
-                <a:srgbClr val="002B82"/>
-              </a:solidFill>
-              <a:latin typeface="Bahnschrift" pitchFamily="34" charset="0"/>
-            </a:endParaRPr>
           </a:p>
         </p:txBody>
       </p:sp>
@@ -23737,8 +23053,9 @@
           </a:bodyPr>
           <a:lstStyle/>
           <a:p>
-            <a:r>
-              <a:rPr lang="ru-RU" sz="1400" dirty="0" smtClean="0">
+            <a:pPr algn="ctr"/>
+            <a:r>
+              <a:rPr lang="ru-RU" sz="1400" dirty="0">
                 <a:solidFill>
                   <a:srgbClr val="002B82"/>
                 </a:solidFill>
@@ -23746,12 +23063,6 @@
               </a:rPr>
               <a:t>Рисунок 2 – Страница оплаты услуг ЖКХ личного кабинета пользователя</a:t>
             </a:r>
-            <a:endParaRPr lang="ru-RU" sz="1400" dirty="0">
-              <a:solidFill>
-                <a:srgbClr val="002B82"/>
-              </a:solidFill>
-              <a:latin typeface="Bahnschrift" pitchFamily="34" charset="0"/>
-            </a:endParaRPr>
           </a:p>
         </p:txBody>
       </p:sp>
@@ -23777,13 +23088,6 @@
       </p:transition>
     </mc:Fallback>
   </mc:AlternateContent>
-  <p:timing>
-    <p:tnLst>
-      <p:par>
-        <p:cTn id="1" dur="indefinite" restart="never" nodeType="tmRoot"/>
-      </p:par>
-    </p:tnLst>
-  </p:timing>
 </p:sld>
 </file>
 
@@ -23935,7 +23239,7 @@
           <p:cNvPr id="2" name="Номер слайда 1">
             <a:extLst>
               <a:ext uri="{FF2B5EF4-FFF2-40B4-BE49-F238E27FC236}">
-                <a16:creationId xmlns="" xmlns:a16="http://schemas.microsoft.com/office/drawing/2014/main" id="{87D73AA6-E9BE-4868-8EC4-659BBC272900}"/>
+                <a16:creationId xmlns:a16="http://schemas.microsoft.com/office/drawing/2014/main" id="{87D73AA6-E9BE-4868-8EC4-659BBC272900}"/>
               </a:ext>
             </a:extLst>
           </p:cNvPr>
@@ -23972,7 +23276,7 @@
           <p:cNvPr id="5" name="линия">
             <a:extLst>
               <a:ext uri="{FF2B5EF4-FFF2-40B4-BE49-F238E27FC236}">
-                <a16:creationId xmlns="" xmlns:a16="http://schemas.microsoft.com/office/drawing/2014/main" id="{306D1CEF-11F8-4575-8F50-1C8E8EE9FC32}"/>
+                <a16:creationId xmlns:a16="http://schemas.microsoft.com/office/drawing/2014/main" id="{306D1CEF-11F8-4575-8F50-1C8E8EE9FC32}"/>
               </a:ext>
             </a:extLst>
           </p:cNvPr>
@@ -24015,7 +23319,7 @@
           <p:cNvPr id="14" name="Группа 13">
             <a:extLst>
               <a:ext uri="{FF2B5EF4-FFF2-40B4-BE49-F238E27FC236}">
-                <a16:creationId xmlns="" xmlns:a16="http://schemas.microsoft.com/office/drawing/2014/main" id="{7AC06196-0706-4235-BF40-F4AEC4F5BCD9}"/>
+                <a16:creationId xmlns:a16="http://schemas.microsoft.com/office/drawing/2014/main" id="{7AC06196-0706-4235-BF40-F4AEC4F5BCD9}"/>
               </a:ext>
             </a:extLst>
           </p:cNvPr>
@@ -24035,7 +23339,7 @@
             <p:cNvPr id="7" name="Овал 6">
               <a:extLst>
                 <a:ext uri="{FF2B5EF4-FFF2-40B4-BE49-F238E27FC236}">
-                  <a16:creationId xmlns="" xmlns:a16="http://schemas.microsoft.com/office/drawing/2014/main" id="{B2EE98E4-2CD1-4979-9C04-6E8CD12D2628}"/>
+                  <a16:creationId xmlns:a16="http://schemas.microsoft.com/office/drawing/2014/main" id="{B2EE98E4-2CD1-4979-9C04-6E8CD12D2628}"/>
                 </a:ext>
               </a:extLst>
             </p:cNvPr>
@@ -24087,7 +23391,7 @@
             <p:cNvPr id="8" name="Круг: прозрачная заливка 7">
               <a:extLst>
                 <a:ext uri="{FF2B5EF4-FFF2-40B4-BE49-F238E27FC236}">
-                  <a16:creationId xmlns="" xmlns:a16="http://schemas.microsoft.com/office/drawing/2014/main" id="{D1C1E8E1-429C-4827-B674-C646F3473717}"/>
+                  <a16:creationId xmlns:a16="http://schemas.microsoft.com/office/drawing/2014/main" id="{D1C1E8E1-429C-4827-B674-C646F3473717}"/>
                 </a:ext>
               </a:extLst>
             </p:cNvPr>
@@ -24151,7 +23455,7 @@
             <p:cNvPr id="46" name="Рисунок 45">
               <a:extLst>
                 <a:ext uri="{FF2B5EF4-FFF2-40B4-BE49-F238E27FC236}">
-                  <a16:creationId xmlns="" xmlns:a16="http://schemas.microsoft.com/office/drawing/2014/main" id="{DAD73B74-D7AB-4E10-8AD7-41BA4F1D0B12}"/>
+                  <a16:creationId xmlns:a16="http://schemas.microsoft.com/office/drawing/2014/main" id="{DAD73B74-D7AB-4E10-8AD7-41BA4F1D0B12}"/>
                 </a:ext>
               </a:extLst>
             </p:cNvPr>
@@ -24188,7 +23492,7 @@
           <p:cNvPr id="17" name="Группа 16">
             <a:extLst>
               <a:ext uri="{FF2B5EF4-FFF2-40B4-BE49-F238E27FC236}">
-                <a16:creationId xmlns="" xmlns:a16="http://schemas.microsoft.com/office/drawing/2014/main" id="{A1854EFD-7FE9-40E6-8A1D-E2E52F464510}"/>
+                <a16:creationId xmlns:a16="http://schemas.microsoft.com/office/drawing/2014/main" id="{A1854EFD-7FE9-40E6-8A1D-E2E52F464510}"/>
               </a:ext>
             </a:extLst>
           </p:cNvPr>
@@ -24208,7 +23512,7 @@
             <p:cNvPr id="2056" name="Picture 8">
               <a:extLst>
                 <a:ext uri="{FF2B5EF4-FFF2-40B4-BE49-F238E27FC236}">
-                  <a16:creationId xmlns="" xmlns:a16="http://schemas.microsoft.com/office/drawing/2014/main" id="{D8DD109A-5925-4EA3-8EE8-743BEE07CED3}"/>
+                  <a16:creationId xmlns:a16="http://schemas.microsoft.com/office/drawing/2014/main" id="{D8DD109A-5925-4EA3-8EE8-743BEE07CED3}"/>
                 </a:ext>
               </a:extLst>
             </p:cNvPr>
@@ -24253,7 +23557,7 @@
             <p:cNvPr id="65" name="TextBox 64">
               <a:extLst>
                 <a:ext uri="{FF2B5EF4-FFF2-40B4-BE49-F238E27FC236}">
-                  <a16:creationId xmlns="" xmlns:a16="http://schemas.microsoft.com/office/drawing/2014/main" id="{098B258C-6796-4291-83FF-1D0079449437}"/>
+                  <a16:creationId xmlns:a16="http://schemas.microsoft.com/office/drawing/2014/main" id="{098B258C-6796-4291-83FF-1D0079449437}"/>
                 </a:ext>
               </a:extLst>
             </p:cNvPr>
@@ -24311,7 +23615,7 @@
           <p:cNvPr id="31" name="Группа 30">
             <a:extLst>
               <a:ext uri="{FF2B5EF4-FFF2-40B4-BE49-F238E27FC236}">
-                <a16:creationId xmlns="" xmlns:a16="http://schemas.microsoft.com/office/drawing/2014/main" id="{279AE22F-3138-4383-8BEE-0ED96A624206}"/>
+                <a16:creationId xmlns:a16="http://schemas.microsoft.com/office/drawing/2014/main" id="{279AE22F-3138-4383-8BEE-0ED96A624206}"/>
               </a:ext>
             </a:extLst>
           </p:cNvPr>
@@ -24331,7 +23635,7 @@
             <p:cNvPr id="2052" name="Picture 4">
               <a:extLst>
                 <a:ext uri="{FF2B5EF4-FFF2-40B4-BE49-F238E27FC236}">
-                  <a16:creationId xmlns="" xmlns:a16="http://schemas.microsoft.com/office/drawing/2014/main" id="{A9BE73A8-FAF3-4D59-9A35-057DA1A75DD3}"/>
+                  <a16:creationId xmlns:a16="http://schemas.microsoft.com/office/drawing/2014/main" id="{A9BE73A8-FAF3-4D59-9A35-057DA1A75DD3}"/>
                 </a:ext>
               </a:extLst>
             </p:cNvPr>
@@ -24376,7 +23680,7 @@
             <p:cNvPr id="76" name="TextBox 75">
               <a:extLst>
                 <a:ext uri="{FF2B5EF4-FFF2-40B4-BE49-F238E27FC236}">
-                  <a16:creationId xmlns="" xmlns:a16="http://schemas.microsoft.com/office/drawing/2014/main" id="{F323D2BF-96D8-4D61-85EB-0D788EE96DE6}"/>
+                  <a16:creationId xmlns:a16="http://schemas.microsoft.com/office/drawing/2014/main" id="{F323D2BF-96D8-4D61-85EB-0D788EE96DE6}"/>
                 </a:ext>
               </a:extLst>
             </p:cNvPr>
@@ -24454,7 +23758,7 @@
           <p:cNvPr id="25" name="Овал 24">
             <a:extLst>
               <a:ext uri="{FF2B5EF4-FFF2-40B4-BE49-F238E27FC236}">
-                <a16:creationId xmlns="" xmlns:a16="http://schemas.microsoft.com/office/drawing/2014/main" id="{25D0F594-E637-4696-9EA5-C10BFA9DC0E6}"/>
+                <a16:creationId xmlns:a16="http://schemas.microsoft.com/office/drawing/2014/main" id="{25D0F594-E637-4696-9EA5-C10BFA9DC0E6}"/>
               </a:ext>
             </a:extLst>
           </p:cNvPr>
@@ -24515,7 +23819,7 @@
           <p:cNvPr id="10" name="Овал 9">
             <a:extLst>
               <a:ext uri="{FF2B5EF4-FFF2-40B4-BE49-F238E27FC236}">
-                <a16:creationId xmlns="" xmlns:a16="http://schemas.microsoft.com/office/drawing/2014/main" id="{C1966F51-3C35-4B8E-B7F7-07B01BC494C5}"/>
+                <a16:creationId xmlns:a16="http://schemas.microsoft.com/office/drawing/2014/main" id="{C1966F51-3C35-4B8E-B7F7-07B01BC494C5}"/>
               </a:ext>
             </a:extLst>
           </p:cNvPr>
@@ -24576,7 +23880,7 @@
           <p:cNvPr id="19" name="Овал 18">
             <a:extLst>
               <a:ext uri="{FF2B5EF4-FFF2-40B4-BE49-F238E27FC236}">
-                <a16:creationId xmlns="" xmlns:a16="http://schemas.microsoft.com/office/drawing/2014/main" id="{018D9849-2587-4129-BD35-9FA3FD5BC6BE}"/>
+                <a16:creationId xmlns:a16="http://schemas.microsoft.com/office/drawing/2014/main" id="{018D9849-2587-4129-BD35-9FA3FD5BC6BE}"/>
               </a:ext>
             </a:extLst>
           </p:cNvPr>
@@ -24637,7 +23941,7 @@
           <p:cNvPr id="21" name="Овал 20">
             <a:extLst>
               <a:ext uri="{FF2B5EF4-FFF2-40B4-BE49-F238E27FC236}">
-                <a16:creationId xmlns="" xmlns:a16="http://schemas.microsoft.com/office/drawing/2014/main" id="{6BA62742-2DF8-40D0-A1FD-236C096A3AA4}"/>
+                <a16:creationId xmlns:a16="http://schemas.microsoft.com/office/drawing/2014/main" id="{6BA62742-2DF8-40D0-A1FD-236C096A3AA4}"/>
               </a:ext>
             </a:extLst>
           </p:cNvPr>
@@ -24698,7 +24002,7 @@
           <p:cNvPr id="23" name="Овал 22">
             <a:extLst>
               <a:ext uri="{FF2B5EF4-FFF2-40B4-BE49-F238E27FC236}">
-                <a16:creationId xmlns="" xmlns:a16="http://schemas.microsoft.com/office/drawing/2014/main" id="{BDB6D750-915E-4CC2-AB97-B1AB52819E9B}"/>
+                <a16:creationId xmlns:a16="http://schemas.microsoft.com/office/drawing/2014/main" id="{BDB6D750-915E-4CC2-AB97-B1AB52819E9B}"/>
               </a:ext>
             </a:extLst>
           </p:cNvPr>
@@ -24800,7 +24104,7 @@
           <p:cNvPr id="53" name="TextBox 52">
             <a:extLst>
               <a:ext uri="{FF2B5EF4-FFF2-40B4-BE49-F238E27FC236}">
-                <a16:creationId xmlns="" xmlns:a16="http://schemas.microsoft.com/office/drawing/2014/main" id="{0DAF1E99-18A8-45BE-8B3C-7CFA7E1CB1CD}"/>
+                <a16:creationId xmlns:a16="http://schemas.microsoft.com/office/drawing/2014/main" id="{0DAF1E99-18A8-45BE-8B3C-7CFA7E1CB1CD}"/>
               </a:ext>
             </a:extLst>
           </p:cNvPr>
@@ -24825,7 +24129,7 @@
           <a:p>
             <a:pPr algn="ctr"/>
             <a:r>
-              <a:rPr lang="ru-RU" sz="2400" dirty="0" smtClean="0">
+              <a:rPr lang="ru-RU" sz="2400" dirty="0">
                 <a:solidFill>
                   <a:srgbClr val="002B82"/>
                 </a:solidFill>
@@ -24834,7 +24138,7 @@
               <a:t>Технологии</a:t>
             </a:r>
             <a:r>
-              <a:rPr lang="en-US" sz="2400" dirty="0" smtClean="0">
+              <a:rPr lang="en-US" sz="2400" dirty="0">
                 <a:solidFill>
                   <a:srgbClr val="002B82"/>
                 </a:solidFill>
@@ -24843,7 +24147,7 @@
               <a:t> </a:t>
             </a:r>
             <a:r>
-              <a:rPr lang="ru-RU" sz="2400" dirty="0" smtClean="0">
+              <a:rPr lang="ru-RU" sz="2400" dirty="0">
                 <a:solidFill>
                   <a:srgbClr val="002B82"/>
                 </a:solidFill>
@@ -24851,12 +24155,6 @@
               </a:rPr>
               <a:t>и средства разработки</a:t>
             </a:r>
-            <a:endParaRPr lang="ru-RU" sz="2400" dirty="0">
-              <a:solidFill>
-                <a:srgbClr val="002B82"/>
-              </a:solidFill>
-              <a:latin typeface="Bahnschrift" pitchFamily="34" charset="0"/>
-            </a:endParaRPr>
           </a:p>
         </p:txBody>
       </p:sp>
@@ -25088,7 +24386,7 @@
           <p:cNvPr id="57" name="TextBox 56">
             <a:extLst>
               <a:ext uri="{FF2B5EF4-FFF2-40B4-BE49-F238E27FC236}">
-                <a16:creationId xmlns="" xmlns:a16="http://schemas.microsoft.com/office/drawing/2014/main" id="{F323D2BF-96D8-4D61-85EB-0D788EE96DE6}"/>
+                <a16:creationId xmlns:a16="http://schemas.microsoft.com/office/drawing/2014/main" id="{F323D2BF-96D8-4D61-85EB-0D788EE96DE6}"/>
               </a:ext>
             </a:extLst>
           </p:cNvPr>
@@ -25120,7 +24418,7 @@
               </a:tabLst>
             </a:pPr>
             <a:r>
-              <a:rPr lang="en-US" sz="1200" dirty="0" smtClean="0">
+              <a:rPr lang="en-US" sz="1200" dirty="0">
                 <a:solidFill>
                   <a:srgbClr val="002B82"/>
                 </a:solidFill>
@@ -25145,7 +24443,7 @@
           <p:cNvPr id="58" name="TextBox 57">
             <a:extLst>
               <a:ext uri="{FF2B5EF4-FFF2-40B4-BE49-F238E27FC236}">
-                <a16:creationId xmlns="" xmlns:a16="http://schemas.microsoft.com/office/drawing/2014/main" id="{F323D2BF-96D8-4D61-85EB-0D788EE96DE6}"/>
+                <a16:creationId xmlns:a16="http://schemas.microsoft.com/office/drawing/2014/main" id="{F323D2BF-96D8-4D61-85EB-0D788EE96DE6}"/>
               </a:ext>
             </a:extLst>
           </p:cNvPr>
@@ -25177,24 +24475,14 @@
               </a:tabLst>
             </a:pPr>
             <a:r>
-              <a:rPr lang="ru-RU" sz="1200" dirty="0" smtClean="0">
+              <a:rPr lang="ru-RU" sz="1200" dirty="0">
                 <a:solidFill>
                   <a:srgbClr val="002B82"/>
                 </a:solidFill>
                 <a:latin typeface="Bahnschrift" pitchFamily="34" charset="0"/>
                 <a:ea typeface="MS Mincho" panose="02020609040205080304" pitchFamily="49" charset="-128"/>
               </a:rPr>
-              <a:t>Целевая платформа </a:t>
-            </a:r>
-            <a:r>
-              <a:rPr lang="ru-RU" sz="1200" dirty="0">
-                <a:solidFill>
-                  <a:srgbClr val="002B82"/>
-                </a:solidFill>
-                <a:latin typeface="Bahnschrift" pitchFamily="34" charset="0"/>
-                <a:ea typeface="MS Mincho" panose="02020609040205080304" pitchFamily="49" charset="-128"/>
-              </a:rPr>
-              <a:t>.</a:t>
+              <a:t>Целевая платформа .</a:t>
             </a:r>
             <a:r>
               <a:rPr lang="en-US" sz="1200" dirty="0">
@@ -25222,7 +24510,7 @@
           <p:cNvPr id="59" name="Овал 58">
             <a:extLst>
               <a:ext uri="{FF2B5EF4-FFF2-40B4-BE49-F238E27FC236}">
-                <a16:creationId xmlns="" xmlns:a16="http://schemas.microsoft.com/office/drawing/2014/main" id="{6BA62742-2DF8-40D0-A1FD-236C096A3AA4}"/>
+                <a16:creationId xmlns:a16="http://schemas.microsoft.com/office/drawing/2014/main" id="{6BA62742-2DF8-40D0-A1FD-236C096A3AA4}"/>
               </a:ext>
             </a:extLst>
           </p:cNvPr>
@@ -25324,7 +24612,7 @@
           <p:cNvPr id="60" name="TextBox 59">
             <a:extLst>
               <a:ext uri="{FF2B5EF4-FFF2-40B4-BE49-F238E27FC236}">
-                <a16:creationId xmlns="" xmlns:a16="http://schemas.microsoft.com/office/drawing/2014/main" id="{F323D2BF-96D8-4D61-85EB-0D788EE96DE6}"/>
+                <a16:creationId xmlns:a16="http://schemas.microsoft.com/office/drawing/2014/main" id="{F323D2BF-96D8-4D61-85EB-0D788EE96DE6}"/>
               </a:ext>
             </a:extLst>
           </p:cNvPr>
@@ -25484,7 +24772,7 @@
           <p:cNvPr id="61" name="TextBox 60">
             <a:extLst>
               <a:ext uri="{FF2B5EF4-FFF2-40B4-BE49-F238E27FC236}">
-                <a16:creationId xmlns="" xmlns:a16="http://schemas.microsoft.com/office/drawing/2014/main" id="{F323D2BF-96D8-4D61-85EB-0D788EE96DE6}"/>
+                <a16:creationId xmlns:a16="http://schemas.microsoft.com/office/drawing/2014/main" id="{F323D2BF-96D8-4D61-85EB-0D788EE96DE6}"/>
               </a:ext>
             </a:extLst>
           </p:cNvPr>
@@ -25550,13 +24838,6 @@
       </p:transition>
     </mc:Fallback>
   </mc:AlternateContent>
-  <p:timing>
-    <p:tnLst>
-      <p:par>
-        <p:cTn id="1" dur="indefinite" restart="never" nodeType="tmRoot"/>
-      </p:par>
-    </p:tnLst>
-  </p:timing>
 </p:sld>
 </file>
 
@@ -25708,7 +24989,7 @@
           <p:cNvPr id="2" name="Номер слайда 1">
             <a:extLst>
               <a:ext uri="{FF2B5EF4-FFF2-40B4-BE49-F238E27FC236}">
-                <a16:creationId xmlns="" xmlns:a16="http://schemas.microsoft.com/office/drawing/2014/main" id="{F752072B-5092-4F88-88FB-AF2D602AB40C}"/>
+                <a16:creationId xmlns:a16="http://schemas.microsoft.com/office/drawing/2014/main" id="{F752072B-5092-4F88-88FB-AF2D602AB40C}"/>
               </a:ext>
             </a:extLst>
           </p:cNvPr>
@@ -25786,7 +25067,7 @@
           <p:cNvPr id="68" name="TextBox 67">
             <a:extLst>
               <a:ext uri="{FF2B5EF4-FFF2-40B4-BE49-F238E27FC236}">
-                <a16:creationId xmlns="" xmlns:a16="http://schemas.microsoft.com/office/drawing/2014/main" id="{0DAF1E99-18A8-45BE-8B3C-7CFA7E1CB1CD}"/>
+                <a16:creationId xmlns:a16="http://schemas.microsoft.com/office/drawing/2014/main" id="{0DAF1E99-18A8-45BE-8B3C-7CFA7E1CB1CD}"/>
               </a:ext>
             </a:extLst>
           </p:cNvPr>
@@ -25811,7 +25092,7 @@
           <a:p>
             <a:pPr algn="ctr"/>
             <a:r>
-              <a:rPr lang="ru-RU" sz="2400" dirty="0" smtClean="0">
+              <a:rPr lang="ru-RU" sz="2400" dirty="0">
                 <a:solidFill>
                   <a:srgbClr val="002B82"/>
                 </a:solidFill>
@@ -25819,12 +25100,6 @@
               </a:rPr>
               <a:t>Схема работы системы лояльности в системе ООО «АИС Город»</a:t>
             </a:r>
-            <a:endParaRPr lang="ru-RU" sz="2400" dirty="0">
-              <a:solidFill>
-                <a:srgbClr val="002B82"/>
-              </a:solidFill>
-              <a:latin typeface="Bahnschrift" pitchFamily="34" charset="0"/>
-            </a:endParaRPr>
           </a:p>
         </p:txBody>
       </p:sp>
@@ -25977,8 +25252,8 @@
         </p:blipFill>
         <p:spPr bwMode="auto">
           <a:xfrm>
-            <a:off x="2319251" y="1225584"/>
-            <a:ext cx="7692872" cy="4922123"/>
+            <a:off x="2067264" y="1192209"/>
+            <a:ext cx="8057471" cy="5173670"/>
           </a:xfrm>
           <a:prstGeom prst="rect">
             <a:avLst/>
@@ -25997,8 +25272,8 @@
         </p:nvSpPr>
         <p:spPr>
           <a:xfrm>
-            <a:off x="4057960" y="6147707"/>
-            <a:ext cx="3706585" cy="523220"/>
+            <a:off x="2943158" y="6324411"/>
+            <a:ext cx="6445057" cy="307777"/>
           </a:xfrm>
           <a:prstGeom prst="rect">
             <a:avLst/>
@@ -26011,8 +25286,9 @@
           </a:bodyPr>
           <a:lstStyle/>
           <a:p>
-            <a:r>
-              <a:rPr lang="ru-RU" sz="1400" dirty="0" smtClean="0">
+            <a:pPr algn="ctr"/>
+            <a:r>
+              <a:rPr lang="ru-RU" sz="1400" dirty="0">
                 <a:solidFill>
                   <a:srgbClr val="002B82"/>
                 </a:solidFill>
@@ -26020,12 +25296,6 @@
               </a:rPr>
               <a:t>Схема 2 – Схема работы проекта системы лояльности ООО «АИС Город»</a:t>
             </a:r>
-            <a:endParaRPr lang="ru-RU" sz="1400" dirty="0">
-              <a:solidFill>
-                <a:srgbClr val="002B82"/>
-              </a:solidFill>
-              <a:latin typeface="Bahnschrift" pitchFamily="34" charset="0"/>
-            </a:endParaRPr>
           </a:p>
         </p:txBody>
       </p:sp>
@@ -26051,13 +25321,6 @@
       </p:transition>
     </mc:Fallback>
   </mc:AlternateContent>
-  <p:timing>
-    <p:tnLst>
-      <p:par>
-        <p:cTn id="1" dur="indefinite" restart="never" nodeType="tmRoot"/>
-      </p:par>
-    </p:tnLst>
-  </p:timing>
 </p:sld>
 </file>
 
@@ -26209,7 +25472,7 @@
           <p:cNvPr id="2" name="Номер слайда 1">
             <a:extLst>
               <a:ext uri="{FF2B5EF4-FFF2-40B4-BE49-F238E27FC236}">
-                <a16:creationId xmlns="" xmlns:a16="http://schemas.microsoft.com/office/drawing/2014/main" id="{F752072B-5092-4F88-88FB-AF2D602AB40C}"/>
+                <a16:creationId xmlns:a16="http://schemas.microsoft.com/office/drawing/2014/main" id="{F752072B-5092-4F88-88FB-AF2D602AB40C}"/>
               </a:ext>
             </a:extLst>
           </p:cNvPr>
@@ -26287,7 +25550,7 @@
           <p:cNvPr id="10" name="TextBox 9">
             <a:extLst>
               <a:ext uri="{FF2B5EF4-FFF2-40B4-BE49-F238E27FC236}">
-                <a16:creationId xmlns="" xmlns:a16="http://schemas.microsoft.com/office/drawing/2014/main" id="{0DAF1E99-18A8-45BE-8B3C-7CFA7E1CB1CD}"/>
+                <a16:creationId xmlns:a16="http://schemas.microsoft.com/office/drawing/2014/main" id="{0DAF1E99-18A8-45BE-8B3C-7CFA7E1CB1CD}"/>
               </a:ext>
             </a:extLst>
           </p:cNvPr>
@@ -26312,7 +25575,7 @@
           <a:p>
             <a:pPr algn="ctr"/>
             <a:r>
-              <a:rPr lang="ru-RU" sz="2400" dirty="0" smtClean="0">
+              <a:rPr lang="ru-RU" sz="2400" dirty="0">
                 <a:solidFill>
                   <a:srgbClr val="002B82"/>
                 </a:solidFill>
@@ -26320,12 +25583,6 @@
               </a:rPr>
               <a:t>Метод получения баланса пользователей</a:t>
             </a:r>
-            <a:endParaRPr lang="ru-RU" sz="2400" dirty="0">
-              <a:solidFill>
-                <a:srgbClr val="002B82"/>
-              </a:solidFill>
-              <a:latin typeface="Bahnschrift" pitchFamily="34" charset="0"/>
-            </a:endParaRPr>
           </a:p>
         </p:txBody>
       </p:sp>
@@ -26480,7 +25737,7 @@
           <a:lstStyle/>
           <a:p>
             <a:r>
-              <a:rPr lang="en-US" sz="1200" dirty="0" smtClean="0">
+              <a:rPr lang="en-US" sz="1200" dirty="0">
                 <a:latin typeface="Courier New" pitchFamily="49" charset="0"/>
                 <a:cs typeface="Courier New" pitchFamily="49" charset="0"/>
               </a:rPr>
@@ -26489,7 +25746,7 @@
           </a:p>
           <a:p>
             <a:r>
-              <a:rPr lang="en-US" sz="1200" dirty="0" smtClean="0">
+              <a:rPr lang="en-US" sz="1200" dirty="0">
                 <a:latin typeface="Courier New" pitchFamily="49" charset="0"/>
                 <a:cs typeface="Courier New" pitchFamily="49" charset="0"/>
               </a:rPr>
@@ -26498,7 +25755,7 @@
           </a:p>
           <a:p>
             <a:r>
-              <a:rPr lang="en-US" sz="1200" dirty="0" smtClean="0">
+              <a:rPr lang="en-US" sz="1200" dirty="0">
                 <a:latin typeface="Courier New" pitchFamily="49" charset="0"/>
                 <a:cs typeface="Courier New" pitchFamily="49" charset="0"/>
               </a:rPr>
@@ -26507,21 +25764,21 @@
           </a:p>
           <a:p>
             <a:r>
-              <a:rPr lang="en-US" sz="1200" dirty="0" smtClean="0">
+              <a:rPr lang="en-US" sz="1200" dirty="0">
                 <a:latin typeface="Courier New" pitchFamily="49" charset="0"/>
                 <a:cs typeface="Courier New" pitchFamily="49" charset="0"/>
               </a:rPr>
               <a:t>"</a:t>
             </a:r>
             <a:r>
-              <a:rPr lang="en-US" sz="1200" dirty="0" err="1" smtClean="0">
+              <a:rPr lang="en-US" sz="1200" dirty="0" err="1">
                 <a:latin typeface="Courier New" pitchFamily="49" charset="0"/>
                 <a:cs typeface="Courier New" pitchFamily="49" charset="0"/>
               </a:rPr>
               <a:t>merchantUserId</a:t>
             </a:r>
             <a:r>
-              <a:rPr lang="en-US" sz="1200" dirty="0" smtClean="0">
+              <a:rPr lang="en-US" sz="1200" dirty="0">
                 <a:latin typeface="Courier New" pitchFamily="49" charset="0"/>
                 <a:cs typeface="Courier New" pitchFamily="49" charset="0"/>
               </a:rPr>
@@ -26530,7 +25787,7 @@
           </a:p>
           <a:p>
             <a:r>
-              <a:rPr lang="en-US" sz="1200" dirty="0" smtClean="0">
+              <a:rPr lang="en-US" sz="1200" dirty="0">
                 <a:latin typeface="Courier New" pitchFamily="49" charset="0"/>
                 <a:cs typeface="Courier New" pitchFamily="49" charset="0"/>
               </a:rPr>
@@ -26572,74 +25829,37 @@
               </a:rPr>
               <a:t>{ </a:t>
             </a:r>
-            <a:endParaRPr lang="da-DK" sz="1200" dirty="0" smtClean="0">
-              <a:latin typeface="Courier New" pitchFamily="49" charset="0"/>
-              <a:cs typeface="Courier New" pitchFamily="49" charset="0"/>
-            </a:endParaRPr>
-          </a:p>
-          <a:p>
-            <a:r>
-              <a:rPr lang="da-DK" sz="1200" dirty="0" smtClean="0">
-                <a:latin typeface="Courier New" pitchFamily="49" charset="0"/>
-                <a:cs typeface="Courier New" pitchFamily="49" charset="0"/>
-              </a:rPr>
-              <a:t>"</a:t>
-            </a:r>
+          </a:p>
+          <a:p>
             <a:r>
               <a:rPr lang="da-DK" sz="1200" dirty="0">
                 <a:latin typeface="Courier New" pitchFamily="49" charset="0"/>
                 <a:cs typeface="Courier New" pitchFamily="49" charset="0"/>
               </a:rPr>
-              <a:t>result": 0, </a:t>
-            </a:r>
-            <a:endParaRPr lang="da-DK" sz="1200" dirty="0" smtClean="0">
-              <a:latin typeface="Courier New" pitchFamily="49" charset="0"/>
-              <a:cs typeface="Courier New" pitchFamily="49" charset="0"/>
-            </a:endParaRPr>
-          </a:p>
-          <a:p>
-            <a:r>
-              <a:rPr lang="da-DK" sz="1200" dirty="0" smtClean="0">
-                <a:latin typeface="Courier New" pitchFamily="49" charset="0"/>
-                <a:cs typeface="Courier New" pitchFamily="49" charset="0"/>
-              </a:rPr>
-              <a:t>"</a:t>
-            </a:r>
+              <a:t>"result": 0, </a:t>
+            </a:r>
+          </a:p>
+          <a:p>
             <a:r>
               <a:rPr lang="da-DK" sz="1200" dirty="0">
                 <a:latin typeface="Courier New" pitchFamily="49" charset="0"/>
                 <a:cs typeface="Courier New" pitchFamily="49" charset="0"/>
               </a:rPr>
-              <a:t>message": "string", </a:t>
-            </a:r>
-            <a:endParaRPr lang="da-DK" sz="1200" dirty="0" smtClean="0">
-              <a:latin typeface="Courier New" pitchFamily="49" charset="0"/>
-              <a:cs typeface="Courier New" pitchFamily="49" charset="0"/>
-            </a:endParaRPr>
-          </a:p>
-          <a:p>
-            <a:r>
-              <a:rPr lang="da-DK" sz="1200" dirty="0" smtClean="0">
-                <a:latin typeface="Courier New" pitchFamily="49" charset="0"/>
-                <a:cs typeface="Courier New" pitchFamily="49" charset="0"/>
-              </a:rPr>
-              <a:t>"</a:t>
-            </a:r>
+              <a:t>"message": "string", </a:t>
+            </a:r>
+          </a:p>
+          <a:p>
             <a:r>
               <a:rPr lang="da-DK" sz="1200" dirty="0">
                 <a:latin typeface="Courier New" pitchFamily="49" charset="0"/>
                 <a:cs typeface="Courier New" pitchFamily="49" charset="0"/>
               </a:rPr>
-              <a:t>balance": 0 </a:t>
-            </a:r>
-            <a:endParaRPr lang="da-DK" sz="1200" dirty="0" smtClean="0">
-              <a:latin typeface="Courier New" pitchFamily="49" charset="0"/>
-              <a:cs typeface="Courier New" pitchFamily="49" charset="0"/>
-            </a:endParaRPr>
-          </a:p>
-          <a:p>
-            <a:r>
-              <a:rPr lang="da-DK" sz="1200" dirty="0" smtClean="0">
+              <a:t>"balance": 0 </a:t>
+            </a:r>
+          </a:p>
+          <a:p>
+            <a:r>
+              <a:rPr lang="da-DK" sz="1200" dirty="0">
                 <a:latin typeface="Courier New" pitchFamily="49" charset="0"/>
                 <a:cs typeface="Courier New" pitchFamily="49" charset="0"/>
               </a:rPr>
@@ -26928,18 +26148,13 @@
           <a:p>
             <a:pPr algn="ctr"/>
             <a:r>
-              <a:rPr lang="ru-RU" sz="1200" dirty="0" smtClean="0">
+              <a:rPr lang="ru-RU" sz="1200" dirty="0">
                 <a:solidFill>
                   <a:schemeClr val="bg1"/>
                 </a:solidFill>
               </a:rPr>
               <a:t>Получение бонусов</a:t>
             </a:r>
-            <a:endParaRPr lang="ru-RU" sz="1200" dirty="0">
-              <a:solidFill>
-                <a:schemeClr val="bg1"/>
-              </a:solidFill>
-            </a:endParaRPr>
           </a:p>
         </p:txBody>
       </p:sp>
@@ -27104,18 +26319,13 @@
           <a:lstStyle/>
           <a:p>
             <a:r>
-              <a:rPr lang="ru-RU" sz="1200" dirty="0" smtClean="0">
+              <a:rPr lang="ru-RU" sz="1200" dirty="0">
                 <a:solidFill>
                   <a:schemeClr val="bg1"/>
                 </a:solidFill>
               </a:rPr>
               <a:t>да</a:t>
             </a:r>
-            <a:endParaRPr lang="ru-RU" sz="1200" dirty="0">
-              <a:solidFill>
-                <a:schemeClr val="bg1"/>
-              </a:solidFill>
-            </a:endParaRPr>
           </a:p>
         </p:txBody>
       </p:sp>
@@ -27142,18 +26352,13 @@
           <a:lstStyle/>
           <a:p>
             <a:r>
-              <a:rPr lang="ru-RU" sz="1200" dirty="0" smtClean="0">
+              <a:rPr lang="ru-RU" sz="1200" dirty="0">
                 <a:solidFill>
                   <a:schemeClr val="bg1"/>
                 </a:solidFill>
               </a:rPr>
               <a:t>да</a:t>
             </a:r>
-            <a:endParaRPr lang="ru-RU" sz="1200" dirty="0">
-              <a:solidFill>
-                <a:schemeClr val="bg1"/>
-              </a:solidFill>
-            </a:endParaRPr>
           </a:p>
         </p:txBody>
       </p:sp>
@@ -27180,18 +26385,13 @@
           <a:lstStyle/>
           <a:p>
             <a:r>
-              <a:rPr lang="ru-RU" sz="1200" dirty="0" smtClean="0">
+              <a:rPr lang="ru-RU" sz="1200" dirty="0">
                 <a:solidFill>
                   <a:schemeClr val="bg1"/>
                 </a:solidFill>
               </a:rPr>
               <a:t>да</a:t>
             </a:r>
-            <a:endParaRPr lang="ru-RU" sz="1200" dirty="0">
-              <a:solidFill>
-                <a:schemeClr val="bg1"/>
-              </a:solidFill>
-            </a:endParaRPr>
           </a:p>
         </p:txBody>
       </p:sp>
@@ -27268,18 +26468,13 @@
           <a:lstStyle/>
           <a:p>
             <a:r>
-              <a:rPr lang="ru-RU" sz="1200" dirty="0" smtClean="0">
+              <a:rPr lang="ru-RU" sz="1200" dirty="0">
                 <a:solidFill>
                   <a:schemeClr val="bg1"/>
                 </a:solidFill>
               </a:rPr>
               <a:t>Вернуть число бонусов</a:t>
             </a:r>
-            <a:endParaRPr lang="ru-RU" sz="1200" dirty="0">
-              <a:solidFill>
-                <a:schemeClr val="bg1"/>
-              </a:solidFill>
-            </a:endParaRPr>
           </a:p>
         </p:txBody>
       </p:sp>
@@ -27306,18 +26501,13 @@
           <a:lstStyle/>
           <a:p>
             <a:r>
-              <a:rPr lang="ru-RU" sz="1200" dirty="0" smtClean="0">
+              <a:rPr lang="ru-RU" sz="1200" dirty="0">
                 <a:solidFill>
                   <a:schemeClr val="bg1"/>
                 </a:solidFill>
               </a:rPr>
               <a:t>Вернуть ошибку</a:t>
             </a:r>
-            <a:endParaRPr lang="ru-RU" sz="1200" dirty="0">
-              <a:solidFill>
-                <a:schemeClr val="bg1"/>
-              </a:solidFill>
-            </a:endParaRPr>
           </a:p>
         </p:txBody>
       </p:sp>
@@ -27475,10 +26665,9 @@
           <a:lstStyle/>
           <a:p>
             <a:r>
-              <a:rPr lang="ru-RU" sz="900" dirty="0" smtClean="0"/>
+              <a:rPr lang="ru-RU" sz="900" dirty="0"/>
               <a:t>Существует такой пользователь?</a:t>
             </a:r>
-            <a:endParaRPr lang="ru-RU" sz="900" dirty="0"/>
           </a:p>
         </p:txBody>
       </p:sp>
@@ -27527,10 +26716,9 @@
           <a:p>
             <a:pPr algn="ctr"/>
             <a:r>
-              <a:rPr lang="ru-RU" sz="1000" dirty="0" smtClean="0"/>
+              <a:rPr lang="ru-RU" sz="1000" dirty="0"/>
               <a:t>Данные магазина валидны?</a:t>
             </a:r>
-            <a:endParaRPr lang="ru-RU" sz="1000" dirty="0"/>
           </a:p>
         </p:txBody>
       </p:sp>
@@ -27557,18 +26745,13 @@
           <a:lstStyle/>
           <a:p>
             <a:r>
-              <a:rPr lang="ru-RU" sz="1200" dirty="0" smtClean="0">
+              <a:rPr lang="ru-RU" sz="1200" dirty="0">
                 <a:solidFill>
                   <a:schemeClr val="bg1"/>
                 </a:solidFill>
               </a:rPr>
               <a:t>Вернуть ошибку</a:t>
             </a:r>
-            <a:endParaRPr lang="ru-RU" sz="1200" dirty="0">
-              <a:solidFill>
-                <a:schemeClr val="bg1"/>
-              </a:solidFill>
-            </a:endParaRPr>
           </a:p>
         </p:txBody>
       </p:sp>
@@ -27663,10 +26846,9 @@
           <a:p>
             <a:pPr algn="ctr"/>
             <a:r>
-              <a:rPr lang="ru-RU" sz="1000" dirty="0" smtClean="0"/>
+              <a:rPr lang="ru-RU" sz="1000" dirty="0"/>
               <a:t>Получены ли бонусы?</a:t>
             </a:r>
-            <a:endParaRPr lang="ru-RU" sz="1000" dirty="0"/>
           </a:p>
         </p:txBody>
       </p:sp>
@@ -27693,18 +26875,13 @@
           <a:lstStyle/>
           <a:p>
             <a:r>
-              <a:rPr lang="ru-RU" sz="1200" dirty="0" smtClean="0">
+              <a:rPr lang="ru-RU" sz="1200" dirty="0">
                 <a:solidFill>
                   <a:schemeClr val="bg1"/>
                 </a:solidFill>
               </a:rPr>
               <a:t>Вернуть ошибку</a:t>
             </a:r>
-            <a:endParaRPr lang="ru-RU" sz="1200" dirty="0">
-              <a:solidFill>
-                <a:schemeClr val="bg1"/>
-              </a:solidFill>
-            </a:endParaRPr>
           </a:p>
         </p:txBody>
       </p:sp>
@@ -27823,38 +27000,14 @@
           <a:lstStyle/>
           <a:p>
             <a:r>
-              <a:rPr lang="ru-RU" sz="1200" dirty="0" smtClean="0">
+              <a:rPr lang="ru-RU" sz="1200" dirty="0">
                 <a:solidFill>
                   <a:srgbClr val="002B82"/>
                 </a:solidFill>
                 <a:latin typeface="Bahnschrift" pitchFamily="34" charset="0"/>
               </a:rPr>
-              <a:t>Схема 3 – Схема работы метода </a:t>
-            </a:r>
-            <a:r>
-              <a:rPr lang="ru-RU" sz="1200" dirty="0">
-                <a:solidFill>
-                  <a:srgbClr val="002B82"/>
-                </a:solidFill>
-                <a:latin typeface="Bahnschrift" pitchFamily="34" charset="0"/>
-              </a:rPr>
-              <a:t>получения баланса </a:t>
-            </a:r>
-            <a:r>
-              <a:rPr lang="ru-RU" sz="1200" dirty="0" smtClean="0">
-                <a:solidFill>
-                  <a:srgbClr val="002B82"/>
-                </a:solidFill>
-                <a:latin typeface="Bahnschrift" pitchFamily="34" charset="0"/>
-              </a:rPr>
-              <a:t>пользователей проекта системы лояльности ООО «АИС Город»</a:t>
-            </a:r>
-            <a:endParaRPr lang="ru-RU" sz="1200" dirty="0">
-              <a:solidFill>
-                <a:srgbClr val="002B82"/>
-              </a:solidFill>
-              <a:latin typeface="Bahnschrift" pitchFamily="34" charset="0"/>
-            </a:endParaRPr>
+              <a:t>Схема 3 – Схема работы метода получения баланса пользователей проекта системы лояльности ООО «АИС Город»</a:t>
+            </a:r>
           </a:p>
         </p:txBody>
       </p:sp>
@@ -27880,13 +27033,6 @@
       </p:transition>
     </mc:Fallback>
   </mc:AlternateContent>
-  <p:timing>
-    <p:tnLst>
-      <p:par>
-        <p:cTn id="1" dur="indefinite" restart="never" nodeType="tmRoot"/>
-      </p:par>
-    </p:tnLst>
-  </p:timing>
 </p:sld>
 </file>
 
@@ -28038,7 +27184,7 @@
           <p:cNvPr id="2" name="Номер слайда 1">
             <a:extLst>
               <a:ext uri="{FF2B5EF4-FFF2-40B4-BE49-F238E27FC236}">
-                <a16:creationId xmlns="" xmlns:a16="http://schemas.microsoft.com/office/drawing/2014/main" id="{D6B69D13-6D53-45B5-A583-3CF84ACCD4BE}"/>
+                <a16:creationId xmlns:a16="http://schemas.microsoft.com/office/drawing/2014/main" id="{D6B69D13-6D53-45B5-A583-3CF84ACCD4BE}"/>
               </a:ext>
             </a:extLst>
           </p:cNvPr>
@@ -28116,7 +27262,7 @@
           <p:cNvPr id="9" name="TextBox 8">
             <a:extLst>
               <a:ext uri="{FF2B5EF4-FFF2-40B4-BE49-F238E27FC236}">
-                <a16:creationId xmlns="" xmlns:a16="http://schemas.microsoft.com/office/drawing/2014/main" id="{0DAF1E99-18A8-45BE-8B3C-7CFA7E1CB1CD}"/>
+                <a16:creationId xmlns:a16="http://schemas.microsoft.com/office/drawing/2014/main" id="{0DAF1E99-18A8-45BE-8B3C-7CFA7E1CB1CD}"/>
               </a:ext>
             </a:extLst>
           </p:cNvPr>
@@ -28141,7 +27287,7 @@
           <a:p>
             <a:pPr algn="ctr"/>
             <a:r>
-              <a:rPr lang="ru-RU" sz="2400" dirty="0" smtClean="0">
+              <a:rPr lang="ru-RU" sz="2400" dirty="0">
                 <a:solidFill>
                   <a:srgbClr val="002B82"/>
                 </a:solidFill>
@@ -28149,12 +27295,6 @@
               </a:rPr>
               <a:t>Метод создания заказа</a:t>
             </a:r>
-            <a:endParaRPr lang="ru-RU" sz="2400" dirty="0">
-              <a:solidFill>
-                <a:srgbClr val="002B82"/>
-              </a:solidFill>
-              <a:latin typeface="Bahnschrift" pitchFamily="34" charset="0"/>
-            </a:endParaRPr>
           </a:p>
         </p:txBody>
       </p:sp>
@@ -28315,54 +27455,28 @@
               </a:rPr>
               <a:t>{ </a:t>
             </a:r>
-            <a:endParaRPr lang="en-US" sz="1200" dirty="0" smtClean="0">
-              <a:latin typeface="Courier New" pitchFamily="49" charset="0"/>
-              <a:cs typeface="Courier New" pitchFamily="49" charset="0"/>
-            </a:endParaRPr>
-          </a:p>
-          <a:p>
-            <a:r>
-              <a:rPr lang="en-US" sz="1200" dirty="0" smtClean="0">
-                <a:latin typeface="Courier New" pitchFamily="49" charset="0"/>
-                <a:cs typeface="Courier New" pitchFamily="49" charset="0"/>
-              </a:rPr>
-              <a:t>"</a:t>
-            </a:r>
+          </a:p>
+          <a:p>
             <a:r>
               <a:rPr lang="en-US" sz="1200" dirty="0">
                 <a:latin typeface="Courier New" pitchFamily="49" charset="0"/>
                 <a:cs typeface="Courier New" pitchFamily="49" charset="0"/>
               </a:rPr>
-              <a:t>merchant": "string", </a:t>
-            </a:r>
-            <a:endParaRPr lang="en-US" sz="1200" dirty="0" smtClean="0">
-              <a:latin typeface="Courier New" pitchFamily="49" charset="0"/>
-              <a:cs typeface="Courier New" pitchFamily="49" charset="0"/>
-            </a:endParaRPr>
-          </a:p>
-          <a:p>
-            <a:r>
-              <a:rPr lang="en-US" sz="1200" dirty="0" smtClean="0">
-                <a:latin typeface="Courier New" pitchFamily="49" charset="0"/>
-                <a:cs typeface="Courier New" pitchFamily="49" charset="0"/>
-              </a:rPr>
-              <a:t>"</a:t>
-            </a:r>
+              <a:t>"merchant": "string", </a:t>
+            </a:r>
+          </a:p>
+          <a:p>
             <a:r>
               <a:rPr lang="en-US" sz="1200" dirty="0">
                 <a:latin typeface="Courier New" pitchFamily="49" charset="0"/>
                 <a:cs typeface="Courier New" pitchFamily="49" charset="0"/>
               </a:rPr>
-              <a:t>password": "string", </a:t>
-            </a:r>
-            <a:endParaRPr lang="en-US" sz="1200" dirty="0" smtClean="0">
-              <a:latin typeface="Courier New" pitchFamily="49" charset="0"/>
-              <a:cs typeface="Courier New" pitchFamily="49" charset="0"/>
-            </a:endParaRPr>
-          </a:p>
-          <a:p>
-            <a:r>
-              <a:rPr lang="en-US" sz="1200" dirty="0" smtClean="0">
+              <a:t>"password": "string", </a:t>
+            </a:r>
+          </a:p>
+          <a:p>
+            <a:r>
+              <a:rPr lang="en-US" sz="1200" dirty="0">
                 <a:latin typeface="Courier New" pitchFamily="49" charset="0"/>
                 <a:cs typeface="Courier New" pitchFamily="49" charset="0"/>
               </a:rPr>
@@ -28382,14 +27496,10 @@
               </a:rPr>
               <a:t>": "string", </a:t>
             </a:r>
-            <a:endParaRPr lang="en-US" sz="1200" dirty="0" smtClean="0">
-              <a:latin typeface="Courier New" pitchFamily="49" charset="0"/>
-              <a:cs typeface="Courier New" pitchFamily="49" charset="0"/>
-            </a:endParaRPr>
-          </a:p>
-          <a:p>
-            <a:r>
-              <a:rPr lang="en-US" sz="1200" dirty="0" smtClean="0">
+          </a:p>
+          <a:p>
+            <a:r>
+              <a:rPr lang="en-US" sz="1200" dirty="0">
                 <a:latin typeface="Courier New" pitchFamily="49" charset="0"/>
                 <a:cs typeface="Courier New" pitchFamily="49" charset="0"/>
               </a:rPr>
@@ -28409,54 +27519,28 @@
               </a:rPr>
               <a:t>": "string", </a:t>
             </a:r>
-            <a:endParaRPr lang="en-US" sz="1200" dirty="0" smtClean="0">
-              <a:latin typeface="Courier New" pitchFamily="49" charset="0"/>
-              <a:cs typeface="Courier New" pitchFamily="49" charset="0"/>
-            </a:endParaRPr>
-          </a:p>
-          <a:p>
-            <a:r>
-              <a:rPr lang="en-US" sz="1200" dirty="0" smtClean="0">
-                <a:latin typeface="Courier New" pitchFamily="49" charset="0"/>
-                <a:cs typeface="Courier New" pitchFamily="49" charset="0"/>
-              </a:rPr>
-              <a:t>"</a:t>
-            </a:r>
+          </a:p>
+          <a:p>
             <a:r>
               <a:rPr lang="en-US" sz="1200" dirty="0">
                 <a:latin typeface="Courier New" pitchFamily="49" charset="0"/>
                 <a:cs typeface="Courier New" pitchFamily="49" charset="0"/>
               </a:rPr>
-              <a:t>description": "string", </a:t>
-            </a:r>
-            <a:endParaRPr lang="en-US" sz="1200" dirty="0" smtClean="0">
-              <a:latin typeface="Courier New" pitchFamily="49" charset="0"/>
-              <a:cs typeface="Courier New" pitchFamily="49" charset="0"/>
-            </a:endParaRPr>
-          </a:p>
-          <a:p>
-            <a:r>
-              <a:rPr lang="en-US" sz="1200" dirty="0" smtClean="0">
-                <a:latin typeface="Courier New" pitchFamily="49" charset="0"/>
-                <a:cs typeface="Courier New" pitchFamily="49" charset="0"/>
-              </a:rPr>
-              <a:t>"</a:t>
-            </a:r>
+              <a:t>"description": "string", </a:t>
+            </a:r>
+          </a:p>
+          <a:p>
             <a:r>
               <a:rPr lang="en-US" sz="1200" dirty="0">
                 <a:latin typeface="Courier New" pitchFamily="49" charset="0"/>
                 <a:cs typeface="Courier New" pitchFamily="49" charset="0"/>
               </a:rPr>
-              <a:t>amount": 0, </a:t>
-            </a:r>
-            <a:endParaRPr lang="en-US" sz="1200" dirty="0" smtClean="0">
-              <a:latin typeface="Courier New" pitchFamily="49" charset="0"/>
-              <a:cs typeface="Courier New" pitchFamily="49" charset="0"/>
-            </a:endParaRPr>
-          </a:p>
-          <a:p>
-            <a:r>
-              <a:rPr lang="en-US" sz="1200" dirty="0" smtClean="0">
+              <a:t>"amount": 0, </a:t>
+            </a:r>
+          </a:p>
+          <a:p>
+            <a:r>
+              <a:rPr lang="en-US" sz="1200" dirty="0">
                 <a:latin typeface="Courier New" pitchFamily="49" charset="0"/>
                 <a:cs typeface="Courier New" pitchFamily="49" charset="0"/>
               </a:rPr>
@@ -28476,14 +27560,10 @@
               </a:rPr>
               <a:t>": "string", </a:t>
             </a:r>
-            <a:endParaRPr lang="en-US" sz="1200" dirty="0" smtClean="0">
-              <a:latin typeface="Courier New" pitchFamily="49" charset="0"/>
-              <a:cs typeface="Courier New" pitchFamily="49" charset="0"/>
-            </a:endParaRPr>
-          </a:p>
-          <a:p>
-            <a:r>
-              <a:rPr lang="en-US" sz="1200" dirty="0" smtClean="0">
+          </a:p>
+          <a:p>
+            <a:r>
+              <a:rPr lang="en-US" sz="1200" dirty="0">
                 <a:latin typeface="Courier New" pitchFamily="49" charset="0"/>
                 <a:cs typeface="Courier New" pitchFamily="49" charset="0"/>
               </a:rPr>
@@ -28503,14 +27583,10 @@
               </a:rPr>
               <a:t>": "string", </a:t>
             </a:r>
-            <a:endParaRPr lang="en-US" sz="1200" dirty="0" smtClean="0">
-              <a:latin typeface="Courier New" pitchFamily="49" charset="0"/>
-              <a:cs typeface="Courier New" pitchFamily="49" charset="0"/>
-            </a:endParaRPr>
-          </a:p>
-          <a:p>
-            <a:r>
-              <a:rPr lang="en-US" sz="1200" dirty="0" smtClean="0">
+          </a:p>
+          <a:p>
+            <a:r>
+              <a:rPr lang="en-US" sz="1200" dirty="0">
                 <a:latin typeface="Courier New" pitchFamily="49" charset="0"/>
                 <a:cs typeface="Courier New" pitchFamily="49" charset="0"/>
               </a:rPr>
@@ -28530,14 +27606,10 @@
               </a:rPr>
               <a:t>": "string", </a:t>
             </a:r>
-            <a:endParaRPr lang="en-US" sz="1200" dirty="0" smtClean="0">
-              <a:latin typeface="Courier New" pitchFamily="49" charset="0"/>
-              <a:cs typeface="Courier New" pitchFamily="49" charset="0"/>
-            </a:endParaRPr>
-          </a:p>
-          <a:p>
-            <a:r>
-              <a:rPr lang="en-US" sz="1200" dirty="0" smtClean="0">
+          </a:p>
+          <a:p>
+            <a:r>
+              <a:rPr lang="en-US" sz="1200" dirty="0">
                 <a:latin typeface="Courier New" pitchFamily="49" charset="0"/>
                 <a:cs typeface="Courier New" pitchFamily="49" charset="0"/>
               </a:rPr>
@@ -28557,14 +27629,10 @@
               </a:rPr>
               <a:t>": "string" </a:t>
             </a:r>
-            <a:endParaRPr lang="en-US" sz="1200" dirty="0" smtClean="0">
-              <a:latin typeface="Courier New" pitchFamily="49" charset="0"/>
-              <a:cs typeface="Courier New" pitchFamily="49" charset="0"/>
-            </a:endParaRPr>
-          </a:p>
-          <a:p>
-            <a:r>
-              <a:rPr lang="en-US" sz="1200" dirty="0" smtClean="0">
+          </a:p>
+          <a:p>
+            <a:r>
+              <a:rPr lang="en-US" sz="1200" dirty="0">
                 <a:latin typeface="Courier New" pitchFamily="49" charset="0"/>
                 <a:cs typeface="Courier New" pitchFamily="49" charset="0"/>
               </a:rPr>
@@ -28606,54 +27674,28 @@
               </a:rPr>
               <a:t>{ </a:t>
             </a:r>
-            <a:endParaRPr lang="en-US" sz="1200" dirty="0" smtClean="0">
-              <a:latin typeface="Courier New" pitchFamily="49" charset="0"/>
-              <a:cs typeface="Courier New" pitchFamily="49" charset="0"/>
-            </a:endParaRPr>
-          </a:p>
-          <a:p>
-            <a:r>
-              <a:rPr lang="en-US" sz="1200" dirty="0" smtClean="0">
-                <a:latin typeface="Courier New" pitchFamily="49" charset="0"/>
-                <a:cs typeface="Courier New" pitchFamily="49" charset="0"/>
-              </a:rPr>
-              <a:t>"</a:t>
-            </a:r>
+          </a:p>
+          <a:p>
             <a:r>
               <a:rPr lang="en-US" sz="1200" dirty="0">
                 <a:latin typeface="Courier New" pitchFamily="49" charset="0"/>
                 <a:cs typeface="Courier New" pitchFamily="49" charset="0"/>
               </a:rPr>
-              <a:t>result": 0, </a:t>
-            </a:r>
-            <a:endParaRPr lang="en-US" sz="1200" dirty="0" smtClean="0">
-              <a:latin typeface="Courier New" pitchFamily="49" charset="0"/>
-              <a:cs typeface="Courier New" pitchFamily="49" charset="0"/>
-            </a:endParaRPr>
-          </a:p>
-          <a:p>
-            <a:r>
-              <a:rPr lang="en-US" sz="1200" dirty="0" smtClean="0">
-                <a:latin typeface="Courier New" pitchFamily="49" charset="0"/>
-                <a:cs typeface="Courier New" pitchFamily="49" charset="0"/>
-              </a:rPr>
-              <a:t>"</a:t>
-            </a:r>
+              <a:t>"result": 0, </a:t>
+            </a:r>
+          </a:p>
+          <a:p>
             <a:r>
               <a:rPr lang="en-US" sz="1200" dirty="0">
                 <a:latin typeface="Courier New" pitchFamily="49" charset="0"/>
                 <a:cs typeface="Courier New" pitchFamily="49" charset="0"/>
               </a:rPr>
-              <a:t>message": "string", </a:t>
-            </a:r>
-            <a:endParaRPr lang="en-US" sz="1200" dirty="0" smtClean="0">
-              <a:latin typeface="Courier New" pitchFamily="49" charset="0"/>
-              <a:cs typeface="Courier New" pitchFamily="49" charset="0"/>
-            </a:endParaRPr>
-          </a:p>
-          <a:p>
-            <a:r>
-              <a:rPr lang="en-US" sz="1200" dirty="0" smtClean="0">
+              <a:t>"message": "string", </a:t>
+            </a:r>
+          </a:p>
+          <a:p>
+            <a:r>
+              <a:rPr lang="en-US" sz="1200" dirty="0">
                 <a:latin typeface="Courier New" pitchFamily="49" charset="0"/>
                 <a:cs typeface="Courier New" pitchFamily="49" charset="0"/>
               </a:rPr>
@@ -28673,14 +27715,10 @@
               </a:rPr>
               <a:t>": "string", </a:t>
             </a:r>
-            <a:endParaRPr lang="en-US" sz="1200" dirty="0" smtClean="0">
-              <a:latin typeface="Courier New" pitchFamily="49" charset="0"/>
-              <a:cs typeface="Courier New" pitchFamily="49" charset="0"/>
-            </a:endParaRPr>
-          </a:p>
-          <a:p>
-            <a:r>
-              <a:rPr lang="en-US" sz="1200" dirty="0" smtClean="0">
+          </a:p>
+          <a:p>
+            <a:r>
+              <a:rPr lang="en-US" sz="1200" dirty="0">
                 <a:latin typeface="Courier New" pitchFamily="49" charset="0"/>
                 <a:cs typeface="Courier New" pitchFamily="49" charset="0"/>
               </a:rPr>
@@ -28700,14 +27738,10 @@
               </a:rPr>
               <a:t>": "string", </a:t>
             </a:r>
-            <a:endParaRPr lang="en-US" sz="1200" dirty="0" smtClean="0">
-              <a:latin typeface="Courier New" pitchFamily="49" charset="0"/>
-              <a:cs typeface="Courier New" pitchFamily="49" charset="0"/>
-            </a:endParaRPr>
-          </a:p>
-          <a:p>
-            <a:r>
-              <a:rPr lang="en-US" sz="1200" dirty="0" smtClean="0">
+          </a:p>
+          <a:p>
+            <a:r>
+              <a:rPr lang="en-US" sz="1200" dirty="0">
                 <a:latin typeface="Courier New" pitchFamily="49" charset="0"/>
                 <a:cs typeface="Courier New" pitchFamily="49" charset="0"/>
               </a:rPr>
@@ -28727,14 +27761,10 @@
               </a:rPr>
               <a:t>": "string" </a:t>
             </a:r>
-            <a:endParaRPr lang="en-US" sz="1200" dirty="0" smtClean="0">
-              <a:latin typeface="Courier New" pitchFamily="49" charset="0"/>
-              <a:cs typeface="Courier New" pitchFamily="49" charset="0"/>
-            </a:endParaRPr>
-          </a:p>
-          <a:p>
-            <a:r>
-              <a:rPr lang="en-US" sz="1200" dirty="0" smtClean="0">
+          </a:p>
+          <a:p>
+            <a:r>
+              <a:rPr lang="en-US" sz="1200" dirty="0">
                 <a:latin typeface="Courier New" pitchFamily="49" charset="0"/>
                 <a:cs typeface="Courier New" pitchFamily="49" charset="0"/>
               </a:rPr>
@@ -29072,16 +28102,115 @@
       </p:sp>
       <p:sp>
         <p:nvSpPr>
-          <p:cNvPr id="21" name="Стрелка вправо 20"/>
+          <p:cNvPr id="22" name="TextBox 21"/>
+          <p:cNvSpPr txBox="1"/>
+          <p:nvPr/>
+        </p:nvSpPr>
+        <p:spPr>
+          <a:xfrm>
+            <a:off x="7658849" y="2159697"/>
+            <a:ext cx="344966" cy="276999"/>
+          </a:xfrm>
+          <a:prstGeom prst="rect">
+            <a:avLst/>
+          </a:prstGeom>
+          <a:noFill/>
+        </p:spPr>
+        <p:txBody>
+          <a:bodyPr wrap="none" rtlCol="0">
+            <a:spAutoFit/>
+          </a:bodyPr>
+          <a:lstStyle/>
+          <a:p>
+            <a:r>
+              <a:rPr lang="ru-RU" sz="1200" dirty="0">
+                <a:solidFill>
+                  <a:schemeClr val="bg1"/>
+                </a:solidFill>
+              </a:rPr>
+              <a:t>да</a:t>
+            </a:r>
+          </a:p>
+        </p:txBody>
+      </p:sp>
+      <p:sp>
+        <p:nvSpPr>
+          <p:cNvPr id="23" name="TextBox 22"/>
+          <p:cNvSpPr txBox="1"/>
+          <p:nvPr/>
+        </p:nvSpPr>
+        <p:spPr>
+          <a:xfrm>
+            <a:off x="7691557" y="3176069"/>
+            <a:ext cx="344966" cy="276999"/>
+          </a:xfrm>
+          <a:prstGeom prst="rect">
+            <a:avLst/>
+          </a:prstGeom>
+          <a:noFill/>
+        </p:spPr>
+        <p:txBody>
+          <a:bodyPr wrap="none" rtlCol="0">
+            <a:spAutoFit/>
+          </a:bodyPr>
+          <a:lstStyle/>
+          <a:p>
+            <a:r>
+              <a:rPr lang="ru-RU" sz="1200" dirty="0">
+                <a:solidFill>
+                  <a:schemeClr val="bg1"/>
+                </a:solidFill>
+              </a:rPr>
+              <a:t>да</a:t>
+            </a:r>
+          </a:p>
+        </p:txBody>
+      </p:sp>
+      <p:sp>
+        <p:nvSpPr>
+          <p:cNvPr id="24" name="TextBox 23"/>
+          <p:cNvSpPr txBox="1"/>
+          <p:nvPr/>
+        </p:nvSpPr>
+        <p:spPr>
+          <a:xfrm>
+            <a:off x="7831332" y="6199202"/>
+            <a:ext cx="344966" cy="276999"/>
+          </a:xfrm>
+          <a:prstGeom prst="rect">
+            <a:avLst/>
+          </a:prstGeom>
+          <a:noFill/>
+        </p:spPr>
+        <p:txBody>
+          <a:bodyPr wrap="none" rtlCol="0">
+            <a:spAutoFit/>
+          </a:bodyPr>
+          <a:lstStyle/>
+          <a:p>
+            <a:r>
+              <a:rPr lang="ru-RU" sz="1200" dirty="0">
+                <a:solidFill>
+                  <a:schemeClr val="bg1"/>
+                </a:solidFill>
+              </a:rPr>
+              <a:t>да</a:t>
+            </a:r>
+          </a:p>
+        </p:txBody>
+      </p:sp>
+      <p:sp>
+        <p:nvSpPr>
+          <p:cNvPr id="25" name="Стрелка углом 24"/>
           <p:cNvSpPr/>
           <p:nvPr/>
         </p:nvSpPr>
         <p:spPr>
-          <a:xfrm rot="5400000">
-            <a:off x="7504049" y="4138976"/>
-            <a:ext cx="187138" cy="122461"/>
-          </a:xfrm>
-          <a:prstGeom prst="rightArrow">
+          <a:xfrm rot="10800000">
+            <a:off x="5682342" y="6123769"/>
+            <a:ext cx="1941394" cy="472882"/>
+          </a:xfrm>
+          <a:prstGeom prst="bentArrow">
             <a:avLst/>
           </a:prstGeom>
           <a:solidFill>
@@ -29112,166 +28241,6 @@
           <a:lstStyle/>
           <a:p>
             <a:pPr algn="ctr"/>
-            <a:endParaRPr lang="ru-RU"/>
-          </a:p>
-        </p:txBody>
-      </p:sp>
-      <p:sp>
-        <p:nvSpPr>
-          <p:cNvPr id="22" name="TextBox 21"/>
-          <p:cNvSpPr txBox="1"/>
-          <p:nvPr/>
-        </p:nvSpPr>
-        <p:spPr>
-          <a:xfrm>
-            <a:off x="7658849" y="2159697"/>
-            <a:ext cx="344966" cy="276999"/>
-          </a:xfrm>
-          <a:prstGeom prst="rect">
-            <a:avLst/>
-          </a:prstGeom>
-          <a:noFill/>
-        </p:spPr>
-        <p:txBody>
-          <a:bodyPr wrap="none" rtlCol="0">
-            <a:spAutoFit/>
-          </a:bodyPr>
-          <a:lstStyle/>
-          <a:p>
-            <a:r>
-              <a:rPr lang="ru-RU" sz="1200" dirty="0" smtClean="0">
-                <a:solidFill>
-                  <a:schemeClr val="bg1"/>
-                </a:solidFill>
-              </a:rPr>
-              <a:t>да</a:t>
-            </a:r>
-            <a:endParaRPr lang="ru-RU" sz="1200" dirty="0">
-              <a:solidFill>
-                <a:schemeClr val="bg1"/>
-              </a:solidFill>
-            </a:endParaRPr>
-          </a:p>
-        </p:txBody>
-      </p:sp>
-      <p:sp>
-        <p:nvSpPr>
-          <p:cNvPr id="23" name="TextBox 22"/>
-          <p:cNvSpPr txBox="1"/>
-          <p:nvPr/>
-        </p:nvSpPr>
-        <p:spPr>
-          <a:xfrm>
-            <a:off x="7691557" y="3176069"/>
-            <a:ext cx="344966" cy="276999"/>
-          </a:xfrm>
-          <a:prstGeom prst="rect">
-            <a:avLst/>
-          </a:prstGeom>
-          <a:noFill/>
-        </p:spPr>
-        <p:txBody>
-          <a:bodyPr wrap="none" rtlCol="0">
-            <a:spAutoFit/>
-          </a:bodyPr>
-          <a:lstStyle/>
-          <a:p>
-            <a:r>
-              <a:rPr lang="ru-RU" sz="1200" dirty="0" smtClean="0">
-                <a:solidFill>
-                  <a:schemeClr val="bg1"/>
-                </a:solidFill>
-              </a:rPr>
-              <a:t>да</a:t>
-            </a:r>
-            <a:endParaRPr lang="ru-RU" sz="1200" dirty="0">
-              <a:solidFill>
-                <a:schemeClr val="bg1"/>
-              </a:solidFill>
-            </a:endParaRPr>
-          </a:p>
-        </p:txBody>
-      </p:sp>
-      <p:sp>
-        <p:nvSpPr>
-          <p:cNvPr id="24" name="TextBox 23"/>
-          <p:cNvSpPr txBox="1"/>
-          <p:nvPr/>
-        </p:nvSpPr>
-        <p:spPr>
-          <a:xfrm>
-            <a:off x="7831332" y="6199202"/>
-            <a:ext cx="344966" cy="276999"/>
-          </a:xfrm>
-          <a:prstGeom prst="rect">
-            <a:avLst/>
-          </a:prstGeom>
-          <a:noFill/>
-        </p:spPr>
-        <p:txBody>
-          <a:bodyPr wrap="none" rtlCol="0">
-            <a:spAutoFit/>
-          </a:bodyPr>
-          <a:lstStyle/>
-          <a:p>
-            <a:r>
-              <a:rPr lang="ru-RU" sz="1200" dirty="0" smtClean="0">
-                <a:solidFill>
-                  <a:schemeClr val="bg1"/>
-                </a:solidFill>
-              </a:rPr>
-              <a:t>да</a:t>
-            </a:r>
-            <a:endParaRPr lang="ru-RU" sz="1200" dirty="0">
-              <a:solidFill>
-                <a:schemeClr val="bg1"/>
-              </a:solidFill>
-            </a:endParaRPr>
-          </a:p>
-        </p:txBody>
-      </p:sp>
-      <p:sp>
-        <p:nvSpPr>
-          <p:cNvPr id="25" name="Стрелка углом 24"/>
-          <p:cNvSpPr/>
-          <p:nvPr/>
-        </p:nvSpPr>
-        <p:spPr>
-          <a:xfrm rot="10800000">
-            <a:off x="5682342" y="6123769"/>
-            <a:ext cx="1941394" cy="472882"/>
-          </a:xfrm>
-          <a:prstGeom prst="bentArrow">
-            <a:avLst/>
-          </a:prstGeom>
-          <a:solidFill>
-            <a:srgbClr val="47A9FF"/>
-          </a:solidFill>
-          <a:ln>
-            <a:noFill/>
-          </a:ln>
-        </p:spPr>
-        <p:style>
-          <a:lnRef idx="2">
-            <a:schemeClr val="accent1">
-              <a:shade val="50000"/>
-            </a:schemeClr>
-          </a:lnRef>
-          <a:fillRef idx="1">
-            <a:schemeClr val="accent1"/>
-          </a:fillRef>
-          <a:effectRef idx="0">
-            <a:schemeClr val="accent1"/>
-          </a:effectRef>
-          <a:fontRef idx="minor">
-            <a:schemeClr val="lt1"/>
-          </a:fontRef>
-        </p:style>
-        <p:txBody>
-          <a:bodyPr rtlCol="0" anchor="ctr"/>
-          <a:lstStyle/>
-          <a:p>
-            <a:pPr algn="ctr"/>
             <a:endParaRPr lang="ru-RU">
               <a:solidFill>
                 <a:schemeClr val="tx1"/>
@@ -29303,18 +28272,13 @@
           <a:lstStyle/>
           <a:p>
             <a:r>
-              <a:rPr lang="ru-RU" sz="1200" dirty="0" smtClean="0">
+              <a:rPr lang="ru-RU" sz="1200" dirty="0">
                 <a:solidFill>
                   <a:schemeClr val="bg1"/>
                 </a:solidFill>
               </a:rPr>
               <a:t>Вернуть данные для оплаты</a:t>
             </a:r>
-            <a:endParaRPr lang="ru-RU" sz="1200" dirty="0">
-              <a:solidFill>
-                <a:schemeClr val="bg1"/>
-              </a:solidFill>
-            </a:endParaRPr>
           </a:p>
         </p:txBody>
       </p:sp>
@@ -29341,18 +28305,13 @@
           <a:lstStyle/>
           <a:p>
             <a:r>
-              <a:rPr lang="ru-RU" sz="1200" dirty="0" smtClean="0">
+              <a:rPr lang="ru-RU" sz="1200" dirty="0">
                 <a:solidFill>
                   <a:schemeClr val="bg1"/>
                 </a:solidFill>
               </a:rPr>
               <a:t>Вернуть ошибку</a:t>
             </a:r>
-            <a:endParaRPr lang="ru-RU" sz="1200" dirty="0">
-              <a:solidFill>
-                <a:schemeClr val="bg1"/>
-              </a:solidFill>
-            </a:endParaRPr>
           </a:p>
         </p:txBody>
       </p:sp>
@@ -29510,10 +28469,9 @@
           <a:lstStyle/>
           <a:p>
             <a:r>
-              <a:rPr lang="ru-RU" sz="900" dirty="0" smtClean="0"/>
+              <a:rPr lang="ru-RU" sz="900" dirty="0"/>
               <a:t>Существует такой пользователь?</a:t>
             </a:r>
-            <a:endParaRPr lang="ru-RU" sz="900" dirty="0"/>
           </a:p>
         </p:txBody>
       </p:sp>
@@ -29562,10 +28520,9 @@
           <a:p>
             <a:pPr algn="ctr"/>
             <a:r>
-              <a:rPr lang="ru-RU" sz="1000" dirty="0" smtClean="0"/>
+              <a:rPr lang="ru-RU" sz="1000" dirty="0"/>
               <a:t>Данные магазина валидны?</a:t>
             </a:r>
-            <a:endParaRPr lang="ru-RU" sz="1000" dirty="0"/>
           </a:p>
         </p:txBody>
       </p:sp>
@@ -29592,18 +28549,13 @@
           <a:lstStyle/>
           <a:p>
             <a:r>
-              <a:rPr lang="ru-RU" sz="1200" dirty="0" smtClean="0">
+              <a:rPr lang="ru-RU" sz="1200" dirty="0">
                 <a:solidFill>
                   <a:schemeClr val="bg1"/>
                 </a:solidFill>
               </a:rPr>
               <a:t>Вернуть ошибку</a:t>
             </a:r>
-            <a:endParaRPr lang="ru-RU" sz="1200" dirty="0">
-              <a:solidFill>
-                <a:schemeClr val="bg1"/>
-              </a:solidFill>
-            </a:endParaRPr>
           </a:p>
         </p:txBody>
       </p:sp>
@@ -29698,10 +28650,9 @@
           <a:p>
             <a:pPr algn="ctr"/>
             <a:r>
-              <a:rPr lang="ru-RU" sz="1000" dirty="0" smtClean="0"/>
+              <a:rPr lang="ru-RU" sz="1000" dirty="0"/>
               <a:t>Заказ создан?</a:t>
             </a:r>
-            <a:endParaRPr lang="ru-RU" sz="1000" dirty="0"/>
           </a:p>
         </p:txBody>
       </p:sp>
@@ -29728,18 +28679,13 @@
           <a:lstStyle/>
           <a:p>
             <a:r>
-              <a:rPr lang="ru-RU" sz="1200" dirty="0" smtClean="0">
+              <a:rPr lang="ru-RU" sz="1200" dirty="0">
                 <a:solidFill>
                   <a:schemeClr val="bg1"/>
                 </a:solidFill>
               </a:rPr>
               <a:t>Вернуть ошибку</a:t>
             </a:r>
-            <a:endParaRPr lang="ru-RU" sz="1200" dirty="0">
-              <a:solidFill>
-                <a:schemeClr val="bg1"/>
-              </a:solidFill>
-            </a:endParaRPr>
           </a:p>
         </p:txBody>
       </p:sp>
@@ -29751,8 +28697,8 @@
         </p:nvSpPr>
         <p:spPr>
           <a:xfrm rot="5400000">
-            <a:off x="7480247" y="4863627"/>
-            <a:ext cx="187138" cy="122461"/>
+            <a:off x="7128815" y="4490409"/>
+            <a:ext cx="911788" cy="144247"/>
           </a:xfrm>
           <a:prstGeom prst="rightArrow">
             <a:avLst/>
@@ -29880,18 +28826,13 @@
           <a:p>
             <a:pPr algn="ctr"/>
             <a:r>
-              <a:rPr lang="ru-RU" sz="1200" dirty="0" smtClean="0">
+              <a:rPr lang="ru-RU" sz="1200" dirty="0">
                 <a:solidFill>
                   <a:schemeClr val="bg1"/>
                 </a:solidFill>
               </a:rPr>
               <a:t>Создание заказа</a:t>
             </a:r>
-            <a:endParaRPr lang="ru-RU" sz="1200" dirty="0">
-              <a:solidFill>
-                <a:schemeClr val="bg1"/>
-              </a:solidFill>
-            </a:endParaRPr>
           </a:p>
         </p:txBody>
       </p:sp>
@@ -29989,13 +28930,13 @@
       </p:sp>
       <p:sp>
         <p:nvSpPr>
-          <p:cNvPr id="43" name="TextBox 42"/>
+          <p:cNvPr id="44" name="TextBox 43"/>
           <p:cNvSpPr txBox="1"/>
           <p:nvPr/>
         </p:nvSpPr>
         <p:spPr>
           <a:xfrm>
-            <a:off x="7809756" y="4061706"/>
+            <a:off x="8058211" y="4718756"/>
             <a:ext cx="344966" cy="276999"/>
           </a:xfrm>
           <a:prstGeom prst="rect">
@@ -30010,56 +28951,13 @@
           <a:lstStyle/>
           <a:p>
             <a:r>
-              <a:rPr lang="ru-RU" sz="1200" dirty="0" smtClean="0">
+              <a:rPr lang="ru-RU" sz="1200" dirty="0">
                 <a:solidFill>
                   <a:schemeClr val="bg1"/>
                 </a:solidFill>
               </a:rPr>
               <a:t>да</a:t>
             </a:r>
-            <a:endParaRPr lang="ru-RU" sz="1200" dirty="0">
-              <a:solidFill>
-                <a:schemeClr val="bg1"/>
-              </a:solidFill>
-            </a:endParaRPr>
-          </a:p>
-        </p:txBody>
-      </p:sp>
-      <p:sp>
-        <p:nvSpPr>
-          <p:cNvPr id="44" name="TextBox 43"/>
-          <p:cNvSpPr txBox="1"/>
-          <p:nvPr/>
-        </p:nvSpPr>
-        <p:spPr>
-          <a:xfrm>
-            <a:off x="8058211" y="4718756"/>
-            <a:ext cx="344966" cy="276999"/>
-          </a:xfrm>
-          <a:prstGeom prst="rect">
-            <a:avLst/>
-          </a:prstGeom>
-          <a:noFill/>
-        </p:spPr>
-        <p:txBody>
-          <a:bodyPr wrap="none" rtlCol="0">
-            <a:spAutoFit/>
-          </a:bodyPr>
-          <a:lstStyle/>
-          <a:p>
-            <a:r>
-              <a:rPr lang="ru-RU" sz="1200" dirty="0" smtClean="0">
-                <a:solidFill>
-                  <a:schemeClr val="bg1"/>
-                </a:solidFill>
-              </a:rPr>
-              <a:t>да</a:t>
-            </a:r>
-            <a:endParaRPr lang="ru-RU" sz="1200" dirty="0">
-              <a:solidFill>
-                <a:schemeClr val="bg1"/>
-              </a:solidFill>
-            </a:endParaRPr>
           </a:p>
         </p:txBody>
       </p:sp>
@@ -30163,129 +29061,21 @@
           <a:p>
             <a:pPr algn="ctr"/>
             <a:r>
-              <a:rPr lang="ru-RU" sz="1000" dirty="0" smtClean="0"/>
+              <a:rPr lang="ru-RU" sz="1000" dirty="0"/>
               <a:t>Валидна сумма?</a:t>
             </a:r>
-            <a:endParaRPr lang="ru-RU" sz="1000" dirty="0"/>
-          </a:p>
-        </p:txBody>
-      </p:sp>
-      <p:sp>
-        <p:nvSpPr>
-          <p:cNvPr id="46" name="Стрелка углом 45"/>
-          <p:cNvSpPr/>
-          <p:nvPr/>
-        </p:nvSpPr>
-        <p:spPr>
-          <a:xfrm rot="16200000" flipH="1">
-            <a:off x="6152263" y="4535526"/>
-            <a:ext cx="942599" cy="999757"/>
-          </a:xfrm>
-          <a:prstGeom prst="bentArrow">
-            <a:avLst>
-              <a:gd name="adj1" fmla="val 6042"/>
-              <a:gd name="adj2" fmla="val 9327"/>
-              <a:gd name="adj3" fmla="val 12685"/>
-              <a:gd name="adj4" fmla="val 43750"/>
-            </a:avLst>
-          </a:prstGeom>
-          <a:solidFill>
-            <a:srgbClr val="47A9FF"/>
-          </a:solidFill>
-          <a:ln>
-            <a:noFill/>
-          </a:ln>
-        </p:spPr>
-        <p:style>
-          <a:lnRef idx="2">
-            <a:schemeClr val="accent1">
-              <a:shade val="50000"/>
-            </a:schemeClr>
-          </a:lnRef>
-          <a:fillRef idx="1">
-            <a:schemeClr val="accent1"/>
-          </a:fillRef>
-          <a:effectRef idx="0">
-            <a:schemeClr val="accent1"/>
-          </a:effectRef>
-          <a:fontRef idx="minor">
-            <a:schemeClr val="lt1"/>
-          </a:fontRef>
-        </p:style>
-        <p:txBody>
-          <a:bodyPr rtlCol="0" anchor="ctr"/>
-          <a:lstStyle/>
-          <a:p>
-            <a:pPr algn="ctr"/>
-            <a:endParaRPr lang="ru-RU">
-              <a:solidFill>
-                <a:schemeClr val="tx1"/>
-              </a:solidFill>
-            </a:endParaRPr>
-          </a:p>
-        </p:txBody>
-      </p:sp>
-      <p:sp>
-        <p:nvSpPr>
-          <p:cNvPr id="37" name="Блок-схема: решение 36"/>
-          <p:cNvSpPr/>
-          <p:nvPr/>
-        </p:nvSpPr>
-        <p:spPr>
-          <a:xfrm>
-            <a:off x="6764109" y="4310106"/>
-            <a:ext cx="1667013" cy="547150"/>
-          </a:xfrm>
-          <a:prstGeom prst="flowChartDecision">
-            <a:avLst/>
-          </a:prstGeom>
-          <a:solidFill>
-            <a:srgbClr val="002B82"/>
-          </a:solidFill>
-          <a:ln w="28575">
-            <a:solidFill>
-              <a:srgbClr val="47A9FF"/>
-            </a:solidFill>
-          </a:ln>
-        </p:spPr>
-        <p:style>
-          <a:lnRef idx="2">
-            <a:schemeClr val="accent1">
-              <a:shade val="50000"/>
-            </a:schemeClr>
-          </a:lnRef>
-          <a:fillRef idx="1">
-            <a:schemeClr val="accent1"/>
-          </a:fillRef>
-          <a:effectRef idx="0">
-            <a:schemeClr val="accent1"/>
-          </a:effectRef>
-          <a:fontRef idx="minor">
-            <a:schemeClr val="lt1"/>
-          </a:fontRef>
-        </p:style>
-        <p:txBody>
-          <a:bodyPr rtlCol="0" anchor="ctr"/>
-          <a:lstStyle/>
-          <a:p>
-            <a:pPr algn="ctr"/>
-            <a:r>
-              <a:rPr lang="ru-RU" sz="1000" dirty="0" smtClean="0"/>
-              <a:t>Существует заказ?</a:t>
-            </a:r>
-            <a:endParaRPr lang="ru-RU" sz="1000" dirty="0"/>
-          </a:p>
-        </p:txBody>
-      </p:sp>
-      <p:sp>
-        <p:nvSpPr>
-          <p:cNvPr id="47" name="TextBox 46"/>
+          </a:p>
+        </p:txBody>
+      </p:sp>
+      <p:sp>
+        <p:nvSpPr>
+          <p:cNvPr id="48" name="TextBox 47"/>
           <p:cNvSpPr txBox="1"/>
           <p:nvPr/>
         </p:nvSpPr>
         <p:spPr>
           <a:xfrm>
-            <a:off x="5980552" y="4268938"/>
+            <a:off x="5793033" y="3326605"/>
             <a:ext cx="1242648" cy="276999"/>
           </a:xfrm>
           <a:prstGeom prst="rect">
@@ -30300,56 +29090,13 @@
           <a:lstStyle/>
           <a:p>
             <a:r>
-              <a:rPr lang="ru-RU" sz="1200" dirty="0" smtClean="0">
+              <a:rPr lang="ru-RU" sz="1200" dirty="0">
                 <a:solidFill>
                   <a:schemeClr val="bg1"/>
                 </a:solidFill>
               </a:rPr>
               <a:t>Вернуть ошибку</a:t>
             </a:r>
-            <a:endParaRPr lang="ru-RU" sz="1200" dirty="0">
-              <a:solidFill>
-                <a:schemeClr val="bg1"/>
-              </a:solidFill>
-            </a:endParaRPr>
-          </a:p>
-        </p:txBody>
-      </p:sp>
-      <p:sp>
-        <p:nvSpPr>
-          <p:cNvPr id="48" name="TextBox 47"/>
-          <p:cNvSpPr txBox="1"/>
-          <p:nvPr/>
-        </p:nvSpPr>
-        <p:spPr>
-          <a:xfrm>
-            <a:off x="5793033" y="3326605"/>
-            <a:ext cx="1242648" cy="276999"/>
-          </a:xfrm>
-          <a:prstGeom prst="rect">
-            <a:avLst/>
-          </a:prstGeom>
-          <a:noFill/>
-        </p:spPr>
-        <p:txBody>
-          <a:bodyPr wrap="none" rtlCol="0">
-            <a:spAutoFit/>
-          </a:bodyPr>
-          <a:lstStyle/>
-          <a:p>
-            <a:r>
-              <a:rPr lang="ru-RU" sz="1200" dirty="0" smtClean="0">
-                <a:solidFill>
-                  <a:schemeClr val="bg1"/>
-                </a:solidFill>
-              </a:rPr>
-              <a:t>Вернуть ошибку</a:t>
-            </a:r>
-            <a:endParaRPr lang="ru-RU" sz="1200" dirty="0">
-              <a:solidFill>
-                <a:schemeClr val="bg1"/>
-              </a:solidFill>
-            </a:endParaRPr>
           </a:p>
         </p:txBody>
       </p:sp>
@@ -30376,38 +29123,14 @@
           <a:lstStyle/>
           <a:p>
             <a:r>
-              <a:rPr lang="ru-RU" sz="1200" dirty="0" smtClean="0">
+              <a:rPr lang="ru-RU" sz="1200" dirty="0">
                 <a:solidFill>
                   <a:srgbClr val="002B82"/>
                 </a:solidFill>
                 <a:latin typeface="Bahnschrift" pitchFamily="34" charset="0"/>
               </a:rPr>
-              <a:t>Схема 4 – Схема работы метода </a:t>
-            </a:r>
-            <a:r>
-              <a:rPr lang="ru-RU" sz="1200" dirty="0">
-                <a:solidFill>
-                  <a:srgbClr val="002B82"/>
-                </a:solidFill>
-                <a:latin typeface="Bahnschrift" pitchFamily="34" charset="0"/>
-              </a:rPr>
-              <a:t>создания заказа </a:t>
-            </a:r>
-            <a:r>
-              <a:rPr lang="ru-RU" sz="1200" dirty="0" smtClean="0">
-                <a:solidFill>
-                  <a:srgbClr val="002B82"/>
-                </a:solidFill>
-                <a:latin typeface="Bahnschrift" pitchFamily="34" charset="0"/>
-              </a:rPr>
-              <a:t>проекта системы лояльности ООО «АИС Город»</a:t>
-            </a:r>
-            <a:endParaRPr lang="ru-RU" sz="1200" dirty="0">
-              <a:solidFill>
-                <a:srgbClr val="002B82"/>
-              </a:solidFill>
-              <a:latin typeface="Bahnschrift" pitchFamily="34" charset="0"/>
-            </a:endParaRPr>
+              <a:t>Схема 4 – Схема работы метода создания заказа проекта системы лояльности ООО «АИС Город»</a:t>
+            </a:r>
           </a:p>
         </p:txBody>
       </p:sp>
@@ -30433,13 +29156,6 @@
       </p:transition>
     </mc:Fallback>
   </mc:AlternateContent>
-  <p:timing>
-    <p:tnLst>
-      <p:par>
-        <p:cTn id="1" dur="indefinite" restart="never" nodeType="tmRoot"/>
-      </p:par>
-    </p:tnLst>
-  </p:timing>
 </p:sld>
 </file>
 
@@ -30732,7 +29448,7 @@
   <a:extraClrSchemeLst/>
   <a:extLst>
     <a:ext uri="{05A4C25C-085E-4340-85A3-A5531E510DB2}">
-      <thm15:themeFamily xmlns="" xmlns:thm15="http://schemas.microsoft.com/office/thememl/2012/main" name="Office Theme" id="{62F939B6-93AF-4DB8-9C6B-D6C7DFDC589F}" vid="{4A3C46E8-61CC-4603-A589-7422A47A8E4A}"/>
+      <thm15:themeFamily xmlns:thm15="http://schemas.microsoft.com/office/thememl/2012/main" name="Office Theme" id="{62F939B6-93AF-4DB8-9C6B-D6C7DFDC589F}" vid="{4A3C46E8-61CC-4603-A589-7422A47A8E4A}"/>
     </a:ext>
   </a:extLst>
 </a:theme>
@@ -31027,7 +29743,7 @@
   <a:extraClrSchemeLst/>
   <a:extLst>
     <a:ext uri="{05A4C25C-085E-4340-85A3-A5531E510DB2}">
-      <thm15:themeFamily xmlns="" xmlns:thm15="http://schemas.microsoft.com/office/thememl/2012/main" name="Office Theme" id="{62F939B6-93AF-4DB8-9C6B-D6C7DFDC589F}" vid="{4A3C46E8-61CC-4603-A589-7422A47A8E4A}"/>
+      <thm15:themeFamily xmlns:thm15="http://schemas.microsoft.com/office/thememl/2012/main" name="Office Theme" id="{62F939B6-93AF-4DB8-9C6B-D6C7DFDC589F}" vid="{4A3C46E8-61CC-4603-A589-7422A47A8E4A}"/>
     </a:ext>
   </a:extLst>
 </a:theme>

--- a/Иванова.pptx
+++ b/Иванова.pptx
@@ -121,7 +121,7 @@
   </p:defaultTextStyle>
   <p:extLst>
     <p:ext uri="{EFAFB233-063F-42B5-8137-9DF3F51BA10A}">
-      <p15:sldGuideLst xmlns="" xmlns:p15="http://schemas.microsoft.com/office/powerpoint/2012/main">
+      <p15:sldGuideLst xmlns:p15="http://schemas.microsoft.com/office/powerpoint/2012/main">
         <p15:guide id="1" orient="horz" pos="2160" userDrawn="1">
           <p15:clr>
             <a:srgbClr val="A4A3A4"/>
@@ -175,7 +175,7 @@
       </p15:sldGuideLst>
     </p:ext>
     <p:ext uri="{2D200454-40CA-4A62-9FC3-DE9A4176ACB9}">
-      <p15:notesGuideLst xmlns="" xmlns:p15="http://schemas.microsoft.com/office/powerpoint/2012/main"/>
+      <p15:notesGuideLst xmlns:p15="http://schemas.microsoft.com/office/powerpoint/2012/main"/>
     </p:ext>
   </p:extLst>
 </p:presentation>
@@ -186,7 +186,7 @@
   <p:cmAuthor id="1" name="Евгения" initials="Е" lastIdx="1" clrIdx="0">
     <p:extLst>
       <p:ext uri="{19B8F6BF-5375-455C-9EA6-DF929625EA0E}">
-        <p15:presenceInfo xmlns="" xmlns:p15="http://schemas.microsoft.com/office/powerpoint/2012/main" userId="Евгения" providerId="None"/>
+        <p15:presenceInfo xmlns:p15="http://schemas.microsoft.com/office/powerpoint/2012/main" userId="Евгения" providerId="None"/>
       </p:ext>
     </p:extLst>
   </p:cmAuthor>
@@ -564,7 +564,7 @@
           <p:cNvPr id="2" name="Заголовок 1">
             <a:extLst>
               <a:ext uri="{FF2B5EF4-FFF2-40B4-BE49-F238E27FC236}">
-                <a16:creationId xmlns="" xmlns:a16="http://schemas.microsoft.com/office/drawing/2014/main" id="{C8080226-4DB0-4517-8F32-05A5680E1D60}"/>
+                <a16:creationId xmlns:a16="http://schemas.microsoft.com/office/drawing/2014/main" id="{C8080226-4DB0-4517-8F32-05A5680E1D60}"/>
               </a:ext>
             </a:extLst>
           </p:cNvPr>
@@ -601,7 +601,7 @@
           <p:cNvPr id="3" name="Подзаголовок 2">
             <a:extLst>
               <a:ext uri="{FF2B5EF4-FFF2-40B4-BE49-F238E27FC236}">
-                <a16:creationId xmlns="" xmlns:a16="http://schemas.microsoft.com/office/drawing/2014/main" id="{4E6669A5-69B9-463F-8CDA-CAD3838CF7DB}"/>
+                <a16:creationId xmlns:a16="http://schemas.microsoft.com/office/drawing/2014/main" id="{4E6669A5-69B9-463F-8CDA-CAD3838CF7DB}"/>
               </a:ext>
             </a:extLst>
           </p:cNvPr>
@@ -671,7 +671,7 @@
           <p:cNvPr id="4" name="Дата 3">
             <a:extLst>
               <a:ext uri="{FF2B5EF4-FFF2-40B4-BE49-F238E27FC236}">
-                <a16:creationId xmlns="" xmlns:a16="http://schemas.microsoft.com/office/drawing/2014/main" id="{4BA8D57B-DAD4-4CDE-96D4-B23A72D6FE94}"/>
+                <a16:creationId xmlns:a16="http://schemas.microsoft.com/office/drawing/2014/main" id="{4BA8D57B-DAD4-4CDE-96D4-B23A72D6FE94}"/>
               </a:ext>
             </a:extLst>
           </p:cNvPr>
@@ -700,7 +700,7 @@
           <p:cNvPr id="5" name="Нижний колонтитул 4">
             <a:extLst>
               <a:ext uri="{FF2B5EF4-FFF2-40B4-BE49-F238E27FC236}">
-                <a16:creationId xmlns="" xmlns:a16="http://schemas.microsoft.com/office/drawing/2014/main" id="{A037300C-B7BE-4E45-B99C-1BAB80474207}"/>
+                <a16:creationId xmlns:a16="http://schemas.microsoft.com/office/drawing/2014/main" id="{A037300C-B7BE-4E45-B99C-1BAB80474207}"/>
               </a:ext>
             </a:extLst>
           </p:cNvPr>
@@ -725,7 +725,7 @@
           <p:cNvPr id="6" name="Номер слайда 5">
             <a:extLst>
               <a:ext uri="{FF2B5EF4-FFF2-40B4-BE49-F238E27FC236}">
-                <a16:creationId xmlns="" xmlns:a16="http://schemas.microsoft.com/office/drawing/2014/main" id="{4FA92332-AC56-4F2F-AE02-013B016660A2}"/>
+                <a16:creationId xmlns:a16="http://schemas.microsoft.com/office/drawing/2014/main" id="{4FA92332-AC56-4F2F-AE02-013B016660A2}"/>
               </a:ext>
             </a:extLst>
           </p:cNvPr>
@@ -796,7 +796,7 @@
           <p:cNvPr id="2" name="Заголовок 1">
             <a:extLst>
               <a:ext uri="{FF2B5EF4-FFF2-40B4-BE49-F238E27FC236}">
-                <a16:creationId xmlns="" xmlns:a16="http://schemas.microsoft.com/office/drawing/2014/main" id="{35DB2AC3-50F8-4877-9761-4690C6FA86CD}"/>
+                <a16:creationId xmlns:a16="http://schemas.microsoft.com/office/drawing/2014/main" id="{35DB2AC3-50F8-4877-9761-4690C6FA86CD}"/>
               </a:ext>
             </a:extLst>
           </p:cNvPr>
@@ -833,7 +833,7 @@
           <p:cNvPr id="3" name="Объект 2">
             <a:extLst>
               <a:ext uri="{FF2B5EF4-FFF2-40B4-BE49-F238E27FC236}">
-                <a16:creationId xmlns="" xmlns:a16="http://schemas.microsoft.com/office/drawing/2014/main" id="{4642AD1C-2B48-4EE0-81D2-680BAEB957EA}"/>
+                <a16:creationId xmlns:a16="http://schemas.microsoft.com/office/drawing/2014/main" id="{4642AD1C-2B48-4EE0-81D2-680BAEB957EA}"/>
               </a:ext>
             </a:extLst>
           </p:cNvPr>
@@ -923,7 +923,7 @@
           <p:cNvPr id="4" name="Текст 3">
             <a:extLst>
               <a:ext uri="{FF2B5EF4-FFF2-40B4-BE49-F238E27FC236}">
-                <a16:creationId xmlns="" xmlns:a16="http://schemas.microsoft.com/office/drawing/2014/main" id="{512D5BBB-55A6-4530-A97C-8E2EA0D2E830}"/>
+                <a16:creationId xmlns:a16="http://schemas.microsoft.com/office/drawing/2014/main" id="{512D5BBB-55A6-4530-A97C-8E2EA0D2E830}"/>
               </a:ext>
             </a:extLst>
           </p:cNvPr>
@@ -994,7 +994,7 @@
           <p:cNvPr id="5" name="Дата 4">
             <a:extLst>
               <a:ext uri="{FF2B5EF4-FFF2-40B4-BE49-F238E27FC236}">
-                <a16:creationId xmlns="" xmlns:a16="http://schemas.microsoft.com/office/drawing/2014/main" id="{4EC52DAF-7ADD-449A-8659-9F5388F7ACBC}"/>
+                <a16:creationId xmlns:a16="http://schemas.microsoft.com/office/drawing/2014/main" id="{4EC52DAF-7ADD-449A-8659-9F5388F7ACBC}"/>
               </a:ext>
             </a:extLst>
           </p:cNvPr>
@@ -1023,7 +1023,7 @@
           <p:cNvPr id="6" name="Нижний колонтитул 5">
             <a:extLst>
               <a:ext uri="{FF2B5EF4-FFF2-40B4-BE49-F238E27FC236}">
-                <a16:creationId xmlns="" xmlns:a16="http://schemas.microsoft.com/office/drawing/2014/main" id="{F58AD255-2DFD-4776-AEF0-D8BBAEE0DB3D}"/>
+                <a16:creationId xmlns:a16="http://schemas.microsoft.com/office/drawing/2014/main" id="{F58AD255-2DFD-4776-AEF0-D8BBAEE0DB3D}"/>
               </a:ext>
             </a:extLst>
           </p:cNvPr>
@@ -1048,7 +1048,7 @@
           <p:cNvPr id="7" name="Номер слайда 6">
             <a:extLst>
               <a:ext uri="{FF2B5EF4-FFF2-40B4-BE49-F238E27FC236}">
-                <a16:creationId xmlns="" xmlns:a16="http://schemas.microsoft.com/office/drawing/2014/main" id="{5019A434-61AD-42E0-85C2-AA4168B834E8}"/>
+                <a16:creationId xmlns:a16="http://schemas.microsoft.com/office/drawing/2014/main" id="{5019A434-61AD-42E0-85C2-AA4168B834E8}"/>
               </a:ext>
             </a:extLst>
           </p:cNvPr>
@@ -1119,7 +1119,7 @@
           <p:cNvPr id="2" name="Заголовок 1">
             <a:extLst>
               <a:ext uri="{FF2B5EF4-FFF2-40B4-BE49-F238E27FC236}">
-                <a16:creationId xmlns="" xmlns:a16="http://schemas.microsoft.com/office/drawing/2014/main" id="{AB814B22-A3FA-4BC5-9CCF-7A3F1FEE4081}"/>
+                <a16:creationId xmlns:a16="http://schemas.microsoft.com/office/drawing/2014/main" id="{AB814B22-A3FA-4BC5-9CCF-7A3F1FEE4081}"/>
               </a:ext>
             </a:extLst>
           </p:cNvPr>
@@ -1156,7 +1156,7 @@
           <p:cNvPr id="3" name="Рисунок 2">
             <a:extLst>
               <a:ext uri="{FF2B5EF4-FFF2-40B4-BE49-F238E27FC236}">
-                <a16:creationId xmlns="" xmlns:a16="http://schemas.microsoft.com/office/drawing/2014/main" id="{E6C24574-E644-4481-9BF6-16DEAEAD637E}"/>
+                <a16:creationId xmlns:a16="http://schemas.microsoft.com/office/drawing/2014/main" id="{E6C24574-E644-4481-9BF6-16DEAEAD637E}"/>
               </a:ext>
             </a:extLst>
           </p:cNvPr>
@@ -1223,7 +1223,7 @@
           <p:cNvPr id="4" name="Текст 3">
             <a:extLst>
               <a:ext uri="{FF2B5EF4-FFF2-40B4-BE49-F238E27FC236}">
-                <a16:creationId xmlns="" xmlns:a16="http://schemas.microsoft.com/office/drawing/2014/main" id="{15CDB79F-4B12-4133-9809-5752BEC36E84}"/>
+                <a16:creationId xmlns:a16="http://schemas.microsoft.com/office/drawing/2014/main" id="{15CDB79F-4B12-4133-9809-5752BEC36E84}"/>
               </a:ext>
             </a:extLst>
           </p:cNvPr>
@@ -1294,7 +1294,7 @@
           <p:cNvPr id="5" name="Дата 4">
             <a:extLst>
               <a:ext uri="{FF2B5EF4-FFF2-40B4-BE49-F238E27FC236}">
-                <a16:creationId xmlns="" xmlns:a16="http://schemas.microsoft.com/office/drawing/2014/main" id="{56E66232-513C-4645-A840-C07466412BE9}"/>
+                <a16:creationId xmlns:a16="http://schemas.microsoft.com/office/drawing/2014/main" id="{56E66232-513C-4645-A840-C07466412BE9}"/>
               </a:ext>
             </a:extLst>
           </p:cNvPr>
@@ -1323,7 +1323,7 @@
           <p:cNvPr id="6" name="Нижний колонтитул 5">
             <a:extLst>
               <a:ext uri="{FF2B5EF4-FFF2-40B4-BE49-F238E27FC236}">
-                <a16:creationId xmlns="" xmlns:a16="http://schemas.microsoft.com/office/drawing/2014/main" id="{1673FFE2-6C35-4425-A51B-DCEB93B96FAD}"/>
+                <a16:creationId xmlns:a16="http://schemas.microsoft.com/office/drawing/2014/main" id="{1673FFE2-6C35-4425-A51B-DCEB93B96FAD}"/>
               </a:ext>
             </a:extLst>
           </p:cNvPr>
@@ -1348,7 +1348,7 @@
           <p:cNvPr id="7" name="Номер слайда 6">
             <a:extLst>
               <a:ext uri="{FF2B5EF4-FFF2-40B4-BE49-F238E27FC236}">
-                <a16:creationId xmlns="" xmlns:a16="http://schemas.microsoft.com/office/drawing/2014/main" id="{B18C6F80-5C8D-48EB-88A2-B49132E00C78}"/>
+                <a16:creationId xmlns:a16="http://schemas.microsoft.com/office/drawing/2014/main" id="{B18C6F80-5C8D-48EB-88A2-B49132E00C78}"/>
               </a:ext>
             </a:extLst>
           </p:cNvPr>
@@ -1419,7 +1419,7 @@
           <p:cNvPr id="2" name="Заголовок 1">
             <a:extLst>
               <a:ext uri="{FF2B5EF4-FFF2-40B4-BE49-F238E27FC236}">
-                <a16:creationId xmlns="" xmlns:a16="http://schemas.microsoft.com/office/drawing/2014/main" id="{DB8B75DB-AAD4-4024-9938-3848AC62257C}"/>
+                <a16:creationId xmlns:a16="http://schemas.microsoft.com/office/drawing/2014/main" id="{DB8B75DB-AAD4-4024-9938-3848AC62257C}"/>
               </a:ext>
             </a:extLst>
           </p:cNvPr>
@@ -1447,7 +1447,7 @@
           <p:cNvPr id="3" name="Вертикальный текст 2">
             <a:extLst>
               <a:ext uri="{FF2B5EF4-FFF2-40B4-BE49-F238E27FC236}">
-                <a16:creationId xmlns="" xmlns:a16="http://schemas.microsoft.com/office/drawing/2014/main" id="{E44512D5-7101-4345-A5F1-5ED5F87F019C}"/>
+                <a16:creationId xmlns:a16="http://schemas.microsoft.com/office/drawing/2014/main" id="{E44512D5-7101-4345-A5F1-5ED5F87F019C}"/>
               </a:ext>
             </a:extLst>
           </p:cNvPr>
@@ -1504,7 +1504,7 @@
           <p:cNvPr id="4" name="Дата 3">
             <a:extLst>
               <a:ext uri="{FF2B5EF4-FFF2-40B4-BE49-F238E27FC236}">
-                <a16:creationId xmlns="" xmlns:a16="http://schemas.microsoft.com/office/drawing/2014/main" id="{8A1EDD17-4B56-41D9-9CFF-7783E75604F4}"/>
+                <a16:creationId xmlns:a16="http://schemas.microsoft.com/office/drawing/2014/main" id="{8A1EDD17-4B56-41D9-9CFF-7783E75604F4}"/>
               </a:ext>
             </a:extLst>
           </p:cNvPr>
@@ -1533,7 +1533,7 @@
           <p:cNvPr id="5" name="Нижний колонтитул 4">
             <a:extLst>
               <a:ext uri="{FF2B5EF4-FFF2-40B4-BE49-F238E27FC236}">
-                <a16:creationId xmlns="" xmlns:a16="http://schemas.microsoft.com/office/drawing/2014/main" id="{D049CD1D-02D4-4A05-A798-D9A9634C0924}"/>
+                <a16:creationId xmlns:a16="http://schemas.microsoft.com/office/drawing/2014/main" id="{D049CD1D-02D4-4A05-A798-D9A9634C0924}"/>
               </a:ext>
             </a:extLst>
           </p:cNvPr>
@@ -1558,7 +1558,7 @@
           <p:cNvPr id="6" name="Номер слайда 5">
             <a:extLst>
               <a:ext uri="{FF2B5EF4-FFF2-40B4-BE49-F238E27FC236}">
-                <a16:creationId xmlns="" xmlns:a16="http://schemas.microsoft.com/office/drawing/2014/main" id="{203F0B95-9A63-47FC-8D7B-007D815439FD}"/>
+                <a16:creationId xmlns:a16="http://schemas.microsoft.com/office/drawing/2014/main" id="{203F0B95-9A63-47FC-8D7B-007D815439FD}"/>
               </a:ext>
             </a:extLst>
           </p:cNvPr>
@@ -1629,7 +1629,7 @@
           <p:cNvPr id="2" name="Вертикальный заголовок 1">
             <a:extLst>
               <a:ext uri="{FF2B5EF4-FFF2-40B4-BE49-F238E27FC236}">
-                <a16:creationId xmlns="" xmlns:a16="http://schemas.microsoft.com/office/drawing/2014/main" id="{D859F4FA-AF46-4528-8389-8CD4794B8C66}"/>
+                <a16:creationId xmlns:a16="http://schemas.microsoft.com/office/drawing/2014/main" id="{D859F4FA-AF46-4528-8389-8CD4794B8C66}"/>
               </a:ext>
             </a:extLst>
           </p:cNvPr>
@@ -1662,7 +1662,7 @@
           <p:cNvPr id="3" name="Вертикальный текст 2">
             <a:extLst>
               <a:ext uri="{FF2B5EF4-FFF2-40B4-BE49-F238E27FC236}">
-                <a16:creationId xmlns="" xmlns:a16="http://schemas.microsoft.com/office/drawing/2014/main" id="{59825218-8ABD-4D91-9A1E-C2AFE0F85B46}"/>
+                <a16:creationId xmlns:a16="http://schemas.microsoft.com/office/drawing/2014/main" id="{59825218-8ABD-4D91-9A1E-C2AFE0F85B46}"/>
               </a:ext>
             </a:extLst>
           </p:cNvPr>
@@ -1724,7 +1724,7 @@
           <p:cNvPr id="4" name="Дата 3">
             <a:extLst>
               <a:ext uri="{FF2B5EF4-FFF2-40B4-BE49-F238E27FC236}">
-                <a16:creationId xmlns="" xmlns:a16="http://schemas.microsoft.com/office/drawing/2014/main" id="{E8023D65-C371-4EC1-80E4-837717A56ECB}"/>
+                <a16:creationId xmlns:a16="http://schemas.microsoft.com/office/drawing/2014/main" id="{E8023D65-C371-4EC1-80E4-837717A56ECB}"/>
               </a:ext>
             </a:extLst>
           </p:cNvPr>
@@ -1753,7 +1753,7 @@
           <p:cNvPr id="5" name="Нижний колонтитул 4">
             <a:extLst>
               <a:ext uri="{FF2B5EF4-FFF2-40B4-BE49-F238E27FC236}">
-                <a16:creationId xmlns="" xmlns:a16="http://schemas.microsoft.com/office/drawing/2014/main" id="{8EAA5872-BEF2-4C4F-9378-86297D5478EE}"/>
+                <a16:creationId xmlns:a16="http://schemas.microsoft.com/office/drawing/2014/main" id="{8EAA5872-BEF2-4C4F-9378-86297D5478EE}"/>
               </a:ext>
             </a:extLst>
           </p:cNvPr>
@@ -1778,7 +1778,7 @@
           <p:cNvPr id="6" name="Номер слайда 5">
             <a:extLst>
               <a:ext uri="{FF2B5EF4-FFF2-40B4-BE49-F238E27FC236}">
-                <a16:creationId xmlns="" xmlns:a16="http://schemas.microsoft.com/office/drawing/2014/main" id="{DC215631-8925-41F0-8D38-63A3B85E8CF0}"/>
+                <a16:creationId xmlns:a16="http://schemas.microsoft.com/office/drawing/2014/main" id="{DC215631-8925-41F0-8D38-63A3B85E8CF0}"/>
               </a:ext>
             </a:extLst>
           </p:cNvPr>
@@ -1849,7 +1849,7 @@
           <p:cNvPr id="5" name="Номер слайда 4">
             <a:extLst>
               <a:ext uri="{FF2B5EF4-FFF2-40B4-BE49-F238E27FC236}">
-                <a16:creationId xmlns="" xmlns:a16="http://schemas.microsoft.com/office/drawing/2014/main" id="{614EB6CA-57A2-4B17-8FCE-8330B4EA9829}"/>
+                <a16:creationId xmlns:a16="http://schemas.microsoft.com/office/drawing/2014/main" id="{614EB6CA-57A2-4B17-8FCE-8330B4EA9829}"/>
               </a:ext>
             </a:extLst>
           </p:cNvPr>
@@ -1878,7 +1878,7 @@
           <p:cNvPr id="11" name="Рисунок 10">
             <a:extLst>
               <a:ext uri="{FF2B5EF4-FFF2-40B4-BE49-F238E27FC236}">
-                <a16:creationId xmlns="" xmlns:a16="http://schemas.microsoft.com/office/drawing/2014/main" id="{7B3D99E0-53A4-47C7-B62E-870D1595CC71}"/>
+                <a16:creationId xmlns:a16="http://schemas.microsoft.com/office/drawing/2014/main" id="{7B3D99E0-53A4-47C7-B62E-870D1595CC71}"/>
               </a:ext>
             </a:extLst>
           </p:cNvPr>
@@ -1914,7 +1914,7 @@
           <p:cNvPr id="13" name="Рисунок 12">
             <a:extLst>
               <a:ext uri="{FF2B5EF4-FFF2-40B4-BE49-F238E27FC236}">
-                <a16:creationId xmlns="" xmlns:a16="http://schemas.microsoft.com/office/drawing/2014/main" id="{8C26C231-FA23-4282-9DF5-24517065350B}"/>
+                <a16:creationId xmlns:a16="http://schemas.microsoft.com/office/drawing/2014/main" id="{8C26C231-FA23-4282-9DF5-24517065350B}"/>
               </a:ext>
             </a:extLst>
           </p:cNvPr>
@@ -1963,7 +1963,7 @@
   </mc:AlternateContent>
   <p:extLst>
     <p:ext uri="{DCECCB84-F9BA-43D5-87BE-67443E8EF086}">
-      <p15:sldGuideLst xmlns="" xmlns:p15="http://schemas.microsoft.com/office/powerpoint/2012/main">
+      <p15:sldGuideLst xmlns:p15="http://schemas.microsoft.com/office/powerpoint/2012/main">
         <p15:guide id="1" orient="horz" pos="2160" userDrawn="1">
           <p15:clr>
             <a:srgbClr val="FBAE40"/>
@@ -2012,7 +2012,7 @@
           <p:cNvPr id="7" name="Рисунок 6">
             <a:extLst>
               <a:ext uri="{FF2B5EF4-FFF2-40B4-BE49-F238E27FC236}">
-                <a16:creationId xmlns="" xmlns:a16="http://schemas.microsoft.com/office/drawing/2014/main" id="{3A9800C3-D834-4903-B707-AD4150FCDBA8}"/>
+                <a16:creationId xmlns:a16="http://schemas.microsoft.com/office/drawing/2014/main" id="{3A9800C3-D834-4903-B707-AD4150FCDBA8}"/>
               </a:ext>
             </a:extLst>
           </p:cNvPr>
@@ -2062,7 +2062,7 @@
           <p:cNvPr id="8" name="Рисунок 6">
             <a:extLst>
               <a:ext uri="{FF2B5EF4-FFF2-40B4-BE49-F238E27FC236}">
-                <a16:creationId xmlns="" xmlns:a16="http://schemas.microsoft.com/office/drawing/2014/main" id="{AF555082-799C-4823-AE79-FBBEA03A4DE8}"/>
+                <a16:creationId xmlns:a16="http://schemas.microsoft.com/office/drawing/2014/main" id="{AF555082-799C-4823-AE79-FBBEA03A4DE8}"/>
               </a:ext>
             </a:extLst>
           </p:cNvPr>
@@ -2112,7 +2112,7 @@
           <p:cNvPr id="9" name="Рисунок 6">
             <a:extLst>
               <a:ext uri="{FF2B5EF4-FFF2-40B4-BE49-F238E27FC236}">
-                <a16:creationId xmlns="" xmlns:a16="http://schemas.microsoft.com/office/drawing/2014/main" id="{A193D461-88D6-4E8D-A91D-AC79EEB2A3CE}"/>
+                <a16:creationId xmlns:a16="http://schemas.microsoft.com/office/drawing/2014/main" id="{A193D461-88D6-4E8D-A91D-AC79EEB2A3CE}"/>
               </a:ext>
             </a:extLst>
           </p:cNvPr>
@@ -2162,7 +2162,7 @@
           <p:cNvPr id="10" name="Рисунок 6">
             <a:extLst>
               <a:ext uri="{FF2B5EF4-FFF2-40B4-BE49-F238E27FC236}">
-                <a16:creationId xmlns="" xmlns:a16="http://schemas.microsoft.com/office/drawing/2014/main" id="{61DD5022-27B9-481C-9E9B-B35014E073FA}"/>
+                <a16:creationId xmlns:a16="http://schemas.microsoft.com/office/drawing/2014/main" id="{61DD5022-27B9-481C-9E9B-B35014E073FA}"/>
               </a:ext>
             </a:extLst>
           </p:cNvPr>
@@ -2212,7 +2212,7 @@
           <p:cNvPr id="11" name="Рисунок 6">
             <a:extLst>
               <a:ext uri="{FF2B5EF4-FFF2-40B4-BE49-F238E27FC236}">
-                <a16:creationId xmlns="" xmlns:a16="http://schemas.microsoft.com/office/drawing/2014/main" id="{C05C0981-1E88-49DB-A936-85974EDBD93C}"/>
+                <a16:creationId xmlns:a16="http://schemas.microsoft.com/office/drawing/2014/main" id="{C05C0981-1E88-49DB-A936-85974EDBD93C}"/>
               </a:ext>
             </a:extLst>
           </p:cNvPr>
@@ -2262,7 +2262,7 @@
           <p:cNvPr id="12" name="Рисунок 6">
             <a:extLst>
               <a:ext uri="{FF2B5EF4-FFF2-40B4-BE49-F238E27FC236}">
-                <a16:creationId xmlns="" xmlns:a16="http://schemas.microsoft.com/office/drawing/2014/main" id="{B5B5B3CE-FBDA-4C11-96AA-76F6B8D0B661}"/>
+                <a16:creationId xmlns:a16="http://schemas.microsoft.com/office/drawing/2014/main" id="{B5B5B3CE-FBDA-4C11-96AA-76F6B8D0B661}"/>
               </a:ext>
             </a:extLst>
           </p:cNvPr>
@@ -2312,7 +2312,7 @@
           <p:cNvPr id="13" name="Рисунок 6">
             <a:extLst>
               <a:ext uri="{FF2B5EF4-FFF2-40B4-BE49-F238E27FC236}">
-                <a16:creationId xmlns="" xmlns:a16="http://schemas.microsoft.com/office/drawing/2014/main" id="{F0CF6B2B-48A8-43AD-944E-1F969C6F9473}"/>
+                <a16:creationId xmlns:a16="http://schemas.microsoft.com/office/drawing/2014/main" id="{F0CF6B2B-48A8-43AD-944E-1F969C6F9473}"/>
               </a:ext>
             </a:extLst>
           </p:cNvPr>
@@ -2362,7 +2362,7 @@
           <p:cNvPr id="14" name="Рисунок 6">
             <a:extLst>
               <a:ext uri="{FF2B5EF4-FFF2-40B4-BE49-F238E27FC236}">
-                <a16:creationId xmlns="" xmlns:a16="http://schemas.microsoft.com/office/drawing/2014/main" id="{ADE8E75D-202B-4C70-BFA4-988B02B5CE99}"/>
+                <a16:creationId xmlns:a16="http://schemas.microsoft.com/office/drawing/2014/main" id="{ADE8E75D-202B-4C70-BFA4-988B02B5CE99}"/>
               </a:ext>
             </a:extLst>
           </p:cNvPr>
@@ -2412,7 +2412,7 @@
           <p:cNvPr id="15" name="Рисунок 6">
             <a:extLst>
               <a:ext uri="{FF2B5EF4-FFF2-40B4-BE49-F238E27FC236}">
-                <a16:creationId xmlns="" xmlns:a16="http://schemas.microsoft.com/office/drawing/2014/main" id="{231D67C5-E9C4-4369-A360-8980AA1C247A}"/>
+                <a16:creationId xmlns:a16="http://schemas.microsoft.com/office/drawing/2014/main" id="{231D67C5-E9C4-4369-A360-8980AA1C247A}"/>
               </a:ext>
             </a:extLst>
           </p:cNvPr>
@@ -2504,7 +2504,7 @@
           <p:cNvPr id="2" name="Заголовок 1">
             <a:extLst>
               <a:ext uri="{FF2B5EF4-FFF2-40B4-BE49-F238E27FC236}">
-                <a16:creationId xmlns="" xmlns:a16="http://schemas.microsoft.com/office/drawing/2014/main" id="{A1AEA92F-839C-496F-8FC1-5E287D8A21DE}"/>
+                <a16:creationId xmlns:a16="http://schemas.microsoft.com/office/drawing/2014/main" id="{A1AEA92F-839C-496F-8FC1-5E287D8A21DE}"/>
               </a:ext>
             </a:extLst>
           </p:cNvPr>
@@ -2532,7 +2532,7 @@
           <p:cNvPr id="3" name="Объект 2">
             <a:extLst>
               <a:ext uri="{FF2B5EF4-FFF2-40B4-BE49-F238E27FC236}">
-                <a16:creationId xmlns="" xmlns:a16="http://schemas.microsoft.com/office/drawing/2014/main" id="{05811FB0-3900-4228-9879-BD973634C289}"/>
+                <a16:creationId xmlns:a16="http://schemas.microsoft.com/office/drawing/2014/main" id="{05811FB0-3900-4228-9879-BD973634C289}"/>
               </a:ext>
             </a:extLst>
           </p:cNvPr>
@@ -2589,7 +2589,7 @@
           <p:cNvPr id="4" name="Дата 3">
             <a:extLst>
               <a:ext uri="{FF2B5EF4-FFF2-40B4-BE49-F238E27FC236}">
-                <a16:creationId xmlns="" xmlns:a16="http://schemas.microsoft.com/office/drawing/2014/main" id="{DF40E661-06C7-4BAB-A816-E7D6FFF8590E}"/>
+                <a16:creationId xmlns:a16="http://schemas.microsoft.com/office/drawing/2014/main" id="{DF40E661-06C7-4BAB-A816-E7D6FFF8590E}"/>
               </a:ext>
             </a:extLst>
           </p:cNvPr>
@@ -2618,7 +2618,7 @@
           <p:cNvPr id="5" name="Нижний колонтитул 4">
             <a:extLst>
               <a:ext uri="{FF2B5EF4-FFF2-40B4-BE49-F238E27FC236}">
-                <a16:creationId xmlns="" xmlns:a16="http://schemas.microsoft.com/office/drawing/2014/main" id="{E9784D37-EE4E-4890-A77C-7B0DE6B5908B}"/>
+                <a16:creationId xmlns:a16="http://schemas.microsoft.com/office/drawing/2014/main" id="{E9784D37-EE4E-4890-A77C-7B0DE6B5908B}"/>
               </a:ext>
             </a:extLst>
           </p:cNvPr>
@@ -2643,7 +2643,7 @@
           <p:cNvPr id="6" name="Номер слайда 5">
             <a:extLst>
               <a:ext uri="{FF2B5EF4-FFF2-40B4-BE49-F238E27FC236}">
-                <a16:creationId xmlns="" xmlns:a16="http://schemas.microsoft.com/office/drawing/2014/main" id="{46946C92-E612-4D72-B219-2DE77697CFDF}"/>
+                <a16:creationId xmlns:a16="http://schemas.microsoft.com/office/drawing/2014/main" id="{46946C92-E612-4D72-B219-2DE77697CFDF}"/>
               </a:ext>
             </a:extLst>
           </p:cNvPr>
@@ -2714,7 +2714,7 @@
           <p:cNvPr id="2" name="Заголовок 1">
             <a:extLst>
               <a:ext uri="{FF2B5EF4-FFF2-40B4-BE49-F238E27FC236}">
-                <a16:creationId xmlns="" xmlns:a16="http://schemas.microsoft.com/office/drawing/2014/main" id="{90FECFF7-8A53-4108-BC41-B61D77B490B1}"/>
+                <a16:creationId xmlns:a16="http://schemas.microsoft.com/office/drawing/2014/main" id="{90FECFF7-8A53-4108-BC41-B61D77B490B1}"/>
               </a:ext>
             </a:extLst>
           </p:cNvPr>
@@ -2751,7 +2751,7 @@
           <p:cNvPr id="3" name="Текст 2">
             <a:extLst>
               <a:ext uri="{FF2B5EF4-FFF2-40B4-BE49-F238E27FC236}">
-                <a16:creationId xmlns="" xmlns:a16="http://schemas.microsoft.com/office/drawing/2014/main" id="{B8B0AFBF-6D63-4079-93AA-8C079001F15E}"/>
+                <a16:creationId xmlns:a16="http://schemas.microsoft.com/office/drawing/2014/main" id="{B8B0AFBF-6D63-4079-93AA-8C079001F15E}"/>
               </a:ext>
             </a:extLst>
           </p:cNvPr>
@@ -2876,7 +2876,7 @@
           <p:cNvPr id="4" name="Дата 3">
             <a:extLst>
               <a:ext uri="{FF2B5EF4-FFF2-40B4-BE49-F238E27FC236}">
-                <a16:creationId xmlns="" xmlns:a16="http://schemas.microsoft.com/office/drawing/2014/main" id="{82A39957-ED82-451F-8D8B-2DD52B7DE42A}"/>
+                <a16:creationId xmlns:a16="http://schemas.microsoft.com/office/drawing/2014/main" id="{82A39957-ED82-451F-8D8B-2DD52B7DE42A}"/>
               </a:ext>
             </a:extLst>
           </p:cNvPr>
@@ -2905,7 +2905,7 @@
           <p:cNvPr id="5" name="Нижний колонтитул 4">
             <a:extLst>
               <a:ext uri="{FF2B5EF4-FFF2-40B4-BE49-F238E27FC236}">
-                <a16:creationId xmlns="" xmlns:a16="http://schemas.microsoft.com/office/drawing/2014/main" id="{04EB4C03-7D3D-4F61-A805-06681A200578}"/>
+                <a16:creationId xmlns:a16="http://schemas.microsoft.com/office/drawing/2014/main" id="{04EB4C03-7D3D-4F61-A805-06681A200578}"/>
               </a:ext>
             </a:extLst>
           </p:cNvPr>
@@ -2930,7 +2930,7 @@
           <p:cNvPr id="6" name="Номер слайда 5">
             <a:extLst>
               <a:ext uri="{FF2B5EF4-FFF2-40B4-BE49-F238E27FC236}">
-                <a16:creationId xmlns="" xmlns:a16="http://schemas.microsoft.com/office/drawing/2014/main" id="{C768170C-7A01-4DE8-BF99-58C767EDFA26}"/>
+                <a16:creationId xmlns:a16="http://schemas.microsoft.com/office/drawing/2014/main" id="{C768170C-7A01-4DE8-BF99-58C767EDFA26}"/>
               </a:ext>
             </a:extLst>
           </p:cNvPr>
@@ -3001,7 +3001,7 @@
           <p:cNvPr id="2" name="Заголовок 1">
             <a:extLst>
               <a:ext uri="{FF2B5EF4-FFF2-40B4-BE49-F238E27FC236}">
-                <a16:creationId xmlns="" xmlns:a16="http://schemas.microsoft.com/office/drawing/2014/main" id="{074B9D22-1441-4B0B-8FC6-97FCF22E2AB4}"/>
+                <a16:creationId xmlns:a16="http://schemas.microsoft.com/office/drawing/2014/main" id="{074B9D22-1441-4B0B-8FC6-97FCF22E2AB4}"/>
               </a:ext>
             </a:extLst>
           </p:cNvPr>
@@ -3029,7 +3029,7 @@
           <p:cNvPr id="3" name="Объект 2">
             <a:extLst>
               <a:ext uri="{FF2B5EF4-FFF2-40B4-BE49-F238E27FC236}">
-                <a16:creationId xmlns="" xmlns:a16="http://schemas.microsoft.com/office/drawing/2014/main" id="{C5B8BC88-B05D-428A-A7C3-7C7151D64CE5}"/>
+                <a16:creationId xmlns:a16="http://schemas.microsoft.com/office/drawing/2014/main" id="{C5B8BC88-B05D-428A-A7C3-7C7151D64CE5}"/>
               </a:ext>
             </a:extLst>
           </p:cNvPr>
@@ -3091,7 +3091,7 @@
           <p:cNvPr id="4" name="Объект 3">
             <a:extLst>
               <a:ext uri="{FF2B5EF4-FFF2-40B4-BE49-F238E27FC236}">
-                <a16:creationId xmlns="" xmlns:a16="http://schemas.microsoft.com/office/drawing/2014/main" id="{782459F2-2961-4F40-8DA0-9589D2AE72AF}"/>
+                <a16:creationId xmlns:a16="http://schemas.microsoft.com/office/drawing/2014/main" id="{782459F2-2961-4F40-8DA0-9589D2AE72AF}"/>
               </a:ext>
             </a:extLst>
           </p:cNvPr>
@@ -3153,7 +3153,7 @@
           <p:cNvPr id="5" name="Дата 4">
             <a:extLst>
               <a:ext uri="{FF2B5EF4-FFF2-40B4-BE49-F238E27FC236}">
-                <a16:creationId xmlns="" xmlns:a16="http://schemas.microsoft.com/office/drawing/2014/main" id="{8FCC808B-7B2F-4978-BC84-226706F70389}"/>
+                <a16:creationId xmlns:a16="http://schemas.microsoft.com/office/drawing/2014/main" id="{8FCC808B-7B2F-4978-BC84-226706F70389}"/>
               </a:ext>
             </a:extLst>
           </p:cNvPr>
@@ -3182,7 +3182,7 @@
           <p:cNvPr id="6" name="Нижний колонтитул 5">
             <a:extLst>
               <a:ext uri="{FF2B5EF4-FFF2-40B4-BE49-F238E27FC236}">
-                <a16:creationId xmlns="" xmlns:a16="http://schemas.microsoft.com/office/drawing/2014/main" id="{AAEC5CE7-5DB9-4CFF-A82C-C1DF1A060C22}"/>
+                <a16:creationId xmlns:a16="http://schemas.microsoft.com/office/drawing/2014/main" id="{AAEC5CE7-5DB9-4CFF-A82C-C1DF1A060C22}"/>
               </a:ext>
             </a:extLst>
           </p:cNvPr>
@@ -3207,7 +3207,7 @@
           <p:cNvPr id="7" name="Номер слайда 6">
             <a:extLst>
               <a:ext uri="{FF2B5EF4-FFF2-40B4-BE49-F238E27FC236}">
-                <a16:creationId xmlns="" xmlns:a16="http://schemas.microsoft.com/office/drawing/2014/main" id="{85FC99DE-5F9E-4A93-AAD9-AB394579E691}"/>
+                <a16:creationId xmlns:a16="http://schemas.microsoft.com/office/drawing/2014/main" id="{85FC99DE-5F9E-4A93-AAD9-AB394579E691}"/>
               </a:ext>
             </a:extLst>
           </p:cNvPr>
@@ -3278,7 +3278,7 @@
           <p:cNvPr id="2" name="Заголовок 1">
             <a:extLst>
               <a:ext uri="{FF2B5EF4-FFF2-40B4-BE49-F238E27FC236}">
-                <a16:creationId xmlns="" xmlns:a16="http://schemas.microsoft.com/office/drawing/2014/main" id="{C8BCEA6B-3E00-43CF-823D-9C46ECC10AD5}"/>
+                <a16:creationId xmlns:a16="http://schemas.microsoft.com/office/drawing/2014/main" id="{C8BCEA6B-3E00-43CF-823D-9C46ECC10AD5}"/>
               </a:ext>
             </a:extLst>
           </p:cNvPr>
@@ -3311,7 +3311,7 @@
           <p:cNvPr id="3" name="Текст 2">
             <a:extLst>
               <a:ext uri="{FF2B5EF4-FFF2-40B4-BE49-F238E27FC236}">
-                <a16:creationId xmlns="" xmlns:a16="http://schemas.microsoft.com/office/drawing/2014/main" id="{0FF08317-0D3B-465F-BD39-46A42D6DCAF5}"/>
+                <a16:creationId xmlns:a16="http://schemas.microsoft.com/office/drawing/2014/main" id="{0FF08317-0D3B-465F-BD39-46A42D6DCAF5}"/>
               </a:ext>
             </a:extLst>
           </p:cNvPr>
@@ -3382,7 +3382,7 @@
           <p:cNvPr id="4" name="Объект 3">
             <a:extLst>
               <a:ext uri="{FF2B5EF4-FFF2-40B4-BE49-F238E27FC236}">
-                <a16:creationId xmlns="" xmlns:a16="http://schemas.microsoft.com/office/drawing/2014/main" id="{A372B717-6D01-47E3-901B-CBA12010E9C1}"/>
+                <a16:creationId xmlns:a16="http://schemas.microsoft.com/office/drawing/2014/main" id="{A372B717-6D01-47E3-901B-CBA12010E9C1}"/>
               </a:ext>
             </a:extLst>
           </p:cNvPr>
@@ -3444,7 +3444,7 @@
           <p:cNvPr id="5" name="Текст 4">
             <a:extLst>
               <a:ext uri="{FF2B5EF4-FFF2-40B4-BE49-F238E27FC236}">
-                <a16:creationId xmlns="" xmlns:a16="http://schemas.microsoft.com/office/drawing/2014/main" id="{22E3E500-8648-41DB-A3F6-EB0F2D033AD4}"/>
+                <a16:creationId xmlns:a16="http://schemas.microsoft.com/office/drawing/2014/main" id="{22E3E500-8648-41DB-A3F6-EB0F2D033AD4}"/>
               </a:ext>
             </a:extLst>
           </p:cNvPr>
@@ -3515,7 +3515,7 @@
           <p:cNvPr id="6" name="Объект 5">
             <a:extLst>
               <a:ext uri="{FF2B5EF4-FFF2-40B4-BE49-F238E27FC236}">
-                <a16:creationId xmlns="" xmlns:a16="http://schemas.microsoft.com/office/drawing/2014/main" id="{8E48B21D-BC4A-404D-A95E-923599C400BF}"/>
+                <a16:creationId xmlns:a16="http://schemas.microsoft.com/office/drawing/2014/main" id="{8E48B21D-BC4A-404D-A95E-923599C400BF}"/>
               </a:ext>
             </a:extLst>
           </p:cNvPr>
@@ -3577,7 +3577,7 @@
           <p:cNvPr id="7" name="Дата 6">
             <a:extLst>
               <a:ext uri="{FF2B5EF4-FFF2-40B4-BE49-F238E27FC236}">
-                <a16:creationId xmlns="" xmlns:a16="http://schemas.microsoft.com/office/drawing/2014/main" id="{799F8618-3149-4088-835F-BE6C7C887D51}"/>
+                <a16:creationId xmlns:a16="http://schemas.microsoft.com/office/drawing/2014/main" id="{799F8618-3149-4088-835F-BE6C7C887D51}"/>
               </a:ext>
             </a:extLst>
           </p:cNvPr>
@@ -3606,7 +3606,7 @@
           <p:cNvPr id="8" name="Нижний колонтитул 7">
             <a:extLst>
               <a:ext uri="{FF2B5EF4-FFF2-40B4-BE49-F238E27FC236}">
-                <a16:creationId xmlns="" xmlns:a16="http://schemas.microsoft.com/office/drawing/2014/main" id="{73CEF1EA-1AB5-4F33-9E0F-2016BBA86450}"/>
+                <a16:creationId xmlns:a16="http://schemas.microsoft.com/office/drawing/2014/main" id="{73CEF1EA-1AB5-4F33-9E0F-2016BBA86450}"/>
               </a:ext>
             </a:extLst>
           </p:cNvPr>
@@ -3631,7 +3631,7 @@
           <p:cNvPr id="9" name="Номер слайда 8">
             <a:extLst>
               <a:ext uri="{FF2B5EF4-FFF2-40B4-BE49-F238E27FC236}">
-                <a16:creationId xmlns="" xmlns:a16="http://schemas.microsoft.com/office/drawing/2014/main" id="{13F9A4EA-933B-44D9-B245-33F44EE679AB}"/>
+                <a16:creationId xmlns:a16="http://schemas.microsoft.com/office/drawing/2014/main" id="{13F9A4EA-933B-44D9-B245-33F44EE679AB}"/>
               </a:ext>
             </a:extLst>
           </p:cNvPr>
@@ -3702,7 +3702,7 @@
           <p:cNvPr id="2" name="Заголовок 1">
             <a:extLst>
               <a:ext uri="{FF2B5EF4-FFF2-40B4-BE49-F238E27FC236}">
-                <a16:creationId xmlns="" xmlns:a16="http://schemas.microsoft.com/office/drawing/2014/main" id="{7CDE5BAD-1AE7-4034-9BD5-58A47AF2137B}"/>
+                <a16:creationId xmlns:a16="http://schemas.microsoft.com/office/drawing/2014/main" id="{7CDE5BAD-1AE7-4034-9BD5-58A47AF2137B}"/>
               </a:ext>
             </a:extLst>
           </p:cNvPr>
@@ -3730,7 +3730,7 @@
           <p:cNvPr id="3" name="Дата 2">
             <a:extLst>
               <a:ext uri="{FF2B5EF4-FFF2-40B4-BE49-F238E27FC236}">
-                <a16:creationId xmlns="" xmlns:a16="http://schemas.microsoft.com/office/drawing/2014/main" id="{4CA6228C-2A37-4548-A1BA-245F38336485}"/>
+                <a16:creationId xmlns:a16="http://schemas.microsoft.com/office/drawing/2014/main" id="{4CA6228C-2A37-4548-A1BA-245F38336485}"/>
               </a:ext>
             </a:extLst>
           </p:cNvPr>
@@ -3759,7 +3759,7 @@
           <p:cNvPr id="4" name="Нижний колонтитул 3">
             <a:extLst>
               <a:ext uri="{FF2B5EF4-FFF2-40B4-BE49-F238E27FC236}">
-                <a16:creationId xmlns="" xmlns:a16="http://schemas.microsoft.com/office/drawing/2014/main" id="{D1E9F5F6-BEDC-4D50-A9A6-665DBC2010A1}"/>
+                <a16:creationId xmlns:a16="http://schemas.microsoft.com/office/drawing/2014/main" id="{D1E9F5F6-BEDC-4D50-A9A6-665DBC2010A1}"/>
               </a:ext>
             </a:extLst>
           </p:cNvPr>
@@ -3784,7 +3784,7 @@
           <p:cNvPr id="5" name="Номер слайда 4">
             <a:extLst>
               <a:ext uri="{FF2B5EF4-FFF2-40B4-BE49-F238E27FC236}">
-                <a16:creationId xmlns="" xmlns:a16="http://schemas.microsoft.com/office/drawing/2014/main" id="{3AF3A39F-9E86-406B-B0E8-75F9DDC2403B}"/>
+                <a16:creationId xmlns:a16="http://schemas.microsoft.com/office/drawing/2014/main" id="{3AF3A39F-9E86-406B-B0E8-75F9DDC2403B}"/>
               </a:ext>
             </a:extLst>
           </p:cNvPr>
@@ -3855,7 +3855,7 @@
           <p:cNvPr id="2" name="Дата 1">
             <a:extLst>
               <a:ext uri="{FF2B5EF4-FFF2-40B4-BE49-F238E27FC236}">
-                <a16:creationId xmlns="" xmlns:a16="http://schemas.microsoft.com/office/drawing/2014/main" id="{8A0C7D40-FA68-4548-A171-05FEC4F18218}"/>
+                <a16:creationId xmlns:a16="http://schemas.microsoft.com/office/drawing/2014/main" id="{8A0C7D40-FA68-4548-A171-05FEC4F18218}"/>
               </a:ext>
             </a:extLst>
           </p:cNvPr>
@@ -3884,7 +3884,7 @@
           <p:cNvPr id="3" name="Нижний колонтитул 2">
             <a:extLst>
               <a:ext uri="{FF2B5EF4-FFF2-40B4-BE49-F238E27FC236}">
-                <a16:creationId xmlns="" xmlns:a16="http://schemas.microsoft.com/office/drawing/2014/main" id="{CDD5CC54-5F33-4F77-AC77-6E974CEF4AA8}"/>
+                <a16:creationId xmlns:a16="http://schemas.microsoft.com/office/drawing/2014/main" id="{CDD5CC54-5F33-4F77-AC77-6E974CEF4AA8}"/>
               </a:ext>
             </a:extLst>
           </p:cNvPr>
@@ -3909,7 +3909,7 @@
           <p:cNvPr id="4" name="Номер слайда 3">
             <a:extLst>
               <a:ext uri="{FF2B5EF4-FFF2-40B4-BE49-F238E27FC236}">
-                <a16:creationId xmlns="" xmlns:a16="http://schemas.microsoft.com/office/drawing/2014/main" id="{6286BC59-3C49-4DFB-85B0-B07F42D8AB88}"/>
+                <a16:creationId xmlns:a16="http://schemas.microsoft.com/office/drawing/2014/main" id="{6286BC59-3C49-4DFB-85B0-B07F42D8AB88}"/>
               </a:ext>
             </a:extLst>
           </p:cNvPr>
@@ -3985,7 +3985,7 @@
           <p:cNvPr id="2" name="Заголовок 1">
             <a:extLst>
               <a:ext uri="{FF2B5EF4-FFF2-40B4-BE49-F238E27FC236}">
-                <a16:creationId xmlns="" xmlns:a16="http://schemas.microsoft.com/office/drawing/2014/main" id="{E4B4F1CD-B0D3-4C85-845E-DD399CDEDBA0}"/>
+                <a16:creationId xmlns:a16="http://schemas.microsoft.com/office/drawing/2014/main" id="{E4B4F1CD-B0D3-4C85-845E-DD399CDEDBA0}"/>
               </a:ext>
             </a:extLst>
           </p:cNvPr>
@@ -4023,7 +4023,7 @@
           <p:cNvPr id="3" name="Текст 2">
             <a:extLst>
               <a:ext uri="{FF2B5EF4-FFF2-40B4-BE49-F238E27FC236}">
-                <a16:creationId xmlns="" xmlns:a16="http://schemas.microsoft.com/office/drawing/2014/main" id="{75A59F4B-F998-439C-9679-10B0C8568B36}"/>
+                <a16:creationId xmlns:a16="http://schemas.microsoft.com/office/drawing/2014/main" id="{75A59F4B-F998-439C-9679-10B0C8568B36}"/>
               </a:ext>
             </a:extLst>
           </p:cNvPr>
@@ -4090,7 +4090,7 @@
           <p:cNvPr id="4" name="Дата 3">
             <a:extLst>
               <a:ext uri="{FF2B5EF4-FFF2-40B4-BE49-F238E27FC236}">
-                <a16:creationId xmlns="" xmlns:a16="http://schemas.microsoft.com/office/drawing/2014/main" id="{1B91162D-4D8E-486C-ACBB-074803DE2DC0}"/>
+                <a16:creationId xmlns:a16="http://schemas.microsoft.com/office/drawing/2014/main" id="{1B91162D-4D8E-486C-ACBB-074803DE2DC0}"/>
               </a:ext>
             </a:extLst>
           </p:cNvPr>
@@ -4137,7 +4137,7 @@
           <p:cNvPr id="5" name="Нижний колонтитул 4">
             <a:extLst>
               <a:ext uri="{FF2B5EF4-FFF2-40B4-BE49-F238E27FC236}">
-                <a16:creationId xmlns="" xmlns:a16="http://schemas.microsoft.com/office/drawing/2014/main" id="{86CA6D4D-69F5-438A-BDBB-6B45E8E3EDC0}"/>
+                <a16:creationId xmlns:a16="http://schemas.microsoft.com/office/drawing/2014/main" id="{86CA6D4D-69F5-438A-BDBB-6B45E8E3EDC0}"/>
               </a:ext>
             </a:extLst>
           </p:cNvPr>
@@ -4180,7 +4180,7 @@
           <p:cNvPr id="6" name="Номер слайда 5">
             <a:extLst>
               <a:ext uri="{FF2B5EF4-FFF2-40B4-BE49-F238E27FC236}">
-                <a16:creationId xmlns="" xmlns:a16="http://schemas.microsoft.com/office/drawing/2014/main" id="{7609B196-0738-47AC-AA48-F4ED38980508}"/>
+                <a16:creationId xmlns:a16="http://schemas.microsoft.com/office/drawing/2014/main" id="{7609B196-0738-47AC-AA48-F4ED38980508}"/>
               </a:ext>
             </a:extLst>
           </p:cNvPr>
@@ -4689,7 +4689,7 @@
           <p:cNvPr id="16" name="Таблица 15">
             <a:extLst>
               <a:ext uri="{FF2B5EF4-FFF2-40B4-BE49-F238E27FC236}">
-                <a16:creationId xmlns="" xmlns:a16="http://schemas.microsoft.com/office/drawing/2014/main" id="{75840FCE-3F67-4955-86E3-5BE4ADA96ED9}"/>
+                <a16:creationId xmlns:a16="http://schemas.microsoft.com/office/drawing/2014/main" id="{75840FCE-3F67-4955-86E3-5BE4ADA96ED9}"/>
               </a:ext>
             </a:extLst>
           </p:cNvPr>
@@ -4716,7 +4716,7 @@
                 <a:gridCol w="10515600">
                   <a:extLst>
                     <a:ext uri="{9D8B030D-6E8A-4147-A177-3AD203B41FA5}">
-                      <a16:colId xmlns="" xmlns:a16="http://schemas.microsoft.com/office/drawing/2014/main" val="2069287197"/>
+                      <a16:colId xmlns:a16="http://schemas.microsoft.com/office/drawing/2014/main" val="2069287197"/>
                     </a:ext>
                   </a:extLst>
                 </a:gridCol>
@@ -4931,7 +4931,7 @@
                 </a:tc>
                 <a:extLst>
                   <a:ext uri="{0D108BD9-81ED-4DB2-BD59-A6C34878D82A}">
-                    <a16:rowId xmlns="" xmlns:a16="http://schemas.microsoft.com/office/drawing/2014/main" val="2658798668"/>
+                    <a16:rowId xmlns:a16="http://schemas.microsoft.com/office/drawing/2014/main" val="2658798668"/>
                   </a:ext>
                 </a:extLst>
               </a:tr>
@@ -4944,7 +4944,7 @@
           <p:cNvPr id="19" name="TextBox 18">
             <a:extLst>
               <a:ext uri="{FF2B5EF4-FFF2-40B4-BE49-F238E27FC236}">
-                <a16:creationId xmlns="" xmlns:a16="http://schemas.microsoft.com/office/drawing/2014/main" id="{55C91E03-7067-4FF9-A4BB-99DF51A1EE02}"/>
+                <a16:creationId xmlns:a16="http://schemas.microsoft.com/office/drawing/2014/main" id="{55C91E03-7067-4FF9-A4BB-99DF51A1EE02}"/>
               </a:ext>
             </a:extLst>
           </p:cNvPr>
@@ -4993,7 +4993,7 @@
           <p:cNvPr id="21" name="TextBox 20">
             <a:extLst>
               <a:ext uri="{FF2B5EF4-FFF2-40B4-BE49-F238E27FC236}">
-                <a16:creationId xmlns="" xmlns:a16="http://schemas.microsoft.com/office/drawing/2014/main" id="{2BEE8C79-89EF-4FF4-9CEB-A37664969795}"/>
+                <a16:creationId xmlns:a16="http://schemas.microsoft.com/office/drawing/2014/main" id="{2BEE8C79-89EF-4FF4-9CEB-A37664969795}"/>
               </a:ext>
             </a:extLst>
           </p:cNvPr>
@@ -5040,7 +5040,7 @@
           <p:cNvPr id="23" name="TextBox 22">
             <a:extLst>
               <a:ext uri="{FF2B5EF4-FFF2-40B4-BE49-F238E27FC236}">
-                <a16:creationId xmlns="" xmlns:a16="http://schemas.microsoft.com/office/drawing/2014/main" id="{DF261D7B-B54D-43D4-A2D1-986E47A0A1E3}"/>
+                <a16:creationId xmlns:a16="http://schemas.microsoft.com/office/drawing/2014/main" id="{DF261D7B-B54D-43D4-A2D1-986E47A0A1E3}"/>
               </a:ext>
             </a:extLst>
           </p:cNvPr>
@@ -5087,7 +5087,7 @@
           <p:cNvPr id="24" name="TextBox 23">
             <a:extLst>
               <a:ext uri="{FF2B5EF4-FFF2-40B4-BE49-F238E27FC236}">
-                <a16:creationId xmlns="" xmlns:a16="http://schemas.microsoft.com/office/drawing/2014/main" id="{E1D67235-C985-4829-B3BA-E0B1A8C61F1C}"/>
+                <a16:creationId xmlns:a16="http://schemas.microsoft.com/office/drawing/2014/main" id="{E1D67235-C985-4829-B3BA-E0B1A8C61F1C}"/>
               </a:ext>
             </a:extLst>
           </p:cNvPr>
@@ -5590,7 +5590,7 @@
           <p:cNvPr id="2" name="Номер слайда 1">
             <a:extLst>
               <a:ext uri="{FF2B5EF4-FFF2-40B4-BE49-F238E27FC236}">
-                <a16:creationId xmlns="" xmlns:a16="http://schemas.microsoft.com/office/drawing/2014/main" id="{F752072B-5092-4F88-88FB-AF2D602AB40C}"/>
+                <a16:creationId xmlns:a16="http://schemas.microsoft.com/office/drawing/2014/main" id="{F752072B-5092-4F88-88FB-AF2D602AB40C}"/>
               </a:ext>
             </a:extLst>
           </p:cNvPr>
@@ -5627,7 +5627,7 @@
           <p:cNvPr id="10" name="TextBox 9">
             <a:extLst>
               <a:ext uri="{FF2B5EF4-FFF2-40B4-BE49-F238E27FC236}">
-                <a16:creationId xmlns="" xmlns:a16="http://schemas.microsoft.com/office/drawing/2014/main" id="{0DAF1E99-18A8-45BE-8B3C-7CFA7E1CB1CD}"/>
+                <a16:creationId xmlns:a16="http://schemas.microsoft.com/office/drawing/2014/main" id="{0DAF1E99-18A8-45BE-8B3C-7CFA7E1CB1CD}"/>
               </a:ext>
             </a:extLst>
           </p:cNvPr>
@@ -6110,7 +6110,7 @@
                 </a:solidFill>
                 <a:latin typeface="Bahnschrift" pitchFamily="34" charset="0"/>
               </a:rPr>
-              <a:t>Схема 9 – Схема работы оплаты бонусами проекта системы лояльности ООО «АИС Город»</a:t>
+              <a:t>Схема 5 – Схема работы оплаты бонусами проекта системы лояльности ООО «АИС Город»</a:t>
             </a:r>
           </a:p>
         </p:txBody>
@@ -6203,7 +6203,7 @@
           <p:cNvPr id="2" name="Номер слайда 1">
             <a:extLst>
               <a:ext uri="{FF2B5EF4-FFF2-40B4-BE49-F238E27FC236}">
-                <a16:creationId xmlns="" xmlns:a16="http://schemas.microsoft.com/office/drawing/2014/main" id="{E66C123D-E682-42B1-B571-8DF0F1DB8F94}"/>
+                <a16:creationId xmlns:a16="http://schemas.microsoft.com/office/drawing/2014/main" id="{E66C123D-E682-42B1-B571-8DF0F1DB8F94}"/>
               </a:ext>
             </a:extLst>
           </p:cNvPr>
@@ -6245,7 +6245,7 @@
           <p:cNvPr id="9" name="TextBox 8">
             <a:extLst>
               <a:ext uri="{FF2B5EF4-FFF2-40B4-BE49-F238E27FC236}">
-                <a16:creationId xmlns="" xmlns:a16="http://schemas.microsoft.com/office/drawing/2014/main" id="{0DAF1E99-18A8-45BE-8B3C-7CFA7E1CB1CD}"/>
+                <a16:creationId xmlns:a16="http://schemas.microsoft.com/office/drawing/2014/main" id="{0DAF1E99-18A8-45BE-8B3C-7CFA7E1CB1CD}"/>
               </a:ext>
             </a:extLst>
           </p:cNvPr>
@@ -6437,35 +6437,35 @@
                 <a:gridCol w="736600">
                   <a:extLst>
                     <a:ext uri="{9D8B030D-6E8A-4147-A177-3AD203B41FA5}">
-                      <a16:colId xmlns="" xmlns:a16="http://schemas.microsoft.com/office/drawing/2014/main" val="20000"/>
+                      <a16:colId xmlns:a16="http://schemas.microsoft.com/office/drawing/2014/main" val="20000"/>
                     </a:ext>
                   </a:extLst>
                 </a:gridCol>
                 <a:gridCol w="1439333">
                   <a:extLst>
                     <a:ext uri="{9D8B030D-6E8A-4147-A177-3AD203B41FA5}">
-                      <a16:colId xmlns="" xmlns:a16="http://schemas.microsoft.com/office/drawing/2014/main" val="20001"/>
+                      <a16:colId xmlns:a16="http://schemas.microsoft.com/office/drawing/2014/main" val="20001"/>
                     </a:ext>
                   </a:extLst>
                 </a:gridCol>
                 <a:gridCol w="2556934">
                   <a:extLst>
                     <a:ext uri="{9D8B030D-6E8A-4147-A177-3AD203B41FA5}">
-                      <a16:colId xmlns="" xmlns:a16="http://schemas.microsoft.com/office/drawing/2014/main" val="20002"/>
+                      <a16:colId xmlns:a16="http://schemas.microsoft.com/office/drawing/2014/main" val="20002"/>
                     </a:ext>
                   </a:extLst>
                 </a:gridCol>
                 <a:gridCol w="2954866">
                   <a:extLst>
                     <a:ext uri="{9D8B030D-6E8A-4147-A177-3AD203B41FA5}">
-                      <a16:colId xmlns="" xmlns:a16="http://schemas.microsoft.com/office/drawing/2014/main" val="20003"/>
+                      <a16:colId xmlns:a16="http://schemas.microsoft.com/office/drawing/2014/main" val="20003"/>
                     </a:ext>
                   </a:extLst>
                 </a:gridCol>
                 <a:gridCol w="4504266">
                   <a:extLst>
                     <a:ext uri="{9D8B030D-6E8A-4147-A177-3AD203B41FA5}">
-                      <a16:colId xmlns="" xmlns:a16="http://schemas.microsoft.com/office/drawing/2014/main" val="20004"/>
+                      <a16:colId xmlns:a16="http://schemas.microsoft.com/office/drawing/2014/main" val="20004"/>
                     </a:ext>
                   </a:extLst>
                 </a:gridCol>
@@ -6628,7 +6628,7 @@
                 </a:tc>
                 <a:extLst>
                   <a:ext uri="{0D108BD9-81ED-4DB2-BD59-A6C34878D82A}">
-                    <a16:rowId xmlns="" xmlns:a16="http://schemas.microsoft.com/office/drawing/2014/main" val="10000"/>
+                    <a16:rowId xmlns:a16="http://schemas.microsoft.com/office/drawing/2014/main" val="10000"/>
                   </a:ext>
                 </a:extLst>
               </a:tr>
@@ -6732,7 +6732,7 @@
                     <a:lstStyle/>
                     <a:p>
                       <a:r>
-                        <a:rPr lang="ru-RU" sz="1200" dirty="0" smtClean="0">
+                        <a:rPr lang="ru-RU" sz="1200" dirty="0">
                           <a:solidFill>
                             <a:srgbClr val="000000"/>
                           </a:solidFill>
@@ -6743,7 +6743,7 @@
                     </a:p>
                     <a:p>
                       <a:r>
-                        <a:rPr lang="en-US" sz="1200" dirty="0" smtClean="0">
+                        <a:rPr lang="en-US" sz="1200" dirty="0">
                           <a:solidFill>
                             <a:srgbClr val="000000"/>
                           </a:solidFill>
@@ -6752,7 +6752,7 @@
                         <a:t>  </a:t>
                       </a:r>
                       <a:r>
-                        <a:rPr lang="en-US" sz="1200" dirty="0" smtClean="0">
+                        <a:rPr lang="en-US" sz="1200" dirty="0">
                           <a:solidFill>
                             <a:srgbClr val="2E75B6"/>
                           </a:solidFill>
@@ -6761,7 +6761,7 @@
                         <a:t>"merchant"</a:t>
                       </a:r>
                       <a:r>
-                        <a:rPr lang="en-US" sz="1200" dirty="0" smtClean="0">
+                        <a:rPr lang="en-US" sz="1200" dirty="0">
                           <a:solidFill>
                             <a:srgbClr val="000000"/>
                           </a:solidFill>
@@ -6770,7 +6770,7 @@
                         <a:t>: </a:t>
                       </a:r>
                       <a:r>
-                        <a:rPr lang="en-US" sz="1200" dirty="0" smtClean="0">
+                        <a:rPr lang="en-US" sz="1200" dirty="0">
                           <a:solidFill>
                             <a:srgbClr val="A31515"/>
                           </a:solidFill>
@@ -6779,7 +6779,7 @@
                         <a:t>"</a:t>
                       </a:r>
                       <a:r>
-                        <a:rPr lang="en-US" sz="1200" dirty="0" err="1" smtClean="0">
+                        <a:rPr lang="en-US" sz="1200" dirty="0" err="1">
                           <a:solidFill>
                             <a:srgbClr val="A31515"/>
                           </a:solidFill>
@@ -6788,7 +6788,7 @@
                         <a:t>ric</a:t>
                       </a:r>
                       <a:r>
-                        <a:rPr lang="en-US" sz="1200" dirty="0" smtClean="0">
+                        <a:rPr lang="en-US" sz="1200" dirty="0">
                           <a:solidFill>
                             <a:srgbClr val="A31515"/>
                           </a:solidFill>
@@ -6797,7 +6797,7 @@
                         <a:t>-merchant"</a:t>
                       </a:r>
                       <a:r>
-                        <a:rPr lang="en-US" sz="1200" dirty="0" smtClean="0">
+                        <a:rPr lang="en-US" sz="1200" dirty="0">
                           <a:solidFill>
                             <a:srgbClr val="000000"/>
                           </a:solidFill>
@@ -6808,7 +6808,7 @@
                     </a:p>
                     <a:p>
                       <a:r>
-                        <a:rPr lang="en-US" sz="1200" dirty="0" smtClean="0">
+                        <a:rPr lang="en-US" sz="1200" dirty="0">
                           <a:solidFill>
                             <a:srgbClr val="000000"/>
                           </a:solidFill>
@@ -6817,7 +6817,7 @@
                         <a:t>  </a:t>
                       </a:r>
                       <a:r>
-                        <a:rPr lang="en-US" sz="1200" dirty="0" smtClean="0">
+                        <a:rPr lang="en-US" sz="1200" dirty="0">
                           <a:solidFill>
                             <a:srgbClr val="2E75B6"/>
                           </a:solidFill>
@@ -6826,7 +6826,7 @@
                         <a:t>"password"</a:t>
                       </a:r>
                       <a:r>
-                        <a:rPr lang="en-US" sz="1200" dirty="0" smtClean="0">
+                        <a:rPr lang="en-US" sz="1200" dirty="0">
                           <a:solidFill>
                             <a:srgbClr val="000000"/>
                           </a:solidFill>
@@ -6835,7 +6835,7 @@
                         <a:t>: </a:t>
                       </a:r>
                       <a:r>
-                        <a:rPr lang="en-US" sz="1200" dirty="0" smtClean="0">
+                        <a:rPr lang="en-US" sz="1200" dirty="0">
                           <a:solidFill>
                             <a:srgbClr val="A31515"/>
                           </a:solidFill>
@@ -6844,7 +6844,7 @@
                         <a:t>"</a:t>
                       </a:r>
                       <a:r>
-                        <a:rPr lang="en-US" sz="1200" dirty="0" err="1" smtClean="0">
+                        <a:rPr lang="en-US" sz="1200" dirty="0" err="1">
                           <a:solidFill>
                             <a:srgbClr val="A31515"/>
                           </a:solidFill>
@@ -6853,7 +6853,7 @@
                         <a:t>ric</a:t>
                       </a:r>
                       <a:r>
-                        <a:rPr lang="en-US" sz="1200" dirty="0" smtClean="0">
+                        <a:rPr lang="en-US" sz="1200" dirty="0">
                           <a:solidFill>
                             <a:srgbClr val="A31515"/>
                           </a:solidFill>
@@ -6862,7 +6862,7 @@
                         <a:t>-password"</a:t>
                       </a:r>
                       <a:r>
-                        <a:rPr lang="en-US" sz="1200" dirty="0" smtClean="0">
+                        <a:rPr lang="en-US" sz="1200" dirty="0">
                           <a:solidFill>
                             <a:srgbClr val="000000"/>
                           </a:solidFill>
@@ -6873,7 +6873,7 @@
                     </a:p>
                     <a:p>
                       <a:r>
-                        <a:rPr lang="en-US" sz="1200" dirty="0" smtClean="0">
+                        <a:rPr lang="en-US" sz="1200" dirty="0">
                           <a:solidFill>
                             <a:srgbClr val="000000"/>
                           </a:solidFill>
@@ -6882,7 +6882,7 @@
                         <a:t>  </a:t>
                       </a:r>
                       <a:r>
-                        <a:rPr lang="en-US" sz="1200" dirty="0" smtClean="0">
+                        <a:rPr lang="en-US" sz="1200" dirty="0">
                           <a:solidFill>
                             <a:srgbClr val="2E75B6"/>
                           </a:solidFill>
@@ -6891,7 +6891,7 @@
                         <a:t>"</a:t>
                       </a:r>
                       <a:r>
-                        <a:rPr lang="en-US" sz="1200" dirty="0" err="1" smtClean="0">
+                        <a:rPr lang="en-US" sz="1200" dirty="0" err="1">
                           <a:solidFill>
                             <a:srgbClr val="2E75B6"/>
                           </a:solidFill>
@@ -6900,7 +6900,7 @@
                         <a:t>merchantUserId</a:t>
                       </a:r>
                       <a:r>
-                        <a:rPr lang="en-US" sz="1200" dirty="0" smtClean="0">
+                        <a:rPr lang="en-US" sz="1200" dirty="0">
                           <a:solidFill>
                             <a:srgbClr val="2E75B6"/>
                           </a:solidFill>
@@ -6909,7 +6909,7 @@
                         <a:t>"</a:t>
                       </a:r>
                       <a:r>
-                        <a:rPr lang="en-US" sz="1200" dirty="0" smtClean="0">
+                        <a:rPr lang="en-US" sz="1200" dirty="0">
                           <a:solidFill>
                             <a:srgbClr val="000000"/>
                           </a:solidFill>
@@ -6918,7 +6918,7 @@
                         <a:t>: </a:t>
                       </a:r>
                       <a:r>
-                        <a:rPr lang="en-US" sz="1200" dirty="0" smtClean="0">
+                        <a:rPr lang="en-US" sz="1200" dirty="0">
                           <a:solidFill>
                             <a:srgbClr val="A31515"/>
                           </a:solidFill>
@@ -6926,7 +6926,7 @@
                         </a:rPr>
                         <a:t>"sso269391"</a:t>
                       </a:r>
-                      <a:endParaRPr lang="en-US" sz="1200" dirty="0" smtClean="0">
+                      <a:endParaRPr lang="en-US" sz="1200" dirty="0">
                         <a:solidFill>
                           <a:srgbClr val="000000"/>
                         </a:solidFill>
@@ -6935,7 +6935,7 @@
                     </a:p>
                     <a:p>
                       <a:r>
-                        <a:rPr lang="ru-RU" sz="1200" dirty="0" smtClean="0">
+                        <a:rPr lang="ru-RU" sz="1200" dirty="0">
                           <a:solidFill>
                             <a:srgbClr val="000000"/>
                           </a:solidFill>
@@ -7061,16 +7061,6 @@
                         </a:rPr>
                         <a:t>: 1000</a:t>
                       </a:r>
-                      <a:r>
-                        <a:rPr lang="en-US" sz="1200" u="none" strike="noStrike" dirty="0">
-                          <a:solidFill>
-                            <a:schemeClr val="tx1"/>
-                          </a:solidFill>
-                          <a:effectLst/>
-                          <a:latin typeface="Consolas" panose="020B0609020204030204" pitchFamily="49" charset="0"/>
-                        </a:rPr>
-                        <a:t/>
-                      </a:r>
                       <a:br>
                         <a:rPr lang="en-US" sz="1200" u="none" strike="noStrike" dirty="0">
                           <a:solidFill>
@@ -7107,7 +7097,7 @@
                 </a:tc>
                 <a:extLst>
                   <a:ext uri="{0D108BD9-81ED-4DB2-BD59-A6C34878D82A}">
-                    <a16:rowId xmlns="" xmlns:a16="http://schemas.microsoft.com/office/drawing/2014/main" val="10001"/>
+                    <a16:rowId xmlns:a16="http://schemas.microsoft.com/office/drawing/2014/main" val="10001"/>
                   </a:ext>
                 </a:extLst>
               </a:tr>
@@ -7211,7 +7201,7 @@
                     <a:lstStyle/>
                     <a:p>
                       <a:r>
-                        <a:rPr lang="ru-RU" sz="1200" dirty="0" smtClean="0">
+                        <a:rPr lang="ru-RU" sz="1200" dirty="0">
                           <a:solidFill>
                             <a:srgbClr val="000000"/>
                           </a:solidFill>
@@ -7222,7 +7212,7 @@
                     </a:p>
                     <a:p>
                       <a:r>
-                        <a:rPr lang="en-US" sz="1200" dirty="0" smtClean="0">
+                        <a:rPr lang="en-US" sz="1200" dirty="0">
                           <a:solidFill>
                             <a:srgbClr val="000000"/>
                           </a:solidFill>
@@ -7231,7 +7221,7 @@
                         <a:t>  </a:t>
                       </a:r>
                       <a:r>
-                        <a:rPr lang="en-US" sz="1200" dirty="0" smtClean="0">
+                        <a:rPr lang="en-US" sz="1200" dirty="0">
                           <a:solidFill>
                             <a:srgbClr val="2E75B6"/>
                           </a:solidFill>
@@ -7240,7 +7230,7 @@
                         <a:t>"merchant"</a:t>
                       </a:r>
                       <a:r>
-                        <a:rPr lang="en-US" sz="1200" dirty="0" smtClean="0">
+                        <a:rPr lang="en-US" sz="1200" dirty="0">
                           <a:solidFill>
                             <a:srgbClr val="000000"/>
                           </a:solidFill>
@@ -7249,7 +7239,7 @@
                         <a:t>: </a:t>
                       </a:r>
                       <a:r>
-                        <a:rPr lang="en-US" sz="1200" dirty="0" smtClean="0">
+                        <a:rPr lang="en-US" sz="1200" dirty="0">
                           <a:solidFill>
                             <a:srgbClr val="A31515"/>
                           </a:solidFill>
@@ -7258,7 +7248,7 @@
                         <a:t>"</a:t>
                       </a:r>
                       <a:r>
-                        <a:rPr lang="en-US" sz="1200" dirty="0" err="1" smtClean="0">
+                        <a:rPr lang="en-US" sz="1200" dirty="0" err="1">
                           <a:solidFill>
                             <a:srgbClr val="A31515"/>
                           </a:solidFill>
@@ -7267,7 +7257,7 @@
                         <a:t>ric</a:t>
                       </a:r>
                       <a:r>
-                        <a:rPr lang="en-US" sz="1200" dirty="0" smtClean="0">
+                        <a:rPr lang="en-US" sz="1200" dirty="0">
                           <a:solidFill>
                             <a:srgbClr val="A31515"/>
                           </a:solidFill>
@@ -7276,7 +7266,7 @@
                         <a:t>-merchant"</a:t>
                       </a:r>
                       <a:r>
-                        <a:rPr lang="en-US" sz="1200" dirty="0" smtClean="0">
+                        <a:rPr lang="en-US" sz="1200" dirty="0">
                           <a:solidFill>
                             <a:srgbClr val="000000"/>
                           </a:solidFill>
@@ -7287,7 +7277,7 @@
                     </a:p>
                     <a:p>
                       <a:r>
-                        <a:rPr lang="en-US" sz="1200" dirty="0" smtClean="0">
+                        <a:rPr lang="en-US" sz="1200" dirty="0">
                           <a:solidFill>
                             <a:srgbClr val="000000"/>
                           </a:solidFill>
@@ -7296,7 +7286,7 @@
                         <a:t>  </a:t>
                       </a:r>
                       <a:r>
-                        <a:rPr lang="en-US" sz="1200" dirty="0" smtClean="0">
+                        <a:rPr lang="en-US" sz="1200" dirty="0">
                           <a:solidFill>
                             <a:srgbClr val="2E75B6"/>
                           </a:solidFill>
@@ -7305,7 +7295,7 @@
                         <a:t>"password"</a:t>
                       </a:r>
                       <a:r>
-                        <a:rPr lang="en-US" sz="1200" dirty="0" smtClean="0">
+                        <a:rPr lang="en-US" sz="1200" dirty="0">
                           <a:solidFill>
                             <a:srgbClr val="000000"/>
                           </a:solidFill>
@@ -7314,7 +7304,7 @@
                         <a:t>: </a:t>
                       </a:r>
                       <a:r>
-                        <a:rPr lang="en-US" sz="1200" dirty="0" smtClean="0">
+                        <a:rPr lang="en-US" sz="1200" dirty="0">
                           <a:solidFill>
                             <a:srgbClr val="A31515"/>
                           </a:solidFill>
@@ -7323,7 +7313,7 @@
                         <a:t>"</a:t>
                       </a:r>
                       <a:r>
-                        <a:rPr lang="en-US" sz="1200" dirty="0" err="1" smtClean="0">
+                        <a:rPr lang="en-US" sz="1200" dirty="0" err="1">
                           <a:solidFill>
                             <a:srgbClr val="A31515"/>
                           </a:solidFill>
@@ -7332,7 +7322,7 @@
                         <a:t>ric</a:t>
                       </a:r>
                       <a:r>
-                        <a:rPr lang="en-US" sz="1200" dirty="0" smtClean="0">
+                        <a:rPr lang="en-US" sz="1200" dirty="0">
                           <a:solidFill>
                             <a:srgbClr val="A31515"/>
                           </a:solidFill>
@@ -7341,7 +7331,7 @@
                         <a:t>-password"</a:t>
                       </a:r>
                       <a:r>
-                        <a:rPr lang="en-US" sz="1200" dirty="0" smtClean="0">
+                        <a:rPr lang="en-US" sz="1200" dirty="0">
                           <a:solidFill>
                             <a:srgbClr val="000000"/>
                           </a:solidFill>
@@ -7352,7 +7342,7 @@
                     </a:p>
                     <a:p>
                       <a:r>
-                        <a:rPr lang="en-US" sz="1200" dirty="0" smtClean="0">
+                        <a:rPr lang="en-US" sz="1200" dirty="0">
                           <a:solidFill>
                             <a:srgbClr val="000000"/>
                           </a:solidFill>
@@ -7361,7 +7351,7 @@
                         <a:t>  </a:t>
                       </a:r>
                       <a:r>
-                        <a:rPr lang="en-US" sz="1200" dirty="0" smtClean="0">
+                        <a:rPr lang="en-US" sz="1200" dirty="0">
                           <a:solidFill>
                             <a:srgbClr val="2E75B6"/>
                           </a:solidFill>
@@ -7370,7 +7360,7 @@
                         <a:t>"</a:t>
                       </a:r>
                       <a:r>
-                        <a:rPr lang="en-US" sz="1200" dirty="0" err="1" smtClean="0">
+                        <a:rPr lang="en-US" sz="1200" dirty="0" err="1">
                           <a:solidFill>
                             <a:srgbClr val="2E75B6"/>
                           </a:solidFill>
@@ -7379,7 +7369,7 @@
                         <a:t>merchantUserId</a:t>
                       </a:r>
                       <a:r>
-                        <a:rPr lang="en-US" sz="1200" dirty="0" smtClean="0">
+                        <a:rPr lang="en-US" sz="1200" dirty="0">
                           <a:solidFill>
                             <a:srgbClr val="2E75B6"/>
                           </a:solidFill>
@@ -7388,7 +7378,7 @@
                         <a:t>"</a:t>
                       </a:r>
                       <a:r>
-                        <a:rPr lang="en-US" sz="1200" dirty="0" smtClean="0">
+                        <a:rPr lang="en-US" sz="1200" dirty="0">
                           <a:solidFill>
                             <a:srgbClr val="000000"/>
                           </a:solidFill>
@@ -7397,7 +7387,7 @@
                         <a:t>: </a:t>
                       </a:r>
                       <a:r>
-                        <a:rPr lang="en-US" sz="1200" dirty="0" smtClean="0">
+                        <a:rPr lang="en-US" sz="1200" dirty="0">
                           <a:solidFill>
                             <a:srgbClr val="A31515"/>
                           </a:solidFill>
@@ -7405,7 +7395,7 @@
                         </a:rPr>
                         <a:t>"sso221470"</a:t>
                       </a:r>
-                      <a:endParaRPr lang="en-US" sz="1200" dirty="0" smtClean="0">
+                      <a:endParaRPr lang="en-US" sz="1200" dirty="0">
                         <a:solidFill>
                           <a:srgbClr val="000000"/>
                         </a:solidFill>
@@ -7414,7 +7404,7 @@
                     </a:p>
                     <a:p>
                       <a:r>
-                        <a:rPr lang="ru-RU" sz="1200" dirty="0" smtClean="0">
+                        <a:rPr lang="ru-RU" sz="1200" dirty="0">
                           <a:solidFill>
                             <a:srgbClr val="000000"/>
                           </a:solidFill>
@@ -7436,7 +7426,7 @@
                     <a:lstStyle/>
                     <a:p>
                       <a:r>
-                        <a:rPr lang="ru-RU" sz="1200" dirty="0" smtClean="0">
+                        <a:rPr lang="ru-RU" sz="1200" dirty="0">
                           <a:solidFill>
                             <a:srgbClr val="000000"/>
                           </a:solidFill>
@@ -7447,7 +7437,7 @@
                     </a:p>
                     <a:p>
                       <a:r>
-                        <a:rPr lang="en-US" sz="1200" dirty="0" smtClean="0">
+                        <a:rPr lang="en-US" sz="1200" dirty="0">
                           <a:solidFill>
                             <a:srgbClr val="000000"/>
                           </a:solidFill>
@@ -7456,7 +7446,7 @@
                         <a:t>  </a:t>
                       </a:r>
                       <a:r>
-                        <a:rPr lang="en-US" sz="1200" dirty="0" smtClean="0">
+                        <a:rPr lang="en-US" sz="1200" dirty="0">
                           <a:solidFill>
                             <a:srgbClr val="2E75B6"/>
                           </a:solidFill>
@@ -7465,7 +7455,7 @@
                         <a:t>"result"</a:t>
                       </a:r>
                       <a:r>
-                        <a:rPr lang="en-US" sz="1200" dirty="0" smtClean="0">
+                        <a:rPr lang="en-US" sz="1200" dirty="0">
                           <a:solidFill>
                             <a:srgbClr val="000000"/>
                           </a:solidFill>
@@ -7476,7 +7466,7 @@
                     </a:p>
                     <a:p>
                       <a:r>
-                        <a:rPr lang="ru-RU" sz="1200" dirty="0" smtClean="0">
+                        <a:rPr lang="ru-RU" sz="1200" dirty="0">
                           <a:solidFill>
                             <a:srgbClr val="000000"/>
                           </a:solidFill>
@@ -7485,7 +7475,7 @@
                         <a:t>  </a:t>
                       </a:r>
                       <a:r>
-                        <a:rPr lang="ru-RU" sz="1200" dirty="0" smtClean="0">
+                        <a:rPr lang="ru-RU" sz="1200" dirty="0">
                           <a:solidFill>
                             <a:srgbClr val="2E75B6"/>
                           </a:solidFill>
@@ -7494,7 +7484,7 @@
                         <a:t>"</a:t>
                       </a:r>
                       <a:r>
-                        <a:rPr lang="ru-RU" sz="1200" dirty="0" err="1" smtClean="0">
+                        <a:rPr lang="ru-RU" sz="1200" dirty="0" err="1">
                           <a:solidFill>
                             <a:srgbClr val="2E75B6"/>
                           </a:solidFill>
@@ -7503,7 +7493,7 @@
                         <a:t>message</a:t>
                       </a:r>
                       <a:r>
-                        <a:rPr lang="ru-RU" sz="1200" dirty="0" smtClean="0">
+                        <a:rPr lang="ru-RU" sz="1200" dirty="0">
                           <a:solidFill>
                             <a:srgbClr val="2E75B6"/>
                           </a:solidFill>
@@ -7512,7 +7502,7 @@
                         <a:t>"</a:t>
                       </a:r>
                       <a:r>
-                        <a:rPr lang="ru-RU" sz="1200" dirty="0" smtClean="0">
+                        <a:rPr lang="ru-RU" sz="1200" dirty="0">
                           <a:solidFill>
                             <a:srgbClr val="000000"/>
                           </a:solidFill>
@@ -7521,7 +7511,7 @@
                         <a:t>: </a:t>
                       </a:r>
                       <a:r>
-                        <a:rPr lang="ru-RU" sz="1200" dirty="0" smtClean="0">
+                        <a:rPr lang="ru-RU" sz="1200" dirty="0">
                           <a:solidFill>
                             <a:srgbClr val="A31515"/>
                           </a:solidFill>
@@ -7530,7 +7520,7 @@
                         <a:t>"Не удалось найти указанного пользователя!"</a:t>
                       </a:r>
                       <a:r>
-                        <a:rPr lang="ru-RU" sz="1200" dirty="0" smtClean="0">
+                        <a:rPr lang="ru-RU" sz="1200" dirty="0">
                           <a:solidFill>
                             <a:srgbClr val="000000"/>
                           </a:solidFill>
@@ -7541,7 +7531,7 @@
                     </a:p>
                     <a:p>
                       <a:r>
-                        <a:rPr lang="en-US" sz="1200" dirty="0" smtClean="0">
+                        <a:rPr lang="en-US" sz="1200" dirty="0">
                           <a:solidFill>
                             <a:srgbClr val="000000"/>
                           </a:solidFill>
@@ -7550,7 +7540,7 @@
                         <a:t>  </a:t>
                       </a:r>
                       <a:r>
-                        <a:rPr lang="en-US" sz="1200" dirty="0" smtClean="0">
+                        <a:rPr lang="en-US" sz="1200" dirty="0">
                           <a:solidFill>
                             <a:srgbClr val="2E75B6"/>
                           </a:solidFill>
@@ -7559,7 +7549,7 @@
                         <a:t>"balance"</a:t>
                       </a:r>
                       <a:r>
-                        <a:rPr lang="en-US" sz="1200" dirty="0" smtClean="0">
+                        <a:rPr lang="en-US" sz="1200" dirty="0">
                           <a:solidFill>
                             <a:srgbClr val="000000"/>
                           </a:solidFill>
@@ -7570,7 +7560,7 @@
                     </a:p>
                     <a:p>
                       <a:r>
-                        <a:rPr lang="ru-RU" sz="1200" dirty="0" smtClean="0">
+                        <a:rPr lang="ru-RU" sz="1200" dirty="0">
                           <a:solidFill>
                             <a:srgbClr val="000000"/>
                           </a:solidFill>
@@ -7588,7 +7578,7 @@
                 </a:tc>
                 <a:extLst>
                   <a:ext uri="{0D108BD9-81ED-4DB2-BD59-A6C34878D82A}">
-                    <a16:rowId xmlns="" xmlns:a16="http://schemas.microsoft.com/office/drawing/2014/main" val="10002"/>
+                    <a16:rowId xmlns:a16="http://schemas.microsoft.com/office/drawing/2014/main" val="10002"/>
                   </a:ext>
                 </a:extLst>
               </a:tr>
@@ -7692,7 +7682,7 @@
                     <a:lstStyle/>
                     <a:p>
                       <a:r>
-                        <a:rPr lang="ru-RU" sz="1200" dirty="0" smtClean="0">
+                        <a:rPr lang="ru-RU" sz="1200" dirty="0">
                           <a:solidFill>
                             <a:srgbClr val="000000"/>
                           </a:solidFill>
@@ -7703,7 +7693,7 @@
                     </a:p>
                     <a:p>
                       <a:r>
-                        <a:rPr lang="en-US" sz="1200" dirty="0" smtClean="0">
+                        <a:rPr lang="en-US" sz="1200" dirty="0">
                           <a:solidFill>
                             <a:srgbClr val="000000"/>
                           </a:solidFill>
@@ -7712,7 +7702,7 @@
                         <a:t>  </a:t>
                       </a:r>
                       <a:r>
-                        <a:rPr lang="en-US" sz="1200" dirty="0" smtClean="0">
+                        <a:rPr lang="en-US" sz="1200" dirty="0">
                           <a:solidFill>
                             <a:srgbClr val="2E75B6"/>
                           </a:solidFill>
@@ -7721,7 +7711,7 @@
                         <a:t>"merchant"</a:t>
                       </a:r>
                       <a:r>
-                        <a:rPr lang="en-US" sz="1200" dirty="0" smtClean="0">
+                        <a:rPr lang="en-US" sz="1200" dirty="0">
                           <a:solidFill>
                             <a:srgbClr val="000000"/>
                           </a:solidFill>
@@ -7730,7 +7720,7 @@
                         <a:t>: </a:t>
                       </a:r>
                       <a:r>
-                        <a:rPr lang="en-US" sz="1200" dirty="0" smtClean="0">
+                        <a:rPr lang="en-US" sz="1200" dirty="0">
                           <a:solidFill>
                             <a:srgbClr val="A31515"/>
                           </a:solidFill>
@@ -7739,7 +7729,7 @@
                         <a:t>"</a:t>
                       </a:r>
                       <a:r>
-                        <a:rPr lang="en-US" sz="1200" dirty="0" err="1" smtClean="0">
+                        <a:rPr lang="en-US" sz="1200" dirty="0" err="1">
                           <a:solidFill>
                             <a:srgbClr val="A31515"/>
                           </a:solidFill>
@@ -7748,7 +7738,7 @@
                         <a:t>ric</a:t>
                       </a:r>
                       <a:r>
-                        <a:rPr lang="en-US" sz="1200" dirty="0" smtClean="0">
+                        <a:rPr lang="en-US" sz="1200" dirty="0">
                           <a:solidFill>
                             <a:srgbClr val="A31515"/>
                           </a:solidFill>
@@ -7757,7 +7747,7 @@
                         <a:t>-merchant"</a:t>
                       </a:r>
                       <a:r>
-                        <a:rPr lang="en-US" sz="1200" dirty="0" smtClean="0">
+                        <a:rPr lang="en-US" sz="1200" dirty="0">
                           <a:solidFill>
                             <a:srgbClr val="000000"/>
                           </a:solidFill>
@@ -7768,7 +7758,7 @@
                     </a:p>
                     <a:p>
                       <a:r>
-                        <a:rPr lang="en-US" sz="1200" dirty="0" smtClean="0">
+                        <a:rPr lang="en-US" sz="1200" dirty="0">
                           <a:solidFill>
                             <a:srgbClr val="000000"/>
                           </a:solidFill>
@@ -7777,7 +7767,7 @@
                         <a:t>  </a:t>
                       </a:r>
                       <a:r>
-                        <a:rPr lang="en-US" sz="1200" dirty="0" smtClean="0">
+                        <a:rPr lang="en-US" sz="1200" dirty="0">
                           <a:solidFill>
                             <a:srgbClr val="2E75B6"/>
                           </a:solidFill>
@@ -7786,7 +7776,7 @@
                         <a:t>"password"</a:t>
                       </a:r>
                       <a:r>
-                        <a:rPr lang="en-US" sz="1200" dirty="0" smtClean="0">
+                        <a:rPr lang="en-US" sz="1200" dirty="0">
                           <a:solidFill>
                             <a:srgbClr val="000000"/>
                           </a:solidFill>
@@ -7795,7 +7785,7 @@
                         <a:t>: </a:t>
                       </a:r>
                       <a:r>
-                        <a:rPr lang="en-US" sz="1200" dirty="0" smtClean="0">
+                        <a:rPr lang="en-US" sz="1200" dirty="0">
                           <a:solidFill>
                             <a:srgbClr val="A31515"/>
                           </a:solidFill>
@@ -7804,7 +7794,7 @@
                         <a:t>"</a:t>
                       </a:r>
                       <a:r>
-                        <a:rPr lang="en-US" sz="1200" dirty="0" err="1" smtClean="0">
+                        <a:rPr lang="en-US" sz="1200" dirty="0" err="1">
                           <a:solidFill>
                             <a:srgbClr val="A31515"/>
                           </a:solidFill>
@@ -7813,7 +7803,7 @@
                         <a:t>ric</a:t>
                       </a:r>
                       <a:r>
-                        <a:rPr lang="en-US" sz="1200" dirty="0" smtClean="0">
+                        <a:rPr lang="en-US" sz="1200" dirty="0">
                           <a:solidFill>
                             <a:srgbClr val="A31515"/>
                           </a:solidFill>
@@ -7822,7 +7812,7 @@
                         <a:t>-password"</a:t>
                       </a:r>
                       <a:r>
-                        <a:rPr lang="en-US" sz="1200" dirty="0" smtClean="0">
+                        <a:rPr lang="en-US" sz="1200" dirty="0">
                           <a:solidFill>
                             <a:srgbClr val="000000"/>
                           </a:solidFill>
@@ -7833,7 +7823,7 @@
                     </a:p>
                     <a:p>
                       <a:r>
-                        <a:rPr lang="en-US" sz="1200" dirty="0" smtClean="0">
+                        <a:rPr lang="en-US" sz="1200" dirty="0">
                           <a:solidFill>
                             <a:srgbClr val="000000"/>
                           </a:solidFill>
@@ -7842,7 +7832,7 @@
                         <a:t>  </a:t>
                       </a:r>
                       <a:r>
-                        <a:rPr lang="en-US" sz="1200" dirty="0" smtClean="0">
+                        <a:rPr lang="en-US" sz="1200" dirty="0">
                           <a:solidFill>
                             <a:srgbClr val="2E75B6"/>
                           </a:solidFill>
@@ -7851,7 +7841,7 @@
                         <a:t>"</a:t>
                       </a:r>
                       <a:r>
-                        <a:rPr lang="en-US" sz="1200" dirty="0" err="1" smtClean="0">
+                        <a:rPr lang="en-US" sz="1200" dirty="0" err="1">
                           <a:solidFill>
                             <a:srgbClr val="2E75B6"/>
                           </a:solidFill>
@@ -7860,7 +7850,7 @@
                         <a:t>merchantUserId</a:t>
                       </a:r>
                       <a:r>
-                        <a:rPr lang="en-US" sz="1200" dirty="0" smtClean="0">
+                        <a:rPr lang="en-US" sz="1200" dirty="0">
                           <a:solidFill>
                             <a:srgbClr val="2E75B6"/>
                           </a:solidFill>
@@ -7869,7 +7859,7 @@
                         <a:t>"</a:t>
                       </a:r>
                       <a:r>
-                        <a:rPr lang="en-US" sz="1200" dirty="0" smtClean="0">
+                        <a:rPr lang="en-US" sz="1200" dirty="0">
                           <a:solidFill>
                             <a:srgbClr val="000000"/>
                           </a:solidFill>
@@ -7878,7 +7868,7 @@
                         <a:t>: </a:t>
                       </a:r>
                       <a:r>
-                        <a:rPr lang="en-US" sz="1200" dirty="0" smtClean="0">
+                        <a:rPr lang="en-US" sz="1200" dirty="0">
                           <a:solidFill>
                             <a:srgbClr val="0000FF"/>
                           </a:solidFill>
@@ -7886,7 +7876,7 @@
                         </a:rPr>
                         <a:t>null</a:t>
                       </a:r>
-                      <a:endParaRPr lang="en-US" sz="1200" dirty="0" smtClean="0">
+                      <a:endParaRPr lang="en-US" sz="1200" dirty="0">
                         <a:solidFill>
                           <a:srgbClr val="000000"/>
                         </a:solidFill>
@@ -7895,7 +7885,7 @@
                     </a:p>
                     <a:p>
                       <a:r>
-                        <a:rPr lang="ru-RU" sz="1200" dirty="0" smtClean="0">
+                        <a:rPr lang="ru-RU" sz="1200" dirty="0">
                           <a:solidFill>
                             <a:srgbClr val="000000"/>
                           </a:solidFill>
@@ -7917,7 +7907,7 @@
                     <a:lstStyle/>
                     <a:p>
                       <a:r>
-                        <a:rPr lang="ru-RU" sz="1200" dirty="0" smtClean="0">
+                        <a:rPr lang="ru-RU" sz="1200" dirty="0">
                           <a:solidFill>
                             <a:srgbClr val="000000"/>
                           </a:solidFill>
@@ -7928,7 +7918,7 @@
                     </a:p>
                     <a:p>
                       <a:r>
-                        <a:rPr lang="en-US" sz="1200" dirty="0" smtClean="0">
+                        <a:rPr lang="en-US" sz="1200" dirty="0">
                           <a:solidFill>
                             <a:srgbClr val="000000"/>
                           </a:solidFill>
@@ -7937,7 +7927,7 @@
                         <a:t>  </a:t>
                       </a:r>
                       <a:r>
-                        <a:rPr lang="en-US" sz="1200" dirty="0" smtClean="0">
+                        <a:rPr lang="en-US" sz="1200" dirty="0">
                           <a:solidFill>
                             <a:srgbClr val="2E75B6"/>
                           </a:solidFill>
@@ -7946,7 +7936,7 @@
                         <a:t>"result"</a:t>
                       </a:r>
                       <a:r>
-                        <a:rPr lang="en-US" sz="1200" dirty="0" smtClean="0">
+                        <a:rPr lang="en-US" sz="1200" dirty="0">
                           <a:solidFill>
                             <a:srgbClr val="000000"/>
                           </a:solidFill>
@@ -7957,7 +7947,7 @@
                     </a:p>
                     <a:p>
                       <a:r>
-                        <a:rPr lang="ru-RU" sz="1200" dirty="0" smtClean="0">
+                        <a:rPr lang="ru-RU" sz="1200" dirty="0">
                           <a:solidFill>
                             <a:srgbClr val="000000"/>
                           </a:solidFill>
@@ -7966,7 +7956,7 @@
                         <a:t>  </a:t>
                       </a:r>
                       <a:r>
-                        <a:rPr lang="ru-RU" sz="1200" dirty="0" smtClean="0">
+                        <a:rPr lang="ru-RU" sz="1200" dirty="0">
                           <a:solidFill>
                             <a:srgbClr val="2E75B6"/>
                           </a:solidFill>
@@ -7975,7 +7965,7 @@
                         <a:t>"</a:t>
                       </a:r>
                       <a:r>
-                        <a:rPr lang="ru-RU" sz="1200" dirty="0" err="1" smtClean="0">
+                        <a:rPr lang="ru-RU" sz="1200" dirty="0" err="1">
                           <a:solidFill>
                             <a:srgbClr val="2E75B6"/>
                           </a:solidFill>
@@ -7984,7 +7974,7 @@
                         <a:t>message</a:t>
                       </a:r>
                       <a:r>
-                        <a:rPr lang="ru-RU" sz="1200" dirty="0" smtClean="0">
+                        <a:rPr lang="ru-RU" sz="1200" dirty="0">
                           <a:solidFill>
                             <a:srgbClr val="2E75B6"/>
                           </a:solidFill>
@@ -7993,7 +7983,7 @@
                         <a:t>"</a:t>
                       </a:r>
                       <a:r>
-                        <a:rPr lang="ru-RU" sz="1200" dirty="0" smtClean="0">
+                        <a:rPr lang="ru-RU" sz="1200" dirty="0">
                           <a:solidFill>
                             <a:srgbClr val="000000"/>
                           </a:solidFill>
@@ -8002,7 +7992,7 @@
                         <a:t>: </a:t>
                       </a:r>
                       <a:r>
-                        <a:rPr lang="ru-RU" sz="1200" dirty="0" smtClean="0">
+                        <a:rPr lang="ru-RU" sz="1200" dirty="0">
                           <a:solidFill>
                             <a:srgbClr val="A31515"/>
                           </a:solidFill>
@@ -8011,7 +8001,7 @@
                         <a:t>"Не удалось найти указанного пользователя!"</a:t>
                       </a:r>
                       <a:r>
-                        <a:rPr lang="ru-RU" sz="1200" dirty="0" smtClean="0">
+                        <a:rPr lang="ru-RU" sz="1200" dirty="0">
                           <a:solidFill>
                             <a:srgbClr val="000000"/>
                           </a:solidFill>
@@ -8022,7 +8012,7 @@
                     </a:p>
                     <a:p>
                       <a:r>
-                        <a:rPr lang="en-US" sz="1200" dirty="0" smtClean="0">
+                        <a:rPr lang="en-US" sz="1200" dirty="0">
                           <a:solidFill>
                             <a:srgbClr val="000000"/>
                           </a:solidFill>
@@ -8031,7 +8021,7 @@
                         <a:t>  </a:t>
                       </a:r>
                       <a:r>
-                        <a:rPr lang="en-US" sz="1200" dirty="0" smtClean="0">
+                        <a:rPr lang="en-US" sz="1200" dirty="0">
                           <a:solidFill>
                             <a:srgbClr val="2E75B6"/>
                           </a:solidFill>
@@ -8040,7 +8030,7 @@
                         <a:t>"balance"</a:t>
                       </a:r>
                       <a:r>
-                        <a:rPr lang="en-US" sz="1200" dirty="0" smtClean="0">
+                        <a:rPr lang="en-US" sz="1200" dirty="0">
                           <a:solidFill>
                             <a:srgbClr val="000000"/>
                           </a:solidFill>
@@ -8051,7 +8041,7 @@
                     </a:p>
                     <a:p>
                       <a:r>
-                        <a:rPr lang="ru-RU" sz="1200" dirty="0" smtClean="0">
+                        <a:rPr lang="ru-RU" sz="1200" dirty="0">
                           <a:solidFill>
                             <a:srgbClr val="000000"/>
                           </a:solidFill>
@@ -8076,7 +8066,7 @@
                 </a:tc>
                 <a:extLst>
                   <a:ext uri="{0D108BD9-81ED-4DB2-BD59-A6C34878D82A}">
-                    <a16:rowId xmlns="" xmlns:a16="http://schemas.microsoft.com/office/drawing/2014/main" val="10003"/>
+                    <a16:rowId xmlns:a16="http://schemas.microsoft.com/office/drawing/2014/main" val="10003"/>
                   </a:ext>
                 </a:extLst>
               </a:tr>
@@ -8180,7 +8170,7 @@
                     <a:lstStyle/>
                     <a:p>
                       <a:r>
-                        <a:rPr lang="ru-RU" sz="1200" dirty="0" smtClean="0">
+                        <a:rPr lang="ru-RU" sz="1200" dirty="0">
                           <a:solidFill>
                             <a:srgbClr val="000000"/>
                           </a:solidFill>
@@ -8191,7 +8181,7 @@
                     </a:p>
                     <a:p>
                       <a:r>
-                        <a:rPr lang="en-US" sz="1200" dirty="0" smtClean="0">
+                        <a:rPr lang="en-US" sz="1200" dirty="0">
                           <a:solidFill>
                             <a:srgbClr val="000000"/>
                           </a:solidFill>
@@ -8200,7 +8190,7 @@
                         <a:t>  </a:t>
                       </a:r>
                       <a:r>
-                        <a:rPr lang="en-US" sz="1200" dirty="0" smtClean="0">
+                        <a:rPr lang="en-US" sz="1200" dirty="0">
                           <a:solidFill>
                             <a:srgbClr val="2E75B6"/>
                           </a:solidFill>
@@ -8209,7 +8199,7 @@
                         <a:t>"merchant"</a:t>
                       </a:r>
                       <a:r>
-                        <a:rPr lang="en-US" sz="1200" dirty="0" smtClean="0">
+                        <a:rPr lang="en-US" sz="1200" dirty="0">
                           <a:solidFill>
                             <a:srgbClr val="000000"/>
                           </a:solidFill>
@@ -8218,7 +8208,7 @@
                         <a:t>: </a:t>
                       </a:r>
                       <a:r>
-                        <a:rPr lang="en-US" sz="1200" dirty="0" smtClean="0">
+                        <a:rPr lang="en-US" sz="1200" dirty="0">
                           <a:solidFill>
                             <a:srgbClr val="0000FF"/>
                           </a:solidFill>
@@ -8227,7 +8217,7 @@
                         <a:t>null</a:t>
                       </a:r>
                       <a:r>
-                        <a:rPr lang="en-US" sz="1200" dirty="0" smtClean="0">
+                        <a:rPr lang="en-US" sz="1200" dirty="0">
                           <a:solidFill>
                             <a:srgbClr val="000000"/>
                           </a:solidFill>
@@ -8238,7 +8228,7 @@
                     </a:p>
                     <a:p>
                       <a:r>
-                        <a:rPr lang="en-US" sz="1200" dirty="0" smtClean="0">
+                        <a:rPr lang="en-US" sz="1200" dirty="0">
                           <a:solidFill>
                             <a:srgbClr val="000000"/>
                           </a:solidFill>
@@ -8247,7 +8237,7 @@
                         <a:t>  </a:t>
                       </a:r>
                       <a:r>
-                        <a:rPr lang="en-US" sz="1200" dirty="0" smtClean="0">
+                        <a:rPr lang="en-US" sz="1200" dirty="0">
                           <a:solidFill>
                             <a:srgbClr val="2E75B6"/>
                           </a:solidFill>
@@ -8256,7 +8246,7 @@
                         <a:t>"password"</a:t>
                       </a:r>
                       <a:r>
-                        <a:rPr lang="en-US" sz="1200" dirty="0" smtClean="0">
+                        <a:rPr lang="en-US" sz="1200" dirty="0">
                           <a:solidFill>
                             <a:srgbClr val="000000"/>
                           </a:solidFill>
@@ -8265,7 +8255,7 @@
                         <a:t>: </a:t>
                       </a:r>
                       <a:r>
-                        <a:rPr lang="en-US" sz="1200" dirty="0" smtClean="0">
+                        <a:rPr lang="en-US" sz="1200" dirty="0">
                           <a:solidFill>
                             <a:srgbClr val="A31515"/>
                           </a:solidFill>
@@ -8274,7 +8264,7 @@
                         <a:t>"</a:t>
                       </a:r>
                       <a:r>
-                        <a:rPr lang="en-US" sz="1200" dirty="0" err="1" smtClean="0">
+                        <a:rPr lang="en-US" sz="1200" dirty="0" err="1">
                           <a:solidFill>
                             <a:srgbClr val="A31515"/>
                           </a:solidFill>
@@ -8283,7 +8273,7 @@
                         <a:t>ric</a:t>
                       </a:r>
                       <a:r>
-                        <a:rPr lang="en-US" sz="1200" dirty="0" smtClean="0">
+                        <a:rPr lang="en-US" sz="1200" dirty="0">
                           <a:solidFill>
                             <a:srgbClr val="A31515"/>
                           </a:solidFill>
@@ -8292,7 +8282,7 @@
                         <a:t>-password"</a:t>
                       </a:r>
                       <a:r>
-                        <a:rPr lang="en-US" sz="1200" dirty="0" smtClean="0">
+                        <a:rPr lang="en-US" sz="1200" dirty="0">
                           <a:solidFill>
                             <a:srgbClr val="000000"/>
                           </a:solidFill>
@@ -8303,7 +8293,7 @@
                     </a:p>
                     <a:p>
                       <a:r>
-                        <a:rPr lang="en-US" sz="1200" dirty="0" smtClean="0">
+                        <a:rPr lang="en-US" sz="1200" dirty="0">
                           <a:solidFill>
                             <a:srgbClr val="000000"/>
                           </a:solidFill>
@@ -8312,7 +8302,7 @@
                         <a:t>  </a:t>
                       </a:r>
                       <a:r>
-                        <a:rPr lang="en-US" sz="1200" dirty="0" smtClean="0">
+                        <a:rPr lang="en-US" sz="1200" dirty="0">
                           <a:solidFill>
                             <a:srgbClr val="2E75B6"/>
                           </a:solidFill>
@@ -8321,7 +8311,7 @@
                         <a:t>"</a:t>
                       </a:r>
                       <a:r>
-                        <a:rPr lang="en-US" sz="1200" dirty="0" err="1" smtClean="0">
+                        <a:rPr lang="en-US" sz="1200" dirty="0" err="1">
                           <a:solidFill>
                             <a:srgbClr val="2E75B6"/>
                           </a:solidFill>
@@ -8330,7 +8320,7 @@
                         <a:t>merchantUserId</a:t>
                       </a:r>
                       <a:r>
-                        <a:rPr lang="en-US" sz="1200" dirty="0" smtClean="0">
+                        <a:rPr lang="en-US" sz="1200" dirty="0">
                           <a:solidFill>
                             <a:srgbClr val="2E75B6"/>
                           </a:solidFill>
@@ -8339,7 +8329,7 @@
                         <a:t>"</a:t>
                       </a:r>
                       <a:r>
-                        <a:rPr lang="en-US" sz="1200" dirty="0" smtClean="0">
+                        <a:rPr lang="en-US" sz="1200" dirty="0">
                           <a:solidFill>
                             <a:srgbClr val="000000"/>
                           </a:solidFill>
@@ -8348,7 +8338,7 @@
                         <a:t>: </a:t>
                       </a:r>
                       <a:r>
-                        <a:rPr lang="en-US" sz="1200" dirty="0" smtClean="0">
+                        <a:rPr lang="en-US" sz="1200" dirty="0">
                           <a:solidFill>
                             <a:srgbClr val="A31515"/>
                           </a:solidFill>
@@ -8356,7 +8346,7 @@
                         </a:rPr>
                         <a:t>"sso221470"</a:t>
                       </a:r>
-                      <a:endParaRPr lang="en-US" sz="1200" dirty="0" smtClean="0">
+                      <a:endParaRPr lang="en-US" sz="1200" dirty="0">
                         <a:solidFill>
                           <a:srgbClr val="000000"/>
                         </a:solidFill>
@@ -8365,7 +8355,7 @@
                     </a:p>
                     <a:p>
                       <a:r>
-                        <a:rPr lang="ru-RU" sz="1200" dirty="0" smtClean="0">
+                        <a:rPr lang="ru-RU" sz="1200" dirty="0">
                           <a:solidFill>
                             <a:srgbClr val="000000"/>
                           </a:solidFill>
@@ -8394,7 +8384,7 @@
                     <a:lstStyle/>
                     <a:p>
                       <a:r>
-                        <a:rPr lang="ru-RU" sz="1200" dirty="0" smtClean="0">
+                        <a:rPr lang="ru-RU" sz="1200" dirty="0">
                           <a:solidFill>
                             <a:srgbClr val="000000"/>
                           </a:solidFill>
@@ -8405,7 +8395,7 @@
                     </a:p>
                     <a:p>
                       <a:r>
-                        <a:rPr lang="en-US" sz="1200" dirty="0" smtClean="0">
+                        <a:rPr lang="en-US" sz="1200" dirty="0">
                           <a:solidFill>
                             <a:srgbClr val="000000"/>
                           </a:solidFill>
@@ -8414,7 +8404,7 @@
                         <a:t>  </a:t>
                       </a:r>
                       <a:r>
-                        <a:rPr lang="en-US" sz="1200" dirty="0" smtClean="0">
+                        <a:rPr lang="en-US" sz="1200" dirty="0">
                           <a:solidFill>
                             <a:srgbClr val="2E75B6"/>
                           </a:solidFill>
@@ -8423,7 +8413,7 @@
                         <a:t>"result"</a:t>
                       </a:r>
                       <a:r>
-                        <a:rPr lang="en-US" sz="1200" dirty="0" smtClean="0">
+                        <a:rPr lang="en-US" sz="1200" dirty="0">
                           <a:solidFill>
                             <a:srgbClr val="000000"/>
                           </a:solidFill>
@@ -8434,7 +8424,7 @@
                     </a:p>
                     <a:p>
                       <a:r>
-                        <a:rPr lang="ru-RU" sz="1200" dirty="0" smtClean="0">
+                        <a:rPr lang="ru-RU" sz="1200" dirty="0">
                           <a:solidFill>
                             <a:srgbClr val="000000"/>
                           </a:solidFill>
@@ -8443,7 +8433,7 @@
                         <a:t>  </a:t>
                       </a:r>
                       <a:r>
-                        <a:rPr lang="ru-RU" sz="1200" dirty="0" smtClean="0">
+                        <a:rPr lang="ru-RU" sz="1200" dirty="0">
                           <a:solidFill>
                             <a:srgbClr val="2E75B6"/>
                           </a:solidFill>
@@ -8452,7 +8442,7 @@
                         <a:t>"</a:t>
                       </a:r>
                       <a:r>
-                        <a:rPr lang="ru-RU" sz="1200" dirty="0" err="1" smtClean="0">
+                        <a:rPr lang="ru-RU" sz="1200" dirty="0" err="1">
                           <a:solidFill>
                             <a:srgbClr val="2E75B6"/>
                           </a:solidFill>
@@ -8461,7 +8451,7 @@
                         <a:t>message</a:t>
                       </a:r>
                       <a:r>
-                        <a:rPr lang="ru-RU" sz="1200" dirty="0" smtClean="0">
+                        <a:rPr lang="ru-RU" sz="1200" dirty="0">
                           <a:solidFill>
                             <a:srgbClr val="2E75B6"/>
                           </a:solidFill>
@@ -8470,7 +8460,7 @@
                         <a:t>"</a:t>
                       </a:r>
                       <a:r>
-                        <a:rPr lang="ru-RU" sz="1200" dirty="0" smtClean="0">
+                        <a:rPr lang="ru-RU" sz="1200" dirty="0">
                           <a:solidFill>
                             <a:srgbClr val="000000"/>
                           </a:solidFill>
@@ -8479,7 +8469,7 @@
                         <a:t>: </a:t>
                       </a:r>
                       <a:r>
-                        <a:rPr lang="ru-RU" sz="1200" dirty="0" smtClean="0">
+                        <a:rPr lang="ru-RU" sz="1200" dirty="0">
                           <a:solidFill>
                             <a:srgbClr val="A31515"/>
                           </a:solidFill>
@@ -8488,7 +8478,7 @@
                         <a:t>"Не удалось найти указанный мерчант!"</a:t>
                       </a:r>
                       <a:r>
-                        <a:rPr lang="ru-RU" sz="1200" dirty="0" smtClean="0">
+                        <a:rPr lang="ru-RU" sz="1200" dirty="0">
                           <a:solidFill>
                             <a:srgbClr val="000000"/>
                           </a:solidFill>
@@ -8499,7 +8489,7 @@
                     </a:p>
                     <a:p>
                       <a:r>
-                        <a:rPr lang="en-US" sz="1200" dirty="0" smtClean="0">
+                        <a:rPr lang="en-US" sz="1200" dirty="0">
                           <a:solidFill>
                             <a:srgbClr val="000000"/>
                           </a:solidFill>
@@ -8508,7 +8498,7 @@
                         <a:t>  </a:t>
                       </a:r>
                       <a:r>
-                        <a:rPr lang="en-US" sz="1200" dirty="0" smtClean="0">
+                        <a:rPr lang="en-US" sz="1200" dirty="0">
                           <a:solidFill>
                             <a:srgbClr val="2E75B6"/>
                           </a:solidFill>
@@ -8517,7 +8507,7 @@
                         <a:t>"balance"</a:t>
                       </a:r>
                       <a:r>
-                        <a:rPr lang="en-US" sz="1200" dirty="0" smtClean="0">
+                        <a:rPr lang="en-US" sz="1200" dirty="0">
                           <a:solidFill>
                             <a:srgbClr val="000000"/>
                           </a:solidFill>
@@ -8528,7 +8518,7 @@
                     </a:p>
                     <a:p>
                       <a:r>
-                        <a:rPr lang="ru-RU" sz="1200" dirty="0" smtClean="0">
+                        <a:rPr lang="ru-RU" sz="1200" dirty="0">
                           <a:solidFill>
                             <a:srgbClr val="000000"/>
                           </a:solidFill>
@@ -8546,7 +8536,7 @@
                 </a:tc>
                 <a:extLst>
                   <a:ext uri="{0D108BD9-81ED-4DB2-BD59-A6C34878D82A}">
-                    <a16:rowId xmlns="" xmlns:a16="http://schemas.microsoft.com/office/drawing/2014/main" val="10004"/>
+                    <a16:rowId xmlns:a16="http://schemas.microsoft.com/office/drawing/2014/main" val="10004"/>
                   </a:ext>
                 </a:extLst>
               </a:tr>
@@ -8650,7 +8640,7 @@
                     <a:lstStyle/>
                     <a:p>
                       <a:r>
-                        <a:rPr lang="ru-RU" sz="1200" dirty="0" smtClean="0">
+                        <a:rPr lang="ru-RU" sz="1200" dirty="0">
                           <a:solidFill>
                             <a:srgbClr val="000000"/>
                           </a:solidFill>
@@ -8661,7 +8651,7 @@
                     </a:p>
                     <a:p>
                       <a:r>
-                        <a:rPr lang="en-US" sz="1200" dirty="0" smtClean="0">
+                        <a:rPr lang="en-US" sz="1200" dirty="0">
                           <a:solidFill>
                             <a:srgbClr val="000000"/>
                           </a:solidFill>
@@ -8670,7 +8660,7 @@
                         <a:t>  </a:t>
                       </a:r>
                       <a:r>
-                        <a:rPr lang="en-US" sz="1200" dirty="0" smtClean="0">
+                        <a:rPr lang="en-US" sz="1200" dirty="0">
                           <a:solidFill>
                             <a:srgbClr val="2E75B6"/>
                           </a:solidFill>
@@ -8679,7 +8669,7 @@
                         <a:t>"merchant"</a:t>
                       </a:r>
                       <a:r>
-                        <a:rPr lang="en-US" sz="1200" dirty="0" smtClean="0">
+                        <a:rPr lang="en-US" sz="1200" dirty="0">
                           <a:solidFill>
                             <a:srgbClr val="000000"/>
                           </a:solidFill>
@@ -8688,7 +8678,7 @@
                         <a:t>: </a:t>
                       </a:r>
                       <a:r>
-                        <a:rPr lang="en-US" sz="1200" dirty="0" smtClean="0">
+                        <a:rPr lang="en-US" sz="1200" dirty="0">
                           <a:solidFill>
                             <a:srgbClr val="A31515"/>
                           </a:solidFill>
@@ -8697,7 +8687,7 @@
                         <a:t>"</a:t>
                       </a:r>
                       <a:r>
-                        <a:rPr lang="en-US" sz="1200" dirty="0" err="1" smtClean="0">
+                        <a:rPr lang="en-US" sz="1200" dirty="0" err="1">
                           <a:solidFill>
                             <a:srgbClr val="A31515"/>
                           </a:solidFill>
@@ -8706,7 +8696,7 @@
                         <a:t>ric</a:t>
                       </a:r>
                       <a:r>
-                        <a:rPr lang="en-US" sz="1200" dirty="0" smtClean="0">
+                        <a:rPr lang="en-US" sz="1200" dirty="0">
                           <a:solidFill>
                             <a:srgbClr val="A31515"/>
                           </a:solidFill>
@@ -8715,7 +8705,7 @@
                         <a:t>-merchant"</a:t>
                       </a:r>
                       <a:r>
-                        <a:rPr lang="en-US" sz="1200" dirty="0" smtClean="0">
+                        <a:rPr lang="en-US" sz="1200" dirty="0">
                           <a:solidFill>
                             <a:srgbClr val="000000"/>
                           </a:solidFill>
@@ -8726,7 +8716,7 @@
                     </a:p>
                     <a:p>
                       <a:r>
-                        <a:rPr lang="en-US" sz="1200" dirty="0" smtClean="0">
+                        <a:rPr lang="en-US" sz="1200" dirty="0">
                           <a:solidFill>
                             <a:srgbClr val="000000"/>
                           </a:solidFill>
@@ -8735,7 +8725,7 @@
                         <a:t>  </a:t>
                       </a:r>
                       <a:r>
-                        <a:rPr lang="en-US" sz="1200" dirty="0" smtClean="0">
+                        <a:rPr lang="en-US" sz="1200" dirty="0">
                           <a:solidFill>
                             <a:srgbClr val="2E75B6"/>
                           </a:solidFill>
@@ -8744,7 +8734,7 @@
                         <a:t>"password"</a:t>
                       </a:r>
                       <a:r>
-                        <a:rPr lang="en-US" sz="1200" dirty="0" smtClean="0">
+                        <a:rPr lang="en-US" sz="1200" dirty="0">
                           <a:solidFill>
                             <a:srgbClr val="000000"/>
                           </a:solidFill>
@@ -8753,7 +8743,7 @@
                         <a:t>: </a:t>
                       </a:r>
                       <a:r>
-                        <a:rPr lang="en-US" sz="1200" dirty="0" smtClean="0">
+                        <a:rPr lang="en-US" sz="1200" dirty="0">
                           <a:solidFill>
                             <a:srgbClr val="0000FF"/>
                           </a:solidFill>
@@ -8762,7 +8752,7 @@
                         <a:t>null</a:t>
                       </a:r>
                       <a:r>
-                        <a:rPr lang="en-US" sz="1200" dirty="0" smtClean="0">
+                        <a:rPr lang="en-US" sz="1200" dirty="0">
                           <a:solidFill>
                             <a:srgbClr val="000000"/>
                           </a:solidFill>
@@ -8773,7 +8763,7 @@
                     </a:p>
                     <a:p>
                       <a:r>
-                        <a:rPr lang="en-US" sz="1200" dirty="0" smtClean="0">
+                        <a:rPr lang="en-US" sz="1200" dirty="0">
                           <a:solidFill>
                             <a:srgbClr val="000000"/>
                           </a:solidFill>
@@ -8782,7 +8772,7 @@
                         <a:t>  </a:t>
                       </a:r>
                       <a:r>
-                        <a:rPr lang="en-US" sz="1200" dirty="0" smtClean="0">
+                        <a:rPr lang="en-US" sz="1200" dirty="0">
                           <a:solidFill>
                             <a:srgbClr val="2E75B6"/>
                           </a:solidFill>
@@ -8791,7 +8781,7 @@
                         <a:t>"</a:t>
                       </a:r>
                       <a:r>
-                        <a:rPr lang="en-US" sz="1200" dirty="0" err="1" smtClean="0">
+                        <a:rPr lang="en-US" sz="1200" dirty="0" err="1">
                           <a:solidFill>
                             <a:srgbClr val="2E75B6"/>
                           </a:solidFill>
@@ -8800,7 +8790,7 @@
                         <a:t>merchantUserId</a:t>
                       </a:r>
                       <a:r>
-                        <a:rPr lang="en-US" sz="1200" dirty="0" smtClean="0">
+                        <a:rPr lang="en-US" sz="1200" dirty="0">
                           <a:solidFill>
                             <a:srgbClr val="2E75B6"/>
                           </a:solidFill>
@@ -8809,7 +8799,7 @@
                         <a:t>"</a:t>
                       </a:r>
                       <a:r>
-                        <a:rPr lang="en-US" sz="1200" dirty="0" smtClean="0">
+                        <a:rPr lang="en-US" sz="1200" dirty="0">
                           <a:solidFill>
                             <a:srgbClr val="000000"/>
                           </a:solidFill>
@@ -8818,7 +8808,7 @@
                         <a:t>: </a:t>
                       </a:r>
                       <a:r>
-                        <a:rPr lang="en-US" sz="1200" dirty="0" smtClean="0">
+                        <a:rPr lang="en-US" sz="1200" dirty="0">
                           <a:solidFill>
                             <a:srgbClr val="A31515"/>
                           </a:solidFill>
@@ -8826,7 +8816,7 @@
                         </a:rPr>
                         <a:t>"sso221470"</a:t>
                       </a:r>
-                      <a:endParaRPr lang="en-US" sz="1200" dirty="0" smtClean="0">
+                      <a:endParaRPr lang="en-US" sz="1200" dirty="0">
                         <a:solidFill>
                           <a:srgbClr val="000000"/>
                         </a:solidFill>
@@ -8835,7 +8825,7 @@
                     </a:p>
                     <a:p>
                       <a:r>
-                        <a:rPr lang="ru-RU" sz="1200" dirty="0" smtClean="0">
+                        <a:rPr lang="ru-RU" sz="1200" dirty="0">
                           <a:solidFill>
                             <a:srgbClr val="000000"/>
                           </a:solidFill>
@@ -8864,7 +8854,7 @@
                     <a:lstStyle/>
                     <a:p>
                       <a:r>
-                        <a:rPr lang="ru-RU" sz="1200" dirty="0" smtClean="0">
+                        <a:rPr lang="ru-RU" sz="1200" dirty="0">
                           <a:solidFill>
                             <a:srgbClr val="000000"/>
                           </a:solidFill>
@@ -8875,7 +8865,7 @@
                     </a:p>
                     <a:p>
                       <a:r>
-                        <a:rPr lang="en-US" sz="1200" dirty="0" smtClean="0">
+                        <a:rPr lang="en-US" sz="1200" dirty="0">
                           <a:solidFill>
                             <a:srgbClr val="000000"/>
                           </a:solidFill>
@@ -8884,7 +8874,7 @@
                         <a:t>  </a:t>
                       </a:r>
                       <a:r>
-                        <a:rPr lang="en-US" sz="1200" dirty="0" smtClean="0">
+                        <a:rPr lang="en-US" sz="1200" dirty="0">
                           <a:solidFill>
                             <a:srgbClr val="2E75B6"/>
                           </a:solidFill>
@@ -8893,7 +8883,7 @@
                         <a:t>"result"</a:t>
                       </a:r>
                       <a:r>
-                        <a:rPr lang="en-US" sz="1200" dirty="0" smtClean="0">
+                        <a:rPr lang="en-US" sz="1200" dirty="0">
                           <a:solidFill>
                             <a:srgbClr val="000000"/>
                           </a:solidFill>
@@ -8904,7 +8894,7 @@
                     </a:p>
                     <a:p>
                       <a:r>
-                        <a:rPr lang="ru-RU" sz="1200" dirty="0" smtClean="0">
+                        <a:rPr lang="ru-RU" sz="1200" dirty="0">
                           <a:solidFill>
                             <a:srgbClr val="000000"/>
                           </a:solidFill>
@@ -8913,7 +8903,7 @@
                         <a:t>  </a:t>
                       </a:r>
                       <a:r>
-                        <a:rPr lang="ru-RU" sz="1200" dirty="0" smtClean="0">
+                        <a:rPr lang="ru-RU" sz="1200" dirty="0">
                           <a:solidFill>
                             <a:srgbClr val="2E75B6"/>
                           </a:solidFill>
@@ -8922,7 +8912,7 @@
                         <a:t>"</a:t>
                       </a:r>
                       <a:r>
-                        <a:rPr lang="ru-RU" sz="1200" dirty="0" err="1" smtClean="0">
+                        <a:rPr lang="ru-RU" sz="1200" dirty="0" err="1">
                           <a:solidFill>
                             <a:srgbClr val="2E75B6"/>
                           </a:solidFill>
@@ -8931,7 +8921,7 @@
                         <a:t>message</a:t>
                       </a:r>
                       <a:r>
-                        <a:rPr lang="ru-RU" sz="1200" dirty="0" smtClean="0">
+                        <a:rPr lang="ru-RU" sz="1200" dirty="0">
                           <a:solidFill>
                             <a:srgbClr val="2E75B6"/>
                           </a:solidFill>
@@ -8940,7 +8930,7 @@
                         <a:t>"</a:t>
                       </a:r>
                       <a:r>
-                        <a:rPr lang="ru-RU" sz="1200" dirty="0" smtClean="0">
+                        <a:rPr lang="ru-RU" sz="1200" dirty="0">
                           <a:solidFill>
                             <a:srgbClr val="000000"/>
                           </a:solidFill>
@@ -8949,7 +8939,7 @@
                         <a:t>: </a:t>
                       </a:r>
                       <a:r>
-                        <a:rPr lang="ru-RU" sz="1200" dirty="0" smtClean="0">
+                        <a:rPr lang="ru-RU" sz="1200" dirty="0">
                           <a:solidFill>
                             <a:srgbClr val="A31515"/>
                           </a:solidFill>
@@ -8958,7 +8948,7 @@
                         <a:t>"Не удалось найти указанный мерчант!"</a:t>
                       </a:r>
                       <a:r>
-                        <a:rPr lang="ru-RU" sz="1200" dirty="0" smtClean="0">
+                        <a:rPr lang="ru-RU" sz="1200" dirty="0">
                           <a:solidFill>
                             <a:srgbClr val="000000"/>
                           </a:solidFill>
@@ -8969,7 +8959,7 @@
                     </a:p>
                     <a:p>
                       <a:r>
-                        <a:rPr lang="en-US" sz="1200" dirty="0" smtClean="0">
+                        <a:rPr lang="en-US" sz="1200" dirty="0">
                           <a:solidFill>
                             <a:srgbClr val="000000"/>
                           </a:solidFill>
@@ -8978,7 +8968,7 @@
                         <a:t>  </a:t>
                       </a:r>
                       <a:r>
-                        <a:rPr lang="en-US" sz="1200" dirty="0" smtClean="0">
+                        <a:rPr lang="en-US" sz="1200" dirty="0">
                           <a:solidFill>
                             <a:srgbClr val="2E75B6"/>
                           </a:solidFill>
@@ -8987,7 +8977,7 @@
                         <a:t>"balance"</a:t>
                       </a:r>
                       <a:r>
-                        <a:rPr lang="en-US" sz="1200" dirty="0" smtClean="0">
+                        <a:rPr lang="en-US" sz="1200" dirty="0">
                           <a:solidFill>
                             <a:srgbClr val="000000"/>
                           </a:solidFill>
@@ -8998,7 +8988,7 @@
                     </a:p>
                     <a:p>
                       <a:r>
-                        <a:rPr lang="ru-RU" sz="1200" dirty="0" smtClean="0">
+                        <a:rPr lang="ru-RU" sz="1200" dirty="0">
                           <a:solidFill>
                             <a:srgbClr val="000000"/>
                           </a:solidFill>
@@ -9016,7 +9006,7 @@
                 </a:tc>
                 <a:extLst>
                   <a:ext uri="{0D108BD9-81ED-4DB2-BD59-A6C34878D82A}">
-                    <a16:rowId xmlns="" xmlns:a16="http://schemas.microsoft.com/office/drawing/2014/main" val="10005"/>
+                    <a16:rowId xmlns:a16="http://schemas.microsoft.com/office/drawing/2014/main" val="10005"/>
                   </a:ext>
                 </a:extLst>
               </a:tr>
@@ -9174,7 +9164,7 @@
           <p:cNvPr id="2" name="Номер слайда 1">
             <a:extLst>
               <a:ext uri="{FF2B5EF4-FFF2-40B4-BE49-F238E27FC236}">
-                <a16:creationId xmlns="" xmlns:a16="http://schemas.microsoft.com/office/drawing/2014/main" id="{67CA6F6E-D696-47FC-8813-983909D46FEE}"/>
+                <a16:creationId xmlns:a16="http://schemas.microsoft.com/office/drawing/2014/main" id="{67CA6F6E-D696-47FC-8813-983909D46FEE}"/>
               </a:ext>
             </a:extLst>
           </p:cNvPr>
@@ -9211,7 +9201,7 @@
           <p:cNvPr id="5" name="Прямая соединительная линия 4">
             <a:extLst>
               <a:ext uri="{FF2B5EF4-FFF2-40B4-BE49-F238E27FC236}">
-                <a16:creationId xmlns="" xmlns:a16="http://schemas.microsoft.com/office/drawing/2014/main" id="{46192FF6-0BCD-418A-85CE-B254539D9312}"/>
+                <a16:creationId xmlns:a16="http://schemas.microsoft.com/office/drawing/2014/main" id="{46192FF6-0BCD-418A-85CE-B254539D9312}"/>
               </a:ext>
             </a:extLst>
           </p:cNvPr>
@@ -9250,7 +9240,7 @@
           <p:cNvPr id="12" name="TextBox 10">
             <a:extLst>
               <a:ext uri="{FF2B5EF4-FFF2-40B4-BE49-F238E27FC236}">
-                <a16:creationId xmlns="" xmlns:a16="http://schemas.microsoft.com/office/drawing/2014/main" id="{E7A2D47B-A796-464A-8629-6DE4080689FE}"/>
+                <a16:creationId xmlns:a16="http://schemas.microsoft.com/office/drawing/2014/main" id="{E7A2D47B-A796-464A-8629-6DE4080689FE}"/>
               </a:ext>
             </a:extLst>
           </p:cNvPr>
@@ -9287,7 +9277,7 @@
           <p:cNvPr id="13" name="TextBox 12">
             <a:extLst>
               <a:ext uri="{FF2B5EF4-FFF2-40B4-BE49-F238E27FC236}">
-                <a16:creationId xmlns="" xmlns:a16="http://schemas.microsoft.com/office/drawing/2014/main" id="{4467FFB5-C13F-4251-8F82-3FFE19A5056A}"/>
+                <a16:creationId xmlns:a16="http://schemas.microsoft.com/office/drawing/2014/main" id="{4467FFB5-C13F-4251-8F82-3FFE19A5056A}"/>
               </a:ext>
             </a:extLst>
           </p:cNvPr>
@@ -9324,7 +9314,7 @@
           <p:cNvPr id="14" name="Прямая соединительная линия 13">
             <a:extLst>
               <a:ext uri="{FF2B5EF4-FFF2-40B4-BE49-F238E27FC236}">
-                <a16:creationId xmlns="" xmlns:a16="http://schemas.microsoft.com/office/drawing/2014/main" id="{D94D58F6-1359-44B1-843A-90CEED356218}"/>
+                <a16:creationId xmlns:a16="http://schemas.microsoft.com/office/drawing/2014/main" id="{D94D58F6-1359-44B1-843A-90CEED356218}"/>
               </a:ext>
             </a:extLst>
           </p:cNvPr>
@@ -9404,7 +9394,7 @@
           <p:cNvPr id="19" name="TextBox 18">
             <a:extLst>
               <a:ext uri="{FF2B5EF4-FFF2-40B4-BE49-F238E27FC236}">
-                <a16:creationId xmlns="" xmlns:a16="http://schemas.microsoft.com/office/drawing/2014/main" id="{0DAF1E99-18A8-45BE-8B3C-7CFA7E1CB1CD}"/>
+                <a16:creationId xmlns:a16="http://schemas.microsoft.com/office/drawing/2014/main" id="{0DAF1E99-18A8-45BE-8B3C-7CFA7E1CB1CD}"/>
               </a:ext>
             </a:extLst>
           </p:cNvPr>
@@ -10360,7 +10350,7 @@
           <p:cNvPr id="2" name="Номер слайда 1">
             <a:extLst>
               <a:ext uri="{FF2B5EF4-FFF2-40B4-BE49-F238E27FC236}">
-                <a16:creationId xmlns="" xmlns:a16="http://schemas.microsoft.com/office/drawing/2014/main" id="{4FD39AF1-9BD7-4A5A-8342-EC3A52C2DEEB}"/>
+                <a16:creationId xmlns:a16="http://schemas.microsoft.com/office/drawing/2014/main" id="{4FD39AF1-9BD7-4A5A-8342-EC3A52C2DEEB}"/>
               </a:ext>
             </a:extLst>
           </p:cNvPr>
@@ -10397,7 +10387,7 @@
           <p:cNvPr id="3" name="TextBox 2">
             <a:extLst>
               <a:ext uri="{FF2B5EF4-FFF2-40B4-BE49-F238E27FC236}">
-                <a16:creationId xmlns="" xmlns:a16="http://schemas.microsoft.com/office/drawing/2014/main" id="{1E5E01C5-47DF-40C2-882E-5D0680B0124B}"/>
+                <a16:creationId xmlns:a16="http://schemas.microsoft.com/office/drawing/2014/main" id="{1E5E01C5-47DF-40C2-882E-5D0680B0124B}"/>
               </a:ext>
             </a:extLst>
           </p:cNvPr>
@@ -10711,7 +10701,7 @@
           <p:cNvPr id="2" name="Номер слайда 1">
             <a:extLst>
               <a:ext uri="{FF2B5EF4-FFF2-40B4-BE49-F238E27FC236}">
-                <a16:creationId xmlns="" xmlns:a16="http://schemas.microsoft.com/office/drawing/2014/main" id="{8CA6D043-9D33-44B0-A57F-E42FDF70A68C}"/>
+                <a16:creationId xmlns:a16="http://schemas.microsoft.com/office/drawing/2014/main" id="{8CA6D043-9D33-44B0-A57F-E42FDF70A68C}"/>
               </a:ext>
             </a:extLst>
           </p:cNvPr>
@@ -10748,7 +10738,7 @@
           <p:cNvPr id="27" name="Прямая соединительная линия 26">
             <a:extLst>
               <a:ext uri="{FF2B5EF4-FFF2-40B4-BE49-F238E27FC236}">
-                <a16:creationId xmlns="" xmlns:a16="http://schemas.microsoft.com/office/drawing/2014/main" id="{166611FE-FE9F-4599-A7F5-6CF521D89860}"/>
+                <a16:creationId xmlns:a16="http://schemas.microsoft.com/office/drawing/2014/main" id="{166611FE-FE9F-4599-A7F5-6CF521D89860}"/>
               </a:ext>
             </a:extLst>
           </p:cNvPr>
@@ -10792,7 +10782,7 @@
           <p:cNvPr id="11" name="TextBox 10">
             <a:extLst>
               <a:ext uri="{FF2B5EF4-FFF2-40B4-BE49-F238E27FC236}">
-                <a16:creationId xmlns="" xmlns:a16="http://schemas.microsoft.com/office/drawing/2014/main" id="{19AB353A-7473-4626-91FF-909164C141AF}"/>
+                <a16:creationId xmlns:a16="http://schemas.microsoft.com/office/drawing/2014/main" id="{19AB353A-7473-4626-91FF-909164C141AF}"/>
               </a:ext>
             </a:extLst>
           </p:cNvPr>
@@ -10858,7 +10848,7 @@
           <p:cNvPr id="24" name="TextBox 23">
             <a:extLst>
               <a:ext uri="{FF2B5EF4-FFF2-40B4-BE49-F238E27FC236}">
-                <a16:creationId xmlns="" xmlns:a16="http://schemas.microsoft.com/office/drawing/2014/main" id="{036A13B3-DF4E-4E62-82F2-F0304AEE23FD}"/>
+                <a16:creationId xmlns:a16="http://schemas.microsoft.com/office/drawing/2014/main" id="{036A13B3-DF4E-4E62-82F2-F0304AEE23FD}"/>
               </a:ext>
             </a:extLst>
           </p:cNvPr>
@@ -10898,7 +10888,7 @@
           <p:cNvPr id="58" name="Группа 57">
             <a:extLst>
               <a:ext uri="{FF2B5EF4-FFF2-40B4-BE49-F238E27FC236}">
-                <a16:creationId xmlns="" xmlns:a16="http://schemas.microsoft.com/office/drawing/2014/main" id="{C0F12DF1-B6A2-45FB-9EBE-120E248E93B6}"/>
+                <a16:creationId xmlns:a16="http://schemas.microsoft.com/office/drawing/2014/main" id="{C0F12DF1-B6A2-45FB-9EBE-120E248E93B6}"/>
               </a:ext>
             </a:extLst>
           </p:cNvPr>
@@ -10918,7 +10908,7 @@
             <p:cNvPr id="59" name="TextBox 58">
               <a:extLst>
                 <a:ext uri="{FF2B5EF4-FFF2-40B4-BE49-F238E27FC236}">
-                  <a16:creationId xmlns="" xmlns:a16="http://schemas.microsoft.com/office/drawing/2014/main" id="{2036D72E-F51E-4E2B-AB6D-9DD8546C4B4B}"/>
+                  <a16:creationId xmlns:a16="http://schemas.microsoft.com/office/drawing/2014/main" id="{2036D72E-F51E-4E2B-AB6D-9DD8546C4B4B}"/>
                 </a:ext>
               </a:extLst>
             </p:cNvPr>
@@ -11008,7 +10998,7 @@
             <p:cNvPr id="61" name="TextBox 60">
               <a:extLst>
                 <a:ext uri="{FF2B5EF4-FFF2-40B4-BE49-F238E27FC236}">
-                  <a16:creationId xmlns="" xmlns:a16="http://schemas.microsoft.com/office/drawing/2014/main" id="{3B0D1C6A-ED1C-4177-9E58-C0B7185073BD}"/>
+                  <a16:creationId xmlns:a16="http://schemas.microsoft.com/office/drawing/2014/main" id="{3B0D1C6A-ED1C-4177-9E58-C0B7185073BD}"/>
                 </a:ext>
               </a:extLst>
             </p:cNvPr>
@@ -11113,7 +11103,7 @@
           <p:cNvPr id="62" name="Группа 61">
             <a:extLst>
               <a:ext uri="{FF2B5EF4-FFF2-40B4-BE49-F238E27FC236}">
-                <a16:creationId xmlns="" xmlns:a16="http://schemas.microsoft.com/office/drawing/2014/main" id="{C0F12DF1-B6A2-45FB-9EBE-120E248E93B6}"/>
+                <a16:creationId xmlns:a16="http://schemas.microsoft.com/office/drawing/2014/main" id="{C0F12DF1-B6A2-45FB-9EBE-120E248E93B6}"/>
               </a:ext>
             </a:extLst>
           </p:cNvPr>
@@ -11133,7 +11123,7 @@
             <p:cNvPr id="63" name="TextBox 62">
               <a:extLst>
                 <a:ext uri="{FF2B5EF4-FFF2-40B4-BE49-F238E27FC236}">
-                  <a16:creationId xmlns="" xmlns:a16="http://schemas.microsoft.com/office/drawing/2014/main" id="{2036D72E-F51E-4E2B-AB6D-9DD8546C4B4B}"/>
+                  <a16:creationId xmlns:a16="http://schemas.microsoft.com/office/drawing/2014/main" id="{2036D72E-F51E-4E2B-AB6D-9DD8546C4B4B}"/>
                 </a:ext>
               </a:extLst>
             </p:cNvPr>
@@ -11227,7 +11217,7 @@
             <p:cNvPr id="64" name="TextBox 63">
               <a:extLst>
                 <a:ext uri="{FF2B5EF4-FFF2-40B4-BE49-F238E27FC236}">
-                  <a16:creationId xmlns="" xmlns:a16="http://schemas.microsoft.com/office/drawing/2014/main" id="{3B0D1C6A-ED1C-4177-9E58-C0B7185073BD}"/>
+                  <a16:creationId xmlns:a16="http://schemas.microsoft.com/office/drawing/2014/main" id="{3B0D1C6A-ED1C-4177-9E58-C0B7185073BD}"/>
                 </a:ext>
               </a:extLst>
             </p:cNvPr>
@@ -11332,7 +11322,7 @@
           <p:cNvPr id="66" name="Группа 65">
             <a:extLst>
               <a:ext uri="{FF2B5EF4-FFF2-40B4-BE49-F238E27FC236}">
-                <a16:creationId xmlns="" xmlns:a16="http://schemas.microsoft.com/office/drawing/2014/main" id="{C0F12DF1-B6A2-45FB-9EBE-120E248E93B6}"/>
+                <a16:creationId xmlns:a16="http://schemas.microsoft.com/office/drawing/2014/main" id="{C0F12DF1-B6A2-45FB-9EBE-120E248E93B6}"/>
               </a:ext>
             </a:extLst>
           </p:cNvPr>
@@ -11352,7 +11342,7 @@
             <p:cNvPr id="67" name="TextBox 66">
               <a:extLst>
                 <a:ext uri="{FF2B5EF4-FFF2-40B4-BE49-F238E27FC236}">
-                  <a16:creationId xmlns="" xmlns:a16="http://schemas.microsoft.com/office/drawing/2014/main" id="{2036D72E-F51E-4E2B-AB6D-9DD8546C4B4B}"/>
+                  <a16:creationId xmlns:a16="http://schemas.microsoft.com/office/drawing/2014/main" id="{2036D72E-F51E-4E2B-AB6D-9DD8546C4B4B}"/>
                 </a:ext>
               </a:extLst>
             </p:cNvPr>
@@ -11402,7 +11392,7 @@
             <p:cNvPr id="68" name="TextBox 67">
               <a:extLst>
                 <a:ext uri="{FF2B5EF4-FFF2-40B4-BE49-F238E27FC236}">
-                  <a16:creationId xmlns="" xmlns:a16="http://schemas.microsoft.com/office/drawing/2014/main" id="{3B0D1C6A-ED1C-4177-9E58-C0B7185073BD}"/>
+                  <a16:creationId xmlns:a16="http://schemas.microsoft.com/office/drawing/2014/main" id="{3B0D1C6A-ED1C-4177-9E58-C0B7185073BD}"/>
                 </a:ext>
               </a:extLst>
             </p:cNvPr>
@@ -11507,7 +11497,7 @@
           <p:cNvPr id="70" name="Группа 69">
             <a:extLst>
               <a:ext uri="{FF2B5EF4-FFF2-40B4-BE49-F238E27FC236}">
-                <a16:creationId xmlns="" xmlns:a16="http://schemas.microsoft.com/office/drawing/2014/main" id="{C0F12DF1-B6A2-45FB-9EBE-120E248E93B6}"/>
+                <a16:creationId xmlns:a16="http://schemas.microsoft.com/office/drawing/2014/main" id="{C0F12DF1-B6A2-45FB-9EBE-120E248E93B6}"/>
               </a:ext>
             </a:extLst>
           </p:cNvPr>
@@ -11527,7 +11517,7 @@
             <p:cNvPr id="71" name="TextBox 70">
               <a:extLst>
                 <a:ext uri="{FF2B5EF4-FFF2-40B4-BE49-F238E27FC236}">
-                  <a16:creationId xmlns="" xmlns:a16="http://schemas.microsoft.com/office/drawing/2014/main" id="{2036D72E-F51E-4E2B-AB6D-9DD8546C4B4B}"/>
+                  <a16:creationId xmlns:a16="http://schemas.microsoft.com/office/drawing/2014/main" id="{2036D72E-F51E-4E2B-AB6D-9DD8546C4B4B}"/>
                 </a:ext>
               </a:extLst>
             </p:cNvPr>
@@ -11577,7 +11567,7 @@
             <p:cNvPr id="72" name="TextBox 71">
               <a:extLst>
                 <a:ext uri="{FF2B5EF4-FFF2-40B4-BE49-F238E27FC236}">
-                  <a16:creationId xmlns="" xmlns:a16="http://schemas.microsoft.com/office/drawing/2014/main" id="{3B0D1C6A-ED1C-4177-9E58-C0B7185073BD}"/>
+                  <a16:creationId xmlns:a16="http://schemas.microsoft.com/office/drawing/2014/main" id="{3B0D1C6A-ED1C-4177-9E58-C0B7185073BD}"/>
                 </a:ext>
               </a:extLst>
             </p:cNvPr>
@@ -11682,7 +11672,7 @@
           <p:cNvPr id="75" name="Группа 74">
             <a:extLst>
               <a:ext uri="{FF2B5EF4-FFF2-40B4-BE49-F238E27FC236}">
-                <a16:creationId xmlns="" xmlns:a16="http://schemas.microsoft.com/office/drawing/2014/main" id="{C0F12DF1-B6A2-45FB-9EBE-120E248E93B6}"/>
+                <a16:creationId xmlns:a16="http://schemas.microsoft.com/office/drawing/2014/main" id="{C0F12DF1-B6A2-45FB-9EBE-120E248E93B6}"/>
               </a:ext>
             </a:extLst>
           </p:cNvPr>
@@ -11702,7 +11692,7 @@
             <p:cNvPr id="76" name="TextBox 75">
               <a:extLst>
                 <a:ext uri="{FF2B5EF4-FFF2-40B4-BE49-F238E27FC236}">
-                  <a16:creationId xmlns="" xmlns:a16="http://schemas.microsoft.com/office/drawing/2014/main" id="{2036D72E-F51E-4E2B-AB6D-9DD8546C4B4B}"/>
+                  <a16:creationId xmlns:a16="http://schemas.microsoft.com/office/drawing/2014/main" id="{2036D72E-F51E-4E2B-AB6D-9DD8546C4B4B}"/>
                 </a:ext>
               </a:extLst>
             </p:cNvPr>
@@ -11752,7 +11742,7 @@
             <p:cNvPr id="77" name="TextBox 76">
               <a:extLst>
                 <a:ext uri="{FF2B5EF4-FFF2-40B4-BE49-F238E27FC236}">
-                  <a16:creationId xmlns="" xmlns:a16="http://schemas.microsoft.com/office/drawing/2014/main" id="{3B0D1C6A-ED1C-4177-9E58-C0B7185073BD}"/>
+                  <a16:creationId xmlns:a16="http://schemas.microsoft.com/office/drawing/2014/main" id="{3B0D1C6A-ED1C-4177-9E58-C0B7185073BD}"/>
                 </a:ext>
               </a:extLst>
             </p:cNvPr>
@@ -12130,7 +12120,7 @@
           <p:cNvPr id="41" name="TextBox 40">
             <a:extLst>
               <a:ext uri="{FF2B5EF4-FFF2-40B4-BE49-F238E27FC236}">
-                <a16:creationId xmlns="" xmlns:a16="http://schemas.microsoft.com/office/drawing/2014/main" id="{0DAF1E99-18A8-45BE-8B3C-7CFA7E1CB1CD}"/>
+                <a16:creationId xmlns:a16="http://schemas.microsoft.com/office/drawing/2014/main" id="{0DAF1E99-18A8-45BE-8B3C-7CFA7E1CB1CD}"/>
               </a:ext>
             </a:extLst>
           </p:cNvPr>
@@ -12171,7 +12161,7 @@
           <p:cNvPr id="44" name="Номер слайда 43">
             <a:extLst>
               <a:ext uri="{FF2B5EF4-FFF2-40B4-BE49-F238E27FC236}">
-                <a16:creationId xmlns="" xmlns:a16="http://schemas.microsoft.com/office/drawing/2014/main" id="{420ECB19-C499-40CC-9648-2812AF3786DD}"/>
+                <a16:creationId xmlns:a16="http://schemas.microsoft.com/office/drawing/2014/main" id="{420ECB19-C499-40CC-9648-2812AF3786DD}"/>
               </a:ext>
             </a:extLst>
           </p:cNvPr>
@@ -12501,7 +12491,7 @@
           <p:cNvPr id="13" name="TextBox 12">
             <a:extLst>
               <a:ext uri="{FF2B5EF4-FFF2-40B4-BE49-F238E27FC236}">
-                <a16:creationId xmlns="" xmlns:a16="http://schemas.microsoft.com/office/drawing/2014/main" id="{3B0D1C6A-ED1C-4177-9E58-C0B7185073BD}"/>
+                <a16:creationId xmlns:a16="http://schemas.microsoft.com/office/drawing/2014/main" id="{3B0D1C6A-ED1C-4177-9E58-C0B7185073BD}"/>
               </a:ext>
             </a:extLst>
           </p:cNvPr>
@@ -12623,7 +12613,7 @@
           <p:cNvPr id="18" name="TextBox 17">
             <a:extLst>
               <a:ext uri="{FF2B5EF4-FFF2-40B4-BE49-F238E27FC236}">
-                <a16:creationId xmlns="" xmlns:a16="http://schemas.microsoft.com/office/drawing/2014/main" id="{3B0D1C6A-ED1C-4177-9E58-C0B7185073BD}"/>
+                <a16:creationId xmlns:a16="http://schemas.microsoft.com/office/drawing/2014/main" id="{3B0D1C6A-ED1C-4177-9E58-C0B7185073BD}"/>
               </a:ext>
             </a:extLst>
           </p:cNvPr>
@@ -13542,7 +13532,7 @@
           <p:cNvPr id="41" name="TextBox 40">
             <a:extLst>
               <a:ext uri="{FF2B5EF4-FFF2-40B4-BE49-F238E27FC236}">
-                <a16:creationId xmlns="" xmlns:a16="http://schemas.microsoft.com/office/drawing/2014/main" id="{0DAF1E99-18A8-45BE-8B3C-7CFA7E1CB1CD}"/>
+                <a16:creationId xmlns:a16="http://schemas.microsoft.com/office/drawing/2014/main" id="{0DAF1E99-18A8-45BE-8B3C-7CFA7E1CB1CD}"/>
               </a:ext>
             </a:extLst>
           </p:cNvPr>
@@ -13583,7 +13573,7 @@
           <p:cNvPr id="44" name="Номер слайда 43">
             <a:extLst>
               <a:ext uri="{FF2B5EF4-FFF2-40B4-BE49-F238E27FC236}">
-                <a16:creationId xmlns="" xmlns:a16="http://schemas.microsoft.com/office/drawing/2014/main" id="{420ECB19-C499-40CC-9648-2812AF3786DD}"/>
+                <a16:creationId xmlns:a16="http://schemas.microsoft.com/office/drawing/2014/main" id="{420ECB19-C499-40CC-9648-2812AF3786DD}"/>
               </a:ext>
             </a:extLst>
           </p:cNvPr>
@@ -15117,7 +15107,7 @@
           <p:cNvPr id="2" name="Номер слайда 1">
             <a:extLst>
               <a:ext uri="{FF2B5EF4-FFF2-40B4-BE49-F238E27FC236}">
-                <a16:creationId xmlns="" xmlns:a16="http://schemas.microsoft.com/office/drawing/2014/main" id="{6BB4B28D-E979-4BA2-9337-B0503B57F130}"/>
+                <a16:creationId xmlns:a16="http://schemas.microsoft.com/office/drawing/2014/main" id="{6BB4B28D-E979-4BA2-9337-B0503B57F130}"/>
               </a:ext>
             </a:extLst>
           </p:cNvPr>
@@ -15155,7 +15145,7 @@
           <p:cNvPr id="5" name="линия">
             <a:extLst>
               <a:ext uri="{FF2B5EF4-FFF2-40B4-BE49-F238E27FC236}">
-                <a16:creationId xmlns="" xmlns:a16="http://schemas.microsoft.com/office/drawing/2014/main" id="{2847F6A1-2518-415F-A064-C506E806D561}"/>
+                <a16:creationId xmlns:a16="http://schemas.microsoft.com/office/drawing/2014/main" id="{2847F6A1-2518-415F-A064-C506E806D561}"/>
               </a:ext>
             </a:extLst>
           </p:cNvPr>
@@ -15198,7 +15188,7 @@
           <p:cNvPr id="20" name="TextBox 19">
             <a:extLst>
               <a:ext uri="{FF2B5EF4-FFF2-40B4-BE49-F238E27FC236}">
-                <a16:creationId xmlns="" xmlns:a16="http://schemas.microsoft.com/office/drawing/2014/main" id="{0DAF1E99-18A8-45BE-8B3C-7CFA7E1CB1CD}"/>
+                <a16:creationId xmlns:a16="http://schemas.microsoft.com/office/drawing/2014/main" id="{0DAF1E99-18A8-45BE-8B3C-7CFA7E1CB1CD}"/>
               </a:ext>
             </a:extLst>
           </p:cNvPr>
@@ -15824,7 +15814,7 @@
           <p:cNvPr id="2" name="Номер слайда 1">
             <a:extLst>
               <a:ext uri="{FF2B5EF4-FFF2-40B4-BE49-F238E27FC236}">
-                <a16:creationId xmlns="" xmlns:a16="http://schemas.microsoft.com/office/drawing/2014/main" id="{87D73AA6-E9BE-4868-8EC4-659BBC272900}"/>
+                <a16:creationId xmlns:a16="http://schemas.microsoft.com/office/drawing/2014/main" id="{87D73AA6-E9BE-4868-8EC4-659BBC272900}"/>
               </a:ext>
             </a:extLst>
           </p:cNvPr>
@@ -15861,7 +15851,7 @@
           <p:cNvPr id="5" name="линия">
             <a:extLst>
               <a:ext uri="{FF2B5EF4-FFF2-40B4-BE49-F238E27FC236}">
-                <a16:creationId xmlns="" xmlns:a16="http://schemas.microsoft.com/office/drawing/2014/main" id="{306D1CEF-11F8-4575-8F50-1C8E8EE9FC32}"/>
+                <a16:creationId xmlns:a16="http://schemas.microsoft.com/office/drawing/2014/main" id="{306D1CEF-11F8-4575-8F50-1C8E8EE9FC32}"/>
               </a:ext>
             </a:extLst>
           </p:cNvPr>
@@ -15904,7 +15894,7 @@
           <p:cNvPr id="14" name="Группа 13">
             <a:extLst>
               <a:ext uri="{FF2B5EF4-FFF2-40B4-BE49-F238E27FC236}">
-                <a16:creationId xmlns="" xmlns:a16="http://schemas.microsoft.com/office/drawing/2014/main" id="{7AC06196-0706-4235-BF40-F4AEC4F5BCD9}"/>
+                <a16:creationId xmlns:a16="http://schemas.microsoft.com/office/drawing/2014/main" id="{7AC06196-0706-4235-BF40-F4AEC4F5BCD9}"/>
               </a:ext>
             </a:extLst>
           </p:cNvPr>
@@ -15924,7 +15914,7 @@
             <p:cNvPr id="7" name="Овал 6">
               <a:extLst>
                 <a:ext uri="{FF2B5EF4-FFF2-40B4-BE49-F238E27FC236}">
-                  <a16:creationId xmlns="" xmlns:a16="http://schemas.microsoft.com/office/drawing/2014/main" id="{B2EE98E4-2CD1-4979-9C04-6E8CD12D2628}"/>
+                  <a16:creationId xmlns:a16="http://schemas.microsoft.com/office/drawing/2014/main" id="{B2EE98E4-2CD1-4979-9C04-6E8CD12D2628}"/>
                 </a:ext>
               </a:extLst>
             </p:cNvPr>
@@ -15976,7 +15966,7 @@
             <p:cNvPr id="8" name="Круг: прозрачная заливка 7">
               <a:extLst>
                 <a:ext uri="{FF2B5EF4-FFF2-40B4-BE49-F238E27FC236}">
-                  <a16:creationId xmlns="" xmlns:a16="http://schemas.microsoft.com/office/drawing/2014/main" id="{D1C1E8E1-429C-4827-B674-C646F3473717}"/>
+                  <a16:creationId xmlns:a16="http://schemas.microsoft.com/office/drawing/2014/main" id="{D1C1E8E1-429C-4827-B674-C646F3473717}"/>
                 </a:ext>
               </a:extLst>
             </p:cNvPr>
@@ -16040,7 +16030,7 @@
             <p:cNvPr id="46" name="Рисунок 45">
               <a:extLst>
                 <a:ext uri="{FF2B5EF4-FFF2-40B4-BE49-F238E27FC236}">
-                  <a16:creationId xmlns="" xmlns:a16="http://schemas.microsoft.com/office/drawing/2014/main" id="{DAD73B74-D7AB-4E10-8AD7-41BA4F1D0B12}"/>
+                  <a16:creationId xmlns:a16="http://schemas.microsoft.com/office/drawing/2014/main" id="{DAD73B74-D7AB-4E10-8AD7-41BA4F1D0B12}"/>
                 </a:ext>
               </a:extLst>
             </p:cNvPr>
@@ -16077,7 +16067,7 @@
           <p:cNvPr id="17" name="Группа 16">
             <a:extLst>
               <a:ext uri="{FF2B5EF4-FFF2-40B4-BE49-F238E27FC236}">
-                <a16:creationId xmlns="" xmlns:a16="http://schemas.microsoft.com/office/drawing/2014/main" id="{A1854EFD-7FE9-40E6-8A1D-E2E52F464510}"/>
+                <a16:creationId xmlns:a16="http://schemas.microsoft.com/office/drawing/2014/main" id="{A1854EFD-7FE9-40E6-8A1D-E2E52F464510}"/>
               </a:ext>
             </a:extLst>
           </p:cNvPr>
@@ -16097,7 +16087,7 @@
             <p:cNvPr id="2056" name="Picture 8">
               <a:extLst>
                 <a:ext uri="{FF2B5EF4-FFF2-40B4-BE49-F238E27FC236}">
-                  <a16:creationId xmlns="" xmlns:a16="http://schemas.microsoft.com/office/drawing/2014/main" id="{D8DD109A-5925-4EA3-8EE8-743BEE07CED3}"/>
+                  <a16:creationId xmlns:a16="http://schemas.microsoft.com/office/drawing/2014/main" id="{D8DD109A-5925-4EA3-8EE8-743BEE07CED3}"/>
                 </a:ext>
               </a:extLst>
             </p:cNvPr>
@@ -16142,7 +16132,7 @@
             <p:cNvPr id="65" name="TextBox 64">
               <a:extLst>
                 <a:ext uri="{FF2B5EF4-FFF2-40B4-BE49-F238E27FC236}">
-                  <a16:creationId xmlns="" xmlns:a16="http://schemas.microsoft.com/office/drawing/2014/main" id="{098B258C-6796-4291-83FF-1D0079449437}"/>
+                  <a16:creationId xmlns:a16="http://schemas.microsoft.com/office/drawing/2014/main" id="{098B258C-6796-4291-83FF-1D0079449437}"/>
                 </a:ext>
               </a:extLst>
             </p:cNvPr>
@@ -16200,7 +16190,7 @@
           <p:cNvPr id="31" name="Группа 30">
             <a:extLst>
               <a:ext uri="{FF2B5EF4-FFF2-40B4-BE49-F238E27FC236}">
-                <a16:creationId xmlns="" xmlns:a16="http://schemas.microsoft.com/office/drawing/2014/main" id="{279AE22F-3138-4383-8BEE-0ED96A624206}"/>
+                <a16:creationId xmlns:a16="http://schemas.microsoft.com/office/drawing/2014/main" id="{279AE22F-3138-4383-8BEE-0ED96A624206}"/>
               </a:ext>
             </a:extLst>
           </p:cNvPr>
@@ -16220,7 +16210,7 @@
             <p:cNvPr id="2052" name="Picture 4">
               <a:extLst>
                 <a:ext uri="{FF2B5EF4-FFF2-40B4-BE49-F238E27FC236}">
-                  <a16:creationId xmlns="" xmlns:a16="http://schemas.microsoft.com/office/drawing/2014/main" id="{A9BE73A8-FAF3-4D59-9A35-057DA1A75DD3}"/>
+                  <a16:creationId xmlns:a16="http://schemas.microsoft.com/office/drawing/2014/main" id="{A9BE73A8-FAF3-4D59-9A35-057DA1A75DD3}"/>
                 </a:ext>
               </a:extLst>
             </p:cNvPr>
@@ -16265,7 +16255,7 @@
             <p:cNvPr id="76" name="TextBox 75">
               <a:extLst>
                 <a:ext uri="{FF2B5EF4-FFF2-40B4-BE49-F238E27FC236}">
-                  <a16:creationId xmlns="" xmlns:a16="http://schemas.microsoft.com/office/drawing/2014/main" id="{F323D2BF-96D8-4D61-85EB-0D788EE96DE6}"/>
+                  <a16:creationId xmlns:a16="http://schemas.microsoft.com/office/drawing/2014/main" id="{F323D2BF-96D8-4D61-85EB-0D788EE96DE6}"/>
                 </a:ext>
               </a:extLst>
             </p:cNvPr>
@@ -16343,7 +16333,7 @@
           <p:cNvPr id="25" name="Овал 24">
             <a:extLst>
               <a:ext uri="{FF2B5EF4-FFF2-40B4-BE49-F238E27FC236}">
-                <a16:creationId xmlns="" xmlns:a16="http://schemas.microsoft.com/office/drawing/2014/main" id="{25D0F594-E637-4696-9EA5-C10BFA9DC0E6}"/>
+                <a16:creationId xmlns:a16="http://schemas.microsoft.com/office/drawing/2014/main" id="{25D0F594-E637-4696-9EA5-C10BFA9DC0E6}"/>
               </a:ext>
             </a:extLst>
           </p:cNvPr>
@@ -16404,7 +16394,7 @@
           <p:cNvPr id="10" name="Овал 9">
             <a:extLst>
               <a:ext uri="{FF2B5EF4-FFF2-40B4-BE49-F238E27FC236}">
-                <a16:creationId xmlns="" xmlns:a16="http://schemas.microsoft.com/office/drawing/2014/main" id="{C1966F51-3C35-4B8E-B7F7-07B01BC494C5}"/>
+                <a16:creationId xmlns:a16="http://schemas.microsoft.com/office/drawing/2014/main" id="{C1966F51-3C35-4B8E-B7F7-07B01BC494C5}"/>
               </a:ext>
             </a:extLst>
           </p:cNvPr>
@@ -16465,7 +16455,7 @@
           <p:cNvPr id="19" name="Овал 18">
             <a:extLst>
               <a:ext uri="{FF2B5EF4-FFF2-40B4-BE49-F238E27FC236}">
-                <a16:creationId xmlns="" xmlns:a16="http://schemas.microsoft.com/office/drawing/2014/main" id="{018D9849-2587-4129-BD35-9FA3FD5BC6BE}"/>
+                <a16:creationId xmlns:a16="http://schemas.microsoft.com/office/drawing/2014/main" id="{018D9849-2587-4129-BD35-9FA3FD5BC6BE}"/>
               </a:ext>
             </a:extLst>
           </p:cNvPr>
@@ -16526,7 +16516,7 @@
           <p:cNvPr id="21" name="Овал 20">
             <a:extLst>
               <a:ext uri="{FF2B5EF4-FFF2-40B4-BE49-F238E27FC236}">
-                <a16:creationId xmlns="" xmlns:a16="http://schemas.microsoft.com/office/drawing/2014/main" id="{6BA62742-2DF8-40D0-A1FD-236C096A3AA4}"/>
+                <a16:creationId xmlns:a16="http://schemas.microsoft.com/office/drawing/2014/main" id="{6BA62742-2DF8-40D0-A1FD-236C096A3AA4}"/>
               </a:ext>
             </a:extLst>
           </p:cNvPr>
@@ -16587,7 +16577,7 @@
           <p:cNvPr id="23" name="Овал 22">
             <a:extLst>
               <a:ext uri="{FF2B5EF4-FFF2-40B4-BE49-F238E27FC236}">
-                <a16:creationId xmlns="" xmlns:a16="http://schemas.microsoft.com/office/drawing/2014/main" id="{BDB6D750-915E-4CC2-AB97-B1AB52819E9B}"/>
+                <a16:creationId xmlns:a16="http://schemas.microsoft.com/office/drawing/2014/main" id="{BDB6D750-915E-4CC2-AB97-B1AB52819E9B}"/>
               </a:ext>
             </a:extLst>
           </p:cNvPr>
@@ -16648,7 +16638,7 @@
           <p:cNvPr id="53" name="TextBox 52">
             <a:extLst>
               <a:ext uri="{FF2B5EF4-FFF2-40B4-BE49-F238E27FC236}">
-                <a16:creationId xmlns="" xmlns:a16="http://schemas.microsoft.com/office/drawing/2014/main" id="{0DAF1E99-18A8-45BE-8B3C-7CFA7E1CB1CD}"/>
+                <a16:creationId xmlns:a16="http://schemas.microsoft.com/office/drawing/2014/main" id="{0DAF1E99-18A8-45BE-8B3C-7CFA7E1CB1CD}"/>
               </a:ext>
             </a:extLst>
           </p:cNvPr>
@@ -16930,7 +16920,7 @@
           <p:cNvPr id="57" name="TextBox 56">
             <a:extLst>
               <a:ext uri="{FF2B5EF4-FFF2-40B4-BE49-F238E27FC236}">
-                <a16:creationId xmlns="" xmlns:a16="http://schemas.microsoft.com/office/drawing/2014/main" id="{F323D2BF-96D8-4D61-85EB-0D788EE96DE6}"/>
+                <a16:creationId xmlns:a16="http://schemas.microsoft.com/office/drawing/2014/main" id="{F323D2BF-96D8-4D61-85EB-0D788EE96DE6}"/>
               </a:ext>
             </a:extLst>
           </p:cNvPr>
@@ -16987,7 +16977,7 @@
           <p:cNvPr id="58" name="TextBox 57">
             <a:extLst>
               <a:ext uri="{FF2B5EF4-FFF2-40B4-BE49-F238E27FC236}">
-                <a16:creationId xmlns="" xmlns:a16="http://schemas.microsoft.com/office/drawing/2014/main" id="{F323D2BF-96D8-4D61-85EB-0D788EE96DE6}"/>
+                <a16:creationId xmlns:a16="http://schemas.microsoft.com/office/drawing/2014/main" id="{F323D2BF-96D8-4D61-85EB-0D788EE96DE6}"/>
               </a:ext>
             </a:extLst>
           </p:cNvPr>
@@ -17074,7 +17064,7 @@
           <p:cNvPr id="59" name="Овал 58">
             <a:extLst>
               <a:ext uri="{FF2B5EF4-FFF2-40B4-BE49-F238E27FC236}">
-                <a16:creationId xmlns="" xmlns:a16="http://schemas.microsoft.com/office/drawing/2014/main" id="{6BA62742-2DF8-40D0-A1FD-236C096A3AA4}"/>
+                <a16:creationId xmlns:a16="http://schemas.microsoft.com/office/drawing/2014/main" id="{6BA62742-2DF8-40D0-A1FD-236C096A3AA4}"/>
               </a:ext>
             </a:extLst>
           </p:cNvPr>
@@ -17176,7 +17166,7 @@
           <p:cNvPr id="60" name="TextBox 59">
             <a:extLst>
               <a:ext uri="{FF2B5EF4-FFF2-40B4-BE49-F238E27FC236}">
-                <a16:creationId xmlns="" xmlns:a16="http://schemas.microsoft.com/office/drawing/2014/main" id="{F323D2BF-96D8-4D61-85EB-0D788EE96DE6}"/>
+                <a16:creationId xmlns:a16="http://schemas.microsoft.com/office/drawing/2014/main" id="{F323D2BF-96D8-4D61-85EB-0D788EE96DE6}"/>
               </a:ext>
             </a:extLst>
           </p:cNvPr>
@@ -17228,24 +17218,14 @@
               <a:t> – </a:t>
             </a:r>
             <a:r>
-              <a:rPr lang="ru-RU" sz="1200" dirty="0" smtClean="0">
+              <a:rPr lang="ru-RU" sz="1200" dirty="0">
                 <a:solidFill>
                   <a:srgbClr val="002B82"/>
                 </a:solidFill>
                 <a:latin typeface="Bahnschrift" pitchFamily="34" charset="0"/>
                 <a:ea typeface="MS Mincho" panose="02020609040205080304" pitchFamily="49" charset="-128"/>
               </a:rPr>
-              <a:t>это популярная </a:t>
-            </a:r>
-            <a:r>
-              <a:rPr lang="ru-RU" sz="1200" dirty="0">
-                <a:solidFill>
-                  <a:srgbClr val="002B82"/>
-                </a:solidFill>
-                <a:latin typeface="Bahnschrift" pitchFamily="34" charset="0"/>
-                <a:ea typeface="MS Mincho" panose="02020609040205080304" pitchFamily="49" charset="-128"/>
-              </a:rPr>
-              <a:t>высокопроизводительная платформа JSON для .NET.</a:t>
+              <a:t>это популярная высокопроизводительная платформа JSON для .NET.</a:t>
             </a:r>
             <a:endParaRPr lang="ru-RU" sz="1200" dirty="0">
               <a:solidFill>
@@ -17366,7 +17346,7 @@
           <p:cNvPr id="61" name="TextBox 60">
             <a:extLst>
               <a:ext uri="{FF2B5EF4-FFF2-40B4-BE49-F238E27FC236}">
-                <a16:creationId xmlns="" xmlns:a16="http://schemas.microsoft.com/office/drawing/2014/main" id="{F323D2BF-96D8-4D61-85EB-0D788EE96DE6}"/>
+                <a16:creationId xmlns:a16="http://schemas.microsoft.com/office/drawing/2014/main" id="{F323D2BF-96D8-4D61-85EB-0D788EE96DE6}"/>
               </a:ext>
             </a:extLst>
           </p:cNvPr>
@@ -17398,7 +17378,7 @@
               </a:tabLst>
             </a:pPr>
             <a:r>
-              <a:rPr lang="en-US" sz="1200" dirty="0" smtClean="0">
+              <a:rPr lang="en-US" sz="1200" dirty="0">
                 <a:solidFill>
                   <a:srgbClr val="002B82"/>
                 </a:solidFill>
@@ -17408,24 +17388,14 @@
               <a:t>Insomnia – </a:t>
             </a:r>
             <a:r>
-              <a:rPr lang="ru-RU" sz="1200" dirty="0" smtClean="0">
+              <a:rPr lang="ru-RU" sz="1200" dirty="0">
                 <a:solidFill>
                   <a:srgbClr val="002B82"/>
                 </a:solidFill>
                 <a:latin typeface="Bahnschrift" pitchFamily="34" charset="0"/>
                 <a:ea typeface="MS Mincho" panose="02020609040205080304" pitchFamily="49" charset="-128"/>
               </a:rPr>
-              <a:t>это клиент </a:t>
-            </a:r>
-            <a:r>
-              <a:rPr lang="ru-RU" sz="1200" dirty="0">
-                <a:solidFill>
-                  <a:srgbClr val="002B82"/>
-                </a:solidFill>
-                <a:latin typeface="Bahnschrift" pitchFamily="34" charset="0"/>
-                <a:ea typeface="MS Mincho" panose="02020609040205080304" pitchFamily="49" charset="-128"/>
-              </a:rPr>
-              <a:t>API для совместной работы и инструмент проектирования</a:t>
+              <a:t>это клиент API для совместной работы и инструмент проектирования</a:t>
             </a:r>
           </a:p>
         </p:txBody>
@@ -17644,7 +17614,7 @@
           <p:cNvPr id="2" name="Номер слайда 1">
             <a:extLst>
               <a:ext uri="{FF2B5EF4-FFF2-40B4-BE49-F238E27FC236}">
-                <a16:creationId xmlns="" xmlns:a16="http://schemas.microsoft.com/office/drawing/2014/main" id="{F752072B-5092-4F88-88FB-AF2D602AB40C}"/>
+                <a16:creationId xmlns:a16="http://schemas.microsoft.com/office/drawing/2014/main" id="{F752072B-5092-4F88-88FB-AF2D602AB40C}"/>
               </a:ext>
             </a:extLst>
           </p:cNvPr>
@@ -17681,7 +17651,7 @@
           <p:cNvPr id="68" name="TextBox 67">
             <a:extLst>
               <a:ext uri="{FF2B5EF4-FFF2-40B4-BE49-F238E27FC236}">
-                <a16:creationId xmlns="" xmlns:a16="http://schemas.microsoft.com/office/drawing/2014/main" id="{0DAF1E99-18A8-45BE-8B3C-7CFA7E1CB1CD}"/>
+                <a16:creationId xmlns:a16="http://schemas.microsoft.com/office/drawing/2014/main" id="{0DAF1E99-18A8-45BE-8B3C-7CFA7E1CB1CD}"/>
               </a:ext>
             </a:extLst>
           </p:cNvPr>
@@ -18158,7 +18128,7 @@
           <p:cNvPr id="2" name="Номер слайда 1">
             <a:extLst>
               <a:ext uri="{FF2B5EF4-FFF2-40B4-BE49-F238E27FC236}">
-                <a16:creationId xmlns="" xmlns:a16="http://schemas.microsoft.com/office/drawing/2014/main" id="{F752072B-5092-4F88-88FB-AF2D602AB40C}"/>
+                <a16:creationId xmlns:a16="http://schemas.microsoft.com/office/drawing/2014/main" id="{F752072B-5092-4F88-88FB-AF2D602AB40C}"/>
               </a:ext>
             </a:extLst>
           </p:cNvPr>
@@ -18195,7 +18165,7 @@
           <p:cNvPr id="10" name="TextBox 9">
             <a:extLst>
               <a:ext uri="{FF2B5EF4-FFF2-40B4-BE49-F238E27FC236}">
-                <a16:creationId xmlns="" xmlns:a16="http://schemas.microsoft.com/office/drawing/2014/main" id="{0DAF1E99-18A8-45BE-8B3C-7CFA7E1CB1CD}"/>
+                <a16:creationId xmlns:a16="http://schemas.microsoft.com/office/drawing/2014/main" id="{0DAF1E99-18A8-45BE-8B3C-7CFA7E1CB1CD}"/>
               </a:ext>
             </a:extLst>
           </p:cNvPr>
@@ -19059,18 +19029,13 @@
           <a:lstStyle/>
           <a:p>
             <a:r>
-              <a:rPr lang="ru-RU" sz="1200" dirty="0" smtClean="0">
+              <a:rPr lang="ru-RU" sz="1200" dirty="0">
                 <a:solidFill>
                   <a:schemeClr val="bg1"/>
                 </a:solidFill>
               </a:rPr>
               <a:t>Нет</a:t>
             </a:r>
-            <a:endParaRPr lang="ru-RU" sz="1200" dirty="0">
-              <a:solidFill>
-                <a:schemeClr val="bg1"/>
-              </a:solidFill>
-            </a:endParaRPr>
           </a:p>
         </p:txBody>
       </p:sp>
@@ -19444,18 +19409,13 @@
           <a:lstStyle/>
           <a:p>
             <a:r>
-              <a:rPr lang="ru-RU" sz="1200" dirty="0" smtClean="0">
+              <a:rPr lang="ru-RU" sz="1200" dirty="0">
                 <a:solidFill>
                   <a:schemeClr val="bg1"/>
                 </a:solidFill>
               </a:rPr>
               <a:t>Нет</a:t>
             </a:r>
-            <a:endParaRPr lang="ru-RU" sz="1200" dirty="0">
-              <a:solidFill>
-                <a:schemeClr val="bg1"/>
-              </a:solidFill>
-            </a:endParaRPr>
           </a:p>
         </p:txBody>
       </p:sp>
@@ -19482,18 +19442,13 @@
           <a:lstStyle/>
           <a:p>
             <a:r>
-              <a:rPr lang="ru-RU" sz="1200" dirty="0" smtClean="0">
+              <a:rPr lang="ru-RU" sz="1200" dirty="0">
                 <a:solidFill>
                   <a:schemeClr val="bg1"/>
                 </a:solidFill>
               </a:rPr>
               <a:t>Нет</a:t>
             </a:r>
-            <a:endParaRPr lang="ru-RU" sz="1200" dirty="0">
-              <a:solidFill>
-                <a:schemeClr val="bg1"/>
-              </a:solidFill>
-            </a:endParaRPr>
           </a:p>
         </p:txBody>
       </p:sp>
@@ -19530,54 +19485,7 @@
           </a:p>
           <a:p>
             <a:r>
-              <a:rPr lang="en-US" sz="1600" dirty="0" smtClean="0">
-                <a:solidFill>
-                  <a:srgbClr val="000000"/>
-                </a:solidFill>
-                <a:latin typeface="Cascadia Mono"/>
-              </a:rPr>
-              <a:t>  </a:t>
-            </a:r>
-            <a:r>
-              <a:rPr lang="en-US" sz="1600" dirty="0" smtClean="0">
-                <a:solidFill>
-                  <a:srgbClr val="2E75B6"/>
-                </a:solidFill>
-                <a:latin typeface="Cascadia Mono"/>
-              </a:rPr>
-              <a:t>"merchant"</a:t>
-            </a:r>
-            <a:r>
-              <a:rPr lang="en-US" sz="1600" dirty="0" smtClean="0">
-                <a:solidFill>
-                  <a:srgbClr val="000000"/>
-                </a:solidFill>
-                <a:latin typeface="Cascadia Mono"/>
-              </a:rPr>
-              <a:t>: </a:t>
-            </a:r>
-            <a:r>
-              <a:rPr lang="en-US" sz="1600" dirty="0" smtClean="0">
-                <a:solidFill>
-                  <a:srgbClr val="A31515"/>
-                </a:solidFill>
-                <a:latin typeface="Cascadia Mono"/>
-              </a:rPr>
-              <a:t>"string"</a:t>
-            </a:r>
-            <a:r>
-              <a:rPr lang="en-US" sz="1600" dirty="0" smtClean="0">
-                <a:solidFill>
-                  <a:srgbClr val="000000"/>
-                </a:solidFill>
-                <a:latin typeface="Cascadia Mono"/>
-              </a:rPr>
-              <a:t>,</a:t>
-            </a:r>
-          </a:p>
-          <a:p>
-            <a:r>
-              <a:rPr lang="en-US" sz="1600" dirty="0" smtClean="0">
+              <a:rPr lang="en-US" sz="1600" dirty="0">
                 <a:solidFill>
                   <a:srgbClr val="000000"/>
                 </a:solidFill>
@@ -19592,7 +19500,7 @@
                 </a:solidFill>
                 <a:latin typeface="Cascadia Mono"/>
               </a:rPr>
-              <a:t>"password"</a:t>
+              <a:t>"merchant"</a:t>
             </a:r>
             <a:r>
               <a:rPr lang="en-US" sz="1600" dirty="0">
@@ -19604,9 +19512,103 @@
               <a:t>: </a:t>
             </a:r>
             <a:r>
-              <a:rPr lang="en-US" sz="1600" dirty="0" smtClean="0">
+              <a:rPr lang="en-US" sz="1600" dirty="0">
                 <a:solidFill>
                   <a:srgbClr val="A31515"/>
+                </a:solidFill>
+                <a:latin typeface="Cascadia Mono"/>
+              </a:rPr>
+              <a:t>"string"</a:t>
+            </a:r>
+            <a:r>
+              <a:rPr lang="en-US" sz="1600" dirty="0">
+                <a:solidFill>
+                  <a:srgbClr val="000000"/>
+                </a:solidFill>
+                <a:latin typeface="Cascadia Mono"/>
+              </a:rPr>
+              <a:t>,</a:t>
+            </a:r>
+          </a:p>
+          <a:p>
+            <a:r>
+              <a:rPr lang="en-US" sz="1600" dirty="0">
+                <a:solidFill>
+                  <a:srgbClr val="000000"/>
+                </a:solidFill>
+                <a:latin typeface="Cascadia Mono"/>
+              </a:rPr>
+              <a:t>  </a:t>
+            </a:r>
+            <a:r>
+              <a:rPr lang="en-US" sz="1600" dirty="0">
+                <a:solidFill>
+                  <a:srgbClr val="2E75B6"/>
+                </a:solidFill>
+                <a:latin typeface="Cascadia Mono"/>
+              </a:rPr>
+              <a:t>"password"</a:t>
+            </a:r>
+            <a:r>
+              <a:rPr lang="en-US" sz="1600" dirty="0">
+                <a:solidFill>
+                  <a:srgbClr val="000000"/>
+                </a:solidFill>
+                <a:latin typeface="Cascadia Mono"/>
+              </a:rPr>
+              <a:t>: </a:t>
+            </a:r>
+            <a:r>
+              <a:rPr lang="en-US" sz="1600" dirty="0">
+                <a:solidFill>
+                  <a:srgbClr val="A31515"/>
+                </a:solidFill>
+                <a:latin typeface="Cascadia Mono"/>
+              </a:rPr>
+              <a:t>" string "</a:t>
+            </a:r>
+            <a:r>
+              <a:rPr lang="en-US" sz="1600" dirty="0">
+                <a:solidFill>
+                  <a:srgbClr val="000000"/>
+                </a:solidFill>
+                <a:latin typeface="Cascadia Mono"/>
+              </a:rPr>
+              <a:t>,</a:t>
+            </a:r>
+          </a:p>
+          <a:p>
+            <a:r>
+              <a:rPr lang="en-US" sz="1600" dirty="0">
+                <a:solidFill>
+                  <a:srgbClr val="000000"/>
+                </a:solidFill>
+                <a:latin typeface="Cascadia Mono"/>
+              </a:rPr>
+              <a:t>  </a:t>
+            </a:r>
+            <a:r>
+              <a:rPr lang="en-US" sz="1600" dirty="0">
+                <a:solidFill>
+                  <a:srgbClr val="2E75B6"/>
+                </a:solidFill>
+                <a:latin typeface="Cascadia Mono"/>
+              </a:rPr>
+              <a:t>"</a:t>
+            </a:r>
+            <a:r>
+              <a:rPr lang="en-US" sz="1600" dirty="0" err="1">
+                <a:solidFill>
+                  <a:srgbClr val="2E75B6"/>
+                </a:solidFill>
+                <a:latin typeface="Cascadia Mono"/>
+              </a:rPr>
+              <a:t>merchantUserId</a:t>
+            </a:r>
+            <a:r>
+              <a:rPr lang="en-US" sz="1600" dirty="0">
+                <a:solidFill>
+                  <a:srgbClr val="2E75B6"/>
                 </a:solidFill>
                 <a:latin typeface="Cascadia Mono"/>
               </a:rPr>
@@ -19615,77 +19617,6 @@
             <a:r>
               <a:rPr lang="en-US" sz="1600" dirty="0">
                 <a:solidFill>
-                  <a:srgbClr val="A31515"/>
-                </a:solidFill>
-                <a:latin typeface="Cascadia Mono"/>
-              </a:rPr>
-              <a:t> string </a:t>
-            </a:r>
-            <a:r>
-              <a:rPr lang="en-US" sz="1600" dirty="0" smtClean="0">
-                <a:solidFill>
-                  <a:srgbClr val="A31515"/>
-                </a:solidFill>
-                <a:latin typeface="Cascadia Mono"/>
-              </a:rPr>
-              <a:t>"</a:t>
-            </a:r>
-            <a:r>
-              <a:rPr lang="en-US" sz="1600" dirty="0" smtClean="0">
-                <a:solidFill>
-                  <a:srgbClr val="000000"/>
-                </a:solidFill>
-                <a:latin typeface="Cascadia Mono"/>
-              </a:rPr>
-              <a:t>,</a:t>
-            </a:r>
-            <a:endParaRPr lang="en-US" sz="1600" dirty="0">
-              <a:solidFill>
-                <a:srgbClr val="000000"/>
-              </a:solidFill>
-              <a:latin typeface="Cascadia Mono"/>
-            </a:endParaRPr>
-          </a:p>
-          <a:p>
-            <a:r>
-              <a:rPr lang="en-US" sz="1600" dirty="0">
-                <a:solidFill>
-                  <a:srgbClr val="000000"/>
-                </a:solidFill>
-                <a:latin typeface="Cascadia Mono"/>
-              </a:rPr>
-              <a:t>  </a:t>
-            </a:r>
-            <a:r>
-              <a:rPr lang="en-US" sz="1600" dirty="0">
-                <a:solidFill>
-                  <a:srgbClr val="2E75B6"/>
-                </a:solidFill>
-                <a:latin typeface="Cascadia Mono"/>
-              </a:rPr>
-              <a:t>"</a:t>
-            </a:r>
-            <a:r>
-              <a:rPr lang="en-US" sz="1600" dirty="0" err="1">
-                <a:solidFill>
-                  <a:srgbClr val="2E75B6"/>
-                </a:solidFill>
-                <a:latin typeface="Cascadia Mono"/>
-              </a:rPr>
-              <a:t>merchantUserId</a:t>
-            </a:r>
-            <a:r>
-              <a:rPr lang="en-US" sz="1600" dirty="0">
-                <a:solidFill>
-                  <a:srgbClr val="2E75B6"/>
-                </a:solidFill>
-                <a:latin typeface="Cascadia Mono"/>
-              </a:rPr>
-              <a:t>"</a:t>
-            </a:r>
-            <a:r>
-              <a:rPr lang="en-US" sz="1600" dirty="0">
-                <a:solidFill>
                   <a:srgbClr val="000000"/>
                 </a:solidFill>
                 <a:latin typeface="Cascadia Mono"/>
@@ -19693,7 +19624,7 @@
               <a:t>: </a:t>
             </a:r>
             <a:r>
-              <a:rPr lang="en-US" sz="1600" dirty="0" smtClean="0">
+              <a:rPr lang="en-US" sz="1600" dirty="0">
                 <a:solidFill>
                   <a:srgbClr val="A31515"/>
                 </a:solidFill>
@@ -20044,7 +19975,7 @@
           <p:cNvPr id="2" name="Номер слайда 1">
             <a:extLst>
               <a:ext uri="{FF2B5EF4-FFF2-40B4-BE49-F238E27FC236}">
-                <a16:creationId xmlns="" xmlns:a16="http://schemas.microsoft.com/office/drawing/2014/main" id="{F752072B-5092-4F88-88FB-AF2D602AB40C}"/>
+                <a16:creationId xmlns:a16="http://schemas.microsoft.com/office/drawing/2014/main" id="{F752072B-5092-4F88-88FB-AF2D602AB40C}"/>
               </a:ext>
             </a:extLst>
           </p:cNvPr>
@@ -20081,7 +20012,7 @@
           <p:cNvPr id="8" name="TextBox 7">
             <a:extLst>
               <a:ext uri="{FF2B5EF4-FFF2-40B4-BE49-F238E27FC236}">
-                <a16:creationId xmlns="" xmlns:a16="http://schemas.microsoft.com/office/drawing/2014/main" id="{0DAF1E99-18A8-45BE-8B3C-7CFA7E1CB1CD}"/>
+                <a16:creationId xmlns:a16="http://schemas.microsoft.com/office/drawing/2014/main" id="{0DAF1E99-18A8-45BE-8B3C-7CFA7E1CB1CD}"/>
               </a:ext>
             </a:extLst>
           </p:cNvPr>
@@ -20776,7 +20707,7 @@
                 </a:solidFill>
                 <a:latin typeface="Bahnschrift" pitchFamily="34" charset="0"/>
               </a:rPr>
-              <a:t>Схема 8 – Схема работы получения бонусов проекта системы лояльности ООО «АИС Город»</a:t>
+              <a:t>Схема 4 – Схема работы получения бонусов проекта системы лояльности ООО «АИС Город»</a:t>
             </a:r>
           </a:p>
         </p:txBody>
@@ -21136,7 +21067,7 @@
   <a:extraClrSchemeLst/>
   <a:extLst>
     <a:ext uri="{05A4C25C-085E-4340-85A3-A5531E510DB2}">
-      <thm15:themeFamily xmlns="" xmlns:thm15="http://schemas.microsoft.com/office/thememl/2012/main" name="Office Theme" id="{62F939B6-93AF-4DB8-9C6B-D6C7DFDC589F}" vid="{4A3C46E8-61CC-4603-A589-7422A47A8E4A}"/>
+      <thm15:themeFamily xmlns:thm15="http://schemas.microsoft.com/office/thememl/2012/main" name="Office Theme" id="{62F939B6-93AF-4DB8-9C6B-D6C7DFDC589F}" vid="{4A3C46E8-61CC-4603-A589-7422A47A8E4A}"/>
     </a:ext>
   </a:extLst>
 </a:theme>
@@ -21431,7 +21362,7 @@
   <a:extraClrSchemeLst/>
   <a:extLst>
     <a:ext uri="{05A4C25C-085E-4340-85A3-A5531E510DB2}">
-      <thm15:themeFamily xmlns="" xmlns:thm15="http://schemas.microsoft.com/office/thememl/2012/main" name="Office Theme" id="{62F939B6-93AF-4DB8-9C6B-D6C7DFDC589F}" vid="{4A3C46E8-61CC-4603-A589-7422A47A8E4A}"/>
+      <thm15:themeFamily xmlns:thm15="http://schemas.microsoft.com/office/thememl/2012/main" name="Office Theme" id="{62F939B6-93AF-4DB8-9C6B-D6C7DFDC589F}" vid="{4A3C46E8-61CC-4603-A589-7422A47A8E4A}"/>
     </a:ext>
   </a:extLst>
 </a:theme>

--- a/Иванова.pptx
+++ b/Иванова.pptx
@@ -121,7 +121,7 @@
   </p:defaultTextStyle>
   <p:extLst>
     <p:ext uri="{EFAFB233-063F-42B5-8137-9DF3F51BA10A}">
-      <p15:sldGuideLst xmlns:p15="http://schemas.microsoft.com/office/powerpoint/2012/main">
+      <p15:sldGuideLst xmlns:p15="http://schemas.microsoft.com/office/powerpoint/2012/main" xmlns="">
         <p15:guide id="1" orient="horz" pos="2160" userDrawn="1">
           <p15:clr>
             <a:srgbClr val="A4A3A4"/>
@@ -175,7 +175,7 @@
       </p15:sldGuideLst>
     </p:ext>
     <p:ext uri="{2D200454-40CA-4A62-9FC3-DE9A4176ACB9}">
-      <p15:notesGuideLst xmlns:p15="http://schemas.microsoft.com/office/powerpoint/2012/main"/>
+      <p15:notesGuideLst xmlns:p15="http://schemas.microsoft.com/office/powerpoint/2012/main" xmlns=""/>
     </p:ext>
   </p:extLst>
 </p:presentation>
@@ -186,7 +186,7 @@
   <p:cmAuthor id="1" name="Евгения" initials="Е" lastIdx="1" clrIdx="0">
     <p:extLst>
       <p:ext uri="{19B8F6BF-5375-455C-9EA6-DF929625EA0E}">
-        <p15:presenceInfo xmlns:p15="http://schemas.microsoft.com/office/powerpoint/2012/main" userId="Евгения" providerId="None"/>
+        <p15:presenceInfo xmlns:p15="http://schemas.microsoft.com/office/powerpoint/2012/main" xmlns="" userId="Евгения" providerId="None"/>
       </p:ext>
     </p:extLst>
   </p:cmAuthor>
@@ -275,7 +275,7 @@
           <a:p>
             <a:fld id="{FDA3F8A2-3B62-42DF-9095-2AFA187D873C}" type="datetimeFigureOut">
               <a:rPr lang="ru-RU" smtClean="0"/>
-              <a:t>13.06.2024</a:t>
+              <a:t>14.06.2024</a:t>
             </a:fld>
             <a:endParaRPr lang="ru-RU"/>
           </a:p>
@@ -564,7 +564,7 @@
           <p:cNvPr id="2" name="Заголовок 1">
             <a:extLst>
               <a:ext uri="{FF2B5EF4-FFF2-40B4-BE49-F238E27FC236}">
-                <a16:creationId xmlns:a16="http://schemas.microsoft.com/office/drawing/2014/main" id="{C8080226-4DB0-4517-8F32-05A5680E1D60}"/>
+                <a16:creationId xmlns:a16="http://schemas.microsoft.com/office/drawing/2014/main" xmlns="" id="{C8080226-4DB0-4517-8F32-05A5680E1D60}"/>
               </a:ext>
             </a:extLst>
           </p:cNvPr>
@@ -601,7 +601,7 @@
           <p:cNvPr id="3" name="Подзаголовок 2">
             <a:extLst>
               <a:ext uri="{FF2B5EF4-FFF2-40B4-BE49-F238E27FC236}">
-                <a16:creationId xmlns:a16="http://schemas.microsoft.com/office/drawing/2014/main" id="{4E6669A5-69B9-463F-8CDA-CAD3838CF7DB}"/>
+                <a16:creationId xmlns:a16="http://schemas.microsoft.com/office/drawing/2014/main" xmlns="" id="{4E6669A5-69B9-463F-8CDA-CAD3838CF7DB}"/>
               </a:ext>
             </a:extLst>
           </p:cNvPr>
@@ -671,7 +671,7 @@
           <p:cNvPr id="4" name="Дата 3">
             <a:extLst>
               <a:ext uri="{FF2B5EF4-FFF2-40B4-BE49-F238E27FC236}">
-                <a16:creationId xmlns:a16="http://schemas.microsoft.com/office/drawing/2014/main" id="{4BA8D57B-DAD4-4CDE-96D4-B23A72D6FE94}"/>
+                <a16:creationId xmlns:a16="http://schemas.microsoft.com/office/drawing/2014/main" xmlns="" id="{4BA8D57B-DAD4-4CDE-96D4-B23A72D6FE94}"/>
               </a:ext>
             </a:extLst>
           </p:cNvPr>
@@ -689,7 +689,7 @@
           <a:p>
             <a:fld id="{188F4571-5246-4336-844C-3639210E862E}" type="datetime1">
               <a:rPr lang="ru-RU" smtClean="0"/>
-              <a:t>13.06.2024</a:t>
+              <a:t>14.06.2024</a:t>
             </a:fld>
             <a:endParaRPr lang="ru-RU"/>
           </a:p>
@@ -700,7 +700,7 @@
           <p:cNvPr id="5" name="Нижний колонтитул 4">
             <a:extLst>
               <a:ext uri="{FF2B5EF4-FFF2-40B4-BE49-F238E27FC236}">
-                <a16:creationId xmlns:a16="http://schemas.microsoft.com/office/drawing/2014/main" id="{A037300C-B7BE-4E45-B99C-1BAB80474207}"/>
+                <a16:creationId xmlns:a16="http://schemas.microsoft.com/office/drawing/2014/main" xmlns="" id="{A037300C-B7BE-4E45-B99C-1BAB80474207}"/>
               </a:ext>
             </a:extLst>
           </p:cNvPr>
@@ -725,7 +725,7 @@
           <p:cNvPr id="6" name="Номер слайда 5">
             <a:extLst>
               <a:ext uri="{FF2B5EF4-FFF2-40B4-BE49-F238E27FC236}">
-                <a16:creationId xmlns:a16="http://schemas.microsoft.com/office/drawing/2014/main" id="{4FA92332-AC56-4F2F-AE02-013B016660A2}"/>
+                <a16:creationId xmlns:a16="http://schemas.microsoft.com/office/drawing/2014/main" xmlns="" id="{4FA92332-AC56-4F2F-AE02-013B016660A2}"/>
               </a:ext>
             </a:extLst>
           </p:cNvPr>
@@ -796,7 +796,7 @@
           <p:cNvPr id="2" name="Заголовок 1">
             <a:extLst>
               <a:ext uri="{FF2B5EF4-FFF2-40B4-BE49-F238E27FC236}">
-                <a16:creationId xmlns:a16="http://schemas.microsoft.com/office/drawing/2014/main" id="{35DB2AC3-50F8-4877-9761-4690C6FA86CD}"/>
+                <a16:creationId xmlns:a16="http://schemas.microsoft.com/office/drawing/2014/main" xmlns="" id="{35DB2AC3-50F8-4877-9761-4690C6FA86CD}"/>
               </a:ext>
             </a:extLst>
           </p:cNvPr>
@@ -833,7 +833,7 @@
           <p:cNvPr id="3" name="Объект 2">
             <a:extLst>
               <a:ext uri="{FF2B5EF4-FFF2-40B4-BE49-F238E27FC236}">
-                <a16:creationId xmlns:a16="http://schemas.microsoft.com/office/drawing/2014/main" id="{4642AD1C-2B48-4EE0-81D2-680BAEB957EA}"/>
+                <a16:creationId xmlns:a16="http://schemas.microsoft.com/office/drawing/2014/main" xmlns="" id="{4642AD1C-2B48-4EE0-81D2-680BAEB957EA}"/>
               </a:ext>
             </a:extLst>
           </p:cNvPr>
@@ -923,7 +923,7 @@
           <p:cNvPr id="4" name="Текст 3">
             <a:extLst>
               <a:ext uri="{FF2B5EF4-FFF2-40B4-BE49-F238E27FC236}">
-                <a16:creationId xmlns:a16="http://schemas.microsoft.com/office/drawing/2014/main" id="{512D5BBB-55A6-4530-A97C-8E2EA0D2E830}"/>
+                <a16:creationId xmlns:a16="http://schemas.microsoft.com/office/drawing/2014/main" xmlns="" id="{512D5BBB-55A6-4530-A97C-8E2EA0D2E830}"/>
               </a:ext>
             </a:extLst>
           </p:cNvPr>
@@ -994,7 +994,7 @@
           <p:cNvPr id="5" name="Дата 4">
             <a:extLst>
               <a:ext uri="{FF2B5EF4-FFF2-40B4-BE49-F238E27FC236}">
-                <a16:creationId xmlns:a16="http://schemas.microsoft.com/office/drawing/2014/main" id="{4EC52DAF-7ADD-449A-8659-9F5388F7ACBC}"/>
+                <a16:creationId xmlns:a16="http://schemas.microsoft.com/office/drawing/2014/main" xmlns="" id="{4EC52DAF-7ADD-449A-8659-9F5388F7ACBC}"/>
               </a:ext>
             </a:extLst>
           </p:cNvPr>
@@ -1012,7 +1012,7 @@
           <a:p>
             <a:fld id="{E2A0276B-0792-4E1E-9214-0C369079026E}" type="datetime1">
               <a:rPr lang="ru-RU" smtClean="0"/>
-              <a:t>13.06.2024</a:t>
+              <a:t>14.06.2024</a:t>
             </a:fld>
             <a:endParaRPr lang="ru-RU"/>
           </a:p>
@@ -1023,7 +1023,7 @@
           <p:cNvPr id="6" name="Нижний колонтитул 5">
             <a:extLst>
               <a:ext uri="{FF2B5EF4-FFF2-40B4-BE49-F238E27FC236}">
-                <a16:creationId xmlns:a16="http://schemas.microsoft.com/office/drawing/2014/main" id="{F58AD255-2DFD-4776-AEF0-D8BBAEE0DB3D}"/>
+                <a16:creationId xmlns:a16="http://schemas.microsoft.com/office/drawing/2014/main" xmlns="" id="{F58AD255-2DFD-4776-AEF0-D8BBAEE0DB3D}"/>
               </a:ext>
             </a:extLst>
           </p:cNvPr>
@@ -1048,7 +1048,7 @@
           <p:cNvPr id="7" name="Номер слайда 6">
             <a:extLst>
               <a:ext uri="{FF2B5EF4-FFF2-40B4-BE49-F238E27FC236}">
-                <a16:creationId xmlns:a16="http://schemas.microsoft.com/office/drawing/2014/main" id="{5019A434-61AD-42E0-85C2-AA4168B834E8}"/>
+                <a16:creationId xmlns:a16="http://schemas.microsoft.com/office/drawing/2014/main" xmlns="" id="{5019A434-61AD-42E0-85C2-AA4168B834E8}"/>
               </a:ext>
             </a:extLst>
           </p:cNvPr>
@@ -1119,7 +1119,7 @@
           <p:cNvPr id="2" name="Заголовок 1">
             <a:extLst>
               <a:ext uri="{FF2B5EF4-FFF2-40B4-BE49-F238E27FC236}">
-                <a16:creationId xmlns:a16="http://schemas.microsoft.com/office/drawing/2014/main" id="{AB814B22-A3FA-4BC5-9CCF-7A3F1FEE4081}"/>
+                <a16:creationId xmlns:a16="http://schemas.microsoft.com/office/drawing/2014/main" xmlns="" id="{AB814B22-A3FA-4BC5-9CCF-7A3F1FEE4081}"/>
               </a:ext>
             </a:extLst>
           </p:cNvPr>
@@ -1156,7 +1156,7 @@
           <p:cNvPr id="3" name="Рисунок 2">
             <a:extLst>
               <a:ext uri="{FF2B5EF4-FFF2-40B4-BE49-F238E27FC236}">
-                <a16:creationId xmlns:a16="http://schemas.microsoft.com/office/drawing/2014/main" id="{E6C24574-E644-4481-9BF6-16DEAEAD637E}"/>
+                <a16:creationId xmlns:a16="http://schemas.microsoft.com/office/drawing/2014/main" xmlns="" id="{E6C24574-E644-4481-9BF6-16DEAEAD637E}"/>
               </a:ext>
             </a:extLst>
           </p:cNvPr>
@@ -1223,7 +1223,7 @@
           <p:cNvPr id="4" name="Текст 3">
             <a:extLst>
               <a:ext uri="{FF2B5EF4-FFF2-40B4-BE49-F238E27FC236}">
-                <a16:creationId xmlns:a16="http://schemas.microsoft.com/office/drawing/2014/main" id="{15CDB79F-4B12-4133-9809-5752BEC36E84}"/>
+                <a16:creationId xmlns:a16="http://schemas.microsoft.com/office/drawing/2014/main" xmlns="" id="{15CDB79F-4B12-4133-9809-5752BEC36E84}"/>
               </a:ext>
             </a:extLst>
           </p:cNvPr>
@@ -1294,7 +1294,7 @@
           <p:cNvPr id="5" name="Дата 4">
             <a:extLst>
               <a:ext uri="{FF2B5EF4-FFF2-40B4-BE49-F238E27FC236}">
-                <a16:creationId xmlns:a16="http://schemas.microsoft.com/office/drawing/2014/main" id="{56E66232-513C-4645-A840-C07466412BE9}"/>
+                <a16:creationId xmlns:a16="http://schemas.microsoft.com/office/drawing/2014/main" xmlns="" id="{56E66232-513C-4645-A840-C07466412BE9}"/>
               </a:ext>
             </a:extLst>
           </p:cNvPr>
@@ -1312,7 +1312,7 @@
           <a:p>
             <a:fld id="{AFB62380-640A-4E41-A65C-E223B8624FC8}" type="datetime1">
               <a:rPr lang="ru-RU" smtClean="0"/>
-              <a:t>13.06.2024</a:t>
+              <a:t>14.06.2024</a:t>
             </a:fld>
             <a:endParaRPr lang="ru-RU"/>
           </a:p>
@@ -1323,7 +1323,7 @@
           <p:cNvPr id="6" name="Нижний колонтитул 5">
             <a:extLst>
               <a:ext uri="{FF2B5EF4-FFF2-40B4-BE49-F238E27FC236}">
-                <a16:creationId xmlns:a16="http://schemas.microsoft.com/office/drawing/2014/main" id="{1673FFE2-6C35-4425-A51B-DCEB93B96FAD}"/>
+                <a16:creationId xmlns:a16="http://schemas.microsoft.com/office/drawing/2014/main" xmlns="" id="{1673FFE2-6C35-4425-A51B-DCEB93B96FAD}"/>
               </a:ext>
             </a:extLst>
           </p:cNvPr>
@@ -1348,7 +1348,7 @@
           <p:cNvPr id="7" name="Номер слайда 6">
             <a:extLst>
               <a:ext uri="{FF2B5EF4-FFF2-40B4-BE49-F238E27FC236}">
-                <a16:creationId xmlns:a16="http://schemas.microsoft.com/office/drawing/2014/main" id="{B18C6F80-5C8D-48EB-88A2-B49132E00C78}"/>
+                <a16:creationId xmlns:a16="http://schemas.microsoft.com/office/drawing/2014/main" xmlns="" id="{B18C6F80-5C8D-48EB-88A2-B49132E00C78}"/>
               </a:ext>
             </a:extLst>
           </p:cNvPr>
@@ -1419,7 +1419,7 @@
           <p:cNvPr id="2" name="Заголовок 1">
             <a:extLst>
               <a:ext uri="{FF2B5EF4-FFF2-40B4-BE49-F238E27FC236}">
-                <a16:creationId xmlns:a16="http://schemas.microsoft.com/office/drawing/2014/main" id="{DB8B75DB-AAD4-4024-9938-3848AC62257C}"/>
+                <a16:creationId xmlns:a16="http://schemas.microsoft.com/office/drawing/2014/main" xmlns="" id="{DB8B75DB-AAD4-4024-9938-3848AC62257C}"/>
               </a:ext>
             </a:extLst>
           </p:cNvPr>
@@ -1447,7 +1447,7 @@
           <p:cNvPr id="3" name="Вертикальный текст 2">
             <a:extLst>
               <a:ext uri="{FF2B5EF4-FFF2-40B4-BE49-F238E27FC236}">
-                <a16:creationId xmlns:a16="http://schemas.microsoft.com/office/drawing/2014/main" id="{E44512D5-7101-4345-A5F1-5ED5F87F019C}"/>
+                <a16:creationId xmlns:a16="http://schemas.microsoft.com/office/drawing/2014/main" xmlns="" id="{E44512D5-7101-4345-A5F1-5ED5F87F019C}"/>
               </a:ext>
             </a:extLst>
           </p:cNvPr>
@@ -1504,7 +1504,7 @@
           <p:cNvPr id="4" name="Дата 3">
             <a:extLst>
               <a:ext uri="{FF2B5EF4-FFF2-40B4-BE49-F238E27FC236}">
-                <a16:creationId xmlns:a16="http://schemas.microsoft.com/office/drawing/2014/main" id="{8A1EDD17-4B56-41D9-9CFF-7783E75604F4}"/>
+                <a16:creationId xmlns:a16="http://schemas.microsoft.com/office/drawing/2014/main" xmlns="" id="{8A1EDD17-4B56-41D9-9CFF-7783E75604F4}"/>
               </a:ext>
             </a:extLst>
           </p:cNvPr>
@@ -1522,7 +1522,7 @@
           <a:p>
             <a:fld id="{00751EA9-C183-4BFA-B474-642EDAA0370D}" type="datetime1">
               <a:rPr lang="ru-RU" smtClean="0"/>
-              <a:t>13.06.2024</a:t>
+              <a:t>14.06.2024</a:t>
             </a:fld>
             <a:endParaRPr lang="ru-RU"/>
           </a:p>
@@ -1533,7 +1533,7 @@
           <p:cNvPr id="5" name="Нижний колонтитул 4">
             <a:extLst>
               <a:ext uri="{FF2B5EF4-FFF2-40B4-BE49-F238E27FC236}">
-                <a16:creationId xmlns:a16="http://schemas.microsoft.com/office/drawing/2014/main" id="{D049CD1D-02D4-4A05-A798-D9A9634C0924}"/>
+                <a16:creationId xmlns:a16="http://schemas.microsoft.com/office/drawing/2014/main" xmlns="" id="{D049CD1D-02D4-4A05-A798-D9A9634C0924}"/>
               </a:ext>
             </a:extLst>
           </p:cNvPr>
@@ -1558,7 +1558,7 @@
           <p:cNvPr id="6" name="Номер слайда 5">
             <a:extLst>
               <a:ext uri="{FF2B5EF4-FFF2-40B4-BE49-F238E27FC236}">
-                <a16:creationId xmlns:a16="http://schemas.microsoft.com/office/drawing/2014/main" id="{203F0B95-9A63-47FC-8D7B-007D815439FD}"/>
+                <a16:creationId xmlns:a16="http://schemas.microsoft.com/office/drawing/2014/main" xmlns="" id="{203F0B95-9A63-47FC-8D7B-007D815439FD}"/>
               </a:ext>
             </a:extLst>
           </p:cNvPr>
@@ -1629,7 +1629,7 @@
           <p:cNvPr id="2" name="Вертикальный заголовок 1">
             <a:extLst>
               <a:ext uri="{FF2B5EF4-FFF2-40B4-BE49-F238E27FC236}">
-                <a16:creationId xmlns:a16="http://schemas.microsoft.com/office/drawing/2014/main" id="{D859F4FA-AF46-4528-8389-8CD4794B8C66}"/>
+                <a16:creationId xmlns:a16="http://schemas.microsoft.com/office/drawing/2014/main" xmlns="" id="{D859F4FA-AF46-4528-8389-8CD4794B8C66}"/>
               </a:ext>
             </a:extLst>
           </p:cNvPr>
@@ -1662,7 +1662,7 @@
           <p:cNvPr id="3" name="Вертикальный текст 2">
             <a:extLst>
               <a:ext uri="{FF2B5EF4-FFF2-40B4-BE49-F238E27FC236}">
-                <a16:creationId xmlns:a16="http://schemas.microsoft.com/office/drawing/2014/main" id="{59825218-8ABD-4D91-9A1E-C2AFE0F85B46}"/>
+                <a16:creationId xmlns:a16="http://schemas.microsoft.com/office/drawing/2014/main" xmlns="" id="{59825218-8ABD-4D91-9A1E-C2AFE0F85B46}"/>
               </a:ext>
             </a:extLst>
           </p:cNvPr>
@@ -1724,7 +1724,7 @@
           <p:cNvPr id="4" name="Дата 3">
             <a:extLst>
               <a:ext uri="{FF2B5EF4-FFF2-40B4-BE49-F238E27FC236}">
-                <a16:creationId xmlns:a16="http://schemas.microsoft.com/office/drawing/2014/main" id="{E8023D65-C371-4EC1-80E4-837717A56ECB}"/>
+                <a16:creationId xmlns:a16="http://schemas.microsoft.com/office/drawing/2014/main" xmlns="" id="{E8023D65-C371-4EC1-80E4-837717A56ECB}"/>
               </a:ext>
             </a:extLst>
           </p:cNvPr>
@@ -1742,7 +1742,7 @@
           <a:p>
             <a:fld id="{A4714F73-2A95-4B07-81E8-74E04B18BEBD}" type="datetime1">
               <a:rPr lang="ru-RU" smtClean="0"/>
-              <a:t>13.06.2024</a:t>
+              <a:t>14.06.2024</a:t>
             </a:fld>
             <a:endParaRPr lang="ru-RU"/>
           </a:p>
@@ -1753,7 +1753,7 @@
           <p:cNvPr id="5" name="Нижний колонтитул 4">
             <a:extLst>
               <a:ext uri="{FF2B5EF4-FFF2-40B4-BE49-F238E27FC236}">
-                <a16:creationId xmlns:a16="http://schemas.microsoft.com/office/drawing/2014/main" id="{8EAA5872-BEF2-4C4F-9378-86297D5478EE}"/>
+                <a16:creationId xmlns:a16="http://schemas.microsoft.com/office/drawing/2014/main" xmlns="" id="{8EAA5872-BEF2-4C4F-9378-86297D5478EE}"/>
               </a:ext>
             </a:extLst>
           </p:cNvPr>
@@ -1778,7 +1778,7 @@
           <p:cNvPr id="6" name="Номер слайда 5">
             <a:extLst>
               <a:ext uri="{FF2B5EF4-FFF2-40B4-BE49-F238E27FC236}">
-                <a16:creationId xmlns:a16="http://schemas.microsoft.com/office/drawing/2014/main" id="{DC215631-8925-41F0-8D38-63A3B85E8CF0}"/>
+                <a16:creationId xmlns:a16="http://schemas.microsoft.com/office/drawing/2014/main" xmlns="" id="{DC215631-8925-41F0-8D38-63A3B85E8CF0}"/>
               </a:ext>
             </a:extLst>
           </p:cNvPr>
@@ -1849,7 +1849,7 @@
           <p:cNvPr id="5" name="Номер слайда 4">
             <a:extLst>
               <a:ext uri="{FF2B5EF4-FFF2-40B4-BE49-F238E27FC236}">
-                <a16:creationId xmlns:a16="http://schemas.microsoft.com/office/drawing/2014/main" id="{614EB6CA-57A2-4B17-8FCE-8330B4EA9829}"/>
+                <a16:creationId xmlns:a16="http://schemas.microsoft.com/office/drawing/2014/main" xmlns="" id="{614EB6CA-57A2-4B17-8FCE-8330B4EA9829}"/>
               </a:ext>
             </a:extLst>
           </p:cNvPr>
@@ -1878,7 +1878,7 @@
           <p:cNvPr id="11" name="Рисунок 10">
             <a:extLst>
               <a:ext uri="{FF2B5EF4-FFF2-40B4-BE49-F238E27FC236}">
-                <a16:creationId xmlns:a16="http://schemas.microsoft.com/office/drawing/2014/main" id="{7B3D99E0-53A4-47C7-B62E-870D1595CC71}"/>
+                <a16:creationId xmlns:a16="http://schemas.microsoft.com/office/drawing/2014/main" xmlns="" id="{7B3D99E0-53A4-47C7-B62E-870D1595CC71}"/>
               </a:ext>
             </a:extLst>
           </p:cNvPr>
@@ -1914,7 +1914,7 @@
           <p:cNvPr id="13" name="Рисунок 12">
             <a:extLst>
               <a:ext uri="{FF2B5EF4-FFF2-40B4-BE49-F238E27FC236}">
-                <a16:creationId xmlns:a16="http://schemas.microsoft.com/office/drawing/2014/main" id="{8C26C231-FA23-4282-9DF5-24517065350B}"/>
+                <a16:creationId xmlns:a16="http://schemas.microsoft.com/office/drawing/2014/main" xmlns="" id="{8C26C231-FA23-4282-9DF5-24517065350B}"/>
               </a:ext>
             </a:extLst>
           </p:cNvPr>
@@ -1963,7 +1963,7 @@
   </mc:AlternateContent>
   <p:extLst>
     <p:ext uri="{DCECCB84-F9BA-43D5-87BE-67443E8EF086}">
-      <p15:sldGuideLst xmlns:p15="http://schemas.microsoft.com/office/powerpoint/2012/main">
+      <p15:sldGuideLst xmlns:p15="http://schemas.microsoft.com/office/powerpoint/2012/main" xmlns="">
         <p15:guide id="1" orient="horz" pos="2160" userDrawn="1">
           <p15:clr>
             <a:srgbClr val="FBAE40"/>
@@ -2012,7 +2012,7 @@
           <p:cNvPr id="7" name="Рисунок 6">
             <a:extLst>
               <a:ext uri="{FF2B5EF4-FFF2-40B4-BE49-F238E27FC236}">
-                <a16:creationId xmlns:a16="http://schemas.microsoft.com/office/drawing/2014/main" id="{3A9800C3-D834-4903-B707-AD4150FCDBA8}"/>
+                <a16:creationId xmlns:a16="http://schemas.microsoft.com/office/drawing/2014/main" xmlns="" id="{3A9800C3-D834-4903-B707-AD4150FCDBA8}"/>
               </a:ext>
             </a:extLst>
           </p:cNvPr>
@@ -2062,7 +2062,7 @@
           <p:cNvPr id="8" name="Рисунок 6">
             <a:extLst>
               <a:ext uri="{FF2B5EF4-FFF2-40B4-BE49-F238E27FC236}">
-                <a16:creationId xmlns:a16="http://schemas.microsoft.com/office/drawing/2014/main" id="{AF555082-799C-4823-AE79-FBBEA03A4DE8}"/>
+                <a16:creationId xmlns:a16="http://schemas.microsoft.com/office/drawing/2014/main" xmlns="" id="{AF555082-799C-4823-AE79-FBBEA03A4DE8}"/>
               </a:ext>
             </a:extLst>
           </p:cNvPr>
@@ -2112,7 +2112,7 @@
           <p:cNvPr id="9" name="Рисунок 6">
             <a:extLst>
               <a:ext uri="{FF2B5EF4-FFF2-40B4-BE49-F238E27FC236}">
-                <a16:creationId xmlns:a16="http://schemas.microsoft.com/office/drawing/2014/main" id="{A193D461-88D6-4E8D-A91D-AC79EEB2A3CE}"/>
+                <a16:creationId xmlns:a16="http://schemas.microsoft.com/office/drawing/2014/main" xmlns="" id="{A193D461-88D6-4E8D-A91D-AC79EEB2A3CE}"/>
               </a:ext>
             </a:extLst>
           </p:cNvPr>
@@ -2162,7 +2162,7 @@
           <p:cNvPr id="10" name="Рисунок 6">
             <a:extLst>
               <a:ext uri="{FF2B5EF4-FFF2-40B4-BE49-F238E27FC236}">
-                <a16:creationId xmlns:a16="http://schemas.microsoft.com/office/drawing/2014/main" id="{61DD5022-27B9-481C-9E9B-B35014E073FA}"/>
+                <a16:creationId xmlns:a16="http://schemas.microsoft.com/office/drawing/2014/main" xmlns="" id="{61DD5022-27B9-481C-9E9B-B35014E073FA}"/>
               </a:ext>
             </a:extLst>
           </p:cNvPr>
@@ -2212,7 +2212,7 @@
           <p:cNvPr id="11" name="Рисунок 6">
             <a:extLst>
               <a:ext uri="{FF2B5EF4-FFF2-40B4-BE49-F238E27FC236}">
-                <a16:creationId xmlns:a16="http://schemas.microsoft.com/office/drawing/2014/main" id="{C05C0981-1E88-49DB-A936-85974EDBD93C}"/>
+                <a16:creationId xmlns:a16="http://schemas.microsoft.com/office/drawing/2014/main" xmlns="" id="{C05C0981-1E88-49DB-A936-85974EDBD93C}"/>
               </a:ext>
             </a:extLst>
           </p:cNvPr>
@@ -2262,7 +2262,7 @@
           <p:cNvPr id="12" name="Рисунок 6">
             <a:extLst>
               <a:ext uri="{FF2B5EF4-FFF2-40B4-BE49-F238E27FC236}">
-                <a16:creationId xmlns:a16="http://schemas.microsoft.com/office/drawing/2014/main" id="{B5B5B3CE-FBDA-4C11-96AA-76F6B8D0B661}"/>
+                <a16:creationId xmlns:a16="http://schemas.microsoft.com/office/drawing/2014/main" xmlns="" id="{B5B5B3CE-FBDA-4C11-96AA-76F6B8D0B661}"/>
               </a:ext>
             </a:extLst>
           </p:cNvPr>
@@ -2312,7 +2312,7 @@
           <p:cNvPr id="13" name="Рисунок 6">
             <a:extLst>
               <a:ext uri="{FF2B5EF4-FFF2-40B4-BE49-F238E27FC236}">
-                <a16:creationId xmlns:a16="http://schemas.microsoft.com/office/drawing/2014/main" id="{F0CF6B2B-48A8-43AD-944E-1F969C6F9473}"/>
+                <a16:creationId xmlns:a16="http://schemas.microsoft.com/office/drawing/2014/main" xmlns="" id="{F0CF6B2B-48A8-43AD-944E-1F969C6F9473}"/>
               </a:ext>
             </a:extLst>
           </p:cNvPr>
@@ -2362,7 +2362,7 @@
           <p:cNvPr id="14" name="Рисунок 6">
             <a:extLst>
               <a:ext uri="{FF2B5EF4-FFF2-40B4-BE49-F238E27FC236}">
-                <a16:creationId xmlns:a16="http://schemas.microsoft.com/office/drawing/2014/main" id="{ADE8E75D-202B-4C70-BFA4-988B02B5CE99}"/>
+                <a16:creationId xmlns:a16="http://schemas.microsoft.com/office/drawing/2014/main" xmlns="" id="{ADE8E75D-202B-4C70-BFA4-988B02B5CE99}"/>
               </a:ext>
             </a:extLst>
           </p:cNvPr>
@@ -2412,7 +2412,7 @@
           <p:cNvPr id="15" name="Рисунок 6">
             <a:extLst>
               <a:ext uri="{FF2B5EF4-FFF2-40B4-BE49-F238E27FC236}">
-                <a16:creationId xmlns:a16="http://schemas.microsoft.com/office/drawing/2014/main" id="{231D67C5-E9C4-4369-A360-8980AA1C247A}"/>
+                <a16:creationId xmlns:a16="http://schemas.microsoft.com/office/drawing/2014/main" xmlns="" id="{231D67C5-E9C4-4369-A360-8980AA1C247A}"/>
               </a:ext>
             </a:extLst>
           </p:cNvPr>
@@ -2504,7 +2504,7 @@
           <p:cNvPr id="2" name="Заголовок 1">
             <a:extLst>
               <a:ext uri="{FF2B5EF4-FFF2-40B4-BE49-F238E27FC236}">
-                <a16:creationId xmlns:a16="http://schemas.microsoft.com/office/drawing/2014/main" id="{A1AEA92F-839C-496F-8FC1-5E287D8A21DE}"/>
+                <a16:creationId xmlns:a16="http://schemas.microsoft.com/office/drawing/2014/main" xmlns="" id="{A1AEA92F-839C-496F-8FC1-5E287D8A21DE}"/>
               </a:ext>
             </a:extLst>
           </p:cNvPr>
@@ -2532,7 +2532,7 @@
           <p:cNvPr id="3" name="Объект 2">
             <a:extLst>
               <a:ext uri="{FF2B5EF4-FFF2-40B4-BE49-F238E27FC236}">
-                <a16:creationId xmlns:a16="http://schemas.microsoft.com/office/drawing/2014/main" id="{05811FB0-3900-4228-9879-BD973634C289}"/>
+                <a16:creationId xmlns:a16="http://schemas.microsoft.com/office/drawing/2014/main" xmlns="" id="{05811FB0-3900-4228-9879-BD973634C289}"/>
               </a:ext>
             </a:extLst>
           </p:cNvPr>
@@ -2589,7 +2589,7 @@
           <p:cNvPr id="4" name="Дата 3">
             <a:extLst>
               <a:ext uri="{FF2B5EF4-FFF2-40B4-BE49-F238E27FC236}">
-                <a16:creationId xmlns:a16="http://schemas.microsoft.com/office/drawing/2014/main" id="{DF40E661-06C7-4BAB-A816-E7D6FFF8590E}"/>
+                <a16:creationId xmlns:a16="http://schemas.microsoft.com/office/drawing/2014/main" xmlns="" id="{DF40E661-06C7-4BAB-A816-E7D6FFF8590E}"/>
               </a:ext>
             </a:extLst>
           </p:cNvPr>
@@ -2607,7 +2607,7 @@
           <a:p>
             <a:fld id="{5CB26059-F1B0-4161-9738-143CBC6AE5C3}" type="datetime1">
               <a:rPr lang="ru-RU" smtClean="0"/>
-              <a:t>13.06.2024</a:t>
+              <a:t>14.06.2024</a:t>
             </a:fld>
             <a:endParaRPr lang="ru-RU"/>
           </a:p>
@@ -2618,7 +2618,7 @@
           <p:cNvPr id="5" name="Нижний колонтитул 4">
             <a:extLst>
               <a:ext uri="{FF2B5EF4-FFF2-40B4-BE49-F238E27FC236}">
-                <a16:creationId xmlns:a16="http://schemas.microsoft.com/office/drawing/2014/main" id="{E9784D37-EE4E-4890-A77C-7B0DE6B5908B}"/>
+                <a16:creationId xmlns:a16="http://schemas.microsoft.com/office/drawing/2014/main" xmlns="" id="{E9784D37-EE4E-4890-A77C-7B0DE6B5908B}"/>
               </a:ext>
             </a:extLst>
           </p:cNvPr>
@@ -2643,7 +2643,7 @@
           <p:cNvPr id="6" name="Номер слайда 5">
             <a:extLst>
               <a:ext uri="{FF2B5EF4-FFF2-40B4-BE49-F238E27FC236}">
-                <a16:creationId xmlns:a16="http://schemas.microsoft.com/office/drawing/2014/main" id="{46946C92-E612-4D72-B219-2DE77697CFDF}"/>
+                <a16:creationId xmlns:a16="http://schemas.microsoft.com/office/drawing/2014/main" xmlns="" id="{46946C92-E612-4D72-B219-2DE77697CFDF}"/>
               </a:ext>
             </a:extLst>
           </p:cNvPr>
@@ -2714,7 +2714,7 @@
           <p:cNvPr id="2" name="Заголовок 1">
             <a:extLst>
               <a:ext uri="{FF2B5EF4-FFF2-40B4-BE49-F238E27FC236}">
-                <a16:creationId xmlns:a16="http://schemas.microsoft.com/office/drawing/2014/main" id="{90FECFF7-8A53-4108-BC41-B61D77B490B1}"/>
+                <a16:creationId xmlns:a16="http://schemas.microsoft.com/office/drawing/2014/main" xmlns="" id="{90FECFF7-8A53-4108-BC41-B61D77B490B1}"/>
               </a:ext>
             </a:extLst>
           </p:cNvPr>
@@ -2751,7 +2751,7 @@
           <p:cNvPr id="3" name="Текст 2">
             <a:extLst>
               <a:ext uri="{FF2B5EF4-FFF2-40B4-BE49-F238E27FC236}">
-                <a16:creationId xmlns:a16="http://schemas.microsoft.com/office/drawing/2014/main" id="{B8B0AFBF-6D63-4079-93AA-8C079001F15E}"/>
+                <a16:creationId xmlns:a16="http://schemas.microsoft.com/office/drawing/2014/main" xmlns="" id="{B8B0AFBF-6D63-4079-93AA-8C079001F15E}"/>
               </a:ext>
             </a:extLst>
           </p:cNvPr>
@@ -2876,7 +2876,7 @@
           <p:cNvPr id="4" name="Дата 3">
             <a:extLst>
               <a:ext uri="{FF2B5EF4-FFF2-40B4-BE49-F238E27FC236}">
-                <a16:creationId xmlns:a16="http://schemas.microsoft.com/office/drawing/2014/main" id="{82A39957-ED82-451F-8D8B-2DD52B7DE42A}"/>
+                <a16:creationId xmlns:a16="http://schemas.microsoft.com/office/drawing/2014/main" xmlns="" id="{82A39957-ED82-451F-8D8B-2DD52B7DE42A}"/>
               </a:ext>
             </a:extLst>
           </p:cNvPr>
@@ -2894,7 +2894,7 @@
           <a:p>
             <a:fld id="{2B302D4D-3A9F-414A-A2FD-C66D78AE433D}" type="datetime1">
               <a:rPr lang="ru-RU" smtClean="0"/>
-              <a:t>13.06.2024</a:t>
+              <a:t>14.06.2024</a:t>
             </a:fld>
             <a:endParaRPr lang="ru-RU"/>
           </a:p>
@@ -2905,7 +2905,7 @@
           <p:cNvPr id="5" name="Нижний колонтитул 4">
             <a:extLst>
               <a:ext uri="{FF2B5EF4-FFF2-40B4-BE49-F238E27FC236}">
-                <a16:creationId xmlns:a16="http://schemas.microsoft.com/office/drawing/2014/main" id="{04EB4C03-7D3D-4F61-A805-06681A200578}"/>
+                <a16:creationId xmlns:a16="http://schemas.microsoft.com/office/drawing/2014/main" xmlns="" id="{04EB4C03-7D3D-4F61-A805-06681A200578}"/>
               </a:ext>
             </a:extLst>
           </p:cNvPr>
@@ -2930,7 +2930,7 @@
           <p:cNvPr id="6" name="Номер слайда 5">
             <a:extLst>
               <a:ext uri="{FF2B5EF4-FFF2-40B4-BE49-F238E27FC236}">
-                <a16:creationId xmlns:a16="http://schemas.microsoft.com/office/drawing/2014/main" id="{C768170C-7A01-4DE8-BF99-58C767EDFA26}"/>
+                <a16:creationId xmlns:a16="http://schemas.microsoft.com/office/drawing/2014/main" xmlns="" id="{C768170C-7A01-4DE8-BF99-58C767EDFA26}"/>
               </a:ext>
             </a:extLst>
           </p:cNvPr>
@@ -3001,7 +3001,7 @@
           <p:cNvPr id="2" name="Заголовок 1">
             <a:extLst>
               <a:ext uri="{FF2B5EF4-FFF2-40B4-BE49-F238E27FC236}">
-                <a16:creationId xmlns:a16="http://schemas.microsoft.com/office/drawing/2014/main" id="{074B9D22-1441-4B0B-8FC6-97FCF22E2AB4}"/>
+                <a16:creationId xmlns:a16="http://schemas.microsoft.com/office/drawing/2014/main" xmlns="" id="{074B9D22-1441-4B0B-8FC6-97FCF22E2AB4}"/>
               </a:ext>
             </a:extLst>
           </p:cNvPr>
@@ -3029,7 +3029,7 @@
           <p:cNvPr id="3" name="Объект 2">
             <a:extLst>
               <a:ext uri="{FF2B5EF4-FFF2-40B4-BE49-F238E27FC236}">
-                <a16:creationId xmlns:a16="http://schemas.microsoft.com/office/drawing/2014/main" id="{C5B8BC88-B05D-428A-A7C3-7C7151D64CE5}"/>
+                <a16:creationId xmlns:a16="http://schemas.microsoft.com/office/drawing/2014/main" xmlns="" id="{C5B8BC88-B05D-428A-A7C3-7C7151D64CE5}"/>
               </a:ext>
             </a:extLst>
           </p:cNvPr>
@@ -3091,7 +3091,7 @@
           <p:cNvPr id="4" name="Объект 3">
             <a:extLst>
               <a:ext uri="{FF2B5EF4-FFF2-40B4-BE49-F238E27FC236}">
-                <a16:creationId xmlns:a16="http://schemas.microsoft.com/office/drawing/2014/main" id="{782459F2-2961-4F40-8DA0-9589D2AE72AF}"/>
+                <a16:creationId xmlns:a16="http://schemas.microsoft.com/office/drawing/2014/main" xmlns="" id="{782459F2-2961-4F40-8DA0-9589D2AE72AF}"/>
               </a:ext>
             </a:extLst>
           </p:cNvPr>
@@ -3153,7 +3153,7 @@
           <p:cNvPr id="5" name="Дата 4">
             <a:extLst>
               <a:ext uri="{FF2B5EF4-FFF2-40B4-BE49-F238E27FC236}">
-                <a16:creationId xmlns:a16="http://schemas.microsoft.com/office/drawing/2014/main" id="{8FCC808B-7B2F-4978-BC84-226706F70389}"/>
+                <a16:creationId xmlns:a16="http://schemas.microsoft.com/office/drawing/2014/main" xmlns="" id="{8FCC808B-7B2F-4978-BC84-226706F70389}"/>
               </a:ext>
             </a:extLst>
           </p:cNvPr>
@@ -3171,7 +3171,7 @@
           <a:p>
             <a:fld id="{0BF963D5-4EFB-41C3-A9B5-D8A5E4364F7C}" type="datetime1">
               <a:rPr lang="ru-RU" smtClean="0"/>
-              <a:t>13.06.2024</a:t>
+              <a:t>14.06.2024</a:t>
             </a:fld>
             <a:endParaRPr lang="ru-RU"/>
           </a:p>
@@ -3182,7 +3182,7 @@
           <p:cNvPr id="6" name="Нижний колонтитул 5">
             <a:extLst>
               <a:ext uri="{FF2B5EF4-FFF2-40B4-BE49-F238E27FC236}">
-                <a16:creationId xmlns:a16="http://schemas.microsoft.com/office/drawing/2014/main" id="{AAEC5CE7-5DB9-4CFF-A82C-C1DF1A060C22}"/>
+                <a16:creationId xmlns:a16="http://schemas.microsoft.com/office/drawing/2014/main" xmlns="" id="{AAEC5CE7-5DB9-4CFF-A82C-C1DF1A060C22}"/>
               </a:ext>
             </a:extLst>
           </p:cNvPr>
@@ -3207,7 +3207,7 @@
           <p:cNvPr id="7" name="Номер слайда 6">
             <a:extLst>
               <a:ext uri="{FF2B5EF4-FFF2-40B4-BE49-F238E27FC236}">
-                <a16:creationId xmlns:a16="http://schemas.microsoft.com/office/drawing/2014/main" id="{85FC99DE-5F9E-4A93-AAD9-AB394579E691}"/>
+                <a16:creationId xmlns:a16="http://schemas.microsoft.com/office/drawing/2014/main" xmlns="" id="{85FC99DE-5F9E-4A93-AAD9-AB394579E691}"/>
               </a:ext>
             </a:extLst>
           </p:cNvPr>
@@ -3278,7 +3278,7 @@
           <p:cNvPr id="2" name="Заголовок 1">
             <a:extLst>
               <a:ext uri="{FF2B5EF4-FFF2-40B4-BE49-F238E27FC236}">
-                <a16:creationId xmlns:a16="http://schemas.microsoft.com/office/drawing/2014/main" id="{C8BCEA6B-3E00-43CF-823D-9C46ECC10AD5}"/>
+                <a16:creationId xmlns:a16="http://schemas.microsoft.com/office/drawing/2014/main" xmlns="" id="{C8BCEA6B-3E00-43CF-823D-9C46ECC10AD5}"/>
               </a:ext>
             </a:extLst>
           </p:cNvPr>
@@ -3311,7 +3311,7 @@
           <p:cNvPr id="3" name="Текст 2">
             <a:extLst>
               <a:ext uri="{FF2B5EF4-FFF2-40B4-BE49-F238E27FC236}">
-                <a16:creationId xmlns:a16="http://schemas.microsoft.com/office/drawing/2014/main" id="{0FF08317-0D3B-465F-BD39-46A42D6DCAF5}"/>
+                <a16:creationId xmlns:a16="http://schemas.microsoft.com/office/drawing/2014/main" xmlns="" id="{0FF08317-0D3B-465F-BD39-46A42D6DCAF5}"/>
               </a:ext>
             </a:extLst>
           </p:cNvPr>
@@ -3382,7 +3382,7 @@
           <p:cNvPr id="4" name="Объект 3">
             <a:extLst>
               <a:ext uri="{FF2B5EF4-FFF2-40B4-BE49-F238E27FC236}">
-                <a16:creationId xmlns:a16="http://schemas.microsoft.com/office/drawing/2014/main" id="{A372B717-6D01-47E3-901B-CBA12010E9C1}"/>
+                <a16:creationId xmlns:a16="http://schemas.microsoft.com/office/drawing/2014/main" xmlns="" id="{A372B717-6D01-47E3-901B-CBA12010E9C1}"/>
               </a:ext>
             </a:extLst>
           </p:cNvPr>
@@ -3444,7 +3444,7 @@
           <p:cNvPr id="5" name="Текст 4">
             <a:extLst>
               <a:ext uri="{FF2B5EF4-FFF2-40B4-BE49-F238E27FC236}">
-                <a16:creationId xmlns:a16="http://schemas.microsoft.com/office/drawing/2014/main" id="{22E3E500-8648-41DB-A3F6-EB0F2D033AD4}"/>
+                <a16:creationId xmlns:a16="http://schemas.microsoft.com/office/drawing/2014/main" xmlns="" id="{22E3E500-8648-41DB-A3F6-EB0F2D033AD4}"/>
               </a:ext>
             </a:extLst>
           </p:cNvPr>
@@ -3515,7 +3515,7 @@
           <p:cNvPr id="6" name="Объект 5">
             <a:extLst>
               <a:ext uri="{FF2B5EF4-FFF2-40B4-BE49-F238E27FC236}">
-                <a16:creationId xmlns:a16="http://schemas.microsoft.com/office/drawing/2014/main" id="{8E48B21D-BC4A-404D-A95E-923599C400BF}"/>
+                <a16:creationId xmlns:a16="http://schemas.microsoft.com/office/drawing/2014/main" xmlns="" id="{8E48B21D-BC4A-404D-A95E-923599C400BF}"/>
               </a:ext>
             </a:extLst>
           </p:cNvPr>
@@ -3577,7 +3577,7 @@
           <p:cNvPr id="7" name="Дата 6">
             <a:extLst>
               <a:ext uri="{FF2B5EF4-FFF2-40B4-BE49-F238E27FC236}">
-                <a16:creationId xmlns:a16="http://schemas.microsoft.com/office/drawing/2014/main" id="{799F8618-3149-4088-835F-BE6C7C887D51}"/>
+                <a16:creationId xmlns:a16="http://schemas.microsoft.com/office/drawing/2014/main" xmlns="" id="{799F8618-3149-4088-835F-BE6C7C887D51}"/>
               </a:ext>
             </a:extLst>
           </p:cNvPr>
@@ -3595,7 +3595,7 @@
           <a:p>
             <a:fld id="{13F95FED-03D5-4D69-906C-7015930249F9}" type="datetime1">
               <a:rPr lang="ru-RU" smtClean="0"/>
-              <a:t>13.06.2024</a:t>
+              <a:t>14.06.2024</a:t>
             </a:fld>
             <a:endParaRPr lang="ru-RU"/>
           </a:p>
@@ -3606,7 +3606,7 @@
           <p:cNvPr id="8" name="Нижний колонтитул 7">
             <a:extLst>
               <a:ext uri="{FF2B5EF4-FFF2-40B4-BE49-F238E27FC236}">
-                <a16:creationId xmlns:a16="http://schemas.microsoft.com/office/drawing/2014/main" id="{73CEF1EA-1AB5-4F33-9E0F-2016BBA86450}"/>
+                <a16:creationId xmlns:a16="http://schemas.microsoft.com/office/drawing/2014/main" xmlns="" id="{73CEF1EA-1AB5-4F33-9E0F-2016BBA86450}"/>
               </a:ext>
             </a:extLst>
           </p:cNvPr>
@@ -3631,7 +3631,7 @@
           <p:cNvPr id="9" name="Номер слайда 8">
             <a:extLst>
               <a:ext uri="{FF2B5EF4-FFF2-40B4-BE49-F238E27FC236}">
-                <a16:creationId xmlns:a16="http://schemas.microsoft.com/office/drawing/2014/main" id="{13F9A4EA-933B-44D9-B245-33F44EE679AB}"/>
+                <a16:creationId xmlns:a16="http://schemas.microsoft.com/office/drawing/2014/main" xmlns="" id="{13F9A4EA-933B-44D9-B245-33F44EE679AB}"/>
               </a:ext>
             </a:extLst>
           </p:cNvPr>
@@ -3702,7 +3702,7 @@
           <p:cNvPr id="2" name="Заголовок 1">
             <a:extLst>
               <a:ext uri="{FF2B5EF4-FFF2-40B4-BE49-F238E27FC236}">
-                <a16:creationId xmlns:a16="http://schemas.microsoft.com/office/drawing/2014/main" id="{7CDE5BAD-1AE7-4034-9BD5-58A47AF2137B}"/>
+                <a16:creationId xmlns:a16="http://schemas.microsoft.com/office/drawing/2014/main" xmlns="" id="{7CDE5BAD-1AE7-4034-9BD5-58A47AF2137B}"/>
               </a:ext>
             </a:extLst>
           </p:cNvPr>
@@ -3730,7 +3730,7 @@
           <p:cNvPr id="3" name="Дата 2">
             <a:extLst>
               <a:ext uri="{FF2B5EF4-FFF2-40B4-BE49-F238E27FC236}">
-                <a16:creationId xmlns:a16="http://schemas.microsoft.com/office/drawing/2014/main" id="{4CA6228C-2A37-4548-A1BA-245F38336485}"/>
+                <a16:creationId xmlns:a16="http://schemas.microsoft.com/office/drawing/2014/main" xmlns="" id="{4CA6228C-2A37-4548-A1BA-245F38336485}"/>
               </a:ext>
             </a:extLst>
           </p:cNvPr>
@@ -3748,7 +3748,7 @@
           <a:p>
             <a:fld id="{EA36DD34-03CB-4526-A513-2E3B5FBF108C}" type="datetime1">
               <a:rPr lang="ru-RU" smtClean="0"/>
-              <a:t>13.06.2024</a:t>
+              <a:t>14.06.2024</a:t>
             </a:fld>
             <a:endParaRPr lang="ru-RU"/>
           </a:p>
@@ -3759,7 +3759,7 @@
           <p:cNvPr id="4" name="Нижний колонтитул 3">
             <a:extLst>
               <a:ext uri="{FF2B5EF4-FFF2-40B4-BE49-F238E27FC236}">
-                <a16:creationId xmlns:a16="http://schemas.microsoft.com/office/drawing/2014/main" id="{D1E9F5F6-BEDC-4D50-A9A6-665DBC2010A1}"/>
+                <a16:creationId xmlns:a16="http://schemas.microsoft.com/office/drawing/2014/main" xmlns="" id="{D1E9F5F6-BEDC-4D50-A9A6-665DBC2010A1}"/>
               </a:ext>
             </a:extLst>
           </p:cNvPr>
@@ -3784,7 +3784,7 @@
           <p:cNvPr id="5" name="Номер слайда 4">
             <a:extLst>
               <a:ext uri="{FF2B5EF4-FFF2-40B4-BE49-F238E27FC236}">
-                <a16:creationId xmlns:a16="http://schemas.microsoft.com/office/drawing/2014/main" id="{3AF3A39F-9E86-406B-B0E8-75F9DDC2403B}"/>
+                <a16:creationId xmlns:a16="http://schemas.microsoft.com/office/drawing/2014/main" xmlns="" id="{3AF3A39F-9E86-406B-B0E8-75F9DDC2403B}"/>
               </a:ext>
             </a:extLst>
           </p:cNvPr>
@@ -3855,7 +3855,7 @@
           <p:cNvPr id="2" name="Дата 1">
             <a:extLst>
               <a:ext uri="{FF2B5EF4-FFF2-40B4-BE49-F238E27FC236}">
-                <a16:creationId xmlns:a16="http://schemas.microsoft.com/office/drawing/2014/main" id="{8A0C7D40-FA68-4548-A171-05FEC4F18218}"/>
+                <a16:creationId xmlns:a16="http://schemas.microsoft.com/office/drawing/2014/main" xmlns="" id="{8A0C7D40-FA68-4548-A171-05FEC4F18218}"/>
               </a:ext>
             </a:extLst>
           </p:cNvPr>
@@ -3873,7 +3873,7 @@
           <a:p>
             <a:fld id="{14B2BFDA-FD28-4157-ACB5-B2A297CD0D2F}" type="datetime1">
               <a:rPr lang="ru-RU" smtClean="0"/>
-              <a:t>13.06.2024</a:t>
+              <a:t>14.06.2024</a:t>
             </a:fld>
             <a:endParaRPr lang="ru-RU"/>
           </a:p>
@@ -3884,7 +3884,7 @@
           <p:cNvPr id="3" name="Нижний колонтитул 2">
             <a:extLst>
               <a:ext uri="{FF2B5EF4-FFF2-40B4-BE49-F238E27FC236}">
-                <a16:creationId xmlns:a16="http://schemas.microsoft.com/office/drawing/2014/main" id="{CDD5CC54-5F33-4F77-AC77-6E974CEF4AA8}"/>
+                <a16:creationId xmlns:a16="http://schemas.microsoft.com/office/drawing/2014/main" xmlns="" id="{CDD5CC54-5F33-4F77-AC77-6E974CEF4AA8}"/>
               </a:ext>
             </a:extLst>
           </p:cNvPr>
@@ -3909,7 +3909,7 @@
           <p:cNvPr id="4" name="Номер слайда 3">
             <a:extLst>
               <a:ext uri="{FF2B5EF4-FFF2-40B4-BE49-F238E27FC236}">
-                <a16:creationId xmlns:a16="http://schemas.microsoft.com/office/drawing/2014/main" id="{6286BC59-3C49-4DFB-85B0-B07F42D8AB88}"/>
+                <a16:creationId xmlns:a16="http://schemas.microsoft.com/office/drawing/2014/main" xmlns="" id="{6286BC59-3C49-4DFB-85B0-B07F42D8AB88}"/>
               </a:ext>
             </a:extLst>
           </p:cNvPr>
@@ -3985,7 +3985,7 @@
           <p:cNvPr id="2" name="Заголовок 1">
             <a:extLst>
               <a:ext uri="{FF2B5EF4-FFF2-40B4-BE49-F238E27FC236}">
-                <a16:creationId xmlns:a16="http://schemas.microsoft.com/office/drawing/2014/main" id="{E4B4F1CD-B0D3-4C85-845E-DD399CDEDBA0}"/>
+                <a16:creationId xmlns:a16="http://schemas.microsoft.com/office/drawing/2014/main" xmlns="" id="{E4B4F1CD-B0D3-4C85-845E-DD399CDEDBA0}"/>
               </a:ext>
             </a:extLst>
           </p:cNvPr>
@@ -4023,7 +4023,7 @@
           <p:cNvPr id="3" name="Текст 2">
             <a:extLst>
               <a:ext uri="{FF2B5EF4-FFF2-40B4-BE49-F238E27FC236}">
-                <a16:creationId xmlns:a16="http://schemas.microsoft.com/office/drawing/2014/main" id="{75A59F4B-F998-439C-9679-10B0C8568B36}"/>
+                <a16:creationId xmlns:a16="http://schemas.microsoft.com/office/drawing/2014/main" xmlns="" id="{75A59F4B-F998-439C-9679-10B0C8568B36}"/>
               </a:ext>
             </a:extLst>
           </p:cNvPr>
@@ -4090,7 +4090,7 @@
           <p:cNvPr id="4" name="Дата 3">
             <a:extLst>
               <a:ext uri="{FF2B5EF4-FFF2-40B4-BE49-F238E27FC236}">
-                <a16:creationId xmlns:a16="http://schemas.microsoft.com/office/drawing/2014/main" id="{1B91162D-4D8E-486C-ACBB-074803DE2DC0}"/>
+                <a16:creationId xmlns:a16="http://schemas.microsoft.com/office/drawing/2014/main" xmlns="" id="{1B91162D-4D8E-486C-ACBB-074803DE2DC0}"/>
               </a:ext>
             </a:extLst>
           </p:cNvPr>
@@ -4126,7 +4126,7 @@
           <a:p>
             <a:fld id="{3648B707-111D-4BBB-B1A8-8E4D9FDE9760}" type="datetime1">
               <a:rPr lang="ru-RU" smtClean="0"/>
-              <a:t>13.06.2024</a:t>
+              <a:t>14.06.2024</a:t>
             </a:fld>
             <a:endParaRPr lang="ru-RU"/>
           </a:p>
@@ -4137,7 +4137,7 @@
           <p:cNvPr id="5" name="Нижний колонтитул 4">
             <a:extLst>
               <a:ext uri="{FF2B5EF4-FFF2-40B4-BE49-F238E27FC236}">
-                <a16:creationId xmlns:a16="http://schemas.microsoft.com/office/drawing/2014/main" id="{86CA6D4D-69F5-438A-BDBB-6B45E8E3EDC0}"/>
+                <a16:creationId xmlns:a16="http://schemas.microsoft.com/office/drawing/2014/main" xmlns="" id="{86CA6D4D-69F5-438A-BDBB-6B45E8E3EDC0}"/>
               </a:ext>
             </a:extLst>
           </p:cNvPr>
@@ -4180,7 +4180,7 @@
           <p:cNvPr id="6" name="Номер слайда 5">
             <a:extLst>
               <a:ext uri="{FF2B5EF4-FFF2-40B4-BE49-F238E27FC236}">
-                <a16:creationId xmlns:a16="http://schemas.microsoft.com/office/drawing/2014/main" id="{7609B196-0738-47AC-AA48-F4ED38980508}"/>
+                <a16:creationId xmlns:a16="http://schemas.microsoft.com/office/drawing/2014/main" xmlns="" id="{7609B196-0738-47AC-AA48-F4ED38980508}"/>
               </a:ext>
             </a:extLst>
           </p:cNvPr>
@@ -4689,7 +4689,7 @@
           <p:cNvPr id="16" name="Таблица 15">
             <a:extLst>
               <a:ext uri="{FF2B5EF4-FFF2-40B4-BE49-F238E27FC236}">
-                <a16:creationId xmlns:a16="http://schemas.microsoft.com/office/drawing/2014/main" id="{75840FCE-3F67-4955-86E3-5BE4ADA96ED9}"/>
+                <a16:creationId xmlns:a16="http://schemas.microsoft.com/office/drawing/2014/main" xmlns="" id="{75840FCE-3F67-4955-86E3-5BE4ADA96ED9}"/>
               </a:ext>
             </a:extLst>
           </p:cNvPr>
@@ -4716,7 +4716,7 @@
                 <a:gridCol w="10515600">
                   <a:extLst>
                     <a:ext uri="{9D8B030D-6E8A-4147-A177-3AD203B41FA5}">
-                      <a16:colId xmlns:a16="http://schemas.microsoft.com/office/drawing/2014/main" val="2069287197"/>
+                      <a16:colId xmlns:a16="http://schemas.microsoft.com/office/drawing/2014/main" xmlns="" val="2069287197"/>
                     </a:ext>
                   </a:extLst>
                 </a:gridCol>
@@ -4931,7 +4931,7 @@
                 </a:tc>
                 <a:extLst>
                   <a:ext uri="{0D108BD9-81ED-4DB2-BD59-A6C34878D82A}">
-                    <a16:rowId xmlns:a16="http://schemas.microsoft.com/office/drawing/2014/main" val="2658798668"/>
+                    <a16:rowId xmlns:a16="http://schemas.microsoft.com/office/drawing/2014/main" xmlns="" val="2658798668"/>
                   </a:ext>
                 </a:extLst>
               </a:tr>
@@ -4944,7 +4944,7 @@
           <p:cNvPr id="19" name="TextBox 18">
             <a:extLst>
               <a:ext uri="{FF2B5EF4-FFF2-40B4-BE49-F238E27FC236}">
-                <a16:creationId xmlns:a16="http://schemas.microsoft.com/office/drawing/2014/main" id="{55C91E03-7067-4FF9-A4BB-99DF51A1EE02}"/>
+                <a16:creationId xmlns:a16="http://schemas.microsoft.com/office/drawing/2014/main" xmlns="" id="{55C91E03-7067-4FF9-A4BB-99DF51A1EE02}"/>
               </a:ext>
             </a:extLst>
           </p:cNvPr>
@@ -4993,7 +4993,7 @@
           <p:cNvPr id="21" name="TextBox 20">
             <a:extLst>
               <a:ext uri="{FF2B5EF4-FFF2-40B4-BE49-F238E27FC236}">
-                <a16:creationId xmlns:a16="http://schemas.microsoft.com/office/drawing/2014/main" id="{2BEE8C79-89EF-4FF4-9CEB-A37664969795}"/>
+                <a16:creationId xmlns:a16="http://schemas.microsoft.com/office/drawing/2014/main" xmlns="" id="{2BEE8C79-89EF-4FF4-9CEB-A37664969795}"/>
               </a:ext>
             </a:extLst>
           </p:cNvPr>
@@ -5040,7 +5040,7 @@
           <p:cNvPr id="23" name="TextBox 22">
             <a:extLst>
               <a:ext uri="{FF2B5EF4-FFF2-40B4-BE49-F238E27FC236}">
-                <a16:creationId xmlns:a16="http://schemas.microsoft.com/office/drawing/2014/main" id="{DF261D7B-B54D-43D4-A2D1-986E47A0A1E3}"/>
+                <a16:creationId xmlns:a16="http://schemas.microsoft.com/office/drawing/2014/main" xmlns="" id="{DF261D7B-B54D-43D4-A2D1-986E47A0A1E3}"/>
               </a:ext>
             </a:extLst>
           </p:cNvPr>
@@ -5087,7 +5087,7 @@
           <p:cNvPr id="24" name="TextBox 23">
             <a:extLst>
               <a:ext uri="{FF2B5EF4-FFF2-40B4-BE49-F238E27FC236}">
-                <a16:creationId xmlns:a16="http://schemas.microsoft.com/office/drawing/2014/main" id="{E1D67235-C985-4829-B3BA-E0B1A8C61F1C}"/>
+                <a16:creationId xmlns:a16="http://schemas.microsoft.com/office/drawing/2014/main" xmlns="" id="{E1D67235-C985-4829-B3BA-E0B1A8C61F1C}"/>
               </a:ext>
             </a:extLst>
           </p:cNvPr>
@@ -5590,7 +5590,7 @@
           <p:cNvPr id="2" name="Номер слайда 1">
             <a:extLst>
               <a:ext uri="{FF2B5EF4-FFF2-40B4-BE49-F238E27FC236}">
-                <a16:creationId xmlns:a16="http://schemas.microsoft.com/office/drawing/2014/main" id="{F752072B-5092-4F88-88FB-AF2D602AB40C}"/>
+                <a16:creationId xmlns:a16="http://schemas.microsoft.com/office/drawing/2014/main" xmlns="" id="{F752072B-5092-4F88-88FB-AF2D602AB40C}"/>
               </a:ext>
             </a:extLst>
           </p:cNvPr>
@@ -5627,7 +5627,7 @@
           <p:cNvPr id="10" name="TextBox 9">
             <a:extLst>
               <a:ext uri="{FF2B5EF4-FFF2-40B4-BE49-F238E27FC236}">
-                <a16:creationId xmlns:a16="http://schemas.microsoft.com/office/drawing/2014/main" id="{0DAF1E99-18A8-45BE-8B3C-7CFA7E1CB1CD}"/>
+                <a16:creationId xmlns:a16="http://schemas.microsoft.com/office/drawing/2014/main" xmlns="" id="{0DAF1E99-18A8-45BE-8B3C-7CFA7E1CB1CD}"/>
               </a:ext>
             </a:extLst>
           </p:cNvPr>
@@ -6203,7 +6203,7 @@
           <p:cNvPr id="2" name="Номер слайда 1">
             <a:extLst>
               <a:ext uri="{FF2B5EF4-FFF2-40B4-BE49-F238E27FC236}">
-                <a16:creationId xmlns:a16="http://schemas.microsoft.com/office/drawing/2014/main" id="{E66C123D-E682-42B1-B571-8DF0F1DB8F94}"/>
+                <a16:creationId xmlns:a16="http://schemas.microsoft.com/office/drawing/2014/main" xmlns="" id="{E66C123D-E682-42B1-B571-8DF0F1DB8F94}"/>
               </a:ext>
             </a:extLst>
           </p:cNvPr>
@@ -6245,7 +6245,7 @@
           <p:cNvPr id="9" name="TextBox 8">
             <a:extLst>
               <a:ext uri="{FF2B5EF4-FFF2-40B4-BE49-F238E27FC236}">
-                <a16:creationId xmlns:a16="http://schemas.microsoft.com/office/drawing/2014/main" id="{0DAF1E99-18A8-45BE-8B3C-7CFA7E1CB1CD}"/>
+                <a16:creationId xmlns:a16="http://schemas.microsoft.com/office/drawing/2014/main" xmlns="" id="{0DAF1E99-18A8-45BE-8B3C-7CFA7E1CB1CD}"/>
               </a:ext>
             </a:extLst>
           </p:cNvPr>
@@ -6437,35 +6437,35 @@
                 <a:gridCol w="736600">
                   <a:extLst>
                     <a:ext uri="{9D8B030D-6E8A-4147-A177-3AD203B41FA5}">
-                      <a16:colId xmlns:a16="http://schemas.microsoft.com/office/drawing/2014/main" val="20000"/>
+                      <a16:colId xmlns:a16="http://schemas.microsoft.com/office/drawing/2014/main" xmlns="" val="20000"/>
                     </a:ext>
                   </a:extLst>
                 </a:gridCol>
                 <a:gridCol w="1439333">
                   <a:extLst>
                     <a:ext uri="{9D8B030D-6E8A-4147-A177-3AD203B41FA5}">
-                      <a16:colId xmlns:a16="http://schemas.microsoft.com/office/drawing/2014/main" val="20001"/>
+                      <a16:colId xmlns:a16="http://schemas.microsoft.com/office/drawing/2014/main" xmlns="" val="20001"/>
                     </a:ext>
                   </a:extLst>
                 </a:gridCol>
                 <a:gridCol w="2556934">
                   <a:extLst>
                     <a:ext uri="{9D8B030D-6E8A-4147-A177-3AD203B41FA5}">
-                      <a16:colId xmlns:a16="http://schemas.microsoft.com/office/drawing/2014/main" val="20002"/>
+                      <a16:colId xmlns:a16="http://schemas.microsoft.com/office/drawing/2014/main" xmlns="" val="20002"/>
                     </a:ext>
                   </a:extLst>
                 </a:gridCol>
                 <a:gridCol w="2954866">
                   <a:extLst>
                     <a:ext uri="{9D8B030D-6E8A-4147-A177-3AD203B41FA5}">
-                      <a16:colId xmlns:a16="http://schemas.microsoft.com/office/drawing/2014/main" val="20003"/>
+                      <a16:colId xmlns:a16="http://schemas.microsoft.com/office/drawing/2014/main" xmlns="" val="20003"/>
                     </a:ext>
                   </a:extLst>
                 </a:gridCol>
                 <a:gridCol w="4504266">
                   <a:extLst>
                     <a:ext uri="{9D8B030D-6E8A-4147-A177-3AD203B41FA5}">
-                      <a16:colId xmlns:a16="http://schemas.microsoft.com/office/drawing/2014/main" val="20004"/>
+                      <a16:colId xmlns:a16="http://schemas.microsoft.com/office/drawing/2014/main" xmlns="" val="20004"/>
                     </a:ext>
                   </a:extLst>
                 </a:gridCol>
@@ -6628,7 +6628,7 @@
                 </a:tc>
                 <a:extLst>
                   <a:ext uri="{0D108BD9-81ED-4DB2-BD59-A6C34878D82A}">
-                    <a16:rowId xmlns:a16="http://schemas.microsoft.com/office/drawing/2014/main" val="10000"/>
+                    <a16:rowId xmlns:a16="http://schemas.microsoft.com/office/drawing/2014/main" xmlns="" val="10000"/>
                   </a:ext>
                 </a:extLst>
               </a:tr>
@@ -7061,6 +7061,16 @@
                         </a:rPr>
                         <a:t>: 1000</a:t>
                       </a:r>
+                      <a:r>
+                        <a:rPr lang="en-US" sz="1200" u="none" strike="noStrike" dirty="0">
+                          <a:solidFill>
+                            <a:schemeClr val="tx1"/>
+                          </a:solidFill>
+                          <a:effectLst/>
+                          <a:latin typeface="Consolas" panose="020B0609020204030204" pitchFamily="49" charset="0"/>
+                        </a:rPr>
+                        <a:t/>
+                      </a:r>
                       <a:br>
                         <a:rPr lang="en-US" sz="1200" u="none" strike="noStrike" dirty="0">
                           <a:solidFill>
@@ -7097,7 +7107,7 @@
                 </a:tc>
                 <a:extLst>
                   <a:ext uri="{0D108BD9-81ED-4DB2-BD59-A6C34878D82A}">
-                    <a16:rowId xmlns:a16="http://schemas.microsoft.com/office/drawing/2014/main" val="10001"/>
+                    <a16:rowId xmlns:a16="http://schemas.microsoft.com/office/drawing/2014/main" xmlns="" val="10001"/>
                   </a:ext>
                 </a:extLst>
               </a:tr>
@@ -7578,7 +7588,7 @@
                 </a:tc>
                 <a:extLst>
                   <a:ext uri="{0D108BD9-81ED-4DB2-BD59-A6C34878D82A}">
-                    <a16:rowId xmlns:a16="http://schemas.microsoft.com/office/drawing/2014/main" val="10002"/>
+                    <a16:rowId xmlns:a16="http://schemas.microsoft.com/office/drawing/2014/main" xmlns="" val="10002"/>
                   </a:ext>
                 </a:extLst>
               </a:tr>
@@ -8066,7 +8076,7 @@
                 </a:tc>
                 <a:extLst>
                   <a:ext uri="{0D108BD9-81ED-4DB2-BD59-A6C34878D82A}">
-                    <a16:rowId xmlns:a16="http://schemas.microsoft.com/office/drawing/2014/main" val="10003"/>
+                    <a16:rowId xmlns:a16="http://schemas.microsoft.com/office/drawing/2014/main" xmlns="" val="10003"/>
                   </a:ext>
                 </a:extLst>
               </a:tr>
@@ -8536,7 +8546,7 @@
                 </a:tc>
                 <a:extLst>
                   <a:ext uri="{0D108BD9-81ED-4DB2-BD59-A6C34878D82A}">
-                    <a16:rowId xmlns:a16="http://schemas.microsoft.com/office/drawing/2014/main" val="10004"/>
+                    <a16:rowId xmlns:a16="http://schemas.microsoft.com/office/drawing/2014/main" xmlns="" val="10004"/>
                   </a:ext>
                 </a:extLst>
               </a:tr>
@@ -9006,7 +9016,7 @@
                 </a:tc>
                 <a:extLst>
                   <a:ext uri="{0D108BD9-81ED-4DB2-BD59-A6C34878D82A}">
-                    <a16:rowId xmlns:a16="http://schemas.microsoft.com/office/drawing/2014/main" val="10005"/>
+                    <a16:rowId xmlns:a16="http://schemas.microsoft.com/office/drawing/2014/main" xmlns="" val="10005"/>
                   </a:ext>
                 </a:extLst>
               </a:tr>
@@ -9164,7 +9174,7 @@
           <p:cNvPr id="2" name="Номер слайда 1">
             <a:extLst>
               <a:ext uri="{FF2B5EF4-FFF2-40B4-BE49-F238E27FC236}">
-                <a16:creationId xmlns:a16="http://schemas.microsoft.com/office/drawing/2014/main" id="{67CA6F6E-D696-47FC-8813-983909D46FEE}"/>
+                <a16:creationId xmlns:a16="http://schemas.microsoft.com/office/drawing/2014/main" xmlns="" id="{67CA6F6E-D696-47FC-8813-983909D46FEE}"/>
               </a:ext>
             </a:extLst>
           </p:cNvPr>
@@ -9201,7 +9211,7 @@
           <p:cNvPr id="5" name="Прямая соединительная линия 4">
             <a:extLst>
               <a:ext uri="{FF2B5EF4-FFF2-40B4-BE49-F238E27FC236}">
-                <a16:creationId xmlns:a16="http://schemas.microsoft.com/office/drawing/2014/main" id="{46192FF6-0BCD-418A-85CE-B254539D9312}"/>
+                <a16:creationId xmlns:a16="http://schemas.microsoft.com/office/drawing/2014/main" xmlns="" id="{46192FF6-0BCD-418A-85CE-B254539D9312}"/>
               </a:ext>
             </a:extLst>
           </p:cNvPr>
@@ -9240,7 +9250,7 @@
           <p:cNvPr id="12" name="TextBox 10">
             <a:extLst>
               <a:ext uri="{FF2B5EF4-FFF2-40B4-BE49-F238E27FC236}">
-                <a16:creationId xmlns:a16="http://schemas.microsoft.com/office/drawing/2014/main" id="{E7A2D47B-A796-464A-8629-6DE4080689FE}"/>
+                <a16:creationId xmlns:a16="http://schemas.microsoft.com/office/drawing/2014/main" xmlns="" id="{E7A2D47B-A796-464A-8629-6DE4080689FE}"/>
               </a:ext>
             </a:extLst>
           </p:cNvPr>
@@ -9277,7 +9287,7 @@
           <p:cNvPr id="13" name="TextBox 12">
             <a:extLst>
               <a:ext uri="{FF2B5EF4-FFF2-40B4-BE49-F238E27FC236}">
-                <a16:creationId xmlns:a16="http://schemas.microsoft.com/office/drawing/2014/main" id="{4467FFB5-C13F-4251-8F82-3FFE19A5056A}"/>
+                <a16:creationId xmlns:a16="http://schemas.microsoft.com/office/drawing/2014/main" xmlns="" id="{4467FFB5-C13F-4251-8F82-3FFE19A5056A}"/>
               </a:ext>
             </a:extLst>
           </p:cNvPr>
@@ -9314,7 +9324,7 @@
           <p:cNvPr id="14" name="Прямая соединительная линия 13">
             <a:extLst>
               <a:ext uri="{FF2B5EF4-FFF2-40B4-BE49-F238E27FC236}">
-                <a16:creationId xmlns:a16="http://schemas.microsoft.com/office/drawing/2014/main" id="{D94D58F6-1359-44B1-843A-90CEED356218}"/>
+                <a16:creationId xmlns:a16="http://schemas.microsoft.com/office/drawing/2014/main" xmlns="" id="{D94D58F6-1359-44B1-843A-90CEED356218}"/>
               </a:ext>
             </a:extLst>
           </p:cNvPr>
@@ -9394,7 +9404,7 @@
           <p:cNvPr id="19" name="TextBox 18">
             <a:extLst>
               <a:ext uri="{FF2B5EF4-FFF2-40B4-BE49-F238E27FC236}">
-                <a16:creationId xmlns:a16="http://schemas.microsoft.com/office/drawing/2014/main" id="{0DAF1E99-18A8-45BE-8B3C-7CFA7E1CB1CD}"/>
+                <a16:creationId xmlns:a16="http://schemas.microsoft.com/office/drawing/2014/main" xmlns="" id="{0DAF1E99-18A8-45BE-8B3C-7CFA7E1CB1CD}"/>
               </a:ext>
             </a:extLst>
           </p:cNvPr>
@@ -10350,7 +10360,7 @@
           <p:cNvPr id="2" name="Номер слайда 1">
             <a:extLst>
               <a:ext uri="{FF2B5EF4-FFF2-40B4-BE49-F238E27FC236}">
-                <a16:creationId xmlns:a16="http://schemas.microsoft.com/office/drawing/2014/main" id="{4FD39AF1-9BD7-4A5A-8342-EC3A52C2DEEB}"/>
+                <a16:creationId xmlns:a16="http://schemas.microsoft.com/office/drawing/2014/main" xmlns="" id="{4FD39AF1-9BD7-4A5A-8342-EC3A52C2DEEB}"/>
               </a:ext>
             </a:extLst>
           </p:cNvPr>
@@ -10387,7 +10397,7 @@
           <p:cNvPr id="3" name="TextBox 2">
             <a:extLst>
               <a:ext uri="{FF2B5EF4-FFF2-40B4-BE49-F238E27FC236}">
-                <a16:creationId xmlns:a16="http://schemas.microsoft.com/office/drawing/2014/main" id="{1E5E01C5-47DF-40C2-882E-5D0680B0124B}"/>
+                <a16:creationId xmlns:a16="http://schemas.microsoft.com/office/drawing/2014/main" xmlns="" id="{1E5E01C5-47DF-40C2-882E-5D0680B0124B}"/>
               </a:ext>
             </a:extLst>
           </p:cNvPr>
@@ -10701,7 +10711,7 @@
           <p:cNvPr id="2" name="Номер слайда 1">
             <a:extLst>
               <a:ext uri="{FF2B5EF4-FFF2-40B4-BE49-F238E27FC236}">
-                <a16:creationId xmlns:a16="http://schemas.microsoft.com/office/drawing/2014/main" id="{8CA6D043-9D33-44B0-A57F-E42FDF70A68C}"/>
+                <a16:creationId xmlns:a16="http://schemas.microsoft.com/office/drawing/2014/main" xmlns="" id="{8CA6D043-9D33-44B0-A57F-E42FDF70A68C}"/>
               </a:ext>
             </a:extLst>
           </p:cNvPr>
@@ -10738,7 +10748,7 @@
           <p:cNvPr id="27" name="Прямая соединительная линия 26">
             <a:extLst>
               <a:ext uri="{FF2B5EF4-FFF2-40B4-BE49-F238E27FC236}">
-                <a16:creationId xmlns:a16="http://schemas.microsoft.com/office/drawing/2014/main" id="{166611FE-FE9F-4599-A7F5-6CF521D89860}"/>
+                <a16:creationId xmlns:a16="http://schemas.microsoft.com/office/drawing/2014/main" xmlns="" id="{166611FE-FE9F-4599-A7F5-6CF521D89860}"/>
               </a:ext>
             </a:extLst>
           </p:cNvPr>
@@ -10782,7 +10792,7 @@
           <p:cNvPr id="11" name="TextBox 10">
             <a:extLst>
               <a:ext uri="{FF2B5EF4-FFF2-40B4-BE49-F238E27FC236}">
-                <a16:creationId xmlns:a16="http://schemas.microsoft.com/office/drawing/2014/main" id="{19AB353A-7473-4626-91FF-909164C141AF}"/>
+                <a16:creationId xmlns:a16="http://schemas.microsoft.com/office/drawing/2014/main" xmlns="" id="{19AB353A-7473-4626-91FF-909164C141AF}"/>
               </a:ext>
             </a:extLst>
           </p:cNvPr>
@@ -10848,7 +10858,7 @@
           <p:cNvPr id="24" name="TextBox 23">
             <a:extLst>
               <a:ext uri="{FF2B5EF4-FFF2-40B4-BE49-F238E27FC236}">
-                <a16:creationId xmlns:a16="http://schemas.microsoft.com/office/drawing/2014/main" id="{036A13B3-DF4E-4E62-82F2-F0304AEE23FD}"/>
+                <a16:creationId xmlns:a16="http://schemas.microsoft.com/office/drawing/2014/main" xmlns="" id="{036A13B3-DF4E-4E62-82F2-F0304AEE23FD}"/>
               </a:ext>
             </a:extLst>
           </p:cNvPr>
@@ -10888,7 +10898,7 @@
           <p:cNvPr id="58" name="Группа 57">
             <a:extLst>
               <a:ext uri="{FF2B5EF4-FFF2-40B4-BE49-F238E27FC236}">
-                <a16:creationId xmlns:a16="http://schemas.microsoft.com/office/drawing/2014/main" id="{C0F12DF1-B6A2-45FB-9EBE-120E248E93B6}"/>
+                <a16:creationId xmlns:a16="http://schemas.microsoft.com/office/drawing/2014/main" xmlns="" id="{C0F12DF1-B6A2-45FB-9EBE-120E248E93B6}"/>
               </a:ext>
             </a:extLst>
           </p:cNvPr>
@@ -10908,7 +10918,7 @@
             <p:cNvPr id="59" name="TextBox 58">
               <a:extLst>
                 <a:ext uri="{FF2B5EF4-FFF2-40B4-BE49-F238E27FC236}">
-                  <a16:creationId xmlns:a16="http://schemas.microsoft.com/office/drawing/2014/main" id="{2036D72E-F51E-4E2B-AB6D-9DD8546C4B4B}"/>
+                  <a16:creationId xmlns:a16="http://schemas.microsoft.com/office/drawing/2014/main" xmlns="" id="{2036D72E-F51E-4E2B-AB6D-9DD8546C4B4B}"/>
                 </a:ext>
               </a:extLst>
             </p:cNvPr>
@@ -10998,7 +11008,7 @@
             <p:cNvPr id="61" name="TextBox 60">
               <a:extLst>
                 <a:ext uri="{FF2B5EF4-FFF2-40B4-BE49-F238E27FC236}">
-                  <a16:creationId xmlns:a16="http://schemas.microsoft.com/office/drawing/2014/main" id="{3B0D1C6A-ED1C-4177-9E58-C0B7185073BD}"/>
+                  <a16:creationId xmlns:a16="http://schemas.microsoft.com/office/drawing/2014/main" xmlns="" id="{3B0D1C6A-ED1C-4177-9E58-C0B7185073BD}"/>
                 </a:ext>
               </a:extLst>
             </p:cNvPr>
@@ -11103,7 +11113,7 @@
           <p:cNvPr id="62" name="Группа 61">
             <a:extLst>
               <a:ext uri="{FF2B5EF4-FFF2-40B4-BE49-F238E27FC236}">
-                <a16:creationId xmlns:a16="http://schemas.microsoft.com/office/drawing/2014/main" id="{C0F12DF1-B6A2-45FB-9EBE-120E248E93B6}"/>
+                <a16:creationId xmlns:a16="http://schemas.microsoft.com/office/drawing/2014/main" xmlns="" id="{C0F12DF1-B6A2-45FB-9EBE-120E248E93B6}"/>
               </a:ext>
             </a:extLst>
           </p:cNvPr>
@@ -11123,7 +11133,7 @@
             <p:cNvPr id="63" name="TextBox 62">
               <a:extLst>
                 <a:ext uri="{FF2B5EF4-FFF2-40B4-BE49-F238E27FC236}">
-                  <a16:creationId xmlns:a16="http://schemas.microsoft.com/office/drawing/2014/main" id="{2036D72E-F51E-4E2B-AB6D-9DD8546C4B4B}"/>
+                  <a16:creationId xmlns:a16="http://schemas.microsoft.com/office/drawing/2014/main" xmlns="" id="{2036D72E-F51E-4E2B-AB6D-9DD8546C4B4B}"/>
                 </a:ext>
               </a:extLst>
             </p:cNvPr>
@@ -11217,7 +11227,7 @@
             <p:cNvPr id="64" name="TextBox 63">
               <a:extLst>
                 <a:ext uri="{FF2B5EF4-FFF2-40B4-BE49-F238E27FC236}">
-                  <a16:creationId xmlns:a16="http://schemas.microsoft.com/office/drawing/2014/main" id="{3B0D1C6A-ED1C-4177-9E58-C0B7185073BD}"/>
+                  <a16:creationId xmlns:a16="http://schemas.microsoft.com/office/drawing/2014/main" xmlns="" id="{3B0D1C6A-ED1C-4177-9E58-C0B7185073BD}"/>
                 </a:ext>
               </a:extLst>
             </p:cNvPr>
@@ -11322,7 +11332,7 @@
           <p:cNvPr id="66" name="Группа 65">
             <a:extLst>
               <a:ext uri="{FF2B5EF4-FFF2-40B4-BE49-F238E27FC236}">
-                <a16:creationId xmlns:a16="http://schemas.microsoft.com/office/drawing/2014/main" id="{C0F12DF1-B6A2-45FB-9EBE-120E248E93B6}"/>
+                <a16:creationId xmlns:a16="http://schemas.microsoft.com/office/drawing/2014/main" xmlns="" id="{C0F12DF1-B6A2-45FB-9EBE-120E248E93B6}"/>
               </a:ext>
             </a:extLst>
           </p:cNvPr>
@@ -11342,7 +11352,7 @@
             <p:cNvPr id="67" name="TextBox 66">
               <a:extLst>
                 <a:ext uri="{FF2B5EF4-FFF2-40B4-BE49-F238E27FC236}">
-                  <a16:creationId xmlns:a16="http://schemas.microsoft.com/office/drawing/2014/main" id="{2036D72E-F51E-4E2B-AB6D-9DD8546C4B4B}"/>
+                  <a16:creationId xmlns:a16="http://schemas.microsoft.com/office/drawing/2014/main" xmlns="" id="{2036D72E-F51E-4E2B-AB6D-9DD8546C4B4B}"/>
                 </a:ext>
               </a:extLst>
             </p:cNvPr>
@@ -11392,7 +11402,7 @@
             <p:cNvPr id="68" name="TextBox 67">
               <a:extLst>
                 <a:ext uri="{FF2B5EF4-FFF2-40B4-BE49-F238E27FC236}">
-                  <a16:creationId xmlns:a16="http://schemas.microsoft.com/office/drawing/2014/main" id="{3B0D1C6A-ED1C-4177-9E58-C0B7185073BD}"/>
+                  <a16:creationId xmlns:a16="http://schemas.microsoft.com/office/drawing/2014/main" xmlns="" id="{3B0D1C6A-ED1C-4177-9E58-C0B7185073BD}"/>
                 </a:ext>
               </a:extLst>
             </p:cNvPr>
@@ -11497,7 +11507,7 @@
           <p:cNvPr id="70" name="Группа 69">
             <a:extLst>
               <a:ext uri="{FF2B5EF4-FFF2-40B4-BE49-F238E27FC236}">
-                <a16:creationId xmlns:a16="http://schemas.microsoft.com/office/drawing/2014/main" id="{C0F12DF1-B6A2-45FB-9EBE-120E248E93B6}"/>
+                <a16:creationId xmlns:a16="http://schemas.microsoft.com/office/drawing/2014/main" xmlns="" id="{C0F12DF1-B6A2-45FB-9EBE-120E248E93B6}"/>
               </a:ext>
             </a:extLst>
           </p:cNvPr>
@@ -11517,7 +11527,7 @@
             <p:cNvPr id="71" name="TextBox 70">
               <a:extLst>
                 <a:ext uri="{FF2B5EF4-FFF2-40B4-BE49-F238E27FC236}">
-                  <a16:creationId xmlns:a16="http://schemas.microsoft.com/office/drawing/2014/main" id="{2036D72E-F51E-4E2B-AB6D-9DD8546C4B4B}"/>
+                  <a16:creationId xmlns:a16="http://schemas.microsoft.com/office/drawing/2014/main" xmlns="" id="{2036D72E-F51E-4E2B-AB6D-9DD8546C4B4B}"/>
                 </a:ext>
               </a:extLst>
             </p:cNvPr>
@@ -11567,7 +11577,7 @@
             <p:cNvPr id="72" name="TextBox 71">
               <a:extLst>
                 <a:ext uri="{FF2B5EF4-FFF2-40B4-BE49-F238E27FC236}">
-                  <a16:creationId xmlns:a16="http://schemas.microsoft.com/office/drawing/2014/main" id="{3B0D1C6A-ED1C-4177-9E58-C0B7185073BD}"/>
+                  <a16:creationId xmlns:a16="http://schemas.microsoft.com/office/drawing/2014/main" xmlns="" id="{3B0D1C6A-ED1C-4177-9E58-C0B7185073BD}"/>
                 </a:ext>
               </a:extLst>
             </p:cNvPr>
@@ -11672,7 +11682,7 @@
           <p:cNvPr id="75" name="Группа 74">
             <a:extLst>
               <a:ext uri="{FF2B5EF4-FFF2-40B4-BE49-F238E27FC236}">
-                <a16:creationId xmlns:a16="http://schemas.microsoft.com/office/drawing/2014/main" id="{C0F12DF1-B6A2-45FB-9EBE-120E248E93B6}"/>
+                <a16:creationId xmlns:a16="http://schemas.microsoft.com/office/drawing/2014/main" xmlns="" id="{C0F12DF1-B6A2-45FB-9EBE-120E248E93B6}"/>
               </a:ext>
             </a:extLst>
           </p:cNvPr>
@@ -11692,7 +11702,7 @@
             <p:cNvPr id="76" name="TextBox 75">
               <a:extLst>
                 <a:ext uri="{FF2B5EF4-FFF2-40B4-BE49-F238E27FC236}">
-                  <a16:creationId xmlns:a16="http://schemas.microsoft.com/office/drawing/2014/main" id="{2036D72E-F51E-4E2B-AB6D-9DD8546C4B4B}"/>
+                  <a16:creationId xmlns:a16="http://schemas.microsoft.com/office/drawing/2014/main" xmlns="" id="{2036D72E-F51E-4E2B-AB6D-9DD8546C4B4B}"/>
                 </a:ext>
               </a:extLst>
             </p:cNvPr>
@@ -11742,7 +11752,7 @@
             <p:cNvPr id="77" name="TextBox 76">
               <a:extLst>
                 <a:ext uri="{FF2B5EF4-FFF2-40B4-BE49-F238E27FC236}">
-                  <a16:creationId xmlns:a16="http://schemas.microsoft.com/office/drawing/2014/main" id="{3B0D1C6A-ED1C-4177-9E58-C0B7185073BD}"/>
+                  <a16:creationId xmlns:a16="http://schemas.microsoft.com/office/drawing/2014/main" xmlns="" id="{3B0D1C6A-ED1C-4177-9E58-C0B7185073BD}"/>
                 </a:ext>
               </a:extLst>
             </p:cNvPr>
@@ -12120,7 +12130,7 @@
           <p:cNvPr id="41" name="TextBox 40">
             <a:extLst>
               <a:ext uri="{FF2B5EF4-FFF2-40B4-BE49-F238E27FC236}">
-                <a16:creationId xmlns:a16="http://schemas.microsoft.com/office/drawing/2014/main" id="{0DAF1E99-18A8-45BE-8B3C-7CFA7E1CB1CD}"/>
+                <a16:creationId xmlns:a16="http://schemas.microsoft.com/office/drawing/2014/main" xmlns="" id="{0DAF1E99-18A8-45BE-8B3C-7CFA7E1CB1CD}"/>
               </a:ext>
             </a:extLst>
           </p:cNvPr>
@@ -12161,7 +12171,7 @@
           <p:cNvPr id="44" name="Номер слайда 43">
             <a:extLst>
               <a:ext uri="{FF2B5EF4-FFF2-40B4-BE49-F238E27FC236}">
-                <a16:creationId xmlns:a16="http://schemas.microsoft.com/office/drawing/2014/main" id="{420ECB19-C499-40CC-9648-2812AF3786DD}"/>
+                <a16:creationId xmlns:a16="http://schemas.microsoft.com/office/drawing/2014/main" xmlns="" id="{420ECB19-C499-40CC-9648-2812AF3786DD}"/>
               </a:ext>
             </a:extLst>
           </p:cNvPr>
@@ -12491,7 +12501,7 @@
           <p:cNvPr id="13" name="TextBox 12">
             <a:extLst>
               <a:ext uri="{FF2B5EF4-FFF2-40B4-BE49-F238E27FC236}">
-                <a16:creationId xmlns:a16="http://schemas.microsoft.com/office/drawing/2014/main" id="{3B0D1C6A-ED1C-4177-9E58-C0B7185073BD}"/>
+                <a16:creationId xmlns:a16="http://schemas.microsoft.com/office/drawing/2014/main" xmlns="" id="{3B0D1C6A-ED1C-4177-9E58-C0B7185073BD}"/>
               </a:ext>
             </a:extLst>
           </p:cNvPr>
@@ -12613,7 +12623,7 @@
           <p:cNvPr id="18" name="TextBox 17">
             <a:extLst>
               <a:ext uri="{FF2B5EF4-FFF2-40B4-BE49-F238E27FC236}">
-                <a16:creationId xmlns:a16="http://schemas.microsoft.com/office/drawing/2014/main" id="{3B0D1C6A-ED1C-4177-9E58-C0B7185073BD}"/>
+                <a16:creationId xmlns:a16="http://schemas.microsoft.com/office/drawing/2014/main" xmlns="" id="{3B0D1C6A-ED1C-4177-9E58-C0B7185073BD}"/>
               </a:ext>
             </a:extLst>
           </p:cNvPr>
@@ -13532,7 +13542,7 @@
           <p:cNvPr id="41" name="TextBox 40">
             <a:extLst>
               <a:ext uri="{FF2B5EF4-FFF2-40B4-BE49-F238E27FC236}">
-                <a16:creationId xmlns:a16="http://schemas.microsoft.com/office/drawing/2014/main" id="{0DAF1E99-18A8-45BE-8B3C-7CFA7E1CB1CD}"/>
+                <a16:creationId xmlns:a16="http://schemas.microsoft.com/office/drawing/2014/main" xmlns="" id="{0DAF1E99-18A8-45BE-8B3C-7CFA7E1CB1CD}"/>
               </a:ext>
             </a:extLst>
           </p:cNvPr>
@@ -13573,7 +13583,7 @@
           <p:cNvPr id="44" name="Номер слайда 43">
             <a:extLst>
               <a:ext uri="{FF2B5EF4-FFF2-40B4-BE49-F238E27FC236}">
-                <a16:creationId xmlns:a16="http://schemas.microsoft.com/office/drawing/2014/main" id="{420ECB19-C499-40CC-9648-2812AF3786DD}"/>
+                <a16:creationId xmlns:a16="http://schemas.microsoft.com/office/drawing/2014/main" xmlns="" id="{420ECB19-C499-40CC-9648-2812AF3786DD}"/>
               </a:ext>
             </a:extLst>
           </p:cNvPr>
@@ -15107,7 +15117,7 @@
           <p:cNvPr id="2" name="Номер слайда 1">
             <a:extLst>
               <a:ext uri="{FF2B5EF4-FFF2-40B4-BE49-F238E27FC236}">
-                <a16:creationId xmlns:a16="http://schemas.microsoft.com/office/drawing/2014/main" id="{6BB4B28D-E979-4BA2-9337-B0503B57F130}"/>
+                <a16:creationId xmlns:a16="http://schemas.microsoft.com/office/drawing/2014/main" xmlns="" id="{6BB4B28D-E979-4BA2-9337-B0503B57F130}"/>
               </a:ext>
             </a:extLst>
           </p:cNvPr>
@@ -15145,7 +15155,7 @@
           <p:cNvPr id="5" name="линия">
             <a:extLst>
               <a:ext uri="{FF2B5EF4-FFF2-40B4-BE49-F238E27FC236}">
-                <a16:creationId xmlns:a16="http://schemas.microsoft.com/office/drawing/2014/main" id="{2847F6A1-2518-415F-A064-C506E806D561}"/>
+                <a16:creationId xmlns:a16="http://schemas.microsoft.com/office/drawing/2014/main" xmlns="" id="{2847F6A1-2518-415F-A064-C506E806D561}"/>
               </a:ext>
             </a:extLst>
           </p:cNvPr>
@@ -15188,7 +15198,7 @@
           <p:cNvPr id="20" name="TextBox 19">
             <a:extLst>
               <a:ext uri="{FF2B5EF4-FFF2-40B4-BE49-F238E27FC236}">
-                <a16:creationId xmlns:a16="http://schemas.microsoft.com/office/drawing/2014/main" id="{0DAF1E99-18A8-45BE-8B3C-7CFA7E1CB1CD}"/>
+                <a16:creationId xmlns:a16="http://schemas.microsoft.com/office/drawing/2014/main" xmlns="" id="{0DAF1E99-18A8-45BE-8B3C-7CFA7E1CB1CD}"/>
               </a:ext>
             </a:extLst>
           </p:cNvPr>
@@ -15814,7 +15824,7 @@
           <p:cNvPr id="2" name="Номер слайда 1">
             <a:extLst>
               <a:ext uri="{FF2B5EF4-FFF2-40B4-BE49-F238E27FC236}">
-                <a16:creationId xmlns:a16="http://schemas.microsoft.com/office/drawing/2014/main" id="{87D73AA6-E9BE-4868-8EC4-659BBC272900}"/>
+                <a16:creationId xmlns:a16="http://schemas.microsoft.com/office/drawing/2014/main" xmlns="" id="{87D73AA6-E9BE-4868-8EC4-659BBC272900}"/>
               </a:ext>
             </a:extLst>
           </p:cNvPr>
@@ -15851,7 +15861,7 @@
           <p:cNvPr id="5" name="линия">
             <a:extLst>
               <a:ext uri="{FF2B5EF4-FFF2-40B4-BE49-F238E27FC236}">
-                <a16:creationId xmlns:a16="http://schemas.microsoft.com/office/drawing/2014/main" id="{306D1CEF-11F8-4575-8F50-1C8E8EE9FC32}"/>
+                <a16:creationId xmlns:a16="http://schemas.microsoft.com/office/drawing/2014/main" xmlns="" id="{306D1CEF-11F8-4575-8F50-1C8E8EE9FC32}"/>
               </a:ext>
             </a:extLst>
           </p:cNvPr>
@@ -15894,7 +15904,7 @@
           <p:cNvPr id="14" name="Группа 13">
             <a:extLst>
               <a:ext uri="{FF2B5EF4-FFF2-40B4-BE49-F238E27FC236}">
-                <a16:creationId xmlns:a16="http://schemas.microsoft.com/office/drawing/2014/main" id="{7AC06196-0706-4235-BF40-F4AEC4F5BCD9}"/>
+                <a16:creationId xmlns:a16="http://schemas.microsoft.com/office/drawing/2014/main" xmlns="" id="{7AC06196-0706-4235-BF40-F4AEC4F5BCD9}"/>
               </a:ext>
             </a:extLst>
           </p:cNvPr>
@@ -15914,7 +15924,7 @@
             <p:cNvPr id="7" name="Овал 6">
               <a:extLst>
                 <a:ext uri="{FF2B5EF4-FFF2-40B4-BE49-F238E27FC236}">
-                  <a16:creationId xmlns:a16="http://schemas.microsoft.com/office/drawing/2014/main" id="{B2EE98E4-2CD1-4979-9C04-6E8CD12D2628}"/>
+                  <a16:creationId xmlns:a16="http://schemas.microsoft.com/office/drawing/2014/main" xmlns="" id="{B2EE98E4-2CD1-4979-9C04-6E8CD12D2628}"/>
                 </a:ext>
               </a:extLst>
             </p:cNvPr>
@@ -15966,7 +15976,7 @@
             <p:cNvPr id="8" name="Круг: прозрачная заливка 7">
               <a:extLst>
                 <a:ext uri="{FF2B5EF4-FFF2-40B4-BE49-F238E27FC236}">
-                  <a16:creationId xmlns:a16="http://schemas.microsoft.com/office/drawing/2014/main" id="{D1C1E8E1-429C-4827-B674-C646F3473717}"/>
+                  <a16:creationId xmlns:a16="http://schemas.microsoft.com/office/drawing/2014/main" xmlns="" id="{D1C1E8E1-429C-4827-B674-C646F3473717}"/>
                 </a:ext>
               </a:extLst>
             </p:cNvPr>
@@ -16030,7 +16040,7 @@
             <p:cNvPr id="46" name="Рисунок 45">
               <a:extLst>
                 <a:ext uri="{FF2B5EF4-FFF2-40B4-BE49-F238E27FC236}">
-                  <a16:creationId xmlns:a16="http://schemas.microsoft.com/office/drawing/2014/main" id="{DAD73B74-D7AB-4E10-8AD7-41BA4F1D0B12}"/>
+                  <a16:creationId xmlns:a16="http://schemas.microsoft.com/office/drawing/2014/main" xmlns="" id="{DAD73B74-D7AB-4E10-8AD7-41BA4F1D0B12}"/>
                 </a:ext>
               </a:extLst>
             </p:cNvPr>
@@ -16067,7 +16077,7 @@
           <p:cNvPr id="17" name="Группа 16">
             <a:extLst>
               <a:ext uri="{FF2B5EF4-FFF2-40B4-BE49-F238E27FC236}">
-                <a16:creationId xmlns:a16="http://schemas.microsoft.com/office/drawing/2014/main" id="{A1854EFD-7FE9-40E6-8A1D-E2E52F464510}"/>
+                <a16:creationId xmlns:a16="http://schemas.microsoft.com/office/drawing/2014/main" xmlns="" id="{A1854EFD-7FE9-40E6-8A1D-E2E52F464510}"/>
               </a:ext>
             </a:extLst>
           </p:cNvPr>
@@ -16087,7 +16097,7 @@
             <p:cNvPr id="2056" name="Picture 8">
               <a:extLst>
                 <a:ext uri="{FF2B5EF4-FFF2-40B4-BE49-F238E27FC236}">
-                  <a16:creationId xmlns:a16="http://schemas.microsoft.com/office/drawing/2014/main" id="{D8DD109A-5925-4EA3-8EE8-743BEE07CED3}"/>
+                  <a16:creationId xmlns:a16="http://schemas.microsoft.com/office/drawing/2014/main" xmlns="" id="{D8DD109A-5925-4EA3-8EE8-743BEE07CED3}"/>
                 </a:ext>
               </a:extLst>
             </p:cNvPr>
@@ -16132,7 +16142,7 @@
             <p:cNvPr id="65" name="TextBox 64">
               <a:extLst>
                 <a:ext uri="{FF2B5EF4-FFF2-40B4-BE49-F238E27FC236}">
-                  <a16:creationId xmlns:a16="http://schemas.microsoft.com/office/drawing/2014/main" id="{098B258C-6796-4291-83FF-1D0079449437}"/>
+                  <a16:creationId xmlns:a16="http://schemas.microsoft.com/office/drawing/2014/main" xmlns="" id="{098B258C-6796-4291-83FF-1D0079449437}"/>
                 </a:ext>
               </a:extLst>
             </p:cNvPr>
@@ -16190,7 +16200,7 @@
           <p:cNvPr id="31" name="Группа 30">
             <a:extLst>
               <a:ext uri="{FF2B5EF4-FFF2-40B4-BE49-F238E27FC236}">
-                <a16:creationId xmlns:a16="http://schemas.microsoft.com/office/drawing/2014/main" id="{279AE22F-3138-4383-8BEE-0ED96A624206}"/>
+                <a16:creationId xmlns:a16="http://schemas.microsoft.com/office/drawing/2014/main" xmlns="" id="{279AE22F-3138-4383-8BEE-0ED96A624206}"/>
               </a:ext>
             </a:extLst>
           </p:cNvPr>
@@ -16210,7 +16220,7 @@
             <p:cNvPr id="2052" name="Picture 4">
               <a:extLst>
                 <a:ext uri="{FF2B5EF4-FFF2-40B4-BE49-F238E27FC236}">
-                  <a16:creationId xmlns:a16="http://schemas.microsoft.com/office/drawing/2014/main" id="{A9BE73A8-FAF3-4D59-9A35-057DA1A75DD3}"/>
+                  <a16:creationId xmlns:a16="http://schemas.microsoft.com/office/drawing/2014/main" xmlns="" id="{A9BE73A8-FAF3-4D59-9A35-057DA1A75DD3}"/>
                 </a:ext>
               </a:extLst>
             </p:cNvPr>
@@ -16255,7 +16265,7 @@
             <p:cNvPr id="76" name="TextBox 75">
               <a:extLst>
                 <a:ext uri="{FF2B5EF4-FFF2-40B4-BE49-F238E27FC236}">
-                  <a16:creationId xmlns:a16="http://schemas.microsoft.com/office/drawing/2014/main" id="{F323D2BF-96D8-4D61-85EB-0D788EE96DE6}"/>
+                  <a16:creationId xmlns:a16="http://schemas.microsoft.com/office/drawing/2014/main" xmlns="" id="{F323D2BF-96D8-4D61-85EB-0D788EE96DE6}"/>
                 </a:ext>
               </a:extLst>
             </p:cNvPr>
@@ -16333,7 +16343,7 @@
           <p:cNvPr id="25" name="Овал 24">
             <a:extLst>
               <a:ext uri="{FF2B5EF4-FFF2-40B4-BE49-F238E27FC236}">
-                <a16:creationId xmlns:a16="http://schemas.microsoft.com/office/drawing/2014/main" id="{25D0F594-E637-4696-9EA5-C10BFA9DC0E6}"/>
+                <a16:creationId xmlns:a16="http://schemas.microsoft.com/office/drawing/2014/main" xmlns="" id="{25D0F594-E637-4696-9EA5-C10BFA9DC0E6}"/>
               </a:ext>
             </a:extLst>
           </p:cNvPr>
@@ -16394,7 +16404,7 @@
           <p:cNvPr id="10" name="Овал 9">
             <a:extLst>
               <a:ext uri="{FF2B5EF4-FFF2-40B4-BE49-F238E27FC236}">
-                <a16:creationId xmlns:a16="http://schemas.microsoft.com/office/drawing/2014/main" id="{C1966F51-3C35-4B8E-B7F7-07B01BC494C5}"/>
+                <a16:creationId xmlns:a16="http://schemas.microsoft.com/office/drawing/2014/main" xmlns="" id="{C1966F51-3C35-4B8E-B7F7-07B01BC494C5}"/>
               </a:ext>
             </a:extLst>
           </p:cNvPr>
@@ -16455,7 +16465,7 @@
           <p:cNvPr id="19" name="Овал 18">
             <a:extLst>
               <a:ext uri="{FF2B5EF4-FFF2-40B4-BE49-F238E27FC236}">
-                <a16:creationId xmlns:a16="http://schemas.microsoft.com/office/drawing/2014/main" id="{018D9849-2587-4129-BD35-9FA3FD5BC6BE}"/>
+                <a16:creationId xmlns:a16="http://schemas.microsoft.com/office/drawing/2014/main" xmlns="" id="{018D9849-2587-4129-BD35-9FA3FD5BC6BE}"/>
               </a:ext>
             </a:extLst>
           </p:cNvPr>
@@ -16516,7 +16526,7 @@
           <p:cNvPr id="21" name="Овал 20">
             <a:extLst>
               <a:ext uri="{FF2B5EF4-FFF2-40B4-BE49-F238E27FC236}">
-                <a16:creationId xmlns:a16="http://schemas.microsoft.com/office/drawing/2014/main" id="{6BA62742-2DF8-40D0-A1FD-236C096A3AA4}"/>
+                <a16:creationId xmlns:a16="http://schemas.microsoft.com/office/drawing/2014/main" xmlns="" id="{6BA62742-2DF8-40D0-A1FD-236C096A3AA4}"/>
               </a:ext>
             </a:extLst>
           </p:cNvPr>
@@ -16577,7 +16587,7 @@
           <p:cNvPr id="23" name="Овал 22">
             <a:extLst>
               <a:ext uri="{FF2B5EF4-FFF2-40B4-BE49-F238E27FC236}">
-                <a16:creationId xmlns:a16="http://schemas.microsoft.com/office/drawing/2014/main" id="{BDB6D750-915E-4CC2-AB97-B1AB52819E9B}"/>
+                <a16:creationId xmlns:a16="http://schemas.microsoft.com/office/drawing/2014/main" xmlns="" id="{BDB6D750-915E-4CC2-AB97-B1AB52819E9B}"/>
               </a:ext>
             </a:extLst>
           </p:cNvPr>
@@ -16638,7 +16648,7 @@
           <p:cNvPr id="53" name="TextBox 52">
             <a:extLst>
               <a:ext uri="{FF2B5EF4-FFF2-40B4-BE49-F238E27FC236}">
-                <a16:creationId xmlns:a16="http://schemas.microsoft.com/office/drawing/2014/main" id="{0DAF1E99-18A8-45BE-8B3C-7CFA7E1CB1CD}"/>
+                <a16:creationId xmlns:a16="http://schemas.microsoft.com/office/drawing/2014/main" xmlns="" id="{0DAF1E99-18A8-45BE-8B3C-7CFA7E1CB1CD}"/>
               </a:ext>
             </a:extLst>
           </p:cNvPr>
@@ -16920,7 +16930,7 @@
           <p:cNvPr id="57" name="TextBox 56">
             <a:extLst>
               <a:ext uri="{FF2B5EF4-FFF2-40B4-BE49-F238E27FC236}">
-                <a16:creationId xmlns:a16="http://schemas.microsoft.com/office/drawing/2014/main" id="{F323D2BF-96D8-4D61-85EB-0D788EE96DE6}"/>
+                <a16:creationId xmlns:a16="http://schemas.microsoft.com/office/drawing/2014/main" xmlns="" id="{F323D2BF-96D8-4D61-85EB-0D788EE96DE6}"/>
               </a:ext>
             </a:extLst>
           </p:cNvPr>
@@ -16977,7 +16987,7 @@
           <p:cNvPr id="58" name="TextBox 57">
             <a:extLst>
               <a:ext uri="{FF2B5EF4-FFF2-40B4-BE49-F238E27FC236}">
-                <a16:creationId xmlns:a16="http://schemas.microsoft.com/office/drawing/2014/main" id="{F323D2BF-96D8-4D61-85EB-0D788EE96DE6}"/>
+                <a16:creationId xmlns:a16="http://schemas.microsoft.com/office/drawing/2014/main" xmlns="" id="{F323D2BF-96D8-4D61-85EB-0D788EE96DE6}"/>
               </a:ext>
             </a:extLst>
           </p:cNvPr>
@@ -17064,7 +17074,7 @@
           <p:cNvPr id="59" name="Овал 58">
             <a:extLst>
               <a:ext uri="{FF2B5EF4-FFF2-40B4-BE49-F238E27FC236}">
-                <a16:creationId xmlns:a16="http://schemas.microsoft.com/office/drawing/2014/main" id="{6BA62742-2DF8-40D0-A1FD-236C096A3AA4}"/>
+                <a16:creationId xmlns:a16="http://schemas.microsoft.com/office/drawing/2014/main" xmlns="" id="{6BA62742-2DF8-40D0-A1FD-236C096A3AA4}"/>
               </a:ext>
             </a:extLst>
           </p:cNvPr>
@@ -17166,7 +17176,7 @@
           <p:cNvPr id="60" name="TextBox 59">
             <a:extLst>
               <a:ext uri="{FF2B5EF4-FFF2-40B4-BE49-F238E27FC236}">
-                <a16:creationId xmlns:a16="http://schemas.microsoft.com/office/drawing/2014/main" id="{F323D2BF-96D8-4D61-85EB-0D788EE96DE6}"/>
+                <a16:creationId xmlns:a16="http://schemas.microsoft.com/office/drawing/2014/main" xmlns="" id="{F323D2BF-96D8-4D61-85EB-0D788EE96DE6}"/>
               </a:ext>
             </a:extLst>
           </p:cNvPr>
@@ -17346,7 +17356,7 @@
           <p:cNvPr id="61" name="TextBox 60">
             <a:extLst>
               <a:ext uri="{FF2B5EF4-FFF2-40B4-BE49-F238E27FC236}">
-                <a16:creationId xmlns:a16="http://schemas.microsoft.com/office/drawing/2014/main" id="{F323D2BF-96D8-4D61-85EB-0D788EE96DE6}"/>
+                <a16:creationId xmlns:a16="http://schemas.microsoft.com/office/drawing/2014/main" xmlns="" id="{F323D2BF-96D8-4D61-85EB-0D788EE96DE6}"/>
               </a:ext>
             </a:extLst>
           </p:cNvPr>
@@ -17614,7 +17624,7 @@
           <p:cNvPr id="2" name="Номер слайда 1">
             <a:extLst>
               <a:ext uri="{FF2B5EF4-FFF2-40B4-BE49-F238E27FC236}">
-                <a16:creationId xmlns:a16="http://schemas.microsoft.com/office/drawing/2014/main" id="{F752072B-5092-4F88-88FB-AF2D602AB40C}"/>
+                <a16:creationId xmlns:a16="http://schemas.microsoft.com/office/drawing/2014/main" xmlns="" id="{F752072B-5092-4F88-88FB-AF2D602AB40C}"/>
               </a:ext>
             </a:extLst>
           </p:cNvPr>
@@ -17651,7 +17661,7 @@
           <p:cNvPr id="68" name="TextBox 67">
             <a:extLst>
               <a:ext uri="{FF2B5EF4-FFF2-40B4-BE49-F238E27FC236}">
-                <a16:creationId xmlns:a16="http://schemas.microsoft.com/office/drawing/2014/main" id="{0DAF1E99-18A8-45BE-8B3C-7CFA7E1CB1CD}"/>
+                <a16:creationId xmlns:a16="http://schemas.microsoft.com/office/drawing/2014/main" xmlns="" id="{0DAF1E99-18A8-45BE-8B3C-7CFA7E1CB1CD}"/>
               </a:ext>
             </a:extLst>
           </p:cNvPr>
@@ -17661,7 +17671,7 @@
         <p:spPr>
           <a:xfrm>
             <a:off x="3713793" y="329273"/>
-            <a:ext cx="5401129" cy="830997"/>
+            <a:ext cx="5401129" cy="461665"/>
           </a:xfrm>
           <a:prstGeom prst="rect">
             <a:avLst/>
@@ -17682,8 +17692,23 @@
                 </a:solidFill>
                 <a:latin typeface="Bahnschrift" pitchFamily="34" charset="0"/>
               </a:rPr>
-              <a:t>Схема работы системы лояльности в системе ООО «АИС Город»</a:t>
+              <a:t>Схема работы системы </a:t>
             </a:r>
+            <a:r>
+              <a:rPr lang="ru-RU" sz="2400" dirty="0" smtClean="0">
+                <a:solidFill>
+                  <a:srgbClr val="002B82"/>
+                </a:solidFill>
+                <a:latin typeface="Bahnschrift" pitchFamily="34" charset="0"/>
+              </a:rPr>
+              <a:t>лояльности</a:t>
+            </a:r>
+            <a:endParaRPr lang="ru-RU" sz="2400" dirty="0">
+              <a:solidFill>
+                <a:srgbClr val="002B82"/>
+              </a:solidFill>
+              <a:latin typeface="Bahnschrift" pitchFamily="34" charset="0"/>
+            </a:endParaRPr>
           </a:p>
         </p:txBody>
       </p:sp>
@@ -17914,7 +17939,7 @@
         </p:blipFill>
         <p:spPr bwMode="auto">
           <a:xfrm>
-            <a:off x="2100263" y="842963"/>
+            <a:off x="2100263" y="1070693"/>
             <a:ext cx="7991475" cy="5172075"/>
           </a:xfrm>
           <a:prstGeom prst="rect">
@@ -18128,7 +18153,7 @@
           <p:cNvPr id="2" name="Номер слайда 1">
             <a:extLst>
               <a:ext uri="{FF2B5EF4-FFF2-40B4-BE49-F238E27FC236}">
-                <a16:creationId xmlns:a16="http://schemas.microsoft.com/office/drawing/2014/main" id="{F752072B-5092-4F88-88FB-AF2D602AB40C}"/>
+                <a16:creationId xmlns:a16="http://schemas.microsoft.com/office/drawing/2014/main" xmlns="" id="{F752072B-5092-4F88-88FB-AF2D602AB40C}"/>
               </a:ext>
             </a:extLst>
           </p:cNvPr>
@@ -18165,7 +18190,7 @@
           <p:cNvPr id="10" name="TextBox 9">
             <a:extLst>
               <a:ext uri="{FF2B5EF4-FFF2-40B4-BE49-F238E27FC236}">
-                <a16:creationId xmlns:a16="http://schemas.microsoft.com/office/drawing/2014/main" id="{0DAF1E99-18A8-45BE-8B3C-7CFA7E1CB1CD}"/>
+                <a16:creationId xmlns:a16="http://schemas.microsoft.com/office/drawing/2014/main" xmlns="" id="{0DAF1E99-18A8-45BE-8B3C-7CFA7E1CB1CD}"/>
               </a:ext>
             </a:extLst>
           </p:cNvPr>
@@ -19975,7 +20000,7 @@
           <p:cNvPr id="2" name="Номер слайда 1">
             <a:extLst>
               <a:ext uri="{FF2B5EF4-FFF2-40B4-BE49-F238E27FC236}">
-                <a16:creationId xmlns:a16="http://schemas.microsoft.com/office/drawing/2014/main" id="{F752072B-5092-4F88-88FB-AF2D602AB40C}"/>
+                <a16:creationId xmlns:a16="http://schemas.microsoft.com/office/drawing/2014/main" xmlns="" id="{F752072B-5092-4F88-88FB-AF2D602AB40C}"/>
               </a:ext>
             </a:extLst>
           </p:cNvPr>
@@ -20012,7 +20037,7 @@
           <p:cNvPr id="8" name="TextBox 7">
             <a:extLst>
               <a:ext uri="{FF2B5EF4-FFF2-40B4-BE49-F238E27FC236}">
-                <a16:creationId xmlns:a16="http://schemas.microsoft.com/office/drawing/2014/main" id="{0DAF1E99-18A8-45BE-8B3C-7CFA7E1CB1CD}"/>
+                <a16:creationId xmlns:a16="http://schemas.microsoft.com/office/drawing/2014/main" xmlns="" id="{0DAF1E99-18A8-45BE-8B3C-7CFA7E1CB1CD}"/>
               </a:ext>
             </a:extLst>
           </p:cNvPr>
@@ -21067,7 +21092,7 @@
   <a:extraClrSchemeLst/>
   <a:extLst>
     <a:ext uri="{05A4C25C-085E-4340-85A3-A5531E510DB2}">
-      <thm15:themeFamily xmlns:thm15="http://schemas.microsoft.com/office/thememl/2012/main" name="Office Theme" id="{62F939B6-93AF-4DB8-9C6B-D6C7DFDC589F}" vid="{4A3C46E8-61CC-4603-A589-7422A47A8E4A}"/>
+      <thm15:themeFamily xmlns:thm15="http://schemas.microsoft.com/office/thememl/2012/main" xmlns="" name="Office Theme" id="{62F939B6-93AF-4DB8-9C6B-D6C7DFDC589F}" vid="{4A3C46E8-61CC-4603-A589-7422A47A8E4A}"/>
     </a:ext>
   </a:extLst>
 </a:theme>
@@ -21362,7 +21387,7 @@
   <a:extraClrSchemeLst/>
   <a:extLst>
     <a:ext uri="{05A4C25C-085E-4340-85A3-A5531E510DB2}">
-      <thm15:themeFamily xmlns:thm15="http://schemas.microsoft.com/office/thememl/2012/main" name="Office Theme" id="{62F939B6-93AF-4DB8-9C6B-D6C7DFDC589F}" vid="{4A3C46E8-61CC-4603-A589-7422A47A8E4A}"/>
+      <thm15:themeFamily xmlns:thm15="http://schemas.microsoft.com/office/thememl/2012/main" xmlns="" name="Office Theme" id="{62F939B6-93AF-4DB8-9C6B-D6C7DFDC589F}" vid="{4A3C46E8-61CC-4603-A589-7422A47A8E4A}"/>
     </a:ext>
   </a:extLst>
 </a:theme>
